--- a/paper/毕设思路 [自动保存的] [自动保存的].pptx
+++ b/paper/毕设思路 [自动保存的] [自动保存的].pptx
@@ -13,12 +13,20 @@
     <p:sldId id="261" r:id="rId7"/>
     <p:sldId id="262" r:id="rId8"/>
     <p:sldId id="263" r:id="rId9"/>
-    <p:sldId id="264" r:id="rId10"/>
-    <p:sldId id="265" r:id="rId11"/>
-    <p:sldId id="266" r:id="rId12"/>
-    <p:sldId id="267" r:id="rId13"/>
-    <p:sldId id="268" r:id="rId14"/>
-    <p:sldId id="269" r:id="rId15"/>
+    <p:sldId id="271" r:id="rId10"/>
+    <p:sldId id="264" r:id="rId11"/>
+    <p:sldId id="265" r:id="rId12"/>
+    <p:sldId id="266" r:id="rId13"/>
+    <p:sldId id="267" r:id="rId14"/>
+    <p:sldId id="268" r:id="rId15"/>
+    <p:sldId id="269" r:id="rId16"/>
+    <p:sldId id="270" r:id="rId17"/>
+    <p:sldId id="272" r:id="rId18"/>
+    <p:sldId id="273" r:id="rId19"/>
+    <p:sldId id="274" r:id="rId20"/>
+    <p:sldId id="275" r:id="rId21"/>
+    <p:sldId id="276" r:id="rId22"/>
+    <p:sldId id="277" r:id="rId23"/>
   </p:sldIdLst>
   <p:sldSz cx="12192000" cy="6858000"/>
   <p:notesSz cx="6858000" cy="9144000"/>
@@ -272,7 +280,7 @@
           <a:p>
             <a:fld id="{AD8B3968-3313-4141-86A3-A13F50CDB1A3}" type="datetimeFigureOut">
               <a:rPr lang="zh-CN" altLang="en-US" smtClean="0"/>
-              <a:t>2022/12/5</a:t>
+              <a:t>2023/1/4</a:t>
             </a:fld>
             <a:endParaRPr lang="zh-CN" altLang="en-US"/>
           </a:p>
@@ -470,7 +478,7 @@
           <a:p>
             <a:fld id="{AD8B3968-3313-4141-86A3-A13F50CDB1A3}" type="datetimeFigureOut">
               <a:rPr lang="zh-CN" altLang="en-US" smtClean="0"/>
-              <a:t>2022/12/5</a:t>
+              <a:t>2023/1/4</a:t>
             </a:fld>
             <a:endParaRPr lang="zh-CN" altLang="en-US"/>
           </a:p>
@@ -678,7 +686,7 @@
           <a:p>
             <a:fld id="{AD8B3968-3313-4141-86A3-A13F50CDB1A3}" type="datetimeFigureOut">
               <a:rPr lang="zh-CN" altLang="en-US" smtClean="0"/>
-              <a:t>2022/12/5</a:t>
+              <a:t>2023/1/4</a:t>
             </a:fld>
             <a:endParaRPr lang="zh-CN" altLang="en-US"/>
           </a:p>
@@ -876,7 +884,7 @@
           <a:p>
             <a:fld id="{AD8B3968-3313-4141-86A3-A13F50CDB1A3}" type="datetimeFigureOut">
               <a:rPr lang="zh-CN" altLang="en-US" smtClean="0"/>
-              <a:t>2022/12/5</a:t>
+              <a:t>2023/1/4</a:t>
             </a:fld>
             <a:endParaRPr lang="zh-CN" altLang="en-US"/>
           </a:p>
@@ -1151,7 +1159,7 @@
           <a:p>
             <a:fld id="{AD8B3968-3313-4141-86A3-A13F50CDB1A3}" type="datetimeFigureOut">
               <a:rPr lang="zh-CN" altLang="en-US" smtClean="0"/>
-              <a:t>2022/12/5</a:t>
+              <a:t>2023/1/4</a:t>
             </a:fld>
             <a:endParaRPr lang="zh-CN" altLang="en-US"/>
           </a:p>
@@ -1416,7 +1424,7 @@
           <a:p>
             <a:fld id="{AD8B3968-3313-4141-86A3-A13F50CDB1A3}" type="datetimeFigureOut">
               <a:rPr lang="zh-CN" altLang="en-US" smtClean="0"/>
-              <a:t>2022/12/5</a:t>
+              <a:t>2023/1/4</a:t>
             </a:fld>
             <a:endParaRPr lang="zh-CN" altLang="en-US"/>
           </a:p>
@@ -1828,7 +1836,7 @@
           <a:p>
             <a:fld id="{AD8B3968-3313-4141-86A3-A13F50CDB1A3}" type="datetimeFigureOut">
               <a:rPr lang="zh-CN" altLang="en-US" smtClean="0"/>
-              <a:t>2022/12/5</a:t>
+              <a:t>2023/1/4</a:t>
             </a:fld>
             <a:endParaRPr lang="zh-CN" altLang="en-US"/>
           </a:p>
@@ -1969,7 +1977,7 @@
           <a:p>
             <a:fld id="{AD8B3968-3313-4141-86A3-A13F50CDB1A3}" type="datetimeFigureOut">
               <a:rPr lang="zh-CN" altLang="en-US" smtClean="0"/>
-              <a:t>2022/12/5</a:t>
+              <a:t>2023/1/4</a:t>
             </a:fld>
             <a:endParaRPr lang="zh-CN" altLang="en-US"/>
           </a:p>
@@ -2082,7 +2090,7 @@
           <a:p>
             <a:fld id="{AD8B3968-3313-4141-86A3-A13F50CDB1A3}" type="datetimeFigureOut">
               <a:rPr lang="zh-CN" altLang="en-US" smtClean="0"/>
-              <a:t>2022/12/5</a:t>
+              <a:t>2023/1/4</a:t>
             </a:fld>
             <a:endParaRPr lang="zh-CN" altLang="en-US"/>
           </a:p>
@@ -2393,7 +2401,7 @@
           <a:p>
             <a:fld id="{AD8B3968-3313-4141-86A3-A13F50CDB1A3}" type="datetimeFigureOut">
               <a:rPr lang="zh-CN" altLang="en-US" smtClean="0"/>
-              <a:t>2022/12/5</a:t>
+              <a:t>2023/1/4</a:t>
             </a:fld>
             <a:endParaRPr lang="zh-CN" altLang="en-US"/>
           </a:p>
@@ -2681,7 +2689,7 @@
           <a:p>
             <a:fld id="{AD8B3968-3313-4141-86A3-A13F50CDB1A3}" type="datetimeFigureOut">
               <a:rPr lang="zh-CN" altLang="en-US" smtClean="0"/>
-              <a:t>2022/12/5</a:t>
+              <a:t>2023/1/4</a:t>
             </a:fld>
             <a:endParaRPr lang="zh-CN" altLang="en-US"/>
           </a:p>
@@ -2922,7 +2930,7 @@
           <a:p>
             <a:fld id="{AD8B3968-3313-4141-86A3-A13F50CDB1A3}" type="datetimeFigureOut">
               <a:rPr lang="zh-CN" altLang="en-US" smtClean="0"/>
-              <a:t>2022/12/5</a:t>
+              <a:t>2023/1/4</a:t>
             </a:fld>
             <a:endParaRPr lang="zh-CN" altLang="en-US"/>
           </a:p>
@@ -4037,102 +4045,12 @@
           <a:chExt cx="0" cy="0"/>
         </a:xfrm>
       </p:grpSpPr>
-      <p:pic>
-        <p:nvPicPr>
-          <p:cNvPr id="4" name="图片 3">
-            <a:extLst>
-              <a:ext uri="{FF2B5EF4-FFF2-40B4-BE49-F238E27FC236}">
-                <a16:creationId xmlns:a16="http://schemas.microsoft.com/office/drawing/2014/main" id="{A47E2DA0-E3AF-4BA9-9541-CBA6AAE4AD75}"/>
-              </a:ext>
-            </a:extLst>
-          </p:cNvPr>
-          <p:cNvPicPr>
-            <a:picLocks noChangeAspect="1"/>
-          </p:cNvPicPr>
-          <p:nvPr/>
-        </p:nvPicPr>
-        <p:blipFill>
-          <a:blip r:embed="rId2"/>
-          <a:stretch>
-            <a:fillRect/>
-          </a:stretch>
-        </p:blipFill>
-        <p:spPr>
-          <a:xfrm>
-            <a:off x="990914" y="3919437"/>
-            <a:ext cx="4481545" cy="1962164"/>
-          </a:xfrm>
-          <a:prstGeom prst="rect">
-            <a:avLst/>
-          </a:prstGeom>
-        </p:spPr>
-      </p:pic>
-      <p:pic>
-        <p:nvPicPr>
-          <p:cNvPr id="6" name="图片 5">
-            <a:extLst>
-              <a:ext uri="{FF2B5EF4-FFF2-40B4-BE49-F238E27FC236}">
-                <a16:creationId xmlns:a16="http://schemas.microsoft.com/office/drawing/2014/main" id="{CF22F9E4-9D31-4846-9EAE-326161E154E6}"/>
-              </a:ext>
-            </a:extLst>
-          </p:cNvPr>
-          <p:cNvPicPr>
-            <a:picLocks noChangeAspect="1"/>
-          </p:cNvPicPr>
-          <p:nvPr/>
-        </p:nvPicPr>
-        <p:blipFill>
-          <a:blip r:embed="rId3"/>
-          <a:stretch>
-            <a:fillRect/>
-          </a:stretch>
-        </p:blipFill>
-        <p:spPr>
-          <a:xfrm>
-            <a:off x="6338035" y="2971805"/>
-            <a:ext cx="4538696" cy="3167086"/>
-          </a:xfrm>
-          <a:prstGeom prst="rect">
-            <a:avLst/>
-          </a:prstGeom>
-        </p:spPr>
-      </p:pic>
-      <p:pic>
-        <p:nvPicPr>
-          <p:cNvPr id="8" name="图片 7">
-            <a:extLst>
-              <a:ext uri="{FF2B5EF4-FFF2-40B4-BE49-F238E27FC236}">
-                <a16:creationId xmlns:a16="http://schemas.microsoft.com/office/drawing/2014/main" id="{1F740FDF-AAC6-4978-BAB5-132D945F7FAF}"/>
-              </a:ext>
-            </a:extLst>
-          </p:cNvPr>
-          <p:cNvPicPr>
-            <a:picLocks noChangeAspect="1"/>
-          </p:cNvPicPr>
-          <p:nvPr/>
-        </p:nvPicPr>
-        <p:blipFill>
-          <a:blip r:embed="rId4"/>
-          <a:stretch>
-            <a:fillRect/>
-          </a:stretch>
-        </p:blipFill>
-        <p:spPr>
-          <a:xfrm>
-            <a:off x="5844597" y="819094"/>
-            <a:ext cx="4281519" cy="1385898"/>
-          </a:xfrm>
-          <a:prstGeom prst="rect">
-            <a:avLst/>
-          </a:prstGeom>
-        </p:spPr>
-      </p:pic>
       <p:sp>
         <p:nvSpPr>
-          <p:cNvPr id="9" name="文本框 8">
-            <a:extLst>
-              <a:ext uri="{FF2B5EF4-FFF2-40B4-BE49-F238E27FC236}">
-                <a16:creationId xmlns:a16="http://schemas.microsoft.com/office/drawing/2014/main" id="{7C49F9FC-D3FA-4204-8DF8-F9F9917C4C2C}"/>
+          <p:cNvPr id="2" name="文本框 1">
+            <a:extLst>
+              <a:ext uri="{FF2B5EF4-FFF2-40B4-BE49-F238E27FC236}">
+                <a16:creationId xmlns:a16="http://schemas.microsoft.com/office/drawing/2014/main" id="{04AB71C1-A2F7-42FC-8A02-C63E93DB1D07}"/>
               </a:ext>
             </a:extLst>
           </p:cNvPr>
@@ -4141,8 +4059,8 @@
         </p:nvSpPr>
         <p:spPr>
           <a:xfrm>
-            <a:off x="1096069" y="744842"/>
-            <a:ext cx="1968079" cy="369332"/>
+            <a:off x="738786" y="399672"/>
+            <a:ext cx="3094427" cy="369332"/>
           </a:xfrm>
           <a:prstGeom prst="rect">
             <a:avLst/>
@@ -4157,18 +4075,21 @@
           <a:p>
             <a:r>
               <a:rPr lang="en-US" altLang="zh-CN" dirty="0"/>
-              <a:t>V1_0</a:t>
-            </a:r>
-            <a:endParaRPr lang="zh-CN" altLang="en-US" dirty="0"/>
+              <a:t>PID</a:t>
+            </a:r>
+            <a:r>
+              <a:rPr lang="zh-CN" altLang="en-US" dirty="0"/>
+              <a:t>神经网络搭建及验证</a:t>
+            </a:r>
           </a:p>
         </p:txBody>
       </p:sp>
       <p:sp>
         <p:nvSpPr>
-          <p:cNvPr id="10" name="文本框 9">
-            <a:extLst>
-              <a:ext uri="{FF2B5EF4-FFF2-40B4-BE49-F238E27FC236}">
-                <a16:creationId xmlns:a16="http://schemas.microsoft.com/office/drawing/2014/main" id="{AF22BFB7-B379-490B-AE14-7658B01CE3BE}"/>
+          <p:cNvPr id="3" name="文本框 2">
+            <a:extLst>
+              <a:ext uri="{FF2B5EF4-FFF2-40B4-BE49-F238E27FC236}">
+                <a16:creationId xmlns:a16="http://schemas.microsoft.com/office/drawing/2014/main" id="{9145CABB-8525-4BF3-8E3C-4A35D2BFD49B}"/>
               </a:ext>
             </a:extLst>
           </p:cNvPr>
@@ -4177,8 +4098,8 @@
         </p:nvSpPr>
         <p:spPr>
           <a:xfrm>
-            <a:off x="990914" y="1447295"/>
-            <a:ext cx="3786977" cy="923330"/>
+            <a:off x="793287" y="1211066"/>
+            <a:ext cx="7672482" cy="646331"/>
           </a:xfrm>
           <a:prstGeom prst="rect">
             <a:avLst/>
@@ -4193,47 +4114,529 @@
           <a:p>
             <a:r>
               <a:rPr lang="zh-CN" altLang="en-US" dirty="0"/>
-              <a:t>其中</a:t>
+              <a:t>上页</a:t>
             </a:r>
             <a:r>
               <a:rPr lang="en-US" altLang="zh-CN" dirty="0"/>
-              <a:t>P</a:t>
+              <a:t>ppt</a:t>
             </a:r>
             <a:r>
               <a:rPr lang="zh-CN" altLang="en-US" dirty="0"/>
-              <a:t>、</a:t>
+              <a:t>验证了</a:t>
             </a:r>
             <a:r>
               <a:rPr lang="en-US" altLang="zh-CN" dirty="0"/>
-              <a:t>D</a:t>
+              <a:t>PID</a:t>
             </a:r>
             <a:r>
               <a:rPr lang="zh-CN" altLang="en-US" dirty="0"/>
-              <a:t>符合预期，</a:t>
+              <a:t>算法应用于拥塞控制窗口的可行性，这里验证使用</a:t>
+            </a:r>
+            <a:r>
+              <a:rPr lang="en-US" altLang="zh-CN" dirty="0" err="1"/>
+              <a:t>pytorch</a:t>
+            </a:r>
+            <a:r>
+              <a:rPr lang="zh-CN" altLang="en-US" dirty="0"/>
+              <a:t>简易搭建的神经网络能否模拟</a:t>
             </a:r>
             <a:r>
               <a:rPr lang="en-US" altLang="zh-CN" dirty="0"/>
-              <a:t>I</a:t>
+              <a:t>PID</a:t>
             </a:r>
             <a:r>
               <a:rPr lang="zh-CN" altLang="en-US" dirty="0"/>
-              <a:t>的</a:t>
-            </a:r>
-            <a:r>
-              <a:rPr lang="en-US" altLang="zh-CN" dirty="0"/>
-              <a:t>loss</a:t>
-            </a:r>
-            <a:r>
-              <a:rPr lang="zh-CN" altLang="en-US" dirty="0"/>
-              <a:t>始终保持较高，优化后没有变化，断定代码模块存在问题</a:t>
+              <a:t>算法</a:t>
             </a:r>
           </a:p>
         </p:txBody>
       </p:sp>
+      <mc:AlternateContent xmlns:mc="http://schemas.openxmlformats.org/markup-compatibility/2006" xmlns:a14="http://schemas.microsoft.com/office/drawing/2010/main">
+        <mc:Choice Requires="a14">
+          <p:sp>
+            <p:nvSpPr>
+              <p:cNvPr id="4" name="文本框 3">
+                <a:extLst>
+                  <a:ext uri="{FF2B5EF4-FFF2-40B4-BE49-F238E27FC236}">
+                    <a16:creationId xmlns:a16="http://schemas.microsoft.com/office/drawing/2014/main" id="{4C1AAC21-604A-4ADD-94D6-7A600B6EA302}"/>
+                  </a:ext>
+                </a:extLst>
+              </p:cNvPr>
+              <p:cNvSpPr txBox="1"/>
+              <p:nvPr/>
+            </p:nvSpPr>
+            <p:spPr>
+              <a:xfrm>
+                <a:off x="738786" y="2065325"/>
+                <a:ext cx="8247768" cy="2727350"/>
+              </a:xfrm>
+              <a:prstGeom prst="rect">
+                <a:avLst/>
+              </a:prstGeom>
+              <a:noFill/>
+            </p:spPr>
+            <p:txBody>
+              <a:bodyPr wrap="square" rtlCol="0">
+                <a:spAutoFit/>
+              </a:bodyPr>
+              <a:lstStyle/>
+              <a:p>
+                <a:r>
+                  <a:rPr lang="zh-CN" altLang="en-US" dirty="0"/>
+                  <a:t>验证意义：已经使用</a:t>
+                </a:r>
+                <a:r>
+                  <a:rPr lang="en-US" altLang="zh-CN" dirty="0"/>
+                  <a:t>torch</a:t>
+                </a:r>
+                <a:r>
+                  <a:rPr lang="zh-CN" altLang="en-US" dirty="0"/>
+                  <a:t>搭建了</a:t>
+                </a:r>
+                <a:r>
+                  <a:rPr lang="en-US" altLang="zh-CN" dirty="0"/>
+                  <a:t>P</a:t>
+                </a:r>
+                <a:r>
+                  <a:rPr lang="zh-CN" altLang="en-US" dirty="0"/>
+                  <a:t>、</a:t>
+                </a:r>
+                <a:r>
+                  <a:rPr lang="en-US" altLang="zh-CN" dirty="0"/>
+                  <a:t>I</a:t>
+                </a:r>
+                <a:r>
+                  <a:rPr lang="zh-CN" altLang="en-US" dirty="0"/>
+                  <a:t>、</a:t>
+                </a:r>
+                <a:r>
+                  <a:rPr lang="en-US" altLang="zh-CN" dirty="0"/>
+                  <a:t>D</a:t>
+                </a:r>
+                <a:r>
+                  <a:rPr lang="zh-CN" altLang="en-US" dirty="0"/>
+                  <a:t>神经元，但是与常规的神经元不同的是其计算方法；常规的神经元</a:t>
+                </a:r>
+                <a:r>
+                  <a:rPr lang="en-US" altLang="zh-CN" dirty="0"/>
+                  <a:t>y = w*</a:t>
+                </a:r>
+                <a:r>
+                  <a:rPr lang="en-US" altLang="zh-CN" dirty="0" err="1"/>
+                  <a:t>x+b</a:t>
+                </a:r>
+                <a:r>
+                  <a:rPr lang="en-US" altLang="zh-CN" dirty="0"/>
+                  <a:t>,[</a:t>
+                </a:r>
+                <a:r>
+                  <a:rPr lang="en-US" altLang="zh-CN" dirty="0" err="1"/>
+                  <a:t>w,b</a:t>
+                </a:r>
+                <a:r>
+                  <a:rPr lang="en-US" altLang="zh-CN" dirty="0"/>
+                  <a:t>]</a:t>
+                </a:r>
+                <a:r>
+                  <a:rPr lang="zh-CN" altLang="en-US" dirty="0"/>
+                  <a:t>参数经过反向传播可以逼近</a:t>
+                </a:r>
+                <a:r>
+                  <a:rPr lang="en-US" altLang="zh-CN" dirty="0" err="1"/>
+                  <a:t>x,y</a:t>
+                </a:r>
+                <a:r>
+                  <a:rPr lang="zh-CN" altLang="en-US" dirty="0"/>
+                  <a:t>之间的函数关系，以</a:t>
+                </a:r>
+                <a:r>
+                  <a:rPr lang="en-US" altLang="zh-CN" dirty="0" err="1"/>
+                  <a:t>i</a:t>
+                </a:r>
+                <a:r>
+                  <a:rPr lang="zh-CN" altLang="en-US" dirty="0"/>
+                  <a:t>神经元为例，</a:t>
+                </a:r>
+                <a:r>
+                  <a:rPr lang="en-US" altLang="zh-CN" dirty="0" err="1"/>
+                  <a:t>yi</a:t>
+                </a:r>
+                <a:r>
+                  <a:rPr lang="en-US" altLang="zh-CN" dirty="0"/>
+                  <a:t> = </a:t>
+                </a:r>
+                <a:r>
+                  <a:rPr lang="en-US" altLang="zh-CN" dirty="0" err="1"/>
+                  <a:t>wi</a:t>
+                </a:r>
+                <a14:m>
+                  <m:oMath xmlns:m="http://schemas.openxmlformats.org/officeDocument/2006/math">
+                    <m:nary>
+                      <m:naryPr>
+                        <m:limLoc m:val="undOvr"/>
+                        <m:subHide m:val="on"/>
+                        <m:supHide m:val="on"/>
+                        <m:ctrlPr>
+                          <a:rPr lang="en-US" altLang="zh-CN" i="1" smtClean="0">
+                            <a:latin typeface="Cambria Math" panose="02040503050406030204" pitchFamily="18" charset="0"/>
+                          </a:rPr>
+                        </m:ctrlPr>
+                      </m:naryPr>
+                      <m:sub/>
+                      <m:sup/>
+                      <m:e>
+                        <m:r>
+                          <m:rPr>
+                            <m:sty m:val="p"/>
+                          </m:rPr>
+                          <a:rPr lang="en-US" altLang="zh-CN" i="1">
+                            <a:latin typeface="Cambria Math" panose="02040503050406030204" pitchFamily="18" charset="0"/>
+                          </a:rPr>
+                          <m:t>x</m:t>
+                        </m:r>
+                      </m:e>
+                    </m:nary>
+                  </m:oMath>
+                </a14:m>
+                <a:r>
+                  <a:rPr lang="en-US" altLang="zh-CN" dirty="0"/>
+                  <a:t>+bi,</a:t>
+                </a:r>
+                <a:r>
+                  <a:rPr lang="zh-CN" altLang="en-US" dirty="0"/>
+                  <a:t>其参数</a:t>
+                </a:r>
+                <a:r>
+                  <a:rPr lang="en-US" altLang="zh-CN" dirty="0"/>
+                  <a:t>[</a:t>
+                </a:r>
+                <a:r>
+                  <a:rPr lang="en-US" altLang="zh-CN" dirty="0" err="1"/>
+                  <a:t>wi,bi</a:t>
+                </a:r>
+                <a:r>
+                  <a:rPr lang="en-US" altLang="zh-CN" dirty="0"/>
+                  <a:t>]</a:t>
+                </a:r>
+                <a:r>
+                  <a:rPr lang="zh-CN" altLang="en-US" dirty="0"/>
+                  <a:t>不知是否可以用传统算法进行学习，故设计方法进行验证，这对于后续整体神经网络搭建十分重要</a:t>
+                </a:r>
+                <a:endParaRPr lang="en-US" altLang="zh-CN" dirty="0"/>
+              </a:p>
+              <a:p>
+                <a:r>
+                  <a:rPr lang="zh-CN" altLang="en-US" dirty="0"/>
+                  <a:t>验证方法</a:t>
+                </a:r>
+                <a:r>
+                  <a:rPr lang="zh-CN" altLang="en-US" dirty="0">
+                    <a:sym typeface="Wingdings" panose="05000000000000000000" pitchFamily="2" charset="2"/>
+                  </a:rPr>
+                  <a:t>（输入</a:t>
+                </a:r>
+                <a:r>
+                  <a:rPr lang="en-US" altLang="zh-CN" dirty="0">
+                    <a:sym typeface="Wingdings" panose="05000000000000000000" pitchFamily="2" charset="2"/>
+                  </a:rPr>
+                  <a:t>x;</a:t>
+                </a:r>
+                <a:r>
+                  <a:rPr lang="zh-CN" altLang="en-US" dirty="0">
+                    <a:sym typeface="Wingdings" panose="05000000000000000000" pitchFamily="2" charset="2"/>
+                  </a:rPr>
+                  <a:t>输出</a:t>
+                </a:r>
+                <a:r>
+                  <a:rPr lang="en-US" altLang="zh-CN" dirty="0">
+                    <a:sym typeface="Wingdings" panose="05000000000000000000" pitchFamily="2" charset="2"/>
+                  </a:rPr>
+                  <a:t>out;</a:t>
+                </a:r>
+                <a:r>
+                  <a:rPr lang="zh-CN" altLang="en-US" dirty="0">
+                    <a:sym typeface="Wingdings" panose="05000000000000000000" pitchFamily="2" charset="2"/>
+                  </a:rPr>
+                  <a:t>真实值</a:t>
+                </a:r>
+                <a:r>
+                  <a:rPr lang="en-US" altLang="zh-CN" dirty="0">
+                    <a:sym typeface="Wingdings" panose="05000000000000000000" pitchFamily="2" charset="2"/>
+                  </a:rPr>
+                  <a:t>y</a:t>
+                </a:r>
+                <a:r>
+                  <a:rPr lang="zh-CN" altLang="en-US" dirty="0">
+                    <a:sym typeface="Wingdings" panose="05000000000000000000" pitchFamily="2" charset="2"/>
+                  </a:rPr>
+                  <a:t>）</a:t>
+                </a:r>
+                <a:endParaRPr lang="en-US" altLang="zh-CN" dirty="0"/>
+              </a:p>
+              <a:p>
+                <a:r>
+                  <a:rPr lang="en-US" altLang="zh-CN" dirty="0"/>
+                  <a:t>P:</a:t>
+                </a:r>
+                <a:r>
+                  <a:rPr lang="zh-CN" altLang="en-US" dirty="0"/>
+                  <a:t>随机</a:t>
+                </a:r>
+                <a:r>
+                  <a:rPr lang="en-US" altLang="zh-CN" dirty="0"/>
+                  <a:t>x,</a:t>
+                </a:r>
+                <a:r>
+                  <a:rPr lang="zh-CN" altLang="en-US" dirty="0"/>
+                  <a:t>设置</a:t>
+                </a:r>
+                <a:r>
+                  <a:rPr lang="en-US" altLang="zh-CN" dirty="0"/>
+                  <a:t>y = 5*x,</a:t>
+                </a:r>
+                <a:r>
+                  <a:rPr lang="zh-CN" altLang="en-US" dirty="0"/>
+                  <a:t>然后网络训练反向传播，在设置测试集，验证这时候的网络输出是否</a:t>
+                </a:r>
+                <a:r>
+                  <a:rPr lang="en-US" altLang="zh-CN" dirty="0"/>
+                  <a:t>out</a:t>
+                </a:r>
+                <a:r>
+                  <a:rPr lang="zh-CN" altLang="en-US" dirty="0"/>
+                  <a:t>≈</a:t>
+                </a:r>
+                <a:r>
+                  <a:rPr lang="en-US" altLang="zh-CN" dirty="0"/>
+                  <a:t>5*x</a:t>
+                </a:r>
+              </a:p>
+              <a:p>
+                <a:r>
+                  <a:rPr lang="en-US" altLang="zh-CN" dirty="0"/>
+                  <a:t>I:y = </a:t>
+                </a:r>
+                <a14:m>
+                  <m:oMath xmlns:m="http://schemas.openxmlformats.org/officeDocument/2006/math">
+                    <m:r>
+                      <a:rPr lang="en-US" altLang="zh-CN" b="0" i="0" smtClean="0">
+                        <a:latin typeface="Cambria Math" panose="02040503050406030204" pitchFamily="18" charset="0"/>
+                      </a:rPr>
+                      <m:t>2∗</m:t>
+                    </m:r>
+                    <m:nary>
+                      <m:naryPr>
+                        <m:ctrlPr>
+                          <a:rPr lang="en-US" altLang="zh-CN" i="1" smtClean="0">
+                            <a:latin typeface="Cambria Math" panose="02040503050406030204" pitchFamily="18" charset="0"/>
+                          </a:rPr>
+                        </m:ctrlPr>
+                      </m:naryPr>
+                      <m:sub>
+                        <m:r>
+                          <m:rPr>
+                            <m:brk m:alnAt="23"/>
+                          </m:rPr>
+                          <a:rPr lang="en-US" altLang="zh-CN" b="0" i="1" smtClean="0">
+                            <a:latin typeface="Cambria Math" panose="02040503050406030204" pitchFamily="18" charset="0"/>
+                          </a:rPr>
+                          <m:t>0</m:t>
+                        </m:r>
+                      </m:sub>
+                      <m:sup>
+                        <m:r>
+                          <a:rPr lang="en-US" altLang="zh-CN" b="0" i="1" smtClean="0">
+                            <a:latin typeface="Cambria Math" panose="02040503050406030204" pitchFamily="18" charset="0"/>
+                          </a:rPr>
+                          <m:t>10</m:t>
+                        </m:r>
+                      </m:sup>
+                      <m:e>
+                        <m:r>
+                          <a:rPr lang="en-US" altLang="zh-CN" b="0" i="1" smtClean="0">
+                            <a:latin typeface="Cambria Math" panose="02040503050406030204" pitchFamily="18" charset="0"/>
+                          </a:rPr>
+                          <m:t>𝑥</m:t>
+                        </m:r>
+                      </m:e>
+                    </m:nary>
+                  </m:oMath>
+                </a14:m>
+                <a:r>
+                  <a:rPr lang="en-US" altLang="zh-CN" dirty="0"/>
+                  <a:t>,</a:t>
+                </a:r>
+                <a:r>
+                  <a:rPr lang="zh-CN" altLang="en-US" dirty="0"/>
+                  <a:t>训练，</a:t>
+                </a:r>
+                <a:r>
+                  <a:rPr lang="en-US" altLang="zh-CN" dirty="0"/>
+                  <a:t>out</a:t>
+                </a:r>
+                <a:r>
+                  <a:rPr lang="zh-CN" altLang="en-US" dirty="0"/>
+                  <a:t>≈</a:t>
+                </a:r>
+                <a:r>
+                  <a:rPr lang="en-US" altLang="zh-CN" dirty="0"/>
+                  <a:t>y</a:t>
+                </a:r>
+                <a:r>
+                  <a:rPr lang="zh-CN" altLang="en-US" dirty="0"/>
+                  <a:t>是否成立</a:t>
+                </a:r>
+                <a:endParaRPr lang="en-US" altLang="zh-CN" dirty="0"/>
+              </a:p>
+              <a:p>
+                <a:r>
+                  <a:rPr lang="en-US" altLang="zh-CN" dirty="0"/>
+                  <a:t>D:y = 3(</a:t>
+                </a:r>
+                <a14:m>
+                  <m:oMath xmlns:m="http://schemas.openxmlformats.org/officeDocument/2006/math">
+                    <m:sSub>
+                      <m:sSubPr>
+                        <m:ctrlPr>
+                          <a:rPr lang="en-US" altLang="zh-CN" i="1" smtClean="0">
+                            <a:latin typeface="Cambria Math" panose="02040503050406030204" pitchFamily="18" charset="0"/>
+                          </a:rPr>
+                        </m:ctrlPr>
+                      </m:sSubPr>
+                      <m:e>
+                        <m:r>
+                          <a:rPr lang="en-US" altLang="zh-CN" b="0" i="1" smtClean="0">
+                            <a:latin typeface="Cambria Math" panose="02040503050406030204" pitchFamily="18" charset="0"/>
+                          </a:rPr>
+                          <m:t>𝑥</m:t>
+                        </m:r>
+                      </m:e>
+                      <m:sub>
+                        <m:r>
+                          <a:rPr lang="en-US" altLang="zh-CN" b="0" i="1" smtClean="0">
+                            <a:latin typeface="Cambria Math" panose="02040503050406030204" pitchFamily="18" charset="0"/>
+                          </a:rPr>
+                          <m:t>𝑘</m:t>
+                        </m:r>
+                      </m:sub>
+                    </m:sSub>
+                    <m:r>
+                      <a:rPr lang="en-US" altLang="zh-CN" b="0" i="1" smtClean="0">
+                        <a:latin typeface="Cambria Math" panose="02040503050406030204" pitchFamily="18" charset="0"/>
+                      </a:rPr>
+                      <m:t>−</m:t>
+                    </m:r>
+                    <m:sSub>
+                      <m:sSubPr>
+                        <m:ctrlPr>
+                          <a:rPr lang="en-US" altLang="zh-CN" i="1">
+                            <a:latin typeface="Cambria Math" panose="02040503050406030204" pitchFamily="18" charset="0"/>
+                          </a:rPr>
+                        </m:ctrlPr>
+                      </m:sSubPr>
+                      <m:e>
+                        <m:r>
+                          <a:rPr lang="en-US" altLang="zh-CN" i="1">
+                            <a:latin typeface="Cambria Math" panose="02040503050406030204" pitchFamily="18" charset="0"/>
+                          </a:rPr>
+                          <m:t>𝑥</m:t>
+                        </m:r>
+                      </m:e>
+                      <m:sub>
+                        <m:r>
+                          <a:rPr lang="en-US" altLang="zh-CN" i="1">
+                            <a:latin typeface="Cambria Math" panose="02040503050406030204" pitchFamily="18" charset="0"/>
+                          </a:rPr>
+                          <m:t>𝑘</m:t>
+                        </m:r>
+                        <m:r>
+                          <a:rPr lang="en-US" altLang="zh-CN" b="0" i="1" smtClean="0">
+                            <a:latin typeface="Cambria Math" panose="02040503050406030204" pitchFamily="18" charset="0"/>
+                          </a:rPr>
+                          <m:t>−1</m:t>
+                        </m:r>
+                      </m:sub>
+                    </m:sSub>
+                  </m:oMath>
+                </a14:m>
+                <a:r>
+                  <a:rPr lang="en-US" altLang="zh-CN" dirty="0"/>
+                  <a:t>),</a:t>
+                </a:r>
+                <a:r>
+                  <a:rPr lang="zh-CN" altLang="en-US" dirty="0"/>
+                  <a:t>验证</a:t>
+                </a:r>
+                <a:r>
+                  <a:rPr lang="en-US" altLang="zh-CN" dirty="0"/>
+                  <a:t>out</a:t>
+                </a:r>
+                <a:r>
+                  <a:rPr lang="zh-CN" altLang="en-US" dirty="0"/>
+                  <a:t>≈</a:t>
+                </a:r>
+                <a:r>
+                  <a:rPr lang="en-US" altLang="zh-CN" dirty="0"/>
+                  <a:t>y</a:t>
+                </a:r>
+                <a:r>
+                  <a:rPr lang="zh-CN" altLang="en-US" dirty="0"/>
+                  <a:t>是否成立</a:t>
+                </a:r>
+                <a:endParaRPr lang="en-US" altLang="zh-CN" dirty="0"/>
+              </a:p>
+            </p:txBody>
+          </p:sp>
+        </mc:Choice>
+        <mc:Fallback xmlns="">
+          <p:sp>
+            <p:nvSpPr>
+              <p:cNvPr id="4" name="文本框 3">
+                <a:extLst>
+                  <a:ext uri="{FF2B5EF4-FFF2-40B4-BE49-F238E27FC236}">
+                    <a16:creationId xmlns:a16="http://schemas.microsoft.com/office/drawing/2014/main" id="{4C1AAC21-604A-4ADD-94D6-7A600B6EA302}"/>
+                  </a:ext>
+                </a:extLst>
+              </p:cNvPr>
+              <p:cNvSpPr txBox="1">
+                <a:spLocks noRot="1" noChangeAspect="1" noMove="1" noResize="1" noEditPoints="1" noAdjustHandles="1" noChangeArrowheads="1" noChangeShapeType="1" noTextEdit="1"/>
+              </p:cNvSpPr>
+              <p:nvPr/>
+            </p:nvSpPr>
+            <p:spPr>
+              <a:xfrm>
+                <a:off x="738786" y="2065325"/>
+                <a:ext cx="8247768" cy="2727350"/>
+              </a:xfrm>
+              <a:prstGeom prst="rect">
+                <a:avLst/>
+              </a:prstGeom>
+              <a:blipFill>
+                <a:blip r:embed="rId2"/>
+                <a:stretch>
+                  <a:fillRect l="-591" t="-1342" b="-18345"/>
+                </a:stretch>
+              </a:blipFill>
+            </p:spPr>
+            <p:txBody>
+              <a:bodyPr/>
+              <a:lstStyle/>
+              <a:p>
+                <a:r>
+                  <a:rPr lang="zh-CN" altLang="en-US">
+                    <a:noFill/>
+                  </a:rPr>
+                  <a:t> </a:t>
+                </a:r>
+              </a:p>
+            </p:txBody>
+          </p:sp>
+        </mc:Fallback>
+      </mc:AlternateContent>
     </p:spTree>
     <p:extLst>
       <p:ext uri="{BB962C8B-B14F-4D97-AF65-F5344CB8AC3E}">
-        <p14:creationId xmlns:p14="http://schemas.microsoft.com/office/powerpoint/2010/main" val="1711943254"/>
+        <p14:creationId xmlns:p14="http://schemas.microsoft.com/office/powerpoint/2010/main" val="2214273558"/>
       </p:ext>
     </p:extLst>
   </p:cSld>
@@ -4260,48 +4663,12 @@
           <a:chExt cx="0" cy="0"/>
         </a:xfrm>
       </p:grpSpPr>
-      <p:sp>
-        <p:nvSpPr>
-          <p:cNvPr id="4" name="文本框 3">
-            <a:extLst>
-              <a:ext uri="{FF2B5EF4-FFF2-40B4-BE49-F238E27FC236}">
-                <a16:creationId xmlns:a16="http://schemas.microsoft.com/office/drawing/2014/main" id="{DF289526-596A-4CE5-9FF1-2502249211EA}"/>
-              </a:ext>
-            </a:extLst>
-          </p:cNvPr>
-          <p:cNvSpPr txBox="1"/>
-          <p:nvPr/>
-        </p:nvSpPr>
-        <p:spPr>
-          <a:xfrm>
-            <a:off x="647953" y="623729"/>
-            <a:ext cx="1968079" cy="369332"/>
-          </a:xfrm>
-          <a:prstGeom prst="rect">
-            <a:avLst/>
-          </a:prstGeom>
-          <a:noFill/>
-        </p:spPr>
-        <p:txBody>
-          <a:bodyPr wrap="square" rtlCol="0">
-            <a:spAutoFit/>
-          </a:bodyPr>
-          <a:lstStyle/>
-          <a:p>
-            <a:r>
-              <a:rPr lang="en-US" altLang="zh-CN" dirty="0"/>
-              <a:t>V2_0</a:t>
-            </a:r>
-            <a:endParaRPr lang="zh-CN" altLang="en-US" dirty="0"/>
-          </a:p>
-        </p:txBody>
-      </p:sp>
       <p:pic>
         <p:nvPicPr>
-          <p:cNvPr id="6" name="图片 5">
-            <a:extLst>
-              <a:ext uri="{FF2B5EF4-FFF2-40B4-BE49-F238E27FC236}">
-                <a16:creationId xmlns:a16="http://schemas.microsoft.com/office/drawing/2014/main" id="{A2BA3418-0E73-4375-B0D1-759B33AC2E58}"/>
+          <p:cNvPr id="4" name="图片 3">
+            <a:extLst>
+              <a:ext uri="{FF2B5EF4-FFF2-40B4-BE49-F238E27FC236}">
+                <a16:creationId xmlns:a16="http://schemas.microsoft.com/office/drawing/2014/main" id="{A47E2DA0-E3AF-4BA9-9541-CBA6AAE4AD75}"/>
               </a:ext>
             </a:extLst>
           </p:cNvPr>
@@ -4318,8 +4685,68 @@
         </p:blipFill>
         <p:spPr>
           <a:xfrm>
-            <a:off x="902289" y="1778404"/>
-            <a:ext cx="6653827" cy="4455867"/>
+            <a:off x="990914" y="3919437"/>
+            <a:ext cx="4481545" cy="1962164"/>
+          </a:xfrm>
+          <a:prstGeom prst="rect">
+            <a:avLst/>
+          </a:prstGeom>
+        </p:spPr>
+      </p:pic>
+      <p:pic>
+        <p:nvPicPr>
+          <p:cNvPr id="6" name="图片 5">
+            <a:extLst>
+              <a:ext uri="{FF2B5EF4-FFF2-40B4-BE49-F238E27FC236}">
+                <a16:creationId xmlns:a16="http://schemas.microsoft.com/office/drawing/2014/main" id="{CF22F9E4-9D31-4846-9EAE-326161E154E6}"/>
+              </a:ext>
+            </a:extLst>
+          </p:cNvPr>
+          <p:cNvPicPr>
+            <a:picLocks noChangeAspect="1"/>
+          </p:cNvPicPr>
+          <p:nvPr/>
+        </p:nvPicPr>
+        <p:blipFill>
+          <a:blip r:embed="rId3"/>
+          <a:stretch>
+            <a:fillRect/>
+          </a:stretch>
+        </p:blipFill>
+        <p:spPr>
+          <a:xfrm>
+            <a:off x="6338035" y="2971805"/>
+            <a:ext cx="4538696" cy="3167086"/>
+          </a:xfrm>
+          <a:prstGeom prst="rect">
+            <a:avLst/>
+          </a:prstGeom>
+        </p:spPr>
+      </p:pic>
+      <p:pic>
+        <p:nvPicPr>
+          <p:cNvPr id="8" name="图片 7">
+            <a:extLst>
+              <a:ext uri="{FF2B5EF4-FFF2-40B4-BE49-F238E27FC236}">
+                <a16:creationId xmlns:a16="http://schemas.microsoft.com/office/drawing/2014/main" id="{1F740FDF-AAC6-4978-BAB5-132D945F7FAF}"/>
+              </a:ext>
+            </a:extLst>
+          </p:cNvPr>
+          <p:cNvPicPr>
+            <a:picLocks noChangeAspect="1"/>
+          </p:cNvPicPr>
+          <p:nvPr/>
+        </p:nvPicPr>
+        <p:blipFill>
+          <a:blip r:embed="rId4"/>
+          <a:stretch>
+            <a:fillRect/>
+          </a:stretch>
+        </p:blipFill>
+        <p:spPr>
+          <a:xfrm>
+            <a:off x="5844597" y="819094"/>
+            <a:ext cx="4281519" cy="1385898"/>
           </a:xfrm>
           <a:prstGeom prst="rect">
             <a:avLst/>
@@ -4328,10 +4755,10 @@
       </p:pic>
       <p:sp>
         <p:nvSpPr>
-          <p:cNvPr id="7" name="文本框 6">
-            <a:extLst>
-              <a:ext uri="{FF2B5EF4-FFF2-40B4-BE49-F238E27FC236}">
-                <a16:creationId xmlns:a16="http://schemas.microsoft.com/office/drawing/2014/main" id="{B79511D3-F11C-4F38-A2B9-D8895B96987F}"/>
+          <p:cNvPr id="9" name="文本框 8">
+            <a:extLst>
+              <a:ext uri="{FF2B5EF4-FFF2-40B4-BE49-F238E27FC236}">
+                <a16:creationId xmlns:a16="http://schemas.microsoft.com/office/drawing/2014/main" id="{7C49F9FC-D3FA-4204-8DF8-F9F9917C4C2C}"/>
               </a:ext>
             </a:extLst>
           </p:cNvPr>
@@ -4340,8 +4767,8 @@
         </p:nvSpPr>
         <p:spPr>
           <a:xfrm>
-            <a:off x="7175921" y="623729"/>
-            <a:ext cx="2252694" cy="646331"/>
+            <a:off x="1096069" y="744842"/>
+            <a:ext cx="1968079" cy="369332"/>
           </a:xfrm>
           <a:prstGeom prst="rect">
             <a:avLst/>
@@ -4355,8 +4782,76 @@
           <a:lstStyle/>
           <a:p>
             <a:r>
+              <a:rPr lang="en-US" altLang="zh-CN" dirty="0"/>
+              <a:t>V1_0</a:t>
+            </a:r>
+            <a:endParaRPr lang="zh-CN" altLang="en-US" dirty="0"/>
+          </a:p>
+        </p:txBody>
+      </p:sp>
+      <p:sp>
+        <p:nvSpPr>
+          <p:cNvPr id="10" name="文本框 9">
+            <a:extLst>
+              <a:ext uri="{FF2B5EF4-FFF2-40B4-BE49-F238E27FC236}">
+                <a16:creationId xmlns:a16="http://schemas.microsoft.com/office/drawing/2014/main" id="{AF22BFB7-B379-490B-AE14-7658B01CE3BE}"/>
+              </a:ext>
+            </a:extLst>
+          </p:cNvPr>
+          <p:cNvSpPr txBox="1"/>
+          <p:nvPr/>
+        </p:nvSpPr>
+        <p:spPr>
+          <a:xfrm>
+            <a:off x="990914" y="1447295"/>
+            <a:ext cx="3786977" cy="923330"/>
+          </a:xfrm>
+          <a:prstGeom prst="rect">
+            <a:avLst/>
+          </a:prstGeom>
+          <a:noFill/>
+        </p:spPr>
+        <p:txBody>
+          <a:bodyPr wrap="square" rtlCol="0">
+            <a:spAutoFit/>
+          </a:bodyPr>
+          <a:lstStyle/>
+          <a:p>
+            <a:r>
               <a:rPr lang="zh-CN" altLang="en-US" dirty="0"/>
-              <a:t>能够实现积分训练，并设置积分长度</a:t>
+              <a:t>其中</a:t>
+            </a:r>
+            <a:r>
+              <a:rPr lang="en-US" altLang="zh-CN" dirty="0"/>
+              <a:t>P</a:t>
+            </a:r>
+            <a:r>
+              <a:rPr lang="zh-CN" altLang="en-US" dirty="0"/>
+              <a:t>、</a:t>
+            </a:r>
+            <a:r>
+              <a:rPr lang="en-US" altLang="zh-CN" dirty="0"/>
+              <a:t>D</a:t>
+            </a:r>
+            <a:r>
+              <a:rPr lang="zh-CN" altLang="en-US" dirty="0"/>
+              <a:t>符合预期，</a:t>
+            </a:r>
+            <a:r>
+              <a:rPr lang="en-US" altLang="zh-CN" dirty="0"/>
+              <a:t>I</a:t>
+            </a:r>
+            <a:r>
+              <a:rPr lang="zh-CN" altLang="en-US" dirty="0"/>
+              <a:t>的</a:t>
+            </a:r>
+            <a:r>
+              <a:rPr lang="en-US" altLang="zh-CN" dirty="0"/>
+              <a:t>loss</a:t>
+            </a:r>
+            <a:r>
+              <a:rPr lang="zh-CN" altLang="en-US" dirty="0"/>
+              <a:t>始终保持较高，优化后没有变化，断定代码模块存在问题</a:t>
             </a:r>
           </a:p>
         </p:txBody>
@@ -4364,7 +4859,7 @@
     </p:spTree>
     <p:extLst>
       <p:ext uri="{BB962C8B-B14F-4D97-AF65-F5344CB8AC3E}">
-        <p14:creationId xmlns:p14="http://schemas.microsoft.com/office/powerpoint/2010/main" val="2998442532"/>
+        <p14:creationId xmlns:p14="http://schemas.microsoft.com/office/powerpoint/2010/main" val="1711943254"/>
       </p:ext>
     </p:extLst>
   </p:cSld>
@@ -4393,6 +4888,137 @@
       </p:grpSpPr>
       <p:sp>
         <p:nvSpPr>
+          <p:cNvPr id="4" name="文本框 3">
+            <a:extLst>
+              <a:ext uri="{FF2B5EF4-FFF2-40B4-BE49-F238E27FC236}">
+                <a16:creationId xmlns:a16="http://schemas.microsoft.com/office/drawing/2014/main" id="{DF289526-596A-4CE5-9FF1-2502249211EA}"/>
+              </a:ext>
+            </a:extLst>
+          </p:cNvPr>
+          <p:cNvSpPr txBox="1"/>
+          <p:nvPr/>
+        </p:nvSpPr>
+        <p:spPr>
+          <a:xfrm>
+            <a:off x="647953" y="623729"/>
+            <a:ext cx="1968079" cy="369332"/>
+          </a:xfrm>
+          <a:prstGeom prst="rect">
+            <a:avLst/>
+          </a:prstGeom>
+          <a:noFill/>
+        </p:spPr>
+        <p:txBody>
+          <a:bodyPr wrap="square" rtlCol="0">
+            <a:spAutoFit/>
+          </a:bodyPr>
+          <a:lstStyle/>
+          <a:p>
+            <a:r>
+              <a:rPr lang="en-US" altLang="zh-CN" dirty="0"/>
+              <a:t>V2_0</a:t>
+            </a:r>
+            <a:endParaRPr lang="zh-CN" altLang="en-US" dirty="0"/>
+          </a:p>
+        </p:txBody>
+      </p:sp>
+      <p:pic>
+        <p:nvPicPr>
+          <p:cNvPr id="6" name="图片 5">
+            <a:extLst>
+              <a:ext uri="{FF2B5EF4-FFF2-40B4-BE49-F238E27FC236}">
+                <a16:creationId xmlns:a16="http://schemas.microsoft.com/office/drawing/2014/main" id="{A2BA3418-0E73-4375-B0D1-759B33AC2E58}"/>
+              </a:ext>
+            </a:extLst>
+          </p:cNvPr>
+          <p:cNvPicPr>
+            <a:picLocks noChangeAspect="1"/>
+          </p:cNvPicPr>
+          <p:nvPr/>
+        </p:nvPicPr>
+        <p:blipFill>
+          <a:blip r:embed="rId2"/>
+          <a:stretch>
+            <a:fillRect/>
+          </a:stretch>
+        </p:blipFill>
+        <p:spPr>
+          <a:xfrm>
+            <a:off x="902289" y="1778404"/>
+            <a:ext cx="6653827" cy="4455867"/>
+          </a:xfrm>
+          <a:prstGeom prst="rect">
+            <a:avLst/>
+          </a:prstGeom>
+        </p:spPr>
+      </p:pic>
+      <p:sp>
+        <p:nvSpPr>
+          <p:cNvPr id="7" name="文本框 6">
+            <a:extLst>
+              <a:ext uri="{FF2B5EF4-FFF2-40B4-BE49-F238E27FC236}">
+                <a16:creationId xmlns:a16="http://schemas.microsoft.com/office/drawing/2014/main" id="{B79511D3-F11C-4F38-A2B9-D8895B96987F}"/>
+              </a:ext>
+            </a:extLst>
+          </p:cNvPr>
+          <p:cNvSpPr txBox="1"/>
+          <p:nvPr/>
+        </p:nvSpPr>
+        <p:spPr>
+          <a:xfrm>
+            <a:off x="7175921" y="623729"/>
+            <a:ext cx="2252694" cy="646331"/>
+          </a:xfrm>
+          <a:prstGeom prst="rect">
+            <a:avLst/>
+          </a:prstGeom>
+          <a:noFill/>
+        </p:spPr>
+        <p:txBody>
+          <a:bodyPr wrap="square" rtlCol="0">
+            <a:spAutoFit/>
+          </a:bodyPr>
+          <a:lstStyle/>
+          <a:p>
+            <a:r>
+              <a:rPr lang="zh-CN" altLang="en-US" dirty="0"/>
+              <a:t>能够实现积分训练，并设置积分长度</a:t>
+            </a:r>
+          </a:p>
+        </p:txBody>
+      </p:sp>
+    </p:spTree>
+    <p:extLst>
+      <p:ext uri="{BB962C8B-B14F-4D97-AF65-F5344CB8AC3E}">
+        <p14:creationId xmlns:p14="http://schemas.microsoft.com/office/powerpoint/2010/main" val="2998442532"/>
+      </p:ext>
+    </p:extLst>
+  </p:cSld>
+  <p:clrMapOvr>
+    <a:masterClrMapping/>
+  </p:clrMapOvr>
+</p:sld>
+</file>
+
+<file path=ppt/slides/slide13.xml><?xml version="1.0" encoding="utf-8"?>
+<p:sld xmlns:a="http://schemas.openxmlformats.org/drawingml/2006/main" xmlns:r="http://schemas.openxmlformats.org/officeDocument/2006/relationships" xmlns:p="http://schemas.openxmlformats.org/presentationml/2006/main">
+  <p:cSld>
+    <p:spTree>
+      <p:nvGrpSpPr>
+        <p:cNvPr id="1" name=""/>
+        <p:cNvGrpSpPr/>
+        <p:nvPr/>
+      </p:nvGrpSpPr>
+      <p:grpSpPr>
+        <a:xfrm>
+          <a:off x="0" y="0"/>
+          <a:ext cx="0" cy="0"/>
+          <a:chOff x="0" y="0"/>
+          <a:chExt cx="0" cy="0"/>
+        </a:xfrm>
+      </p:grpSpPr>
+      <p:sp>
+        <p:nvSpPr>
           <p:cNvPr id="3" name="文本框 2">
             <a:extLst>
               <a:ext uri="{FF2B5EF4-FFF2-40B4-BE49-F238E27FC236}">
@@ -4438,8 +5064,8 @@
           </a:p>
         </p:txBody>
       </p:sp>
-      <mc:AlternateContent xmlns:mc="http://schemas.openxmlformats.org/markup-compatibility/2006">
-        <mc:Choice xmlns:a14="http://schemas.microsoft.com/office/drawing/2010/main" Requires="a14">
+      <mc:AlternateContent xmlns:mc="http://schemas.openxmlformats.org/markup-compatibility/2006" xmlns:a14="http://schemas.microsoft.com/office/drawing/2010/main">
+        <mc:Choice Requires="a14">
           <p:sp>
             <p:nvSpPr>
               <p:cNvPr id="4" name="文本框 3">
@@ -4468,7 +5094,6 @@
               </a:bodyPr>
               <a:lstStyle/>
               <a:p>
-                <a:pPr/>
                 <a:r>
                   <a:rPr lang="zh-CN" altLang="en-US" i="1" dirty="0">
                     <a:latin typeface="Cambria Math" panose="02040503050406030204" pitchFamily="18" charset="0"/>
@@ -4782,7 +5407,6 @@
                 <a:endParaRPr lang="en-US" altLang="zh-CN" b="0" dirty="0"/>
               </a:p>
               <a:p>
-                <a:pPr/>
                 <a14:m>
                   <m:oMath xmlns:m="http://schemas.openxmlformats.org/officeDocument/2006/math">
                     <m:sSub>
@@ -4924,7 +5548,6 @@
                 <a:endParaRPr lang="en-US" altLang="zh-CN" dirty="0"/>
               </a:p>
               <a:p>
-                <a:pPr/>
                 <a:r>
                   <a:rPr lang="zh-CN" altLang="en-US" dirty="0"/>
                   <a:t>优化后：</a:t>
@@ -5372,7 +5995,7 @@
             </p:txBody>
           </p:sp>
         </mc:Choice>
-        <mc:Fallback>
+        <mc:Fallback xmlns="">
           <p:sp>
             <p:nvSpPr>
               <p:cNvPr id="4" name="文本框 3">
@@ -5460,7 +6083,7 @@
 </p:sld>
 </file>
 
-<file path=ppt/slides/slide13.xml><?xml version="1.0" encoding="utf-8"?>
+<file path=ppt/slides/slide14.xml><?xml version="1.0" encoding="utf-8"?>
 <p:sld xmlns:a="http://schemas.openxmlformats.org/drawingml/2006/main" xmlns:r="http://schemas.openxmlformats.org/officeDocument/2006/relationships" xmlns:p="http://schemas.openxmlformats.org/presentationml/2006/main">
   <p:cSld>
     <p:spTree>
@@ -5516,8 +6139,8 @@
           </a:p>
         </p:txBody>
       </p:sp>
-      <mc:AlternateContent xmlns:mc="http://schemas.openxmlformats.org/markup-compatibility/2006">
-        <mc:Choice xmlns:a14="http://schemas.microsoft.com/office/drawing/2010/main" Requires="a14">
+      <mc:AlternateContent xmlns:mc="http://schemas.openxmlformats.org/markup-compatibility/2006" xmlns:a14="http://schemas.microsoft.com/office/drawing/2010/main">
+        <mc:Choice Requires="a14">
           <p:sp>
             <p:nvSpPr>
               <p:cNvPr id="3" name="文本框 2">
@@ -5619,7 +6242,6 @@
                 </a:endParaRPr>
               </a:p>
               <a:p>
-                <a:pPr/>
                 <a14:m>
                   <m:oMath xmlns:m="http://schemas.openxmlformats.org/officeDocument/2006/math">
                     <m:r>
@@ -5860,7 +6482,6 @@
                 <a:endParaRPr lang="en-US" altLang="zh-CN" b="0" dirty="0"/>
               </a:p>
               <a:p>
-                <a:pPr/>
                 <a:r>
                   <a:rPr lang="zh-CN" altLang="en-US" dirty="0"/>
                   <a:t>输入矩阵大小</a:t>
@@ -5961,28 +6582,24 @@
                 <a:endParaRPr lang="en-US" altLang="zh-CN" dirty="0"/>
               </a:p>
               <a:p>
-                <a:pPr/>
                 <a:r>
                   <a:rPr lang="en-US" altLang="zh-CN" dirty="0"/>
                   <a:t>EPOCH = 5</a:t>
                 </a:r>
               </a:p>
               <a:p>
-                <a:pPr/>
                 <a:r>
                   <a:rPr lang="en-US" altLang="zh-CN" dirty="0"/>
                   <a:t>STEP=5000</a:t>
                 </a:r>
               </a:p>
               <a:p>
-                <a:pPr/>
                 <a:r>
                   <a:rPr lang="en-US" altLang="zh-CN" dirty="0"/>
                   <a:t>LR = 2*10^-3</a:t>
                 </a:r>
               </a:p>
               <a:p>
-                <a:pPr/>
                 <a:r>
                   <a:rPr lang="en-US" altLang="zh-CN" dirty="0" err="1"/>
                   <a:t>Pid_ilen</a:t>
@@ -5996,7 +6613,7 @@
             </p:txBody>
           </p:sp>
         </mc:Choice>
-        <mc:Fallback>
+        <mc:Fallback xmlns="">
           <p:sp>
             <p:nvSpPr>
               <p:cNvPr id="3" name="文本框 2">
@@ -6055,7 +6672,7 @@
         </p:nvSpPr>
         <p:spPr>
           <a:xfrm>
-            <a:off x="1053679" y="3197372"/>
+            <a:off x="1005234" y="2930925"/>
             <a:ext cx="2882480" cy="369332"/>
           </a:xfrm>
           <a:prstGeom prst="rect">
@@ -6098,7 +6715,7 @@
         </p:blipFill>
         <p:spPr>
           <a:xfrm>
-            <a:off x="1153611" y="3692968"/>
+            <a:off x="1091897" y="3520321"/>
             <a:ext cx="4810160" cy="2438418"/>
           </a:xfrm>
           <a:prstGeom prst="rect">
@@ -6128,7 +6745,7 @@
         </p:blipFill>
         <p:spPr>
           <a:xfrm>
-            <a:off x="7531483" y="2691667"/>
+            <a:off x="7364419" y="2298052"/>
             <a:ext cx="3343337" cy="2832983"/>
           </a:xfrm>
           <a:prstGeom prst="rect">
@@ -6150,7 +6767,7 @@
         </p:nvSpPr>
         <p:spPr>
           <a:xfrm>
-            <a:off x="6606690" y="5958739"/>
+            <a:off x="7175919" y="5497074"/>
             <a:ext cx="4523555" cy="923330"/>
           </a:xfrm>
           <a:prstGeom prst="rect">
@@ -6205,6 +6822,92 @@
               <a:t>0.96s</a:t>
             </a:r>
             <a:endParaRPr lang="zh-CN" altLang="en-US" dirty="0"/>
+          </a:p>
+        </p:txBody>
+      </p:sp>
+      <p:sp>
+        <p:nvSpPr>
+          <p:cNvPr id="18" name="文本框 17">
+            <a:extLst>
+              <a:ext uri="{FF2B5EF4-FFF2-40B4-BE49-F238E27FC236}">
+                <a16:creationId xmlns:a16="http://schemas.microsoft.com/office/drawing/2014/main" id="{9CDC0F8D-0921-4B7D-9613-350EAC188FD3}"/>
+              </a:ext>
+            </a:extLst>
+          </p:cNvPr>
+          <p:cNvSpPr txBox="1"/>
+          <p:nvPr/>
+        </p:nvSpPr>
+        <p:spPr>
+          <a:xfrm>
+            <a:off x="1005234" y="6178803"/>
+            <a:ext cx="3693933" cy="369332"/>
+          </a:xfrm>
+          <a:prstGeom prst="rect">
+            <a:avLst/>
+          </a:prstGeom>
+          <a:noFill/>
+        </p:spPr>
+        <p:txBody>
+          <a:bodyPr wrap="square" rtlCol="0">
+            <a:spAutoFit/>
+          </a:bodyPr>
+          <a:lstStyle/>
+          <a:p>
+            <a:r>
+              <a:rPr lang="en-US" altLang="zh-CN" dirty="0"/>
+              <a:t>I</a:t>
+            </a:r>
+            <a:r>
+              <a:rPr lang="zh-CN" altLang="en-US" dirty="0"/>
+              <a:t>学习效果最好</a:t>
+            </a:r>
+          </a:p>
+        </p:txBody>
+      </p:sp>
+      <p:sp>
+        <p:nvSpPr>
+          <p:cNvPr id="4" name="文本框 3">
+            <a:extLst>
+              <a:ext uri="{FF2B5EF4-FFF2-40B4-BE49-F238E27FC236}">
+                <a16:creationId xmlns:a16="http://schemas.microsoft.com/office/drawing/2014/main" id="{B7FED58E-C848-4D3B-BECA-DCFAADF91F79}"/>
+              </a:ext>
+            </a:extLst>
+          </p:cNvPr>
+          <p:cNvSpPr txBox="1"/>
+          <p:nvPr/>
+        </p:nvSpPr>
+        <p:spPr>
+          <a:xfrm>
+            <a:off x="9362003" y="1017346"/>
+            <a:ext cx="1988265" cy="923330"/>
+          </a:xfrm>
+          <a:prstGeom prst="rect">
+            <a:avLst/>
+          </a:prstGeom>
+          <a:noFill/>
+        </p:spPr>
+        <p:txBody>
+          <a:bodyPr wrap="square" rtlCol="0">
+            <a:spAutoFit/>
+          </a:bodyPr>
+          <a:lstStyle/>
+          <a:p>
+            <a:r>
+              <a:rPr lang="en-US" altLang="zh-CN" dirty="0"/>
+              <a:t>Loss</a:t>
+            </a:r>
+            <a:r>
+              <a:rPr lang="zh-CN" altLang="en-US" dirty="0"/>
+              <a:t>在最开始增加是因为</a:t>
+            </a:r>
+            <a:r>
+              <a:rPr lang="en-US" altLang="zh-CN" dirty="0"/>
+              <a:t>PID</a:t>
+            </a:r>
+            <a:r>
+              <a:rPr lang="zh-CN" altLang="en-US" dirty="0"/>
+              <a:t>中的积分</a:t>
+            </a:r>
           </a:p>
         </p:txBody>
       </p:sp>
@@ -6221,7 +6924,7 @@
 </p:sld>
 </file>
 
-<file path=ppt/slides/slide14.xml><?xml version="1.0" encoding="utf-8"?>
+<file path=ppt/slides/slide15.xml><?xml version="1.0" encoding="utf-8"?>
 <p:sld xmlns:a="http://schemas.openxmlformats.org/drawingml/2006/main" xmlns:r="http://schemas.openxmlformats.org/officeDocument/2006/relationships" xmlns:p="http://schemas.openxmlformats.org/presentationml/2006/main">
   <p:cSld>
     <p:spTree>
@@ -6238,10 +6941,2039 @@
           <a:chExt cx="0" cy="0"/>
         </a:xfrm>
       </p:grpSpPr>
+      <p:pic>
+        <p:nvPicPr>
+          <p:cNvPr id="5" name="图片 4">
+            <a:extLst>
+              <a:ext uri="{FF2B5EF4-FFF2-40B4-BE49-F238E27FC236}">
+                <a16:creationId xmlns:a16="http://schemas.microsoft.com/office/drawing/2014/main" id="{A2751626-4097-4538-89C1-E77E166140E4}"/>
+              </a:ext>
+            </a:extLst>
+          </p:cNvPr>
+          <p:cNvPicPr>
+            <a:picLocks noChangeAspect="1"/>
+          </p:cNvPicPr>
+          <p:nvPr/>
+        </p:nvPicPr>
+        <p:blipFill>
+          <a:blip r:embed="rId2">
+            <a:extLst>
+              <a:ext uri="{28A0092B-C50C-407E-A947-70E740481C1C}">
+                <a14:useLocalDpi xmlns:a14="http://schemas.microsoft.com/office/drawing/2010/main" val="0"/>
+              </a:ext>
+            </a:extLst>
+          </a:blip>
+          <a:stretch>
+            <a:fillRect/>
+          </a:stretch>
+        </p:blipFill>
+        <p:spPr>
+          <a:xfrm>
+            <a:off x="501229" y="473726"/>
+            <a:ext cx="9639300" cy="2095500"/>
+          </a:xfrm>
+          <a:prstGeom prst="rect">
+            <a:avLst/>
+          </a:prstGeom>
+        </p:spPr>
+      </p:pic>
     </p:spTree>
     <p:extLst>
       <p:ext uri="{BB962C8B-B14F-4D97-AF65-F5344CB8AC3E}">
         <p14:creationId xmlns:p14="http://schemas.microsoft.com/office/powerpoint/2010/main" val="2939607149"/>
+      </p:ext>
+    </p:extLst>
+  </p:cSld>
+  <p:clrMapOvr>
+    <a:masterClrMapping/>
+  </p:clrMapOvr>
+</p:sld>
+</file>
+
+<file path=ppt/slides/slide16.xml><?xml version="1.0" encoding="utf-8"?>
+<p:sld xmlns:a="http://schemas.openxmlformats.org/drawingml/2006/main" xmlns:r="http://schemas.openxmlformats.org/officeDocument/2006/relationships" xmlns:p="http://schemas.openxmlformats.org/presentationml/2006/main">
+  <p:cSld>
+    <p:spTree>
+      <p:nvGrpSpPr>
+        <p:cNvPr id="1" name=""/>
+        <p:cNvGrpSpPr/>
+        <p:nvPr/>
+      </p:nvGrpSpPr>
+      <p:grpSpPr>
+        <a:xfrm>
+          <a:off x="0" y="0"/>
+          <a:ext cx="0" cy="0"/>
+          <a:chOff x="0" y="0"/>
+          <a:chExt cx="0" cy="0"/>
+        </a:xfrm>
+      </p:grpSpPr>
+      <p:sp>
+        <p:nvSpPr>
+          <p:cNvPr id="2" name="文本框 1">
+            <a:extLst>
+              <a:ext uri="{FF2B5EF4-FFF2-40B4-BE49-F238E27FC236}">
+                <a16:creationId xmlns:a16="http://schemas.microsoft.com/office/drawing/2014/main" id="{BAB43917-1776-4901-B4B2-90885CB8671C}"/>
+              </a:ext>
+            </a:extLst>
+          </p:cNvPr>
+          <p:cNvSpPr txBox="1"/>
+          <p:nvPr/>
+        </p:nvSpPr>
+        <p:spPr>
+          <a:xfrm>
+            <a:off x="587396" y="363338"/>
+            <a:ext cx="4384276" cy="369332"/>
+          </a:xfrm>
+          <a:prstGeom prst="rect">
+            <a:avLst/>
+          </a:prstGeom>
+          <a:noFill/>
+        </p:spPr>
+        <p:txBody>
+          <a:bodyPr wrap="square" rtlCol="0">
+            <a:spAutoFit/>
+          </a:bodyPr>
+          <a:lstStyle/>
+          <a:p>
+            <a:r>
+              <a:rPr lang="zh-CN" altLang="en-US" dirty="0"/>
+              <a:t>数据集获取</a:t>
+            </a:r>
+          </a:p>
+        </p:txBody>
+      </p:sp>
+      <p:sp>
+        <p:nvSpPr>
+          <p:cNvPr id="3" name="文本框 2">
+            <a:extLst>
+              <a:ext uri="{FF2B5EF4-FFF2-40B4-BE49-F238E27FC236}">
+                <a16:creationId xmlns:a16="http://schemas.microsoft.com/office/drawing/2014/main" id="{56726836-7548-4E47-B77B-A91163073E95}"/>
+              </a:ext>
+            </a:extLst>
+          </p:cNvPr>
+          <p:cNvSpPr txBox="1"/>
+          <p:nvPr/>
+        </p:nvSpPr>
+        <p:spPr>
+          <a:xfrm>
+            <a:off x="732731" y="908344"/>
+            <a:ext cx="3052037" cy="369332"/>
+          </a:xfrm>
+          <a:prstGeom prst="rect">
+            <a:avLst/>
+          </a:prstGeom>
+          <a:noFill/>
+        </p:spPr>
+        <p:txBody>
+          <a:bodyPr wrap="square" rtlCol="0">
+            <a:spAutoFit/>
+          </a:bodyPr>
+          <a:lstStyle/>
+          <a:p>
+            <a:r>
+              <a:rPr lang="en-US" altLang="zh-CN" dirty="0"/>
+              <a:t>Ns2</a:t>
+            </a:r>
+            <a:r>
+              <a:rPr lang="zh-CN" altLang="en-US" dirty="0"/>
+              <a:t>仿真平台学习。。。。</a:t>
+            </a:r>
+          </a:p>
+        </p:txBody>
+      </p:sp>
+      <mc:AlternateContent xmlns:mc="http://schemas.openxmlformats.org/markup-compatibility/2006" xmlns:a14="http://schemas.microsoft.com/office/drawing/2010/main">
+        <mc:Choice Requires="a14">
+          <p:sp>
+            <p:nvSpPr>
+              <p:cNvPr id="4" name="文本框 3">
+                <a:extLst>
+                  <a:ext uri="{FF2B5EF4-FFF2-40B4-BE49-F238E27FC236}">
+                    <a16:creationId xmlns:a16="http://schemas.microsoft.com/office/drawing/2014/main" id="{412549D9-A024-46D7-8FAB-0A1825C686F1}"/>
+                  </a:ext>
+                </a:extLst>
+              </p:cNvPr>
+              <p:cNvSpPr txBox="1"/>
+              <p:nvPr/>
+            </p:nvSpPr>
+            <p:spPr>
+              <a:xfrm>
+                <a:off x="902289" y="1568408"/>
+                <a:ext cx="5849737" cy="369332"/>
+              </a:xfrm>
+              <a:prstGeom prst="rect">
+                <a:avLst/>
+              </a:prstGeom>
+              <a:noFill/>
+            </p:spPr>
+            <p:txBody>
+              <a:bodyPr wrap="square" rtlCol="0">
+                <a:spAutoFit/>
+              </a:bodyPr>
+              <a:lstStyle/>
+              <a:p>
+                <a:r>
+                  <a:rPr lang="zh-CN" altLang="en-US" dirty="0"/>
+                  <a:t>数据集格式</a:t>
+                </a:r>
+                <a:r>
+                  <a:rPr lang="en-US" altLang="zh-CN" dirty="0"/>
+                  <a:t>input:【</a:t>
+                </a:r>
+                <a14:m>
+                  <m:oMath xmlns:m="http://schemas.openxmlformats.org/officeDocument/2006/math">
+                    <m:sSub>
+                      <m:sSubPr>
+                        <m:ctrlPr>
+                          <a:rPr lang="en-US" altLang="zh-CN" i="1" smtClean="0">
+                            <a:latin typeface="Cambria Math" panose="02040503050406030204" pitchFamily="18" charset="0"/>
+                          </a:rPr>
+                        </m:ctrlPr>
+                      </m:sSubPr>
+                      <m:e>
+                        <m:r>
+                          <a:rPr lang="en-US" altLang="zh-CN" b="0" i="1" smtClean="0">
+                            <a:latin typeface="Cambria Math" panose="02040503050406030204" pitchFamily="18" charset="0"/>
+                          </a:rPr>
+                          <m:t>𝑅𝑇𝑇</m:t>
+                        </m:r>
+                      </m:e>
+                      <m:sub>
+                        <m:r>
+                          <m:rPr>
+                            <m:sty m:val="p"/>
+                          </m:rPr>
+                          <a:rPr lang="en-US" altLang="zh-CN" i="1">
+                            <a:latin typeface="Cambria Math" panose="02040503050406030204" pitchFamily="18" charset="0"/>
+                          </a:rPr>
+                          <m:t>i</m:t>
+                        </m:r>
+                      </m:sub>
+                    </m:sSub>
+                    <m:r>
+                      <a:rPr lang="en-US" altLang="zh-CN" b="0" i="1" smtClean="0">
+                        <a:latin typeface="Cambria Math" panose="02040503050406030204" pitchFamily="18" charset="0"/>
+                      </a:rPr>
+                      <m:t> </m:t>
+                    </m:r>
+                    <m:sSub>
+                      <m:sSubPr>
+                        <m:ctrlPr>
+                          <a:rPr lang="en-US" altLang="zh-CN" b="0" i="1" smtClean="0">
+                            <a:latin typeface="Cambria Math" panose="02040503050406030204" pitchFamily="18" charset="0"/>
+                          </a:rPr>
+                        </m:ctrlPr>
+                      </m:sSubPr>
+                      <m:e>
+                        <m:r>
+                          <a:rPr lang="en-US" altLang="zh-CN" b="0" i="1" smtClean="0">
+                            <a:latin typeface="Cambria Math" panose="02040503050406030204" pitchFamily="18" charset="0"/>
+                          </a:rPr>
+                          <m:t>𝐸𝐶𝑁</m:t>
+                        </m:r>
+                      </m:e>
+                      <m:sub>
+                        <m:r>
+                          <a:rPr lang="en-US" altLang="zh-CN" b="0" i="1" smtClean="0">
+                            <a:latin typeface="Cambria Math" panose="02040503050406030204" pitchFamily="18" charset="0"/>
+                          </a:rPr>
+                          <m:t>𝐼</m:t>
+                        </m:r>
+                      </m:sub>
+                    </m:sSub>
+                    <m:r>
+                      <a:rPr lang="en-US" altLang="zh-CN" b="0" i="1" smtClean="0">
+                        <a:latin typeface="Cambria Math" panose="02040503050406030204" pitchFamily="18" charset="0"/>
+                      </a:rPr>
+                      <m:t> </m:t>
+                    </m:r>
+                  </m:oMath>
+                </a14:m>
+                <a:r>
+                  <a:rPr lang="en-US" altLang="zh-CN" dirty="0"/>
+                  <a:t>】,output:【</a:t>
+                </a:r>
+                <a14:m>
+                  <m:oMath xmlns:m="http://schemas.openxmlformats.org/officeDocument/2006/math">
+                    <m:sSub>
+                      <m:sSubPr>
+                        <m:ctrlPr>
+                          <a:rPr lang="en-US" altLang="zh-CN" i="1" smtClean="0">
+                            <a:latin typeface="Cambria Math" panose="02040503050406030204" pitchFamily="18" charset="0"/>
+                          </a:rPr>
+                        </m:ctrlPr>
+                      </m:sSubPr>
+                      <m:e>
+                        <m:r>
+                          <a:rPr lang="en-US" altLang="zh-CN" i="1">
+                            <a:latin typeface="Cambria Math" panose="02040503050406030204" pitchFamily="18" charset="0"/>
+                            <a:ea typeface="Cambria Math" panose="02040503050406030204" pitchFamily="18" charset="0"/>
+                          </a:rPr>
+                          <m:t>∆</m:t>
+                        </m:r>
+                        <m:r>
+                          <a:rPr lang="en-US" altLang="zh-CN" b="0" i="1" smtClean="0">
+                            <a:latin typeface="Cambria Math" panose="02040503050406030204" pitchFamily="18" charset="0"/>
+                            <a:ea typeface="Cambria Math" panose="02040503050406030204" pitchFamily="18" charset="0"/>
+                          </a:rPr>
+                          <m:t>𝑊</m:t>
+                        </m:r>
+                      </m:e>
+                      <m:sub>
+                        <m:r>
+                          <a:rPr lang="en-US" altLang="zh-CN" b="0" i="1" smtClean="0">
+                            <a:latin typeface="Cambria Math" panose="02040503050406030204" pitchFamily="18" charset="0"/>
+                          </a:rPr>
+                          <m:t>𝑖</m:t>
+                        </m:r>
+                      </m:sub>
+                    </m:sSub>
+                  </m:oMath>
+                </a14:m>
+                <a:r>
+                  <a:rPr lang="en-US" altLang="zh-CN" dirty="0"/>
+                  <a:t>】</a:t>
+                </a:r>
+                <a:endParaRPr lang="zh-CN" altLang="en-US" dirty="0"/>
+              </a:p>
+            </p:txBody>
+          </p:sp>
+        </mc:Choice>
+        <mc:Fallback xmlns="">
+          <p:sp>
+            <p:nvSpPr>
+              <p:cNvPr id="4" name="文本框 3">
+                <a:extLst>
+                  <a:ext uri="{FF2B5EF4-FFF2-40B4-BE49-F238E27FC236}">
+                    <a16:creationId xmlns:a16="http://schemas.microsoft.com/office/drawing/2014/main" id="{412549D9-A024-46D7-8FAB-0A1825C686F1}"/>
+                  </a:ext>
+                </a:extLst>
+              </p:cNvPr>
+              <p:cNvSpPr txBox="1">
+                <a:spLocks noRot="1" noChangeAspect="1" noMove="1" noResize="1" noEditPoints="1" noAdjustHandles="1" noChangeArrowheads="1" noChangeShapeType="1" noTextEdit="1"/>
+              </p:cNvSpPr>
+              <p:nvPr/>
+            </p:nvSpPr>
+            <p:spPr>
+              <a:xfrm>
+                <a:off x="902289" y="1568408"/>
+                <a:ext cx="5849737" cy="369332"/>
+              </a:xfrm>
+              <a:prstGeom prst="rect">
+                <a:avLst/>
+              </a:prstGeom>
+              <a:blipFill>
+                <a:blip r:embed="rId2"/>
+                <a:stretch>
+                  <a:fillRect l="-833" t="-8197" b="-24590"/>
+                </a:stretch>
+              </a:blipFill>
+            </p:spPr>
+            <p:txBody>
+              <a:bodyPr/>
+              <a:lstStyle/>
+              <a:p>
+                <a:r>
+                  <a:rPr lang="zh-CN" altLang="en-US">
+                    <a:noFill/>
+                  </a:rPr>
+                  <a:t> </a:t>
+                </a:r>
+              </a:p>
+            </p:txBody>
+          </p:sp>
+        </mc:Fallback>
+      </mc:AlternateContent>
+      <p:sp>
+        <p:nvSpPr>
+          <p:cNvPr id="6" name="文本框 5">
+            <a:extLst>
+              <a:ext uri="{FF2B5EF4-FFF2-40B4-BE49-F238E27FC236}">
+                <a16:creationId xmlns:a16="http://schemas.microsoft.com/office/drawing/2014/main" id="{F1A935F2-81D3-449D-A0CC-9539DFB7ACEA}"/>
+              </a:ext>
+            </a:extLst>
+          </p:cNvPr>
+          <p:cNvSpPr txBox="1"/>
+          <p:nvPr/>
+        </p:nvSpPr>
+        <p:spPr>
+          <a:xfrm>
+            <a:off x="4226829" y="363338"/>
+            <a:ext cx="4287386" cy="923330"/>
+          </a:xfrm>
+          <a:prstGeom prst="rect">
+            <a:avLst/>
+          </a:prstGeom>
+          <a:noFill/>
+        </p:spPr>
+        <p:txBody>
+          <a:bodyPr wrap="square" rtlCol="0">
+            <a:spAutoFit/>
+          </a:bodyPr>
+          <a:lstStyle/>
+          <a:p>
+            <a:r>
+              <a:rPr lang="en-US" altLang="zh-CN" dirty="0"/>
+              <a:t>RTT</a:t>
+            </a:r>
+            <a:r>
+              <a:rPr lang="zh-CN" altLang="en-US" dirty="0"/>
+              <a:t>表示发送报文的往返延时，</a:t>
+            </a:r>
+            <a:r>
+              <a:rPr lang="en-US" altLang="zh-CN" dirty="0"/>
+              <a:t>ECN</a:t>
+            </a:r>
+            <a:r>
+              <a:rPr lang="zh-CN" altLang="en-US" dirty="0"/>
+              <a:t>表示短时间内连续</a:t>
+            </a:r>
+            <a:r>
+              <a:rPr lang="en-US" altLang="zh-CN" dirty="0"/>
+              <a:t>M</a:t>
+            </a:r>
+            <a:r>
+              <a:rPr lang="zh-CN" altLang="en-US" dirty="0"/>
+              <a:t>个报文的标记概率，而非某个报文是否被标记</a:t>
+            </a:r>
+          </a:p>
+        </p:txBody>
+      </p:sp>
+      <p:sp>
+        <p:nvSpPr>
+          <p:cNvPr id="7" name="文本框 6">
+            <a:extLst>
+              <a:ext uri="{FF2B5EF4-FFF2-40B4-BE49-F238E27FC236}">
+                <a16:creationId xmlns:a16="http://schemas.microsoft.com/office/drawing/2014/main" id="{5CFF1574-1867-4527-BAB1-156ED386E8B2}"/>
+              </a:ext>
+            </a:extLst>
+          </p:cNvPr>
+          <p:cNvSpPr txBox="1"/>
+          <p:nvPr/>
+        </p:nvSpPr>
+        <p:spPr>
+          <a:xfrm>
+            <a:off x="829621" y="2379862"/>
+            <a:ext cx="8417325" cy="646331"/>
+          </a:xfrm>
+          <a:prstGeom prst="rect">
+            <a:avLst/>
+          </a:prstGeom>
+          <a:noFill/>
+        </p:spPr>
+        <p:txBody>
+          <a:bodyPr wrap="square" rtlCol="0">
+            <a:spAutoFit/>
+          </a:bodyPr>
+          <a:lstStyle/>
+          <a:p>
+            <a:r>
+              <a:rPr lang="zh-CN" altLang="en-US" dirty="0"/>
+              <a:t>数据集如何获取：先搭建拓扑（</a:t>
+            </a:r>
+            <a:r>
+              <a:rPr lang="en-US" altLang="zh-CN" dirty="0" err="1"/>
+              <a:t>incast</a:t>
+            </a:r>
+            <a:r>
+              <a:rPr lang="zh-CN" altLang="en-US" dirty="0"/>
+              <a:t>），初始终端的发送速率，不断修改发送窗口，观察</a:t>
+            </a:r>
+            <a:r>
+              <a:rPr lang="en-US" altLang="zh-CN" dirty="0"/>
+              <a:t>X,</a:t>
+            </a:r>
+            <a:r>
+              <a:rPr lang="zh-CN" altLang="en-US" dirty="0"/>
+              <a:t>当</a:t>
+            </a:r>
+            <a:r>
+              <a:rPr lang="en-US" altLang="zh-CN" dirty="0"/>
+              <a:t>X</a:t>
+            </a:r>
+            <a:r>
+              <a:rPr lang="zh-CN" altLang="en-US" dirty="0"/>
+              <a:t>怎么怎么或者挑选最？</a:t>
+            </a:r>
+            <a:r>
+              <a:rPr lang="en-US" altLang="zh-CN" dirty="0"/>
+              <a:t>X</a:t>
+            </a:r>
+            <a:r>
+              <a:rPr lang="zh-CN" altLang="en-US" dirty="0"/>
+              <a:t>时的发送窗口作为数据集输出，</a:t>
+            </a:r>
+          </a:p>
+        </p:txBody>
+      </p:sp>
+      <mc:AlternateContent xmlns:mc="http://schemas.openxmlformats.org/markup-compatibility/2006" xmlns:a14="http://schemas.microsoft.com/office/drawing/2010/main">
+        <mc:Choice Requires="a14">
+          <p:sp>
+            <p:nvSpPr>
+              <p:cNvPr id="8" name="文本框 7">
+                <a:extLst>
+                  <a:ext uri="{FF2B5EF4-FFF2-40B4-BE49-F238E27FC236}">
+                    <a16:creationId xmlns:a16="http://schemas.microsoft.com/office/drawing/2014/main" id="{7B6CB67B-00C4-4887-BA6C-BDF16EC09B32}"/>
+                  </a:ext>
+                </a:extLst>
+              </p:cNvPr>
+              <p:cNvSpPr txBox="1"/>
+              <p:nvPr/>
+            </p:nvSpPr>
+            <p:spPr>
+              <a:xfrm>
+                <a:off x="999179" y="4187713"/>
+                <a:ext cx="3681823" cy="1477328"/>
+              </a:xfrm>
+              <a:prstGeom prst="rect">
+                <a:avLst/>
+              </a:prstGeom>
+              <a:noFill/>
+            </p:spPr>
+            <p:txBody>
+              <a:bodyPr wrap="square" rtlCol="0">
+                <a:spAutoFit/>
+              </a:bodyPr>
+              <a:lstStyle/>
+              <a:p>
+                <a:r>
+                  <a:rPr lang="zh-CN" altLang="en-US" dirty="0"/>
+                  <a:t>面临的问题：</a:t>
+                </a:r>
+                <a:endParaRPr lang="en-US" altLang="zh-CN" dirty="0"/>
+              </a:p>
+              <a:p>
+                <a:r>
+                  <a:rPr lang="zh-CN" altLang="en-US" dirty="0"/>
+                  <a:t>①</a:t>
+                </a:r>
+                <a:r>
+                  <a:rPr lang="en-US" altLang="zh-CN" dirty="0"/>
+                  <a:t>X</a:t>
+                </a:r>
+                <a:r>
+                  <a:rPr lang="zh-CN" altLang="en-US" dirty="0"/>
+                  <a:t>是什么：</a:t>
+                </a:r>
+                <a14:m>
+                  <m:oMath xmlns:m="http://schemas.openxmlformats.org/officeDocument/2006/math">
+                    <m:r>
+                      <a:rPr lang="en-US" altLang="zh-CN" b="0" i="0" smtClean="0">
+                        <a:latin typeface="Cambria Math" panose="02040503050406030204" pitchFamily="18" charset="0"/>
+                      </a:rPr>
+                      <m:t>[</m:t>
+                    </m:r>
+                    <m:sSub>
+                      <m:sSubPr>
+                        <m:ctrlPr>
+                          <a:rPr lang="en-US" altLang="zh-CN" i="1" smtClean="0">
+                            <a:solidFill>
+                              <a:srgbClr val="FF0000"/>
+                            </a:solidFill>
+                            <a:latin typeface="Cambria Math" panose="02040503050406030204" pitchFamily="18" charset="0"/>
+                          </a:rPr>
+                        </m:ctrlPr>
+                      </m:sSubPr>
+                      <m:e>
+                        <m:r>
+                          <a:rPr lang="en-US" altLang="zh-CN" b="0" i="1" smtClean="0">
+                            <a:solidFill>
+                              <a:srgbClr val="FF0000"/>
+                            </a:solidFill>
+                            <a:latin typeface="Cambria Math" panose="02040503050406030204" pitchFamily="18" charset="0"/>
+                          </a:rPr>
+                          <m:t>𝑅𝑇𝑇</m:t>
+                        </m:r>
+                      </m:e>
+                      <m:sub>
+                        <m:r>
+                          <m:rPr>
+                            <m:sty m:val="p"/>
+                          </m:rPr>
+                          <a:rPr lang="en-US" altLang="zh-CN" i="1">
+                            <a:solidFill>
+                              <a:srgbClr val="FF0000"/>
+                            </a:solidFill>
+                            <a:latin typeface="Cambria Math" panose="02040503050406030204" pitchFamily="18" charset="0"/>
+                          </a:rPr>
+                          <m:t>i</m:t>
+                        </m:r>
+                        <m:r>
+                          <a:rPr lang="en-US" altLang="zh-CN" i="1">
+                            <a:solidFill>
+                              <a:srgbClr val="FF0000"/>
+                            </a:solidFill>
+                            <a:latin typeface="Cambria Math" panose="02040503050406030204" pitchFamily="18" charset="0"/>
+                          </a:rPr>
+                          <m:t>+1</m:t>
+                        </m:r>
+                      </m:sub>
+                    </m:sSub>
+                    <m:r>
+                      <a:rPr lang="en-US" altLang="zh-CN" b="0" i="1" smtClean="0">
+                        <a:solidFill>
+                          <a:srgbClr val="FF0000"/>
+                        </a:solidFill>
+                        <a:latin typeface="Cambria Math" panose="02040503050406030204" pitchFamily="18" charset="0"/>
+                      </a:rPr>
+                      <m:t> </m:t>
+                    </m:r>
+                  </m:oMath>
+                </a14:m>
+                <a:r>
+                  <a:rPr lang="zh-CN" altLang="en-US" dirty="0">
+                    <a:solidFill>
+                      <a:srgbClr val="FF0000"/>
+                    </a:solidFill>
+                  </a:rPr>
+                  <a:t> </a:t>
+                </a:r>
+                <a14:m>
+                  <m:oMath xmlns:m="http://schemas.openxmlformats.org/officeDocument/2006/math">
+                    <m:sSub>
+                      <m:sSubPr>
+                        <m:ctrlPr>
+                          <a:rPr lang="en-US" altLang="zh-CN" i="1" dirty="0" smtClean="0">
+                            <a:solidFill>
+                              <a:srgbClr val="FF0000"/>
+                            </a:solidFill>
+                            <a:latin typeface="Cambria Math" panose="02040503050406030204" pitchFamily="18" charset="0"/>
+                          </a:rPr>
+                        </m:ctrlPr>
+                      </m:sSubPr>
+                      <m:e>
+                        <m:r>
+                          <a:rPr lang="en-US" altLang="zh-CN" b="0" i="1" dirty="0" smtClean="0">
+                            <a:solidFill>
+                              <a:srgbClr val="FF0000"/>
+                            </a:solidFill>
+                            <a:latin typeface="Cambria Math" panose="02040503050406030204" pitchFamily="18" charset="0"/>
+                          </a:rPr>
+                          <m:t>𝐸𝐶𝑁</m:t>
+                        </m:r>
+                      </m:e>
+                      <m:sub>
+                        <m:r>
+                          <a:rPr lang="en-US" altLang="zh-CN" b="0" i="1" dirty="0" smtClean="0">
+                            <a:solidFill>
+                              <a:srgbClr val="FF0000"/>
+                            </a:solidFill>
+                            <a:latin typeface="Cambria Math" panose="02040503050406030204" pitchFamily="18" charset="0"/>
+                          </a:rPr>
+                          <m:t>𝑖</m:t>
+                        </m:r>
+                        <m:r>
+                          <a:rPr lang="en-US" altLang="zh-CN" b="0" i="1" dirty="0" smtClean="0">
+                            <a:solidFill>
+                              <a:srgbClr val="FF0000"/>
+                            </a:solidFill>
+                            <a:latin typeface="Cambria Math" panose="02040503050406030204" pitchFamily="18" charset="0"/>
+                          </a:rPr>
+                          <m:t>+1</m:t>
+                        </m:r>
+                      </m:sub>
+                    </m:sSub>
+                    <m:r>
+                      <a:rPr lang="en-US" altLang="zh-CN" b="0" i="1" dirty="0" smtClean="0">
+                        <a:latin typeface="Cambria Math" panose="02040503050406030204" pitchFamily="18" charset="0"/>
+                      </a:rPr>
+                      <m:t>]</m:t>
+                    </m:r>
+                    <m:r>
+                      <a:rPr lang="zh-CN" altLang="en-US" i="1" dirty="0">
+                        <a:latin typeface="Cambria Math" panose="02040503050406030204" pitchFamily="18" charset="0"/>
+                      </a:rPr>
+                      <m:t>还是</m:t>
+                    </m:r>
+                  </m:oMath>
+                </a14:m>
+                <a:r>
+                  <a:rPr lang="zh-CN" altLang="en-US" dirty="0">
+                    <a:solidFill>
+                      <a:srgbClr val="FF0000"/>
+                    </a:solidFill>
+                  </a:rPr>
+                  <a:t>链路带宽利用率 </a:t>
+                </a:r>
+                <a:r>
+                  <a:rPr lang="zh-CN" altLang="en-US" dirty="0"/>
+                  <a:t>还是</a:t>
+                </a:r>
+                <a:r>
+                  <a:rPr lang="zh-CN" altLang="en-US" dirty="0">
+                    <a:solidFill>
+                      <a:srgbClr val="FF0000"/>
+                    </a:solidFill>
+                  </a:rPr>
+                  <a:t>发送速率</a:t>
+                </a:r>
+                <a:endParaRPr lang="en-US" altLang="zh-CN" dirty="0">
+                  <a:solidFill>
+                    <a:srgbClr val="FF0000"/>
+                  </a:solidFill>
+                </a:endParaRPr>
+              </a:p>
+              <a:p>
+                <a:r>
+                  <a:rPr lang="zh-CN" altLang="en-US" dirty="0"/>
+                  <a:t>②如何判断哪儿</a:t>
+                </a:r>
+                <a14:m>
+                  <m:oMath xmlns:m="http://schemas.openxmlformats.org/officeDocument/2006/math">
+                    <m:r>
+                      <a:rPr lang="zh-CN" altLang="en-US" i="1" smtClean="0">
+                        <a:latin typeface="Cambria Math" panose="02040503050406030204" pitchFamily="18" charset="0"/>
+                      </a:rPr>
+                      <m:t>∆</m:t>
+                    </m:r>
+                    <m:r>
+                      <a:rPr lang="en-US" altLang="zh-CN" b="0" i="1" smtClean="0">
+                        <a:latin typeface="Cambria Math" panose="02040503050406030204" pitchFamily="18" charset="0"/>
+                      </a:rPr>
+                      <m:t>𝑊</m:t>
+                    </m:r>
+                    <m:r>
+                      <a:rPr lang="zh-CN" altLang="en-US" i="1">
+                        <a:latin typeface="Cambria Math" panose="02040503050406030204" pitchFamily="18" charset="0"/>
+                      </a:rPr>
+                      <m:t>是想要的</m:t>
+                    </m:r>
+                  </m:oMath>
+                </a14:m>
+                <a:endParaRPr lang="en-US" altLang="zh-CN" dirty="0"/>
+              </a:p>
+              <a:p>
+                <a:r>
+                  <a:rPr lang="zh-CN" altLang="en-US" dirty="0"/>
+                  <a:t>③这个</a:t>
+                </a:r>
+                <a14:m>
+                  <m:oMath xmlns:m="http://schemas.openxmlformats.org/officeDocument/2006/math">
+                    <m:r>
+                      <a:rPr lang="zh-CN" altLang="en-US" i="1" smtClean="0">
+                        <a:latin typeface="Cambria Math" panose="02040503050406030204" pitchFamily="18" charset="0"/>
+                      </a:rPr>
+                      <m:t>∆</m:t>
+                    </m:r>
+                    <m:r>
+                      <a:rPr lang="en-US" altLang="zh-CN" b="0" i="1" smtClean="0">
+                        <a:latin typeface="Cambria Math" panose="02040503050406030204" pitchFamily="18" charset="0"/>
+                      </a:rPr>
+                      <m:t>𝑊</m:t>
+                    </m:r>
+                  </m:oMath>
+                </a14:m>
+                <a:r>
+                  <a:rPr lang="zh-CN" altLang="en-US" dirty="0"/>
+                  <a:t>是否会受到拓扑的影响</a:t>
+                </a:r>
+                <a:endParaRPr lang="en-US" altLang="zh-CN" dirty="0"/>
+              </a:p>
+            </p:txBody>
+          </p:sp>
+        </mc:Choice>
+        <mc:Fallback xmlns="">
+          <p:sp>
+            <p:nvSpPr>
+              <p:cNvPr id="8" name="文本框 7">
+                <a:extLst>
+                  <a:ext uri="{FF2B5EF4-FFF2-40B4-BE49-F238E27FC236}">
+                    <a16:creationId xmlns:a16="http://schemas.microsoft.com/office/drawing/2014/main" id="{7B6CB67B-00C4-4887-BA6C-BDF16EC09B32}"/>
+                  </a:ext>
+                </a:extLst>
+              </p:cNvPr>
+              <p:cNvSpPr txBox="1">
+                <a:spLocks noRot="1" noChangeAspect="1" noMove="1" noResize="1" noEditPoints="1" noAdjustHandles="1" noChangeArrowheads="1" noChangeShapeType="1" noTextEdit="1"/>
+              </p:cNvSpPr>
+              <p:nvPr/>
+            </p:nvSpPr>
+            <p:spPr>
+              <a:xfrm>
+                <a:off x="999179" y="4187713"/>
+                <a:ext cx="3681823" cy="1477328"/>
+              </a:xfrm>
+              <a:prstGeom prst="rect">
+                <a:avLst/>
+              </a:prstGeom>
+              <a:blipFill>
+                <a:blip r:embed="rId3"/>
+                <a:stretch>
+                  <a:fillRect l="-1490" t="-2479" b="-5785"/>
+                </a:stretch>
+              </a:blipFill>
+            </p:spPr>
+            <p:txBody>
+              <a:bodyPr/>
+              <a:lstStyle/>
+              <a:p>
+                <a:r>
+                  <a:rPr lang="zh-CN" altLang="en-US">
+                    <a:noFill/>
+                  </a:rPr>
+                  <a:t> </a:t>
+                </a:r>
+              </a:p>
+            </p:txBody>
+          </p:sp>
+        </mc:Fallback>
+      </mc:AlternateContent>
+      <mc:AlternateContent xmlns:mc="http://schemas.openxmlformats.org/markup-compatibility/2006" xmlns:a14="http://schemas.microsoft.com/office/drawing/2010/main">
+        <mc:Choice Requires="a14">
+          <p:sp>
+            <p:nvSpPr>
+              <p:cNvPr id="13" name="文本框 12">
+                <a:extLst>
+                  <a:ext uri="{FF2B5EF4-FFF2-40B4-BE49-F238E27FC236}">
+                    <a16:creationId xmlns:a16="http://schemas.microsoft.com/office/drawing/2014/main" id="{FD64587D-FA26-463F-A8BC-5124F58ABA8E}"/>
+                  </a:ext>
+                </a:extLst>
+              </p:cNvPr>
+              <p:cNvSpPr txBox="1"/>
+              <p:nvPr/>
+            </p:nvSpPr>
+            <p:spPr>
+              <a:xfrm>
+                <a:off x="5807348" y="3995678"/>
+                <a:ext cx="4257107" cy="2585323"/>
+              </a:xfrm>
+              <a:prstGeom prst="rect">
+                <a:avLst/>
+              </a:prstGeom>
+              <a:noFill/>
+            </p:spPr>
+            <p:txBody>
+              <a:bodyPr wrap="square" rtlCol="0">
+                <a:spAutoFit/>
+              </a:bodyPr>
+              <a:lstStyle/>
+              <a:p>
+                <a:r>
+                  <a:rPr lang="zh-CN" altLang="en-US" dirty="0"/>
+                  <a:t>解决思路或想法：</a:t>
+                </a:r>
+                <a:endParaRPr lang="en-US" altLang="zh-CN" dirty="0"/>
+              </a:p>
+              <a:p>
+                <a:r>
+                  <a:rPr lang="zh-CN" altLang="en-US" dirty="0"/>
+                  <a:t>①</a:t>
+                </a:r>
+                <a:r>
+                  <a:rPr lang="en-US" altLang="zh-CN" dirty="0"/>
+                  <a:t>X</a:t>
+                </a:r>
+                <a:r>
+                  <a:rPr lang="zh-CN" altLang="en-US" dirty="0"/>
+                  <a:t>包括</a:t>
+                </a:r>
+                <a14:m>
+                  <m:oMath xmlns:m="http://schemas.openxmlformats.org/officeDocument/2006/math">
+                    <m:sSub>
+                      <m:sSubPr>
+                        <m:ctrlPr>
+                          <a:rPr lang="en-US" altLang="zh-CN" i="1" smtClean="0">
+                            <a:solidFill>
+                              <a:srgbClr val="FF0000"/>
+                            </a:solidFill>
+                            <a:latin typeface="Cambria Math" panose="02040503050406030204" pitchFamily="18" charset="0"/>
+                          </a:rPr>
+                        </m:ctrlPr>
+                      </m:sSubPr>
+                      <m:e>
+                        <m:r>
+                          <a:rPr lang="en-US" altLang="zh-CN" b="0" i="1" smtClean="0">
+                            <a:solidFill>
+                              <a:srgbClr val="FF0000"/>
+                            </a:solidFill>
+                            <a:latin typeface="Cambria Math" panose="02040503050406030204" pitchFamily="18" charset="0"/>
+                          </a:rPr>
+                          <m:t>𝑅𝑇𝑇</m:t>
+                        </m:r>
+                      </m:e>
+                      <m:sub>
+                        <m:r>
+                          <m:rPr>
+                            <m:sty m:val="p"/>
+                          </m:rPr>
+                          <a:rPr lang="en-US" altLang="zh-CN" i="1">
+                            <a:solidFill>
+                              <a:srgbClr val="FF0000"/>
+                            </a:solidFill>
+                            <a:latin typeface="Cambria Math" panose="02040503050406030204" pitchFamily="18" charset="0"/>
+                          </a:rPr>
+                          <m:t>i</m:t>
+                        </m:r>
+                        <m:r>
+                          <a:rPr lang="en-US" altLang="zh-CN" i="1">
+                            <a:solidFill>
+                              <a:srgbClr val="FF0000"/>
+                            </a:solidFill>
+                            <a:latin typeface="Cambria Math" panose="02040503050406030204" pitchFamily="18" charset="0"/>
+                          </a:rPr>
+                          <m:t>+1</m:t>
+                        </m:r>
+                      </m:sub>
+                    </m:sSub>
+                    <m:r>
+                      <a:rPr lang="en-US" altLang="zh-CN" b="0" i="1" smtClean="0">
+                        <a:solidFill>
+                          <a:srgbClr val="FF0000"/>
+                        </a:solidFill>
+                        <a:latin typeface="Cambria Math" panose="02040503050406030204" pitchFamily="18" charset="0"/>
+                      </a:rPr>
+                      <m:t> </m:t>
+                    </m:r>
+                  </m:oMath>
+                </a14:m>
+                <a:r>
+                  <a:rPr lang="zh-CN" altLang="en-US" dirty="0">
+                    <a:solidFill>
+                      <a:srgbClr val="FF0000"/>
+                    </a:solidFill>
+                  </a:rPr>
+                  <a:t> </a:t>
+                </a:r>
+                <a14:m>
+                  <m:oMath xmlns:m="http://schemas.openxmlformats.org/officeDocument/2006/math">
+                    <m:sSub>
+                      <m:sSubPr>
+                        <m:ctrlPr>
+                          <a:rPr lang="en-US" altLang="zh-CN" i="1" dirty="0" smtClean="0">
+                            <a:solidFill>
+                              <a:srgbClr val="FF0000"/>
+                            </a:solidFill>
+                            <a:latin typeface="Cambria Math" panose="02040503050406030204" pitchFamily="18" charset="0"/>
+                          </a:rPr>
+                        </m:ctrlPr>
+                      </m:sSubPr>
+                      <m:e>
+                        <m:r>
+                          <a:rPr lang="en-US" altLang="zh-CN" b="0" i="1" dirty="0" smtClean="0">
+                            <a:solidFill>
+                              <a:srgbClr val="FF0000"/>
+                            </a:solidFill>
+                            <a:latin typeface="Cambria Math" panose="02040503050406030204" pitchFamily="18" charset="0"/>
+                          </a:rPr>
+                          <m:t>𝐸𝐶𝑁</m:t>
+                        </m:r>
+                      </m:e>
+                      <m:sub>
+                        <m:r>
+                          <a:rPr lang="en-US" altLang="zh-CN" b="0" i="1" dirty="0" smtClean="0">
+                            <a:solidFill>
+                              <a:srgbClr val="FF0000"/>
+                            </a:solidFill>
+                            <a:latin typeface="Cambria Math" panose="02040503050406030204" pitchFamily="18" charset="0"/>
+                          </a:rPr>
+                          <m:t>𝑖</m:t>
+                        </m:r>
+                        <m:r>
+                          <a:rPr lang="en-US" altLang="zh-CN" b="0" i="1" dirty="0" smtClean="0">
+                            <a:solidFill>
+                              <a:srgbClr val="FF0000"/>
+                            </a:solidFill>
+                            <a:latin typeface="Cambria Math" panose="02040503050406030204" pitchFamily="18" charset="0"/>
+                          </a:rPr>
+                          <m:t>+1</m:t>
+                        </m:r>
+                      </m:sub>
+                    </m:sSub>
+                  </m:oMath>
+                </a14:m>
+                <a:r>
+                  <a:rPr lang="zh-CN" altLang="en-US" dirty="0"/>
+                  <a:t>和</a:t>
+                </a:r>
+                <a:r>
+                  <a:rPr lang="zh-CN" altLang="en-US" dirty="0">
+                    <a:solidFill>
+                      <a:srgbClr val="FF0000"/>
+                    </a:solidFill>
+                  </a:rPr>
+                  <a:t>链路带宽利用率</a:t>
+                </a:r>
+                <a:r>
+                  <a:rPr lang="zh-CN" altLang="en-US" dirty="0"/>
+                  <a:t>和</a:t>
+                </a:r>
+                <a:r>
+                  <a:rPr lang="zh-CN" altLang="en-US" dirty="0">
+                    <a:solidFill>
+                      <a:srgbClr val="FF0000"/>
+                    </a:solidFill>
+                  </a:rPr>
+                  <a:t>发送速率</a:t>
+                </a:r>
+                <a:endParaRPr lang="en-US" altLang="zh-CN" dirty="0">
+                  <a:solidFill>
+                    <a:srgbClr val="FF0000"/>
+                  </a:solidFill>
+                </a:endParaRPr>
+              </a:p>
+              <a:p>
+                <a:r>
+                  <a:rPr lang="zh-CN" altLang="en-US" dirty="0"/>
+                  <a:t>②尽量提高发送速率的同时尽量不提高</a:t>
+                </a:r>
+                <a:r>
+                  <a:rPr lang="en-US" altLang="zh-CN" dirty="0"/>
+                  <a:t>RTT ECN,</a:t>
+                </a:r>
+                <a:r>
+                  <a:rPr lang="zh-CN" altLang="en-US" dirty="0"/>
+                  <a:t>或尽量</a:t>
+                </a:r>
+                <a:r>
+                  <a:rPr lang="zh-CN" altLang="en-US"/>
+                  <a:t>不降低发送速率的</a:t>
+                </a:r>
+                <a:r>
+                  <a:rPr lang="zh-CN" altLang="en-US" dirty="0"/>
+                  <a:t>同时尽量降低</a:t>
+                </a:r>
+                <a:r>
+                  <a:rPr lang="en-US" altLang="zh-CN" dirty="0"/>
+                  <a:t>RTT ECN</a:t>
+                </a:r>
+                <a:r>
+                  <a:rPr lang="zh-CN" altLang="en-US" dirty="0"/>
+                  <a:t>，需要找一种比较算法</a:t>
+                </a:r>
+                <a:endParaRPr lang="en-US" altLang="zh-CN" dirty="0"/>
+              </a:p>
+              <a:p>
+                <a:r>
+                  <a:rPr lang="zh-CN" altLang="en-US" dirty="0"/>
+                  <a:t>③如果</a:t>
+                </a:r>
+                <a14:m>
+                  <m:oMath xmlns:m="http://schemas.openxmlformats.org/officeDocument/2006/math">
+                    <m:r>
+                      <a:rPr lang="zh-CN" altLang="en-US" i="1" smtClean="0">
+                        <a:latin typeface="Cambria Math" panose="02040503050406030204" pitchFamily="18" charset="0"/>
+                      </a:rPr>
+                      <m:t>∆</m:t>
+                    </m:r>
+                    <m:r>
+                      <a:rPr lang="en-US" altLang="zh-CN" b="0" i="1" smtClean="0">
+                        <a:latin typeface="Cambria Math" panose="02040503050406030204" pitchFamily="18" charset="0"/>
+                      </a:rPr>
+                      <m:t>𝑊</m:t>
+                    </m:r>
+                  </m:oMath>
+                </a14:m>
+                <a:r>
+                  <a:rPr lang="zh-CN" altLang="en-US" dirty="0"/>
+                  <a:t>会受到拓扑的影响，那么会使数据集无效，即数据集中存在相同的</a:t>
+                </a:r>
+                <a:r>
+                  <a:rPr lang="en-US" altLang="zh-CN" dirty="0"/>
+                  <a:t>input</a:t>
+                </a:r>
+                <a:r>
+                  <a:rPr lang="zh-CN" altLang="en-US" dirty="0"/>
+                  <a:t>和不同的</a:t>
+                </a:r>
+                <a:r>
+                  <a:rPr lang="en-US" altLang="zh-CN" dirty="0"/>
+                  <a:t>output</a:t>
+                </a:r>
+              </a:p>
+            </p:txBody>
+          </p:sp>
+        </mc:Choice>
+        <mc:Fallback xmlns="">
+          <p:sp>
+            <p:nvSpPr>
+              <p:cNvPr id="13" name="文本框 12">
+                <a:extLst>
+                  <a:ext uri="{FF2B5EF4-FFF2-40B4-BE49-F238E27FC236}">
+                    <a16:creationId xmlns:a16="http://schemas.microsoft.com/office/drawing/2014/main" id="{FD64587D-FA26-463F-A8BC-5124F58ABA8E}"/>
+                  </a:ext>
+                </a:extLst>
+              </p:cNvPr>
+              <p:cNvSpPr txBox="1">
+                <a:spLocks noRot="1" noChangeAspect="1" noMove="1" noResize="1" noEditPoints="1" noAdjustHandles="1" noChangeArrowheads="1" noChangeShapeType="1" noTextEdit="1"/>
+              </p:cNvSpPr>
+              <p:nvPr/>
+            </p:nvSpPr>
+            <p:spPr>
+              <a:xfrm>
+                <a:off x="5807348" y="3995678"/>
+                <a:ext cx="4257107" cy="2585323"/>
+              </a:xfrm>
+              <a:prstGeom prst="rect">
+                <a:avLst/>
+              </a:prstGeom>
+              <a:blipFill>
+                <a:blip r:embed="rId4"/>
+                <a:stretch>
+                  <a:fillRect l="-1289" t="-1176" r="-1146" b="-2588"/>
+                </a:stretch>
+              </a:blipFill>
+            </p:spPr>
+            <p:txBody>
+              <a:bodyPr/>
+              <a:lstStyle/>
+              <a:p>
+                <a:r>
+                  <a:rPr lang="zh-CN" altLang="en-US">
+                    <a:noFill/>
+                  </a:rPr>
+                  <a:t> </a:t>
+                </a:r>
+              </a:p>
+            </p:txBody>
+          </p:sp>
+        </mc:Fallback>
+      </mc:AlternateContent>
+    </p:spTree>
+    <p:extLst>
+      <p:ext uri="{BB962C8B-B14F-4D97-AF65-F5344CB8AC3E}">
+        <p14:creationId xmlns:p14="http://schemas.microsoft.com/office/powerpoint/2010/main" val="3607235907"/>
+      </p:ext>
+    </p:extLst>
+  </p:cSld>
+  <p:clrMapOvr>
+    <a:masterClrMapping/>
+  </p:clrMapOvr>
+</p:sld>
+</file>
+
+<file path=ppt/slides/slide17.xml><?xml version="1.0" encoding="utf-8"?>
+<p:sld xmlns:a="http://schemas.openxmlformats.org/drawingml/2006/main" xmlns:r="http://schemas.openxmlformats.org/officeDocument/2006/relationships" xmlns:p="http://schemas.openxmlformats.org/presentationml/2006/main">
+  <p:cSld>
+    <p:spTree>
+      <p:nvGrpSpPr>
+        <p:cNvPr id="1" name=""/>
+        <p:cNvGrpSpPr/>
+        <p:nvPr/>
+      </p:nvGrpSpPr>
+      <p:grpSpPr>
+        <a:xfrm>
+          <a:off x="0" y="0"/>
+          <a:ext cx="0" cy="0"/>
+          <a:chOff x="0" y="0"/>
+          <a:chExt cx="0" cy="0"/>
+        </a:xfrm>
+      </p:grpSpPr>
+      <p:sp>
+        <p:nvSpPr>
+          <p:cNvPr id="2" name="文本框 1">
+            <a:extLst>
+              <a:ext uri="{FF2B5EF4-FFF2-40B4-BE49-F238E27FC236}">
+                <a16:creationId xmlns:a16="http://schemas.microsoft.com/office/drawing/2014/main" id="{6CFB12EE-E543-4CF7-ABEE-772981BECFCF}"/>
+              </a:ext>
+            </a:extLst>
+          </p:cNvPr>
+          <p:cNvSpPr txBox="1"/>
+          <p:nvPr/>
+        </p:nvSpPr>
+        <p:spPr>
+          <a:xfrm>
+            <a:off x="375449" y="466283"/>
+            <a:ext cx="5425844" cy="923330"/>
+          </a:xfrm>
+          <a:prstGeom prst="rect">
+            <a:avLst/>
+          </a:prstGeom>
+          <a:noFill/>
+        </p:spPr>
+        <p:txBody>
+          <a:bodyPr wrap="square" rtlCol="0">
+            <a:spAutoFit/>
+          </a:bodyPr>
+          <a:lstStyle/>
+          <a:p>
+            <a:r>
+              <a:rPr lang="zh-CN" altLang="en-US" dirty="0"/>
+              <a:t>仿真平台搭建思路：寻找网上已经实现好的进行修改和使用</a:t>
+            </a:r>
+            <a:endParaRPr lang="en-US" altLang="zh-CN" dirty="0"/>
+          </a:p>
+          <a:p>
+            <a:endParaRPr lang="zh-CN" altLang="en-US" dirty="0"/>
+          </a:p>
+        </p:txBody>
+      </p:sp>
+      <p:sp>
+        <p:nvSpPr>
+          <p:cNvPr id="3" name="文本框 2">
+            <a:extLst>
+              <a:ext uri="{FF2B5EF4-FFF2-40B4-BE49-F238E27FC236}">
+                <a16:creationId xmlns:a16="http://schemas.microsoft.com/office/drawing/2014/main" id="{75C64943-30BC-4475-ADED-D3E733C79009}"/>
+              </a:ext>
+            </a:extLst>
+          </p:cNvPr>
+          <p:cNvSpPr txBox="1"/>
+          <p:nvPr/>
+        </p:nvSpPr>
+        <p:spPr>
+          <a:xfrm>
+            <a:off x="532895" y="1574464"/>
+            <a:ext cx="4523555" cy="923330"/>
+          </a:xfrm>
+          <a:prstGeom prst="rect">
+            <a:avLst/>
+          </a:prstGeom>
+          <a:noFill/>
+        </p:spPr>
+        <p:txBody>
+          <a:bodyPr wrap="square" rtlCol="0">
+            <a:spAutoFit/>
+          </a:bodyPr>
+          <a:lstStyle/>
+          <a:p>
+            <a:r>
+              <a:rPr lang="en-US" altLang="zh-CN" dirty="0" err="1">
+                <a:hlinkClick r:id="rId2"/>
+              </a:rPr>
+              <a:t>ndal</a:t>
+            </a:r>
+            <a:r>
+              <a:rPr lang="en-US" altLang="zh-CN" dirty="0">
+                <a:hlinkClick r:id="rId2"/>
+              </a:rPr>
+              <a:t>-eth/</a:t>
+            </a:r>
+            <a:r>
+              <a:rPr lang="en-US" altLang="zh-CN" dirty="0" err="1">
+                <a:hlinkClick r:id="rId2"/>
+              </a:rPr>
+              <a:t>netbench</a:t>
+            </a:r>
+            <a:r>
+              <a:rPr lang="en-US" altLang="zh-CN" dirty="0">
+                <a:hlinkClick r:id="rId2"/>
+              </a:rPr>
+              <a:t>: Packet simulator for data center network topologies, routing, and congestion control (github.com)</a:t>
+            </a:r>
+            <a:endParaRPr lang="zh-CN" altLang="en-US" dirty="0"/>
+          </a:p>
+        </p:txBody>
+      </p:sp>
+      <p:sp>
+        <p:nvSpPr>
+          <p:cNvPr id="5" name="文本框 4">
+            <a:extLst>
+              <a:ext uri="{FF2B5EF4-FFF2-40B4-BE49-F238E27FC236}">
+                <a16:creationId xmlns:a16="http://schemas.microsoft.com/office/drawing/2014/main" id="{B0DACFF4-F543-4D9D-9596-5D9EE1334B14}"/>
+              </a:ext>
+            </a:extLst>
+          </p:cNvPr>
+          <p:cNvSpPr txBox="1"/>
+          <p:nvPr/>
+        </p:nvSpPr>
+        <p:spPr>
+          <a:xfrm>
+            <a:off x="576798" y="2906763"/>
+            <a:ext cx="6094990" cy="646331"/>
+          </a:xfrm>
+          <a:prstGeom prst="rect">
+            <a:avLst/>
+          </a:prstGeom>
+          <a:noFill/>
+        </p:spPr>
+        <p:txBody>
+          <a:bodyPr wrap="square">
+            <a:spAutoFit/>
+          </a:bodyPr>
+          <a:lstStyle/>
+          <a:p>
+            <a:r>
+              <a:rPr lang="en-US" altLang="zh-CN" dirty="0" err="1">
+                <a:hlinkClick r:id="rId3"/>
+              </a:rPr>
+              <a:t>Snowzjx</a:t>
+            </a:r>
+            <a:r>
+              <a:rPr lang="en-US" altLang="zh-CN" dirty="0">
+                <a:hlinkClick r:id="rId3"/>
+              </a:rPr>
+              <a:t>/NS3-ECN-sharp (github.com)</a:t>
+            </a:r>
+            <a:r>
+              <a:rPr lang="zh-CN" altLang="en-US" dirty="0"/>
+              <a:t>使用</a:t>
+            </a:r>
+            <a:r>
+              <a:rPr lang="en-US" altLang="zh-CN" dirty="0"/>
+              <a:t>ns3</a:t>
+            </a:r>
+            <a:r>
+              <a:rPr lang="zh-CN" altLang="en-US" dirty="0"/>
+              <a:t>仿真数据中心无损网络，实现了</a:t>
+            </a:r>
+            <a:r>
+              <a:rPr lang="en-US" altLang="zh-CN" dirty="0"/>
+              <a:t>ECN/RED</a:t>
+            </a:r>
+            <a:r>
+              <a:rPr lang="zh-CN" altLang="en-US" dirty="0"/>
+              <a:t>等协议</a:t>
+            </a:r>
+          </a:p>
+        </p:txBody>
+      </p:sp>
+      <p:sp>
+        <p:nvSpPr>
+          <p:cNvPr id="4" name="文本框 3">
+            <a:extLst>
+              <a:ext uri="{FF2B5EF4-FFF2-40B4-BE49-F238E27FC236}">
+                <a16:creationId xmlns:a16="http://schemas.microsoft.com/office/drawing/2014/main" id="{45146531-6C31-4275-A7E3-A026280E8D71}"/>
+              </a:ext>
+            </a:extLst>
+          </p:cNvPr>
+          <p:cNvSpPr txBox="1"/>
+          <p:nvPr/>
+        </p:nvSpPr>
+        <p:spPr>
+          <a:xfrm>
+            <a:off x="532895" y="4014944"/>
+            <a:ext cx="7563481" cy="923330"/>
+          </a:xfrm>
+          <a:prstGeom prst="rect">
+            <a:avLst/>
+          </a:prstGeom>
+          <a:noFill/>
+        </p:spPr>
+        <p:txBody>
+          <a:bodyPr wrap="square" rtlCol="0">
+            <a:spAutoFit/>
+          </a:bodyPr>
+          <a:lstStyle/>
+          <a:p>
+            <a:r>
+              <a:rPr lang="en-US" altLang="zh-CN" dirty="0">
+                <a:hlinkClick r:id="rId4"/>
+              </a:rPr>
+              <a:t>【NS3】</a:t>
+            </a:r>
+            <a:r>
+              <a:rPr lang="zh-CN" altLang="en-US" dirty="0">
+                <a:hlinkClick r:id="rId4"/>
+              </a:rPr>
+              <a:t>图文详解报文接收过程 </a:t>
+            </a:r>
+            <a:r>
+              <a:rPr lang="en-US" altLang="zh-CN" dirty="0">
+                <a:hlinkClick r:id="rId4"/>
+              </a:rPr>
+              <a:t>– NGDCN</a:t>
+            </a:r>
+            <a:endParaRPr lang="en-US" altLang="zh-CN" dirty="0"/>
+          </a:p>
+          <a:p>
+            <a:r>
+              <a:rPr lang="en-US" altLang="zh-CN" b="0" i="1" u="none" strike="noStrike" dirty="0">
+                <a:solidFill>
+                  <a:srgbClr val="4183C4"/>
+                </a:solidFill>
+                <a:effectLst/>
+                <a:latin typeface="Microsoft YaHei" panose="020B0503020204020204" pitchFamily="34" charset="-122"/>
+                <a:ea typeface="Microsoft YaHei" panose="020B0503020204020204" pitchFamily="34" charset="-122"/>
+                <a:hlinkClick r:id="rId5"/>
+              </a:rPr>
+              <a:t>https://github.com/alibaba-edu/High-Precision-Congestion-Control</a:t>
+            </a:r>
+            <a:r>
+              <a:rPr lang="en-US" altLang="zh-CN" b="0" i="1" dirty="0">
+                <a:solidFill>
+                  <a:srgbClr val="666666"/>
+                </a:solidFill>
+                <a:effectLst/>
+                <a:latin typeface="Microsoft YaHei" panose="020B0503020204020204" pitchFamily="34" charset="-122"/>
+                <a:ea typeface="Microsoft YaHei" panose="020B0503020204020204" pitchFamily="34" charset="-122"/>
+              </a:rPr>
+              <a:t> </a:t>
+            </a:r>
+            <a:endParaRPr lang="zh-CN" altLang="en-US" dirty="0"/>
+          </a:p>
+        </p:txBody>
+      </p:sp>
+    </p:spTree>
+    <p:extLst>
+      <p:ext uri="{BB962C8B-B14F-4D97-AF65-F5344CB8AC3E}">
+        <p14:creationId xmlns:p14="http://schemas.microsoft.com/office/powerpoint/2010/main" val="427590751"/>
+      </p:ext>
+    </p:extLst>
+  </p:cSld>
+  <p:clrMapOvr>
+    <a:masterClrMapping/>
+  </p:clrMapOvr>
+</p:sld>
+</file>
+
+<file path=ppt/slides/slide18.xml><?xml version="1.0" encoding="utf-8"?>
+<p:sld xmlns:a="http://schemas.openxmlformats.org/drawingml/2006/main" xmlns:r="http://schemas.openxmlformats.org/officeDocument/2006/relationships" xmlns:p="http://schemas.openxmlformats.org/presentationml/2006/main">
+  <p:cSld>
+    <p:spTree>
+      <p:nvGrpSpPr>
+        <p:cNvPr id="1" name=""/>
+        <p:cNvGrpSpPr/>
+        <p:nvPr/>
+      </p:nvGrpSpPr>
+      <p:grpSpPr>
+        <a:xfrm>
+          <a:off x="0" y="0"/>
+          <a:ext cx="0" cy="0"/>
+          <a:chOff x="0" y="0"/>
+          <a:chExt cx="0" cy="0"/>
+        </a:xfrm>
+      </p:grpSpPr>
+      <p:pic>
+        <p:nvPicPr>
+          <p:cNvPr id="3" name="图片 2">
+            <a:extLst>
+              <a:ext uri="{FF2B5EF4-FFF2-40B4-BE49-F238E27FC236}">
+                <a16:creationId xmlns:a16="http://schemas.microsoft.com/office/drawing/2014/main" id="{3581630B-1847-4B2A-B302-42C9C6DB95C1}"/>
+              </a:ext>
+            </a:extLst>
+          </p:cNvPr>
+          <p:cNvPicPr>
+            <a:picLocks noChangeAspect="1"/>
+          </p:cNvPicPr>
+          <p:nvPr/>
+        </p:nvPicPr>
+        <p:blipFill>
+          <a:blip r:embed="rId2"/>
+          <a:stretch>
+            <a:fillRect/>
+          </a:stretch>
+        </p:blipFill>
+        <p:spPr>
+          <a:xfrm>
+            <a:off x="439131" y="413876"/>
+            <a:ext cx="6224404" cy="2002319"/>
+          </a:xfrm>
+          <a:prstGeom prst="rect">
+            <a:avLst/>
+          </a:prstGeom>
+        </p:spPr>
+      </p:pic>
+      <p:sp>
+        <p:nvSpPr>
+          <p:cNvPr id="2" name="文本框 1">
+            <a:extLst>
+              <a:ext uri="{FF2B5EF4-FFF2-40B4-BE49-F238E27FC236}">
+                <a16:creationId xmlns:a16="http://schemas.microsoft.com/office/drawing/2014/main" id="{718F870C-CE26-433F-B20C-17002723DA36}"/>
+              </a:ext>
+            </a:extLst>
+          </p:cNvPr>
+          <p:cNvSpPr txBox="1"/>
+          <p:nvPr/>
+        </p:nvSpPr>
+        <p:spPr>
+          <a:xfrm>
+            <a:off x="593452" y="2706866"/>
+            <a:ext cx="6649080" cy="1477328"/>
+          </a:xfrm>
+          <a:prstGeom prst="rect">
+            <a:avLst/>
+          </a:prstGeom>
+          <a:noFill/>
+        </p:spPr>
+        <p:txBody>
+          <a:bodyPr wrap="square" rtlCol="0">
+            <a:spAutoFit/>
+          </a:bodyPr>
+          <a:lstStyle/>
+          <a:p>
+            <a:r>
+              <a:rPr lang="en-US" altLang="zh-CN" dirty="0"/>
+              <a:t>Ns3</a:t>
+            </a:r>
+            <a:r>
+              <a:rPr lang="zh-CN" altLang="en-US" dirty="0"/>
+              <a:t>搭建教程：</a:t>
+            </a:r>
+            <a:r>
+              <a:rPr lang="zh-CN" altLang="en-US" dirty="0">
+                <a:hlinkClick r:id="rId3"/>
+              </a:rPr>
+              <a:t> </a:t>
+            </a:r>
+            <a:r>
+              <a:rPr lang="en-US" altLang="zh-CN" dirty="0">
+                <a:hlinkClick r:id="rId3"/>
+              </a:rPr>
+              <a:t>NS3</a:t>
+            </a:r>
+            <a:r>
+              <a:rPr lang="zh-CN" altLang="en-US" dirty="0">
+                <a:hlinkClick r:id="rId3"/>
+              </a:rPr>
+              <a:t>网络仿真器搭建</a:t>
+            </a:r>
+            <a:r>
+              <a:rPr lang="en-US" altLang="zh-CN" dirty="0">
+                <a:hlinkClick r:id="rId3"/>
+              </a:rPr>
+              <a:t>_</a:t>
+            </a:r>
+            <a:r>
+              <a:rPr lang="zh-CN" altLang="en-US" dirty="0">
+                <a:hlinkClick r:id="rId3"/>
+              </a:rPr>
+              <a:t>张小豆喵世界的博客</a:t>
+            </a:r>
+            <a:r>
+              <a:rPr lang="en-US" altLang="zh-CN" dirty="0">
+                <a:hlinkClick r:id="rId3"/>
+              </a:rPr>
+              <a:t>-CSDN</a:t>
+            </a:r>
+            <a:r>
+              <a:rPr lang="zh-CN" altLang="en-US" dirty="0">
+                <a:hlinkClick r:id="rId3"/>
+              </a:rPr>
+              <a:t>博客</a:t>
+            </a:r>
+            <a:r>
+              <a:rPr lang="en-US" altLang="zh-CN" dirty="0">
+                <a:hlinkClick r:id="rId3"/>
+              </a:rPr>
+              <a:t>_ns3</a:t>
+            </a:r>
+            <a:r>
+              <a:rPr lang="zh-CN" altLang="en-US" dirty="0">
+                <a:hlinkClick r:id="rId3"/>
+              </a:rPr>
+              <a:t>网络模拟器</a:t>
+            </a:r>
+            <a:endParaRPr lang="en-US" altLang="zh-CN" dirty="0"/>
+          </a:p>
+          <a:p>
+            <a:endParaRPr lang="en-US" altLang="zh-CN" dirty="0"/>
+          </a:p>
+          <a:p>
+            <a:r>
+              <a:rPr lang="en-US" altLang="zh-CN" dirty="0"/>
+              <a:t>NS3</a:t>
+            </a:r>
+            <a:r>
+              <a:rPr lang="zh-CN" altLang="en-US" dirty="0"/>
+              <a:t>书籍教程：</a:t>
+            </a:r>
+            <a:r>
+              <a:rPr lang="en-US" altLang="zh-CN" dirty="0">
+                <a:hlinkClick r:id="rId4"/>
+              </a:rPr>
+              <a:t>ns-3</a:t>
+            </a:r>
+            <a:r>
+              <a:rPr lang="zh-CN" altLang="en-US" dirty="0">
+                <a:hlinkClick r:id="rId4"/>
+              </a:rPr>
+              <a:t>网络模拟器基础及应用</a:t>
+            </a:r>
+            <a:r>
+              <a:rPr lang="en-US" altLang="zh-CN" dirty="0">
+                <a:hlinkClick r:id="rId4"/>
+              </a:rPr>
+              <a:t>【</a:t>
+            </a:r>
+            <a:r>
+              <a:rPr lang="zh-CN" altLang="en-US" dirty="0">
+                <a:hlinkClick r:id="rId4"/>
+              </a:rPr>
+              <a:t>全本</a:t>
+            </a:r>
+            <a:r>
+              <a:rPr lang="en-US" altLang="zh-CN" dirty="0">
+                <a:hlinkClick r:id="rId4"/>
+              </a:rPr>
+              <a:t>_</a:t>
+            </a:r>
+            <a:r>
+              <a:rPr lang="zh-CN" altLang="en-US" dirty="0">
+                <a:hlinkClick r:id="rId4"/>
+              </a:rPr>
+              <a:t>书评</a:t>
+            </a:r>
+            <a:r>
+              <a:rPr lang="en-US" altLang="zh-CN" dirty="0">
+                <a:hlinkClick r:id="rId4"/>
+              </a:rPr>
+              <a:t>_</a:t>
+            </a:r>
+            <a:r>
+              <a:rPr lang="zh-CN" altLang="en-US" dirty="0">
+                <a:hlinkClick r:id="rId4"/>
+              </a:rPr>
+              <a:t>在线阅读</a:t>
+            </a:r>
+            <a:r>
+              <a:rPr lang="en-US" altLang="zh-CN" dirty="0">
+                <a:hlinkClick r:id="rId4"/>
+              </a:rPr>
+              <a:t>】-</a:t>
+            </a:r>
+            <a:r>
+              <a:rPr lang="zh-CN" altLang="en-US" dirty="0">
+                <a:hlinkClick r:id="rId4"/>
+              </a:rPr>
+              <a:t>当当云阅读 </a:t>
+            </a:r>
+            <a:r>
+              <a:rPr lang="en-US" altLang="zh-CN" dirty="0">
+                <a:hlinkClick r:id="rId4"/>
+              </a:rPr>
+              <a:t>(dangdang.com)</a:t>
+            </a:r>
+            <a:endParaRPr lang="en-US" altLang="zh-CN" dirty="0"/>
+          </a:p>
+        </p:txBody>
+      </p:sp>
+    </p:spTree>
+    <p:extLst>
+      <p:ext uri="{BB962C8B-B14F-4D97-AF65-F5344CB8AC3E}">
+        <p14:creationId xmlns:p14="http://schemas.microsoft.com/office/powerpoint/2010/main" val="4230517792"/>
+      </p:ext>
+    </p:extLst>
+  </p:cSld>
+  <p:clrMapOvr>
+    <a:masterClrMapping/>
+  </p:clrMapOvr>
+</p:sld>
+</file>
+
+<file path=ppt/slides/slide19.xml><?xml version="1.0" encoding="utf-8"?>
+<p:sld xmlns:a="http://schemas.openxmlformats.org/drawingml/2006/main" xmlns:r="http://schemas.openxmlformats.org/officeDocument/2006/relationships" xmlns:p="http://schemas.openxmlformats.org/presentationml/2006/main">
+  <p:cSld>
+    <p:spTree>
+      <p:nvGrpSpPr>
+        <p:cNvPr id="1" name=""/>
+        <p:cNvGrpSpPr/>
+        <p:nvPr/>
+      </p:nvGrpSpPr>
+      <p:grpSpPr>
+        <a:xfrm>
+          <a:off x="0" y="0"/>
+          <a:ext cx="0" cy="0"/>
+          <a:chOff x="0" y="0"/>
+          <a:chExt cx="0" cy="0"/>
+        </a:xfrm>
+      </p:grpSpPr>
+      <p:sp>
+        <p:nvSpPr>
+          <p:cNvPr id="2" name="文本框 1">
+            <a:extLst>
+              <a:ext uri="{FF2B5EF4-FFF2-40B4-BE49-F238E27FC236}">
+                <a16:creationId xmlns:a16="http://schemas.microsoft.com/office/drawing/2014/main" id="{5DB9ABE1-480F-4C25-920A-AD84C9D82EBC}"/>
+              </a:ext>
+            </a:extLst>
+          </p:cNvPr>
+          <p:cNvSpPr txBox="1"/>
+          <p:nvPr/>
+        </p:nvSpPr>
+        <p:spPr>
+          <a:xfrm>
+            <a:off x="345170" y="581340"/>
+            <a:ext cx="10173457" cy="1200329"/>
+          </a:xfrm>
+          <a:prstGeom prst="rect">
+            <a:avLst/>
+          </a:prstGeom>
+          <a:noFill/>
+        </p:spPr>
+        <p:txBody>
+          <a:bodyPr wrap="square" rtlCol="0">
+            <a:spAutoFit/>
+          </a:bodyPr>
+          <a:lstStyle/>
+          <a:p>
+            <a:r>
+              <a:rPr lang="zh-CN" altLang="en-US" dirty="0"/>
+              <a:t>使用阿里巴巴</a:t>
+            </a:r>
+            <a:r>
+              <a:rPr lang="en-US" altLang="zh-CN" dirty="0"/>
+              <a:t>HCPP</a:t>
+            </a:r>
+            <a:r>
+              <a:rPr lang="zh-CN" altLang="en-US" dirty="0"/>
+              <a:t>拥塞控制算法的仿真平台，</a:t>
+            </a:r>
+            <a:r>
+              <a:rPr lang="en-US" altLang="zh-CN" dirty="0" err="1"/>
+              <a:t>github</a:t>
+            </a:r>
+            <a:r>
+              <a:rPr lang="zh-CN" altLang="en-US" dirty="0"/>
+              <a:t>上开源</a:t>
+            </a:r>
+            <a:endParaRPr lang="en-US" altLang="zh-CN" dirty="0"/>
+          </a:p>
+          <a:p>
+            <a:r>
+              <a:rPr lang="en-US" altLang="zh-CN" dirty="0"/>
+              <a:t>Ns3-3.17</a:t>
+            </a:r>
+            <a:r>
+              <a:rPr lang="zh-CN" altLang="en-US" dirty="0"/>
+              <a:t>仿真平台</a:t>
+            </a:r>
+            <a:endParaRPr lang="en-US" altLang="zh-CN" dirty="0"/>
+          </a:p>
+          <a:p>
+            <a:r>
+              <a:rPr lang="en-US" altLang="zh-CN" b="0" i="1" u="none" strike="noStrike" dirty="0">
+                <a:solidFill>
+                  <a:srgbClr val="4183C4"/>
+                </a:solidFill>
+                <a:effectLst/>
+                <a:latin typeface="Microsoft YaHei" panose="020B0503020204020204" pitchFamily="34" charset="-122"/>
+                <a:ea typeface="Microsoft YaHei" panose="020B0503020204020204" pitchFamily="34" charset="-122"/>
+                <a:hlinkClick r:id="rId2"/>
+              </a:rPr>
+              <a:t>https://github.com/alibaba-edu/High-Precision-Congestion-Control</a:t>
+            </a:r>
+            <a:r>
+              <a:rPr lang="en-US" altLang="zh-CN" b="0" i="1" u="none" strike="noStrike" dirty="0">
+                <a:solidFill>
+                  <a:srgbClr val="4183C4"/>
+                </a:solidFill>
+                <a:effectLst/>
+                <a:latin typeface="Microsoft YaHei" panose="020B0503020204020204" pitchFamily="34" charset="-122"/>
+                <a:ea typeface="Microsoft YaHei" panose="020B0503020204020204" pitchFamily="34" charset="-122"/>
+              </a:rPr>
+              <a:t> HCPP</a:t>
+            </a:r>
+            <a:r>
+              <a:rPr lang="zh-CN" altLang="en-US" b="0" i="1" u="none" strike="noStrike" dirty="0">
+                <a:solidFill>
+                  <a:srgbClr val="4183C4"/>
+                </a:solidFill>
+                <a:effectLst/>
+                <a:latin typeface="Microsoft YaHei" panose="020B0503020204020204" pitchFamily="34" charset="-122"/>
+                <a:ea typeface="Microsoft YaHei" panose="020B0503020204020204" pitchFamily="34" charset="-122"/>
+              </a:rPr>
+              <a:t>实现</a:t>
+            </a:r>
+            <a:endParaRPr lang="en-US" altLang="zh-CN" b="0" i="1" u="none" strike="noStrike" dirty="0">
+              <a:solidFill>
+                <a:srgbClr val="4183C4"/>
+              </a:solidFill>
+              <a:effectLst/>
+              <a:latin typeface="Microsoft YaHei" panose="020B0503020204020204" pitchFamily="34" charset="-122"/>
+              <a:ea typeface="Microsoft YaHei" panose="020B0503020204020204" pitchFamily="34" charset="-122"/>
+            </a:endParaRPr>
+          </a:p>
+          <a:p>
+            <a:r>
+              <a:rPr lang="en-US" altLang="zh-CN" dirty="0">
+                <a:hlinkClick r:id="rId3"/>
+              </a:rPr>
+              <a:t>【NS3】</a:t>
+            </a:r>
+            <a:r>
+              <a:rPr lang="zh-CN" altLang="en-US" dirty="0">
+                <a:hlinkClick r:id="rId3"/>
+              </a:rPr>
+              <a:t>图文详解报文接收过程 </a:t>
+            </a:r>
+            <a:r>
+              <a:rPr lang="en-US" altLang="zh-CN" dirty="0">
+                <a:hlinkClick r:id="rId3"/>
+              </a:rPr>
+              <a:t>– NGDCN </a:t>
+            </a:r>
+            <a:r>
+              <a:rPr lang="en-US" altLang="zh-CN" b="0" i="1" dirty="0">
+                <a:solidFill>
+                  <a:srgbClr val="666666"/>
+                </a:solidFill>
+                <a:effectLst/>
+                <a:latin typeface="Microsoft YaHei" panose="020B0503020204020204" pitchFamily="34" charset="-122"/>
+                <a:ea typeface="Microsoft YaHei" panose="020B0503020204020204" pitchFamily="34" charset="-122"/>
+              </a:rPr>
+              <a:t> </a:t>
+            </a:r>
+            <a:r>
+              <a:rPr lang="zh-CN" altLang="en-US" b="0" i="1" dirty="0">
+                <a:solidFill>
+                  <a:srgbClr val="666666"/>
+                </a:solidFill>
+                <a:effectLst/>
+                <a:latin typeface="Microsoft YaHei" panose="020B0503020204020204" pitchFamily="34" charset="-122"/>
+                <a:ea typeface="Microsoft YaHei" panose="020B0503020204020204" pitchFamily="34" charset="-122"/>
+              </a:rPr>
+              <a:t>代码讲解</a:t>
+            </a:r>
+            <a:endParaRPr lang="en-US" altLang="zh-CN" b="0" i="1" dirty="0">
+              <a:solidFill>
+                <a:srgbClr val="666666"/>
+              </a:solidFill>
+              <a:effectLst/>
+              <a:latin typeface="Microsoft YaHei" panose="020B0503020204020204" pitchFamily="34" charset="-122"/>
+              <a:ea typeface="Microsoft YaHei" panose="020B0503020204020204" pitchFamily="34" charset="-122"/>
+            </a:endParaRPr>
+          </a:p>
+        </p:txBody>
+      </p:sp>
+      <p:pic>
+        <p:nvPicPr>
+          <p:cNvPr id="4" name="图片 3">
+            <a:extLst>
+              <a:ext uri="{FF2B5EF4-FFF2-40B4-BE49-F238E27FC236}">
+                <a16:creationId xmlns:a16="http://schemas.microsoft.com/office/drawing/2014/main" id="{5400CA33-55A9-43C2-955B-53EA6CCB6CA1}"/>
+              </a:ext>
+            </a:extLst>
+          </p:cNvPr>
+          <p:cNvPicPr>
+            <a:picLocks noChangeAspect="1"/>
+          </p:cNvPicPr>
+          <p:nvPr/>
+        </p:nvPicPr>
+        <p:blipFill>
+          <a:blip r:embed="rId4"/>
+          <a:stretch>
+            <a:fillRect/>
+          </a:stretch>
+        </p:blipFill>
+        <p:spPr>
+          <a:xfrm>
+            <a:off x="587396" y="2318292"/>
+            <a:ext cx="5583885" cy="2614085"/>
+          </a:xfrm>
+          <a:prstGeom prst="rect">
+            <a:avLst/>
+          </a:prstGeom>
+        </p:spPr>
+      </p:pic>
+      <p:sp>
+        <p:nvSpPr>
+          <p:cNvPr id="5" name="文本框 4">
+            <a:extLst>
+              <a:ext uri="{FF2B5EF4-FFF2-40B4-BE49-F238E27FC236}">
+                <a16:creationId xmlns:a16="http://schemas.microsoft.com/office/drawing/2014/main" id="{CCE4B9D7-BA53-4F9B-A9AD-8569C42554F2}"/>
+              </a:ext>
+            </a:extLst>
+          </p:cNvPr>
+          <p:cNvSpPr txBox="1"/>
+          <p:nvPr/>
+        </p:nvSpPr>
+        <p:spPr>
+          <a:xfrm>
+            <a:off x="7297033" y="2210305"/>
+            <a:ext cx="4051216" cy="3970318"/>
+          </a:xfrm>
+          <a:prstGeom prst="rect">
+            <a:avLst/>
+          </a:prstGeom>
+          <a:noFill/>
+        </p:spPr>
+        <p:txBody>
+          <a:bodyPr wrap="square" rtlCol="0">
+            <a:spAutoFit/>
+          </a:bodyPr>
+          <a:lstStyle/>
+          <a:p>
+            <a:r>
+              <a:rPr lang="zh-CN" altLang="en-US" dirty="0"/>
+              <a:t>分别实现了</a:t>
+            </a:r>
+            <a:r>
+              <a:rPr lang="en-US" altLang="zh-CN" dirty="0"/>
+              <a:t>HCPP\TIMELY\DCTCP\</a:t>
+            </a:r>
+            <a:r>
+              <a:rPr lang="en-US" altLang="zh-CN" dirty="0" err="1"/>
+              <a:t>Hppint</a:t>
+            </a:r>
+            <a:r>
+              <a:rPr lang="zh-CN" altLang="en-US" dirty="0"/>
+              <a:t>四种拥塞控制算法</a:t>
+            </a:r>
+            <a:endParaRPr lang="en-US" altLang="zh-CN" dirty="0"/>
+          </a:p>
+          <a:p>
+            <a:endParaRPr lang="en-US" altLang="zh-CN" dirty="0"/>
+          </a:p>
+          <a:p>
+            <a:r>
+              <a:rPr lang="en-US" altLang="zh-CN" dirty="0" err="1"/>
+              <a:t>HpPint</a:t>
+            </a:r>
+            <a:r>
+              <a:rPr lang="zh-CN" altLang="en-US" dirty="0"/>
+              <a:t>是</a:t>
+            </a:r>
+            <a:r>
+              <a:rPr lang="en-US" altLang="zh-CN" dirty="0"/>
+              <a:t>HCPP</a:t>
+            </a:r>
+            <a:r>
+              <a:rPr lang="zh-CN" altLang="en-US" dirty="0"/>
+              <a:t>一种更新算法（链接</a:t>
+            </a:r>
+            <a:r>
+              <a:rPr lang="en-US" altLang="zh-CN" dirty="0"/>
+              <a:t>https://liyuliang001.github.io/publications/pint.pdf </a:t>
+            </a:r>
+            <a:r>
+              <a:rPr lang="zh-CN" altLang="en-US" dirty="0"/>
+              <a:t>）</a:t>
+            </a:r>
+            <a:endParaRPr lang="en-US" altLang="zh-CN" dirty="0"/>
+          </a:p>
+          <a:p>
+            <a:endParaRPr lang="en-US" altLang="zh-CN" dirty="0"/>
+          </a:p>
+          <a:p>
+            <a:endParaRPr lang="en-US" altLang="zh-CN" dirty="0"/>
+          </a:p>
+          <a:p>
+            <a:r>
+              <a:rPr lang="zh-CN" altLang="en-US" dirty="0"/>
+              <a:t>拥塞控制实现在</a:t>
+            </a:r>
+            <a:endParaRPr lang="en-US" altLang="zh-CN" dirty="0"/>
+          </a:p>
+          <a:p>
+            <a:r>
+              <a:rPr lang="en-US" altLang="zh-CN" dirty="0"/>
+              <a:t>Simulation/src/point_to_point/model/hw_rdma.cc</a:t>
+            </a:r>
+            <a:r>
+              <a:rPr lang="zh-CN" altLang="en-US" dirty="0"/>
+              <a:t>文件</a:t>
+            </a:r>
+            <a:r>
+              <a:rPr lang="en-US" altLang="zh-CN" dirty="0"/>
+              <a:t>:</a:t>
+            </a:r>
+            <a:r>
+              <a:rPr lang="en-US" altLang="zh-CN" dirty="0" err="1"/>
+              <a:t>ReceiveAck</a:t>
+            </a:r>
+            <a:r>
+              <a:rPr lang="zh-CN" altLang="en-US" dirty="0"/>
+              <a:t>函数内实现</a:t>
+            </a:r>
+            <a:endParaRPr lang="en-US" altLang="zh-CN" dirty="0"/>
+          </a:p>
+          <a:p>
+            <a:r>
+              <a:rPr lang="zh-CN" altLang="en-US" dirty="0"/>
+              <a:t>根据参数</a:t>
+            </a:r>
+            <a:r>
+              <a:rPr lang="en-US" altLang="zh-CN" dirty="0" err="1"/>
+              <a:t>m_cc_mode</a:t>
+            </a:r>
+            <a:r>
+              <a:rPr lang="zh-CN" altLang="en-US" dirty="0"/>
+              <a:t>的不同使用不同的拥塞控制算法</a:t>
+            </a:r>
+          </a:p>
+        </p:txBody>
+      </p:sp>
+      <p:sp>
+        <p:nvSpPr>
+          <p:cNvPr id="6" name="文本框 5">
+            <a:extLst>
+              <a:ext uri="{FF2B5EF4-FFF2-40B4-BE49-F238E27FC236}">
+                <a16:creationId xmlns:a16="http://schemas.microsoft.com/office/drawing/2014/main" id="{D8FE323E-AD09-45EA-B41C-BB84B8C4062A}"/>
+              </a:ext>
+            </a:extLst>
+          </p:cNvPr>
+          <p:cNvSpPr txBox="1"/>
+          <p:nvPr/>
+        </p:nvSpPr>
+        <p:spPr>
+          <a:xfrm>
+            <a:off x="575284" y="5115786"/>
+            <a:ext cx="5110951" cy="1754326"/>
+          </a:xfrm>
+          <a:prstGeom prst="rect">
+            <a:avLst/>
+          </a:prstGeom>
+          <a:noFill/>
+        </p:spPr>
+        <p:txBody>
+          <a:bodyPr wrap="square" rtlCol="0">
+            <a:spAutoFit/>
+          </a:bodyPr>
+          <a:lstStyle/>
+          <a:p>
+            <a:r>
+              <a:rPr lang="zh-CN" altLang="en-US" dirty="0"/>
+              <a:t>想法</a:t>
+            </a:r>
+            <a:r>
+              <a:rPr lang="en-US" altLang="zh-CN" dirty="0"/>
+              <a:t>1</a:t>
+            </a:r>
+            <a:r>
+              <a:rPr lang="zh-CN" altLang="en-US" dirty="0"/>
+              <a:t>：把设计的新的拥塞控制算法加入到</a:t>
+            </a:r>
+            <a:r>
+              <a:rPr lang="en-US" altLang="zh-CN" dirty="0" err="1"/>
+              <a:t>ReceiveAck</a:t>
+            </a:r>
+            <a:r>
+              <a:rPr lang="zh-CN" altLang="en-US" dirty="0"/>
+              <a:t>函数，</a:t>
+            </a:r>
+            <a:r>
+              <a:rPr lang="en-US" altLang="zh-CN" dirty="0"/>
+              <a:t> </a:t>
+            </a:r>
+            <a:r>
+              <a:rPr lang="en-US" altLang="zh-CN" dirty="0" err="1"/>
+              <a:t>m_cc_mode</a:t>
+            </a:r>
+            <a:r>
+              <a:rPr lang="en-US" altLang="zh-CN" dirty="0"/>
+              <a:t> == 11</a:t>
+            </a:r>
+          </a:p>
+          <a:p>
+            <a:r>
+              <a:rPr lang="zh-CN" altLang="en-US" dirty="0"/>
+              <a:t>想法</a:t>
+            </a:r>
+            <a:r>
+              <a:rPr lang="en-US" altLang="zh-CN" dirty="0"/>
+              <a:t>2</a:t>
+            </a:r>
+            <a:r>
+              <a:rPr lang="zh-CN" altLang="en-US" dirty="0"/>
+              <a:t>：再提出想法一后去看了项目给的快速执行代码，里面如果添加新的</a:t>
+            </a:r>
+            <a:r>
+              <a:rPr lang="en-US" altLang="zh-CN" dirty="0"/>
+              <a:t>CC</a:t>
+            </a:r>
+            <a:r>
+              <a:rPr lang="zh-CN" altLang="en-US" dirty="0"/>
+              <a:t>需要写一些新的配置文件，如何说只是使用不同的</a:t>
+            </a:r>
+            <a:r>
+              <a:rPr lang="en-US" altLang="zh-CN" dirty="0"/>
+              <a:t>CC</a:t>
+            </a:r>
+            <a:r>
+              <a:rPr lang="zh-CN" altLang="en-US" dirty="0"/>
+              <a:t>，可以把其中一个函数替换为神经网络</a:t>
+            </a:r>
+            <a:r>
+              <a:rPr lang="en-US" altLang="zh-CN" dirty="0"/>
+              <a:t>CC</a:t>
+            </a:r>
+            <a:r>
+              <a:rPr lang="zh-CN" altLang="en-US" dirty="0"/>
+              <a:t>，而不是新增</a:t>
+            </a:r>
+          </a:p>
+        </p:txBody>
+      </p:sp>
+    </p:spTree>
+    <p:extLst>
+      <p:ext uri="{BB962C8B-B14F-4D97-AF65-F5344CB8AC3E}">
+        <p14:creationId xmlns:p14="http://schemas.microsoft.com/office/powerpoint/2010/main" val="3405914986"/>
       </p:ext>
     </p:extLst>
   </p:cSld>
@@ -6483,6 +9215,1209 @@
     <p:extLst>
       <p:ext uri="{BB962C8B-B14F-4D97-AF65-F5344CB8AC3E}">
         <p14:creationId xmlns:p14="http://schemas.microsoft.com/office/powerpoint/2010/main" val="2021823238"/>
+      </p:ext>
+    </p:extLst>
+  </p:cSld>
+  <p:clrMapOvr>
+    <a:masterClrMapping/>
+  </p:clrMapOvr>
+</p:sld>
+</file>
+
+<file path=ppt/slides/slide20.xml><?xml version="1.0" encoding="utf-8"?>
+<p:sld xmlns:a="http://schemas.openxmlformats.org/drawingml/2006/main" xmlns:r="http://schemas.openxmlformats.org/officeDocument/2006/relationships" xmlns:p="http://schemas.openxmlformats.org/presentationml/2006/main">
+  <p:cSld>
+    <p:spTree>
+      <p:nvGrpSpPr>
+        <p:cNvPr id="1" name=""/>
+        <p:cNvGrpSpPr/>
+        <p:nvPr/>
+      </p:nvGrpSpPr>
+      <p:grpSpPr>
+        <a:xfrm>
+          <a:off x="0" y="0"/>
+          <a:ext cx="0" cy="0"/>
+          <a:chOff x="0" y="0"/>
+          <a:chExt cx="0" cy="0"/>
+        </a:xfrm>
+      </p:grpSpPr>
+      <p:pic>
+        <p:nvPicPr>
+          <p:cNvPr id="2" name="图片 1">
+            <a:extLst>
+              <a:ext uri="{FF2B5EF4-FFF2-40B4-BE49-F238E27FC236}">
+                <a16:creationId xmlns:a16="http://schemas.microsoft.com/office/drawing/2014/main" id="{4E5B86DD-F698-44F7-B67D-4DA690F6DB8B}"/>
+              </a:ext>
+            </a:extLst>
+          </p:cNvPr>
+          <p:cNvPicPr>
+            <a:picLocks noChangeAspect="1"/>
+          </p:cNvPicPr>
+          <p:nvPr/>
+        </p:nvPicPr>
+        <p:blipFill>
+          <a:blip r:embed="rId2"/>
+          <a:stretch>
+            <a:fillRect/>
+          </a:stretch>
+        </p:blipFill>
+        <p:spPr>
+          <a:xfrm>
+            <a:off x="512115" y="513714"/>
+            <a:ext cx="5583885" cy="2614085"/>
+          </a:xfrm>
+          <a:prstGeom prst="rect">
+            <a:avLst/>
+          </a:prstGeom>
+        </p:spPr>
+      </p:pic>
+      <p:sp>
+        <p:nvSpPr>
+          <p:cNvPr id="3" name="文本框 2">
+            <a:extLst>
+              <a:ext uri="{FF2B5EF4-FFF2-40B4-BE49-F238E27FC236}">
+                <a16:creationId xmlns:a16="http://schemas.microsoft.com/office/drawing/2014/main" id="{FD87B643-FEEA-4DB1-A079-0D1489854DAF}"/>
+              </a:ext>
+            </a:extLst>
+          </p:cNvPr>
+          <p:cNvSpPr txBox="1"/>
+          <p:nvPr/>
+        </p:nvSpPr>
+        <p:spPr>
+          <a:xfrm>
+            <a:off x="6503746" y="513714"/>
+            <a:ext cx="4214718" cy="1754326"/>
+          </a:xfrm>
+          <a:prstGeom prst="rect">
+            <a:avLst/>
+          </a:prstGeom>
+          <a:noFill/>
+        </p:spPr>
+        <p:txBody>
+          <a:bodyPr wrap="square" rtlCol="0">
+            <a:spAutoFit/>
+          </a:bodyPr>
+          <a:lstStyle/>
+          <a:p>
+            <a:r>
+              <a:rPr lang="zh-CN" altLang="en-US" dirty="0"/>
+              <a:t>每种拥塞控制算法都有三个输入</a:t>
+            </a:r>
+            <a:endParaRPr lang="en-US" altLang="zh-CN" dirty="0"/>
+          </a:p>
+          <a:p>
+            <a:r>
+              <a:rPr lang="en-US" altLang="zh-CN" dirty="0" err="1"/>
+              <a:t>qp</a:t>
+            </a:r>
+            <a:r>
+              <a:rPr lang="zh-CN" altLang="en-US" dirty="0"/>
+              <a:t>是</a:t>
+            </a:r>
+            <a:r>
+              <a:rPr lang="en-US" altLang="zh-CN" dirty="0" err="1"/>
+              <a:t>ptr</a:t>
+            </a:r>
+            <a:r>
+              <a:rPr lang="en-US" altLang="zh-CN" dirty="0"/>
+              <a:t>&lt;</a:t>
+            </a:r>
+            <a:r>
+              <a:rPr lang="en-US" altLang="zh-CN" dirty="0" err="1"/>
+              <a:t>RdmaQueuePair</a:t>
+            </a:r>
+            <a:r>
+              <a:rPr lang="en-US" altLang="zh-CN" dirty="0"/>
+              <a:t>&gt;</a:t>
+            </a:r>
+          </a:p>
+          <a:p>
+            <a:r>
+              <a:rPr lang="en-US" altLang="zh-CN" dirty="0"/>
+              <a:t>P</a:t>
+            </a:r>
+            <a:r>
+              <a:rPr lang="zh-CN" altLang="en-US" dirty="0"/>
+              <a:t>是</a:t>
+            </a:r>
+            <a:r>
+              <a:rPr lang="en-US" altLang="zh-CN" dirty="0" err="1"/>
+              <a:t>ptr</a:t>
+            </a:r>
+            <a:r>
+              <a:rPr lang="en-US" altLang="zh-CN" dirty="0"/>
+              <a:t>&lt;Packet&gt;</a:t>
+            </a:r>
+          </a:p>
+          <a:p>
+            <a:r>
+              <a:rPr lang="en-US" altLang="zh-CN" dirty="0" err="1"/>
+              <a:t>ch</a:t>
+            </a:r>
+            <a:r>
+              <a:rPr lang="zh-CN" altLang="en-US" dirty="0"/>
+              <a:t>是</a:t>
+            </a:r>
+            <a:r>
+              <a:rPr lang="en-US" altLang="zh-CN" dirty="0" err="1"/>
+              <a:t>CustomHeader</a:t>
+            </a:r>
+            <a:r>
+              <a:rPr lang="en-US" altLang="zh-CN" dirty="0"/>
+              <a:t> </a:t>
+            </a:r>
+          </a:p>
+          <a:p>
+            <a:r>
+              <a:rPr lang="zh-CN" altLang="en-US" dirty="0"/>
+              <a:t>拥塞控制函数前都是</a:t>
+            </a:r>
+            <a:r>
+              <a:rPr lang="en-US" altLang="zh-CN" dirty="0" err="1"/>
+              <a:t>HandleACK</a:t>
+            </a:r>
+            <a:r>
+              <a:rPr lang="en-US" altLang="zh-CN" dirty="0"/>
+              <a:t>…</a:t>
+            </a:r>
+            <a:r>
+              <a:rPr lang="zh-CN" altLang="en-US" dirty="0"/>
+              <a:t>表示拥塞控制是逐包的 </a:t>
+            </a:r>
+          </a:p>
+        </p:txBody>
+      </p:sp>
+    </p:spTree>
+    <p:extLst>
+      <p:ext uri="{BB962C8B-B14F-4D97-AF65-F5344CB8AC3E}">
+        <p14:creationId xmlns:p14="http://schemas.microsoft.com/office/powerpoint/2010/main" val="4068226129"/>
+      </p:ext>
+    </p:extLst>
+  </p:cSld>
+  <p:clrMapOvr>
+    <a:masterClrMapping/>
+  </p:clrMapOvr>
+</p:sld>
+</file>
+
+<file path=ppt/slides/slide21.xml><?xml version="1.0" encoding="utf-8"?>
+<p:sld xmlns:a="http://schemas.openxmlformats.org/drawingml/2006/main" xmlns:r="http://schemas.openxmlformats.org/officeDocument/2006/relationships" xmlns:p="http://schemas.openxmlformats.org/presentationml/2006/main">
+  <p:cSld>
+    <p:spTree>
+      <p:nvGrpSpPr>
+        <p:cNvPr id="1" name=""/>
+        <p:cNvGrpSpPr/>
+        <p:nvPr/>
+      </p:nvGrpSpPr>
+      <p:grpSpPr>
+        <a:xfrm>
+          <a:off x="0" y="0"/>
+          <a:ext cx="0" cy="0"/>
+          <a:chOff x="0" y="0"/>
+          <a:chExt cx="0" cy="0"/>
+        </a:xfrm>
+      </p:grpSpPr>
+      <p:sp>
+        <p:nvSpPr>
+          <p:cNvPr id="4" name="文本框 3">
+            <a:extLst>
+              <a:ext uri="{FF2B5EF4-FFF2-40B4-BE49-F238E27FC236}">
+                <a16:creationId xmlns:a16="http://schemas.microsoft.com/office/drawing/2014/main" id="{E515DC5A-9219-443D-922A-598A512FBB45}"/>
+              </a:ext>
+            </a:extLst>
+          </p:cNvPr>
+          <p:cNvSpPr txBox="1"/>
+          <p:nvPr/>
+        </p:nvSpPr>
+        <p:spPr>
+          <a:xfrm>
+            <a:off x="672174" y="363337"/>
+            <a:ext cx="5335009" cy="923330"/>
+          </a:xfrm>
+          <a:prstGeom prst="rect">
+            <a:avLst/>
+          </a:prstGeom>
+          <a:noFill/>
+        </p:spPr>
+        <p:txBody>
+          <a:bodyPr wrap="square" rtlCol="0">
+            <a:spAutoFit/>
+          </a:bodyPr>
+          <a:lstStyle/>
+          <a:p>
+            <a:r>
+              <a:rPr lang="zh-CN" altLang="en-US" dirty="0"/>
+              <a:t>启动仿真</a:t>
+            </a:r>
+            <a:endParaRPr lang="en-US" altLang="zh-CN" dirty="0"/>
+          </a:p>
+          <a:p>
+            <a:r>
+              <a:rPr lang="en-US" altLang="zh-CN" dirty="0"/>
+              <a:t>Run.py</a:t>
+            </a:r>
+            <a:r>
+              <a:rPr lang="zh-CN" altLang="en-US" dirty="0"/>
+              <a:t>是</a:t>
+            </a:r>
+            <a:r>
+              <a:rPr lang="zh-CN" altLang="en-US" b="0" i="0" dirty="0">
+                <a:solidFill>
+                  <a:srgbClr val="24292F"/>
+                </a:solidFill>
+                <a:effectLst/>
+                <a:latin typeface="-apple-system"/>
+              </a:rPr>
+              <a:t>一个自动生成</a:t>
+            </a:r>
+            <a:r>
+              <a:rPr lang="zh-CN" altLang="en-US" b="0" i="1" dirty="0">
+                <a:solidFill>
+                  <a:srgbClr val="24292F"/>
+                </a:solidFill>
+                <a:effectLst/>
+                <a:latin typeface="-apple-system"/>
+              </a:rPr>
+              <a:t>配置</a:t>
+            </a:r>
+            <a:r>
+              <a:rPr lang="zh-CN" altLang="en-US" b="0" i="0" dirty="0">
+                <a:solidFill>
+                  <a:srgbClr val="24292F"/>
+                </a:solidFill>
+                <a:effectLst/>
+                <a:latin typeface="-apple-system"/>
+              </a:rPr>
+              <a:t>和</a:t>
+            </a:r>
+            <a:r>
+              <a:rPr lang="zh-CN" altLang="en-US" b="0" i="1" dirty="0">
+                <a:solidFill>
+                  <a:srgbClr val="24292F"/>
+                </a:solidFill>
+                <a:effectLst/>
+                <a:latin typeface="-apple-system"/>
+              </a:rPr>
+              <a:t>运行实验的脚本，配置网络参数（</a:t>
+            </a:r>
+            <a:r>
+              <a:rPr lang="zh-CN" altLang="en-US" i="1" dirty="0">
+                <a:solidFill>
+                  <a:srgbClr val="24292F"/>
+                </a:solidFill>
+                <a:latin typeface="-apple-system"/>
+              </a:rPr>
+              <a:t>如下</a:t>
+            </a:r>
+            <a:r>
+              <a:rPr lang="zh-CN" altLang="en-US" b="0" i="1" dirty="0">
+                <a:solidFill>
+                  <a:srgbClr val="24292F"/>
+                </a:solidFill>
+                <a:effectLst/>
+                <a:latin typeface="-apple-system"/>
+              </a:rPr>
+              <a:t>）</a:t>
+            </a:r>
+            <a:endParaRPr lang="zh-CN" altLang="en-US" dirty="0"/>
+          </a:p>
+        </p:txBody>
+      </p:sp>
+      <p:sp>
+        <p:nvSpPr>
+          <p:cNvPr id="8" name="文本框 7">
+            <a:extLst>
+              <a:ext uri="{FF2B5EF4-FFF2-40B4-BE49-F238E27FC236}">
+                <a16:creationId xmlns:a16="http://schemas.microsoft.com/office/drawing/2014/main" id="{E55EAC54-531A-44A8-B4AD-E5CEB9C52516}"/>
+              </a:ext>
+            </a:extLst>
+          </p:cNvPr>
+          <p:cNvSpPr txBox="1"/>
+          <p:nvPr/>
+        </p:nvSpPr>
+        <p:spPr>
+          <a:xfrm>
+            <a:off x="193780" y="1286667"/>
+            <a:ext cx="12192000" cy="3970318"/>
+          </a:xfrm>
+          <a:prstGeom prst="rect">
+            <a:avLst/>
+          </a:prstGeom>
+          <a:noFill/>
+        </p:spPr>
+        <p:txBody>
+          <a:bodyPr wrap="square">
+            <a:spAutoFit/>
+          </a:bodyPr>
+          <a:lstStyle/>
+          <a:p>
+            <a:r>
+              <a:rPr lang="zh-CN" altLang="en-US" dirty="0"/>
+              <a:t>parser.add_argument('--cc', dest='cc', action='store', default='hp', help="hp/dcqcn/timely/dctcp/hpccPint")</a:t>
+            </a:r>
+          </a:p>
+          <a:p>
+            <a:r>
+              <a:rPr lang="zh-CN" altLang="en-US" dirty="0"/>
+              <a:t>parser.add_argument('--trace', dest='trace', action='store', default='flow', help="the name of the flow file")</a:t>
+            </a:r>
+          </a:p>
+          <a:p>
+            <a:r>
+              <a:rPr lang="zh-CN" altLang="en-US" dirty="0"/>
+              <a:t>parser.add_argument('--bw', dest="bw", action='store', default='50', help="the NIC bandwidth")</a:t>
+            </a:r>
+          </a:p>
+          <a:p>
+            <a:r>
+              <a:rPr lang="zh-CN" altLang="en-US" dirty="0"/>
+              <a:t>parser.add_argument('--down', dest='down', action='store', default='0 0 0', help="link down event")</a:t>
+            </a:r>
+          </a:p>
+          <a:p>
+            <a:r>
+              <a:rPr lang="zh-CN" altLang="en-US" dirty="0"/>
+              <a:t>parser.add_argument('--topo', dest='topo', action='store', default='fat', help="the name of the topology file")</a:t>
+            </a:r>
+          </a:p>
+          <a:p>
+            <a:r>
+              <a:rPr lang="zh-CN" altLang="en-US" dirty="0"/>
+              <a:t>parser.add_argument('--utgt', dest='utgt', action='store', type=int, default=95, help="eta of HPCC")</a:t>
+            </a:r>
+          </a:p>
+          <a:p>
+            <a:r>
+              <a:rPr lang="zh-CN" altLang="en-US" dirty="0"/>
+              <a:t>parser.add_argument('--mi', dest='mi', action='store', type=int, default=0, help="MI_THRESH")</a:t>
+            </a:r>
+          </a:p>
+          <a:p>
+            <a:r>
+              <a:rPr lang="zh-CN" altLang="en-US" dirty="0"/>
+              <a:t>parser.add_argument('--hpai', dest='hpai', action='store', type=int, default=0, help="AI for HPCC")</a:t>
+            </a:r>
+          </a:p>
+          <a:p>
+            <a:r>
+              <a:rPr lang="zh-CN" altLang="en-US" dirty="0"/>
+              <a:t>parser.add_argument('--pint_log_base', dest='pint_log_base', action = 'store', type=float, default=1.01, help="PINT's log_base")</a:t>
+            </a:r>
+          </a:p>
+          <a:p>
+            <a:r>
+              <a:rPr lang="zh-CN" altLang="en-US" dirty="0"/>
+              <a:t>parser.add_argument('--pint_prob', dest='pint_prob', action = 'store', type=float, default=1.0, help="PINT's sampling probability")</a:t>
+            </a:r>
+          </a:p>
+          <a:p>
+            <a:r>
+              <a:rPr lang="zh-CN" altLang="en-US" dirty="0"/>
+              <a:t>parser.add_argument('--enable_tr', dest='enable_tr', action = 'store', type=int, default=0, help="enable packet-level events dump")</a:t>
+            </a:r>
+          </a:p>
+        </p:txBody>
+      </p:sp>
+      <p:sp>
+        <p:nvSpPr>
+          <p:cNvPr id="9" name="文本框 8">
+            <a:extLst>
+              <a:ext uri="{FF2B5EF4-FFF2-40B4-BE49-F238E27FC236}">
+                <a16:creationId xmlns:a16="http://schemas.microsoft.com/office/drawing/2014/main" id="{EBC18517-DAD8-4C3B-AC70-D2263A2D02FD}"/>
+              </a:ext>
+            </a:extLst>
+          </p:cNvPr>
+          <p:cNvSpPr txBox="1"/>
+          <p:nvPr/>
+        </p:nvSpPr>
+        <p:spPr>
+          <a:xfrm>
+            <a:off x="193780" y="5304731"/>
+            <a:ext cx="8029764" cy="646331"/>
+          </a:xfrm>
+          <a:prstGeom prst="rect">
+            <a:avLst/>
+          </a:prstGeom>
+          <a:noFill/>
+        </p:spPr>
+        <p:txBody>
+          <a:bodyPr wrap="square" rtlCol="0">
+            <a:spAutoFit/>
+          </a:bodyPr>
+          <a:lstStyle/>
+          <a:p>
+            <a:r>
+              <a:rPr lang="zh-CN" altLang="en-US" dirty="0"/>
+              <a:t>将输入的参数写入到配置文件中，返回配置文件</a:t>
+            </a:r>
+            <a:r>
+              <a:rPr lang="en-US" altLang="zh-CN" dirty="0"/>
+              <a:t>name,</a:t>
+            </a:r>
+            <a:r>
+              <a:rPr lang="zh-CN" altLang="en-US" dirty="0"/>
+              <a:t>调用</a:t>
+            </a:r>
+            <a:r>
+              <a:rPr lang="en-US" altLang="zh-CN" dirty="0"/>
+              <a:t>system</a:t>
+            </a:r>
+            <a:r>
+              <a:rPr lang="zh-CN" altLang="en-US" dirty="0"/>
+              <a:t>命令</a:t>
+            </a:r>
+            <a:endParaRPr lang="en-US" altLang="zh-CN" dirty="0"/>
+          </a:p>
+          <a:p>
+            <a:r>
+              <a:rPr lang="en-US" altLang="zh-CN" dirty="0"/>
+              <a:t>./</a:t>
+            </a:r>
+            <a:r>
+              <a:rPr lang="en-US" altLang="zh-CN" dirty="0" err="1"/>
+              <a:t>waf</a:t>
+            </a:r>
+            <a:r>
+              <a:rPr lang="en-US" altLang="zh-CN" dirty="0"/>
+              <a:t> --run ‘scratch/third name</a:t>
+            </a:r>
+            <a:r>
+              <a:rPr lang="zh-CN" altLang="en-US" dirty="0"/>
+              <a:t>启动仿真</a:t>
+            </a:r>
+          </a:p>
+        </p:txBody>
+      </p:sp>
+      <p:sp>
+        <p:nvSpPr>
+          <p:cNvPr id="10" name="Rectangle 1">
+            <a:extLst>
+              <a:ext uri="{FF2B5EF4-FFF2-40B4-BE49-F238E27FC236}">
+                <a16:creationId xmlns:a16="http://schemas.microsoft.com/office/drawing/2014/main" id="{CE669D7F-4A18-463E-B776-DE8A0761A1CA}"/>
+              </a:ext>
+            </a:extLst>
+          </p:cNvPr>
+          <p:cNvSpPr>
+            <a:spLocks noChangeArrowheads="1"/>
+          </p:cNvSpPr>
+          <p:nvPr/>
+        </p:nvSpPr>
+        <p:spPr bwMode="auto">
+          <a:xfrm>
+            <a:off x="423893" y="6180315"/>
+            <a:ext cx="8992846" cy="276999"/>
+          </a:xfrm>
+          <a:prstGeom prst="rect">
+            <a:avLst/>
+          </a:prstGeom>
+          <a:noFill/>
+          <a:ln>
+            <a:noFill/>
+          </a:ln>
+          <a:effectLst/>
+          <a:extLst>
+            <a:ext uri="{909E8E84-426E-40DD-AFC4-6F175D3DCCD1}">
+              <a14:hiddenFill xmlns:a14="http://schemas.microsoft.com/office/drawing/2010/main">
+                <a:solidFill>
+                  <a:schemeClr val="accent1"/>
+                </a:solidFill>
+              </a14:hiddenFill>
+            </a:ext>
+            <a:ext uri="{91240B29-F687-4F45-9708-019B960494DF}">
+              <a14:hiddenLine xmlns:a14="http://schemas.microsoft.com/office/drawing/2010/main" w="9525">
+                <a:solidFill>
+                  <a:schemeClr val="tx1"/>
+                </a:solidFill>
+                <a:miter lim="800000"/>
+                <a:headEnd/>
+                <a:tailEnd/>
+              </a14:hiddenLine>
+            </a:ext>
+            <a:ext uri="{AF507438-7753-43E0-B8FC-AC1667EBCBE1}">
+              <a14:hiddenEffects xmlns:a14="http://schemas.microsoft.com/office/drawing/2010/main">
+                <a:effectLst>
+                  <a:outerShdw dist="35921" dir="2700000" algn="ctr" rotWithShape="0">
+                    <a:schemeClr val="bg2"/>
+                  </a:outerShdw>
+                </a:effectLst>
+              </a14:hiddenEffects>
+            </a:ext>
+          </a:extLst>
+        </p:spPr>
+        <p:txBody>
+          <a:bodyPr vert="horz" wrap="none" lIns="0" tIns="0" rIns="0" bIns="0" numCol="1" anchor="ctr" anchorCtr="0" compatLnSpc="1">
+            <a:prstTxWarp prst="textNoShape">
+              <a:avLst/>
+            </a:prstTxWarp>
+            <a:spAutoFit/>
+          </a:bodyPr>
+          <a:lstStyle/>
+          <a:p>
+            <a:pPr marL="0" marR="0" lvl="0" indent="0" algn="l" defTabSz="914400" rtl="0" eaLnBrk="0" fontAlgn="base" latinLnBrk="0" hangingPunct="0">
+              <a:lnSpc>
+                <a:spcPct val="100000"/>
+              </a:lnSpc>
+              <a:spcBef>
+                <a:spcPct val="0"/>
+              </a:spcBef>
+              <a:spcAft>
+                <a:spcPct val="0"/>
+              </a:spcAft>
+              <a:buClrTx/>
+              <a:buSzTx/>
+              <a:buFontTx/>
+              <a:buNone/>
+              <a:tabLst/>
+            </a:pPr>
+            <a:r>
+              <a:rPr lang="zh-CN" altLang="zh-CN" dirty="0"/>
+              <a:t>python run.py -hpython run.py --cc hp --trace flow --bw 100 --topo topology --hpai 50 </a:t>
+            </a:r>
+          </a:p>
+        </p:txBody>
+      </p:sp>
+    </p:spTree>
+    <p:extLst>
+      <p:ext uri="{BB962C8B-B14F-4D97-AF65-F5344CB8AC3E}">
+        <p14:creationId xmlns:p14="http://schemas.microsoft.com/office/powerpoint/2010/main" val="4154253156"/>
+      </p:ext>
+    </p:extLst>
+  </p:cSld>
+  <p:clrMapOvr>
+    <a:masterClrMapping/>
+  </p:clrMapOvr>
+</p:sld>
+</file>
+
+<file path=ppt/slides/slide22.xml><?xml version="1.0" encoding="utf-8"?>
+<p:sld xmlns:a="http://schemas.openxmlformats.org/drawingml/2006/main" xmlns:r="http://schemas.openxmlformats.org/officeDocument/2006/relationships" xmlns:p="http://schemas.openxmlformats.org/presentationml/2006/main">
+  <p:cSld>
+    <p:spTree>
+      <p:nvGrpSpPr>
+        <p:cNvPr id="1" name=""/>
+        <p:cNvGrpSpPr/>
+        <p:nvPr/>
+      </p:nvGrpSpPr>
+      <p:grpSpPr>
+        <a:xfrm>
+          <a:off x="0" y="0"/>
+          <a:ext cx="0" cy="0"/>
+          <a:chOff x="0" y="0"/>
+          <a:chExt cx="0" cy="0"/>
+        </a:xfrm>
+      </p:grpSpPr>
+      <p:sp>
+        <p:nvSpPr>
+          <p:cNvPr id="2" name="文本框 1">
+            <a:extLst>
+              <a:ext uri="{FF2B5EF4-FFF2-40B4-BE49-F238E27FC236}">
+                <a16:creationId xmlns:a16="http://schemas.microsoft.com/office/drawing/2014/main" id="{19402E78-CB95-4490-A370-0EA7D909C906}"/>
+              </a:ext>
+            </a:extLst>
+          </p:cNvPr>
+          <p:cNvSpPr txBox="1"/>
+          <p:nvPr/>
+        </p:nvSpPr>
+        <p:spPr>
+          <a:xfrm>
+            <a:off x="466283" y="284615"/>
+            <a:ext cx="6649081" cy="646331"/>
+          </a:xfrm>
+          <a:prstGeom prst="rect">
+            <a:avLst/>
+          </a:prstGeom>
+          <a:noFill/>
+        </p:spPr>
+        <p:txBody>
+          <a:bodyPr wrap="square" rtlCol="0">
+            <a:spAutoFit/>
+          </a:bodyPr>
+          <a:lstStyle/>
+          <a:p>
+            <a:r>
+              <a:rPr lang="zh-CN" altLang="en-US" dirty="0"/>
+              <a:t>参数分析（方便之后修改代码等），结合代码跟论文</a:t>
+            </a:r>
+            <a:endParaRPr lang="en-US" altLang="zh-CN" dirty="0"/>
+          </a:p>
+          <a:p>
+            <a:endParaRPr lang="zh-CN" altLang="en-US" dirty="0"/>
+          </a:p>
+        </p:txBody>
+      </p:sp>
+      <p:graphicFrame>
+        <p:nvGraphicFramePr>
+          <p:cNvPr id="3" name="表格 3">
+            <a:extLst>
+              <a:ext uri="{FF2B5EF4-FFF2-40B4-BE49-F238E27FC236}">
+                <a16:creationId xmlns:a16="http://schemas.microsoft.com/office/drawing/2014/main" id="{4DEBF2F9-81B3-47F9-A264-2EBB5A55C3ED}"/>
+              </a:ext>
+            </a:extLst>
+          </p:cNvPr>
+          <p:cNvGraphicFramePr>
+            <a:graphicFrameLocks noGrp="1"/>
+          </p:cNvGraphicFramePr>
+          <p:nvPr>
+            <p:extLst>
+              <p:ext uri="{D42A27DB-BD31-4B8C-83A1-F6EECF244321}">
+                <p14:modId xmlns:p14="http://schemas.microsoft.com/office/powerpoint/2010/main" val="2778529058"/>
+              </p:ext>
+            </p:extLst>
+          </p:nvPr>
+        </p:nvGraphicFramePr>
+        <p:xfrm>
+          <a:off x="1432493" y="707554"/>
+          <a:ext cx="8128000" cy="2820900"/>
+        </p:xfrm>
+        <a:graphic>
+          <a:graphicData uri="http://schemas.openxmlformats.org/drawingml/2006/table">
+            <a:tbl>
+              <a:tblPr firstRow="1" bandRow="1">
+                <a:tableStyleId>{5C22544A-7EE6-4342-B048-85BDC9FD1C3A}</a:tableStyleId>
+              </a:tblPr>
+              <a:tblGrid>
+                <a:gridCol w="4064000">
+                  <a:extLst>
+                    <a:ext uri="{9D8B030D-6E8A-4147-A177-3AD203B41FA5}">
+                      <a16:colId xmlns:a16="http://schemas.microsoft.com/office/drawing/2014/main" val="3280770713"/>
+                    </a:ext>
+                  </a:extLst>
+                </a:gridCol>
+                <a:gridCol w="4064000">
+                  <a:extLst>
+                    <a:ext uri="{9D8B030D-6E8A-4147-A177-3AD203B41FA5}">
+                      <a16:colId xmlns:a16="http://schemas.microsoft.com/office/drawing/2014/main" val="1342999881"/>
+                    </a:ext>
+                  </a:extLst>
+                </a:gridCol>
+              </a:tblGrid>
+              <a:tr h="436164">
+                <a:tc>
+                  <a:txBody>
+                    <a:bodyPr/>
+                    <a:lstStyle/>
+                    <a:p>
+                      <a:endParaRPr lang="zh-CN" altLang="en-US" dirty="0"/>
+                    </a:p>
+                  </a:txBody>
+                  <a:tcPr/>
+                </a:tc>
+                <a:tc>
+                  <a:txBody>
+                    <a:bodyPr/>
+                    <a:lstStyle/>
+                    <a:p>
+                      <a:endParaRPr lang="zh-CN" altLang="en-US"/>
+                    </a:p>
+                  </a:txBody>
+                  <a:tcPr/>
+                </a:tc>
+                <a:extLst>
+                  <a:ext uri="{0D108BD9-81ED-4DB2-BD59-A6C34878D82A}">
+                    <a16:rowId xmlns:a16="http://schemas.microsoft.com/office/drawing/2014/main" val="544827557"/>
+                  </a:ext>
+                </a:extLst>
+              </a:tr>
+              <a:tr h="436164">
+                <a:tc>
+                  <a:txBody>
+                    <a:bodyPr/>
+                    <a:lstStyle/>
+                    <a:p>
+                      <a:r>
+                        <a:rPr lang="zh-CN" altLang="en-US" dirty="0"/>
+                        <a:t>cc</a:t>
+                      </a:r>
+                    </a:p>
+                  </a:txBody>
+                  <a:tcPr/>
+                </a:tc>
+                <a:tc>
+                  <a:txBody>
+                    <a:bodyPr/>
+                    <a:lstStyle/>
+                    <a:p>
+                      <a:r>
+                        <a:rPr lang="zh-CN" altLang="en-US" dirty="0"/>
+                        <a:t>拥塞控制算法选择</a:t>
+                      </a:r>
+                    </a:p>
+                  </a:txBody>
+                  <a:tcPr/>
+                </a:tc>
+                <a:extLst>
+                  <a:ext uri="{0D108BD9-81ED-4DB2-BD59-A6C34878D82A}">
+                    <a16:rowId xmlns:a16="http://schemas.microsoft.com/office/drawing/2014/main" val="4248892943"/>
+                  </a:ext>
+                </a:extLst>
+              </a:tr>
+              <a:tr h="436164">
+                <a:tc>
+                  <a:txBody>
+                    <a:bodyPr/>
+                    <a:lstStyle/>
+                    <a:p>
+                      <a:r>
+                        <a:rPr lang="zh-CN" altLang="en-US" dirty="0"/>
+                        <a:t>trace</a:t>
+                      </a:r>
+                    </a:p>
+                  </a:txBody>
+                  <a:tcPr/>
+                </a:tc>
+                <a:tc>
+                  <a:txBody>
+                    <a:bodyPr/>
+                    <a:lstStyle/>
+                    <a:p>
+                      <a:endParaRPr lang="zh-CN" altLang="en-US" dirty="0"/>
+                    </a:p>
+                  </a:txBody>
+                  <a:tcPr/>
+                </a:tc>
+                <a:extLst>
+                  <a:ext uri="{0D108BD9-81ED-4DB2-BD59-A6C34878D82A}">
+                    <a16:rowId xmlns:a16="http://schemas.microsoft.com/office/drawing/2014/main" val="1580665661"/>
+                  </a:ext>
+                </a:extLst>
+              </a:tr>
+              <a:tr h="436164">
+                <a:tc>
+                  <a:txBody>
+                    <a:bodyPr/>
+                    <a:lstStyle/>
+                    <a:p>
+                      <a:r>
+                        <a:rPr lang="zh-CN" altLang="en-US" dirty="0"/>
+                        <a:t>bw</a:t>
+                      </a:r>
+                    </a:p>
+                  </a:txBody>
+                  <a:tcPr/>
+                </a:tc>
+                <a:tc>
+                  <a:txBody>
+                    <a:bodyPr/>
+                    <a:lstStyle/>
+                    <a:p>
+                      <a:pPr marL="0" marR="0" lvl="0" indent="0" algn="l" defTabSz="914400" rtl="0" eaLnBrk="1" fontAlgn="auto" latinLnBrk="0" hangingPunct="1">
+                        <a:lnSpc>
+                          <a:spcPct val="100000"/>
+                        </a:lnSpc>
+                        <a:spcBef>
+                          <a:spcPts val="0"/>
+                        </a:spcBef>
+                        <a:spcAft>
+                          <a:spcPts val="0"/>
+                        </a:spcAft>
+                        <a:buClrTx/>
+                        <a:buSzTx/>
+                        <a:buFontTx/>
+                        <a:buNone/>
+                        <a:tabLst/>
+                        <a:defRPr/>
+                      </a:pPr>
+                      <a:r>
+                        <a:rPr lang="en-US" altLang="zh-CN" dirty="0"/>
+                        <a:t>NIC</a:t>
+                      </a:r>
+                      <a:r>
+                        <a:rPr lang="zh-CN" altLang="en-US" dirty="0"/>
+                        <a:t>带宽，论文中显示为</a:t>
+                      </a:r>
+                      <a:r>
+                        <a:rPr lang="en-US" altLang="zh-CN" dirty="0"/>
+                        <a:t>40G-100G</a:t>
+                      </a:r>
+                      <a:endParaRPr lang="zh-CN" altLang="en-US" dirty="0"/>
+                    </a:p>
+                    <a:p>
+                      <a:endParaRPr lang="zh-CN" altLang="en-US" dirty="0"/>
+                    </a:p>
+                  </a:txBody>
+                  <a:tcPr/>
+                </a:tc>
+                <a:extLst>
+                  <a:ext uri="{0D108BD9-81ED-4DB2-BD59-A6C34878D82A}">
+                    <a16:rowId xmlns:a16="http://schemas.microsoft.com/office/drawing/2014/main" val="2572950711"/>
+                  </a:ext>
+                </a:extLst>
+              </a:tr>
+              <a:tr h="436164">
+                <a:tc>
+                  <a:txBody>
+                    <a:bodyPr/>
+                    <a:lstStyle/>
+                    <a:p>
+                      <a:r>
+                        <a:rPr lang="zh-CN" altLang="en-US" dirty="0"/>
+                        <a:t>down</a:t>
+                      </a:r>
+                    </a:p>
+                  </a:txBody>
+                  <a:tcPr/>
+                </a:tc>
+                <a:tc>
+                  <a:txBody>
+                    <a:bodyPr/>
+                    <a:lstStyle/>
+                    <a:p>
+                      <a:endParaRPr lang="zh-CN" altLang="en-US"/>
+                    </a:p>
+                  </a:txBody>
+                  <a:tcPr/>
+                </a:tc>
+                <a:extLst>
+                  <a:ext uri="{0D108BD9-81ED-4DB2-BD59-A6C34878D82A}">
+                    <a16:rowId xmlns:a16="http://schemas.microsoft.com/office/drawing/2014/main" val="1343860679"/>
+                  </a:ext>
+                </a:extLst>
+              </a:tr>
+              <a:tr h="436164">
+                <a:tc>
+                  <a:txBody>
+                    <a:bodyPr/>
+                    <a:lstStyle/>
+                    <a:p>
+                      <a:r>
+                        <a:rPr lang="zh-CN" altLang="en-US" dirty="0"/>
+                        <a:t>topo</a:t>
+                      </a:r>
+                    </a:p>
+                  </a:txBody>
+                  <a:tcPr/>
+                </a:tc>
+                <a:tc>
+                  <a:txBody>
+                    <a:bodyPr/>
+                    <a:lstStyle/>
+                    <a:p>
+                      <a:endParaRPr lang="en-US" altLang="zh-CN" dirty="0"/>
+                    </a:p>
+                  </a:txBody>
+                  <a:tcPr/>
+                </a:tc>
+                <a:extLst>
+                  <a:ext uri="{0D108BD9-81ED-4DB2-BD59-A6C34878D82A}">
+                    <a16:rowId xmlns:a16="http://schemas.microsoft.com/office/drawing/2014/main" val="3822815210"/>
+                  </a:ext>
+                </a:extLst>
+              </a:tr>
+            </a:tbl>
+          </a:graphicData>
+        </a:graphic>
+      </p:graphicFrame>
+      <p:graphicFrame>
+        <p:nvGraphicFramePr>
+          <p:cNvPr id="5" name="表格 5">
+            <a:extLst>
+              <a:ext uri="{FF2B5EF4-FFF2-40B4-BE49-F238E27FC236}">
+                <a16:creationId xmlns:a16="http://schemas.microsoft.com/office/drawing/2014/main" id="{065DB787-2E55-484C-80AD-A4269030D646}"/>
+              </a:ext>
+            </a:extLst>
+          </p:cNvPr>
+          <p:cNvGraphicFramePr>
+            <a:graphicFrameLocks noGrp="1"/>
+          </p:cNvGraphicFramePr>
+          <p:nvPr>
+            <p:extLst>
+              <p:ext uri="{D42A27DB-BD31-4B8C-83A1-F6EECF244321}">
+                <p14:modId xmlns:p14="http://schemas.microsoft.com/office/powerpoint/2010/main" val="3124743455"/>
+              </p:ext>
+            </p:extLst>
+          </p:nvPr>
+        </p:nvGraphicFramePr>
+        <p:xfrm>
+          <a:off x="1432493" y="3636502"/>
+          <a:ext cx="8128000" cy="3129280"/>
+        </p:xfrm>
+        <a:graphic>
+          <a:graphicData uri="http://schemas.openxmlformats.org/drawingml/2006/table">
+            <a:tbl>
+              <a:tblPr firstRow="1" bandRow="1">
+                <a:tableStyleId>{5C22544A-7EE6-4342-B048-85BDC9FD1C3A}</a:tableStyleId>
+              </a:tblPr>
+              <a:tblGrid>
+                <a:gridCol w="4064000">
+                  <a:extLst>
+                    <a:ext uri="{9D8B030D-6E8A-4147-A177-3AD203B41FA5}">
+                      <a16:colId xmlns:a16="http://schemas.microsoft.com/office/drawing/2014/main" val="3417651006"/>
+                    </a:ext>
+                  </a:extLst>
+                </a:gridCol>
+                <a:gridCol w="4064000">
+                  <a:extLst>
+                    <a:ext uri="{9D8B030D-6E8A-4147-A177-3AD203B41FA5}">
+                      <a16:colId xmlns:a16="http://schemas.microsoft.com/office/drawing/2014/main" val="3614045088"/>
+                    </a:ext>
+                  </a:extLst>
+                </a:gridCol>
+              </a:tblGrid>
+              <a:tr h="0">
+                <a:tc>
+                  <a:txBody>
+                    <a:bodyPr/>
+                    <a:lstStyle/>
+                    <a:p>
+                      <a:endParaRPr lang="zh-CN" altLang="en-US"/>
+                    </a:p>
+                  </a:txBody>
+                  <a:tcPr/>
+                </a:tc>
+                <a:tc>
+                  <a:txBody>
+                    <a:bodyPr/>
+                    <a:lstStyle/>
+                    <a:p>
+                      <a:endParaRPr lang="zh-CN" altLang="en-US"/>
+                    </a:p>
+                  </a:txBody>
+                  <a:tcPr/>
+                </a:tc>
+                <a:extLst>
+                  <a:ext uri="{0D108BD9-81ED-4DB2-BD59-A6C34878D82A}">
+                    <a16:rowId xmlns:a16="http://schemas.microsoft.com/office/drawing/2014/main" val="343770684"/>
+                  </a:ext>
+                </a:extLst>
+              </a:tr>
+              <a:tr h="370840">
+                <a:tc>
+                  <a:txBody>
+                    <a:bodyPr/>
+                    <a:lstStyle/>
+                    <a:p>
+                      <a:r>
+                        <a:rPr lang="zh-CN" altLang="en-US" dirty="0"/>
+                        <a:t>utgt</a:t>
+                      </a:r>
+                    </a:p>
+                  </a:txBody>
+                  <a:tcPr/>
+                </a:tc>
+                <a:tc>
+                  <a:txBody>
+                    <a:bodyPr/>
+                    <a:lstStyle/>
+                    <a:p>
+                      <a:r>
+                        <a:rPr lang="zh-CN" altLang="en-US" dirty="0"/>
+                        <a:t>猜测：论文里最高默认</a:t>
+                      </a:r>
+                      <a:r>
+                        <a:rPr lang="en-US" altLang="zh-CN" dirty="0"/>
+                        <a:t>95%</a:t>
+                      </a:r>
+                      <a:r>
+                        <a:rPr lang="zh-CN" altLang="en-US" dirty="0"/>
+                        <a:t>带宽利用率，以损失</a:t>
+                      </a:r>
+                      <a:r>
+                        <a:rPr lang="en-US" altLang="zh-CN" dirty="0"/>
+                        <a:t>5%</a:t>
+                      </a:r>
+                      <a:r>
+                        <a:rPr lang="zh-CN" altLang="en-US" dirty="0"/>
+                        <a:t>带宽换取几乎为</a:t>
+                      </a:r>
+                      <a:r>
+                        <a:rPr lang="en-US" altLang="zh-CN" dirty="0"/>
+                        <a:t>0</a:t>
+                      </a:r>
+                      <a:r>
+                        <a:rPr lang="zh-CN" altLang="en-US" dirty="0"/>
+                        <a:t>的队列排队</a:t>
+                      </a:r>
+                    </a:p>
+                  </a:txBody>
+                  <a:tcPr/>
+                </a:tc>
+                <a:extLst>
+                  <a:ext uri="{0D108BD9-81ED-4DB2-BD59-A6C34878D82A}">
+                    <a16:rowId xmlns:a16="http://schemas.microsoft.com/office/drawing/2014/main" val="1877792861"/>
+                  </a:ext>
+                </a:extLst>
+              </a:tr>
+              <a:tr h="370840">
+                <a:tc>
+                  <a:txBody>
+                    <a:bodyPr/>
+                    <a:lstStyle/>
+                    <a:p>
+                      <a:r>
+                        <a:rPr lang="zh-CN" altLang="en-US" dirty="0"/>
+                        <a:t>mi</a:t>
+                      </a:r>
+                    </a:p>
+                  </a:txBody>
+                  <a:tcPr/>
+                </a:tc>
+                <a:tc>
+                  <a:txBody>
+                    <a:bodyPr/>
+                    <a:lstStyle/>
+                    <a:p>
+                      <a:endParaRPr lang="zh-CN" altLang="en-US"/>
+                    </a:p>
+                  </a:txBody>
+                  <a:tcPr/>
+                </a:tc>
+                <a:extLst>
+                  <a:ext uri="{0D108BD9-81ED-4DB2-BD59-A6C34878D82A}">
+                    <a16:rowId xmlns:a16="http://schemas.microsoft.com/office/drawing/2014/main" val="3558590031"/>
+                  </a:ext>
+                </a:extLst>
+              </a:tr>
+              <a:tr h="370840">
+                <a:tc>
+                  <a:txBody>
+                    <a:bodyPr/>
+                    <a:lstStyle/>
+                    <a:p>
+                      <a:r>
+                        <a:rPr lang="zh-CN" altLang="en-US" dirty="0"/>
+                        <a:t>hpai</a:t>
+                      </a:r>
+                    </a:p>
+                  </a:txBody>
+                  <a:tcPr/>
+                </a:tc>
+                <a:tc>
+                  <a:txBody>
+                    <a:bodyPr/>
+                    <a:lstStyle/>
+                    <a:p>
+                      <a:r>
+                        <a:rPr lang="en-US" altLang="zh-CN" dirty="0"/>
+                        <a:t>HPCC(</a:t>
+                      </a:r>
+                      <a:r>
+                        <a:rPr lang="en-US" altLang="zh-CN" dirty="0" err="1"/>
+                        <a:t>AI:additive</a:t>
+                      </a:r>
+                      <a:r>
+                        <a:rPr lang="en-US" altLang="zh-CN" dirty="0"/>
+                        <a:t> increase),</a:t>
+                      </a:r>
+                      <a:r>
+                        <a:rPr lang="zh-CN" altLang="en-US" dirty="0"/>
+                        <a:t>表示</a:t>
+                      </a:r>
+                      <a:r>
+                        <a:rPr lang="en-US" altLang="zh-CN" dirty="0"/>
+                        <a:t>W</a:t>
+                      </a:r>
+                      <a:r>
+                        <a:rPr lang="zh-CN" altLang="en-US" dirty="0"/>
+                        <a:t>窗口变化时的修订偏置</a:t>
+                      </a:r>
+                    </a:p>
+                  </a:txBody>
+                  <a:tcPr/>
+                </a:tc>
+                <a:extLst>
+                  <a:ext uri="{0D108BD9-81ED-4DB2-BD59-A6C34878D82A}">
+                    <a16:rowId xmlns:a16="http://schemas.microsoft.com/office/drawing/2014/main" val="2524372738"/>
+                  </a:ext>
+                </a:extLst>
+              </a:tr>
+              <a:tr h="370840">
+                <a:tc>
+                  <a:txBody>
+                    <a:bodyPr/>
+                    <a:lstStyle/>
+                    <a:p>
+                      <a:r>
+                        <a:rPr lang="zh-CN" altLang="en-US" dirty="0"/>
+                        <a:t>pint_log_base</a:t>
+                      </a:r>
+                    </a:p>
+                  </a:txBody>
+                  <a:tcPr/>
+                </a:tc>
+                <a:tc>
+                  <a:txBody>
+                    <a:bodyPr/>
+                    <a:lstStyle/>
+                    <a:p>
+                      <a:endParaRPr lang="zh-CN" altLang="en-US"/>
+                    </a:p>
+                  </a:txBody>
+                  <a:tcPr/>
+                </a:tc>
+                <a:extLst>
+                  <a:ext uri="{0D108BD9-81ED-4DB2-BD59-A6C34878D82A}">
+                    <a16:rowId xmlns:a16="http://schemas.microsoft.com/office/drawing/2014/main" val="2532310590"/>
+                  </a:ext>
+                </a:extLst>
+              </a:tr>
+              <a:tr h="370840">
+                <a:tc>
+                  <a:txBody>
+                    <a:bodyPr/>
+                    <a:lstStyle/>
+                    <a:p>
+                      <a:r>
+                        <a:rPr lang="zh-CN" altLang="en-US" dirty="0"/>
+                        <a:t>pint_prob</a:t>
+                      </a:r>
+                    </a:p>
+                  </a:txBody>
+                  <a:tcPr/>
+                </a:tc>
+                <a:tc>
+                  <a:txBody>
+                    <a:bodyPr/>
+                    <a:lstStyle/>
+                    <a:p>
+                      <a:endParaRPr lang="zh-CN" altLang="en-US"/>
+                    </a:p>
+                  </a:txBody>
+                  <a:tcPr/>
+                </a:tc>
+                <a:extLst>
+                  <a:ext uri="{0D108BD9-81ED-4DB2-BD59-A6C34878D82A}">
+                    <a16:rowId xmlns:a16="http://schemas.microsoft.com/office/drawing/2014/main" val="2547961378"/>
+                  </a:ext>
+                </a:extLst>
+              </a:tr>
+              <a:tr h="370840">
+                <a:tc>
+                  <a:txBody>
+                    <a:bodyPr/>
+                    <a:lstStyle/>
+                    <a:p>
+                      <a:r>
+                        <a:rPr lang="zh-CN" altLang="en-US" dirty="0"/>
+                        <a:t>enable_tr</a:t>
+                      </a:r>
+                    </a:p>
+                  </a:txBody>
+                  <a:tcPr/>
+                </a:tc>
+                <a:tc>
+                  <a:txBody>
+                    <a:bodyPr/>
+                    <a:lstStyle/>
+                    <a:p>
+                      <a:endParaRPr lang="zh-CN" altLang="en-US" dirty="0"/>
+                    </a:p>
+                  </a:txBody>
+                  <a:tcPr/>
+                </a:tc>
+                <a:extLst>
+                  <a:ext uri="{0D108BD9-81ED-4DB2-BD59-A6C34878D82A}">
+                    <a16:rowId xmlns:a16="http://schemas.microsoft.com/office/drawing/2014/main" val="3007082178"/>
+                  </a:ext>
+                </a:extLst>
+              </a:tr>
+            </a:tbl>
+          </a:graphicData>
+        </a:graphic>
+      </p:graphicFrame>
+    </p:spTree>
+    <p:extLst>
+      <p:ext uri="{BB962C8B-B14F-4D97-AF65-F5344CB8AC3E}">
+        <p14:creationId xmlns:p14="http://schemas.microsoft.com/office/powerpoint/2010/main" val="1145884131"/>
       </p:ext>
     </p:extLst>
   </p:cSld>
@@ -10345,7 +14280,7 @@
           <p:cNvPr id="2" name="文本框 1">
             <a:extLst>
               <a:ext uri="{FF2B5EF4-FFF2-40B4-BE49-F238E27FC236}">
-                <a16:creationId xmlns:a16="http://schemas.microsoft.com/office/drawing/2014/main" id="{04AB71C1-A2F7-42FC-8A02-C63E93DB1D07}"/>
+                <a16:creationId xmlns:a16="http://schemas.microsoft.com/office/drawing/2014/main" id="{54615435-6444-49A7-BC52-BB7CB125C5F2}"/>
               </a:ext>
             </a:extLst>
           </p:cNvPr>
@@ -10354,8 +14289,8 @@
         </p:nvSpPr>
         <p:spPr>
           <a:xfrm>
-            <a:off x="738786" y="399672"/>
-            <a:ext cx="3094427" cy="369332"/>
+            <a:off x="605563" y="551062"/>
+            <a:ext cx="8320434" cy="646331"/>
           </a:xfrm>
           <a:prstGeom prst="rect">
             <a:avLst/>
@@ -10369,79 +14304,40 @@
           <a:lstStyle/>
           <a:p>
             <a:r>
+              <a:rPr lang="zh-CN" altLang="en-US" dirty="0"/>
+              <a:t>使用</a:t>
+            </a:r>
+            <a:r>
               <a:rPr lang="en-US" altLang="zh-CN" dirty="0"/>
-              <a:t>PID</a:t>
+              <a:t>SRN</a:t>
             </a:r>
             <a:r>
               <a:rPr lang="zh-CN" altLang="en-US" dirty="0"/>
-              <a:t>神经网络搭建及验证</a:t>
-            </a:r>
-          </a:p>
-        </p:txBody>
-      </p:sp>
-      <p:sp>
-        <p:nvSpPr>
-          <p:cNvPr id="3" name="文本框 2">
-            <a:extLst>
-              <a:ext uri="{FF2B5EF4-FFF2-40B4-BE49-F238E27FC236}">
-                <a16:creationId xmlns:a16="http://schemas.microsoft.com/office/drawing/2014/main" id="{9145CABB-8525-4BF3-8E3C-4A35D2BFD49B}"/>
-              </a:ext>
-            </a:extLst>
-          </p:cNvPr>
-          <p:cNvSpPr txBox="1"/>
-          <p:nvPr/>
-        </p:nvSpPr>
-        <p:spPr>
-          <a:xfrm>
-            <a:off x="793287" y="1211066"/>
-            <a:ext cx="7672482" cy="646331"/>
-          </a:xfrm>
-          <a:prstGeom prst="rect">
-            <a:avLst/>
-          </a:prstGeom>
-          <a:noFill/>
-        </p:spPr>
-        <p:txBody>
-          <a:bodyPr wrap="square" rtlCol="0">
-            <a:spAutoFit/>
-          </a:bodyPr>
-          <a:lstStyle/>
-          <a:p>
+              <a:t>序列预测模块：我们认为后续的拥塞情况</a:t>
+            </a:r>
+            <a:r>
+              <a:rPr lang="en-US" altLang="zh-CN" dirty="0"/>
+              <a:t>S</a:t>
+            </a:r>
             <a:r>
               <a:rPr lang="zh-CN" altLang="en-US" dirty="0"/>
-              <a:t>上页</a:t>
+              <a:t>与前几个时刻的</a:t>
             </a:r>
             <a:r>
               <a:rPr lang="en-US" altLang="zh-CN" dirty="0"/>
-              <a:t>ppt</a:t>
+              <a:t>RTT</a:t>
             </a:r>
             <a:r>
               <a:rPr lang="zh-CN" altLang="en-US" dirty="0"/>
-              <a:t>验证了</a:t>
+              <a:t>和</a:t>
             </a:r>
             <a:r>
               <a:rPr lang="en-US" altLang="zh-CN" dirty="0"/>
-              <a:t>PID</a:t>
+              <a:t>ECN</a:t>
             </a:r>
             <a:r>
               <a:rPr lang="zh-CN" altLang="en-US" dirty="0"/>
-              <a:t>算法应用于拥塞控制窗口的可行性，这里验证使用</a:t>
-            </a:r>
-            <a:r>
-              <a:rPr lang="en-US" altLang="zh-CN" dirty="0" err="1"/>
-              <a:t>pytorch</a:t>
-            </a:r>
-            <a:r>
-              <a:rPr lang="zh-CN" altLang="en-US" dirty="0"/>
-              <a:t>简易搭建的神经网络能否模拟</a:t>
-            </a:r>
-            <a:r>
-              <a:rPr lang="en-US" altLang="zh-CN" dirty="0"/>
-              <a:t>PID</a:t>
-            </a:r>
-            <a:r>
-              <a:rPr lang="zh-CN" altLang="en-US" dirty="0"/>
-              <a:t>算法</a:t>
+              <a:t>丢包概率有一定的函数关系</a:t>
             </a:r>
           </a:p>
         </p:txBody>
@@ -10450,10 +14346,10 @@
         <mc:Choice Requires="a14">
           <p:sp>
             <p:nvSpPr>
-              <p:cNvPr id="4" name="文本框 3">
+              <p:cNvPr id="3" name="文本框 2">
                 <a:extLst>
                   <a:ext uri="{FF2B5EF4-FFF2-40B4-BE49-F238E27FC236}">
-                    <a16:creationId xmlns:a16="http://schemas.microsoft.com/office/drawing/2014/main" id="{4C1AAC21-604A-4ADD-94D6-7A600B6EA302}"/>
+                    <a16:creationId xmlns:a16="http://schemas.microsoft.com/office/drawing/2014/main" id="{5FA2ED10-AAFE-4CFE-B731-10E9B08FE773}"/>
                   </a:ext>
                 </a:extLst>
               </p:cNvPr>
@@ -10462,8 +14358,8 @@
             </p:nvSpPr>
             <p:spPr>
               <a:xfrm>
-                <a:off x="738786" y="2111669"/>
-                <a:ext cx="8247768" cy="2727350"/>
+                <a:off x="605563" y="1689521"/>
+                <a:ext cx="8393102" cy="690830"/>
               </a:xfrm>
               <a:prstGeom prst="rect">
                 <a:avLst/>
@@ -10478,97 +14374,40 @@
               <a:p>
                 <a:r>
                   <a:rPr lang="zh-CN" altLang="en-US" dirty="0"/>
-                  <a:t>验证意义：已经使用</a:t>
+                  <a:t>使用</a:t>
                 </a:r>
                 <a:r>
                   <a:rPr lang="en-US" altLang="zh-CN" dirty="0"/>
-                  <a:t>torch</a:t>
+                  <a:t>PID</a:t>
                 </a:r>
                 <a:r>
                   <a:rPr lang="zh-CN" altLang="en-US" dirty="0"/>
-                  <a:t>搭建了</a:t>
+                  <a:t>：拥塞情况</a:t>
                 </a:r>
                 <a:r>
                   <a:rPr lang="en-US" altLang="zh-CN" dirty="0"/>
-                  <a:t>P</a:t>
+                  <a:t>S</a:t>
                 </a:r>
                 <a:r>
                   <a:rPr lang="zh-CN" altLang="en-US" dirty="0"/>
-                  <a:t>、</a:t>
+                  <a:t>和发送窗口之间没有明确的函数关系，使用</a:t>
                 </a:r>
                 <a:r>
                   <a:rPr lang="en-US" altLang="zh-CN" dirty="0"/>
-                  <a:t>I</a:t>
+                  <a:t>PID</a:t>
                 </a:r>
                 <a:r>
                   <a:rPr lang="zh-CN" altLang="en-US" dirty="0"/>
-                  <a:t>、</a:t>
+                  <a:t>模糊控制，认为发送窗口收到</a:t>
                 </a:r>
                 <a:r>
                   <a:rPr lang="en-US" altLang="zh-CN" dirty="0"/>
-                  <a:t>D</a:t>
-                </a:r>
-                <a:r>
-                  <a:rPr lang="zh-CN" altLang="en-US" dirty="0"/>
-                  <a:t>神经元，但是与常规的神经元不同的是其计算方法；常规的神经元</a:t>
-                </a:r>
-                <a:r>
-                  <a:rPr lang="en-US" altLang="zh-CN" dirty="0"/>
-                  <a:t>y = w*</a:t>
-                </a:r>
-                <a:r>
-                  <a:rPr lang="en-US" altLang="zh-CN" dirty="0" err="1"/>
-                  <a:t>x+b</a:t>
-                </a:r>
-                <a:r>
-                  <a:rPr lang="en-US" altLang="zh-CN" dirty="0"/>
-                  <a:t>,[</a:t>
-                </a:r>
-                <a:r>
-                  <a:rPr lang="en-US" altLang="zh-CN" dirty="0" err="1"/>
-                  <a:t>w,b</a:t>
-                </a:r>
-                <a:r>
-                  <a:rPr lang="en-US" altLang="zh-CN" dirty="0"/>
-                  <a:t>]</a:t>
-                </a:r>
-                <a:r>
-                  <a:rPr lang="zh-CN" altLang="en-US" dirty="0"/>
-                  <a:t>参数经过反向传播可以逼近</a:t>
-                </a:r>
-                <a:r>
-                  <a:rPr lang="en-US" altLang="zh-CN" dirty="0" err="1"/>
-                  <a:t>x,y</a:t>
-                </a:r>
-                <a:r>
-                  <a:rPr lang="zh-CN" altLang="en-US" dirty="0"/>
-                  <a:t>之间的函数关系，以</a:t>
-                </a:r>
-                <a:r>
-                  <a:rPr lang="en-US" altLang="zh-CN" dirty="0" err="1"/>
-                  <a:t>i</a:t>
-                </a:r>
-                <a:r>
-                  <a:rPr lang="zh-CN" altLang="en-US" dirty="0"/>
-                  <a:t>神经元为例，</a:t>
-                </a:r>
-                <a:r>
-                  <a:rPr lang="en-US" altLang="zh-CN" dirty="0" err="1"/>
-                  <a:t>yi</a:t>
-                </a:r>
-                <a:r>
-                  <a:rPr lang="en-US" altLang="zh-CN" dirty="0"/>
-                  <a:t> = </a:t>
-                </a:r>
-                <a:r>
-                  <a:rPr lang="en-US" altLang="zh-CN" dirty="0" err="1"/>
-                  <a:t>wi</a:t>
+                  <a:t>S,S`, </a:t>
                 </a:r>
                 <a14:m>
                   <m:oMath xmlns:m="http://schemas.openxmlformats.org/officeDocument/2006/math">
                     <m:nary>
                       <m:naryPr>
-                        <m:limLoc m:val="undOvr"/>
                         <m:subHide m:val="on"/>
                         <m:supHide m:val="on"/>
                         <m:ctrlPr>
@@ -10581,212 +14420,364 @@
                       <m:sup/>
                       <m:e>
                         <m:r>
-                          <m:rPr>
-                            <m:sty m:val="p"/>
-                          </m:rPr>
-                          <a:rPr lang="en-US" altLang="zh-CN" i="1">
+                          <a:rPr lang="en-US" altLang="zh-CN" b="0" i="1" smtClean="0">
                             <a:latin typeface="Cambria Math" panose="02040503050406030204" pitchFamily="18" charset="0"/>
                           </a:rPr>
-                          <m:t>x</m:t>
+                          <m:t>𝑆</m:t>
                         </m:r>
                       </m:e>
                     </m:nary>
+                    <m:r>
+                      <a:rPr lang="zh-CN" altLang="en-US" i="1">
+                        <a:latin typeface="Cambria Math" panose="02040503050406030204" pitchFamily="18" charset="0"/>
+                      </a:rPr>
+                      <m:t>共同影响</m:t>
+                    </m:r>
                   </m:oMath>
                 </a14:m>
                 <a:r>
-                  <a:rPr lang="en-US" altLang="zh-CN" dirty="0"/>
-                  <a:t>+bi,</a:t>
-                </a:r>
-                <a:r>
                   <a:rPr lang="zh-CN" altLang="en-US" dirty="0"/>
-                  <a:t>其参数</a:t>
-                </a:r>
-                <a:r>
-                  <a:rPr lang="en-US" altLang="zh-CN" dirty="0"/>
-                  <a:t>[</a:t>
-                </a:r>
-                <a:r>
-                  <a:rPr lang="en-US" altLang="zh-CN" dirty="0" err="1"/>
-                  <a:t>wi,bi</a:t>
-                </a:r>
-                <a:r>
-                  <a:rPr lang="en-US" altLang="zh-CN" dirty="0"/>
-                  <a:t>]</a:t>
-                </a:r>
-                <a:r>
-                  <a:rPr lang="zh-CN" altLang="en-US" dirty="0"/>
-                  <a:t>不知是否可以用传统算法进行学习，故设计方法进行验证，这对于后续整体神经网络搭建十分重要</a:t>
-                </a:r>
-                <a:endParaRPr lang="en-US" altLang="zh-CN" dirty="0"/>
+                  <a:t>，</a:t>
+                </a:r>
+              </a:p>
+            </p:txBody>
+          </p:sp>
+        </mc:Choice>
+        <mc:Fallback xmlns="">
+          <p:sp>
+            <p:nvSpPr>
+              <p:cNvPr id="3" name="文本框 2">
+                <a:extLst>
+                  <a:ext uri="{FF2B5EF4-FFF2-40B4-BE49-F238E27FC236}">
+                    <a16:creationId xmlns:a16="http://schemas.microsoft.com/office/drawing/2014/main" id="{5FA2ED10-AAFE-4CFE-B731-10E9B08FE773}"/>
+                  </a:ext>
+                </a:extLst>
+              </p:cNvPr>
+              <p:cNvSpPr txBox="1">
+                <a:spLocks noRot="1" noChangeAspect="1" noMove="1" noResize="1" noEditPoints="1" noAdjustHandles="1" noChangeArrowheads="1" noChangeShapeType="1" noTextEdit="1"/>
+              </p:cNvSpPr>
+              <p:nvPr/>
+            </p:nvSpPr>
+            <p:spPr>
+              <a:xfrm>
+                <a:off x="605563" y="1689521"/>
+                <a:ext cx="8393102" cy="690830"/>
+              </a:xfrm>
+              <a:prstGeom prst="rect">
+                <a:avLst/>
+              </a:prstGeom>
+              <a:blipFill>
+                <a:blip r:embed="rId2"/>
+                <a:stretch>
+                  <a:fillRect l="-581" t="-39823" b="-115044"/>
+                </a:stretch>
+              </a:blipFill>
+            </p:spPr>
+            <p:txBody>
+              <a:bodyPr/>
+              <a:lstStyle/>
+              <a:p>
+                <a:r>
+                  <a:rPr lang="zh-CN" altLang="en-US">
+                    <a:noFill/>
+                  </a:rPr>
+                  <a:t> </a:t>
+                </a:r>
+              </a:p>
+            </p:txBody>
+          </p:sp>
+        </mc:Fallback>
+      </mc:AlternateContent>
+      <p:pic>
+        <p:nvPicPr>
+          <p:cNvPr id="6" name="图片 5">
+            <a:extLst>
+              <a:ext uri="{FF2B5EF4-FFF2-40B4-BE49-F238E27FC236}">
+                <a16:creationId xmlns:a16="http://schemas.microsoft.com/office/drawing/2014/main" id="{1CE7AEB8-5E94-4480-AA19-167AF50193E9}"/>
+              </a:ext>
+            </a:extLst>
+          </p:cNvPr>
+          <p:cNvPicPr>
+            <a:picLocks noChangeAspect="1"/>
+          </p:cNvPicPr>
+          <p:nvPr/>
+        </p:nvPicPr>
+        <p:blipFill>
+          <a:blip r:embed="rId3">
+            <a:extLst>
+              <a:ext uri="{28A0092B-C50C-407E-A947-70E740481C1C}">
+                <a14:useLocalDpi xmlns:a14="http://schemas.microsoft.com/office/drawing/2010/main" val="0"/>
+              </a:ext>
+            </a:extLst>
+          </a:blip>
+          <a:stretch>
+            <a:fillRect/>
+          </a:stretch>
+        </p:blipFill>
+        <p:spPr>
+          <a:xfrm>
+            <a:off x="846432" y="2872480"/>
+            <a:ext cx="4469012" cy="1263516"/>
+          </a:xfrm>
+          <a:prstGeom prst="rect">
+            <a:avLst/>
+          </a:prstGeom>
+        </p:spPr>
+      </p:pic>
+      <mc:AlternateContent xmlns:mc="http://schemas.openxmlformats.org/markup-compatibility/2006" xmlns:a14="http://schemas.microsoft.com/office/drawing/2010/main">
+        <mc:Choice Requires="a14">
+          <p:sp>
+            <p:nvSpPr>
+              <p:cNvPr id="7" name="文本框 6">
+                <a:extLst>
+                  <a:ext uri="{FF2B5EF4-FFF2-40B4-BE49-F238E27FC236}">
+                    <a16:creationId xmlns:a16="http://schemas.microsoft.com/office/drawing/2014/main" id="{3AAC6FEF-F92A-4188-AAA1-1D72AC813B40}"/>
+                  </a:ext>
+                </a:extLst>
+              </p:cNvPr>
+              <p:cNvSpPr txBox="1"/>
+              <p:nvPr/>
+            </p:nvSpPr>
+            <p:spPr>
+              <a:xfrm>
+                <a:off x="6800472" y="2872480"/>
+                <a:ext cx="2264805" cy="689163"/>
+              </a:xfrm>
+              <a:prstGeom prst="rect">
+                <a:avLst/>
+              </a:prstGeom>
+              <a:noFill/>
+            </p:spPr>
+            <p:txBody>
+              <a:bodyPr wrap="square" rtlCol="0">
+                <a:spAutoFit/>
+              </a:bodyPr>
+              <a:lstStyle/>
+              <a:p>
+                <a:pPr/>
+                <a14:m>
+                  <m:oMathPara xmlns:m="http://schemas.openxmlformats.org/officeDocument/2006/math">
+                    <m:oMathParaPr>
+                      <m:jc m:val="centerGroup"/>
+                    </m:oMathParaPr>
+                    <m:oMath xmlns:m="http://schemas.openxmlformats.org/officeDocument/2006/math">
+                      <m:sSub>
+                        <m:sSubPr>
+                          <m:ctrlPr>
+                            <a:rPr lang="en-US" altLang="zh-CN" i="1" smtClean="0">
+                              <a:latin typeface="Cambria Math" panose="02040503050406030204" pitchFamily="18" charset="0"/>
+                            </a:rPr>
+                          </m:ctrlPr>
+                        </m:sSubPr>
+                        <m:e>
+                          <m:r>
+                            <a:rPr lang="en-US" altLang="zh-CN" b="0" i="1" smtClean="0">
+                              <a:latin typeface="Cambria Math" panose="02040503050406030204" pitchFamily="18" charset="0"/>
+                            </a:rPr>
+                            <m:t>𝑣</m:t>
+                          </m:r>
+                          <m:r>
+                            <a:rPr lang="en-US" altLang="zh-CN" b="0" i="1" smtClean="0">
+                              <a:latin typeface="Cambria Math" panose="02040503050406030204" pitchFamily="18" charset="0"/>
+                            </a:rPr>
+                            <m:t>= </m:t>
+                          </m:r>
+                          <m:r>
+                            <m:rPr>
+                              <m:sty m:val="p"/>
+                            </m:rPr>
+                            <a:rPr lang="en-US" altLang="zh-CN" i="1">
+                              <a:latin typeface="Cambria Math" panose="02040503050406030204" pitchFamily="18" charset="0"/>
+                            </a:rPr>
+                            <m:t>f</m:t>
+                          </m:r>
+                        </m:e>
+                        <m:sub>
+                          <m:r>
+                            <a:rPr lang="en-US" altLang="zh-CN" b="0" i="1" smtClean="0">
+                              <a:latin typeface="Cambria Math" panose="02040503050406030204" pitchFamily="18" charset="0"/>
+                            </a:rPr>
+                            <m:t>𝑝𝑖𝑑</m:t>
+                          </m:r>
+                        </m:sub>
+                      </m:sSub>
+                      <m:d>
+                        <m:dPr>
+                          <m:ctrlPr>
+                            <a:rPr lang="en-US" altLang="zh-CN" b="0" i="1" smtClean="0">
+                              <a:latin typeface="Cambria Math" panose="02040503050406030204" pitchFamily="18" charset="0"/>
+                            </a:rPr>
+                          </m:ctrlPr>
+                        </m:dPr>
+                        <m:e>
+                          <m:r>
+                            <a:rPr lang="en-US" altLang="zh-CN" b="0" i="1" smtClean="0">
+                              <a:latin typeface="Cambria Math" panose="02040503050406030204" pitchFamily="18" charset="0"/>
+                            </a:rPr>
+                            <m:t>𝑒</m:t>
+                          </m:r>
+                        </m:e>
+                      </m:d>
+                    </m:oMath>
+                  </m:oMathPara>
+                </a14:m>
+                <a:endParaRPr lang="en-US" altLang="zh-CN" b="0" dirty="0"/>
               </a:p>
               <a:p>
+                <a:pPr algn="ctr"/>
+                <a14:m>
+                  <m:oMathPara xmlns:m="http://schemas.openxmlformats.org/officeDocument/2006/math">
+                    <m:oMathParaPr>
+                      <m:jc m:val="centerGroup"/>
+                    </m:oMathParaPr>
+                    <m:oMath xmlns:m="http://schemas.openxmlformats.org/officeDocument/2006/math">
+                      <m:r>
+                        <a:rPr lang="zh-CN" altLang="en-US" i="1" smtClean="0">
+                          <a:latin typeface="Cambria Math" panose="02040503050406030204" pitchFamily="18" charset="0"/>
+                        </a:rPr>
+                        <m:t>∆</m:t>
+                      </m:r>
+                      <m:r>
+                        <a:rPr lang="en-US" altLang="zh-CN" b="0" i="1" smtClean="0">
+                          <a:latin typeface="Cambria Math" panose="02040503050406030204" pitchFamily="18" charset="0"/>
+                        </a:rPr>
+                        <m:t>𝑤</m:t>
+                      </m:r>
+                      <m:r>
+                        <a:rPr lang="en-US" altLang="zh-CN" b="0" i="1" smtClean="0">
+                          <a:latin typeface="Cambria Math" panose="02040503050406030204" pitchFamily="18" charset="0"/>
+                        </a:rPr>
+                        <m:t>=</m:t>
+                      </m:r>
+                      <m:sSub>
+                        <m:sSubPr>
+                          <m:ctrlPr>
+                            <a:rPr lang="en-US" altLang="zh-CN" b="0" i="1" smtClean="0">
+                              <a:latin typeface="Cambria Math" panose="02040503050406030204" pitchFamily="18" charset="0"/>
+                            </a:rPr>
+                          </m:ctrlPr>
+                        </m:sSubPr>
+                        <m:e>
+                          <m:r>
+                            <a:rPr lang="en-US" altLang="zh-CN" b="0" i="1" smtClean="0">
+                              <a:latin typeface="Cambria Math" panose="02040503050406030204" pitchFamily="18" charset="0"/>
+                            </a:rPr>
+                            <m:t>𝑓</m:t>
+                          </m:r>
+                        </m:e>
+                        <m:sub>
+                          <m:r>
+                            <a:rPr lang="en-US" altLang="zh-CN" b="0" i="1" smtClean="0">
+                              <a:latin typeface="Cambria Math" panose="02040503050406030204" pitchFamily="18" charset="0"/>
+                            </a:rPr>
+                            <m:t>𝑝𝑖𝑓</m:t>
+                          </m:r>
+                        </m:sub>
+                      </m:sSub>
+                      <m:r>
+                        <a:rPr lang="en-US" altLang="zh-CN" b="0" i="1" smtClean="0">
+                          <a:latin typeface="Cambria Math" panose="02040503050406030204" pitchFamily="18" charset="0"/>
+                        </a:rPr>
+                        <m:t>(</m:t>
+                      </m:r>
+                      <m:r>
+                        <a:rPr lang="en-US" altLang="zh-CN" b="0" i="1" smtClean="0">
+                          <a:latin typeface="Cambria Math" panose="02040503050406030204" pitchFamily="18" charset="0"/>
+                        </a:rPr>
+                        <m:t>𝑠</m:t>
+                      </m:r>
+                      <m:r>
+                        <a:rPr lang="en-US" altLang="zh-CN" b="0" i="1" smtClean="0">
+                          <a:latin typeface="Cambria Math" panose="02040503050406030204" pitchFamily="18" charset="0"/>
+                        </a:rPr>
+                        <m:t>)</m:t>
+                      </m:r>
+                    </m:oMath>
+                  </m:oMathPara>
+                </a14:m>
+                <a:endParaRPr lang="zh-CN" altLang="en-US" dirty="0"/>
+              </a:p>
+            </p:txBody>
+          </p:sp>
+        </mc:Choice>
+        <mc:Fallback xmlns="">
+          <p:sp>
+            <p:nvSpPr>
+              <p:cNvPr id="7" name="文本框 6">
+                <a:extLst>
+                  <a:ext uri="{FF2B5EF4-FFF2-40B4-BE49-F238E27FC236}">
+                    <a16:creationId xmlns:a16="http://schemas.microsoft.com/office/drawing/2014/main" id="{3AAC6FEF-F92A-4188-AAA1-1D72AC813B40}"/>
+                  </a:ext>
+                </a:extLst>
+              </p:cNvPr>
+              <p:cNvSpPr txBox="1">
+                <a:spLocks noRot="1" noChangeAspect="1" noMove="1" noResize="1" noEditPoints="1" noAdjustHandles="1" noChangeArrowheads="1" noChangeShapeType="1" noTextEdit="1"/>
+              </p:cNvSpPr>
+              <p:nvPr/>
+            </p:nvSpPr>
+            <p:spPr>
+              <a:xfrm>
+                <a:off x="6800472" y="2872480"/>
+                <a:ext cx="2264805" cy="689163"/>
+              </a:xfrm>
+              <a:prstGeom prst="rect">
+                <a:avLst/>
+              </a:prstGeom>
+              <a:blipFill>
+                <a:blip r:embed="rId4"/>
+                <a:stretch>
+                  <a:fillRect b="-5310"/>
+                </a:stretch>
+              </a:blipFill>
+            </p:spPr>
+            <p:txBody>
+              <a:bodyPr/>
+              <a:lstStyle/>
+              <a:p>
+                <a:r>
+                  <a:rPr lang="zh-CN" altLang="en-US">
+                    <a:noFill/>
+                  </a:rPr>
+                  <a:t> </a:t>
+                </a:r>
+              </a:p>
+            </p:txBody>
+          </p:sp>
+        </mc:Fallback>
+      </mc:AlternateContent>
+      <mc:AlternateContent xmlns:mc="http://schemas.openxmlformats.org/markup-compatibility/2006" xmlns:a14="http://schemas.microsoft.com/office/drawing/2010/main">
+        <mc:Choice Requires="a14">
+          <p:sp>
+            <p:nvSpPr>
+              <p:cNvPr id="8" name="文本框 7">
+                <a:extLst>
+                  <a:ext uri="{FF2B5EF4-FFF2-40B4-BE49-F238E27FC236}">
+                    <a16:creationId xmlns:a16="http://schemas.microsoft.com/office/drawing/2014/main" id="{37C82EC6-1E92-43F7-B091-E896EA4EA7BB}"/>
+                  </a:ext>
+                </a:extLst>
+              </p:cNvPr>
+              <p:cNvSpPr txBox="1"/>
+              <p:nvPr/>
+            </p:nvSpPr>
+            <p:spPr>
+              <a:xfrm>
+                <a:off x="6939751" y="4184440"/>
+                <a:ext cx="3288207" cy="646331"/>
+              </a:xfrm>
+              <a:prstGeom prst="rect">
+                <a:avLst/>
+              </a:prstGeom>
+              <a:noFill/>
+            </p:spPr>
+            <p:txBody>
+              <a:bodyPr wrap="square" rtlCol="0">
+                <a:spAutoFit/>
+              </a:bodyPr>
+              <a:lstStyle/>
+              <a:p>
                 <a:r>
                   <a:rPr lang="zh-CN" altLang="en-US" dirty="0"/>
-                  <a:t>验证方法</a:t>
-                </a:r>
-                <a:r>
-                  <a:rPr lang="zh-CN" altLang="en-US" dirty="0">
-                    <a:sym typeface="Wingdings" panose="05000000000000000000" pitchFamily="2" charset="2"/>
-                  </a:rPr>
-                  <a:t>（输入</a:t>
-                </a:r>
-                <a:r>
-                  <a:rPr lang="en-US" altLang="zh-CN" dirty="0">
-                    <a:sym typeface="Wingdings" panose="05000000000000000000" pitchFamily="2" charset="2"/>
-                  </a:rPr>
-                  <a:t>x;</a:t>
-                </a:r>
-                <a:r>
-                  <a:rPr lang="zh-CN" altLang="en-US" dirty="0">
-                    <a:sym typeface="Wingdings" panose="05000000000000000000" pitchFamily="2" charset="2"/>
-                  </a:rPr>
-                  <a:t>输出</a:t>
-                </a:r>
-                <a:r>
-                  <a:rPr lang="en-US" altLang="zh-CN" dirty="0">
-                    <a:sym typeface="Wingdings" panose="05000000000000000000" pitchFamily="2" charset="2"/>
-                  </a:rPr>
-                  <a:t>out;</a:t>
-                </a:r>
-                <a:r>
-                  <a:rPr lang="zh-CN" altLang="en-US" dirty="0">
-                    <a:sym typeface="Wingdings" panose="05000000000000000000" pitchFamily="2" charset="2"/>
-                  </a:rPr>
-                  <a:t>真实值</a:t>
-                </a:r>
-                <a:r>
-                  <a:rPr lang="en-US" altLang="zh-CN" dirty="0">
-                    <a:sym typeface="Wingdings" panose="05000000000000000000" pitchFamily="2" charset="2"/>
-                  </a:rPr>
-                  <a:t>y</a:t>
-                </a:r>
-                <a:r>
-                  <a:rPr lang="zh-CN" altLang="en-US" dirty="0">
-                    <a:sym typeface="Wingdings" panose="05000000000000000000" pitchFamily="2" charset="2"/>
-                  </a:rPr>
-                  <a:t>）</a:t>
-                </a:r>
-                <a:endParaRPr lang="en-US" altLang="zh-CN" dirty="0"/>
-              </a:p>
-              <a:p>
-                <a:r>
-                  <a:rPr lang="en-US" altLang="zh-CN" dirty="0"/>
-                  <a:t>P:</a:t>
-                </a:r>
-                <a:r>
-                  <a:rPr lang="zh-CN" altLang="en-US" dirty="0"/>
-                  <a:t>随机</a:t>
-                </a:r>
-                <a:r>
-                  <a:rPr lang="en-US" altLang="zh-CN" dirty="0"/>
-                  <a:t>x,</a:t>
-                </a:r>
-                <a:r>
-                  <a:rPr lang="zh-CN" altLang="en-US" dirty="0"/>
-                  <a:t>设置</a:t>
-                </a:r>
-                <a:r>
-                  <a:rPr lang="en-US" altLang="zh-CN" dirty="0"/>
-                  <a:t>y = 5*x,</a:t>
-                </a:r>
-                <a:r>
-                  <a:rPr lang="zh-CN" altLang="en-US" dirty="0"/>
-                  <a:t>然后网络训练反向传播，在设置测试集，验证这时候的网络输出是否</a:t>
-                </a:r>
-                <a:r>
-                  <a:rPr lang="en-US" altLang="zh-CN" dirty="0"/>
-                  <a:t>out</a:t>
-                </a:r>
-                <a:r>
-                  <a:rPr lang="zh-CN" altLang="en-US" dirty="0"/>
-                  <a:t>≈</a:t>
-                </a:r>
-                <a:r>
-                  <a:rPr lang="en-US" altLang="zh-CN" dirty="0"/>
-                  <a:t>5*x</a:t>
-                </a:r>
-              </a:p>
-              <a:p>
-                <a:r>
-                  <a:rPr lang="en-US" altLang="zh-CN" dirty="0"/>
-                  <a:t>I:y = </a:t>
-                </a:r>
-                <a14:m>
-                  <m:oMath xmlns:m="http://schemas.openxmlformats.org/officeDocument/2006/math">
-                    <m:r>
-                      <a:rPr lang="en-US" altLang="zh-CN" b="0" i="0" smtClean="0">
-                        <a:latin typeface="Cambria Math" panose="02040503050406030204" pitchFamily="18" charset="0"/>
-                      </a:rPr>
-                      <m:t>2∗</m:t>
-                    </m:r>
-                    <m:nary>
-                      <m:naryPr>
-                        <m:ctrlPr>
-                          <a:rPr lang="en-US" altLang="zh-CN" i="1" smtClean="0">
-                            <a:latin typeface="Cambria Math" panose="02040503050406030204" pitchFamily="18" charset="0"/>
-                          </a:rPr>
-                        </m:ctrlPr>
-                      </m:naryPr>
-                      <m:sub>
-                        <m:r>
-                          <m:rPr>
-                            <m:brk m:alnAt="23"/>
-                          </m:rPr>
-                          <a:rPr lang="en-US" altLang="zh-CN" b="0" i="1" smtClean="0">
-                            <a:latin typeface="Cambria Math" panose="02040503050406030204" pitchFamily="18" charset="0"/>
-                          </a:rPr>
-                          <m:t>0</m:t>
-                        </m:r>
-                      </m:sub>
-                      <m:sup>
-                        <m:r>
-                          <a:rPr lang="en-US" altLang="zh-CN" b="0" i="1" smtClean="0">
-                            <a:latin typeface="Cambria Math" panose="02040503050406030204" pitchFamily="18" charset="0"/>
-                          </a:rPr>
-                          <m:t>10</m:t>
-                        </m:r>
-                      </m:sup>
-                      <m:e>
-                        <m:r>
-                          <a:rPr lang="en-US" altLang="zh-CN" b="0" i="1" smtClean="0">
-                            <a:latin typeface="Cambria Math" panose="02040503050406030204" pitchFamily="18" charset="0"/>
-                          </a:rPr>
-                          <m:t>𝑥</m:t>
-                        </m:r>
-                      </m:e>
-                    </m:nary>
-                  </m:oMath>
-                </a14:m>
-                <a:r>
-                  <a:rPr lang="en-US" altLang="zh-CN" dirty="0"/>
-                  <a:t>,</a:t>
-                </a:r>
-                <a:r>
-                  <a:rPr lang="zh-CN" altLang="en-US" dirty="0"/>
-                  <a:t>训练，</a:t>
-                </a:r>
-                <a:r>
-                  <a:rPr lang="en-US" altLang="zh-CN" dirty="0"/>
-                  <a:t>out</a:t>
-                </a:r>
-                <a:r>
-                  <a:rPr lang="zh-CN" altLang="en-US" dirty="0"/>
-                  <a:t>≈</a:t>
-                </a:r>
-                <a:r>
-                  <a:rPr lang="en-US" altLang="zh-CN" dirty="0"/>
-                  <a:t>y</a:t>
-                </a:r>
-                <a:r>
-                  <a:rPr lang="zh-CN" altLang="en-US" dirty="0"/>
-                  <a:t>是否成立</a:t>
-                </a:r>
-                <a:endParaRPr lang="en-US" altLang="zh-CN" dirty="0"/>
-              </a:p>
-              <a:p>
-                <a:r>
-                  <a:rPr lang="en-US" altLang="zh-CN" dirty="0"/>
-                  <a:t>D:y = 3(</a:t>
+                  <a:t>①</a:t>
                 </a:r>
                 <a14:m>
                   <m:oMath xmlns:m="http://schemas.openxmlformats.org/officeDocument/2006/math">
@@ -10803,7 +14794,7 @@
                           <a:rPr lang="en-US" altLang="zh-CN" b="0" i="1" smtClean="0">
                             <a:latin typeface="Cambria Math" panose="02040503050406030204" pitchFamily="18" charset="0"/>
                           </a:rPr>
-                          <m:t>𝑥</m:t>
+                          <m:t>𝑊</m:t>
                         </m:r>
                       </m:e>
                       <m:sub>
@@ -10811,7 +14802,48 @@
                           <a:rPr lang="en-US" altLang="zh-CN" b="0" i="1" smtClean="0">
                             <a:latin typeface="Cambria Math" panose="02040503050406030204" pitchFamily="18" charset="0"/>
                           </a:rPr>
-                          <m:t>𝑘</m:t>
+                          <m:t>𝑁𝐸𝑊</m:t>
+                        </m:r>
+                      </m:sub>
+                    </m:sSub>
+                  </m:oMath>
+                </a14:m>
+                <a:r>
+                  <a:rPr lang="zh-CN" altLang="en-US" dirty="0"/>
+                  <a:t> </a:t>
+                </a:r>
+                <a:r>
+                  <a:rPr lang="en-US" altLang="zh-CN" dirty="0"/>
+                  <a:t>=</a:t>
+                </a:r>
+                <a:r>
+                  <a:rPr lang="zh-CN" altLang="en-US" dirty="0"/>
+                  <a:t> </a:t>
+                </a:r>
+                <a14:m>
+                  <m:oMath xmlns:m="http://schemas.openxmlformats.org/officeDocument/2006/math">
+                    <m:sSub>
+                      <m:sSubPr>
+                        <m:ctrlPr>
+                          <a:rPr lang="en-US" altLang="zh-CN" i="1" smtClean="0">
+                            <a:latin typeface="Cambria Math" panose="02040503050406030204" pitchFamily="18" charset="0"/>
+                          </a:rPr>
+                        </m:ctrlPr>
+                      </m:sSubPr>
+                      <m:e>
+                        <m:r>
+                          <a:rPr lang="en-US" altLang="zh-CN" b="0" i="1" smtClean="0">
+                            <a:latin typeface="Cambria Math" panose="02040503050406030204" pitchFamily="18" charset="0"/>
+                          </a:rPr>
+                          <m:t>𝑊</m:t>
+                        </m:r>
+                      </m:e>
+                      <m:sub>
+                        <m:r>
+                          <a:rPr lang="en-US" altLang="zh-CN" b="0" i="1" smtClean="0">
+                            <a:latin typeface="Cambria Math" panose="02040503050406030204" pitchFamily="18" charset="0"/>
+                          </a:rPr>
+                          <m:t>𝑂𝐿𝐷</m:t>
                         </m:r>
                       </m:sub>
                     </m:sSub>
@@ -10819,66 +14851,133 @@
                       <a:rPr lang="en-US" altLang="zh-CN" b="0" i="1" smtClean="0">
                         <a:latin typeface="Cambria Math" panose="02040503050406030204" pitchFamily="18" charset="0"/>
                       </a:rPr>
-                      <m:t>−</m:t>
+                      <m:t>+</m:t>
                     </m:r>
+                    <m:r>
+                      <a:rPr lang="en-US" altLang="zh-CN" b="0" i="1" smtClean="0">
+                        <a:latin typeface="Cambria Math" panose="02040503050406030204" pitchFamily="18" charset="0"/>
+                        <a:ea typeface="Cambria Math" panose="02040503050406030204" pitchFamily="18" charset="0"/>
+                      </a:rPr>
+                      <m:t>∆</m:t>
+                    </m:r>
+                    <m:r>
+                      <a:rPr lang="en-US" altLang="zh-CN" b="0" i="1" smtClean="0">
+                        <a:latin typeface="Cambria Math" panose="02040503050406030204" pitchFamily="18" charset="0"/>
+                        <a:ea typeface="Cambria Math" panose="02040503050406030204" pitchFamily="18" charset="0"/>
+                      </a:rPr>
+                      <m:t>𝑊</m:t>
+                    </m:r>
+                  </m:oMath>
+                </a14:m>
+                <a:endParaRPr lang="en-US" altLang="zh-CN" b="0" dirty="0">
+                  <a:ea typeface="Cambria Math" panose="02040503050406030204" pitchFamily="18" charset="0"/>
+                </a:endParaRPr>
+              </a:p>
+              <a:p>
+                <a:r>
+                  <a:rPr lang="zh-CN" altLang="en-US" dirty="0"/>
+                  <a:t>②</a:t>
+                </a:r>
+                <a14:m>
+                  <m:oMath xmlns:m="http://schemas.openxmlformats.org/officeDocument/2006/math">
                     <m:sSub>
                       <m:sSubPr>
                         <m:ctrlPr>
-                          <a:rPr lang="en-US" altLang="zh-CN" i="1">
+                          <a:rPr lang="en-US" altLang="zh-CN" i="1" smtClean="0">
                             <a:latin typeface="Cambria Math" panose="02040503050406030204" pitchFamily="18" charset="0"/>
                           </a:rPr>
                         </m:ctrlPr>
                       </m:sSubPr>
                       <m:e>
                         <m:r>
-                          <a:rPr lang="en-US" altLang="zh-CN" i="1">
+                          <a:rPr lang="en-US" altLang="zh-CN" b="0" i="1" smtClean="0">
                             <a:latin typeface="Cambria Math" panose="02040503050406030204" pitchFamily="18" charset="0"/>
                           </a:rPr>
-                          <m:t>𝑥</m:t>
+                          <m:t>𝑊</m:t>
                         </m:r>
                       </m:e>
                       <m:sub>
                         <m:r>
-                          <a:rPr lang="en-US" altLang="zh-CN" i="1">
-                            <a:latin typeface="Cambria Math" panose="02040503050406030204" pitchFamily="18" charset="0"/>
-                          </a:rPr>
-                          <m:t>𝑘</m:t>
-                        </m:r>
-                        <m:r>
                           <a:rPr lang="en-US" altLang="zh-CN" b="0" i="1" smtClean="0">
                             <a:latin typeface="Cambria Math" panose="02040503050406030204" pitchFamily="18" charset="0"/>
                           </a:rPr>
-                          <m:t>−1</m:t>
+                          <m:t>𝑁𝐸𝑊</m:t>
                         </m:r>
                       </m:sub>
                     </m:sSub>
                   </m:oMath>
                 </a14:m>
                 <a:r>
+                  <a:rPr lang="zh-CN" altLang="en-US" dirty="0"/>
+                  <a:t> </a:t>
+                </a:r>
+                <a:r>
                   <a:rPr lang="en-US" altLang="zh-CN" dirty="0"/>
-                  <a:t>),</a:t>
+                  <a:t>=</a:t>
                 </a:r>
                 <a:r>
                   <a:rPr lang="zh-CN" altLang="en-US" dirty="0"/>
-                  <a:t>验证</a:t>
-                </a:r>
-                <a:r>
-                  <a:rPr lang="en-US" altLang="zh-CN" dirty="0"/>
-                  <a:t>out</a:t>
-                </a:r>
-                <a:r>
-                  <a:rPr lang="zh-CN" altLang="en-US" dirty="0"/>
-                  <a:t>≈</a:t>
-                </a:r>
-                <a:r>
-                  <a:rPr lang="en-US" altLang="zh-CN" dirty="0"/>
-                  <a:t>y</a:t>
-                </a:r>
-                <a:r>
-                  <a:rPr lang="zh-CN" altLang="en-US" dirty="0"/>
-                  <a:t>是否成立</a:t>
-                </a:r>
-                <a:endParaRPr lang="en-US" altLang="zh-CN" dirty="0"/>
+                  <a:t> </a:t>
+                </a:r>
+                <a14:m>
+                  <m:oMath xmlns:m="http://schemas.openxmlformats.org/officeDocument/2006/math">
+                    <m:sSub>
+                      <m:sSubPr>
+                        <m:ctrlPr>
+                          <a:rPr lang="en-US" altLang="zh-CN" i="1" smtClean="0">
+                            <a:latin typeface="Cambria Math" panose="02040503050406030204" pitchFamily="18" charset="0"/>
+                          </a:rPr>
+                        </m:ctrlPr>
+                      </m:sSubPr>
+                      <m:e>
+                        <m:r>
+                          <a:rPr lang="en-US" altLang="zh-CN" b="0" i="1" smtClean="0">
+                            <a:latin typeface="Cambria Math" panose="02040503050406030204" pitchFamily="18" charset="0"/>
+                          </a:rPr>
+                          <m:t>𝑊</m:t>
+                        </m:r>
+                      </m:e>
+                      <m:sub>
+                        <m:r>
+                          <a:rPr lang="en-US" altLang="zh-CN" b="0" i="1" smtClean="0">
+                            <a:latin typeface="Cambria Math" panose="02040503050406030204" pitchFamily="18" charset="0"/>
+                          </a:rPr>
+                          <m:t>𝑂𝐿𝐷</m:t>
+                        </m:r>
+                      </m:sub>
+                    </m:sSub>
+                    <m:r>
+                      <a:rPr lang="en-US" altLang="zh-CN" b="0" i="1" smtClean="0">
+                        <a:latin typeface="Cambria Math" panose="02040503050406030204" pitchFamily="18" charset="0"/>
+                      </a:rPr>
+                      <m:t>(1+</m:t>
+                    </m:r>
+                    <m:r>
+                      <a:rPr lang="en-US" altLang="zh-CN" b="0" i="1" smtClean="0">
+                        <a:latin typeface="Cambria Math" panose="02040503050406030204" pitchFamily="18" charset="0"/>
+                        <a:ea typeface="Cambria Math" panose="02040503050406030204" pitchFamily="18" charset="0"/>
+                      </a:rPr>
+                      <m:t>∆</m:t>
+                    </m:r>
+                    <m:r>
+                      <a:rPr lang="en-US" altLang="zh-CN" b="0" i="1" smtClean="0">
+                        <a:latin typeface="Cambria Math" panose="02040503050406030204" pitchFamily="18" charset="0"/>
+                        <a:ea typeface="Cambria Math" panose="02040503050406030204" pitchFamily="18" charset="0"/>
+                      </a:rPr>
+                      <m:t>𝑊</m:t>
+                    </m:r>
+                    <m:r>
+                      <a:rPr lang="en-US" altLang="zh-CN" b="0" i="1" smtClean="0">
+                        <a:latin typeface="Cambria Math" panose="02040503050406030204" pitchFamily="18" charset="0"/>
+                        <a:ea typeface="Cambria Math" panose="02040503050406030204" pitchFamily="18" charset="0"/>
+                      </a:rPr>
+                      <m:t>)</m:t>
+                    </m:r>
+                  </m:oMath>
+                </a14:m>
+                <a:endParaRPr lang="en-US" altLang="zh-CN" b="0" dirty="0">
+                  <a:ea typeface="Cambria Math" panose="02040503050406030204" pitchFamily="18" charset="0"/>
+                </a:endParaRPr>
               </a:p>
             </p:txBody>
           </p:sp>
@@ -10886,10 +14985,10 @@
         <mc:Fallback xmlns="">
           <p:sp>
             <p:nvSpPr>
-              <p:cNvPr id="4" name="文本框 3">
+              <p:cNvPr id="8" name="文本框 7">
                 <a:extLst>
                   <a:ext uri="{FF2B5EF4-FFF2-40B4-BE49-F238E27FC236}">
-                    <a16:creationId xmlns:a16="http://schemas.microsoft.com/office/drawing/2014/main" id="{4C1AAC21-604A-4ADD-94D6-7A600B6EA302}"/>
+                    <a16:creationId xmlns:a16="http://schemas.microsoft.com/office/drawing/2014/main" id="{37C82EC6-1E92-43F7-B091-E896EA4EA7BB}"/>
                   </a:ext>
                 </a:extLst>
               </p:cNvPr>
@@ -10900,16 +14999,16 @@
             </p:nvSpPr>
             <p:spPr>
               <a:xfrm>
-                <a:off x="738786" y="2111669"/>
-                <a:ext cx="8247768" cy="2727350"/>
+                <a:off x="6939751" y="4184440"/>
+                <a:ext cx="3288207" cy="646331"/>
               </a:xfrm>
               <a:prstGeom prst="rect">
                 <a:avLst/>
               </a:prstGeom>
               <a:blipFill>
-                <a:blip r:embed="rId2"/>
+                <a:blip r:embed="rId5"/>
                 <a:stretch>
-                  <a:fillRect l="-591" t="-1116" b="-18080"/>
+                  <a:fillRect l="-1481" t="-4717" b="-14151"/>
                 </a:stretch>
               </a:blipFill>
             </p:spPr>
@@ -10931,7 +15030,7 @@
     </p:spTree>
     <p:extLst>
       <p:ext uri="{BB962C8B-B14F-4D97-AF65-F5344CB8AC3E}">
-        <p14:creationId xmlns:p14="http://schemas.microsoft.com/office/powerpoint/2010/main" val="2214273558"/>
+        <p14:creationId xmlns:p14="http://schemas.microsoft.com/office/powerpoint/2010/main" val="379328115"/>
       </p:ext>
     </p:extLst>
   </p:cSld>

--- a/paper/毕设思路 [自动保存的] [自动保存的].pptx
+++ b/paper/毕设思路 [自动保存的] [自动保存的].pptx
@@ -20,13 +20,20 @@
     <p:sldId id="267" r:id="rId14"/>
     <p:sldId id="268" r:id="rId15"/>
     <p:sldId id="269" r:id="rId16"/>
-    <p:sldId id="270" r:id="rId17"/>
-    <p:sldId id="272" r:id="rId18"/>
-    <p:sldId id="273" r:id="rId19"/>
-    <p:sldId id="274" r:id="rId20"/>
-    <p:sldId id="275" r:id="rId21"/>
-    <p:sldId id="276" r:id="rId22"/>
-    <p:sldId id="277" r:id="rId23"/>
+    <p:sldId id="281" r:id="rId17"/>
+    <p:sldId id="282" r:id="rId18"/>
+    <p:sldId id="270" r:id="rId19"/>
+    <p:sldId id="272" r:id="rId20"/>
+    <p:sldId id="273" r:id="rId21"/>
+    <p:sldId id="274" r:id="rId22"/>
+    <p:sldId id="275" r:id="rId23"/>
+    <p:sldId id="276" r:id="rId24"/>
+    <p:sldId id="279" r:id="rId25"/>
+    <p:sldId id="277" r:id="rId26"/>
+    <p:sldId id="280" r:id="rId27"/>
+    <p:sldId id="283" r:id="rId28"/>
+    <p:sldId id="284" r:id="rId29"/>
+    <p:sldId id="285" r:id="rId30"/>
   </p:sldIdLst>
   <p:sldSz cx="12192000" cy="6858000"/>
   <p:notesSz cx="6858000" cy="9144000"/>
@@ -280,7 +287,7 @@
           <a:p>
             <a:fld id="{AD8B3968-3313-4141-86A3-A13F50CDB1A3}" type="datetimeFigureOut">
               <a:rPr lang="zh-CN" altLang="en-US" smtClean="0"/>
-              <a:t>2023/1/4</a:t>
+              <a:t>2023/3/15</a:t>
             </a:fld>
             <a:endParaRPr lang="zh-CN" altLang="en-US"/>
           </a:p>
@@ -478,7 +485,7 @@
           <a:p>
             <a:fld id="{AD8B3968-3313-4141-86A3-A13F50CDB1A3}" type="datetimeFigureOut">
               <a:rPr lang="zh-CN" altLang="en-US" smtClean="0"/>
-              <a:t>2023/1/4</a:t>
+              <a:t>2023/3/15</a:t>
             </a:fld>
             <a:endParaRPr lang="zh-CN" altLang="en-US"/>
           </a:p>
@@ -686,7 +693,7 @@
           <a:p>
             <a:fld id="{AD8B3968-3313-4141-86A3-A13F50CDB1A3}" type="datetimeFigureOut">
               <a:rPr lang="zh-CN" altLang="en-US" smtClean="0"/>
-              <a:t>2023/1/4</a:t>
+              <a:t>2023/3/15</a:t>
             </a:fld>
             <a:endParaRPr lang="zh-CN" altLang="en-US"/>
           </a:p>
@@ -884,7 +891,7 @@
           <a:p>
             <a:fld id="{AD8B3968-3313-4141-86A3-A13F50CDB1A3}" type="datetimeFigureOut">
               <a:rPr lang="zh-CN" altLang="en-US" smtClean="0"/>
-              <a:t>2023/1/4</a:t>
+              <a:t>2023/3/15</a:t>
             </a:fld>
             <a:endParaRPr lang="zh-CN" altLang="en-US"/>
           </a:p>
@@ -1159,7 +1166,7 @@
           <a:p>
             <a:fld id="{AD8B3968-3313-4141-86A3-A13F50CDB1A3}" type="datetimeFigureOut">
               <a:rPr lang="zh-CN" altLang="en-US" smtClean="0"/>
-              <a:t>2023/1/4</a:t>
+              <a:t>2023/3/15</a:t>
             </a:fld>
             <a:endParaRPr lang="zh-CN" altLang="en-US"/>
           </a:p>
@@ -1424,7 +1431,7 @@
           <a:p>
             <a:fld id="{AD8B3968-3313-4141-86A3-A13F50CDB1A3}" type="datetimeFigureOut">
               <a:rPr lang="zh-CN" altLang="en-US" smtClean="0"/>
-              <a:t>2023/1/4</a:t>
+              <a:t>2023/3/15</a:t>
             </a:fld>
             <a:endParaRPr lang="zh-CN" altLang="en-US"/>
           </a:p>
@@ -1836,7 +1843,7 @@
           <a:p>
             <a:fld id="{AD8B3968-3313-4141-86A3-A13F50CDB1A3}" type="datetimeFigureOut">
               <a:rPr lang="zh-CN" altLang="en-US" smtClean="0"/>
-              <a:t>2023/1/4</a:t>
+              <a:t>2023/3/15</a:t>
             </a:fld>
             <a:endParaRPr lang="zh-CN" altLang="en-US"/>
           </a:p>
@@ -1977,7 +1984,7 @@
           <a:p>
             <a:fld id="{AD8B3968-3313-4141-86A3-A13F50CDB1A3}" type="datetimeFigureOut">
               <a:rPr lang="zh-CN" altLang="en-US" smtClean="0"/>
-              <a:t>2023/1/4</a:t>
+              <a:t>2023/3/15</a:t>
             </a:fld>
             <a:endParaRPr lang="zh-CN" altLang="en-US"/>
           </a:p>
@@ -2090,7 +2097,7 @@
           <a:p>
             <a:fld id="{AD8B3968-3313-4141-86A3-A13F50CDB1A3}" type="datetimeFigureOut">
               <a:rPr lang="zh-CN" altLang="en-US" smtClean="0"/>
-              <a:t>2023/1/4</a:t>
+              <a:t>2023/3/15</a:t>
             </a:fld>
             <a:endParaRPr lang="zh-CN" altLang="en-US"/>
           </a:p>
@@ -2401,7 +2408,7 @@
           <a:p>
             <a:fld id="{AD8B3968-3313-4141-86A3-A13F50CDB1A3}" type="datetimeFigureOut">
               <a:rPr lang="zh-CN" altLang="en-US" smtClean="0"/>
-              <a:t>2023/1/4</a:t>
+              <a:t>2023/3/15</a:t>
             </a:fld>
             <a:endParaRPr lang="zh-CN" altLang="en-US"/>
           </a:p>
@@ -2689,7 +2696,7 @@
           <a:p>
             <a:fld id="{AD8B3968-3313-4141-86A3-A13F50CDB1A3}" type="datetimeFigureOut">
               <a:rPr lang="zh-CN" altLang="en-US" smtClean="0"/>
-              <a:t>2023/1/4</a:t>
+              <a:t>2023/3/15</a:t>
             </a:fld>
             <a:endParaRPr lang="zh-CN" altLang="en-US"/>
           </a:p>
@@ -2930,7 +2937,7 @@
           <a:p>
             <a:fld id="{AD8B3968-3313-4141-86A3-A13F50CDB1A3}" type="datetimeFigureOut">
               <a:rPr lang="zh-CN" altLang="en-US" smtClean="0"/>
-              <a:t>2023/1/4</a:t>
+              <a:t>2023/3/15</a:t>
             </a:fld>
             <a:endParaRPr lang="zh-CN" altLang="en-US"/>
           </a:p>
@@ -7012,6 +7019,265 @@
           <p:cNvPr id="2" name="文本框 1">
             <a:extLst>
               <a:ext uri="{FF2B5EF4-FFF2-40B4-BE49-F238E27FC236}">
+                <a16:creationId xmlns:a16="http://schemas.microsoft.com/office/drawing/2014/main" id="{7FDB244A-360C-4656-BAB7-23B7758DF124}"/>
+              </a:ext>
+            </a:extLst>
+          </p:cNvPr>
+          <p:cNvSpPr txBox="1"/>
+          <p:nvPr/>
+        </p:nvSpPr>
+        <p:spPr>
+          <a:xfrm>
+            <a:off x="374955" y="532895"/>
+            <a:ext cx="2658421" cy="369332"/>
+          </a:xfrm>
+          <a:prstGeom prst="rect">
+            <a:avLst/>
+          </a:prstGeom>
+          <a:noFill/>
+        </p:spPr>
+        <p:txBody>
+          <a:bodyPr wrap="square" rtlCol="0">
+            <a:spAutoFit/>
+          </a:bodyPr>
+          <a:lstStyle/>
+          <a:p>
+            <a:r>
+              <a:rPr lang="en-US" altLang="zh-CN" dirty="0" err="1"/>
+              <a:t>Srn</a:t>
+            </a:r>
+            <a:r>
+              <a:rPr lang="zh-CN" altLang="en-US" dirty="0"/>
+              <a:t>测试</a:t>
+            </a:r>
+          </a:p>
+        </p:txBody>
+      </p:sp>
+      <p:pic>
+        <p:nvPicPr>
+          <p:cNvPr id="4" name="图片 3">
+            <a:extLst>
+              <a:ext uri="{FF2B5EF4-FFF2-40B4-BE49-F238E27FC236}">
+                <a16:creationId xmlns:a16="http://schemas.microsoft.com/office/drawing/2014/main" id="{DB73B142-9392-4799-A394-3EE9943CD143}"/>
+              </a:ext>
+            </a:extLst>
+          </p:cNvPr>
+          <p:cNvPicPr>
+            <a:picLocks noChangeAspect="1"/>
+          </p:cNvPicPr>
+          <p:nvPr/>
+        </p:nvPicPr>
+        <p:blipFill>
+          <a:blip r:embed="rId2"/>
+          <a:stretch>
+            <a:fillRect/>
+          </a:stretch>
+        </p:blipFill>
+        <p:spPr>
+          <a:xfrm>
+            <a:off x="616201" y="1264662"/>
+            <a:ext cx="5360705" cy="4559104"/>
+          </a:xfrm>
+          <a:prstGeom prst="rect">
+            <a:avLst/>
+          </a:prstGeom>
+        </p:spPr>
+      </p:pic>
+      <p:sp>
+        <p:nvSpPr>
+          <p:cNvPr id="5" name="文本框 4">
+            <a:extLst>
+              <a:ext uri="{FF2B5EF4-FFF2-40B4-BE49-F238E27FC236}">
+                <a16:creationId xmlns:a16="http://schemas.microsoft.com/office/drawing/2014/main" id="{8D76B140-C17E-4FC9-9799-76496B609361}"/>
+              </a:ext>
+            </a:extLst>
+          </p:cNvPr>
+          <p:cNvSpPr txBox="1"/>
+          <p:nvPr/>
+        </p:nvSpPr>
+        <p:spPr>
+          <a:xfrm>
+            <a:off x="6340244" y="1083958"/>
+            <a:ext cx="2955147" cy="923330"/>
+          </a:xfrm>
+          <a:prstGeom prst="rect">
+            <a:avLst/>
+          </a:prstGeom>
+          <a:noFill/>
+        </p:spPr>
+        <p:txBody>
+          <a:bodyPr wrap="square" rtlCol="0">
+            <a:spAutoFit/>
+          </a:bodyPr>
+          <a:lstStyle/>
+          <a:p>
+            <a:r>
+              <a:rPr lang="en-US" altLang="zh-CN" dirty="0"/>
+              <a:t>1.dRTT+rate -&gt;&gt;&gt; </a:t>
+            </a:r>
+            <a:r>
+              <a:rPr lang="en-US" altLang="zh-CN" dirty="0" err="1"/>
+              <a:t>drate</a:t>
+            </a:r>
+            <a:endParaRPr lang="en-US" altLang="zh-CN" dirty="0"/>
+          </a:p>
+          <a:p>
+            <a:r>
+              <a:rPr lang="en-US" altLang="zh-CN" dirty="0"/>
+              <a:t>2.RTT+rate-&gt;&gt;&gt;&gt;&gt;&gt;rate</a:t>
+            </a:r>
+          </a:p>
+          <a:p>
+            <a:r>
+              <a:rPr lang="en-US" altLang="zh-CN" dirty="0"/>
+              <a:t>3.Drtt+rate-&gt;</a:t>
+            </a:r>
+            <a:r>
+              <a:rPr lang="en-US" altLang="zh-CN" dirty="0" err="1"/>
+              <a:t>drate</a:t>
+            </a:r>
+            <a:endParaRPr lang="zh-CN" altLang="en-US" dirty="0"/>
+          </a:p>
+        </p:txBody>
+      </p:sp>
+    </p:spTree>
+    <p:extLst>
+      <p:ext uri="{BB962C8B-B14F-4D97-AF65-F5344CB8AC3E}">
+        <p14:creationId xmlns:p14="http://schemas.microsoft.com/office/powerpoint/2010/main" val="2584398985"/>
+      </p:ext>
+    </p:extLst>
+  </p:cSld>
+  <p:clrMapOvr>
+    <a:masterClrMapping/>
+  </p:clrMapOvr>
+</p:sld>
+</file>
+
+<file path=ppt/slides/slide17.xml><?xml version="1.0" encoding="utf-8"?>
+<p:sld xmlns:a="http://schemas.openxmlformats.org/drawingml/2006/main" xmlns:r="http://schemas.openxmlformats.org/officeDocument/2006/relationships" xmlns:p="http://schemas.openxmlformats.org/presentationml/2006/main">
+  <p:cSld>
+    <p:spTree>
+      <p:nvGrpSpPr>
+        <p:cNvPr id="1" name=""/>
+        <p:cNvGrpSpPr/>
+        <p:nvPr/>
+      </p:nvGrpSpPr>
+      <p:grpSpPr>
+        <a:xfrm>
+          <a:off x="0" y="0"/>
+          <a:ext cx="0" cy="0"/>
+          <a:chOff x="0" y="0"/>
+          <a:chExt cx="0" cy="0"/>
+        </a:xfrm>
+      </p:grpSpPr>
+      <p:sp>
+        <p:nvSpPr>
+          <p:cNvPr id="2" name="文本框 1">
+            <a:extLst>
+              <a:ext uri="{FF2B5EF4-FFF2-40B4-BE49-F238E27FC236}">
+                <a16:creationId xmlns:a16="http://schemas.microsoft.com/office/drawing/2014/main" id="{EE2893C0-A492-4A0A-8375-F1BB40E4C35A}"/>
+              </a:ext>
+            </a:extLst>
+          </p:cNvPr>
+          <p:cNvSpPr txBox="1"/>
+          <p:nvPr/>
+        </p:nvSpPr>
+        <p:spPr>
+          <a:xfrm>
+            <a:off x="510072" y="311020"/>
+            <a:ext cx="6774025" cy="923330"/>
+          </a:xfrm>
+          <a:prstGeom prst="rect">
+            <a:avLst/>
+          </a:prstGeom>
+          <a:noFill/>
+        </p:spPr>
+        <p:txBody>
+          <a:bodyPr wrap="square" rtlCol="0">
+            <a:spAutoFit/>
+          </a:bodyPr>
+          <a:lstStyle/>
+          <a:p>
+            <a:r>
+              <a:rPr lang="zh-CN" altLang="en-US" dirty="0"/>
+              <a:t>解决神经网络输入输出映射</a:t>
+            </a:r>
+            <a:r>
+              <a:rPr lang="en-US" altLang="zh-CN" dirty="0"/>
+              <a:t>:</a:t>
+            </a:r>
+            <a:r>
+              <a:rPr lang="zh-CN" altLang="en-US" dirty="0"/>
+              <a:t>参考</a:t>
+            </a:r>
+            <a:r>
+              <a:rPr lang="en-US" altLang="zh-CN" dirty="0" err="1"/>
+              <a:t>timely_cc</a:t>
+            </a:r>
+            <a:endParaRPr lang="en-US" altLang="zh-CN" dirty="0"/>
+          </a:p>
+          <a:p>
+            <a:endParaRPr lang="en-US" altLang="zh-CN" dirty="0"/>
+          </a:p>
+          <a:p>
+            <a:r>
+              <a:rPr lang="en-US" altLang="zh-CN" dirty="0" err="1"/>
+              <a:t>drtt</a:t>
+            </a:r>
+            <a:r>
+              <a:rPr lang="en-US" altLang="zh-CN" dirty="0"/>
+              <a:t>-&gt;</a:t>
+            </a:r>
+            <a:r>
+              <a:rPr lang="en-US" altLang="zh-CN" dirty="0" err="1"/>
+              <a:t>drate</a:t>
+            </a:r>
+            <a:r>
+              <a:rPr lang="en-US" altLang="zh-CN" dirty="0"/>
+              <a:t>,</a:t>
+            </a:r>
+            <a:r>
+              <a:rPr lang="zh-CN" altLang="en-US" dirty="0"/>
+              <a:t>使用阶梯策略控制</a:t>
+            </a:r>
+          </a:p>
+        </p:txBody>
+      </p:sp>
+    </p:spTree>
+    <p:extLst>
+      <p:ext uri="{BB962C8B-B14F-4D97-AF65-F5344CB8AC3E}">
+        <p14:creationId xmlns:p14="http://schemas.microsoft.com/office/powerpoint/2010/main" val="2386164547"/>
+      </p:ext>
+    </p:extLst>
+  </p:cSld>
+  <p:clrMapOvr>
+    <a:masterClrMapping/>
+  </p:clrMapOvr>
+</p:sld>
+</file>
+
+<file path=ppt/slides/slide18.xml><?xml version="1.0" encoding="utf-8"?>
+<p:sld xmlns:a="http://schemas.openxmlformats.org/drawingml/2006/main" xmlns:r="http://schemas.openxmlformats.org/officeDocument/2006/relationships" xmlns:p="http://schemas.openxmlformats.org/presentationml/2006/main">
+  <p:cSld>
+    <p:spTree>
+      <p:nvGrpSpPr>
+        <p:cNvPr id="1" name=""/>
+        <p:cNvGrpSpPr/>
+        <p:nvPr/>
+      </p:nvGrpSpPr>
+      <p:grpSpPr>
+        <a:xfrm>
+          <a:off x="0" y="0"/>
+          <a:ext cx="0" cy="0"/>
+          <a:chOff x="0" y="0"/>
+          <a:chExt cx="0" cy="0"/>
+        </a:xfrm>
+      </p:grpSpPr>
+      <p:sp>
+        <p:nvSpPr>
+          <p:cNvPr id="2" name="文本框 1">
+            <a:extLst>
+              <a:ext uri="{FF2B5EF4-FFF2-40B4-BE49-F238E27FC236}">
                 <a16:creationId xmlns:a16="http://schemas.microsoft.com/office/drawing/2014/main" id="{BAB43917-1776-4901-B4B2-90885CB8671C}"/>
               </a:ext>
             </a:extLst>
@@ -8039,504 +8305,6 @@
 </p:sld>
 </file>
 
-<file path=ppt/slides/slide17.xml><?xml version="1.0" encoding="utf-8"?>
-<p:sld xmlns:a="http://schemas.openxmlformats.org/drawingml/2006/main" xmlns:r="http://schemas.openxmlformats.org/officeDocument/2006/relationships" xmlns:p="http://schemas.openxmlformats.org/presentationml/2006/main">
-  <p:cSld>
-    <p:spTree>
-      <p:nvGrpSpPr>
-        <p:cNvPr id="1" name=""/>
-        <p:cNvGrpSpPr/>
-        <p:nvPr/>
-      </p:nvGrpSpPr>
-      <p:grpSpPr>
-        <a:xfrm>
-          <a:off x="0" y="0"/>
-          <a:ext cx="0" cy="0"/>
-          <a:chOff x="0" y="0"/>
-          <a:chExt cx="0" cy="0"/>
-        </a:xfrm>
-      </p:grpSpPr>
-      <p:sp>
-        <p:nvSpPr>
-          <p:cNvPr id="2" name="文本框 1">
-            <a:extLst>
-              <a:ext uri="{FF2B5EF4-FFF2-40B4-BE49-F238E27FC236}">
-                <a16:creationId xmlns:a16="http://schemas.microsoft.com/office/drawing/2014/main" id="{6CFB12EE-E543-4CF7-ABEE-772981BECFCF}"/>
-              </a:ext>
-            </a:extLst>
-          </p:cNvPr>
-          <p:cNvSpPr txBox="1"/>
-          <p:nvPr/>
-        </p:nvSpPr>
-        <p:spPr>
-          <a:xfrm>
-            <a:off x="375449" y="466283"/>
-            <a:ext cx="5425844" cy="923330"/>
-          </a:xfrm>
-          <a:prstGeom prst="rect">
-            <a:avLst/>
-          </a:prstGeom>
-          <a:noFill/>
-        </p:spPr>
-        <p:txBody>
-          <a:bodyPr wrap="square" rtlCol="0">
-            <a:spAutoFit/>
-          </a:bodyPr>
-          <a:lstStyle/>
-          <a:p>
-            <a:r>
-              <a:rPr lang="zh-CN" altLang="en-US" dirty="0"/>
-              <a:t>仿真平台搭建思路：寻找网上已经实现好的进行修改和使用</a:t>
-            </a:r>
-            <a:endParaRPr lang="en-US" altLang="zh-CN" dirty="0"/>
-          </a:p>
-          <a:p>
-            <a:endParaRPr lang="zh-CN" altLang="en-US" dirty="0"/>
-          </a:p>
-        </p:txBody>
-      </p:sp>
-      <p:sp>
-        <p:nvSpPr>
-          <p:cNvPr id="3" name="文本框 2">
-            <a:extLst>
-              <a:ext uri="{FF2B5EF4-FFF2-40B4-BE49-F238E27FC236}">
-                <a16:creationId xmlns:a16="http://schemas.microsoft.com/office/drawing/2014/main" id="{75C64943-30BC-4475-ADED-D3E733C79009}"/>
-              </a:ext>
-            </a:extLst>
-          </p:cNvPr>
-          <p:cNvSpPr txBox="1"/>
-          <p:nvPr/>
-        </p:nvSpPr>
-        <p:spPr>
-          <a:xfrm>
-            <a:off x="532895" y="1574464"/>
-            <a:ext cx="4523555" cy="923330"/>
-          </a:xfrm>
-          <a:prstGeom prst="rect">
-            <a:avLst/>
-          </a:prstGeom>
-          <a:noFill/>
-        </p:spPr>
-        <p:txBody>
-          <a:bodyPr wrap="square" rtlCol="0">
-            <a:spAutoFit/>
-          </a:bodyPr>
-          <a:lstStyle/>
-          <a:p>
-            <a:r>
-              <a:rPr lang="en-US" altLang="zh-CN" dirty="0" err="1">
-                <a:hlinkClick r:id="rId2"/>
-              </a:rPr>
-              <a:t>ndal</a:t>
-            </a:r>
-            <a:r>
-              <a:rPr lang="en-US" altLang="zh-CN" dirty="0">
-                <a:hlinkClick r:id="rId2"/>
-              </a:rPr>
-              <a:t>-eth/</a:t>
-            </a:r>
-            <a:r>
-              <a:rPr lang="en-US" altLang="zh-CN" dirty="0" err="1">
-                <a:hlinkClick r:id="rId2"/>
-              </a:rPr>
-              <a:t>netbench</a:t>
-            </a:r>
-            <a:r>
-              <a:rPr lang="en-US" altLang="zh-CN" dirty="0">
-                <a:hlinkClick r:id="rId2"/>
-              </a:rPr>
-              <a:t>: Packet simulator for data center network topologies, routing, and congestion control (github.com)</a:t>
-            </a:r>
-            <a:endParaRPr lang="zh-CN" altLang="en-US" dirty="0"/>
-          </a:p>
-        </p:txBody>
-      </p:sp>
-      <p:sp>
-        <p:nvSpPr>
-          <p:cNvPr id="5" name="文本框 4">
-            <a:extLst>
-              <a:ext uri="{FF2B5EF4-FFF2-40B4-BE49-F238E27FC236}">
-                <a16:creationId xmlns:a16="http://schemas.microsoft.com/office/drawing/2014/main" id="{B0DACFF4-F543-4D9D-9596-5D9EE1334B14}"/>
-              </a:ext>
-            </a:extLst>
-          </p:cNvPr>
-          <p:cNvSpPr txBox="1"/>
-          <p:nvPr/>
-        </p:nvSpPr>
-        <p:spPr>
-          <a:xfrm>
-            <a:off x="576798" y="2906763"/>
-            <a:ext cx="6094990" cy="646331"/>
-          </a:xfrm>
-          <a:prstGeom prst="rect">
-            <a:avLst/>
-          </a:prstGeom>
-          <a:noFill/>
-        </p:spPr>
-        <p:txBody>
-          <a:bodyPr wrap="square">
-            <a:spAutoFit/>
-          </a:bodyPr>
-          <a:lstStyle/>
-          <a:p>
-            <a:r>
-              <a:rPr lang="en-US" altLang="zh-CN" dirty="0" err="1">
-                <a:hlinkClick r:id="rId3"/>
-              </a:rPr>
-              <a:t>Snowzjx</a:t>
-            </a:r>
-            <a:r>
-              <a:rPr lang="en-US" altLang="zh-CN" dirty="0">
-                <a:hlinkClick r:id="rId3"/>
-              </a:rPr>
-              <a:t>/NS3-ECN-sharp (github.com)</a:t>
-            </a:r>
-            <a:r>
-              <a:rPr lang="zh-CN" altLang="en-US" dirty="0"/>
-              <a:t>使用</a:t>
-            </a:r>
-            <a:r>
-              <a:rPr lang="en-US" altLang="zh-CN" dirty="0"/>
-              <a:t>ns3</a:t>
-            </a:r>
-            <a:r>
-              <a:rPr lang="zh-CN" altLang="en-US" dirty="0"/>
-              <a:t>仿真数据中心无损网络，实现了</a:t>
-            </a:r>
-            <a:r>
-              <a:rPr lang="en-US" altLang="zh-CN" dirty="0"/>
-              <a:t>ECN/RED</a:t>
-            </a:r>
-            <a:r>
-              <a:rPr lang="zh-CN" altLang="en-US" dirty="0"/>
-              <a:t>等协议</a:t>
-            </a:r>
-          </a:p>
-        </p:txBody>
-      </p:sp>
-      <p:sp>
-        <p:nvSpPr>
-          <p:cNvPr id="4" name="文本框 3">
-            <a:extLst>
-              <a:ext uri="{FF2B5EF4-FFF2-40B4-BE49-F238E27FC236}">
-                <a16:creationId xmlns:a16="http://schemas.microsoft.com/office/drawing/2014/main" id="{45146531-6C31-4275-A7E3-A026280E8D71}"/>
-              </a:ext>
-            </a:extLst>
-          </p:cNvPr>
-          <p:cNvSpPr txBox="1"/>
-          <p:nvPr/>
-        </p:nvSpPr>
-        <p:spPr>
-          <a:xfrm>
-            <a:off x="532895" y="4014944"/>
-            <a:ext cx="7563481" cy="923330"/>
-          </a:xfrm>
-          <a:prstGeom prst="rect">
-            <a:avLst/>
-          </a:prstGeom>
-          <a:noFill/>
-        </p:spPr>
-        <p:txBody>
-          <a:bodyPr wrap="square" rtlCol="0">
-            <a:spAutoFit/>
-          </a:bodyPr>
-          <a:lstStyle/>
-          <a:p>
-            <a:r>
-              <a:rPr lang="en-US" altLang="zh-CN" dirty="0">
-                <a:hlinkClick r:id="rId4"/>
-              </a:rPr>
-              <a:t>【NS3】</a:t>
-            </a:r>
-            <a:r>
-              <a:rPr lang="zh-CN" altLang="en-US" dirty="0">
-                <a:hlinkClick r:id="rId4"/>
-              </a:rPr>
-              <a:t>图文详解报文接收过程 </a:t>
-            </a:r>
-            <a:r>
-              <a:rPr lang="en-US" altLang="zh-CN" dirty="0">
-                <a:hlinkClick r:id="rId4"/>
-              </a:rPr>
-              <a:t>– NGDCN</a:t>
-            </a:r>
-            <a:endParaRPr lang="en-US" altLang="zh-CN" dirty="0"/>
-          </a:p>
-          <a:p>
-            <a:r>
-              <a:rPr lang="en-US" altLang="zh-CN" b="0" i="1" u="none" strike="noStrike" dirty="0">
-                <a:solidFill>
-                  <a:srgbClr val="4183C4"/>
-                </a:solidFill>
-                <a:effectLst/>
-                <a:latin typeface="Microsoft YaHei" panose="020B0503020204020204" pitchFamily="34" charset="-122"/>
-                <a:ea typeface="Microsoft YaHei" panose="020B0503020204020204" pitchFamily="34" charset="-122"/>
-                <a:hlinkClick r:id="rId5"/>
-              </a:rPr>
-              <a:t>https://github.com/alibaba-edu/High-Precision-Congestion-Control</a:t>
-            </a:r>
-            <a:r>
-              <a:rPr lang="en-US" altLang="zh-CN" b="0" i="1" dirty="0">
-                <a:solidFill>
-                  <a:srgbClr val="666666"/>
-                </a:solidFill>
-                <a:effectLst/>
-                <a:latin typeface="Microsoft YaHei" panose="020B0503020204020204" pitchFamily="34" charset="-122"/>
-                <a:ea typeface="Microsoft YaHei" panose="020B0503020204020204" pitchFamily="34" charset="-122"/>
-              </a:rPr>
-              <a:t> </a:t>
-            </a:r>
-            <a:endParaRPr lang="zh-CN" altLang="en-US" dirty="0"/>
-          </a:p>
-        </p:txBody>
-      </p:sp>
-    </p:spTree>
-    <p:extLst>
-      <p:ext uri="{BB962C8B-B14F-4D97-AF65-F5344CB8AC3E}">
-        <p14:creationId xmlns:p14="http://schemas.microsoft.com/office/powerpoint/2010/main" val="427590751"/>
-      </p:ext>
-    </p:extLst>
-  </p:cSld>
-  <p:clrMapOvr>
-    <a:masterClrMapping/>
-  </p:clrMapOvr>
-</p:sld>
-</file>
-
-<file path=ppt/slides/slide18.xml><?xml version="1.0" encoding="utf-8"?>
-<p:sld xmlns:a="http://schemas.openxmlformats.org/drawingml/2006/main" xmlns:r="http://schemas.openxmlformats.org/officeDocument/2006/relationships" xmlns:p="http://schemas.openxmlformats.org/presentationml/2006/main">
-  <p:cSld>
-    <p:spTree>
-      <p:nvGrpSpPr>
-        <p:cNvPr id="1" name=""/>
-        <p:cNvGrpSpPr/>
-        <p:nvPr/>
-      </p:nvGrpSpPr>
-      <p:grpSpPr>
-        <a:xfrm>
-          <a:off x="0" y="0"/>
-          <a:ext cx="0" cy="0"/>
-          <a:chOff x="0" y="0"/>
-          <a:chExt cx="0" cy="0"/>
-        </a:xfrm>
-      </p:grpSpPr>
-      <p:pic>
-        <p:nvPicPr>
-          <p:cNvPr id="3" name="图片 2">
-            <a:extLst>
-              <a:ext uri="{FF2B5EF4-FFF2-40B4-BE49-F238E27FC236}">
-                <a16:creationId xmlns:a16="http://schemas.microsoft.com/office/drawing/2014/main" id="{3581630B-1847-4B2A-B302-42C9C6DB95C1}"/>
-              </a:ext>
-            </a:extLst>
-          </p:cNvPr>
-          <p:cNvPicPr>
-            <a:picLocks noChangeAspect="1"/>
-          </p:cNvPicPr>
-          <p:nvPr/>
-        </p:nvPicPr>
-        <p:blipFill>
-          <a:blip r:embed="rId2"/>
-          <a:stretch>
-            <a:fillRect/>
-          </a:stretch>
-        </p:blipFill>
-        <p:spPr>
-          <a:xfrm>
-            <a:off x="439131" y="413876"/>
-            <a:ext cx="6224404" cy="2002319"/>
-          </a:xfrm>
-          <a:prstGeom prst="rect">
-            <a:avLst/>
-          </a:prstGeom>
-        </p:spPr>
-      </p:pic>
-      <p:sp>
-        <p:nvSpPr>
-          <p:cNvPr id="2" name="文本框 1">
-            <a:extLst>
-              <a:ext uri="{FF2B5EF4-FFF2-40B4-BE49-F238E27FC236}">
-                <a16:creationId xmlns:a16="http://schemas.microsoft.com/office/drawing/2014/main" id="{718F870C-CE26-433F-B20C-17002723DA36}"/>
-              </a:ext>
-            </a:extLst>
-          </p:cNvPr>
-          <p:cNvSpPr txBox="1"/>
-          <p:nvPr/>
-        </p:nvSpPr>
-        <p:spPr>
-          <a:xfrm>
-            <a:off x="593452" y="2706866"/>
-            <a:ext cx="6649080" cy="1477328"/>
-          </a:xfrm>
-          <a:prstGeom prst="rect">
-            <a:avLst/>
-          </a:prstGeom>
-          <a:noFill/>
-        </p:spPr>
-        <p:txBody>
-          <a:bodyPr wrap="square" rtlCol="0">
-            <a:spAutoFit/>
-          </a:bodyPr>
-          <a:lstStyle/>
-          <a:p>
-            <a:r>
-              <a:rPr lang="en-US" altLang="zh-CN" dirty="0"/>
-              <a:t>Ns3</a:t>
-            </a:r>
-            <a:r>
-              <a:rPr lang="zh-CN" altLang="en-US" dirty="0"/>
-              <a:t>搭建教程：</a:t>
-            </a:r>
-            <a:r>
-              <a:rPr lang="zh-CN" altLang="en-US" dirty="0">
-                <a:hlinkClick r:id="rId3"/>
-              </a:rPr>
-              <a:t> </a:t>
-            </a:r>
-            <a:r>
-              <a:rPr lang="en-US" altLang="zh-CN" dirty="0">
-                <a:hlinkClick r:id="rId3"/>
-              </a:rPr>
-              <a:t>NS3</a:t>
-            </a:r>
-            <a:r>
-              <a:rPr lang="zh-CN" altLang="en-US" dirty="0">
-                <a:hlinkClick r:id="rId3"/>
-              </a:rPr>
-              <a:t>网络仿真器搭建</a:t>
-            </a:r>
-            <a:r>
-              <a:rPr lang="en-US" altLang="zh-CN" dirty="0">
-                <a:hlinkClick r:id="rId3"/>
-              </a:rPr>
-              <a:t>_</a:t>
-            </a:r>
-            <a:r>
-              <a:rPr lang="zh-CN" altLang="en-US" dirty="0">
-                <a:hlinkClick r:id="rId3"/>
-              </a:rPr>
-              <a:t>张小豆喵世界的博客</a:t>
-            </a:r>
-            <a:r>
-              <a:rPr lang="en-US" altLang="zh-CN" dirty="0">
-                <a:hlinkClick r:id="rId3"/>
-              </a:rPr>
-              <a:t>-CSDN</a:t>
-            </a:r>
-            <a:r>
-              <a:rPr lang="zh-CN" altLang="en-US" dirty="0">
-                <a:hlinkClick r:id="rId3"/>
-              </a:rPr>
-              <a:t>博客</a:t>
-            </a:r>
-            <a:r>
-              <a:rPr lang="en-US" altLang="zh-CN" dirty="0">
-                <a:hlinkClick r:id="rId3"/>
-              </a:rPr>
-              <a:t>_ns3</a:t>
-            </a:r>
-            <a:r>
-              <a:rPr lang="zh-CN" altLang="en-US" dirty="0">
-                <a:hlinkClick r:id="rId3"/>
-              </a:rPr>
-              <a:t>网络模拟器</a:t>
-            </a:r>
-            <a:endParaRPr lang="en-US" altLang="zh-CN" dirty="0"/>
-          </a:p>
-          <a:p>
-            <a:endParaRPr lang="en-US" altLang="zh-CN" dirty="0"/>
-          </a:p>
-          <a:p>
-            <a:r>
-              <a:rPr lang="en-US" altLang="zh-CN" dirty="0"/>
-              <a:t>NS3</a:t>
-            </a:r>
-            <a:r>
-              <a:rPr lang="zh-CN" altLang="en-US" dirty="0"/>
-              <a:t>书籍教程：</a:t>
-            </a:r>
-            <a:r>
-              <a:rPr lang="en-US" altLang="zh-CN" dirty="0">
-                <a:hlinkClick r:id="rId4"/>
-              </a:rPr>
-              <a:t>ns-3</a:t>
-            </a:r>
-            <a:r>
-              <a:rPr lang="zh-CN" altLang="en-US" dirty="0">
-                <a:hlinkClick r:id="rId4"/>
-              </a:rPr>
-              <a:t>网络模拟器基础及应用</a:t>
-            </a:r>
-            <a:r>
-              <a:rPr lang="en-US" altLang="zh-CN" dirty="0">
-                <a:hlinkClick r:id="rId4"/>
-              </a:rPr>
-              <a:t>【</a:t>
-            </a:r>
-            <a:r>
-              <a:rPr lang="zh-CN" altLang="en-US" dirty="0">
-                <a:hlinkClick r:id="rId4"/>
-              </a:rPr>
-              <a:t>全本</a:t>
-            </a:r>
-            <a:r>
-              <a:rPr lang="en-US" altLang="zh-CN" dirty="0">
-                <a:hlinkClick r:id="rId4"/>
-              </a:rPr>
-              <a:t>_</a:t>
-            </a:r>
-            <a:r>
-              <a:rPr lang="zh-CN" altLang="en-US" dirty="0">
-                <a:hlinkClick r:id="rId4"/>
-              </a:rPr>
-              <a:t>书评</a:t>
-            </a:r>
-            <a:r>
-              <a:rPr lang="en-US" altLang="zh-CN" dirty="0">
-                <a:hlinkClick r:id="rId4"/>
-              </a:rPr>
-              <a:t>_</a:t>
-            </a:r>
-            <a:r>
-              <a:rPr lang="zh-CN" altLang="en-US" dirty="0">
-                <a:hlinkClick r:id="rId4"/>
-              </a:rPr>
-              <a:t>在线阅读</a:t>
-            </a:r>
-            <a:r>
-              <a:rPr lang="en-US" altLang="zh-CN" dirty="0">
-                <a:hlinkClick r:id="rId4"/>
-              </a:rPr>
-              <a:t>】-</a:t>
-            </a:r>
-            <a:r>
-              <a:rPr lang="zh-CN" altLang="en-US" dirty="0">
-                <a:hlinkClick r:id="rId4"/>
-              </a:rPr>
-              <a:t>当当云阅读 </a:t>
-            </a:r>
-            <a:r>
-              <a:rPr lang="en-US" altLang="zh-CN" dirty="0">
-                <a:hlinkClick r:id="rId4"/>
-              </a:rPr>
-              <a:t>(dangdang.com)</a:t>
-            </a:r>
-            <a:endParaRPr lang="en-US" altLang="zh-CN" dirty="0"/>
-          </a:p>
-        </p:txBody>
-      </p:sp>
-    </p:spTree>
-    <p:extLst>
-      <p:ext uri="{BB962C8B-B14F-4D97-AF65-F5344CB8AC3E}">
-        <p14:creationId xmlns:p14="http://schemas.microsoft.com/office/powerpoint/2010/main" val="4230517792"/>
-      </p:ext>
-    </p:extLst>
-  </p:cSld>
-  <p:clrMapOvr>
-    <a:masterClrMapping/>
-  </p:clrMapOvr>
-</p:sld>
-</file>
-
 <file path=ppt/slides/slide19.xml><?xml version="1.0" encoding="utf-8"?>
 <p:sld xmlns:a="http://schemas.openxmlformats.org/drawingml/2006/main" xmlns:r="http://schemas.openxmlformats.org/officeDocument/2006/relationships" xmlns:p="http://schemas.openxmlformats.org/presentationml/2006/main">
   <p:cSld>
@@ -8559,7 +8327,7 @@
           <p:cNvPr id="2" name="文本框 1">
             <a:extLst>
               <a:ext uri="{FF2B5EF4-FFF2-40B4-BE49-F238E27FC236}">
-                <a16:creationId xmlns:a16="http://schemas.microsoft.com/office/drawing/2014/main" id="{5DB9ABE1-480F-4C25-920A-AD84C9D82EBC}"/>
+                <a16:creationId xmlns:a16="http://schemas.microsoft.com/office/drawing/2014/main" id="{6CFB12EE-E543-4CF7-ABEE-772981BECFCF}"/>
               </a:ext>
             </a:extLst>
           </p:cNvPr>
@@ -8568,8 +8336,8 @@
         </p:nvSpPr>
         <p:spPr>
           <a:xfrm>
-            <a:off x="345170" y="581340"/>
-            <a:ext cx="10173457" cy="1200329"/>
+            <a:off x="375449" y="466283"/>
+            <a:ext cx="5425844" cy="923330"/>
           </a:xfrm>
           <a:prstGeom prst="rect">
             <a:avLst/>
@@ -8584,169 +8352,21 @@
           <a:p>
             <a:r>
               <a:rPr lang="zh-CN" altLang="en-US" dirty="0"/>
-              <a:t>使用阿里巴巴</a:t>
-            </a:r>
-            <a:r>
-              <a:rPr lang="en-US" altLang="zh-CN" dirty="0"/>
-              <a:t>HCPP</a:t>
-            </a:r>
-            <a:r>
-              <a:rPr lang="zh-CN" altLang="en-US" dirty="0"/>
-              <a:t>拥塞控制算法的仿真平台，</a:t>
-            </a:r>
-            <a:r>
-              <a:rPr lang="en-US" altLang="zh-CN" dirty="0" err="1"/>
-              <a:t>github</a:t>
-            </a:r>
-            <a:r>
-              <a:rPr lang="zh-CN" altLang="en-US" dirty="0"/>
-              <a:t>上开源</a:t>
+              <a:t>仿真平台搭建思路：寻找网上已经实现好的进行修改和使用</a:t>
             </a:r>
             <a:endParaRPr lang="en-US" altLang="zh-CN" dirty="0"/>
           </a:p>
           <a:p>
-            <a:r>
-              <a:rPr lang="en-US" altLang="zh-CN" dirty="0"/>
-              <a:t>Ns3-3.17</a:t>
-            </a:r>
-            <a:r>
-              <a:rPr lang="zh-CN" altLang="en-US" dirty="0"/>
-              <a:t>仿真平台</a:t>
-            </a:r>
-            <a:endParaRPr lang="en-US" altLang="zh-CN" dirty="0"/>
-          </a:p>
-          <a:p>
-            <a:r>
-              <a:rPr lang="en-US" altLang="zh-CN" b="0" i="1" u="none" strike="noStrike" dirty="0">
-                <a:solidFill>
-                  <a:srgbClr val="4183C4"/>
-                </a:solidFill>
-                <a:effectLst/>
-                <a:latin typeface="Microsoft YaHei" panose="020B0503020204020204" pitchFamily="34" charset="-122"/>
-                <a:ea typeface="Microsoft YaHei" panose="020B0503020204020204" pitchFamily="34" charset="-122"/>
-                <a:hlinkClick r:id="rId2"/>
-              </a:rPr>
-              <a:t>https://github.com/alibaba-edu/High-Precision-Congestion-Control</a:t>
-            </a:r>
-            <a:r>
-              <a:rPr lang="en-US" altLang="zh-CN" b="0" i="1" u="none" strike="noStrike" dirty="0">
-                <a:solidFill>
-                  <a:srgbClr val="4183C4"/>
-                </a:solidFill>
-                <a:effectLst/>
-                <a:latin typeface="Microsoft YaHei" panose="020B0503020204020204" pitchFamily="34" charset="-122"/>
-                <a:ea typeface="Microsoft YaHei" panose="020B0503020204020204" pitchFamily="34" charset="-122"/>
-              </a:rPr>
-              <a:t> HCPP</a:t>
-            </a:r>
-            <a:r>
-              <a:rPr lang="zh-CN" altLang="en-US" b="0" i="1" u="none" strike="noStrike" dirty="0">
-                <a:solidFill>
-                  <a:srgbClr val="4183C4"/>
-                </a:solidFill>
-                <a:effectLst/>
-                <a:latin typeface="Microsoft YaHei" panose="020B0503020204020204" pitchFamily="34" charset="-122"/>
-                <a:ea typeface="Microsoft YaHei" panose="020B0503020204020204" pitchFamily="34" charset="-122"/>
-              </a:rPr>
-              <a:t>实现</a:t>
-            </a:r>
-            <a:endParaRPr lang="en-US" altLang="zh-CN" b="0" i="1" u="none" strike="noStrike" dirty="0">
-              <a:solidFill>
-                <a:srgbClr val="4183C4"/>
-              </a:solidFill>
-              <a:effectLst/>
-              <a:latin typeface="Microsoft YaHei" panose="020B0503020204020204" pitchFamily="34" charset="-122"/>
-              <a:ea typeface="Microsoft YaHei" panose="020B0503020204020204" pitchFamily="34" charset="-122"/>
-            </a:endParaRPr>
-          </a:p>
-          <a:p>
-            <a:r>
-              <a:rPr lang="en-US" altLang="zh-CN" dirty="0">
-                <a:hlinkClick r:id="rId3"/>
-              </a:rPr>
-              <a:t>【NS3】</a:t>
-            </a:r>
-            <a:r>
-              <a:rPr lang="zh-CN" altLang="en-US" dirty="0">
-                <a:hlinkClick r:id="rId3"/>
-              </a:rPr>
-              <a:t>图文详解报文接收过程 </a:t>
-            </a:r>
-            <a:r>
-              <a:rPr lang="en-US" altLang="zh-CN" dirty="0">
-                <a:hlinkClick r:id="rId3"/>
-              </a:rPr>
-              <a:t>– NGDCN </a:t>
-            </a:r>
-            <a:r>
-              <a:rPr lang="en-US" altLang="zh-CN" b="0" i="1" dirty="0">
-                <a:solidFill>
-                  <a:srgbClr val="666666"/>
-                </a:solidFill>
-                <a:effectLst/>
-                <a:latin typeface="Microsoft YaHei" panose="020B0503020204020204" pitchFamily="34" charset="-122"/>
-                <a:ea typeface="Microsoft YaHei" panose="020B0503020204020204" pitchFamily="34" charset="-122"/>
-              </a:rPr>
-              <a:t> </a:t>
-            </a:r>
-            <a:r>
-              <a:rPr lang="zh-CN" altLang="en-US" b="0" i="1" dirty="0">
-                <a:solidFill>
-                  <a:srgbClr val="666666"/>
-                </a:solidFill>
-                <a:effectLst/>
-                <a:latin typeface="Microsoft YaHei" panose="020B0503020204020204" pitchFamily="34" charset="-122"/>
-                <a:ea typeface="Microsoft YaHei" panose="020B0503020204020204" pitchFamily="34" charset="-122"/>
-              </a:rPr>
-              <a:t>代码讲解</a:t>
-            </a:r>
-            <a:endParaRPr lang="en-US" altLang="zh-CN" b="0" i="1" dirty="0">
-              <a:solidFill>
-                <a:srgbClr val="666666"/>
-              </a:solidFill>
-              <a:effectLst/>
-              <a:latin typeface="Microsoft YaHei" panose="020B0503020204020204" pitchFamily="34" charset="-122"/>
-              <a:ea typeface="Microsoft YaHei" panose="020B0503020204020204" pitchFamily="34" charset="-122"/>
-            </a:endParaRPr>
+            <a:endParaRPr lang="zh-CN" altLang="en-US" dirty="0"/>
           </a:p>
         </p:txBody>
       </p:sp>
-      <p:pic>
-        <p:nvPicPr>
-          <p:cNvPr id="4" name="图片 3">
-            <a:extLst>
-              <a:ext uri="{FF2B5EF4-FFF2-40B4-BE49-F238E27FC236}">
-                <a16:creationId xmlns:a16="http://schemas.microsoft.com/office/drawing/2014/main" id="{5400CA33-55A9-43C2-955B-53EA6CCB6CA1}"/>
-              </a:ext>
-            </a:extLst>
-          </p:cNvPr>
-          <p:cNvPicPr>
-            <a:picLocks noChangeAspect="1"/>
-          </p:cNvPicPr>
-          <p:nvPr/>
-        </p:nvPicPr>
-        <p:blipFill>
-          <a:blip r:embed="rId4"/>
-          <a:stretch>
-            <a:fillRect/>
-          </a:stretch>
-        </p:blipFill>
-        <p:spPr>
-          <a:xfrm>
-            <a:off x="587396" y="2318292"/>
-            <a:ext cx="5583885" cy="2614085"/>
-          </a:xfrm>
-          <a:prstGeom prst="rect">
-            <a:avLst/>
-          </a:prstGeom>
-        </p:spPr>
-      </p:pic>
       <p:sp>
         <p:nvSpPr>
-          <p:cNvPr id="5" name="文本框 4">
-            <a:extLst>
-              <a:ext uri="{FF2B5EF4-FFF2-40B4-BE49-F238E27FC236}">
-                <a16:creationId xmlns:a16="http://schemas.microsoft.com/office/drawing/2014/main" id="{CCE4B9D7-BA53-4F9B-A9AD-8569C42554F2}"/>
+          <p:cNvPr id="3" name="文本框 2">
+            <a:extLst>
+              <a:ext uri="{FF2B5EF4-FFF2-40B4-BE49-F238E27FC236}">
+                <a16:creationId xmlns:a16="http://schemas.microsoft.com/office/drawing/2014/main" id="{75C64943-30BC-4475-ADED-D3E733C79009}"/>
               </a:ext>
             </a:extLst>
           </p:cNvPr>
@@ -8755,8 +8375,8 @@
         </p:nvSpPr>
         <p:spPr>
           <a:xfrm>
-            <a:off x="7297033" y="2210305"/>
-            <a:ext cx="4051216" cy="3970318"/>
+            <a:off x="532895" y="1574464"/>
+            <a:ext cx="4523555" cy="923330"/>
           </a:xfrm>
           <a:prstGeom prst="rect">
             <a:avLst/>
@@ -8770,111 +8390,39 @@
           <a:lstStyle/>
           <a:p>
             <a:r>
-              <a:rPr lang="zh-CN" altLang="en-US" dirty="0"/>
-              <a:t>分别实现了</a:t>
-            </a:r>
-            <a:r>
-              <a:rPr lang="en-US" altLang="zh-CN" dirty="0"/>
-              <a:t>HCPP\TIMELY\DCTCP\</a:t>
-            </a:r>
-            <a:r>
-              <a:rPr lang="en-US" altLang="zh-CN" dirty="0" err="1"/>
-              <a:t>Hppint</a:t>
-            </a:r>
-            <a:r>
-              <a:rPr lang="zh-CN" altLang="en-US" dirty="0"/>
-              <a:t>四种拥塞控制算法</a:t>
-            </a:r>
-            <a:endParaRPr lang="en-US" altLang="zh-CN" dirty="0"/>
-          </a:p>
-          <a:p>
-            <a:endParaRPr lang="en-US" altLang="zh-CN" dirty="0"/>
-          </a:p>
-          <a:p>
-            <a:r>
-              <a:rPr lang="en-US" altLang="zh-CN" dirty="0" err="1"/>
-              <a:t>HpPint</a:t>
-            </a:r>
-            <a:r>
-              <a:rPr lang="zh-CN" altLang="en-US" dirty="0"/>
-              <a:t>是</a:t>
-            </a:r>
-            <a:r>
-              <a:rPr lang="en-US" altLang="zh-CN" dirty="0"/>
-              <a:t>HCPP</a:t>
-            </a:r>
-            <a:r>
-              <a:rPr lang="zh-CN" altLang="en-US" dirty="0"/>
-              <a:t>一种更新算法（链接</a:t>
-            </a:r>
-            <a:r>
-              <a:rPr lang="en-US" altLang="zh-CN" dirty="0"/>
-              <a:t>https://liyuliang001.github.io/publications/pint.pdf </a:t>
-            </a:r>
-            <a:r>
-              <a:rPr lang="zh-CN" altLang="en-US" dirty="0"/>
-              <a:t>）</a:t>
-            </a:r>
-            <a:endParaRPr lang="en-US" altLang="zh-CN" dirty="0"/>
-          </a:p>
-          <a:p>
-            <a:endParaRPr lang="en-US" altLang="zh-CN" dirty="0"/>
-          </a:p>
-          <a:p>
-            <a:endParaRPr lang="en-US" altLang="zh-CN" dirty="0"/>
-          </a:p>
-          <a:p>
-            <a:r>
-              <a:rPr lang="zh-CN" altLang="en-US" dirty="0"/>
-              <a:t>拥塞控制实现在</a:t>
-            </a:r>
-            <a:endParaRPr lang="en-US" altLang="zh-CN" dirty="0"/>
-          </a:p>
-          <a:p>
-            <a:r>
-              <a:rPr lang="en-US" altLang="zh-CN" dirty="0"/>
-              <a:t>Simulation/src/point_to_point/model/hw_rdma.cc</a:t>
-            </a:r>
-            <a:r>
-              <a:rPr lang="zh-CN" altLang="en-US" dirty="0"/>
-              <a:t>文件</a:t>
-            </a:r>
-            <a:r>
-              <a:rPr lang="en-US" altLang="zh-CN" dirty="0"/>
-              <a:t>:</a:t>
-            </a:r>
-            <a:r>
-              <a:rPr lang="en-US" altLang="zh-CN" dirty="0" err="1"/>
-              <a:t>ReceiveAck</a:t>
-            </a:r>
-            <a:r>
-              <a:rPr lang="zh-CN" altLang="en-US" dirty="0"/>
-              <a:t>函数内实现</a:t>
-            </a:r>
-            <a:endParaRPr lang="en-US" altLang="zh-CN" dirty="0"/>
-          </a:p>
-          <a:p>
-            <a:r>
-              <a:rPr lang="zh-CN" altLang="en-US" dirty="0"/>
-              <a:t>根据参数</a:t>
-            </a:r>
-            <a:r>
-              <a:rPr lang="en-US" altLang="zh-CN" dirty="0" err="1"/>
-              <a:t>m_cc_mode</a:t>
-            </a:r>
-            <a:r>
-              <a:rPr lang="zh-CN" altLang="en-US" dirty="0"/>
-              <a:t>的不同使用不同的拥塞控制算法</a:t>
-            </a:r>
+              <a:rPr lang="en-US" altLang="zh-CN" dirty="0" err="1">
+                <a:hlinkClick r:id="rId2"/>
+              </a:rPr>
+              <a:t>ndal</a:t>
+            </a:r>
+            <a:r>
+              <a:rPr lang="en-US" altLang="zh-CN" dirty="0">
+                <a:hlinkClick r:id="rId2"/>
+              </a:rPr>
+              <a:t>-eth/</a:t>
+            </a:r>
+            <a:r>
+              <a:rPr lang="en-US" altLang="zh-CN" dirty="0" err="1">
+                <a:hlinkClick r:id="rId2"/>
+              </a:rPr>
+              <a:t>netbench</a:t>
+            </a:r>
+            <a:r>
+              <a:rPr lang="en-US" altLang="zh-CN" dirty="0">
+                <a:hlinkClick r:id="rId2"/>
+              </a:rPr>
+              <a:t>: Packet simulator for data center network topologies, routing, and congestion control (github.com)</a:t>
+            </a:r>
+            <a:endParaRPr lang="zh-CN" altLang="en-US" dirty="0"/>
           </a:p>
         </p:txBody>
       </p:sp>
       <p:sp>
         <p:nvSpPr>
-          <p:cNvPr id="6" name="文本框 5">
-            <a:extLst>
-              <a:ext uri="{FF2B5EF4-FFF2-40B4-BE49-F238E27FC236}">
-                <a16:creationId xmlns:a16="http://schemas.microsoft.com/office/drawing/2014/main" id="{D8FE323E-AD09-45EA-B41C-BB84B8C4062A}"/>
+          <p:cNvPr id="5" name="文本框 4">
+            <a:extLst>
+              <a:ext uri="{FF2B5EF4-FFF2-40B4-BE49-F238E27FC236}">
+                <a16:creationId xmlns:a16="http://schemas.microsoft.com/office/drawing/2014/main" id="{B0DACFF4-F543-4D9D-9596-5D9EE1334B14}"/>
               </a:ext>
             </a:extLst>
           </p:cNvPr>
@@ -8883,8 +8431,71 @@
         </p:nvSpPr>
         <p:spPr>
           <a:xfrm>
-            <a:off x="575284" y="5115786"/>
-            <a:ext cx="5110951" cy="1754326"/>
+            <a:off x="576798" y="2906763"/>
+            <a:ext cx="6094990" cy="646331"/>
+          </a:xfrm>
+          <a:prstGeom prst="rect">
+            <a:avLst/>
+          </a:prstGeom>
+          <a:noFill/>
+        </p:spPr>
+        <p:txBody>
+          <a:bodyPr wrap="square">
+            <a:spAutoFit/>
+          </a:bodyPr>
+          <a:lstStyle/>
+          <a:p>
+            <a:r>
+              <a:rPr lang="en-US" altLang="zh-CN" dirty="0" err="1">
+                <a:hlinkClick r:id="rId3"/>
+              </a:rPr>
+              <a:t>Snowzjx</a:t>
+            </a:r>
+            <a:r>
+              <a:rPr lang="en-US" altLang="zh-CN" dirty="0">
+                <a:hlinkClick r:id="rId3"/>
+              </a:rPr>
+              <a:t>/NS3-ECN-sharp (github.com)</a:t>
+            </a:r>
+            <a:r>
+              <a:rPr lang="zh-CN" altLang="en-US" dirty="0"/>
+              <a:t>使用</a:t>
+            </a:r>
+            <a:r>
+              <a:rPr lang="en-US" altLang="zh-CN" dirty="0"/>
+              <a:t>ns3</a:t>
+            </a:r>
+            <a:r>
+              <a:rPr lang="zh-CN" altLang="en-US" dirty="0"/>
+              <a:t>仿真数据中心无损网络，实现了</a:t>
+            </a:r>
+            <a:r>
+              <a:rPr lang="en-US" altLang="zh-CN" dirty="0"/>
+              <a:t>ECN/RED</a:t>
+            </a:r>
+            <a:r>
+              <a:rPr lang="zh-CN" altLang="en-US" dirty="0"/>
+              <a:t>等协议</a:t>
+            </a:r>
+          </a:p>
+        </p:txBody>
+      </p:sp>
+      <p:sp>
+        <p:nvSpPr>
+          <p:cNvPr id="4" name="文本框 3">
+            <a:extLst>
+              <a:ext uri="{FF2B5EF4-FFF2-40B4-BE49-F238E27FC236}">
+                <a16:creationId xmlns:a16="http://schemas.microsoft.com/office/drawing/2014/main" id="{45146531-6C31-4275-A7E3-A026280E8D71}"/>
+              </a:ext>
+            </a:extLst>
+          </p:cNvPr>
+          <p:cNvSpPr txBox="1"/>
+          <p:nvPr/>
+        </p:nvSpPr>
+        <p:spPr>
+          <a:xfrm>
+            <a:off x="532895" y="4014944"/>
+            <a:ext cx="7563481" cy="923330"/>
           </a:xfrm>
           <a:prstGeom prst="rect">
             <a:avLst/>
@@ -8898,82 +8509,57 @@
           <a:lstStyle/>
           <a:p>
             <a:r>
-              <a:rPr lang="zh-CN" altLang="en-US" dirty="0"/>
-              <a:t>想法</a:t>
-            </a:r>
-            <a:r>
-              <a:rPr lang="en-US" altLang="zh-CN" dirty="0"/>
-              <a:t>1</a:t>
-            </a:r>
-            <a:r>
-              <a:rPr lang="zh-CN" altLang="en-US" dirty="0"/>
-              <a:t>：把设计的新的拥塞控制算法加入到</a:t>
-            </a:r>
-            <a:r>
-              <a:rPr lang="en-US" altLang="zh-CN" dirty="0" err="1"/>
-              <a:t>ReceiveAck</a:t>
-            </a:r>
-            <a:r>
-              <a:rPr lang="zh-CN" altLang="en-US" dirty="0"/>
-              <a:t>函数，</a:t>
-            </a:r>
-            <a:r>
-              <a:rPr lang="en-US" altLang="zh-CN" dirty="0"/>
-              <a:t> </a:t>
-            </a:r>
-            <a:r>
-              <a:rPr lang="en-US" altLang="zh-CN" dirty="0" err="1"/>
-              <a:t>m_cc_mode</a:t>
-            </a:r>
-            <a:r>
-              <a:rPr lang="en-US" altLang="zh-CN" dirty="0"/>
-              <a:t> == 11</a:t>
-            </a:r>
-          </a:p>
-          <a:p>
-            <a:r>
-              <a:rPr lang="zh-CN" altLang="en-US" dirty="0"/>
-              <a:t>想法</a:t>
-            </a:r>
-            <a:r>
-              <a:rPr lang="en-US" altLang="zh-CN" dirty="0"/>
-              <a:t>2</a:t>
-            </a:r>
-            <a:r>
-              <a:rPr lang="zh-CN" altLang="en-US" dirty="0"/>
-              <a:t>：再提出想法一后去看了项目给的快速执行代码，里面如果添加新的</a:t>
-            </a:r>
-            <a:r>
-              <a:rPr lang="en-US" altLang="zh-CN" dirty="0"/>
-              <a:t>CC</a:t>
-            </a:r>
-            <a:r>
-              <a:rPr lang="zh-CN" altLang="en-US" dirty="0"/>
-              <a:t>需要写一些新的配置文件，如何说只是使用不同的</a:t>
-            </a:r>
-            <a:r>
-              <a:rPr lang="en-US" altLang="zh-CN" dirty="0"/>
-              <a:t>CC</a:t>
-            </a:r>
-            <a:r>
-              <a:rPr lang="zh-CN" altLang="en-US" dirty="0"/>
-              <a:t>，可以把其中一个函数替换为神经网络</a:t>
-            </a:r>
-            <a:r>
-              <a:rPr lang="en-US" altLang="zh-CN" dirty="0"/>
-              <a:t>CC</a:t>
-            </a:r>
-            <a:r>
-              <a:rPr lang="zh-CN" altLang="en-US" dirty="0"/>
-              <a:t>，而不是新增</a:t>
-            </a:r>
+              <a:rPr lang="en-US" altLang="zh-CN" dirty="0">
+                <a:hlinkClick r:id="rId4"/>
+              </a:rPr>
+              <a:t>【NS3】</a:t>
+            </a:r>
+            <a:r>
+              <a:rPr lang="zh-CN" altLang="en-US" dirty="0">
+                <a:hlinkClick r:id="rId4"/>
+              </a:rPr>
+              <a:t>图文详解报文接收过程 </a:t>
+            </a:r>
+            <a:r>
+              <a:rPr lang="en-US" altLang="zh-CN" dirty="0">
+                <a:hlinkClick r:id="rId4"/>
+              </a:rPr>
+              <a:t>– NGDCN</a:t>
+            </a:r>
+            <a:endParaRPr lang="en-US" altLang="zh-CN" dirty="0"/>
+          </a:p>
+          <a:p>
+            <a:r>
+              <a:rPr lang="en-US" altLang="zh-CN" b="0" i="1" u="none" strike="noStrike" dirty="0">
+                <a:solidFill>
+                  <a:srgbClr val="4183C4"/>
+                </a:solidFill>
+                <a:effectLst/>
+                <a:latin typeface="Microsoft YaHei" panose="020B0503020204020204" pitchFamily="34" charset="-122"/>
+                <a:ea typeface="Microsoft YaHei" panose="020B0503020204020204" pitchFamily="34" charset="-122"/>
+                <a:hlinkClick r:id="rId5"/>
+              </a:rPr>
+              <a:t>https://github.com/alibaba-edu/High-Precision-Congestion-Control</a:t>
+            </a:r>
+            <a:r>
+              <a:rPr lang="en-US" altLang="zh-CN" b="0" i="1" dirty="0">
+                <a:solidFill>
+                  <a:srgbClr val="666666"/>
+                </a:solidFill>
+                <a:effectLst/>
+                <a:latin typeface="Microsoft YaHei" panose="020B0503020204020204" pitchFamily="34" charset="-122"/>
+                <a:ea typeface="Microsoft YaHei" panose="020B0503020204020204" pitchFamily="34" charset="-122"/>
+              </a:rPr>
+              <a:t> </a:t>
+            </a:r>
+            <a:endParaRPr lang="zh-CN" altLang="en-US" dirty="0"/>
           </a:p>
         </p:txBody>
       </p:sp>
     </p:spTree>
     <p:extLst>
       <p:ext uri="{BB962C8B-B14F-4D97-AF65-F5344CB8AC3E}">
-        <p14:creationId xmlns:p14="http://schemas.microsoft.com/office/powerpoint/2010/main" val="3405914986"/>
+        <p14:creationId xmlns:p14="http://schemas.microsoft.com/office/powerpoint/2010/main" val="427590751"/>
       </p:ext>
     </p:extLst>
   </p:cSld>
@@ -9243,10 +8829,10 @@
       </p:grpSpPr>
       <p:pic>
         <p:nvPicPr>
-          <p:cNvPr id="2" name="图片 1">
-            <a:extLst>
-              <a:ext uri="{FF2B5EF4-FFF2-40B4-BE49-F238E27FC236}">
-                <a16:creationId xmlns:a16="http://schemas.microsoft.com/office/drawing/2014/main" id="{4E5B86DD-F698-44F7-B67D-4DA690F6DB8B}"/>
+          <p:cNvPr id="3" name="图片 2">
+            <a:extLst>
+              <a:ext uri="{FF2B5EF4-FFF2-40B4-BE49-F238E27FC236}">
+                <a16:creationId xmlns:a16="http://schemas.microsoft.com/office/drawing/2014/main" id="{3581630B-1847-4B2A-B302-42C9C6DB95C1}"/>
               </a:ext>
             </a:extLst>
           </p:cNvPr>
@@ -9263,8 +8849,8 @@
         </p:blipFill>
         <p:spPr>
           <a:xfrm>
-            <a:off x="512115" y="513714"/>
-            <a:ext cx="5583885" cy="2614085"/>
+            <a:off x="439131" y="413876"/>
+            <a:ext cx="6224404" cy="2002319"/>
           </a:xfrm>
           <a:prstGeom prst="rect">
             <a:avLst/>
@@ -9273,10 +8859,10 @@
       </p:pic>
       <p:sp>
         <p:nvSpPr>
-          <p:cNvPr id="3" name="文本框 2">
-            <a:extLst>
-              <a:ext uri="{FF2B5EF4-FFF2-40B4-BE49-F238E27FC236}">
-                <a16:creationId xmlns:a16="http://schemas.microsoft.com/office/drawing/2014/main" id="{FD87B643-FEEA-4DB1-A079-0D1489854DAF}"/>
+          <p:cNvPr id="2" name="文本框 1">
+            <a:extLst>
+              <a:ext uri="{FF2B5EF4-FFF2-40B4-BE49-F238E27FC236}">
+                <a16:creationId xmlns:a16="http://schemas.microsoft.com/office/drawing/2014/main" id="{718F870C-CE26-433F-B20C-17002723DA36}"/>
               </a:ext>
             </a:extLst>
           </p:cNvPr>
@@ -9285,8 +8871,8 @@
         </p:nvSpPr>
         <p:spPr>
           <a:xfrm>
-            <a:off x="6503746" y="513714"/>
-            <a:ext cx="4214718" cy="1754326"/>
+            <a:off x="593452" y="2706866"/>
+            <a:ext cx="6649080" cy="1477328"/>
           </a:xfrm>
           <a:prstGeom prst="rect">
             <a:avLst/>
@@ -9300,97 +8886,155 @@
           <a:lstStyle/>
           <a:p>
             <a:r>
-              <a:rPr lang="zh-CN" altLang="en-US" dirty="0"/>
-              <a:t>每种拥塞控制算法都有三个输入</a:t>
+              <a:rPr lang="en-US" altLang="zh-CN" dirty="0"/>
+              <a:t>Ns3</a:t>
+            </a:r>
+            <a:r>
+              <a:rPr lang="zh-CN" altLang="en-US" dirty="0"/>
+              <a:t>搭建教程：</a:t>
+            </a:r>
+            <a:r>
+              <a:rPr lang="zh-CN" altLang="en-US" dirty="0">
+                <a:hlinkClick r:id="rId3"/>
+              </a:rPr>
+              <a:t> </a:t>
+            </a:r>
+            <a:r>
+              <a:rPr lang="en-US" altLang="zh-CN" dirty="0">
+                <a:hlinkClick r:id="rId3"/>
+              </a:rPr>
+              <a:t>NS3</a:t>
+            </a:r>
+            <a:r>
+              <a:rPr lang="zh-CN" altLang="en-US" dirty="0">
+                <a:hlinkClick r:id="rId3"/>
+              </a:rPr>
+              <a:t>网络仿真器搭建</a:t>
+            </a:r>
+            <a:r>
+              <a:rPr lang="en-US" altLang="zh-CN" dirty="0">
+                <a:hlinkClick r:id="rId3"/>
+              </a:rPr>
+              <a:t>_</a:t>
+            </a:r>
+            <a:r>
+              <a:rPr lang="zh-CN" altLang="en-US" dirty="0">
+                <a:hlinkClick r:id="rId3"/>
+              </a:rPr>
+              <a:t>张小豆喵世界的博客</a:t>
+            </a:r>
+            <a:r>
+              <a:rPr lang="en-US" altLang="zh-CN" dirty="0">
+                <a:hlinkClick r:id="rId3"/>
+              </a:rPr>
+              <a:t>-CSDN</a:t>
+            </a:r>
+            <a:r>
+              <a:rPr lang="zh-CN" altLang="en-US" dirty="0">
+                <a:hlinkClick r:id="rId3"/>
+              </a:rPr>
+              <a:t>博客</a:t>
+            </a:r>
+            <a:r>
+              <a:rPr lang="en-US" altLang="zh-CN" dirty="0">
+                <a:hlinkClick r:id="rId3"/>
+              </a:rPr>
+              <a:t>_ns3</a:t>
+            </a:r>
+            <a:r>
+              <a:rPr lang="zh-CN" altLang="en-US" dirty="0">
+                <a:hlinkClick r:id="rId3"/>
+              </a:rPr>
+              <a:t>网络模拟器</a:t>
             </a:r>
             <a:endParaRPr lang="en-US" altLang="zh-CN" dirty="0"/>
           </a:p>
           <a:p>
-            <a:r>
-              <a:rPr lang="en-US" altLang="zh-CN" dirty="0" err="1"/>
-              <a:t>qp</a:t>
-            </a:r>
-            <a:r>
-              <a:rPr lang="zh-CN" altLang="en-US" dirty="0"/>
-              <a:t>是</a:t>
-            </a:r>
-            <a:r>
-              <a:rPr lang="en-US" altLang="zh-CN" dirty="0" err="1"/>
-              <a:t>ptr</a:t>
-            </a:r>
+            <a:endParaRPr lang="en-US" altLang="zh-CN" dirty="0"/>
+          </a:p>
+          <a:p>
             <a:r>
               <a:rPr lang="en-US" altLang="zh-CN" dirty="0"/>
-              <a:t>&lt;</a:t>
-            </a:r>
-            <a:r>
-              <a:rPr lang="en-US" altLang="zh-CN" dirty="0" err="1"/>
-              <a:t>RdmaQueuePair</a:t>
-            </a:r>
-            <a:r>
-              <a:rPr lang="en-US" altLang="zh-CN" dirty="0"/>
-              <a:t>&gt;</a:t>
-            </a:r>
-          </a:p>
-          <a:p>
-            <a:r>
-              <a:rPr lang="en-US" altLang="zh-CN" dirty="0"/>
-              <a:t>P</a:t>
-            </a:r>
-            <a:r>
-              <a:rPr lang="zh-CN" altLang="en-US" dirty="0"/>
-              <a:t>是</a:t>
-            </a:r>
-            <a:r>
-              <a:rPr lang="en-US" altLang="zh-CN" dirty="0" err="1"/>
-              <a:t>ptr</a:t>
-            </a:r>
-            <a:r>
-              <a:rPr lang="en-US" altLang="zh-CN" dirty="0"/>
-              <a:t>&lt;Packet&gt;</a:t>
-            </a:r>
-          </a:p>
-          <a:p>
-            <a:r>
-              <a:rPr lang="en-US" altLang="zh-CN" dirty="0" err="1"/>
-              <a:t>ch</a:t>
-            </a:r>
-            <a:r>
-              <a:rPr lang="zh-CN" altLang="en-US" dirty="0"/>
-              <a:t>是</a:t>
-            </a:r>
-            <a:r>
-              <a:rPr lang="en-US" altLang="zh-CN" dirty="0" err="1"/>
-              <a:t>CustomHeader</a:t>
-            </a:r>
-            <a:r>
-              <a:rPr lang="en-US" altLang="zh-CN" dirty="0"/>
-              <a:t> </a:t>
-            </a:r>
-          </a:p>
-          <a:p>
-            <a:r>
-              <a:rPr lang="zh-CN" altLang="en-US" dirty="0"/>
-              <a:t>拥塞控制函数前都是</a:t>
-            </a:r>
-            <a:r>
-              <a:rPr lang="en-US" altLang="zh-CN" dirty="0" err="1"/>
-              <a:t>HandleACK</a:t>
-            </a:r>
-            <a:r>
-              <a:rPr lang="en-US" altLang="zh-CN" dirty="0"/>
-              <a:t>…</a:t>
-            </a:r>
-            <a:r>
-              <a:rPr lang="zh-CN" altLang="en-US" dirty="0"/>
-              <a:t>表示拥塞控制是逐包的 </a:t>
-            </a:r>
+              <a:t>NS3</a:t>
+            </a:r>
+            <a:r>
+              <a:rPr lang="zh-CN" altLang="en-US" dirty="0"/>
+              <a:t>书籍教程：</a:t>
+            </a:r>
+            <a:r>
+              <a:rPr lang="en-US" altLang="zh-CN" dirty="0">
+                <a:hlinkClick r:id="rId4"/>
+              </a:rPr>
+              <a:t>ns-3</a:t>
+            </a:r>
+            <a:r>
+              <a:rPr lang="zh-CN" altLang="en-US" dirty="0">
+                <a:hlinkClick r:id="rId4"/>
+              </a:rPr>
+              <a:t>网络模拟器基础及应用</a:t>
+            </a:r>
+            <a:r>
+              <a:rPr lang="en-US" altLang="zh-CN" dirty="0">
+                <a:hlinkClick r:id="rId4"/>
+              </a:rPr>
+              <a:t>【</a:t>
+            </a:r>
+            <a:r>
+              <a:rPr lang="zh-CN" altLang="en-US" dirty="0">
+                <a:hlinkClick r:id="rId4"/>
+              </a:rPr>
+              <a:t>全本</a:t>
+            </a:r>
+            <a:r>
+              <a:rPr lang="en-US" altLang="zh-CN" dirty="0">
+                <a:hlinkClick r:id="rId4"/>
+              </a:rPr>
+              <a:t>_</a:t>
+            </a:r>
+            <a:r>
+              <a:rPr lang="zh-CN" altLang="en-US" dirty="0">
+                <a:hlinkClick r:id="rId4"/>
+              </a:rPr>
+              <a:t>书评</a:t>
+            </a:r>
+            <a:r>
+              <a:rPr lang="en-US" altLang="zh-CN" dirty="0">
+                <a:hlinkClick r:id="rId4"/>
+              </a:rPr>
+              <a:t>_</a:t>
+            </a:r>
+            <a:r>
+              <a:rPr lang="zh-CN" altLang="en-US" dirty="0">
+                <a:hlinkClick r:id="rId4"/>
+              </a:rPr>
+              <a:t>在线阅读</a:t>
+            </a:r>
+            <a:r>
+              <a:rPr lang="en-US" altLang="zh-CN" dirty="0">
+                <a:hlinkClick r:id="rId4"/>
+              </a:rPr>
+              <a:t>】-</a:t>
+            </a:r>
+            <a:r>
+              <a:rPr lang="zh-CN" altLang="en-US" dirty="0">
+                <a:hlinkClick r:id="rId4"/>
+              </a:rPr>
+              <a:t>当当云阅读 </a:t>
+            </a:r>
+            <a:r>
+              <a:rPr lang="en-US" altLang="zh-CN" dirty="0">
+                <a:hlinkClick r:id="rId4"/>
+              </a:rPr>
+              <a:t>(dangdang.com)</a:t>
+            </a:r>
+            <a:endParaRPr lang="en-US" altLang="zh-CN" dirty="0"/>
           </a:p>
         </p:txBody>
       </p:sp>
     </p:spTree>
     <p:extLst>
       <p:ext uri="{BB962C8B-B14F-4D97-AF65-F5344CB8AC3E}">
-        <p14:creationId xmlns:p14="http://schemas.microsoft.com/office/powerpoint/2010/main" val="4068226129"/>
+        <p14:creationId xmlns:p14="http://schemas.microsoft.com/office/powerpoint/2010/main" val="4230517792"/>
       </p:ext>
     </p:extLst>
   </p:cSld>
@@ -9419,6 +9063,796 @@
       </p:grpSpPr>
       <p:sp>
         <p:nvSpPr>
+          <p:cNvPr id="2" name="文本框 1">
+            <a:extLst>
+              <a:ext uri="{FF2B5EF4-FFF2-40B4-BE49-F238E27FC236}">
+                <a16:creationId xmlns:a16="http://schemas.microsoft.com/office/drawing/2014/main" id="{5DB9ABE1-480F-4C25-920A-AD84C9D82EBC}"/>
+              </a:ext>
+            </a:extLst>
+          </p:cNvPr>
+          <p:cNvSpPr txBox="1"/>
+          <p:nvPr/>
+        </p:nvSpPr>
+        <p:spPr>
+          <a:xfrm>
+            <a:off x="345170" y="581340"/>
+            <a:ext cx="10173457" cy="1200329"/>
+          </a:xfrm>
+          <a:prstGeom prst="rect">
+            <a:avLst/>
+          </a:prstGeom>
+          <a:noFill/>
+        </p:spPr>
+        <p:txBody>
+          <a:bodyPr wrap="square" rtlCol="0">
+            <a:spAutoFit/>
+          </a:bodyPr>
+          <a:lstStyle/>
+          <a:p>
+            <a:r>
+              <a:rPr lang="zh-CN" altLang="en-US" dirty="0"/>
+              <a:t>使用阿里巴巴</a:t>
+            </a:r>
+            <a:r>
+              <a:rPr lang="en-US" altLang="zh-CN" dirty="0"/>
+              <a:t>HCPP</a:t>
+            </a:r>
+            <a:r>
+              <a:rPr lang="zh-CN" altLang="en-US" dirty="0"/>
+              <a:t>拥塞控制算法的仿真平台，</a:t>
+            </a:r>
+            <a:r>
+              <a:rPr lang="en-US" altLang="zh-CN" dirty="0" err="1"/>
+              <a:t>github</a:t>
+            </a:r>
+            <a:r>
+              <a:rPr lang="zh-CN" altLang="en-US" dirty="0"/>
+              <a:t>上开源</a:t>
+            </a:r>
+            <a:endParaRPr lang="en-US" altLang="zh-CN" dirty="0"/>
+          </a:p>
+          <a:p>
+            <a:r>
+              <a:rPr lang="en-US" altLang="zh-CN" dirty="0"/>
+              <a:t>Ns3-3.17</a:t>
+            </a:r>
+            <a:r>
+              <a:rPr lang="zh-CN" altLang="en-US" dirty="0"/>
+              <a:t>仿真平台</a:t>
+            </a:r>
+            <a:endParaRPr lang="en-US" altLang="zh-CN" dirty="0"/>
+          </a:p>
+          <a:p>
+            <a:r>
+              <a:rPr lang="en-US" altLang="zh-CN" b="0" i="1" u="none" strike="noStrike" dirty="0">
+                <a:solidFill>
+                  <a:srgbClr val="4183C4"/>
+                </a:solidFill>
+                <a:effectLst/>
+                <a:latin typeface="Microsoft YaHei" panose="020B0503020204020204" pitchFamily="34" charset="-122"/>
+                <a:ea typeface="Microsoft YaHei" panose="020B0503020204020204" pitchFamily="34" charset="-122"/>
+                <a:hlinkClick r:id="rId2"/>
+              </a:rPr>
+              <a:t>https://github.com/alibaba-edu/High-Precision-Congestion-Control</a:t>
+            </a:r>
+            <a:r>
+              <a:rPr lang="en-US" altLang="zh-CN" b="0" i="1" u="none" strike="noStrike" dirty="0">
+                <a:solidFill>
+                  <a:srgbClr val="4183C4"/>
+                </a:solidFill>
+                <a:effectLst/>
+                <a:latin typeface="Microsoft YaHei" panose="020B0503020204020204" pitchFamily="34" charset="-122"/>
+                <a:ea typeface="Microsoft YaHei" panose="020B0503020204020204" pitchFamily="34" charset="-122"/>
+              </a:rPr>
+              <a:t> HCPP</a:t>
+            </a:r>
+            <a:r>
+              <a:rPr lang="zh-CN" altLang="en-US" b="0" i="1" u="none" strike="noStrike" dirty="0">
+                <a:solidFill>
+                  <a:srgbClr val="4183C4"/>
+                </a:solidFill>
+                <a:effectLst/>
+                <a:latin typeface="Microsoft YaHei" panose="020B0503020204020204" pitchFamily="34" charset="-122"/>
+                <a:ea typeface="Microsoft YaHei" panose="020B0503020204020204" pitchFamily="34" charset="-122"/>
+              </a:rPr>
+              <a:t>实现</a:t>
+            </a:r>
+            <a:endParaRPr lang="en-US" altLang="zh-CN" b="0" i="1" u="none" strike="noStrike" dirty="0">
+              <a:solidFill>
+                <a:srgbClr val="4183C4"/>
+              </a:solidFill>
+              <a:effectLst/>
+              <a:latin typeface="Microsoft YaHei" panose="020B0503020204020204" pitchFamily="34" charset="-122"/>
+              <a:ea typeface="Microsoft YaHei" panose="020B0503020204020204" pitchFamily="34" charset="-122"/>
+            </a:endParaRPr>
+          </a:p>
+          <a:p>
+            <a:r>
+              <a:rPr lang="en-US" altLang="zh-CN" dirty="0">
+                <a:hlinkClick r:id="rId3"/>
+              </a:rPr>
+              <a:t>【NS3】</a:t>
+            </a:r>
+            <a:r>
+              <a:rPr lang="zh-CN" altLang="en-US" dirty="0">
+                <a:hlinkClick r:id="rId3"/>
+              </a:rPr>
+              <a:t>图文详解报文接收过程 </a:t>
+            </a:r>
+            <a:r>
+              <a:rPr lang="en-US" altLang="zh-CN" dirty="0">
+                <a:hlinkClick r:id="rId3"/>
+              </a:rPr>
+              <a:t>– NGDCN </a:t>
+            </a:r>
+            <a:r>
+              <a:rPr lang="en-US" altLang="zh-CN" b="0" i="1" dirty="0">
+                <a:solidFill>
+                  <a:srgbClr val="666666"/>
+                </a:solidFill>
+                <a:effectLst/>
+                <a:latin typeface="Microsoft YaHei" panose="020B0503020204020204" pitchFamily="34" charset="-122"/>
+                <a:ea typeface="Microsoft YaHei" panose="020B0503020204020204" pitchFamily="34" charset="-122"/>
+              </a:rPr>
+              <a:t> </a:t>
+            </a:r>
+            <a:r>
+              <a:rPr lang="zh-CN" altLang="en-US" b="0" i="1" dirty="0">
+                <a:solidFill>
+                  <a:srgbClr val="666666"/>
+                </a:solidFill>
+                <a:effectLst/>
+                <a:latin typeface="Microsoft YaHei" panose="020B0503020204020204" pitchFamily="34" charset="-122"/>
+                <a:ea typeface="Microsoft YaHei" panose="020B0503020204020204" pitchFamily="34" charset="-122"/>
+              </a:rPr>
+              <a:t>代码讲解</a:t>
+            </a:r>
+            <a:endParaRPr lang="en-US" altLang="zh-CN" b="0" i="1" dirty="0">
+              <a:solidFill>
+                <a:srgbClr val="666666"/>
+              </a:solidFill>
+              <a:effectLst/>
+              <a:latin typeface="Microsoft YaHei" panose="020B0503020204020204" pitchFamily="34" charset="-122"/>
+              <a:ea typeface="Microsoft YaHei" panose="020B0503020204020204" pitchFamily="34" charset="-122"/>
+            </a:endParaRPr>
+          </a:p>
+        </p:txBody>
+      </p:sp>
+      <p:pic>
+        <p:nvPicPr>
+          <p:cNvPr id="4" name="图片 3">
+            <a:extLst>
+              <a:ext uri="{FF2B5EF4-FFF2-40B4-BE49-F238E27FC236}">
+                <a16:creationId xmlns:a16="http://schemas.microsoft.com/office/drawing/2014/main" id="{5400CA33-55A9-43C2-955B-53EA6CCB6CA1}"/>
+              </a:ext>
+            </a:extLst>
+          </p:cNvPr>
+          <p:cNvPicPr>
+            <a:picLocks noChangeAspect="1"/>
+          </p:cNvPicPr>
+          <p:nvPr/>
+        </p:nvPicPr>
+        <p:blipFill>
+          <a:blip r:embed="rId4"/>
+          <a:stretch>
+            <a:fillRect/>
+          </a:stretch>
+        </p:blipFill>
+        <p:spPr>
+          <a:xfrm>
+            <a:off x="587396" y="2318292"/>
+            <a:ext cx="5583885" cy="2614085"/>
+          </a:xfrm>
+          <a:prstGeom prst="rect">
+            <a:avLst/>
+          </a:prstGeom>
+        </p:spPr>
+      </p:pic>
+      <p:sp>
+        <p:nvSpPr>
+          <p:cNvPr id="5" name="文本框 4">
+            <a:extLst>
+              <a:ext uri="{FF2B5EF4-FFF2-40B4-BE49-F238E27FC236}">
+                <a16:creationId xmlns:a16="http://schemas.microsoft.com/office/drawing/2014/main" id="{CCE4B9D7-BA53-4F9B-A9AD-8569C42554F2}"/>
+              </a:ext>
+            </a:extLst>
+          </p:cNvPr>
+          <p:cNvSpPr txBox="1"/>
+          <p:nvPr/>
+        </p:nvSpPr>
+        <p:spPr>
+          <a:xfrm>
+            <a:off x="7297033" y="2210305"/>
+            <a:ext cx="4051216" cy="3970318"/>
+          </a:xfrm>
+          <a:prstGeom prst="rect">
+            <a:avLst/>
+          </a:prstGeom>
+          <a:noFill/>
+        </p:spPr>
+        <p:txBody>
+          <a:bodyPr wrap="square" rtlCol="0">
+            <a:spAutoFit/>
+          </a:bodyPr>
+          <a:lstStyle/>
+          <a:p>
+            <a:r>
+              <a:rPr lang="zh-CN" altLang="en-US" dirty="0"/>
+              <a:t>分别实现了</a:t>
+            </a:r>
+            <a:r>
+              <a:rPr lang="en-US" altLang="zh-CN" dirty="0"/>
+              <a:t>HCPP\TIMELY\DCTCP\</a:t>
+            </a:r>
+            <a:r>
+              <a:rPr lang="en-US" altLang="zh-CN" dirty="0" err="1"/>
+              <a:t>Hppint</a:t>
+            </a:r>
+            <a:r>
+              <a:rPr lang="zh-CN" altLang="en-US" dirty="0"/>
+              <a:t>四种拥塞控制算法</a:t>
+            </a:r>
+            <a:endParaRPr lang="en-US" altLang="zh-CN" dirty="0"/>
+          </a:p>
+          <a:p>
+            <a:endParaRPr lang="en-US" altLang="zh-CN" dirty="0"/>
+          </a:p>
+          <a:p>
+            <a:r>
+              <a:rPr lang="en-US" altLang="zh-CN" dirty="0" err="1"/>
+              <a:t>HpPint</a:t>
+            </a:r>
+            <a:r>
+              <a:rPr lang="zh-CN" altLang="en-US" dirty="0"/>
+              <a:t>是</a:t>
+            </a:r>
+            <a:r>
+              <a:rPr lang="en-US" altLang="zh-CN" dirty="0"/>
+              <a:t>HCPP</a:t>
+            </a:r>
+            <a:r>
+              <a:rPr lang="zh-CN" altLang="en-US" dirty="0"/>
+              <a:t>一种更新算法（链接</a:t>
+            </a:r>
+            <a:r>
+              <a:rPr lang="en-US" altLang="zh-CN" dirty="0"/>
+              <a:t>https://liyuliang001.github.io/publications/pint.pdf </a:t>
+            </a:r>
+            <a:r>
+              <a:rPr lang="zh-CN" altLang="en-US" dirty="0"/>
+              <a:t>）</a:t>
+            </a:r>
+            <a:endParaRPr lang="en-US" altLang="zh-CN" dirty="0"/>
+          </a:p>
+          <a:p>
+            <a:endParaRPr lang="en-US" altLang="zh-CN" dirty="0"/>
+          </a:p>
+          <a:p>
+            <a:endParaRPr lang="en-US" altLang="zh-CN" dirty="0"/>
+          </a:p>
+          <a:p>
+            <a:r>
+              <a:rPr lang="zh-CN" altLang="en-US" dirty="0"/>
+              <a:t>拥塞控制实现在</a:t>
+            </a:r>
+            <a:endParaRPr lang="en-US" altLang="zh-CN" dirty="0"/>
+          </a:p>
+          <a:p>
+            <a:r>
+              <a:rPr lang="en-US" altLang="zh-CN" dirty="0"/>
+              <a:t>Simulation/src/point_to_point/model/rdma_hw.cc</a:t>
+            </a:r>
+            <a:r>
+              <a:rPr lang="zh-CN" altLang="en-US" dirty="0"/>
+              <a:t>文件</a:t>
+            </a:r>
+            <a:r>
+              <a:rPr lang="en-US" altLang="zh-CN" dirty="0"/>
+              <a:t>:</a:t>
+            </a:r>
+            <a:r>
+              <a:rPr lang="en-US" altLang="zh-CN" dirty="0" err="1"/>
+              <a:t>ReceiveAck</a:t>
+            </a:r>
+            <a:r>
+              <a:rPr lang="zh-CN" altLang="en-US" dirty="0"/>
+              <a:t>函数内实现</a:t>
+            </a:r>
+            <a:endParaRPr lang="en-US" altLang="zh-CN" dirty="0"/>
+          </a:p>
+          <a:p>
+            <a:r>
+              <a:rPr lang="zh-CN" altLang="en-US" dirty="0"/>
+              <a:t>根据参数</a:t>
+            </a:r>
+            <a:r>
+              <a:rPr lang="en-US" altLang="zh-CN" dirty="0" err="1"/>
+              <a:t>m_cc_mode</a:t>
+            </a:r>
+            <a:r>
+              <a:rPr lang="zh-CN" altLang="en-US" dirty="0"/>
+              <a:t>的不同使用不同的拥塞控制算法</a:t>
+            </a:r>
+          </a:p>
+        </p:txBody>
+      </p:sp>
+      <p:sp>
+        <p:nvSpPr>
+          <p:cNvPr id="6" name="文本框 5">
+            <a:extLst>
+              <a:ext uri="{FF2B5EF4-FFF2-40B4-BE49-F238E27FC236}">
+                <a16:creationId xmlns:a16="http://schemas.microsoft.com/office/drawing/2014/main" id="{D8FE323E-AD09-45EA-B41C-BB84B8C4062A}"/>
+              </a:ext>
+            </a:extLst>
+          </p:cNvPr>
+          <p:cNvSpPr txBox="1"/>
+          <p:nvPr/>
+        </p:nvSpPr>
+        <p:spPr>
+          <a:xfrm>
+            <a:off x="575284" y="5115786"/>
+            <a:ext cx="5110951" cy="1754326"/>
+          </a:xfrm>
+          <a:prstGeom prst="rect">
+            <a:avLst/>
+          </a:prstGeom>
+          <a:noFill/>
+        </p:spPr>
+        <p:txBody>
+          <a:bodyPr wrap="square" rtlCol="0">
+            <a:spAutoFit/>
+          </a:bodyPr>
+          <a:lstStyle/>
+          <a:p>
+            <a:r>
+              <a:rPr lang="zh-CN" altLang="en-US" dirty="0"/>
+              <a:t>想法</a:t>
+            </a:r>
+            <a:r>
+              <a:rPr lang="en-US" altLang="zh-CN" dirty="0"/>
+              <a:t>1</a:t>
+            </a:r>
+            <a:r>
+              <a:rPr lang="zh-CN" altLang="en-US" dirty="0"/>
+              <a:t>：把设计的新的拥塞控制算法加入到</a:t>
+            </a:r>
+            <a:r>
+              <a:rPr lang="en-US" altLang="zh-CN" dirty="0" err="1"/>
+              <a:t>ReceiveAck</a:t>
+            </a:r>
+            <a:r>
+              <a:rPr lang="zh-CN" altLang="en-US" dirty="0"/>
+              <a:t>函数，</a:t>
+            </a:r>
+            <a:r>
+              <a:rPr lang="en-US" altLang="zh-CN" dirty="0"/>
+              <a:t> </a:t>
+            </a:r>
+            <a:r>
+              <a:rPr lang="en-US" altLang="zh-CN" dirty="0" err="1"/>
+              <a:t>m_cc_mode</a:t>
+            </a:r>
+            <a:r>
+              <a:rPr lang="en-US" altLang="zh-CN" dirty="0"/>
+              <a:t> == 11</a:t>
+            </a:r>
+          </a:p>
+          <a:p>
+            <a:r>
+              <a:rPr lang="zh-CN" altLang="en-US" dirty="0"/>
+              <a:t>想法</a:t>
+            </a:r>
+            <a:r>
+              <a:rPr lang="en-US" altLang="zh-CN" dirty="0"/>
+              <a:t>2</a:t>
+            </a:r>
+            <a:r>
+              <a:rPr lang="zh-CN" altLang="en-US" dirty="0"/>
+              <a:t>：再提出想法一后去看了项目给的快速执行代码，里面如果添加新的</a:t>
+            </a:r>
+            <a:r>
+              <a:rPr lang="en-US" altLang="zh-CN" dirty="0"/>
+              <a:t>CC</a:t>
+            </a:r>
+            <a:r>
+              <a:rPr lang="zh-CN" altLang="en-US" dirty="0"/>
+              <a:t>需要写一些新的配置文件，如何说只是使用不同的</a:t>
+            </a:r>
+            <a:r>
+              <a:rPr lang="en-US" altLang="zh-CN" dirty="0"/>
+              <a:t>CC</a:t>
+            </a:r>
+            <a:r>
+              <a:rPr lang="zh-CN" altLang="en-US" dirty="0"/>
+              <a:t>，可以把其中一个函数替换为神经网络</a:t>
+            </a:r>
+            <a:r>
+              <a:rPr lang="en-US" altLang="zh-CN" dirty="0"/>
+              <a:t>CC</a:t>
+            </a:r>
+            <a:r>
+              <a:rPr lang="zh-CN" altLang="en-US" dirty="0"/>
+              <a:t>，而不是新增</a:t>
+            </a:r>
+          </a:p>
+        </p:txBody>
+      </p:sp>
+    </p:spTree>
+    <p:extLst>
+      <p:ext uri="{BB962C8B-B14F-4D97-AF65-F5344CB8AC3E}">
+        <p14:creationId xmlns:p14="http://schemas.microsoft.com/office/powerpoint/2010/main" val="3405914986"/>
+      </p:ext>
+    </p:extLst>
+  </p:cSld>
+  <p:clrMapOvr>
+    <a:masterClrMapping/>
+  </p:clrMapOvr>
+</p:sld>
+</file>
+
+<file path=ppt/slides/slide22.xml><?xml version="1.0" encoding="utf-8"?>
+<p:sld xmlns:a="http://schemas.openxmlformats.org/drawingml/2006/main" xmlns:r="http://schemas.openxmlformats.org/officeDocument/2006/relationships" xmlns:p="http://schemas.openxmlformats.org/presentationml/2006/main">
+  <p:cSld>
+    <p:spTree>
+      <p:nvGrpSpPr>
+        <p:cNvPr id="1" name=""/>
+        <p:cNvGrpSpPr/>
+        <p:nvPr/>
+      </p:nvGrpSpPr>
+      <p:grpSpPr>
+        <a:xfrm>
+          <a:off x="0" y="0"/>
+          <a:ext cx="0" cy="0"/>
+          <a:chOff x="0" y="0"/>
+          <a:chExt cx="0" cy="0"/>
+        </a:xfrm>
+      </p:grpSpPr>
+      <p:pic>
+        <p:nvPicPr>
+          <p:cNvPr id="2" name="图片 1">
+            <a:extLst>
+              <a:ext uri="{FF2B5EF4-FFF2-40B4-BE49-F238E27FC236}">
+                <a16:creationId xmlns:a16="http://schemas.microsoft.com/office/drawing/2014/main" id="{4E5B86DD-F698-44F7-B67D-4DA690F6DB8B}"/>
+              </a:ext>
+            </a:extLst>
+          </p:cNvPr>
+          <p:cNvPicPr>
+            <a:picLocks noChangeAspect="1"/>
+          </p:cNvPicPr>
+          <p:nvPr/>
+        </p:nvPicPr>
+        <p:blipFill>
+          <a:blip r:embed="rId2"/>
+          <a:stretch>
+            <a:fillRect/>
+          </a:stretch>
+        </p:blipFill>
+        <p:spPr>
+          <a:xfrm>
+            <a:off x="512115" y="513714"/>
+            <a:ext cx="5583885" cy="2614085"/>
+          </a:xfrm>
+          <a:prstGeom prst="rect">
+            <a:avLst/>
+          </a:prstGeom>
+        </p:spPr>
+      </p:pic>
+      <p:sp>
+        <p:nvSpPr>
+          <p:cNvPr id="3" name="文本框 2">
+            <a:extLst>
+              <a:ext uri="{FF2B5EF4-FFF2-40B4-BE49-F238E27FC236}">
+                <a16:creationId xmlns:a16="http://schemas.microsoft.com/office/drawing/2014/main" id="{FD87B643-FEEA-4DB1-A079-0D1489854DAF}"/>
+              </a:ext>
+            </a:extLst>
+          </p:cNvPr>
+          <p:cNvSpPr txBox="1"/>
+          <p:nvPr/>
+        </p:nvSpPr>
+        <p:spPr>
+          <a:xfrm>
+            <a:off x="6373965" y="796766"/>
+            <a:ext cx="5749406" cy="2031325"/>
+          </a:xfrm>
+          <a:prstGeom prst="rect">
+            <a:avLst/>
+          </a:prstGeom>
+          <a:noFill/>
+        </p:spPr>
+        <p:txBody>
+          <a:bodyPr wrap="square" rtlCol="0">
+            <a:spAutoFit/>
+          </a:bodyPr>
+          <a:lstStyle/>
+          <a:p>
+            <a:r>
+              <a:rPr lang="zh-CN" altLang="en-US" dirty="0"/>
+              <a:t>每种拥塞控制算法都有三个输入</a:t>
+            </a:r>
+            <a:endParaRPr lang="en-US" altLang="zh-CN" dirty="0"/>
+          </a:p>
+          <a:p>
+            <a:r>
+              <a:rPr lang="en-US" altLang="zh-CN" dirty="0" err="1"/>
+              <a:t>qp</a:t>
+            </a:r>
+            <a:r>
+              <a:rPr lang="zh-CN" altLang="en-US" dirty="0"/>
+              <a:t>是</a:t>
+            </a:r>
+            <a:r>
+              <a:rPr lang="en-US" altLang="zh-CN" dirty="0" err="1"/>
+              <a:t>ptr</a:t>
+            </a:r>
+            <a:r>
+              <a:rPr lang="en-US" altLang="zh-CN" dirty="0"/>
+              <a:t>&lt;</a:t>
+            </a:r>
+            <a:r>
+              <a:rPr lang="en-US" altLang="zh-CN" dirty="0" err="1"/>
+              <a:t>RdmaQueuePair</a:t>
+            </a:r>
+            <a:r>
+              <a:rPr lang="en-US" altLang="zh-CN" dirty="0"/>
+              <a:t>&gt;</a:t>
+            </a:r>
+            <a:r>
+              <a:rPr lang="zh-CN" altLang="en-US" dirty="0"/>
+              <a:t>，</a:t>
+            </a:r>
+            <a:r>
+              <a:rPr lang="en-US" altLang="zh-CN" dirty="0">
+                <a:hlinkClick r:id="rId3"/>
+              </a:rPr>
+              <a:t> 9. RDMA</a:t>
+            </a:r>
+            <a:r>
+              <a:rPr lang="zh-CN" altLang="en-US" dirty="0">
+                <a:hlinkClick r:id="rId3"/>
+              </a:rPr>
+              <a:t>之</a:t>
+            </a:r>
+            <a:r>
+              <a:rPr lang="en-US" altLang="zh-CN" dirty="0">
+                <a:hlinkClick r:id="rId3"/>
+              </a:rPr>
+              <a:t>Queue Pair - </a:t>
+            </a:r>
+            <a:r>
+              <a:rPr lang="zh-CN" altLang="en-US" dirty="0">
+                <a:hlinkClick r:id="rId3"/>
+              </a:rPr>
+              <a:t>知乎 </a:t>
+            </a:r>
+            <a:r>
+              <a:rPr lang="en-US" altLang="zh-CN" dirty="0">
+                <a:hlinkClick r:id="rId3"/>
+              </a:rPr>
+              <a:t>(zhihu.com)</a:t>
+            </a:r>
+            <a:endParaRPr lang="en-US" altLang="zh-CN" dirty="0"/>
+          </a:p>
+          <a:p>
+            <a:r>
+              <a:rPr lang="en-US" altLang="zh-CN" dirty="0"/>
+              <a:t>P</a:t>
+            </a:r>
+            <a:r>
+              <a:rPr lang="zh-CN" altLang="en-US" dirty="0"/>
+              <a:t>是</a:t>
+            </a:r>
+            <a:r>
+              <a:rPr lang="en-US" altLang="zh-CN" dirty="0" err="1"/>
+              <a:t>ptr</a:t>
+            </a:r>
+            <a:r>
+              <a:rPr lang="en-US" altLang="zh-CN" dirty="0"/>
+              <a:t>&lt;Packet&gt;</a:t>
+            </a:r>
+            <a:r>
+              <a:rPr lang="zh-CN" altLang="en-US" dirty="0"/>
+              <a:t>，在拥塞控制时表示返回的</a:t>
+            </a:r>
+            <a:r>
+              <a:rPr lang="en-US" altLang="zh-CN" dirty="0"/>
+              <a:t>ACK</a:t>
+            </a:r>
+            <a:r>
+              <a:rPr lang="zh-CN" altLang="en-US" dirty="0"/>
+              <a:t>数据包。</a:t>
+            </a:r>
+            <a:endParaRPr lang="en-US" altLang="zh-CN" dirty="0"/>
+          </a:p>
+          <a:p>
+            <a:r>
+              <a:rPr lang="en-US" altLang="zh-CN" dirty="0" err="1"/>
+              <a:t>ch</a:t>
+            </a:r>
+            <a:r>
+              <a:rPr lang="zh-CN" altLang="en-US" dirty="0"/>
+              <a:t>是</a:t>
+            </a:r>
+            <a:r>
+              <a:rPr lang="en-US" altLang="zh-CN" dirty="0" err="1"/>
+              <a:t>CustomHeader</a:t>
+            </a:r>
+            <a:r>
+              <a:rPr lang="en-US" altLang="zh-CN" dirty="0"/>
+              <a:t> </a:t>
+            </a:r>
+            <a:r>
+              <a:rPr lang="zh-CN" altLang="en-US" dirty="0"/>
+              <a:t>，表示接收到的数据包包头，其中包含了</a:t>
+            </a:r>
+            <a:r>
+              <a:rPr lang="en-US" altLang="zh-CN" dirty="0"/>
+              <a:t>INT</a:t>
+            </a:r>
+            <a:r>
+              <a:rPr lang="zh-CN" altLang="en-US" dirty="0"/>
+              <a:t>字段</a:t>
+            </a:r>
+            <a:r>
+              <a:rPr lang="en-US" altLang="zh-CN" dirty="0" err="1"/>
+              <a:t>ch.ack.ih</a:t>
+            </a:r>
+            <a:endParaRPr lang="en-US" altLang="zh-CN" dirty="0"/>
+          </a:p>
+          <a:p>
+            <a:endParaRPr lang="zh-CN" altLang="en-US" dirty="0"/>
+          </a:p>
+        </p:txBody>
+      </p:sp>
+      <p:pic>
+        <p:nvPicPr>
+          <p:cNvPr id="9" name="图片 8">
+            <a:extLst>
+              <a:ext uri="{FF2B5EF4-FFF2-40B4-BE49-F238E27FC236}">
+                <a16:creationId xmlns:a16="http://schemas.microsoft.com/office/drawing/2014/main" id="{99D88CF8-5EA8-4B3D-AD02-36ED1E0E958D}"/>
+              </a:ext>
+            </a:extLst>
+          </p:cNvPr>
+          <p:cNvPicPr>
+            <a:picLocks noChangeAspect="1"/>
+          </p:cNvPicPr>
+          <p:nvPr/>
+        </p:nvPicPr>
+        <p:blipFill>
+          <a:blip r:embed="rId4"/>
+          <a:stretch>
+            <a:fillRect/>
+          </a:stretch>
+        </p:blipFill>
+        <p:spPr>
+          <a:xfrm>
+            <a:off x="597843" y="3825642"/>
+            <a:ext cx="7690858" cy="2518644"/>
+          </a:xfrm>
+          <a:prstGeom prst="rect">
+            <a:avLst/>
+          </a:prstGeom>
+        </p:spPr>
+      </p:pic>
+      <p:sp>
+        <p:nvSpPr>
+          <p:cNvPr id="10" name="文本框 9">
+            <a:extLst>
+              <a:ext uri="{FF2B5EF4-FFF2-40B4-BE49-F238E27FC236}">
+                <a16:creationId xmlns:a16="http://schemas.microsoft.com/office/drawing/2014/main" id="{31220466-133C-4DA9-89F5-6926C06317D5}"/>
+              </a:ext>
+            </a:extLst>
+          </p:cNvPr>
+          <p:cNvSpPr txBox="1"/>
+          <p:nvPr/>
+        </p:nvSpPr>
+        <p:spPr>
+          <a:xfrm>
+            <a:off x="8726162" y="3825642"/>
+            <a:ext cx="2652366" cy="1477328"/>
+          </a:xfrm>
+          <a:prstGeom prst="rect">
+            <a:avLst/>
+          </a:prstGeom>
+          <a:noFill/>
+        </p:spPr>
+        <p:txBody>
+          <a:bodyPr wrap="square" rtlCol="0">
+            <a:spAutoFit/>
+          </a:bodyPr>
+          <a:lstStyle/>
+          <a:p>
+            <a:r>
+              <a:rPr lang="zh-CN" altLang="en-US" dirty="0"/>
+              <a:t>使用函数</a:t>
+            </a:r>
+            <a:r>
+              <a:rPr lang="en-US" altLang="zh-CN" dirty="0" err="1"/>
+              <a:t>changeRate</a:t>
+            </a:r>
+            <a:r>
+              <a:rPr lang="zh-CN" altLang="en-US" dirty="0"/>
+              <a:t>修改</a:t>
+            </a:r>
+            <a:r>
+              <a:rPr lang="en-US" altLang="zh-CN" dirty="0"/>
+              <a:t>RDMA</a:t>
+            </a:r>
+            <a:r>
+              <a:rPr lang="zh-CN" altLang="en-US" dirty="0"/>
+              <a:t>数据发送速率，俩个参数输入，</a:t>
+            </a:r>
+            <a:r>
+              <a:rPr lang="en-US" altLang="zh-CN" dirty="0" err="1"/>
+              <a:t>qp</a:t>
+            </a:r>
+            <a:r>
+              <a:rPr lang="zh-CN" altLang="en-US" dirty="0"/>
+              <a:t>和</a:t>
+            </a:r>
+            <a:r>
+              <a:rPr lang="en-US" altLang="zh-CN" dirty="0" err="1"/>
+              <a:t>new_rate</a:t>
+            </a:r>
+            <a:r>
+              <a:rPr lang="en-US" altLang="zh-CN" dirty="0"/>
+              <a:t>,</a:t>
+            </a:r>
+            <a:r>
+              <a:rPr lang="zh-CN" altLang="en-US" dirty="0"/>
+              <a:t>其中需要关注</a:t>
+            </a:r>
+            <a:r>
+              <a:rPr lang="en-US" altLang="zh-CN" dirty="0" err="1"/>
+              <a:t>new_rate</a:t>
+            </a:r>
+            <a:r>
+              <a:rPr lang="en-US" altLang="zh-CN" dirty="0"/>
+              <a:t>(</a:t>
+            </a:r>
+            <a:r>
+              <a:rPr lang="en-US" altLang="zh-CN" dirty="0" err="1"/>
+              <a:t>m_bps</a:t>
+            </a:r>
+            <a:r>
+              <a:rPr lang="en-US" altLang="zh-CN" dirty="0"/>
+              <a:t>)</a:t>
+            </a:r>
+            <a:endParaRPr lang="zh-CN" altLang="en-US" dirty="0"/>
+          </a:p>
+        </p:txBody>
+      </p:sp>
+    </p:spTree>
+    <p:extLst>
+      <p:ext uri="{BB962C8B-B14F-4D97-AF65-F5344CB8AC3E}">
+        <p14:creationId xmlns:p14="http://schemas.microsoft.com/office/powerpoint/2010/main" val="4068226129"/>
+      </p:ext>
+    </p:extLst>
+  </p:cSld>
+  <p:clrMapOvr>
+    <a:masterClrMapping/>
+  </p:clrMapOvr>
+</p:sld>
+</file>
+
+<file path=ppt/slides/slide23.xml><?xml version="1.0" encoding="utf-8"?>
+<p:sld xmlns:a="http://schemas.openxmlformats.org/drawingml/2006/main" xmlns:r="http://schemas.openxmlformats.org/officeDocument/2006/relationships" xmlns:p="http://schemas.openxmlformats.org/presentationml/2006/main">
+  <p:cSld>
+    <p:spTree>
+      <p:nvGrpSpPr>
+        <p:cNvPr id="1" name=""/>
+        <p:cNvGrpSpPr/>
+        <p:nvPr/>
+      </p:nvGrpSpPr>
+      <p:grpSpPr>
+        <a:xfrm>
+          <a:off x="0" y="0"/>
+          <a:ext cx="0" cy="0"/>
+          <a:chOff x="0" y="0"/>
+          <a:chExt cx="0" cy="0"/>
+        </a:xfrm>
+      </p:grpSpPr>
+      <p:sp>
+        <p:nvSpPr>
           <p:cNvPr id="4" name="文本框 3">
             <a:extLst>
               <a:ext uri="{FF2B5EF4-FFF2-40B4-BE49-F238E27FC236}">
@@ -9633,7 +10067,7 @@
         <p:spPr>
           <a:xfrm>
             <a:off x="193780" y="5304731"/>
-            <a:ext cx="8029764" cy="646331"/>
+            <a:ext cx="8029764" cy="923330"/>
           </a:xfrm>
           <a:prstGeom prst="rect">
             <a:avLst/>
@@ -9648,7 +10082,15 @@
           <a:p>
             <a:r>
               <a:rPr lang="zh-CN" altLang="en-US" dirty="0"/>
-              <a:t>将输入的参数写入到配置文件中，返回配置文件</a:t>
+              <a:t>将输入的参数写入到配置文件中（</a:t>
+            </a:r>
+            <a:r>
+              <a:rPr lang="en-US" altLang="zh-CN" dirty="0"/>
+              <a:t>mix</a:t>
+            </a:r>
+            <a:r>
+              <a:rPr lang="zh-CN" altLang="en-US" dirty="0"/>
+              <a:t>文件夹下文本文件），返回配置文件</a:t>
             </a:r>
             <a:r>
               <a:rPr lang="en-US" altLang="zh-CN" dirty="0"/>
@@ -9704,8 +10146,8 @@
         </p:nvSpPr>
         <p:spPr bwMode="auto">
           <a:xfrm>
-            <a:off x="423893" y="6180315"/>
-            <a:ext cx="8992846" cy="276999"/>
+            <a:off x="320947" y="6120539"/>
+            <a:ext cx="7301679" cy="553998"/>
           </a:xfrm>
           <a:prstGeom prst="rect">
             <a:avLst/>
@@ -9771,7 +10213,38 @@
             </a:pPr>
             <a:r>
               <a:rPr lang="zh-CN" altLang="zh-CN" dirty="0"/>
-              <a:t>python run.py -hpython run.py --cc hp --trace flow --bw 100 --topo topology --hpai 50 </a:t>
+              <a:t>python run.py </a:t>
+            </a:r>
+            <a:r>
+              <a:rPr lang="en-US" altLang="zh-CN" dirty="0"/>
+              <a:t>–</a:t>
+            </a:r>
+            <a:r>
+              <a:rPr lang="zh-CN" altLang="zh-CN" dirty="0"/>
+              <a:t>h</a:t>
+            </a:r>
+            <a:endParaRPr lang="en-US" altLang="zh-CN" dirty="0"/>
+          </a:p>
+          <a:p>
+            <a:pPr marL="0" marR="0" lvl="0" indent="0" algn="l" defTabSz="914400" rtl="0" eaLnBrk="0" fontAlgn="base" latinLnBrk="0" hangingPunct="0">
+              <a:lnSpc>
+                <a:spcPct val="100000"/>
+              </a:lnSpc>
+              <a:spcBef>
+                <a:spcPct val="0"/>
+              </a:spcBef>
+              <a:spcAft>
+                <a:spcPct val="0"/>
+              </a:spcAft>
+              <a:buClrTx/>
+              <a:buSzTx/>
+              <a:buFontTx/>
+              <a:buNone/>
+              <a:tabLst/>
+            </a:pPr>
+            <a:r>
+              <a:rPr lang="zh-CN" altLang="zh-CN" dirty="0"/>
+              <a:t>python run.py --cc hp --trace flow --bw 100 --topo topology --hpai 50 </a:t>
             </a:r>
           </a:p>
         </p:txBody>
@@ -9789,7 +10262,153 @@
 </p:sld>
 </file>
 
-<file path=ppt/slides/slide22.xml><?xml version="1.0" encoding="utf-8"?>
+<file path=ppt/slides/slide24.xml><?xml version="1.0" encoding="utf-8"?>
+<p:sld xmlns:a="http://schemas.openxmlformats.org/drawingml/2006/main" xmlns:r="http://schemas.openxmlformats.org/officeDocument/2006/relationships" xmlns:p="http://schemas.openxmlformats.org/presentationml/2006/main">
+  <p:cSld>
+    <p:spTree>
+      <p:nvGrpSpPr>
+        <p:cNvPr id="1" name=""/>
+        <p:cNvGrpSpPr/>
+        <p:nvPr/>
+      </p:nvGrpSpPr>
+      <p:grpSpPr>
+        <a:xfrm>
+          <a:off x="0" y="0"/>
+          <a:ext cx="0" cy="0"/>
+          <a:chOff x="0" y="0"/>
+          <a:chExt cx="0" cy="0"/>
+        </a:xfrm>
+      </p:grpSpPr>
+      <p:pic>
+        <p:nvPicPr>
+          <p:cNvPr id="3" name="图片 2">
+            <a:extLst>
+              <a:ext uri="{FF2B5EF4-FFF2-40B4-BE49-F238E27FC236}">
+                <a16:creationId xmlns:a16="http://schemas.microsoft.com/office/drawing/2014/main" id="{771288BD-AEDE-4411-9D8C-32CF1FF6A8CF}"/>
+              </a:ext>
+            </a:extLst>
+          </p:cNvPr>
+          <p:cNvPicPr>
+            <a:picLocks noChangeAspect="1"/>
+          </p:cNvPicPr>
+          <p:nvPr/>
+        </p:nvPicPr>
+        <p:blipFill>
+          <a:blip r:embed="rId2"/>
+          <a:stretch>
+            <a:fillRect/>
+          </a:stretch>
+        </p:blipFill>
+        <p:spPr>
+          <a:xfrm>
+            <a:off x="858256" y="306014"/>
+            <a:ext cx="5110200" cy="4562508"/>
+          </a:xfrm>
+          <a:prstGeom prst="rect">
+            <a:avLst/>
+          </a:prstGeom>
+        </p:spPr>
+      </p:pic>
+      <p:pic>
+        <p:nvPicPr>
+          <p:cNvPr id="4" name="图片 3">
+            <a:extLst>
+              <a:ext uri="{FF2B5EF4-FFF2-40B4-BE49-F238E27FC236}">
+                <a16:creationId xmlns:a16="http://schemas.microsoft.com/office/drawing/2014/main" id="{42485B3B-DA1B-43D2-AD3F-D4E2222D7FCD}"/>
+              </a:ext>
+            </a:extLst>
+          </p:cNvPr>
+          <p:cNvPicPr>
+            <a:picLocks noChangeAspect="1"/>
+          </p:cNvPicPr>
+          <p:nvPr/>
+        </p:nvPicPr>
+        <p:blipFill>
+          <a:blip r:embed="rId3"/>
+          <a:stretch>
+            <a:fillRect/>
+          </a:stretch>
+        </p:blipFill>
+        <p:spPr>
+          <a:xfrm>
+            <a:off x="6742631" y="245096"/>
+            <a:ext cx="3224236" cy="3957666"/>
+          </a:xfrm>
+          <a:prstGeom prst="rect">
+            <a:avLst/>
+          </a:prstGeom>
+        </p:spPr>
+      </p:pic>
+      <p:sp>
+        <p:nvSpPr>
+          <p:cNvPr id="5" name="文本框 4">
+            <a:extLst>
+              <a:ext uri="{FF2B5EF4-FFF2-40B4-BE49-F238E27FC236}">
+                <a16:creationId xmlns:a16="http://schemas.microsoft.com/office/drawing/2014/main" id="{AB1C3215-BC1D-45B5-AF8D-80E2BF80A3C5}"/>
+              </a:ext>
+            </a:extLst>
+          </p:cNvPr>
+          <p:cNvSpPr txBox="1"/>
+          <p:nvPr/>
+        </p:nvSpPr>
+        <p:spPr>
+          <a:xfrm>
+            <a:off x="750898" y="5071619"/>
+            <a:ext cx="5444010" cy="369332"/>
+          </a:xfrm>
+          <a:prstGeom prst="rect">
+            <a:avLst/>
+          </a:prstGeom>
+          <a:noFill/>
+        </p:spPr>
+        <p:txBody>
+          <a:bodyPr wrap="square" rtlCol="0">
+            <a:spAutoFit/>
+          </a:bodyPr>
+          <a:lstStyle/>
+          <a:p>
+            <a:r>
+              <a:rPr lang="zh-CN" altLang="en-US" dirty="0"/>
+              <a:t>仿真</a:t>
+            </a:r>
+            <a:r>
+              <a:rPr lang="en-US" altLang="zh-CN" dirty="0"/>
+              <a:t>HCPP</a:t>
+            </a:r>
+            <a:r>
+              <a:rPr lang="zh-CN" altLang="en-US" dirty="0"/>
+              <a:t>协议</a:t>
+            </a:r>
+            <a:r>
+              <a:rPr lang="en-US" altLang="zh-CN" dirty="0"/>
+              <a:t>20</a:t>
+            </a:r>
+            <a:r>
+              <a:rPr lang="zh-CN" altLang="en-US" dirty="0"/>
+              <a:t>个流，用时</a:t>
+            </a:r>
+            <a:r>
+              <a:rPr lang="en-US" altLang="zh-CN" dirty="0"/>
+              <a:t>4min+</a:t>
+            </a:r>
+            <a:endParaRPr lang="zh-CN" altLang="en-US" dirty="0"/>
+          </a:p>
+        </p:txBody>
+      </p:sp>
+    </p:spTree>
+    <p:extLst>
+      <p:ext uri="{BB962C8B-B14F-4D97-AF65-F5344CB8AC3E}">
+        <p14:creationId xmlns:p14="http://schemas.microsoft.com/office/powerpoint/2010/main" val="2103337575"/>
+      </p:ext>
+    </p:extLst>
+  </p:cSld>
+  <p:clrMapOvr>
+    <a:masterClrMapping/>
+  </p:clrMapOvr>
+</p:sld>
+</file>
+
+<file path=ppt/slides/slide25.xml><?xml version="1.0" encoding="utf-8"?>
 <p:sld xmlns:a="http://schemas.openxmlformats.org/drawingml/2006/main" xmlns:r="http://schemas.openxmlformats.org/officeDocument/2006/relationships" xmlns:p="http://schemas.openxmlformats.org/presentationml/2006/main">
   <p:cSld>
     <p:spTree>
@@ -10418,6 +11037,1247 @@
     <p:extLst>
       <p:ext uri="{BB962C8B-B14F-4D97-AF65-F5344CB8AC3E}">
         <p14:creationId xmlns:p14="http://schemas.microsoft.com/office/powerpoint/2010/main" val="1145884131"/>
+      </p:ext>
+    </p:extLst>
+  </p:cSld>
+  <p:clrMapOvr>
+    <a:masterClrMapping/>
+  </p:clrMapOvr>
+</p:sld>
+</file>
+
+<file path=ppt/slides/slide26.xml><?xml version="1.0" encoding="utf-8"?>
+<p:sld xmlns:a="http://schemas.openxmlformats.org/drawingml/2006/main" xmlns:r="http://schemas.openxmlformats.org/officeDocument/2006/relationships" xmlns:p="http://schemas.openxmlformats.org/presentationml/2006/main">
+  <p:cSld>
+    <p:spTree>
+      <p:nvGrpSpPr>
+        <p:cNvPr id="1" name=""/>
+        <p:cNvGrpSpPr/>
+        <p:nvPr/>
+      </p:nvGrpSpPr>
+      <p:grpSpPr>
+        <a:xfrm>
+          <a:off x="0" y="0"/>
+          <a:ext cx="0" cy="0"/>
+          <a:chOff x="0" y="0"/>
+          <a:chExt cx="0" cy="0"/>
+        </a:xfrm>
+      </p:grpSpPr>
+      <p:sp>
+        <p:nvSpPr>
+          <p:cNvPr id="2" name="文本框 1">
+            <a:extLst>
+              <a:ext uri="{FF2B5EF4-FFF2-40B4-BE49-F238E27FC236}">
+                <a16:creationId xmlns:a16="http://schemas.microsoft.com/office/drawing/2014/main" id="{367AA5E1-5A93-4841-A69A-857231A1FC8B}"/>
+              </a:ext>
+            </a:extLst>
+          </p:cNvPr>
+          <p:cNvSpPr txBox="1"/>
+          <p:nvPr/>
+        </p:nvSpPr>
+        <p:spPr>
+          <a:xfrm>
+            <a:off x="926511" y="387560"/>
+            <a:ext cx="5964795" cy="646331"/>
+          </a:xfrm>
+          <a:prstGeom prst="rect">
+            <a:avLst/>
+          </a:prstGeom>
+          <a:noFill/>
+        </p:spPr>
+        <p:txBody>
+          <a:bodyPr wrap="square" rtlCol="0">
+            <a:spAutoFit/>
+          </a:bodyPr>
+          <a:lstStyle/>
+          <a:p>
+            <a:r>
+              <a:rPr lang="zh-CN" altLang="en-US" dirty="0"/>
+              <a:t>神经网络输入，</a:t>
+            </a:r>
+            <a:r>
+              <a:rPr lang="en-US" altLang="zh-CN" dirty="0"/>
+              <a:t>RTT:</a:t>
+            </a:r>
+          </a:p>
+          <a:p>
+            <a:r>
+              <a:rPr lang="en-US" altLang="zh-CN" dirty="0"/>
+              <a:t>uint64_t </a:t>
+            </a:r>
+            <a:r>
+              <a:rPr lang="en-US" altLang="zh-CN" dirty="0" err="1"/>
+              <a:t>rtt</a:t>
+            </a:r>
+            <a:r>
+              <a:rPr lang="en-US" altLang="zh-CN" dirty="0"/>
+              <a:t> = Simulator::Now().</a:t>
+            </a:r>
+            <a:r>
+              <a:rPr lang="en-US" altLang="zh-CN" dirty="0" err="1"/>
+              <a:t>GetTimeStep</a:t>
+            </a:r>
+            <a:r>
+              <a:rPr lang="en-US" altLang="zh-CN" dirty="0"/>
+              <a:t>() - </a:t>
+            </a:r>
+            <a:r>
+              <a:rPr lang="en-US" altLang="zh-CN" dirty="0" err="1"/>
+              <a:t>ch.ack.ih.ts</a:t>
+            </a:r>
+            <a:r>
+              <a:rPr lang="en-US" altLang="zh-CN" dirty="0"/>
+              <a:t>;</a:t>
+            </a:r>
+            <a:endParaRPr lang="zh-CN" altLang="en-US" dirty="0"/>
+          </a:p>
+        </p:txBody>
+      </p:sp>
+      <p:sp>
+        <p:nvSpPr>
+          <p:cNvPr id="3" name="文本框 2">
+            <a:extLst>
+              <a:ext uri="{FF2B5EF4-FFF2-40B4-BE49-F238E27FC236}">
+                <a16:creationId xmlns:a16="http://schemas.microsoft.com/office/drawing/2014/main" id="{4FD57AB7-8444-4226-92D7-5E08A7365622}"/>
+              </a:ext>
+            </a:extLst>
+          </p:cNvPr>
+          <p:cNvSpPr txBox="1"/>
+          <p:nvPr/>
+        </p:nvSpPr>
+        <p:spPr>
+          <a:xfrm>
+            <a:off x="908344" y="1628964"/>
+            <a:ext cx="4844504" cy="646331"/>
+          </a:xfrm>
+          <a:prstGeom prst="rect">
+            <a:avLst/>
+          </a:prstGeom>
+          <a:noFill/>
+        </p:spPr>
+        <p:txBody>
+          <a:bodyPr wrap="square" rtlCol="0">
+            <a:spAutoFit/>
+          </a:bodyPr>
+          <a:lstStyle/>
+          <a:p>
+            <a:r>
+              <a:rPr lang="en-US" altLang="zh-CN" dirty="0"/>
+              <a:t>Int</a:t>
+            </a:r>
+            <a:r>
+              <a:rPr lang="zh-CN" altLang="en-US" dirty="0"/>
+              <a:t>头部去除：</a:t>
+            </a:r>
+            <a:r>
+              <a:rPr lang="en-US" altLang="zh-CN" dirty="0"/>
+              <a:t>third.cc</a:t>
+            </a:r>
+          </a:p>
+          <a:p>
+            <a:endParaRPr lang="zh-CN" altLang="en-US" dirty="0"/>
+          </a:p>
+        </p:txBody>
+      </p:sp>
+      <p:pic>
+        <p:nvPicPr>
+          <p:cNvPr id="5" name="图片 4">
+            <a:extLst>
+              <a:ext uri="{FF2B5EF4-FFF2-40B4-BE49-F238E27FC236}">
+                <a16:creationId xmlns:a16="http://schemas.microsoft.com/office/drawing/2014/main" id="{27D2A0E9-9A48-4B7E-B466-2303E5414C43}"/>
+              </a:ext>
+            </a:extLst>
+          </p:cNvPr>
+          <p:cNvPicPr>
+            <a:picLocks noChangeAspect="1"/>
+          </p:cNvPicPr>
+          <p:nvPr/>
+        </p:nvPicPr>
+        <p:blipFill>
+          <a:blip r:embed="rId2"/>
+          <a:stretch>
+            <a:fillRect/>
+          </a:stretch>
+        </p:blipFill>
+        <p:spPr>
+          <a:xfrm>
+            <a:off x="1062438" y="2223024"/>
+            <a:ext cx="7084982" cy="3650935"/>
+          </a:xfrm>
+          <a:prstGeom prst="rect">
+            <a:avLst/>
+          </a:prstGeom>
+        </p:spPr>
+      </p:pic>
+    </p:spTree>
+    <p:extLst>
+      <p:ext uri="{BB962C8B-B14F-4D97-AF65-F5344CB8AC3E}">
+        <p14:creationId xmlns:p14="http://schemas.microsoft.com/office/powerpoint/2010/main" val="2784259811"/>
+      </p:ext>
+    </p:extLst>
+  </p:cSld>
+  <p:clrMapOvr>
+    <a:masterClrMapping/>
+  </p:clrMapOvr>
+</p:sld>
+</file>
+
+<file path=ppt/slides/slide27.xml><?xml version="1.0" encoding="utf-8"?>
+<p:sld xmlns:a="http://schemas.openxmlformats.org/drawingml/2006/main" xmlns:r="http://schemas.openxmlformats.org/officeDocument/2006/relationships" xmlns:p="http://schemas.openxmlformats.org/presentationml/2006/main">
+  <p:cSld>
+    <p:spTree>
+      <p:nvGrpSpPr>
+        <p:cNvPr id="1" name=""/>
+        <p:cNvGrpSpPr/>
+        <p:nvPr/>
+      </p:nvGrpSpPr>
+      <p:grpSpPr>
+        <a:xfrm>
+          <a:off x="0" y="0"/>
+          <a:ext cx="0" cy="0"/>
+          <a:chOff x="0" y="0"/>
+          <a:chExt cx="0" cy="0"/>
+        </a:xfrm>
+      </p:grpSpPr>
+      <p:sp>
+        <p:nvSpPr>
+          <p:cNvPr id="2" name="文本框 1">
+            <a:extLst>
+              <a:ext uri="{FF2B5EF4-FFF2-40B4-BE49-F238E27FC236}">
+                <a16:creationId xmlns:a16="http://schemas.microsoft.com/office/drawing/2014/main" id="{209EFBA5-7CEC-4CF2-B008-063937F161ED}"/>
+              </a:ext>
+            </a:extLst>
+          </p:cNvPr>
+          <p:cNvSpPr txBox="1"/>
+          <p:nvPr/>
+        </p:nvSpPr>
+        <p:spPr>
+          <a:xfrm>
+            <a:off x="335902" y="348343"/>
+            <a:ext cx="2587690" cy="369332"/>
+          </a:xfrm>
+          <a:prstGeom prst="rect">
+            <a:avLst/>
+          </a:prstGeom>
+          <a:noFill/>
+        </p:spPr>
+        <p:txBody>
+          <a:bodyPr wrap="square" rtlCol="0">
+            <a:spAutoFit/>
+          </a:bodyPr>
+          <a:lstStyle/>
+          <a:p>
+            <a:r>
+              <a:rPr lang="zh-CN" altLang="en-US" dirty="0"/>
+              <a:t>第二阶段</a:t>
+            </a:r>
+          </a:p>
+        </p:txBody>
+      </p:sp>
+      <p:sp>
+        <p:nvSpPr>
+          <p:cNvPr id="3" name="文本框 2">
+            <a:extLst>
+              <a:ext uri="{FF2B5EF4-FFF2-40B4-BE49-F238E27FC236}">
+                <a16:creationId xmlns:a16="http://schemas.microsoft.com/office/drawing/2014/main" id="{949F78F0-AC6D-4213-BF40-5FE2765EC5FB}"/>
+              </a:ext>
+            </a:extLst>
+          </p:cNvPr>
+          <p:cNvSpPr txBox="1"/>
+          <p:nvPr/>
+        </p:nvSpPr>
+        <p:spPr>
+          <a:xfrm>
+            <a:off x="634481" y="926841"/>
+            <a:ext cx="10381861" cy="3139321"/>
+          </a:xfrm>
+          <a:prstGeom prst="rect">
+            <a:avLst/>
+          </a:prstGeom>
+          <a:noFill/>
+        </p:spPr>
+        <p:txBody>
+          <a:bodyPr wrap="square" rtlCol="0">
+            <a:spAutoFit/>
+          </a:bodyPr>
+          <a:lstStyle/>
+          <a:p>
+            <a:r>
+              <a:rPr lang="zh-CN" altLang="en-US" dirty="0"/>
+              <a:t>模型修正：</a:t>
+            </a:r>
+            <a:endParaRPr lang="en-US" altLang="zh-CN" dirty="0"/>
+          </a:p>
+          <a:p>
+            <a:r>
+              <a:rPr lang="zh-CN" altLang="en-US" dirty="0"/>
+              <a:t>在最初的模型中，直接使用</a:t>
+            </a:r>
+            <a:r>
+              <a:rPr lang="en-US" altLang="zh-CN" dirty="0" err="1"/>
+              <a:t>srn+dip</a:t>
+            </a:r>
+            <a:r>
+              <a:rPr lang="zh-CN" altLang="en-US" dirty="0"/>
+              <a:t>进行速率控制，发现</a:t>
+            </a:r>
+            <a:r>
+              <a:rPr lang="en-US" altLang="zh-CN" dirty="0"/>
+              <a:t>SRN</a:t>
+            </a:r>
+            <a:r>
+              <a:rPr lang="zh-CN" altLang="en-US" dirty="0"/>
+              <a:t>对于</a:t>
+            </a:r>
+            <a:r>
+              <a:rPr lang="en-US" altLang="zh-CN" dirty="0"/>
+              <a:t>RTT</a:t>
+            </a:r>
+            <a:r>
+              <a:rPr lang="zh-CN" altLang="en-US" dirty="0"/>
+              <a:t>的预测效果非常差，因此尝试了几种其他的模型，如</a:t>
+            </a:r>
+            <a:r>
+              <a:rPr lang="en-US" altLang="zh-CN" dirty="0"/>
+              <a:t>LSTM,DP</a:t>
+            </a:r>
+            <a:r>
+              <a:rPr lang="zh-CN" altLang="en-US" dirty="0"/>
+              <a:t>和不同的模型架构，</a:t>
+            </a:r>
+            <a:r>
+              <a:rPr lang="en-US" altLang="zh-CN" dirty="0"/>
+              <a:t>seq2seq,many2one</a:t>
+            </a:r>
+            <a:r>
+              <a:rPr lang="zh-CN" altLang="en-US" dirty="0"/>
+              <a:t>等，但是效果都不太理想，一直出现过拟合的情况（即在训练集效果</a:t>
+            </a:r>
+            <a:r>
+              <a:rPr lang="en-US" altLang="zh-CN" dirty="0"/>
+              <a:t>MSE</a:t>
+            </a:r>
+            <a:r>
+              <a:rPr lang="zh-CN" altLang="en-US" dirty="0"/>
+              <a:t>指标非常好</a:t>
+            </a:r>
+            <a:r>
+              <a:rPr lang="en-US" altLang="zh-CN" dirty="0"/>
+              <a:t>2%</a:t>
+            </a:r>
+            <a:r>
+              <a:rPr lang="zh-CN" altLang="en-US" dirty="0"/>
+              <a:t>，而测试集指标很差，超过</a:t>
+            </a:r>
+            <a:r>
+              <a:rPr lang="en-US" altLang="zh-CN" dirty="0"/>
+              <a:t>1</a:t>
+            </a:r>
+            <a:r>
+              <a:rPr lang="zh-CN" altLang="en-US" dirty="0"/>
+              <a:t>），根据实际观察分析，有以下几个原因：</a:t>
+            </a:r>
+            <a:endParaRPr lang="en-US" altLang="zh-CN" dirty="0"/>
+          </a:p>
+          <a:p>
+            <a:r>
+              <a:rPr lang="en-US" altLang="zh-CN" dirty="0"/>
+              <a:t>1.</a:t>
+            </a:r>
+            <a:r>
+              <a:rPr lang="zh-CN" altLang="en-US" dirty="0"/>
+              <a:t>数据集未处理，</a:t>
+            </a:r>
+            <a:r>
+              <a:rPr lang="en-US" altLang="zh-CN" dirty="0" err="1"/>
+              <a:t>rtt</a:t>
+            </a:r>
+            <a:r>
+              <a:rPr lang="zh-CN" altLang="en-US" dirty="0"/>
+              <a:t>有大量突变的地方</a:t>
+            </a:r>
+            <a:r>
+              <a:rPr lang="en-US" altLang="zh-CN" dirty="0"/>
+              <a:t>,</a:t>
+            </a:r>
+            <a:r>
+              <a:rPr lang="zh-CN" altLang="en-US" dirty="0"/>
+              <a:t>导致训练前后预测结果都是趋近于一条直线，而且归一化后的</a:t>
+            </a:r>
+            <a:r>
+              <a:rPr lang="en-US" altLang="zh-CN" dirty="0" err="1"/>
+              <a:t>rtt</a:t>
+            </a:r>
+            <a:r>
+              <a:rPr lang="zh-CN" altLang="en-US" dirty="0"/>
+              <a:t>绝大多数值都非常小，这样导致即使预测非常不准确但是</a:t>
+            </a:r>
+            <a:r>
+              <a:rPr lang="en-US" altLang="zh-CN" dirty="0"/>
+              <a:t>loss</a:t>
+            </a:r>
+            <a:r>
+              <a:rPr lang="zh-CN" altLang="en-US" dirty="0"/>
+              <a:t>依然很小，无法收敛</a:t>
+            </a:r>
+            <a:endParaRPr lang="en-US" altLang="zh-CN" dirty="0"/>
+          </a:p>
+          <a:p>
+            <a:r>
+              <a:rPr lang="en-US" altLang="zh-CN" dirty="0"/>
+              <a:t>2.</a:t>
+            </a:r>
+            <a:r>
+              <a:rPr lang="zh-CN" altLang="en-US" dirty="0"/>
+              <a:t>模型过于简单，如</a:t>
+            </a:r>
+            <a:r>
+              <a:rPr lang="en-US" altLang="zh-CN" dirty="0" err="1"/>
+              <a:t>srn</a:t>
+            </a:r>
+            <a:r>
+              <a:rPr lang="zh-CN" altLang="en-US" dirty="0"/>
+              <a:t>，无法收敛</a:t>
+            </a:r>
+            <a:endParaRPr lang="en-US" altLang="zh-CN" dirty="0"/>
+          </a:p>
+          <a:p>
+            <a:r>
+              <a:rPr lang="en-US" altLang="zh-CN" dirty="0"/>
+              <a:t>3.</a:t>
+            </a:r>
+            <a:r>
+              <a:rPr lang="zh-CN" altLang="en-US" dirty="0"/>
+              <a:t>模型过于复杂，曾经搭建过一个四层网络，</a:t>
+            </a:r>
+            <a:r>
+              <a:rPr lang="en-US" altLang="zh-CN" dirty="0" err="1"/>
+              <a:t>lstm+linear+dropout+linear</a:t>
+            </a:r>
+            <a:r>
+              <a:rPr lang="en-US" altLang="zh-CN" dirty="0"/>
+              <a:t>,</a:t>
+            </a:r>
+          </a:p>
+          <a:p>
+            <a:r>
+              <a:rPr lang="en-US" altLang="zh-CN" dirty="0"/>
+              <a:t>4.</a:t>
+            </a:r>
+            <a:r>
+              <a:rPr lang="zh-CN" altLang="en-US" dirty="0"/>
+              <a:t>模型前后错误，例如使用</a:t>
+            </a:r>
+            <a:r>
+              <a:rPr lang="en-US" altLang="zh-CN" dirty="0"/>
+              <a:t>seq2seq</a:t>
+            </a:r>
+            <a:r>
+              <a:rPr lang="zh-CN" altLang="en-US" dirty="0"/>
+              <a:t>架构搭建</a:t>
+            </a:r>
+            <a:r>
+              <a:rPr lang="en-US" altLang="zh-CN" dirty="0" err="1"/>
+              <a:t>lstm</a:t>
+            </a:r>
+            <a:r>
+              <a:rPr lang="zh-CN" altLang="en-US" dirty="0"/>
+              <a:t>的</a:t>
+            </a:r>
+            <a:r>
+              <a:rPr lang="en-US" altLang="zh-CN" dirty="0"/>
+              <a:t>encode</a:t>
+            </a:r>
+            <a:r>
+              <a:rPr lang="zh-CN" altLang="en-US" dirty="0"/>
+              <a:t>和</a:t>
+            </a:r>
+            <a:r>
+              <a:rPr lang="en-US" altLang="zh-CN" dirty="0"/>
+              <a:t>decode,</a:t>
+            </a:r>
+            <a:r>
+              <a:rPr lang="zh-CN" altLang="en-US" dirty="0"/>
+              <a:t>两者输入</a:t>
+            </a:r>
+            <a:r>
+              <a:rPr lang="en-US" altLang="zh-CN" dirty="0" err="1"/>
+              <a:t>input_size</a:t>
+            </a:r>
+            <a:r>
+              <a:rPr lang="zh-CN" altLang="en-US" dirty="0"/>
+              <a:t>维度不同，导致无法预测准确。</a:t>
+            </a:r>
+          </a:p>
+        </p:txBody>
+      </p:sp>
+      <p:sp>
+        <p:nvSpPr>
+          <p:cNvPr id="5" name="文本框 4">
+            <a:extLst>
+              <a:ext uri="{FF2B5EF4-FFF2-40B4-BE49-F238E27FC236}">
+                <a16:creationId xmlns:a16="http://schemas.microsoft.com/office/drawing/2014/main" id="{1C3B7B04-1955-40A9-A73C-37810BB20BFA}"/>
+              </a:ext>
+            </a:extLst>
+          </p:cNvPr>
+          <p:cNvSpPr txBox="1"/>
+          <p:nvPr/>
+        </p:nvSpPr>
+        <p:spPr>
+          <a:xfrm>
+            <a:off x="777551" y="4298302"/>
+            <a:ext cx="9336833" cy="1477328"/>
+          </a:xfrm>
+          <a:prstGeom prst="rect">
+            <a:avLst/>
+          </a:prstGeom>
+          <a:noFill/>
+        </p:spPr>
+        <p:txBody>
+          <a:bodyPr wrap="square" rtlCol="0">
+            <a:spAutoFit/>
+          </a:bodyPr>
+          <a:lstStyle/>
+          <a:p>
+            <a:r>
+              <a:rPr lang="zh-CN" altLang="en-US" dirty="0"/>
+              <a:t>对于上述问题，之中确定了一套有效的解决方案：</a:t>
+            </a:r>
+            <a:endParaRPr lang="en-US" altLang="zh-CN" dirty="0"/>
+          </a:p>
+          <a:p>
+            <a:r>
+              <a:rPr lang="en-US" altLang="zh-CN" dirty="0"/>
+              <a:t>1</a:t>
+            </a:r>
+            <a:r>
+              <a:rPr lang="zh-CN" altLang="en-US" dirty="0"/>
+              <a:t>针对</a:t>
+            </a:r>
+            <a:r>
+              <a:rPr lang="en-US" altLang="zh-CN" dirty="0" err="1"/>
+              <a:t>rtt</a:t>
+            </a:r>
+            <a:r>
+              <a:rPr lang="zh-CN" altLang="en-US" dirty="0"/>
+              <a:t>突变很难学习的情况，引入了数据预处理模块，我们从</a:t>
+            </a:r>
+            <a:r>
+              <a:rPr lang="en-US" altLang="zh-CN" dirty="0" err="1"/>
+              <a:t>rtt</a:t>
+            </a:r>
+            <a:r>
+              <a:rPr lang="zh-CN" altLang="en-US" dirty="0"/>
+              <a:t>中提取变化特征，由预测</a:t>
+            </a:r>
+            <a:r>
+              <a:rPr lang="en-US" altLang="zh-CN" dirty="0" err="1"/>
+              <a:t>rtt</a:t>
+            </a:r>
+            <a:r>
+              <a:rPr lang="zh-CN" altLang="en-US" dirty="0"/>
+              <a:t>编程预测</a:t>
+            </a:r>
+            <a:r>
+              <a:rPr lang="en-US" altLang="zh-CN" dirty="0" err="1"/>
+              <a:t>rtt</a:t>
+            </a:r>
+            <a:r>
+              <a:rPr lang="zh-CN" altLang="en-US" dirty="0"/>
+              <a:t>变化率，具体操作如下：</a:t>
+            </a:r>
+            <a:endParaRPr lang="en-US" altLang="zh-CN" dirty="0"/>
+          </a:p>
+          <a:p>
+            <a:pPr marL="285750" indent="-285750">
+              <a:buFont typeface="Arial" panose="020B0604020202020204" pitchFamily="34" charset="0"/>
+              <a:buChar char="•"/>
+            </a:pPr>
+            <a:r>
+              <a:rPr lang="zh-CN" altLang="en-US" dirty="0"/>
+              <a:t>首先获得</a:t>
+            </a:r>
+            <a:r>
+              <a:rPr lang="en-US" altLang="zh-CN" dirty="0" err="1"/>
+              <a:t>rtt</a:t>
+            </a:r>
+            <a:r>
+              <a:rPr lang="zh-CN" altLang="en-US" dirty="0"/>
+              <a:t>时间原始数据</a:t>
+            </a:r>
+            <a:r>
+              <a:rPr lang="en-US" altLang="zh-CN" dirty="0"/>
+              <a:t>R(t)</a:t>
+            </a:r>
+            <a:r>
+              <a:rPr lang="zh-CN" altLang="en-US" dirty="0"/>
+              <a:t>，对</a:t>
+            </a:r>
+            <a:r>
+              <a:rPr lang="en-US" altLang="zh-CN" dirty="0" err="1"/>
+              <a:t>rtt</a:t>
+            </a:r>
+            <a:r>
+              <a:rPr lang="zh-CN" altLang="en-US" dirty="0"/>
+              <a:t>进行平滑处理</a:t>
+            </a:r>
+            <a:r>
+              <a:rPr lang="en-US" altLang="zh-CN" dirty="0"/>
+              <a:t>,</a:t>
+            </a:r>
+            <a:r>
+              <a:rPr lang="zh-CN" altLang="en-US" dirty="0"/>
+              <a:t>结果为</a:t>
+            </a:r>
+            <a:r>
+              <a:rPr lang="en-US" altLang="zh-CN" dirty="0"/>
+              <a:t>S(t),o</a:t>
+            </a:r>
+            <a:r>
+              <a:rPr lang="zh-CN" altLang="en-US" dirty="0"/>
+              <a:t>值取</a:t>
+            </a:r>
+            <a:r>
+              <a:rPr lang="en-US" altLang="zh-CN" dirty="0"/>
+              <a:t>0.8</a:t>
+            </a:r>
+          </a:p>
+          <a:p>
+            <a:endParaRPr lang="en-US" altLang="zh-CN" dirty="0"/>
+          </a:p>
+        </p:txBody>
+      </p:sp>
+      <p:pic>
+        <p:nvPicPr>
+          <p:cNvPr id="7" name="图片 6">
+            <a:extLst>
+              <a:ext uri="{FF2B5EF4-FFF2-40B4-BE49-F238E27FC236}">
+                <a16:creationId xmlns:a16="http://schemas.microsoft.com/office/drawing/2014/main" id="{1AAA2A1F-18BA-4E58-9A98-1F2AC1426026}"/>
+              </a:ext>
+            </a:extLst>
+          </p:cNvPr>
+          <p:cNvPicPr>
+            <a:picLocks noChangeAspect="1"/>
+          </p:cNvPicPr>
+          <p:nvPr/>
+        </p:nvPicPr>
+        <p:blipFill>
+          <a:blip r:embed="rId2"/>
+          <a:stretch>
+            <a:fillRect/>
+          </a:stretch>
+        </p:blipFill>
+        <p:spPr>
+          <a:xfrm>
+            <a:off x="4527283" y="5767262"/>
+            <a:ext cx="1943114" cy="481016"/>
+          </a:xfrm>
+          <a:prstGeom prst="rect">
+            <a:avLst/>
+          </a:prstGeom>
+        </p:spPr>
+      </p:pic>
+    </p:spTree>
+    <p:extLst>
+      <p:ext uri="{BB962C8B-B14F-4D97-AF65-F5344CB8AC3E}">
+        <p14:creationId xmlns:p14="http://schemas.microsoft.com/office/powerpoint/2010/main" val="3639794420"/>
+      </p:ext>
+    </p:extLst>
+  </p:cSld>
+  <p:clrMapOvr>
+    <a:masterClrMapping/>
+  </p:clrMapOvr>
+</p:sld>
+</file>
+
+<file path=ppt/slides/slide28.xml><?xml version="1.0" encoding="utf-8"?>
+<p:sld xmlns:a="http://schemas.openxmlformats.org/drawingml/2006/main" xmlns:r="http://schemas.openxmlformats.org/officeDocument/2006/relationships" xmlns:p="http://schemas.openxmlformats.org/presentationml/2006/main">
+  <p:cSld>
+    <p:spTree>
+      <p:nvGrpSpPr>
+        <p:cNvPr id="1" name=""/>
+        <p:cNvGrpSpPr/>
+        <p:nvPr/>
+      </p:nvGrpSpPr>
+      <p:grpSpPr>
+        <a:xfrm>
+          <a:off x="0" y="0"/>
+          <a:ext cx="0" cy="0"/>
+          <a:chOff x="0" y="0"/>
+          <a:chExt cx="0" cy="0"/>
+        </a:xfrm>
+      </p:grpSpPr>
+      <p:sp>
+        <p:nvSpPr>
+          <p:cNvPr id="2" name="文本框 1">
+            <a:extLst>
+              <a:ext uri="{FF2B5EF4-FFF2-40B4-BE49-F238E27FC236}">
+                <a16:creationId xmlns:a16="http://schemas.microsoft.com/office/drawing/2014/main" id="{4C10B01E-C519-4B83-BC11-996260C5C822}"/>
+              </a:ext>
+            </a:extLst>
+          </p:cNvPr>
+          <p:cNvSpPr txBox="1"/>
+          <p:nvPr/>
+        </p:nvSpPr>
+        <p:spPr>
+          <a:xfrm>
+            <a:off x="989045" y="404327"/>
+            <a:ext cx="8136294" cy="369332"/>
+          </a:xfrm>
+          <a:prstGeom prst="rect">
+            <a:avLst/>
+          </a:prstGeom>
+          <a:noFill/>
+        </p:spPr>
+        <p:txBody>
+          <a:bodyPr wrap="square" rtlCol="0">
+            <a:spAutoFit/>
+          </a:bodyPr>
+          <a:lstStyle/>
+          <a:p>
+            <a:pPr marL="285750" indent="-285750">
+              <a:buFont typeface="Arial" panose="020B0604020202020204" pitchFamily="34" charset="0"/>
+              <a:buChar char="•"/>
+            </a:pPr>
+            <a:r>
+              <a:rPr lang="zh-CN" altLang="en-US" dirty="0"/>
+              <a:t>根据原始数据和平滑结果计算</a:t>
+            </a:r>
+            <a:r>
+              <a:rPr lang="en-US" altLang="zh-CN" dirty="0" err="1"/>
+              <a:t>rtt</a:t>
+            </a:r>
+            <a:r>
+              <a:rPr lang="zh-CN" altLang="en-US" dirty="0"/>
+              <a:t>变化率特征值</a:t>
+            </a:r>
+            <a:r>
+              <a:rPr lang="en-US" altLang="zh-CN" dirty="0"/>
+              <a:t>I(t),</a:t>
+            </a:r>
+            <a:r>
+              <a:rPr lang="zh-CN" altLang="en-US" dirty="0"/>
+              <a:t>作为神经网络的输入</a:t>
+            </a:r>
+          </a:p>
+        </p:txBody>
+      </p:sp>
+      <p:pic>
+        <p:nvPicPr>
+          <p:cNvPr id="4" name="图片 3">
+            <a:extLst>
+              <a:ext uri="{FF2B5EF4-FFF2-40B4-BE49-F238E27FC236}">
+                <a16:creationId xmlns:a16="http://schemas.microsoft.com/office/drawing/2014/main" id="{4BB4F1BD-1C10-4F30-8D40-2A30CE1AB203}"/>
+              </a:ext>
+            </a:extLst>
+          </p:cNvPr>
+          <p:cNvPicPr>
+            <a:picLocks noChangeAspect="1"/>
+          </p:cNvPicPr>
+          <p:nvPr/>
+        </p:nvPicPr>
+        <p:blipFill>
+          <a:blip r:embed="rId2"/>
+          <a:stretch>
+            <a:fillRect/>
+          </a:stretch>
+        </p:blipFill>
+        <p:spPr>
+          <a:xfrm>
+            <a:off x="3581185" y="963043"/>
+            <a:ext cx="2676545" cy="490541"/>
+          </a:xfrm>
+          <a:prstGeom prst="rect">
+            <a:avLst/>
+          </a:prstGeom>
+        </p:spPr>
+      </p:pic>
+      <p:sp>
+        <p:nvSpPr>
+          <p:cNvPr id="5" name="文本框 4">
+            <a:extLst>
+              <a:ext uri="{FF2B5EF4-FFF2-40B4-BE49-F238E27FC236}">
+                <a16:creationId xmlns:a16="http://schemas.microsoft.com/office/drawing/2014/main" id="{A3F3BB87-98C3-4C32-B67D-C813BA7A88FF}"/>
+              </a:ext>
+            </a:extLst>
+          </p:cNvPr>
+          <p:cNvSpPr txBox="1"/>
+          <p:nvPr/>
+        </p:nvSpPr>
+        <p:spPr>
+          <a:xfrm>
+            <a:off x="1356049" y="1903445"/>
+            <a:ext cx="8011886" cy="369332"/>
+          </a:xfrm>
+          <a:prstGeom prst="rect">
+            <a:avLst/>
+          </a:prstGeom>
+          <a:noFill/>
+        </p:spPr>
+        <p:txBody>
+          <a:bodyPr wrap="square" rtlCol="0">
+            <a:spAutoFit/>
+          </a:bodyPr>
+          <a:lstStyle/>
+          <a:p>
+            <a:pPr marL="285750" indent="-285750">
+              <a:buFont typeface="Arial" panose="020B0604020202020204" pitchFamily="34" charset="0"/>
+              <a:buChar char="•"/>
+            </a:pPr>
+            <a:r>
+              <a:rPr lang="zh-CN" altLang="en-US" dirty="0"/>
+              <a:t>将（下一时刻的值</a:t>
+            </a:r>
+            <a:r>
+              <a:rPr lang="en-US" altLang="zh-CN" dirty="0"/>
+              <a:t>-</a:t>
+            </a:r>
+            <a:r>
+              <a:rPr lang="zh-CN" altLang="en-US" dirty="0"/>
+              <a:t>当前时刻平滑值）</a:t>
+            </a:r>
+            <a:r>
+              <a:rPr lang="en-US" altLang="zh-CN" dirty="0"/>
+              <a:t>/</a:t>
+            </a:r>
+            <a:r>
+              <a:rPr lang="zh-CN" altLang="en-US" dirty="0"/>
+              <a:t>当前时刻平滑值作为标签输出</a:t>
+            </a:r>
+          </a:p>
+        </p:txBody>
+      </p:sp>
+      <p:pic>
+        <p:nvPicPr>
+          <p:cNvPr id="7" name="图片 6">
+            <a:extLst>
+              <a:ext uri="{FF2B5EF4-FFF2-40B4-BE49-F238E27FC236}">
+                <a16:creationId xmlns:a16="http://schemas.microsoft.com/office/drawing/2014/main" id="{489B92A7-0026-4DA0-A810-16D69B8F9EB6}"/>
+              </a:ext>
+            </a:extLst>
+          </p:cNvPr>
+          <p:cNvPicPr>
+            <a:picLocks noChangeAspect="1"/>
+          </p:cNvPicPr>
+          <p:nvPr/>
+        </p:nvPicPr>
+        <p:blipFill>
+          <a:blip r:embed="rId3"/>
+          <a:stretch>
+            <a:fillRect/>
+          </a:stretch>
+        </p:blipFill>
+        <p:spPr>
+          <a:xfrm>
+            <a:off x="4412198" y="2455628"/>
+            <a:ext cx="1410103" cy="815480"/>
+          </a:xfrm>
+          <a:prstGeom prst="rect">
+            <a:avLst/>
+          </a:prstGeom>
+        </p:spPr>
+      </p:pic>
+      <p:sp>
+        <p:nvSpPr>
+          <p:cNvPr id="8" name="文本框 7">
+            <a:extLst>
+              <a:ext uri="{FF2B5EF4-FFF2-40B4-BE49-F238E27FC236}">
+                <a16:creationId xmlns:a16="http://schemas.microsoft.com/office/drawing/2014/main" id="{91975F65-84C7-43FC-82D3-4ECE62E75DE8}"/>
+              </a:ext>
+            </a:extLst>
+          </p:cNvPr>
+          <p:cNvSpPr txBox="1"/>
+          <p:nvPr/>
+        </p:nvSpPr>
+        <p:spPr>
+          <a:xfrm>
+            <a:off x="1231641" y="3429000"/>
+            <a:ext cx="7271657" cy="923330"/>
+          </a:xfrm>
+          <a:prstGeom prst="rect">
+            <a:avLst/>
+          </a:prstGeom>
+          <a:noFill/>
+        </p:spPr>
+        <p:txBody>
+          <a:bodyPr wrap="square" rtlCol="0">
+            <a:spAutoFit/>
+          </a:bodyPr>
+          <a:lstStyle/>
+          <a:p>
+            <a:r>
+              <a:rPr lang="zh-CN" altLang="en-US" dirty="0"/>
+              <a:t>因此根据上述公式能够推导出</a:t>
+            </a:r>
+            <a:r>
+              <a:rPr lang="en-US" altLang="zh-CN" dirty="0" err="1"/>
+              <a:t>rtt</a:t>
+            </a:r>
+            <a:r>
+              <a:rPr lang="zh-CN" altLang="en-US" dirty="0"/>
+              <a:t>预测值</a:t>
+            </a:r>
+            <a:endParaRPr lang="en-US" altLang="zh-CN" dirty="0"/>
+          </a:p>
+          <a:p>
+            <a:r>
+              <a:rPr lang="en-US" altLang="zh-CN" dirty="0" err="1"/>
+              <a:t>RTTpred</a:t>
+            </a:r>
+            <a:r>
+              <a:rPr lang="en-US" altLang="zh-CN" dirty="0"/>
+              <a:t> = S(t)(1+O(t)),O(t)</a:t>
+            </a:r>
+            <a:r>
+              <a:rPr lang="zh-CN" altLang="en-US" dirty="0"/>
+              <a:t>为神经网络输出</a:t>
+            </a:r>
+            <a:endParaRPr lang="en-US" altLang="zh-CN" dirty="0"/>
+          </a:p>
+          <a:p>
+            <a:r>
+              <a:rPr lang="en-US" altLang="zh-CN" dirty="0"/>
+              <a:t>MSE</a:t>
+            </a:r>
+            <a:r>
+              <a:rPr lang="zh-CN" altLang="en-US" dirty="0"/>
+              <a:t>指标</a:t>
+            </a:r>
+            <a:r>
+              <a:rPr lang="en-US" altLang="zh-CN" dirty="0"/>
+              <a:t>=|O(t)-Lt|/(Lt+1)</a:t>
+            </a:r>
+            <a:endParaRPr lang="zh-CN" altLang="en-US" dirty="0"/>
+          </a:p>
+        </p:txBody>
+      </p:sp>
+      <p:sp>
+        <p:nvSpPr>
+          <p:cNvPr id="9" name="文本框 8">
+            <a:extLst>
+              <a:ext uri="{FF2B5EF4-FFF2-40B4-BE49-F238E27FC236}">
+                <a16:creationId xmlns:a16="http://schemas.microsoft.com/office/drawing/2014/main" id="{96DEF16D-5BCB-4114-95E8-1EA0B6622C60}"/>
+              </a:ext>
+            </a:extLst>
+          </p:cNvPr>
+          <p:cNvSpPr txBox="1"/>
+          <p:nvPr/>
+        </p:nvSpPr>
+        <p:spPr>
+          <a:xfrm>
+            <a:off x="989045" y="4559559"/>
+            <a:ext cx="8497077" cy="923330"/>
+          </a:xfrm>
+          <a:prstGeom prst="rect">
+            <a:avLst/>
+          </a:prstGeom>
+          <a:noFill/>
+        </p:spPr>
+        <p:txBody>
+          <a:bodyPr wrap="square" rtlCol="0">
+            <a:spAutoFit/>
+          </a:bodyPr>
+          <a:lstStyle/>
+          <a:p>
+            <a:r>
+              <a:rPr lang="zh-CN" altLang="en-US" dirty="0"/>
+              <a:t>对于处理后的标签值大多数都处在</a:t>
+            </a:r>
+            <a:r>
+              <a:rPr lang="en-US" altLang="zh-CN" dirty="0"/>
+              <a:t>-0.02</a:t>
+            </a:r>
+            <a:r>
+              <a:rPr lang="zh-CN" altLang="en-US" dirty="0"/>
+              <a:t>到</a:t>
+            </a:r>
+            <a:r>
+              <a:rPr lang="en-US" altLang="zh-CN" dirty="0"/>
+              <a:t>0.02</a:t>
+            </a:r>
+            <a:r>
+              <a:rPr lang="zh-CN" altLang="en-US" dirty="0"/>
+              <a:t>之间，为防止过拟合，我们根据数据绝对值大小分为四段，</a:t>
+            </a:r>
+            <a:r>
+              <a:rPr lang="en-US" altLang="zh-CN" dirty="0"/>
+              <a:t>[0,0.02);[0.02,0.08);[0.08,0.15);[0.15,inf),</a:t>
+            </a:r>
+            <a:r>
+              <a:rPr lang="zh-CN" altLang="en-US" dirty="0"/>
+              <a:t>统计每段里面的数量，在根据数量最小的值对每段进行采样作为最终的数据集</a:t>
+            </a:r>
+          </a:p>
+        </p:txBody>
+      </p:sp>
+    </p:spTree>
+    <p:extLst>
+      <p:ext uri="{BB962C8B-B14F-4D97-AF65-F5344CB8AC3E}">
+        <p14:creationId xmlns:p14="http://schemas.microsoft.com/office/powerpoint/2010/main" val="1012977599"/>
+      </p:ext>
+    </p:extLst>
+  </p:cSld>
+  <p:clrMapOvr>
+    <a:masterClrMapping/>
+  </p:clrMapOvr>
+</p:sld>
+</file>
+
+<file path=ppt/slides/slide29.xml><?xml version="1.0" encoding="utf-8"?>
+<p:sld xmlns:a="http://schemas.openxmlformats.org/drawingml/2006/main" xmlns:r="http://schemas.openxmlformats.org/officeDocument/2006/relationships" xmlns:p="http://schemas.openxmlformats.org/presentationml/2006/main">
+  <p:cSld>
+    <p:spTree>
+      <p:nvGrpSpPr>
+        <p:cNvPr id="1" name=""/>
+        <p:cNvGrpSpPr/>
+        <p:nvPr/>
+      </p:nvGrpSpPr>
+      <p:grpSpPr>
+        <a:xfrm>
+          <a:off x="0" y="0"/>
+          <a:ext cx="0" cy="0"/>
+          <a:chOff x="0" y="0"/>
+          <a:chExt cx="0" cy="0"/>
+        </a:xfrm>
+      </p:grpSpPr>
+      <p:sp>
+        <p:nvSpPr>
+          <p:cNvPr id="2" name="文本框 1">
+            <a:extLst>
+              <a:ext uri="{FF2B5EF4-FFF2-40B4-BE49-F238E27FC236}">
+                <a16:creationId xmlns:a16="http://schemas.microsoft.com/office/drawing/2014/main" id="{5E28776B-AEE9-4649-B6A2-CC68BD134FC0}"/>
+              </a:ext>
+            </a:extLst>
+          </p:cNvPr>
+          <p:cNvSpPr txBox="1"/>
+          <p:nvPr/>
+        </p:nvSpPr>
+        <p:spPr>
+          <a:xfrm>
+            <a:off x="1051249" y="447869"/>
+            <a:ext cx="8876522" cy="646331"/>
+          </a:xfrm>
+          <a:prstGeom prst="rect">
+            <a:avLst/>
+          </a:prstGeom>
+          <a:noFill/>
+        </p:spPr>
+        <p:txBody>
+          <a:bodyPr wrap="square" rtlCol="0">
+            <a:spAutoFit/>
+          </a:bodyPr>
+          <a:lstStyle/>
+          <a:p>
+            <a:r>
+              <a:rPr lang="en-US" altLang="zh-CN" dirty="0"/>
+              <a:t>2</a:t>
+            </a:r>
+            <a:r>
+              <a:rPr lang="zh-CN" altLang="en-US" dirty="0"/>
+              <a:t>针对于预测网络模型上，我们选取了适中大小神经网络，一共有两层，第一层为</a:t>
+            </a:r>
+            <a:r>
+              <a:rPr lang="en-US" altLang="zh-CN" dirty="0"/>
+              <a:t>LSTM</a:t>
+            </a:r>
+            <a:r>
+              <a:rPr lang="zh-CN" altLang="en-US" dirty="0"/>
+              <a:t>，一共三个</a:t>
+            </a:r>
+            <a:r>
+              <a:rPr lang="en-US" altLang="zh-CN" dirty="0" err="1"/>
+              <a:t>LSTMcell</a:t>
+            </a:r>
+            <a:r>
+              <a:rPr lang="zh-CN" altLang="en-US" dirty="0"/>
+              <a:t>，第二层为</a:t>
+            </a:r>
+            <a:r>
+              <a:rPr lang="en-US" altLang="zh-CN" dirty="0"/>
+              <a:t>Linear</a:t>
+            </a:r>
+            <a:endParaRPr lang="zh-CN" altLang="en-US" dirty="0"/>
+          </a:p>
+        </p:txBody>
+      </p:sp>
+      <p:sp>
+        <p:nvSpPr>
+          <p:cNvPr id="3" name="文本框 2">
+            <a:extLst>
+              <a:ext uri="{FF2B5EF4-FFF2-40B4-BE49-F238E27FC236}">
+                <a16:creationId xmlns:a16="http://schemas.microsoft.com/office/drawing/2014/main" id="{19B12629-FC87-4863-A21B-BDEDB2E7EDF1}"/>
+              </a:ext>
+            </a:extLst>
+          </p:cNvPr>
+          <p:cNvSpPr txBox="1"/>
+          <p:nvPr/>
+        </p:nvSpPr>
+        <p:spPr>
+          <a:xfrm>
+            <a:off x="1125894" y="1418253"/>
+            <a:ext cx="7333861" cy="1200329"/>
+          </a:xfrm>
+          <a:prstGeom prst="rect">
+            <a:avLst/>
+          </a:prstGeom>
+          <a:noFill/>
+        </p:spPr>
+        <p:txBody>
+          <a:bodyPr wrap="square" rtlCol="0">
+            <a:spAutoFit/>
+          </a:bodyPr>
+          <a:lstStyle/>
+          <a:p>
+            <a:r>
+              <a:rPr lang="zh-CN" altLang="en-US" dirty="0"/>
+              <a:t>训练：通过</a:t>
+            </a:r>
+            <a:r>
+              <a:rPr lang="en-US" altLang="zh-CN" dirty="0"/>
+              <a:t>ns3</a:t>
+            </a:r>
+            <a:r>
+              <a:rPr lang="zh-CN" altLang="en-US" dirty="0"/>
+              <a:t>仿真平台调用</a:t>
+            </a:r>
+            <a:r>
+              <a:rPr lang="en-US" altLang="zh-CN" dirty="0"/>
+              <a:t>timely</a:t>
+            </a:r>
+            <a:r>
+              <a:rPr lang="zh-CN" altLang="en-US" dirty="0"/>
+              <a:t>算法的获取</a:t>
+            </a:r>
+            <a:r>
+              <a:rPr lang="en-US" altLang="zh-CN" dirty="0" err="1"/>
+              <a:t>rtt</a:t>
+            </a:r>
+            <a:r>
+              <a:rPr lang="zh-CN" altLang="en-US" dirty="0"/>
+              <a:t>数据，经处理后大概有</a:t>
+            </a:r>
+            <a:r>
+              <a:rPr lang="en-US" altLang="zh-CN" dirty="0"/>
+              <a:t>10000</a:t>
+            </a:r>
+            <a:r>
+              <a:rPr lang="zh-CN" altLang="en-US" dirty="0"/>
+              <a:t>个，将后</a:t>
+            </a:r>
+            <a:r>
+              <a:rPr lang="en-US" altLang="zh-CN" dirty="0"/>
+              <a:t>2000</a:t>
+            </a:r>
+            <a:r>
+              <a:rPr lang="zh-CN" altLang="en-US" dirty="0"/>
+              <a:t>个数据作为测试，其余用于训练，</a:t>
+            </a:r>
+            <a:r>
+              <a:rPr lang="en-US" altLang="zh-CN" dirty="0"/>
+              <a:t>MSE</a:t>
+            </a:r>
+            <a:r>
+              <a:rPr lang="zh-CN" altLang="en-US" dirty="0"/>
+              <a:t>指标如下</a:t>
+            </a:r>
+            <a:endParaRPr lang="en-US" altLang="zh-CN" dirty="0"/>
+          </a:p>
+          <a:p>
+            <a:r>
+              <a:rPr lang="en-US" altLang="zh-CN" dirty="0"/>
+              <a:t>tensor(0.0461) </a:t>
+            </a:r>
+            <a:r>
+              <a:rPr lang="zh-CN" altLang="en-US" dirty="0"/>
+              <a:t>训练集预测准确度</a:t>
+            </a:r>
+            <a:r>
+              <a:rPr lang="en-US" altLang="zh-CN" dirty="0"/>
+              <a:t>95.39%</a:t>
+            </a:r>
+            <a:br>
+              <a:rPr lang="en-US" altLang="zh-CN" dirty="0"/>
+            </a:br>
+            <a:r>
+              <a:rPr lang="en-US" altLang="zh-CN" dirty="0"/>
+              <a:t>tensor(0.0911)</a:t>
+            </a:r>
+            <a:r>
+              <a:rPr lang="zh-CN" altLang="en-US" dirty="0"/>
+              <a:t>测试集预测准确度</a:t>
+            </a:r>
+            <a:r>
+              <a:rPr lang="en-US" altLang="zh-CN" dirty="0"/>
+              <a:t>90.89%</a:t>
+            </a:r>
+            <a:endParaRPr lang="zh-CN" altLang="en-US" dirty="0"/>
+          </a:p>
+        </p:txBody>
+      </p:sp>
+      <p:pic>
+        <p:nvPicPr>
+          <p:cNvPr id="7" name="图片 6">
+            <a:extLst>
+              <a:ext uri="{FF2B5EF4-FFF2-40B4-BE49-F238E27FC236}">
+                <a16:creationId xmlns:a16="http://schemas.microsoft.com/office/drawing/2014/main" id="{6DF8DF58-6913-43B2-9753-11EDF6724411}"/>
+              </a:ext>
+            </a:extLst>
+          </p:cNvPr>
+          <p:cNvPicPr>
+            <a:picLocks noChangeAspect="1"/>
+          </p:cNvPicPr>
+          <p:nvPr/>
+        </p:nvPicPr>
+        <p:blipFill>
+          <a:blip r:embed="rId2"/>
+          <a:stretch>
+            <a:fillRect/>
+          </a:stretch>
+        </p:blipFill>
+        <p:spPr>
+          <a:xfrm>
+            <a:off x="536578" y="2848174"/>
+            <a:ext cx="5185424" cy="3280697"/>
+          </a:xfrm>
+          <a:prstGeom prst="rect">
+            <a:avLst/>
+          </a:prstGeom>
+        </p:spPr>
+      </p:pic>
+      <p:pic>
+        <p:nvPicPr>
+          <p:cNvPr id="9" name="图片 8">
+            <a:extLst>
+              <a:ext uri="{FF2B5EF4-FFF2-40B4-BE49-F238E27FC236}">
+                <a16:creationId xmlns:a16="http://schemas.microsoft.com/office/drawing/2014/main" id="{7327031D-DA18-4ADB-B63B-D1A8D203D025}"/>
+              </a:ext>
+            </a:extLst>
+          </p:cNvPr>
+          <p:cNvPicPr>
+            <a:picLocks noChangeAspect="1"/>
+          </p:cNvPicPr>
+          <p:nvPr/>
+        </p:nvPicPr>
+        <p:blipFill>
+          <a:blip r:embed="rId3"/>
+          <a:stretch>
+            <a:fillRect/>
+          </a:stretch>
+        </p:blipFill>
+        <p:spPr>
+          <a:xfrm>
+            <a:off x="6222031" y="2873054"/>
+            <a:ext cx="5185424" cy="3280697"/>
+          </a:xfrm>
+          <a:prstGeom prst="rect">
+            <a:avLst/>
+          </a:prstGeom>
+        </p:spPr>
+      </p:pic>
+    </p:spTree>
+    <p:extLst>
+      <p:ext uri="{BB962C8B-B14F-4D97-AF65-F5344CB8AC3E}">
+        <p14:creationId xmlns:p14="http://schemas.microsoft.com/office/powerpoint/2010/main" val="1850399426"/>
       </p:ext>
     </p:extLst>
   </p:cSld>
@@ -11973,66 +13833,78 @@
                     <a:lstStyle/>
                     <a:p>
                       <a:r>
-                        <a:rPr lang="en-US" altLang="zh-CN">
+                        <a:rPr lang="en-US" altLang="zh-CN" dirty="0">
                           <a:hlinkClick r:id="rId5"/>
                         </a:rPr>
                         <a:t>(26</a:t>
                       </a:r>
                       <a:r>
-                        <a:rPr lang="zh-CN" altLang="en-US">
+                        <a:rPr lang="zh-CN" altLang="en-US" dirty="0">
                           <a:hlinkClick r:id="rId5"/>
                         </a:rPr>
                         <a:t>条消息</a:t>
                       </a:r>
                       <a:r>
-                        <a:rPr lang="en-US" altLang="zh-CN">
+                        <a:rPr lang="en-US" altLang="zh-CN" dirty="0">
                           <a:hlinkClick r:id="rId5"/>
                         </a:rPr>
                         <a:t>) RNN</a:t>
                       </a:r>
                       <a:r>
-                        <a:rPr lang="zh-CN" altLang="en-US">
+                        <a:rPr lang="zh-CN" altLang="en-US" dirty="0">
                           <a:hlinkClick r:id="rId5"/>
                         </a:rPr>
                         <a:t>原理及输入输出</a:t>
                       </a:r>
                       <a:r>
-                        <a:rPr lang="en-US" altLang="zh-CN">
+                        <a:rPr lang="en-US" altLang="zh-CN" dirty="0">
                           <a:hlinkClick r:id="rId5"/>
                         </a:rPr>
-                        <a:t>_ciaowzq</a:t>
+                        <a:t>_</a:t>
                       </a:r>
                       <a:r>
-                        <a:rPr lang="zh-CN" altLang="en-US">
+                        <a:rPr lang="en-US" altLang="zh-CN" dirty="0" err="1">
+                          <a:hlinkClick r:id="rId5"/>
+                        </a:rPr>
+                        <a:t>ciaowzq</a:t>
+                      </a:r>
+                      <a:r>
+                        <a:rPr lang="zh-CN" altLang="en-US" dirty="0">
                           <a:hlinkClick r:id="rId5"/>
                         </a:rPr>
                         <a:t>的博客</a:t>
                       </a:r>
                       <a:r>
-                        <a:rPr lang="en-US" altLang="zh-CN">
+                        <a:rPr lang="en-US" altLang="zh-CN" dirty="0">
                           <a:hlinkClick r:id="rId5"/>
                         </a:rPr>
                         <a:t>-CSDN</a:t>
                       </a:r>
                       <a:r>
-                        <a:rPr lang="zh-CN" altLang="en-US">
+                        <a:rPr lang="zh-CN" altLang="en-US" dirty="0">
                           <a:hlinkClick r:id="rId5"/>
                         </a:rPr>
                         <a:t>博客</a:t>
                       </a:r>
                       <a:r>
-                        <a:rPr lang="en-US" altLang="zh-CN">
+                        <a:rPr lang="en-US" altLang="zh-CN" dirty="0">
                           <a:hlinkClick r:id="rId5"/>
                         </a:rPr>
-                        <a:t>_rnn</a:t>
+                        <a:t>_</a:t>
                       </a:r>
                       <a:r>
-                        <a:rPr lang="zh-CN" altLang="en-US">
+                        <a:rPr lang="en-US" altLang="zh-CN" dirty="0" err="1">
+                          <a:hlinkClick r:id="rId5"/>
+                        </a:rPr>
+                        <a:t>rnn</a:t>
+                      </a:r>
+                      <a:r>
+                        <a:rPr lang="zh-CN" altLang="en-US" dirty="0">
                           <a:hlinkClick r:id="rId5"/>
                         </a:rPr>
                         <a:t>的输入和输出</a:t>
                       </a:r>
-                      <a:endParaRPr lang="en-US" altLang="zh-CN"/>
+                      <a:endParaRPr lang="en-US" altLang="zh-CN" dirty="0"/>
                     </a:p>
                     <a:p>
                       <a:endParaRPr lang="zh-CN" altLang="en-US" dirty="0"/>

--- a/paper/毕设思路 [自动保存的] [自动保存的].pptx
+++ b/paper/毕设思路 [自动保存的] [自动保存的].pptx
@@ -34,6 +34,9 @@
     <p:sldId id="283" r:id="rId28"/>
     <p:sldId id="284" r:id="rId29"/>
     <p:sldId id="285" r:id="rId30"/>
+    <p:sldId id="286" r:id="rId31"/>
+    <p:sldId id="287" r:id="rId32"/>
+    <p:sldId id="288" r:id="rId33"/>
   </p:sldIdLst>
   <p:sldSz cx="12192000" cy="6858000"/>
   <p:notesSz cx="6858000" cy="9144000"/>
@@ -287,7 +290,7 @@
           <a:p>
             <a:fld id="{AD8B3968-3313-4141-86A3-A13F50CDB1A3}" type="datetimeFigureOut">
               <a:rPr lang="zh-CN" altLang="en-US" smtClean="0"/>
-              <a:t>2023/3/15</a:t>
+              <a:t>2023/3/18</a:t>
             </a:fld>
             <a:endParaRPr lang="zh-CN" altLang="en-US"/>
           </a:p>
@@ -485,7 +488,7 @@
           <a:p>
             <a:fld id="{AD8B3968-3313-4141-86A3-A13F50CDB1A3}" type="datetimeFigureOut">
               <a:rPr lang="zh-CN" altLang="en-US" smtClean="0"/>
-              <a:t>2023/3/15</a:t>
+              <a:t>2023/3/18</a:t>
             </a:fld>
             <a:endParaRPr lang="zh-CN" altLang="en-US"/>
           </a:p>
@@ -693,7 +696,7 @@
           <a:p>
             <a:fld id="{AD8B3968-3313-4141-86A3-A13F50CDB1A3}" type="datetimeFigureOut">
               <a:rPr lang="zh-CN" altLang="en-US" smtClean="0"/>
-              <a:t>2023/3/15</a:t>
+              <a:t>2023/3/18</a:t>
             </a:fld>
             <a:endParaRPr lang="zh-CN" altLang="en-US"/>
           </a:p>
@@ -891,7 +894,7 @@
           <a:p>
             <a:fld id="{AD8B3968-3313-4141-86A3-A13F50CDB1A3}" type="datetimeFigureOut">
               <a:rPr lang="zh-CN" altLang="en-US" smtClean="0"/>
-              <a:t>2023/3/15</a:t>
+              <a:t>2023/3/18</a:t>
             </a:fld>
             <a:endParaRPr lang="zh-CN" altLang="en-US"/>
           </a:p>
@@ -1166,7 +1169,7 @@
           <a:p>
             <a:fld id="{AD8B3968-3313-4141-86A3-A13F50CDB1A3}" type="datetimeFigureOut">
               <a:rPr lang="zh-CN" altLang="en-US" smtClean="0"/>
-              <a:t>2023/3/15</a:t>
+              <a:t>2023/3/18</a:t>
             </a:fld>
             <a:endParaRPr lang="zh-CN" altLang="en-US"/>
           </a:p>
@@ -1431,7 +1434,7 @@
           <a:p>
             <a:fld id="{AD8B3968-3313-4141-86A3-A13F50CDB1A3}" type="datetimeFigureOut">
               <a:rPr lang="zh-CN" altLang="en-US" smtClean="0"/>
-              <a:t>2023/3/15</a:t>
+              <a:t>2023/3/18</a:t>
             </a:fld>
             <a:endParaRPr lang="zh-CN" altLang="en-US"/>
           </a:p>
@@ -1843,7 +1846,7 @@
           <a:p>
             <a:fld id="{AD8B3968-3313-4141-86A3-A13F50CDB1A3}" type="datetimeFigureOut">
               <a:rPr lang="zh-CN" altLang="en-US" smtClean="0"/>
-              <a:t>2023/3/15</a:t>
+              <a:t>2023/3/18</a:t>
             </a:fld>
             <a:endParaRPr lang="zh-CN" altLang="en-US"/>
           </a:p>
@@ -1984,7 +1987,7 @@
           <a:p>
             <a:fld id="{AD8B3968-3313-4141-86A3-A13F50CDB1A3}" type="datetimeFigureOut">
               <a:rPr lang="zh-CN" altLang="en-US" smtClean="0"/>
-              <a:t>2023/3/15</a:t>
+              <a:t>2023/3/18</a:t>
             </a:fld>
             <a:endParaRPr lang="zh-CN" altLang="en-US"/>
           </a:p>
@@ -2097,7 +2100,7 @@
           <a:p>
             <a:fld id="{AD8B3968-3313-4141-86A3-A13F50CDB1A3}" type="datetimeFigureOut">
               <a:rPr lang="zh-CN" altLang="en-US" smtClean="0"/>
-              <a:t>2023/3/15</a:t>
+              <a:t>2023/3/18</a:t>
             </a:fld>
             <a:endParaRPr lang="zh-CN" altLang="en-US"/>
           </a:p>
@@ -2408,7 +2411,7 @@
           <a:p>
             <a:fld id="{AD8B3968-3313-4141-86A3-A13F50CDB1A3}" type="datetimeFigureOut">
               <a:rPr lang="zh-CN" altLang="en-US" smtClean="0"/>
-              <a:t>2023/3/15</a:t>
+              <a:t>2023/3/18</a:t>
             </a:fld>
             <a:endParaRPr lang="zh-CN" altLang="en-US"/>
           </a:p>
@@ -2696,7 +2699,7 @@
           <a:p>
             <a:fld id="{AD8B3968-3313-4141-86A3-A13F50CDB1A3}" type="datetimeFigureOut">
               <a:rPr lang="zh-CN" altLang="en-US" smtClean="0"/>
-              <a:t>2023/3/15</a:t>
+              <a:t>2023/3/18</a:t>
             </a:fld>
             <a:endParaRPr lang="zh-CN" altLang="en-US"/>
           </a:p>
@@ -2937,7 +2940,7 @@
           <a:p>
             <a:fld id="{AD8B3968-3313-4141-86A3-A13F50CDB1A3}" type="datetimeFigureOut">
               <a:rPr lang="zh-CN" altLang="en-US" smtClean="0"/>
-              <a:t>2023/3/15</a:t>
+              <a:t>2023/3/18</a:t>
             </a:fld>
             <a:endParaRPr lang="zh-CN" altLang="en-US"/>
           </a:p>
@@ -12274,6 +12277,59 @@
           </a:prstGeom>
         </p:spPr>
       </p:pic>
+      <p:sp>
+        <p:nvSpPr>
+          <p:cNvPr id="8" name="文本框 7">
+            <a:extLst>
+              <a:ext uri="{FF2B5EF4-FFF2-40B4-BE49-F238E27FC236}">
+                <a16:creationId xmlns:a16="http://schemas.microsoft.com/office/drawing/2014/main" id="{3B1E75F5-1A08-4473-A699-ABE52AEB8831}"/>
+              </a:ext>
+            </a:extLst>
+          </p:cNvPr>
+          <p:cNvSpPr txBox="1"/>
+          <p:nvPr/>
+        </p:nvSpPr>
+        <p:spPr>
+          <a:xfrm>
+            <a:off x="6222031" y="2017177"/>
+            <a:ext cx="6077339" cy="830997"/>
+          </a:xfrm>
+          <a:prstGeom prst="rect">
+            <a:avLst/>
+          </a:prstGeom>
+          <a:noFill/>
+        </p:spPr>
+        <p:txBody>
+          <a:bodyPr wrap="square">
+            <a:spAutoFit/>
+          </a:bodyPr>
+          <a:lstStyle/>
+          <a:p>
+            <a:r>
+              <a:rPr lang="zh-CN" altLang="en-US" sz="1200" dirty="0"/>
+              <a:t>model(</a:t>
+            </a:r>
+          </a:p>
+          <a:p>
+            <a:r>
+              <a:rPr lang="zh-CN" altLang="en-US" sz="1200" dirty="0"/>
+              <a:t>  (lstm): LSTM(1, 32, batch_first=True)</a:t>
+            </a:r>
+          </a:p>
+          <a:p>
+            <a:r>
+              <a:rPr lang="zh-CN" altLang="en-US" sz="1200" dirty="0"/>
+              <a:t>  (linear0): Linear(in_features=32, out_features=1, bias=True)</a:t>
+            </a:r>
+          </a:p>
+          <a:p>
+            <a:r>
+              <a:rPr lang="zh-CN" altLang="en-US" sz="1200" dirty="0"/>
+              <a:t>)</a:t>
+            </a:r>
+          </a:p>
+        </p:txBody>
+      </p:sp>
     </p:spTree>
     <p:extLst>
       <p:ext uri="{BB962C8B-B14F-4D97-AF65-F5344CB8AC3E}">
@@ -12439,6 +12495,492 @@
     <p:extLst>
       <p:ext uri="{BB962C8B-B14F-4D97-AF65-F5344CB8AC3E}">
         <p14:creationId xmlns:p14="http://schemas.microsoft.com/office/powerpoint/2010/main" val="1095853302"/>
+      </p:ext>
+    </p:extLst>
+  </p:cSld>
+  <p:clrMapOvr>
+    <a:masterClrMapping/>
+  </p:clrMapOvr>
+</p:sld>
+</file>
+
+<file path=ppt/slides/slide30.xml><?xml version="1.0" encoding="utf-8"?>
+<p:sld xmlns:a="http://schemas.openxmlformats.org/drawingml/2006/main" xmlns:r="http://schemas.openxmlformats.org/officeDocument/2006/relationships" xmlns:p="http://schemas.openxmlformats.org/presentationml/2006/main">
+  <p:cSld>
+    <p:spTree>
+      <p:nvGrpSpPr>
+        <p:cNvPr id="1" name=""/>
+        <p:cNvGrpSpPr/>
+        <p:nvPr/>
+      </p:nvGrpSpPr>
+      <p:grpSpPr>
+        <a:xfrm>
+          <a:off x="0" y="0"/>
+          <a:ext cx="0" cy="0"/>
+          <a:chOff x="0" y="0"/>
+          <a:chExt cx="0" cy="0"/>
+        </a:xfrm>
+      </p:grpSpPr>
+      <p:sp>
+        <p:nvSpPr>
+          <p:cNvPr id="2" name="文本框 1">
+            <a:extLst>
+              <a:ext uri="{FF2B5EF4-FFF2-40B4-BE49-F238E27FC236}">
+                <a16:creationId xmlns:a16="http://schemas.microsoft.com/office/drawing/2014/main" id="{6DAF8DF7-011D-46AD-8C51-D55BEBFF74A0}"/>
+              </a:ext>
+            </a:extLst>
+          </p:cNvPr>
+          <p:cNvSpPr txBox="1"/>
+          <p:nvPr/>
+        </p:nvSpPr>
+        <p:spPr>
+          <a:xfrm>
+            <a:off x="304800" y="422988"/>
+            <a:ext cx="5915608" cy="646331"/>
+          </a:xfrm>
+          <a:prstGeom prst="rect">
+            <a:avLst/>
+          </a:prstGeom>
+          <a:noFill/>
+        </p:spPr>
+        <p:txBody>
+          <a:bodyPr wrap="square" rtlCol="0">
+            <a:spAutoFit/>
+          </a:bodyPr>
+          <a:lstStyle/>
+          <a:p>
+            <a:r>
+              <a:rPr lang="en-US" altLang="zh-CN" dirty="0"/>
+              <a:t>DIP</a:t>
+            </a:r>
+            <a:r>
+              <a:rPr lang="zh-CN" altLang="en-US" dirty="0"/>
+              <a:t>速率控制模块：</a:t>
+            </a:r>
+            <a:endParaRPr lang="en-US" altLang="zh-CN" dirty="0"/>
+          </a:p>
+          <a:p>
+            <a:endParaRPr lang="zh-CN" altLang="en-US" dirty="0"/>
+          </a:p>
+        </p:txBody>
+      </p:sp>
+      <p:sp>
+        <p:nvSpPr>
+          <p:cNvPr id="3" name="文本框 2">
+            <a:extLst>
+              <a:ext uri="{FF2B5EF4-FFF2-40B4-BE49-F238E27FC236}">
+                <a16:creationId xmlns:a16="http://schemas.microsoft.com/office/drawing/2014/main" id="{2C38F0CB-0D6A-49E0-9159-D0417333E82D}"/>
+              </a:ext>
+            </a:extLst>
+          </p:cNvPr>
+          <p:cNvSpPr txBox="1"/>
+          <p:nvPr/>
+        </p:nvSpPr>
+        <p:spPr>
+          <a:xfrm>
+            <a:off x="485192" y="1069319"/>
+            <a:ext cx="3968620" cy="646331"/>
+          </a:xfrm>
+          <a:prstGeom prst="rect">
+            <a:avLst/>
+          </a:prstGeom>
+          <a:noFill/>
+        </p:spPr>
+        <p:txBody>
+          <a:bodyPr wrap="square" rtlCol="0">
+            <a:spAutoFit/>
+          </a:bodyPr>
+          <a:lstStyle/>
+          <a:p>
+            <a:r>
+              <a:rPr lang="en-US" altLang="zh-CN" dirty="0"/>
+              <a:t>NS3</a:t>
+            </a:r>
+            <a:r>
+              <a:rPr lang="zh-CN" altLang="en-US" dirty="0"/>
+              <a:t>初始速率：</a:t>
+            </a:r>
+            <a:endParaRPr lang="en-US" altLang="zh-CN" dirty="0"/>
+          </a:p>
+          <a:p>
+            <a:endParaRPr lang="zh-CN" altLang="en-US" dirty="0"/>
+          </a:p>
+        </p:txBody>
+      </p:sp>
+      <p:pic>
+        <p:nvPicPr>
+          <p:cNvPr id="5" name="图片 4">
+            <a:extLst>
+              <a:ext uri="{FF2B5EF4-FFF2-40B4-BE49-F238E27FC236}">
+                <a16:creationId xmlns:a16="http://schemas.microsoft.com/office/drawing/2014/main" id="{4582CC0C-EC71-43BB-B1D6-326D7ABEB890}"/>
+              </a:ext>
+            </a:extLst>
+          </p:cNvPr>
+          <p:cNvPicPr>
+            <a:picLocks noChangeAspect="1"/>
+          </p:cNvPicPr>
+          <p:nvPr/>
+        </p:nvPicPr>
+        <p:blipFill>
+          <a:blip r:embed="rId2"/>
+          <a:stretch>
+            <a:fillRect/>
+          </a:stretch>
+        </p:blipFill>
+        <p:spPr>
+          <a:xfrm>
+            <a:off x="2678451" y="1331149"/>
+            <a:ext cx="4819685" cy="5029237"/>
+          </a:xfrm>
+          <a:prstGeom prst="rect">
+            <a:avLst/>
+          </a:prstGeom>
+        </p:spPr>
+      </p:pic>
+    </p:spTree>
+    <p:extLst>
+      <p:ext uri="{BB962C8B-B14F-4D97-AF65-F5344CB8AC3E}">
+        <p14:creationId xmlns:p14="http://schemas.microsoft.com/office/powerpoint/2010/main" val="3443121691"/>
+      </p:ext>
+    </p:extLst>
+  </p:cSld>
+  <p:clrMapOvr>
+    <a:masterClrMapping/>
+  </p:clrMapOvr>
+</p:sld>
+</file>
+
+<file path=ppt/slides/slide31.xml><?xml version="1.0" encoding="utf-8"?>
+<p:sld xmlns:a="http://schemas.openxmlformats.org/drawingml/2006/main" xmlns:r="http://schemas.openxmlformats.org/officeDocument/2006/relationships" xmlns:p="http://schemas.openxmlformats.org/presentationml/2006/main">
+  <p:cSld>
+    <p:spTree>
+      <p:nvGrpSpPr>
+        <p:cNvPr id="1" name=""/>
+        <p:cNvGrpSpPr/>
+        <p:nvPr/>
+      </p:nvGrpSpPr>
+      <p:grpSpPr>
+        <a:xfrm>
+          <a:off x="0" y="0"/>
+          <a:ext cx="0" cy="0"/>
+          <a:chOff x="0" y="0"/>
+          <a:chExt cx="0" cy="0"/>
+        </a:xfrm>
+      </p:grpSpPr>
+      <p:sp>
+        <p:nvSpPr>
+          <p:cNvPr id="2" name="文本框 1">
+            <a:extLst>
+              <a:ext uri="{FF2B5EF4-FFF2-40B4-BE49-F238E27FC236}">
+                <a16:creationId xmlns:a16="http://schemas.microsoft.com/office/drawing/2014/main" id="{F2AC11D2-14CB-4760-9177-738C87539F10}"/>
+              </a:ext>
+            </a:extLst>
+          </p:cNvPr>
+          <p:cNvSpPr txBox="1"/>
+          <p:nvPr/>
+        </p:nvSpPr>
+        <p:spPr>
+          <a:xfrm>
+            <a:off x="796211" y="678024"/>
+            <a:ext cx="8814319" cy="923330"/>
+          </a:xfrm>
+          <a:prstGeom prst="rect">
+            <a:avLst/>
+          </a:prstGeom>
+          <a:noFill/>
+        </p:spPr>
+        <p:txBody>
+          <a:bodyPr wrap="square" rtlCol="0">
+            <a:spAutoFit/>
+          </a:bodyPr>
+          <a:lstStyle/>
+          <a:p>
+            <a:r>
+              <a:rPr lang="zh-CN" altLang="en-US" dirty="0"/>
+              <a:t>基于</a:t>
+            </a:r>
+            <a:r>
+              <a:rPr lang="en-US" altLang="zh-CN" dirty="0"/>
+              <a:t>RTT</a:t>
+            </a:r>
+            <a:r>
+              <a:rPr lang="zh-CN" altLang="en-US" dirty="0"/>
+              <a:t>的终端拥塞控制算法</a:t>
+            </a:r>
+            <a:r>
+              <a:rPr lang="en-US" altLang="zh-CN" dirty="0"/>
+              <a:t>(TIMELY,DIP)</a:t>
+            </a:r>
+            <a:r>
+              <a:rPr lang="zh-CN" altLang="en-US" dirty="0"/>
+              <a:t>仿真时都经常观察到一种现象</a:t>
+            </a:r>
+            <a:r>
+              <a:rPr lang="en-US" altLang="zh-CN" dirty="0"/>
+              <a:t>,</a:t>
+            </a:r>
+            <a:r>
+              <a:rPr lang="zh-CN" altLang="en-US" dirty="0"/>
+              <a:t>即最终结果的</a:t>
+            </a:r>
+            <a:r>
+              <a:rPr lang="en-US" altLang="zh-CN" dirty="0"/>
+              <a:t>RTT</a:t>
+            </a:r>
+            <a:r>
+              <a:rPr lang="zh-CN" altLang="en-US" dirty="0"/>
+              <a:t>时延会按照忽大忽小的波浪状的形状变化，如下图：</a:t>
+            </a:r>
+            <a:endParaRPr lang="en-US" altLang="zh-CN" dirty="0"/>
+          </a:p>
+          <a:p>
+            <a:endParaRPr lang="zh-CN" altLang="en-US" dirty="0"/>
+          </a:p>
+        </p:txBody>
+      </p:sp>
+      <p:pic>
+        <p:nvPicPr>
+          <p:cNvPr id="4" name="图片 3">
+            <a:extLst>
+              <a:ext uri="{FF2B5EF4-FFF2-40B4-BE49-F238E27FC236}">
+                <a16:creationId xmlns:a16="http://schemas.microsoft.com/office/drawing/2014/main" id="{51579BC6-57A6-4EDC-8E22-C341C1B006CF}"/>
+              </a:ext>
+            </a:extLst>
+          </p:cNvPr>
+          <p:cNvPicPr>
+            <a:picLocks noChangeAspect="1"/>
+          </p:cNvPicPr>
+          <p:nvPr/>
+        </p:nvPicPr>
+        <p:blipFill>
+          <a:blip r:embed="rId2"/>
+          <a:stretch>
+            <a:fillRect/>
+          </a:stretch>
+        </p:blipFill>
+        <p:spPr>
+          <a:xfrm>
+            <a:off x="945501" y="1675899"/>
+            <a:ext cx="5615763" cy="3412396"/>
+          </a:xfrm>
+          <a:prstGeom prst="rect">
+            <a:avLst/>
+          </a:prstGeom>
+        </p:spPr>
+      </p:pic>
+      <p:pic>
+        <p:nvPicPr>
+          <p:cNvPr id="6" name="图片 5">
+            <a:extLst>
+              <a:ext uri="{FF2B5EF4-FFF2-40B4-BE49-F238E27FC236}">
+                <a16:creationId xmlns:a16="http://schemas.microsoft.com/office/drawing/2014/main" id="{DD199CA1-12F0-4D22-AB86-40D4370B4A7E}"/>
+              </a:ext>
+            </a:extLst>
+          </p:cNvPr>
+          <p:cNvPicPr>
+            <a:picLocks noChangeAspect="1"/>
+          </p:cNvPicPr>
+          <p:nvPr/>
+        </p:nvPicPr>
+        <p:blipFill>
+          <a:blip r:embed="rId3"/>
+          <a:stretch>
+            <a:fillRect/>
+          </a:stretch>
+        </p:blipFill>
+        <p:spPr>
+          <a:xfrm>
+            <a:off x="7049994" y="1809130"/>
+            <a:ext cx="4084537" cy="3473765"/>
+          </a:xfrm>
+          <a:prstGeom prst="rect">
+            <a:avLst/>
+          </a:prstGeom>
+        </p:spPr>
+      </p:pic>
+      <p:sp>
+        <p:nvSpPr>
+          <p:cNvPr id="9" name="文本框 8">
+            <a:extLst>
+              <a:ext uri="{FF2B5EF4-FFF2-40B4-BE49-F238E27FC236}">
+                <a16:creationId xmlns:a16="http://schemas.microsoft.com/office/drawing/2014/main" id="{D1C2BBBB-DC43-45B9-BFA8-E0A4D1E6EDCD}"/>
+              </a:ext>
+            </a:extLst>
+          </p:cNvPr>
+          <p:cNvSpPr txBox="1"/>
+          <p:nvPr/>
+        </p:nvSpPr>
+        <p:spPr>
+          <a:xfrm>
+            <a:off x="2021633" y="5492620"/>
+            <a:ext cx="1573763" cy="369332"/>
+          </a:xfrm>
+          <a:prstGeom prst="rect">
+            <a:avLst/>
+          </a:prstGeom>
+          <a:noFill/>
+        </p:spPr>
+        <p:txBody>
+          <a:bodyPr wrap="square" rtlCol="0">
+            <a:spAutoFit/>
+          </a:bodyPr>
+          <a:lstStyle/>
+          <a:p>
+            <a:r>
+              <a:rPr lang="en-US" altLang="zh-CN" dirty="0"/>
+              <a:t>timely</a:t>
+            </a:r>
+            <a:endParaRPr lang="zh-CN" altLang="en-US" dirty="0"/>
+          </a:p>
+        </p:txBody>
+      </p:sp>
+      <p:sp>
+        <p:nvSpPr>
+          <p:cNvPr id="10" name="文本框 9">
+            <a:extLst>
+              <a:ext uri="{FF2B5EF4-FFF2-40B4-BE49-F238E27FC236}">
+                <a16:creationId xmlns:a16="http://schemas.microsoft.com/office/drawing/2014/main" id="{24606980-8E76-4764-9CB1-07BCA35D2F08}"/>
+              </a:ext>
+            </a:extLst>
+          </p:cNvPr>
+          <p:cNvSpPr txBox="1"/>
+          <p:nvPr/>
+        </p:nvSpPr>
+        <p:spPr>
+          <a:xfrm>
+            <a:off x="7184571" y="5617029"/>
+            <a:ext cx="2469502" cy="369332"/>
+          </a:xfrm>
+          <a:prstGeom prst="rect">
+            <a:avLst/>
+          </a:prstGeom>
+          <a:noFill/>
+        </p:spPr>
+        <p:txBody>
+          <a:bodyPr wrap="square" rtlCol="0">
+            <a:spAutoFit/>
+          </a:bodyPr>
+          <a:lstStyle/>
+          <a:p>
+            <a:r>
+              <a:rPr lang="en-US" altLang="zh-CN" dirty="0"/>
+              <a:t>dip</a:t>
+            </a:r>
+            <a:endParaRPr lang="zh-CN" altLang="en-US" dirty="0"/>
+          </a:p>
+        </p:txBody>
+      </p:sp>
+    </p:spTree>
+    <p:extLst>
+      <p:ext uri="{BB962C8B-B14F-4D97-AF65-F5344CB8AC3E}">
+        <p14:creationId xmlns:p14="http://schemas.microsoft.com/office/powerpoint/2010/main" val="1307268477"/>
+      </p:ext>
+    </p:extLst>
+  </p:cSld>
+  <p:clrMapOvr>
+    <a:masterClrMapping/>
+  </p:clrMapOvr>
+</p:sld>
+</file>
+
+<file path=ppt/slides/slide32.xml><?xml version="1.0" encoding="utf-8"?>
+<p:sld xmlns:a="http://schemas.openxmlformats.org/drawingml/2006/main" xmlns:r="http://schemas.openxmlformats.org/officeDocument/2006/relationships" xmlns:p="http://schemas.openxmlformats.org/presentationml/2006/main">
+  <p:cSld>
+    <p:spTree>
+      <p:nvGrpSpPr>
+        <p:cNvPr id="1" name=""/>
+        <p:cNvGrpSpPr/>
+        <p:nvPr/>
+      </p:nvGrpSpPr>
+      <p:grpSpPr>
+        <a:xfrm>
+          <a:off x="0" y="0"/>
+          <a:ext cx="0" cy="0"/>
+          <a:chOff x="0" y="0"/>
+          <a:chExt cx="0" cy="0"/>
+        </a:xfrm>
+      </p:grpSpPr>
+      <p:pic>
+        <p:nvPicPr>
+          <p:cNvPr id="3" name="图片 2">
+            <a:extLst>
+              <a:ext uri="{FF2B5EF4-FFF2-40B4-BE49-F238E27FC236}">
+                <a16:creationId xmlns:a16="http://schemas.microsoft.com/office/drawing/2014/main" id="{80B6C691-79CB-43ED-81E1-D421E2881436}"/>
+              </a:ext>
+            </a:extLst>
+          </p:cNvPr>
+          <p:cNvPicPr>
+            <a:picLocks noChangeAspect="1"/>
+          </p:cNvPicPr>
+          <p:nvPr/>
+        </p:nvPicPr>
+        <p:blipFill>
+          <a:blip r:embed="rId2"/>
+          <a:stretch>
+            <a:fillRect/>
+          </a:stretch>
+        </p:blipFill>
+        <p:spPr>
+          <a:xfrm>
+            <a:off x="938958" y="2276254"/>
+            <a:ext cx="6973402" cy="4020568"/>
+          </a:xfrm>
+          <a:prstGeom prst="rect">
+            <a:avLst/>
+          </a:prstGeom>
+        </p:spPr>
+      </p:pic>
+      <p:sp>
+        <p:nvSpPr>
+          <p:cNvPr id="4" name="文本框 3">
+            <a:extLst>
+              <a:ext uri="{FF2B5EF4-FFF2-40B4-BE49-F238E27FC236}">
+                <a16:creationId xmlns:a16="http://schemas.microsoft.com/office/drawing/2014/main" id="{3E3AB6A9-BB00-4DB9-BC6C-0C2504436FD9}"/>
+              </a:ext>
+            </a:extLst>
+          </p:cNvPr>
+          <p:cNvSpPr txBox="1"/>
+          <p:nvPr/>
+        </p:nvSpPr>
+        <p:spPr>
+          <a:xfrm>
+            <a:off x="572278" y="329682"/>
+            <a:ext cx="5449077" cy="369332"/>
+          </a:xfrm>
+          <a:prstGeom prst="rect">
+            <a:avLst/>
+          </a:prstGeom>
+          <a:noFill/>
+        </p:spPr>
+        <p:txBody>
+          <a:bodyPr wrap="square" rtlCol="0">
+            <a:spAutoFit/>
+          </a:bodyPr>
+          <a:lstStyle/>
+          <a:p>
+            <a:r>
+              <a:rPr lang="en-US" altLang="zh-CN" dirty="0"/>
+              <a:t>DCTCP</a:t>
+            </a:r>
+            <a:r>
+              <a:rPr lang="zh-CN" altLang="en-US" dirty="0"/>
+              <a:t>算法时延</a:t>
+            </a:r>
+            <a:r>
+              <a:rPr lang="en-US" altLang="zh-CN" dirty="0"/>
+              <a:t>RTT</a:t>
+            </a:r>
+            <a:r>
+              <a:rPr lang="zh-CN" altLang="en-US" dirty="0"/>
+              <a:t>如下图，相较下变化更为平稳</a:t>
+            </a:r>
+          </a:p>
+        </p:txBody>
+      </p:sp>
+    </p:spTree>
+    <p:extLst>
+      <p:ext uri="{BB962C8B-B14F-4D97-AF65-F5344CB8AC3E}">
+        <p14:creationId xmlns:p14="http://schemas.microsoft.com/office/powerpoint/2010/main" val="825302580"/>
       </p:ext>
     </p:extLst>
   </p:cSld>

--- a/paper/毕设思路 [自动保存的] [自动保存的].pptx
+++ b/paper/毕设思路 [自动保存的] [自动保存的].pptx
@@ -290,7 +290,7 @@
           <a:p>
             <a:fld id="{AD8B3968-3313-4141-86A3-A13F50CDB1A3}" type="datetimeFigureOut">
               <a:rPr lang="zh-CN" altLang="en-US" smtClean="0"/>
-              <a:t>2023/3/18</a:t>
+              <a:t>2023/3/22</a:t>
             </a:fld>
             <a:endParaRPr lang="zh-CN" altLang="en-US"/>
           </a:p>
@@ -488,7 +488,7 @@
           <a:p>
             <a:fld id="{AD8B3968-3313-4141-86A3-A13F50CDB1A3}" type="datetimeFigureOut">
               <a:rPr lang="zh-CN" altLang="en-US" smtClean="0"/>
-              <a:t>2023/3/18</a:t>
+              <a:t>2023/3/22</a:t>
             </a:fld>
             <a:endParaRPr lang="zh-CN" altLang="en-US"/>
           </a:p>
@@ -696,7 +696,7 @@
           <a:p>
             <a:fld id="{AD8B3968-3313-4141-86A3-A13F50CDB1A3}" type="datetimeFigureOut">
               <a:rPr lang="zh-CN" altLang="en-US" smtClean="0"/>
-              <a:t>2023/3/18</a:t>
+              <a:t>2023/3/22</a:t>
             </a:fld>
             <a:endParaRPr lang="zh-CN" altLang="en-US"/>
           </a:p>
@@ -894,7 +894,7 @@
           <a:p>
             <a:fld id="{AD8B3968-3313-4141-86A3-A13F50CDB1A3}" type="datetimeFigureOut">
               <a:rPr lang="zh-CN" altLang="en-US" smtClean="0"/>
-              <a:t>2023/3/18</a:t>
+              <a:t>2023/3/22</a:t>
             </a:fld>
             <a:endParaRPr lang="zh-CN" altLang="en-US"/>
           </a:p>
@@ -1169,7 +1169,7 @@
           <a:p>
             <a:fld id="{AD8B3968-3313-4141-86A3-A13F50CDB1A3}" type="datetimeFigureOut">
               <a:rPr lang="zh-CN" altLang="en-US" smtClean="0"/>
-              <a:t>2023/3/18</a:t>
+              <a:t>2023/3/22</a:t>
             </a:fld>
             <a:endParaRPr lang="zh-CN" altLang="en-US"/>
           </a:p>
@@ -1434,7 +1434,7 @@
           <a:p>
             <a:fld id="{AD8B3968-3313-4141-86A3-A13F50CDB1A3}" type="datetimeFigureOut">
               <a:rPr lang="zh-CN" altLang="en-US" smtClean="0"/>
-              <a:t>2023/3/18</a:t>
+              <a:t>2023/3/22</a:t>
             </a:fld>
             <a:endParaRPr lang="zh-CN" altLang="en-US"/>
           </a:p>
@@ -1846,7 +1846,7 @@
           <a:p>
             <a:fld id="{AD8B3968-3313-4141-86A3-A13F50CDB1A3}" type="datetimeFigureOut">
               <a:rPr lang="zh-CN" altLang="en-US" smtClean="0"/>
-              <a:t>2023/3/18</a:t>
+              <a:t>2023/3/22</a:t>
             </a:fld>
             <a:endParaRPr lang="zh-CN" altLang="en-US"/>
           </a:p>
@@ -1987,7 +1987,7 @@
           <a:p>
             <a:fld id="{AD8B3968-3313-4141-86A3-A13F50CDB1A3}" type="datetimeFigureOut">
               <a:rPr lang="zh-CN" altLang="en-US" smtClean="0"/>
-              <a:t>2023/3/18</a:t>
+              <a:t>2023/3/22</a:t>
             </a:fld>
             <a:endParaRPr lang="zh-CN" altLang="en-US"/>
           </a:p>
@@ -2100,7 +2100,7 @@
           <a:p>
             <a:fld id="{AD8B3968-3313-4141-86A3-A13F50CDB1A3}" type="datetimeFigureOut">
               <a:rPr lang="zh-CN" altLang="en-US" smtClean="0"/>
-              <a:t>2023/3/18</a:t>
+              <a:t>2023/3/22</a:t>
             </a:fld>
             <a:endParaRPr lang="zh-CN" altLang="en-US"/>
           </a:p>
@@ -2411,7 +2411,7 @@
           <a:p>
             <a:fld id="{AD8B3968-3313-4141-86A3-A13F50CDB1A3}" type="datetimeFigureOut">
               <a:rPr lang="zh-CN" altLang="en-US" smtClean="0"/>
-              <a:t>2023/3/18</a:t>
+              <a:t>2023/3/22</a:t>
             </a:fld>
             <a:endParaRPr lang="zh-CN" altLang="en-US"/>
           </a:p>
@@ -2699,7 +2699,7 @@
           <a:p>
             <a:fld id="{AD8B3968-3313-4141-86A3-A13F50CDB1A3}" type="datetimeFigureOut">
               <a:rPr lang="zh-CN" altLang="en-US" smtClean="0"/>
-              <a:t>2023/3/18</a:t>
+              <a:t>2023/3/22</a:t>
             </a:fld>
             <a:endParaRPr lang="zh-CN" altLang="en-US"/>
           </a:p>
@@ -2940,7 +2940,7 @@
           <a:p>
             <a:fld id="{AD8B3968-3313-4141-86A3-A13F50CDB1A3}" type="datetimeFigureOut">
               <a:rPr lang="zh-CN" altLang="en-US" smtClean="0"/>
-              <a:t>2023/3/18</a:t>
+              <a:t>2023/3/22</a:t>
             </a:fld>
             <a:endParaRPr lang="zh-CN" altLang="en-US"/>
           </a:p>
@@ -11256,7 +11256,7 @@
         </p:nvSpPr>
         <p:spPr>
           <a:xfrm>
-            <a:off x="335902" y="348343"/>
+            <a:off x="335902" y="329681"/>
             <a:ext cx="2587690" cy="369332"/>
           </a:xfrm>
           <a:prstGeom prst="rect">
@@ -12010,6 +12010,98 @@
               <a:rPr lang="zh-CN" altLang="en-US" dirty="0"/>
               <a:t>统计每段里面的数量，在根据数量最小的值对每段进行采样作为最终的数据集</a:t>
             </a:r>
+          </a:p>
+        </p:txBody>
+      </p:sp>
+      <p:sp>
+        <p:nvSpPr>
+          <p:cNvPr id="10" name="文本框 9">
+            <a:extLst>
+              <a:ext uri="{FF2B5EF4-FFF2-40B4-BE49-F238E27FC236}">
+                <a16:creationId xmlns:a16="http://schemas.microsoft.com/office/drawing/2014/main" id="{6AC11BFE-9F4A-46AF-8864-AA6CC4467B4C}"/>
+              </a:ext>
+            </a:extLst>
+          </p:cNvPr>
+          <p:cNvSpPr txBox="1"/>
+          <p:nvPr/>
+        </p:nvSpPr>
+        <p:spPr>
+          <a:xfrm>
+            <a:off x="533185" y="5926449"/>
+            <a:ext cx="6096000" cy="646331"/>
+          </a:xfrm>
+          <a:prstGeom prst="rect">
+            <a:avLst/>
+          </a:prstGeom>
+          <a:noFill/>
+        </p:spPr>
+        <p:txBody>
+          <a:bodyPr wrap="square">
+            <a:spAutoFit/>
+          </a:bodyPr>
+          <a:lstStyle/>
+          <a:p>
+            <a:r>
+              <a:rPr lang="zh-CN" altLang="en-US" dirty="0">
+                <a:hlinkClick r:id="rId4"/>
+              </a:rPr>
+              <a:t>一种基于</a:t>
+            </a:r>
+            <a:r>
+              <a:rPr lang="en-US" altLang="zh-CN" dirty="0">
+                <a:hlinkClick r:id="rId4"/>
+              </a:rPr>
+              <a:t>RNN</a:t>
+            </a:r>
+            <a:r>
+              <a:rPr lang="zh-CN" altLang="en-US" dirty="0">
+                <a:hlinkClick r:id="rId4"/>
+              </a:rPr>
+              <a:t>神经网络的</a:t>
+            </a:r>
+            <a:r>
+              <a:rPr lang="en-US" altLang="zh-CN" dirty="0">
+                <a:hlinkClick r:id="rId4"/>
+              </a:rPr>
+              <a:t>RTT</a:t>
+            </a:r>
+            <a:r>
+              <a:rPr lang="zh-CN" altLang="en-US" dirty="0">
+                <a:hlinkClick r:id="rId4"/>
+              </a:rPr>
+              <a:t>预测方法</a:t>
+            </a:r>
+            <a:r>
+              <a:rPr lang="en-US" altLang="zh-CN" dirty="0">
+                <a:hlinkClick r:id="rId4"/>
+              </a:rPr>
+              <a:t>_</a:t>
+            </a:r>
+            <a:r>
+              <a:rPr lang="zh-CN" altLang="en-US" dirty="0">
+                <a:hlinkClick r:id="rId4"/>
+              </a:rPr>
+              <a:t>专利查询 </a:t>
+            </a:r>
+            <a:r>
+              <a:rPr lang="en-US" altLang="zh-CN" dirty="0">
+                <a:hlinkClick r:id="rId4"/>
+              </a:rPr>
+              <a:t>- </a:t>
+            </a:r>
+            <a:r>
+              <a:rPr lang="zh-CN" altLang="en-US" dirty="0">
+                <a:hlinkClick r:id="rId4"/>
+              </a:rPr>
+              <a:t>企查查 </a:t>
+            </a:r>
+            <a:r>
+              <a:rPr lang="en-US" altLang="zh-CN" dirty="0">
+                <a:hlinkClick r:id="rId4"/>
+              </a:rPr>
+              <a:t>(qcc.com)</a:t>
+            </a:r>
+            <a:endParaRPr lang="zh-CN" altLang="en-US" dirty="0"/>
           </a:p>
         </p:txBody>
       </p:sp>

--- a/paper/毕设思路 [自动保存的] [自动保存的].pptx
+++ b/paper/毕设思路 [自动保存的] [自动保存的].pptx
@@ -290,7 +290,7 @@
           <a:p>
             <a:fld id="{AD8B3968-3313-4141-86A3-A13F50CDB1A3}" type="datetimeFigureOut">
               <a:rPr lang="zh-CN" altLang="en-US" smtClean="0"/>
-              <a:t>2023/3/22</a:t>
+              <a:t>2023/3/25</a:t>
             </a:fld>
             <a:endParaRPr lang="zh-CN" altLang="en-US"/>
           </a:p>
@@ -488,7 +488,7 @@
           <a:p>
             <a:fld id="{AD8B3968-3313-4141-86A3-A13F50CDB1A3}" type="datetimeFigureOut">
               <a:rPr lang="zh-CN" altLang="en-US" smtClean="0"/>
-              <a:t>2023/3/22</a:t>
+              <a:t>2023/3/25</a:t>
             </a:fld>
             <a:endParaRPr lang="zh-CN" altLang="en-US"/>
           </a:p>
@@ -696,7 +696,7 @@
           <a:p>
             <a:fld id="{AD8B3968-3313-4141-86A3-A13F50CDB1A3}" type="datetimeFigureOut">
               <a:rPr lang="zh-CN" altLang="en-US" smtClean="0"/>
-              <a:t>2023/3/22</a:t>
+              <a:t>2023/3/25</a:t>
             </a:fld>
             <a:endParaRPr lang="zh-CN" altLang="en-US"/>
           </a:p>
@@ -894,7 +894,7 @@
           <a:p>
             <a:fld id="{AD8B3968-3313-4141-86A3-A13F50CDB1A3}" type="datetimeFigureOut">
               <a:rPr lang="zh-CN" altLang="en-US" smtClean="0"/>
-              <a:t>2023/3/22</a:t>
+              <a:t>2023/3/25</a:t>
             </a:fld>
             <a:endParaRPr lang="zh-CN" altLang="en-US"/>
           </a:p>
@@ -1169,7 +1169,7 @@
           <a:p>
             <a:fld id="{AD8B3968-3313-4141-86A3-A13F50CDB1A3}" type="datetimeFigureOut">
               <a:rPr lang="zh-CN" altLang="en-US" smtClean="0"/>
-              <a:t>2023/3/22</a:t>
+              <a:t>2023/3/25</a:t>
             </a:fld>
             <a:endParaRPr lang="zh-CN" altLang="en-US"/>
           </a:p>
@@ -1434,7 +1434,7 @@
           <a:p>
             <a:fld id="{AD8B3968-3313-4141-86A3-A13F50CDB1A3}" type="datetimeFigureOut">
               <a:rPr lang="zh-CN" altLang="en-US" smtClean="0"/>
-              <a:t>2023/3/22</a:t>
+              <a:t>2023/3/25</a:t>
             </a:fld>
             <a:endParaRPr lang="zh-CN" altLang="en-US"/>
           </a:p>
@@ -1846,7 +1846,7 @@
           <a:p>
             <a:fld id="{AD8B3968-3313-4141-86A3-A13F50CDB1A3}" type="datetimeFigureOut">
               <a:rPr lang="zh-CN" altLang="en-US" smtClean="0"/>
-              <a:t>2023/3/22</a:t>
+              <a:t>2023/3/25</a:t>
             </a:fld>
             <a:endParaRPr lang="zh-CN" altLang="en-US"/>
           </a:p>
@@ -1987,7 +1987,7 @@
           <a:p>
             <a:fld id="{AD8B3968-3313-4141-86A3-A13F50CDB1A3}" type="datetimeFigureOut">
               <a:rPr lang="zh-CN" altLang="en-US" smtClean="0"/>
-              <a:t>2023/3/22</a:t>
+              <a:t>2023/3/25</a:t>
             </a:fld>
             <a:endParaRPr lang="zh-CN" altLang="en-US"/>
           </a:p>
@@ -2100,7 +2100,7 @@
           <a:p>
             <a:fld id="{AD8B3968-3313-4141-86A3-A13F50CDB1A3}" type="datetimeFigureOut">
               <a:rPr lang="zh-CN" altLang="en-US" smtClean="0"/>
-              <a:t>2023/3/22</a:t>
+              <a:t>2023/3/25</a:t>
             </a:fld>
             <a:endParaRPr lang="zh-CN" altLang="en-US"/>
           </a:p>
@@ -2411,7 +2411,7 @@
           <a:p>
             <a:fld id="{AD8B3968-3313-4141-86A3-A13F50CDB1A3}" type="datetimeFigureOut">
               <a:rPr lang="zh-CN" altLang="en-US" smtClean="0"/>
-              <a:t>2023/3/22</a:t>
+              <a:t>2023/3/25</a:t>
             </a:fld>
             <a:endParaRPr lang="zh-CN" altLang="en-US"/>
           </a:p>
@@ -2699,7 +2699,7 @@
           <a:p>
             <a:fld id="{AD8B3968-3313-4141-86A3-A13F50CDB1A3}" type="datetimeFigureOut">
               <a:rPr lang="zh-CN" altLang="en-US" smtClean="0"/>
-              <a:t>2023/3/22</a:t>
+              <a:t>2023/3/25</a:t>
             </a:fld>
             <a:endParaRPr lang="zh-CN" altLang="en-US"/>
           </a:p>
@@ -2940,7 +2940,7 @@
           <a:p>
             <a:fld id="{AD8B3968-3313-4141-86A3-A13F50CDB1A3}" type="datetimeFigureOut">
               <a:rPr lang="zh-CN" altLang="en-US" smtClean="0"/>
-              <a:t>2023/3/22</a:t>
+              <a:t>2023/3/25</a:t>
             </a:fld>
             <a:endParaRPr lang="zh-CN" altLang="en-US"/>
           </a:p>

--- a/paper/毕设思路 [自动保存的] [自动保存的].pptx
+++ b/paper/毕设思路 [自动保存的] [自动保存的].pptx
@@ -37,6 +37,7 @@
     <p:sldId id="286" r:id="rId31"/>
     <p:sldId id="287" r:id="rId32"/>
     <p:sldId id="288" r:id="rId33"/>
+    <p:sldId id="289" r:id="rId34"/>
   </p:sldIdLst>
   <p:sldSz cx="12192000" cy="6858000"/>
   <p:notesSz cx="6858000" cy="9144000"/>
@@ -290,7 +291,7 @@
           <a:p>
             <a:fld id="{AD8B3968-3313-4141-86A3-A13F50CDB1A3}" type="datetimeFigureOut">
               <a:rPr lang="zh-CN" altLang="en-US" smtClean="0"/>
-              <a:t>2023/3/25</a:t>
+              <a:t>2023/3/26</a:t>
             </a:fld>
             <a:endParaRPr lang="zh-CN" altLang="en-US"/>
           </a:p>
@@ -488,7 +489,7 @@
           <a:p>
             <a:fld id="{AD8B3968-3313-4141-86A3-A13F50CDB1A3}" type="datetimeFigureOut">
               <a:rPr lang="zh-CN" altLang="en-US" smtClean="0"/>
-              <a:t>2023/3/25</a:t>
+              <a:t>2023/3/26</a:t>
             </a:fld>
             <a:endParaRPr lang="zh-CN" altLang="en-US"/>
           </a:p>
@@ -696,7 +697,7 @@
           <a:p>
             <a:fld id="{AD8B3968-3313-4141-86A3-A13F50CDB1A3}" type="datetimeFigureOut">
               <a:rPr lang="zh-CN" altLang="en-US" smtClean="0"/>
-              <a:t>2023/3/25</a:t>
+              <a:t>2023/3/26</a:t>
             </a:fld>
             <a:endParaRPr lang="zh-CN" altLang="en-US"/>
           </a:p>
@@ -894,7 +895,7 @@
           <a:p>
             <a:fld id="{AD8B3968-3313-4141-86A3-A13F50CDB1A3}" type="datetimeFigureOut">
               <a:rPr lang="zh-CN" altLang="en-US" smtClean="0"/>
-              <a:t>2023/3/25</a:t>
+              <a:t>2023/3/26</a:t>
             </a:fld>
             <a:endParaRPr lang="zh-CN" altLang="en-US"/>
           </a:p>
@@ -1169,7 +1170,7 @@
           <a:p>
             <a:fld id="{AD8B3968-3313-4141-86A3-A13F50CDB1A3}" type="datetimeFigureOut">
               <a:rPr lang="zh-CN" altLang="en-US" smtClean="0"/>
-              <a:t>2023/3/25</a:t>
+              <a:t>2023/3/26</a:t>
             </a:fld>
             <a:endParaRPr lang="zh-CN" altLang="en-US"/>
           </a:p>
@@ -1434,7 +1435,7 @@
           <a:p>
             <a:fld id="{AD8B3968-3313-4141-86A3-A13F50CDB1A3}" type="datetimeFigureOut">
               <a:rPr lang="zh-CN" altLang="en-US" smtClean="0"/>
-              <a:t>2023/3/25</a:t>
+              <a:t>2023/3/26</a:t>
             </a:fld>
             <a:endParaRPr lang="zh-CN" altLang="en-US"/>
           </a:p>
@@ -1846,7 +1847,7 @@
           <a:p>
             <a:fld id="{AD8B3968-3313-4141-86A3-A13F50CDB1A3}" type="datetimeFigureOut">
               <a:rPr lang="zh-CN" altLang="en-US" smtClean="0"/>
-              <a:t>2023/3/25</a:t>
+              <a:t>2023/3/26</a:t>
             </a:fld>
             <a:endParaRPr lang="zh-CN" altLang="en-US"/>
           </a:p>
@@ -1987,7 +1988,7 @@
           <a:p>
             <a:fld id="{AD8B3968-3313-4141-86A3-A13F50CDB1A3}" type="datetimeFigureOut">
               <a:rPr lang="zh-CN" altLang="en-US" smtClean="0"/>
-              <a:t>2023/3/25</a:t>
+              <a:t>2023/3/26</a:t>
             </a:fld>
             <a:endParaRPr lang="zh-CN" altLang="en-US"/>
           </a:p>
@@ -2100,7 +2101,7 @@
           <a:p>
             <a:fld id="{AD8B3968-3313-4141-86A3-A13F50CDB1A3}" type="datetimeFigureOut">
               <a:rPr lang="zh-CN" altLang="en-US" smtClean="0"/>
-              <a:t>2023/3/25</a:t>
+              <a:t>2023/3/26</a:t>
             </a:fld>
             <a:endParaRPr lang="zh-CN" altLang="en-US"/>
           </a:p>
@@ -2411,7 +2412,7 @@
           <a:p>
             <a:fld id="{AD8B3968-3313-4141-86A3-A13F50CDB1A3}" type="datetimeFigureOut">
               <a:rPr lang="zh-CN" altLang="en-US" smtClean="0"/>
-              <a:t>2023/3/25</a:t>
+              <a:t>2023/3/26</a:t>
             </a:fld>
             <a:endParaRPr lang="zh-CN" altLang="en-US"/>
           </a:p>
@@ -2699,7 +2700,7 @@
           <a:p>
             <a:fld id="{AD8B3968-3313-4141-86A3-A13F50CDB1A3}" type="datetimeFigureOut">
               <a:rPr lang="zh-CN" altLang="en-US" smtClean="0"/>
-              <a:t>2023/3/25</a:t>
+              <a:t>2023/3/26</a:t>
             </a:fld>
             <a:endParaRPr lang="zh-CN" altLang="en-US"/>
           </a:p>
@@ -2940,7 +2941,7 @@
           <a:p>
             <a:fld id="{AD8B3968-3313-4141-86A3-A13F50CDB1A3}" type="datetimeFigureOut">
               <a:rPr lang="zh-CN" altLang="en-US" smtClean="0"/>
-              <a:t>2023/3/25</a:t>
+              <a:t>2023/3/26</a:t>
             </a:fld>
             <a:endParaRPr lang="zh-CN" altLang="en-US"/>
           </a:p>
@@ -13073,6 +13074,231 @@
     <p:extLst>
       <p:ext uri="{BB962C8B-B14F-4D97-AF65-F5344CB8AC3E}">
         <p14:creationId xmlns:p14="http://schemas.microsoft.com/office/powerpoint/2010/main" val="825302580"/>
+      </p:ext>
+    </p:extLst>
+  </p:cSld>
+  <p:clrMapOvr>
+    <a:masterClrMapping/>
+  </p:clrMapOvr>
+</p:sld>
+</file>
+
+<file path=ppt/slides/slide33.xml><?xml version="1.0" encoding="utf-8"?>
+<p:sld xmlns:a="http://schemas.openxmlformats.org/drawingml/2006/main" xmlns:r="http://schemas.openxmlformats.org/officeDocument/2006/relationships" xmlns:p="http://schemas.openxmlformats.org/presentationml/2006/main">
+  <p:cSld>
+    <p:spTree>
+      <p:nvGrpSpPr>
+        <p:cNvPr id="1" name=""/>
+        <p:cNvGrpSpPr/>
+        <p:nvPr/>
+      </p:nvGrpSpPr>
+      <p:grpSpPr>
+        <a:xfrm>
+          <a:off x="0" y="0"/>
+          <a:ext cx="0" cy="0"/>
+          <a:chOff x="0" y="0"/>
+          <a:chExt cx="0" cy="0"/>
+        </a:xfrm>
+      </p:grpSpPr>
+      <mc:AlternateContent xmlns:mc="http://schemas.openxmlformats.org/markup-compatibility/2006">
+        <mc:Choice xmlns:a14="http://schemas.microsoft.com/office/drawing/2010/main" Requires="a14">
+          <p:sp>
+            <p:nvSpPr>
+              <p:cNvPr id="2" name="文本框 1">
+                <a:extLst>
+                  <a:ext uri="{FF2B5EF4-FFF2-40B4-BE49-F238E27FC236}">
+                    <a16:creationId xmlns:a16="http://schemas.microsoft.com/office/drawing/2014/main" id="{2A04E8BD-47F4-41BB-A0A8-4AF69766AC71}"/>
+                  </a:ext>
+                </a:extLst>
+              </p:cNvPr>
+              <p:cNvSpPr txBox="1"/>
+              <p:nvPr/>
+            </p:nvSpPr>
+            <p:spPr>
+              <a:xfrm>
+                <a:off x="497632" y="317241"/>
+                <a:ext cx="7427167" cy="1477328"/>
+              </a:xfrm>
+              <a:prstGeom prst="rect">
+                <a:avLst/>
+              </a:prstGeom>
+              <a:noFill/>
+            </p:spPr>
+            <p:txBody>
+              <a:bodyPr wrap="square" rtlCol="0">
+                <a:spAutoFit/>
+              </a:bodyPr>
+              <a:lstStyle/>
+              <a:p>
+                <a:r>
+                  <a:rPr lang="en-US" altLang="zh-CN" dirty="0"/>
+                  <a:t>PIDnn</a:t>
+                </a:r>
+              </a:p>
+              <a:p>
+                <a:endParaRPr lang="en-US" altLang="zh-CN" dirty="0"/>
+              </a:p>
+              <a:p>
+                <a:endParaRPr lang="en-US" altLang="zh-CN" dirty="0"/>
+              </a:p>
+              <a:p>
+                <a:r>
+                  <a:rPr lang="en-US" altLang="zh-CN" dirty="0"/>
+                  <a:t>Input : </a:t>
+                </a:r>
+                <a:r>
+                  <a:rPr lang="en-US" altLang="zh-CN" dirty="0" err="1"/>
+                  <a:t>rttdiff</a:t>
+                </a:r>
+                <a:endParaRPr lang="en-US" altLang="zh-CN" dirty="0"/>
+              </a:p>
+              <a:p>
+                <a:r>
+                  <a:rPr lang="en-US" altLang="zh-CN" dirty="0"/>
+                  <a:t>Label:  </a:t>
+                </a:r>
+                <a14:m>
+                  <m:oMath xmlns:m="http://schemas.openxmlformats.org/officeDocument/2006/math">
+                    <m:r>
+                      <a:rPr lang="en-US" altLang="zh-CN" i="1" smtClean="0">
+                        <a:latin typeface="Cambria Math" panose="02040503050406030204" pitchFamily="18" charset="0"/>
+                        <a:ea typeface="Cambria Math" panose="02040503050406030204" pitchFamily="18" charset="0"/>
+                      </a:rPr>
+                      <m:t>∆</m:t>
+                    </m:r>
+                    <m:r>
+                      <a:rPr lang="en-US" altLang="zh-CN" b="0" i="1" smtClean="0">
+                        <a:latin typeface="Cambria Math" panose="02040503050406030204" pitchFamily="18" charset="0"/>
+                        <a:ea typeface="Cambria Math" panose="02040503050406030204" pitchFamily="18" charset="0"/>
+                      </a:rPr>
+                      <m:t>𝑟𝑎𝑡𝑒</m:t>
+                    </m:r>
+                    <m:r>
+                      <a:rPr lang="en-US" altLang="zh-CN" b="0" i="1" smtClean="0">
+                        <a:latin typeface="Cambria Math" panose="02040503050406030204" pitchFamily="18" charset="0"/>
+                        <a:ea typeface="Cambria Math" panose="02040503050406030204" pitchFamily="18" charset="0"/>
+                      </a:rPr>
+                      <m:t>=−(</m:t>
+                    </m:r>
+                    <m:r>
+                      <a:rPr lang="en-US" altLang="zh-CN" b="0" i="1" smtClean="0">
+                        <a:latin typeface="Cambria Math" panose="02040503050406030204" pitchFamily="18" charset="0"/>
+                        <a:ea typeface="Cambria Math" panose="02040503050406030204" pitchFamily="18" charset="0"/>
+                      </a:rPr>
+                      <m:t>𝑟𝑡</m:t>
+                    </m:r>
+                    <m:sSub>
+                      <m:sSubPr>
+                        <m:ctrlPr>
+                          <a:rPr lang="en-US" altLang="zh-CN" b="0" i="1" smtClean="0">
+                            <a:latin typeface="Cambria Math" panose="02040503050406030204" pitchFamily="18" charset="0"/>
+                            <a:ea typeface="Cambria Math" panose="02040503050406030204" pitchFamily="18" charset="0"/>
+                          </a:rPr>
+                        </m:ctrlPr>
+                      </m:sSubPr>
+                      <m:e>
+                        <m:r>
+                          <a:rPr lang="en-US" altLang="zh-CN" b="0" i="1" smtClean="0">
+                            <a:latin typeface="Cambria Math" panose="02040503050406030204" pitchFamily="18" charset="0"/>
+                            <a:ea typeface="Cambria Math" panose="02040503050406030204" pitchFamily="18" charset="0"/>
+                          </a:rPr>
+                          <m:t>𝑡</m:t>
+                        </m:r>
+                      </m:e>
+                      <m:sub>
+                        <m:r>
+                          <a:rPr lang="en-US" altLang="zh-CN" b="0" i="1" smtClean="0">
+                            <a:latin typeface="Cambria Math" panose="02040503050406030204" pitchFamily="18" charset="0"/>
+                            <a:ea typeface="Cambria Math" panose="02040503050406030204" pitchFamily="18" charset="0"/>
+                          </a:rPr>
+                          <m:t>𝑛𝑒𝑤</m:t>
+                        </m:r>
+                      </m:sub>
+                    </m:sSub>
+                    <m:r>
+                      <a:rPr lang="en-US" altLang="zh-CN" b="0" i="1" smtClean="0">
+                        <a:latin typeface="Cambria Math" panose="02040503050406030204" pitchFamily="18" charset="0"/>
+                        <a:ea typeface="Cambria Math" panose="02040503050406030204" pitchFamily="18" charset="0"/>
+                      </a:rPr>
+                      <m:t>−</m:t>
+                    </m:r>
+                    <m:r>
+                      <a:rPr lang="en-US" altLang="zh-CN" b="0" i="1" smtClean="0">
+                        <a:latin typeface="Cambria Math" panose="02040503050406030204" pitchFamily="18" charset="0"/>
+                        <a:ea typeface="Cambria Math" panose="02040503050406030204" pitchFamily="18" charset="0"/>
+                      </a:rPr>
+                      <m:t>𝑟𝑡𝑡𝑜𝑙𝑑</m:t>
+                    </m:r>
+                    <m:r>
+                      <a:rPr lang="en-US" altLang="zh-CN" b="0" i="1" smtClean="0">
+                        <a:latin typeface="Cambria Math" panose="02040503050406030204" pitchFamily="18" charset="0"/>
+                        <a:ea typeface="Cambria Math" panose="02040503050406030204" pitchFamily="18" charset="0"/>
+                      </a:rPr>
+                      <m:t>)/</m:t>
+                    </m:r>
+                    <m:r>
+                      <a:rPr lang="en-US" altLang="zh-CN" b="0" i="1" smtClean="0">
+                        <a:latin typeface="Cambria Math" panose="02040503050406030204" pitchFamily="18" charset="0"/>
+                        <a:ea typeface="Cambria Math" panose="02040503050406030204" pitchFamily="18" charset="0"/>
+                      </a:rPr>
+                      <m:t>𝑟𝑡𝑡𝑜𝑙𝑑</m:t>
+                    </m:r>
+                  </m:oMath>
+                </a14:m>
+                <a:endParaRPr lang="en-US" altLang="zh-CN" dirty="0"/>
+              </a:p>
+            </p:txBody>
+          </p:sp>
+        </mc:Choice>
+        <mc:Fallback>
+          <p:sp>
+            <p:nvSpPr>
+              <p:cNvPr id="2" name="文本框 1">
+                <a:extLst>
+                  <a:ext uri="{FF2B5EF4-FFF2-40B4-BE49-F238E27FC236}">
+                    <a16:creationId xmlns:a16="http://schemas.microsoft.com/office/drawing/2014/main" id="{2A04E8BD-47F4-41BB-A0A8-4AF69766AC71}"/>
+                  </a:ext>
+                </a:extLst>
+              </p:cNvPr>
+              <p:cNvSpPr txBox="1">
+                <a:spLocks noRot="1" noChangeAspect="1" noMove="1" noResize="1" noEditPoints="1" noAdjustHandles="1" noChangeArrowheads="1" noChangeShapeType="1" noTextEdit="1"/>
+              </p:cNvSpPr>
+              <p:nvPr/>
+            </p:nvSpPr>
+            <p:spPr>
+              <a:xfrm>
+                <a:off x="497632" y="317241"/>
+                <a:ext cx="7427167" cy="1477328"/>
+              </a:xfrm>
+              <a:prstGeom prst="rect">
+                <a:avLst/>
+              </a:prstGeom>
+              <a:blipFill>
+                <a:blip r:embed="rId2"/>
+                <a:stretch>
+                  <a:fillRect l="-739" t="-2066" b="-5785"/>
+                </a:stretch>
+              </a:blipFill>
+            </p:spPr>
+            <p:txBody>
+              <a:bodyPr/>
+              <a:lstStyle/>
+              <a:p>
+                <a:r>
+                  <a:rPr lang="zh-CN" altLang="en-US">
+                    <a:noFill/>
+                  </a:rPr>
+                  <a:t> </a:t>
+                </a:r>
+              </a:p>
+            </p:txBody>
+          </p:sp>
+        </mc:Fallback>
+      </mc:AlternateContent>
+    </p:spTree>
+    <p:extLst>
+      <p:ext uri="{BB962C8B-B14F-4D97-AF65-F5344CB8AC3E}">
+        <p14:creationId xmlns:p14="http://schemas.microsoft.com/office/powerpoint/2010/main" val="2473329000"/>
       </p:ext>
     </p:extLst>
   </p:cSld>

--- a/paper/毕设思路 [自动保存的] [自动保存的].pptx
+++ b/paper/毕设思路 [自动保存的] [自动保存的].pptx
@@ -38,6 +38,7 @@
     <p:sldId id="287" r:id="rId32"/>
     <p:sldId id="288" r:id="rId33"/>
     <p:sldId id="289" r:id="rId34"/>
+    <p:sldId id="290" r:id="rId35"/>
   </p:sldIdLst>
   <p:sldSz cx="12192000" cy="6858000"/>
   <p:notesSz cx="6858000" cy="9144000"/>
@@ -291,7 +292,7 @@
           <a:p>
             <a:fld id="{AD8B3968-3313-4141-86A3-A13F50CDB1A3}" type="datetimeFigureOut">
               <a:rPr lang="zh-CN" altLang="en-US" smtClean="0"/>
-              <a:t>2023/3/26</a:t>
+              <a:t>2023/4/3</a:t>
             </a:fld>
             <a:endParaRPr lang="zh-CN" altLang="en-US"/>
           </a:p>
@@ -489,7 +490,7 @@
           <a:p>
             <a:fld id="{AD8B3968-3313-4141-86A3-A13F50CDB1A3}" type="datetimeFigureOut">
               <a:rPr lang="zh-CN" altLang="en-US" smtClean="0"/>
-              <a:t>2023/3/26</a:t>
+              <a:t>2023/4/3</a:t>
             </a:fld>
             <a:endParaRPr lang="zh-CN" altLang="en-US"/>
           </a:p>
@@ -697,7 +698,7 @@
           <a:p>
             <a:fld id="{AD8B3968-3313-4141-86A3-A13F50CDB1A3}" type="datetimeFigureOut">
               <a:rPr lang="zh-CN" altLang="en-US" smtClean="0"/>
-              <a:t>2023/3/26</a:t>
+              <a:t>2023/4/3</a:t>
             </a:fld>
             <a:endParaRPr lang="zh-CN" altLang="en-US"/>
           </a:p>
@@ -895,7 +896,7 @@
           <a:p>
             <a:fld id="{AD8B3968-3313-4141-86A3-A13F50CDB1A3}" type="datetimeFigureOut">
               <a:rPr lang="zh-CN" altLang="en-US" smtClean="0"/>
-              <a:t>2023/3/26</a:t>
+              <a:t>2023/4/3</a:t>
             </a:fld>
             <a:endParaRPr lang="zh-CN" altLang="en-US"/>
           </a:p>
@@ -1170,7 +1171,7 @@
           <a:p>
             <a:fld id="{AD8B3968-3313-4141-86A3-A13F50CDB1A3}" type="datetimeFigureOut">
               <a:rPr lang="zh-CN" altLang="en-US" smtClean="0"/>
-              <a:t>2023/3/26</a:t>
+              <a:t>2023/4/3</a:t>
             </a:fld>
             <a:endParaRPr lang="zh-CN" altLang="en-US"/>
           </a:p>
@@ -1435,7 +1436,7 @@
           <a:p>
             <a:fld id="{AD8B3968-3313-4141-86A3-A13F50CDB1A3}" type="datetimeFigureOut">
               <a:rPr lang="zh-CN" altLang="en-US" smtClean="0"/>
-              <a:t>2023/3/26</a:t>
+              <a:t>2023/4/3</a:t>
             </a:fld>
             <a:endParaRPr lang="zh-CN" altLang="en-US"/>
           </a:p>
@@ -1847,7 +1848,7 @@
           <a:p>
             <a:fld id="{AD8B3968-3313-4141-86A3-A13F50CDB1A3}" type="datetimeFigureOut">
               <a:rPr lang="zh-CN" altLang="en-US" smtClean="0"/>
-              <a:t>2023/3/26</a:t>
+              <a:t>2023/4/3</a:t>
             </a:fld>
             <a:endParaRPr lang="zh-CN" altLang="en-US"/>
           </a:p>
@@ -1988,7 +1989,7 @@
           <a:p>
             <a:fld id="{AD8B3968-3313-4141-86A3-A13F50CDB1A3}" type="datetimeFigureOut">
               <a:rPr lang="zh-CN" altLang="en-US" smtClean="0"/>
-              <a:t>2023/3/26</a:t>
+              <a:t>2023/4/3</a:t>
             </a:fld>
             <a:endParaRPr lang="zh-CN" altLang="en-US"/>
           </a:p>
@@ -2101,7 +2102,7 @@
           <a:p>
             <a:fld id="{AD8B3968-3313-4141-86A3-A13F50CDB1A3}" type="datetimeFigureOut">
               <a:rPr lang="zh-CN" altLang="en-US" smtClean="0"/>
-              <a:t>2023/3/26</a:t>
+              <a:t>2023/4/3</a:t>
             </a:fld>
             <a:endParaRPr lang="zh-CN" altLang="en-US"/>
           </a:p>
@@ -2412,7 +2413,7 @@
           <a:p>
             <a:fld id="{AD8B3968-3313-4141-86A3-A13F50CDB1A3}" type="datetimeFigureOut">
               <a:rPr lang="zh-CN" altLang="en-US" smtClean="0"/>
-              <a:t>2023/3/26</a:t>
+              <a:t>2023/4/3</a:t>
             </a:fld>
             <a:endParaRPr lang="zh-CN" altLang="en-US"/>
           </a:p>
@@ -2700,7 +2701,7 @@
           <a:p>
             <a:fld id="{AD8B3968-3313-4141-86A3-A13F50CDB1A3}" type="datetimeFigureOut">
               <a:rPr lang="zh-CN" altLang="en-US" smtClean="0"/>
-              <a:t>2023/3/26</a:t>
+              <a:t>2023/4/3</a:t>
             </a:fld>
             <a:endParaRPr lang="zh-CN" altLang="en-US"/>
           </a:p>
@@ -2941,7 +2942,7 @@
           <a:p>
             <a:fld id="{AD8B3968-3313-4141-86A3-A13F50CDB1A3}" type="datetimeFigureOut">
               <a:rPr lang="zh-CN" altLang="en-US" smtClean="0"/>
-              <a:t>2023/3/26</a:t>
+              <a:t>2023/4/3</a:t>
             </a:fld>
             <a:endParaRPr lang="zh-CN" altLang="en-US"/>
           </a:p>
@@ -13100,6 +13101,119 @@
           <a:chExt cx="0" cy="0"/>
         </a:xfrm>
       </p:grpSpPr>
+      <p:sp>
+        <p:nvSpPr>
+          <p:cNvPr id="2" name="文本框 1">
+            <a:extLst>
+              <a:ext uri="{FF2B5EF4-FFF2-40B4-BE49-F238E27FC236}">
+                <a16:creationId xmlns:a16="http://schemas.microsoft.com/office/drawing/2014/main" id="{2A04E8BD-47F4-41BB-A0A8-4AF69766AC71}"/>
+              </a:ext>
+            </a:extLst>
+          </p:cNvPr>
+          <p:cNvSpPr txBox="1"/>
+          <p:nvPr/>
+        </p:nvSpPr>
+        <p:spPr>
+          <a:xfrm>
+            <a:off x="404325" y="292359"/>
+            <a:ext cx="7427167" cy="369332"/>
+          </a:xfrm>
+          <a:prstGeom prst="rect">
+            <a:avLst/>
+          </a:prstGeom>
+          <a:noFill/>
+        </p:spPr>
+        <p:txBody>
+          <a:bodyPr wrap="square" rtlCol="0">
+            <a:spAutoFit/>
+          </a:bodyPr>
+          <a:lstStyle/>
+          <a:p>
+            <a:r>
+              <a:rPr lang="en-US" altLang="zh-CN" dirty="0" err="1"/>
+              <a:t>PIDnn</a:t>
+            </a:r>
+            <a:endParaRPr lang="en-US" altLang="zh-CN" dirty="0"/>
+          </a:p>
+        </p:txBody>
+      </p:sp>
+      <p:pic>
+        <p:nvPicPr>
+          <p:cNvPr id="1026" name="Picture 2">
+            <a:extLst>
+              <a:ext uri="{FF2B5EF4-FFF2-40B4-BE49-F238E27FC236}">
+                <a16:creationId xmlns:a16="http://schemas.microsoft.com/office/drawing/2014/main" id="{BA013D6F-62B4-491C-AD62-CD7513B4756D}"/>
+              </a:ext>
+            </a:extLst>
+          </p:cNvPr>
+          <p:cNvPicPr>
+            <a:picLocks noChangeAspect="1" noChangeArrowheads="1"/>
+          </p:cNvPicPr>
+          <p:nvPr/>
+        </p:nvPicPr>
+        <p:blipFill>
+          <a:blip r:embed="rId2">
+            <a:extLst>
+              <a:ext uri="{28A0092B-C50C-407E-A947-70E740481C1C}">
+                <a14:useLocalDpi xmlns:a14="http://schemas.microsoft.com/office/drawing/2010/main" val="0"/>
+              </a:ext>
+            </a:extLst>
+          </a:blip>
+          <a:srcRect/>
+          <a:stretch>
+            <a:fillRect/>
+          </a:stretch>
+        </p:blipFill>
+        <p:spPr bwMode="auto">
+          <a:xfrm>
+            <a:off x="1023452" y="1294201"/>
+            <a:ext cx="7971259" cy="3530307"/>
+          </a:xfrm>
+          <a:prstGeom prst="rect">
+            <a:avLst/>
+          </a:prstGeom>
+          <a:noFill/>
+          <a:extLst>
+            <a:ext uri="{909E8E84-426E-40DD-AFC4-6F175D3DCCD1}">
+              <a14:hiddenFill xmlns:a14="http://schemas.microsoft.com/office/drawing/2010/main">
+                <a:solidFill>
+                  <a:srgbClr val="FFFFFF"/>
+                </a:solidFill>
+              </a14:hiddenFill>
+            </a:ext>
+          </a:extLst>
+        </p:spPr>
+      </p:pic>
+    </p:spTree>
+    <p:extLst>
+      <p:ext uri="{BB962C8B-B14F-4D97-AF65-F5344CB8AC3E}">
+        <p14:creationId xmlns:p14="http://schemas.microsoft.com/office/powerpoint/2010/main" val="2473329000"/>
+      </p:ext>
+    </p:extLst>
+  </p:cSld>
+  <p:clrMapOvr>
+    <a:masterClrMapping/>
+  </p:clrMapOvr>
+</p:sld>
+</file>
+
+<file path=ppt/slides/slide34.xml><?xml version="1.0" encoding="utf-8"?>
+<p:sld xmlns:a="http://schemas.openxmlformats.org/drawingml/2006/main" xmlns:r="http://schemas.openxmlformats.org/officeDocument/2006/relationships" xmlns:p="http://schemas.openxmlformats.org/presentationml/2006/main">
+  <p:cSld>
+    <p:spTree>
+      <p:nvGrpSpPr>
+        <p:cNvPr id="1" name=""/>
+        <p:cNvGrpSpPr/>
+        <p:nvPr/>
+      </p:nvGrpSpPr>
+      <p:grpSpPr>
+        <a:xfrm>
+          <a:off x="0" y="0"/>
+          <a:ext cx="0" cy="0"/>
+          <a:chOff x="0" y="0"/>
+          <a:chExt cx="0" cy="0"/>
+        </a:xfrm>
+      </p:grpSpPr>
       <mc:AlternateContent xmlns:mc="http://schemas.openxmlformats.org/markup-compatibility/2006">
         <mc:Choice xmlns:a14="http://schemas.microsoft.com/office/drawing/2010/main" Requires="a14">
           <p:sp>
@@ -13107,7 +13221,7 @@
               <p:cNvPr id="2" name="文本框 1">
                 <a:extLst>
                   <a:ext uri="{FF2B5EF4-FFF2-40B4-BE49-F238E27FC236}">
-                    <a16:creationId xmlns:a16="http://schemas.microsoft.com/office/drawing/2014/main" id="{2A04E8BD-47F4-41BB-A0A8-4AF69766AC71}"/>
+                    <a16:creationId xmlns:a16="http://schemas.microsoft.com/office/drawing/2014/main" id="{FCDBDDA0-9375-409D-BA6B-CCE70D07DCE3}"/>
                   </a:ext>
                 </a:extLst>
               </p:cNvPr>
@@ -13116,8 +13230,8 @@
             </p:nvSpPr>
             <p:spPr>
               <a:xfrm>
-                <a:off x="497632" y="317241"/>
-                <a:ext cx="7427167" cy="1477328"/>
+                <a:off x="136848" y="219339"/>
+                <a:ext cx="6979298" cy="6554871"/>
               </a:xfrm>
               <a:prstGeom prst="rect">
                 <a:avLst/>
@@ -13131,120 +13245,2108 @@
               <a:lstStyle/>
               <a:p>
                 <a:r>
-                  <a:rPr lang="en-US" altLang="zh-CN" dirty="0"/>
-                  <a:t>PIDnn</a:t>
+                  <a:rPr lang="en-US" altLang="zh-CN" i="1" dirty="0">
+                    <a:latin typeface="Cambria Math" panose="02040503050406030204" pitchFamily="18" charset="0"/>
+                  </a:rPr>
+                  <a:t>PIDNN</a:t>
                 </a:r>
               </a:p>
               <a:p>
+                <a:pPr/>
+                <a14:m>
+                  <m:oMathPara xmlns:m="http://schemas.openxmlformats.org/officeDocument/2006/math">
+                    <m:oMathParaPr>
+                      <m:jc m:val="left"/>
+                    </m:oMathParaPr>
+                    <m:oMath xmlns:m="http://schemas.openxmlformats.org/officeDocument/2006/math">
+                      <m:r>
+                        <a:rPr lang="zh-CN" altLang="en-US" i="1">
+                          <a:latin typeface="Cambria Math" panose="02040503050406030204" pitchFamily="18" charset="0"/>
+                        </a:rPr>
+                        <m:t>输入层</m:t>
+                      </m:r>
+                      <m:r>
+                        <a:rPr lang="zh-CN" altLang="en-US" i="1" smtClean="0">
+                          <a:latin typeface="Cambria Math" panose="02040503050406030204" pitchFamily="18" charset="0"/>
+                        </a:rPr>
+                        <m:t>：</m:t>
+                      </m:r>
+                      <m:r>
+                        <m:rPr>
+                          <m:sty m:val="p"/>
+                        </m:rPr>
+                        <a:rPr lang="en-US" altLang="zh-CN" i="1">
+                          <a:latin typeface="Cambria Math" panose="02040503050406030204" pitchFamily="18" charset="0"/>
+                        </a:rPr>
+                        <m:t>out</m:t>
+                      </m:r>
+                      <m:r>
+                        <a:rPr lang="en-US" altLang="zh-CN" b="0" i="1" smtClean="0">
+                          <a:latin typeface="Cambria Math" panose="02040503050406030204" pitchFamily="18" charset="0"/>
+                        </a:rPr>
+                        <m:t>(</m:t>
+                      </m:r>
+                      <m:r>
+                        <a:rPr lang="en-US" altLang="zh-CN" b="0" i="1" smtClean="0">
+                          <a:latin typeface="Cambria Math" panose="02040503050406030204" pitchFamily="18" charset="0"/>
+                        </a:rPr>
+                        <m:t>𝑡</m:t>
+                      </m:r>
+                      <m:r>
+                        <a:rPr lang="en-US" altLang="zh-CN" b="0" i="1" smtClean="0">
+                          <a:latin typeface="Cambria Math" panose="02040503050406030204" pitchFamily="18" charset="0"/>
+                        </a:rPr>
+                        <m:t>)=  </m:t>
+                      </m:r>
+                      <m:r>
+                        <a:rPr lang="en-US" altLang="zh-CN" b="0" i="1" smtClean="0">
+                          <a:latin typeface="Cambria Math" panose="02040503050406030204" pitchFamily="18" charset="0"/>
+                        </a:rPr>
+                        <m:t>𝑖𝑛</m:t>
+                      </m:r>
+                      <m:r>
+                        <a:rPr lang="en-US" altLang="zh-CN" b="0" i="1" smtClean="0">
+                          <a:latin typeface="Cambria Math" panose="02040503050406030204" pitchFamily="18" charset="0"/>
+                        </a:rPr>
+                        <m:t>(</m:t>
+                      </m:r>
+                      <m:r>
+                        <a:rPr lang="en-US" altLang="zh-CN" b="0" i="1" smtClean="0">
+                          <a:latin typeface="Cambria Math" panose="02040503050406030204" pitchFamily="18" charset="0"/>
+                        </a:rPr>
+                        <m:t>𝑡</m:t>
+                      </m:r>
+                      <m:r>
+                        <a:rPr lang="en-US" altLang="zh-CN" b="0" i="1" smtClean="0">
+                          <a:latin typeface="Cambria Math" panose="02040503050406030204" pitchFamily="18" charset="0"/>
+                        </a:rPr>
+                        <m:t>)= </m:t>
+                      </m:r>
+                      <m:r>
+                        <a:rPr lang="en-US" altLang="zh-CN" b="0" i="1" smtClean="0">
+                          <a:latin typeface="Cambria Math" panose="02040503050406030204" pitchFamily="18" charset="0"/>
+                        </a:rPr>
+                        <m:t>𝑒</m:t>
+                      </m:r>
+                      <m:d>
+                        <m:dPr>
+                          <m:ctrlPr>
+                            <a:rPr lang="en-US" altLang="zh-CN" b="0" i="1" smtClean="0">
+                              <a:latin typeface="Cambria Math" panose="02040503050406030204" pitchFamily="18" charset="0"/>
+                            </a:rPr>
+                          </m:ctrlPr>
+                        </m:dPr>
+                        <m:e>
+                          <m:r>
+                            <a:rPr lang="en-US" altLang="zh-CN" b="0" i="1" smtClean="0">
+                              <a:latin typeface="Cambria Math" panose="02040503050406030204" pitchFamily="18" charset="0"/>
+                            </a:rPr>
+                            <m:t>𝑡</m:t>
+                          </m:r>
+                        </m:e>
+                      </m:d>
+                      <m:r>
+                        <a:rPr lang="en-US" altLang="zh-CN" i="1">
+                          <a:latin typeface="Cambria Math" panose="02040503050406030204" pitchFamily="18" charset="0"/>
+                        </a:rPr>
+                        <m:t>=</m:t>
+                      </m:r>
+                      <m:r>
+                        <a:rPr lang="en-US" altLang="zh-CN" i="1">
+                          <a:latin typeface="Cambria Math" panose="02040503050406030204" pitchFamily="18" charset="0"/>
+                        </a:rPr>
+                        <m:t>𝑟𝑡𝑡</m:t>
+                      </m:r>
+                      <m:r>
+                        <a:rPr lang="en-US" altLang="zh-CN" b="0" i="1" smtClean="0">
+                          <a:latin typeface="Cambria Math" panose="02040503050406030204" pitchFamily="18" charset="0"/>
+                        </a:rPr>
+                        <m:t>(</m:t>
+                      </m:r>
+                      <m:r>
+                        <a:rPr lang="en-US" altLang="zh-CN" b="0" i="1" smtClean="0">
+                          <a:latin typeface="Cambria Math" panose="02040503050406030204" pitchFamily="18" charset="0"/>
+                        </a:rPr>
+                        <m:t>𝑡</m:t>
+                      </m:r>
+                      <m:r>
+                        <a:rPr lang="en-US" altLang="zh-CN" b="0" i="1" smtClean="0">
+                          <a:latin typeface="Cambria Math" panose="02040503050406030204" pitchFamily="18" charset="0"/>
+                        </a:rPr>
+                        <m:t>)−</m:t>
+                      </m:r>
+                      <m:r>
+                        <a:rPr lang="en-US" altLang="zh-CN" i="1">
+                          <a:latin typeface="Cambria Math" panose="02040503050406030204" pitchFamily="18" charset="0"/>
+                        </a:rPr>
+                        <m:t>𝑟𝑡</m:t>
+                      </m:r>
+                      <m:sSub>
+                        <m:sSubPr>
+                          <m:ctrlPr>
+                            <a:rPr lang="en-US" altLang="zh-CN" b="0" i="1" smtClean="0">
+                              <a:latin typeface="Cambria Math" panose="02040503050406030204" pitchFamily="18" charset="0"/>
+                            </a:rPr>
+                          </m:ctrlPr>
+                        </m:sSubPr>
+                        <m:e>
+                          <m:r>
+                            <a:rPr lang="en-US" altLang="zh-CN" i="1">
+                              <a:latin typeface="Cambria Math" panose="02040503050406030204" pitchFamily="18" charset="0"/>
+                            </a:rPr>
+                            <m:t>𝑡</m:t>
+                          </m:r>
+                        </m:e>
+                        <m:sub>
+                          <m:r>
+                            <a:rPr lang="en-US" altLang="zh-CN" i="1">
+                              <a:latin typeface="Cambria Math" panose="02040503050406030204" pitchFamily="18" charset="0"/>
+                            </a:rPr>
+                            <m:t>𝑡𝑎𝑟𝑔𝑒𝑡</m:t>
+                          </m:r>
+                        </m:sub>
+                      </m:sSub>
+                    </m:oMath>
+                  </m:oMathPara>
+                </a14:m>
                 <a:endParaRPr lang="en-US" altLang="zh-CN" dirty="0"/>
               </a:p>
               <a:p>
+                <a:pPr/>
+                <a:r>
+                  <a:rPr lang="zh-CN" altLang="en-US" dirty="0"/>
+                  <a:t>隐藏层：</a:t>
+                </a:r>
+                <a14:m>
+                  <m:oMath xmlns:m="http://schemas.openxmlformats.org/officeDocument/2006/math">
+                    <m:r>
+                      <a:rPr lang="en-US" altLang="zh-CN" b="0" i="1" smtClean="0">
+                        <a:latin typeface="Cambria Math" panose="02040503050406030204" pitchFamily="18" charset="0"/>
+                      </a:rPr>
+                      <m:t>𝑖𝑛</m:t>
+                    </m:r>
+                    <m:r>
+                      <a:rPr lang="en-US" altLang="zh-CN" b="0" i="1" smtClean="0">
+                        <a:latin typeface="Cambria Math" panose="02040503050406030204" pitchFamily="18" charset="0"/>
+                      </a:rPr>
+                      <m:t>(</m:t>
+                    </m:r>
+                    <m:r>
+                      <a:rPr lang="en-US" altLang="zh-CN" b="0" i="1" smtClean="0">
+                        <a:latin typeface="Cambria Math" panose="02040503050406030204" pitchFamily="18" charset="0"/>
+                      </a:rPr>
+                      <m:t>𝑡</m:t>
+                    </m:r>
+                    <m:r>
+                      <a:rPr lang="en-US" altLang="zh-CN" b="0" i="1" smtClean="0">
+                        <a:latin typeface="Cambria Math" panose="02040503050406030204" pitchFamily="18" charset="0"/>
+                      </a:rPr>
+                      <m:t>)=</m:t>
+                    </m:r>
+                    <m:r>
+                      <a:rPr lang="en-US" altLang="zh-CN" b="0" i="1" smtClean="0">
+                        <a:latin typeface="Cambria Math" panose="02040503050406030204" pitchFamily="18" charset="0"/>
+                      </a:rPr>
+                      <m:t>𝑒</m:t>
+                    </m:r>
+                    <m:d>
+                      <m:dPr>
+                        <m:ctrlPr>
+                          <a:rPr lang="en-US" altLang="zh-CN" b="0" i="1" smtClean="0">
+                            <a:latin typeface="Cambria Math" panose="02040503050406030204" pitchFamily="18" charset="0"/>
+                          </a:rPr>
+                        </m:ctrlPr>
+                      </m:dPr>
+                      <m:e>
+                        <m:r>
+                          <a:rPr lang="en-US" altLang="zh-CN" b="0" i="1" smtClean="0">
+                            <a:latin typeface="Cambria Math" panose="02040503050406030204" pitchFamily="18" charset="0"/>
+                          </a:rPr>
+                          <m:t>𝑡</m:t>
+                        </m:r>
+                      </m:e>
+                    </m:d>
+                  </m:oMath>
+                </a14:m>
+                <a:endParaRPr lang="en-US" altLang="zh-CN" b="0" dirty="0"/>
+              </a:p>
+              <a:p>
+                <a:pPr/>
+                <a:r>
+                  <a:rPr lang="en-US" altLang="zh-CN" dirty="0"/>
+                  <a:t>	</a:t>
+                </a:r>
+                <a14:m>
+                  <m:oMath xmlns:m="http://schemas.openxmlformats.org/officeDocument/2006/math">
+                    <m:r>
+                      <a:rPr lang="en-US" altLang="zh-CN" b="0" i="1" smtClean="0">
+                        <a:latin typeface="Cambria Math" panose="02040503050406030204" pitchFamily="18" charset="0"/>
+                      </a:rPr>
+                      <m:t>𝑜𝑢𝑡𝑝</m:t>
+                    </m:r>
+                    <m:r>
+                      <a:rPr lang="en-US" altLang="zh-CN" b="0" i="1" smtClean="0">
+                        <a:latin typeface="Cambria Math" panose="02040503050406030204" pitchFamily="18" charset="0"/>
+                      </a:rPr>
+                      <m:t>(</m:t>
+                    </m:r>
+                    <m:r>
+                      <a:rPr lang="en-US" altLang="zh-CN" b="0" i="1" smtClean="0">
+                        <a:latin typeface="Cambria Math" panose="02040503050406030204" pitchFamily="18" charset="0"/>
+                      </a:rPr>
+                      <m:t>𝑡</m:t>
+                    </m:r>
+                    <m:r>
+                      <a:rPr lang="en-US" altLang="zh-CN" b="0" i="1" smtClean="0">
+                        <a:latin typeface="Cambria Math" panose="02040503050406030204" pitchFamily="18" charset="0"/>
+                      </a:rPr>
+                      <m:t>)=</m:t>
+                    </m:r>
+                    <m:r>
+                      <a:rPr lang="en-US" altLang="zh-CN" b="0" i="1" smtClean="0">
+                        <a:latin typeface="Cambria Math" panose="02040503050406030204" pitchFamily="18" charset="0"/>
+                      </a:rPr>
+                      <m:t>𝑖𝑛</m:t>
+                    </m:r>
+                    <m:d>
+                      <m:dPr>
+                        <m:ctrlPr>
+                          <a:rPr lang="en-US" altLang="zh-CN" b="0" i="1" smtClean="0">
+                            <a:latin typeface="Cambria Math" panose="02040503050406030204" pitchFamily="18" charset="0"/>
+                          </a:rPr>
+                        </m:ctrlPr>
+                      </m:dPr>
+                      <m:e>
+                        <m:r>
+                          <a:rPr lang="en-US" altLang="zh-CN" b="0" i="1" smtClean="0">
+                            <a:latin typeface="Cambria Math" panose="02040503050406030204" pitchFamily="18" charset="0"/>
+                          </a:rPr>
+                          <m:t>𝑡</m:t>
+                        </m:r>
+                      </m:e>
+                    </m:d>
+                  </m:oMath>
+                </a14:m>
+                <a:endParaRPr lang="en-US" altLang="zh-CN" b="0" dirty="0"/>
+              </a:p>
+              <a:p>
+                <a:pPr/>
+                <a:r>
+                  <a:rPr lang="en-US" altLang="zh-CN" dirty="0"/>
+                  <a:t>	</a:t>
+                </a:r>
+                <a14:m>
+                  <m:oMath xmlns:m="http://schemas.openxmlformats.org/officeDocument/2006/math">
+                    <m:r>
+                      <a:rPr lang="en-US" altLang="zh-CN" b="0" i="1" smtClean="0">
+                        <a:latin typeface="Cambria Math" panose="02040503050406030204" pitchFamily="18" charset="0"/>
+                      </a:rPr>
+                      <m:t>𝑜𝑢𝑡𝑖</m:t>
+                    </m:r>
+                    <m:d>
+                      <m:dPr>
+                        <m:ctrlPr>
+                          <a:rPr lang="en-US" altLang="zh-CN" b="0" i="1" smtClean="0">
+                            <a:latin typeface="Cambria Math" panose="02040503050406030204" pitchFamily="18" charset="0"/>
+                          </a:rPr>
+                        </m:ctrlPr>
+                      </m:dPr>
+                      <m:e>
+                        <m:r>
+                          <a:rPr lang="en-US" altLang="zh-CN" b="0" i="1" smtClean="0">
+                            <a:latin typeface="Cambria Math" panose="02040503050406030204" pitchFamily="18" charset="0"/>
+                          </a:rPr>
+                          <m:t>𝑡</m:t>
+                        </m:r>
+                      </m:e>
+                    </m:d>
+                    <m:r>
+                      <a:rPr lang="en-US" altLang="zh-CN" b="0" i="1" smtClean="0">
+                        <a:latin typeface="Cambria Math" panose="02040503050406030204" pitchFamily="18" charset="0"/>
+                      </a:rPr>
+                      <m:t>=</m:t>
+                    </m:r>
+                    <m:r>
+                      <a:rPr lang="en-US" altLang="zh-CN" b="0" i="1" smtClean="0">
+                        <a:latin typeface="Cambria Math" panose="02040503050406030204" pitchFamily="18" charset="0"/>
+                      </a:rPr>
+                      <m:t>𝑖𝑛</m:t>
+                    </m:r>
+                    <m:d>
+                      <m:dPr>
+                        <m:ctrlPr>
+                          <a:rPr lang="en-US" altLang="zh-CN" b="0" i="1" smtClean="0">
+                            <a:latin typeface="Cambria Math" panose="02040503050406030204" pitchFamily="18" charset="0"/>
+                          </a:rPr>
+                        </m:ctrlPr>
+                      </m:dPr>
+                      <m:e>
+                        <m:r>
+                          <a:rPr lang="en-US" altLang="zh-CN" b="0" i="1" smtClean="0">
+                            <a:latin typeface="Cambria Math" panose="02040503050406030204" pitchFamily="18" charset="0"/>
+                          </a:rPr>
+                          <m:t>𝑡</m:t>
+                        </m:r>
+                      </m:e>
+                    </m:d>
+                    <m:r>
+                      <a:rPr lang="en-US" altLang="zh-CN" b="0" i="1" smtClean="0">
+                        <a:latin typeface="Cambria Math" panose="02040503050406030204" pitchFamily="18" charset="0"/>
+                      </a:rPr>
+                      <m:t>+</m:t>
+                    </m:r>
+                    <m:r>
+                      <a:rPr lang="en-US" altLang="zh-CN" b="0" i="1" smtClean="0">
+                        <a:latin typeface="Cambria Math" panose="02040503050406030204" pitchFamily="18" charset="0"/>
+                      </a:rPr>
+                      <m:t>𝑜𝑢𝑡𝑖</m:t>
+                    </m:r>
+                    <m:r>
+                      <a:rPr lang="en-US" altLang="zh-CN" b="0" i="1" smtClean="0">
+                        <a:latin typeface="Cambria Math" panose="02040503050406030204" pitchFamily="18" charset="0"/>
+                      </a:rPr>
+                      <m:t>(</m:t>
+                    </m:r>
+                    <m:r>
+                      <a:rPr lang="en-US" altLang="zh-CN" b="0" i="1" smtClean="0">
+                        <a:latin typeface="Cambria Math" panose="02040503050406030204" pitchFamily="18" charset="0"/>
+                      </a:rPr>
+                      <m:t>𝑡</m:t>
+                    </m:r>
+                    <m:r>
+                      <a:rPr lang="en-US" altLang="zh-CN" b="0" i="1" smtClean="0">
+                        <a:latin typeface="Cambria Math" panose="02040503050406030204" pitchFamily="18" charset="0"/>
+                      </a:rPr>
+                      <m:t>−1)</m:t>
+                    </m:r>
+                  </m:oMath>
+                </a14:m>
+                <a:endParaRPr lang="en-US" altLang="zh-CN" b="0" dirty="0"/>
+              </a:p>
+              <a:p>
+                <a:pPr/>
+                <a:r>
+                  <a:rPr lang="en-US" altLang="zh-CN" dirty="0"/>
+                  <a:t>	</a:t>
+                </a:r>
+                <a14:m>
+                  <m:oMath xmlns:m="http://schemas.openxmlformats.org/officeDocument/2006/math">
+                    <m:r>
+                      <a:rPr lang="en-US" altLang="zh-CN" b="0" i="1" smtClean="0">
+                        <a:latin typeface="Cambria Math" panose="02040503050406030204" pitchFamily="18" charset="0"/>
+                      </a:rPr>
+                      <m:t>𝑜𝑢𝑡𝑑</m:t>
+                    </m:r>
+                    <m:d>
+                      <m:dPr>
+                        <m:ctrlPr>
+                          <a:rPr lang="en-US" altLang="zh-CN" b="0" i="1" smtClean="0">
+                            <a:latin typeface="Cambria Math" panose="02040503050406030204" pitchFamily="18" charset="0"/>
+                          </a:rPr>
+                        </m:ctrlPr>
+                      </m:dPr>
+                      <m:e>
+                        <m:r>
+                          <a:rPr lang="en-US" altLang="zh-CN" b="0" i="1" smtClean="0">
+                            <a:latin typeface="Cambria Math" panose="02040503050406030204" pitchFamily="18" charset="0"/>
+                          </a:rPr>
+                          <m:t>𝑡</m:t>
+                        </m:r>
+                      </m:e>
+                    </m:d>
+                    <m:r>
+                      <a:rPr lang="en-US" altLang="zh-CN" b="0" i="1" smtClean="0">
+                        <a:latin typeface="Cambria Math" panose="02040503050406030204" pitchFamily="18" charset="0"/>
+                      </a:rPr>
+                      <m:t>=</m:t>
+                    </m:r>
+                    <m:r>
+                      <a:rPr lang="en-US" altLang="zh-CN" b="0" i="1" smtClean="0">
+                        <a:latin typeface="Cambria Math" panose="02040503050406030204" pitchFamily="18" charset="0"/>
+                      </a:rPr>
+                      <m:t>𝑖𝑛</m:t>
+                    </m:r>
+                    <m:d>
+                      <m:dPr>
+                        <m:ctrlPr>
+                          <a:rPr lang="en-US" altLang="zh-CN" b="0" i="1" smtClean="0">
+                            <a:latin typeface="Cambria Math" panose="02040503050406030204" pitchFamily="18" charset="0"/>
+                          </a:rPr>
+                        </m:ctrlPr>
+                      </m:dPr>
+                      <m:e>
+                        <m:r>
+                          <a:rPr lang="en-US" altLang="zh-CN" b="0" i="1" smtClean="0">
+                            <a:latin typeface="Cambria Math" panose="02040503050406030204" pitchFamily="18" charset="0"/>
+                          </a:rPr>
+                          <m:t>𝑡</m:t>
+                        </m:r>
+                      </m:e>
+                    </m:d>
+                    <m:r>
+                      <a:rPr lang="en-US" altLang="zh-CN" b="0" i="1" smtClean="0">
+                        <a:latin typeface="Cambria Math" panose="02040503050406030204" pitchFamily="18" charset="0"/>
+                      </a:rPr>
+                      <m:t>−</m:t>
+                    </m:r>
+                    <m:r>
+                      <a:rPr lang="en-US" altLang="zh-CN" b="0" i="1" smtClean="0">
+                        <a:latin typeface="Cambria Math" panose="02040503050406030204" pitchFamily="18" charset="0"/>
+                      </a:rPr>
+                      <m:t>𝑖𝑛</m:t>
+                    </m:r>
+                    <m:d>
+                      <m:dPr>
+                        <m:ctrlPr>
+                          <a:rPr lang="en-US" altLang="zh-CN" b="0" i="1" smtClean="0">
+                            <a:latin typeface="Cambria Math" panose="02040503050406030204" pitchFamily="18" charset="0"/>
+                          </a:rPr>
+                        </m:ctrlPr>
+                      </m:dPr>
+                      <m:e>
+                        <m:r>
+                          <a:rPr lang="en-US" altLang="zh-CN" b="0" i="1" smtClean="0">
+                            <a:latin typeface="Cambria Math" panose="02040503050406030204" pitchFamily="18" charset="0"/>
+                          </a:rPr>
+                          <m:t>𝑡</m:t>
+                        </m:r>
+                        <m:r>
+                          <a:rPr lang="en-US" altLang="zh-CN" b="0" i="1" smtClean="0">
+                            <a:latin typeface="Cambria Math" panose="02040503050406030204" pitchFamily="18" charset="0"/>
+                          </a:rPr>
+                          <m:t>−1</m:t>
+                        </m:r>
+                      </m:e>
+                    </m:d>
+                  </m:oMath>
+                </a14:m>
+                <a:endParaRPr lang="en-US" altLang="zh-CN" b="0" dirty="0"/>
+              </a:p>
+              <a:p>
+                <a:pPr/>
+                <a:r>
+                  <a:rPr lang="zh-CN" altLang="en-US" dirty="0"/>
+                  <a:t>输出层：</a:t>
+                </a:r>
+                <a14:m>
+                  <m:oMath xmlns:m="http://schemas.openxmlformats.org/officeDocument/2006/math">
+                    <m:r>
+                      <a:rPr lang="en-US" altLang="zh-CN" b="0" i="1" smtClean="0">
+                        <a:latin typeface="Cambria Math" panose="02040503050406030204" pitchFamily="18" charset="0"/>
+                      </a:rPr>
+                      <m:t>𝑖𝑛𝑝</m:t>
+                    </m:r>
+                    <m:d>
+                      <m:dPr>
+                        <m:ctrlPr>
+                          <a:rPr lang="en-US" altLang="zh-CN" b="0" i="1" smtClean="0">
+                            <a:latin typeface="Cambria Math" panose="02040503050406030204" pitchFamily="18" charset="0"/>
+                          </a:rPr>
+                        </m:ctrlPr>
+                      </m:dPr>
+                      <m:e>
+                        <m:r>
+                          <a:rPr lang="en-US" altLang="zh-CN" b="0" i="1" smtClean="0">
+                            <a:latin typeface="Cambria Math" panose="02040503050406030204" pitchFamily="18" charset="0"/>
+                          </a:rPr>
+                          <m:t>𝑡</m:t>
+                        </m:r>
+                      </m:e>
+                    </m:d>
+                    <m:r>
+                      <a:rPr lang="en-US" altLang="zh-CN" b="0" i="1" smtClean="0">
+                        <a:latin typeface="Cambria Math" panose="02040503050406030204" pitchFamily="18" charset="0"/>
+                      </a:rPr>
+                      <m:t>=</m:t>
+                    </m:r>
+                    <m:r>
+                      <a:rPr lang="en-US" altLang="zh-CN" b="0" i="1" smtClean="0">
+                        <a:latin typeface="Cambria Math" panose="02040503050406030204" pitchFamily="18" charset="0"/>
+                      </a:rPr>
+                      <m:t>𝑜𝑢𝑡𝑝</m:t>
+                    </m:r>
+                    <m:d>
+                      <m:dPr>
+                        <m:ctrlPr>
+                          <a:rPr lang="en-US" altLang="zh-CN" b="0" i="1" smtClean="0">
+                            <a:latin typeface="Cambria Math" panose="02040503050406030204" pitchFamily="18" charset="0"/>
+                          </a:rPr>
+                        </m:ctrlPr>
+                      </m:dPr>
+                      <m:e>
+                        <m:r>
+                          <a:rPr lang="en-US" altLang="zh-CN" b="0" i="1" smtClean="0">
+                            <a:latin typeface="Cambria Math" panose="02040503050406030204" pitchFamily="18" charset="0"/>
+                          </a:rPr>
+                          <m:t>𝑡</m:t>
+                        </m:r>
+                      </m:e>
+                    </m:d>
+                  </m:oMath>
+                </a14:m>
+                <a:endParaRPr lang="en-US" altLang="zh-CN" b="0" dirty="0"/>
+              </a:p>
+              <a:p>
+                <a:pPr/>
+                <a:r>
+                  <a:rPr lang="en-US" altLang="zh-CN" dirty="0"/>
+                  <a:t>	</a:t>
+                </a:r>
+                <a14:m>
+                  <m:oMath xmlns:m="http://schemas.openxmlformats.org/officeDocument/2006/math">
+                    <m:r>
+                      <a:rPr lang="en-US" altLang="zh-CN" b="0" i="1" smtClean="0">
+                        <a:latin typeface="Cambria Math" panose="02040503050406030204" pitchFamily="18" charset="0"/>
+                      </a:rPr>
+                      <m:t>𝑖𝑛</m:t>
+                    </m:r>
+                    <m:r>
+                      <a:rPr lang="en-US" altLang="zh-CN" b="0" i="1" smtClean="0">
+                        <a:latin typeface="Cambria Math" panose="02040503050406030204" pitchFamily="18" charset="0"/>
+                      </a:rPr>
+                      <m:t>𝑖</m:t>
+                    </m:r>
+                    <m:d>
+                      <m:dPr>
+                        <m:ctrlPr>
+                          <a:rPr lang="en-US" altLang="zh-CN" b="0" i="1" smtClean="0">
+                            <a:latin typeface="Cambria Math" panose="02040503050406030204" pitchFamily="18" charset="0"/>
+                          </a:rPr>
+                        </m:ctrlPr>
+                      </m:dPr>
+                      <m:e>
+                        <m:r>
+                          <a:rPr lang="en-US" altLang="zh-CN" b="0" i="1" smtClean="0">
+                            <a:latin typeface="Cambria Math" panose="02040503050406030204" pitchFamily="18" charset="0"/>
+                          </a:rPr>
+                          <m:t>𝑡</m:t>
+                        </m:r>
+                      </m:e>
+                    </m:d>
+                    <m:r>
+                      <a:rPr lang="en-US" altLang="zh-CN" b="0" i="1" smtClean="0">
+                        <a:latin typeface="Cambria Math" panose="02040503050406030204" pitchFamily="18" charset="0"/>
+                      </a:rPr>
+                      <m:t>=</m:t>
+                    </m:r>
+                    <m:r>
+                      <a:rPr lang="en-US" altLang="zh-CN" b="0" i="1" smtClean="0">
+                        <a:latin typeface="Cambria Math" panose="02040503050406030204" pitchFamily="18" charset="0"/>
+                      </a:rPr>
+                      <m:t>𝑜𝑢𝑡𝑖</m:t>
+                    </m:r>
+                    <m:d>
+                      <m:dPr>
+                        <m:ctrlPr>
+                          <a:rPr lang="en-US" altLang="zh-CN" b="0" i="1" smtClean="0">
+                            <a:latin typeface="Cambria Math" panose="02040503050406030204" pitchFamily="18" charset="0"/>
+                          </a:rPr>
+                        </m:ctrlPr>
+                      </m:dPr>
+                      <m:e>
+                        <m:r>
+                          <a:rPr lang="en-US" altLang="zh-CN" b="0" i="1" smtClean="0">
+                            <a:latin typeface="Cambria Math" panose="02040503050406030204" pitchFamily="18" charset="0"/>
+                          </a:rPr>
+                          <m:t>𝑡</m:t>
+                        </m:r>
+                      </m:e>
+                    </m:d>
+                  </m:oMath>
+                </a14:m>
+                <a:endParaRPr lang="en-US" altLang="zh-CN" b="0" i="1" dirty="0">
+                  <a:latin typeface="Cambria Math" panose="02040503050406030204" pitchFamily="18" charset="0"/>
+                </a:endParaRPr>
+              </a:p>
+              <a:p>
+                <a:pPr/>
+                <a:r>
+                  <a:rPr lang="en-US" altLang="zh-CN" dirty="0"/>
+                  <a:t>	</a:t>
+                </a:r>
+                <a14:m>
+                  <m:oMath xmlns:m="http://schemas.openxmlformats.org/officeDocument/2006/math">
+                    <m:r>
+                      <a:rPr lang="en-US" altLang="zh-CN" i="1">
+                        <a:latin typeface="Cambria Math" panose="02040503050406030204" pitchFamily="18" charset="0"/>
+                      </a:rPr>
+                      <m:t>𝑖𝑛</m:t>
+                    </m:r>
+                    <m:r>
+                      <a:rPr lang="en-US" altLang="zh-CN" b="0" i="1" smtClean="0">
+                        <a:latin typeface="Cambria Math" panose="02040503050406030204" pitchFamily="18" charset="0"/>
+                      </a:rPr>
+                      <m:t>𝑑</m:t>
+                    </m:r>
+                    <m:d>
+                      <m:dPr>
+                        <m:ctrlPr>
+                          <a:rPr lang="en-US" altLang="zh-CN" i="1">
+                            <a:latin typeface="Cambria Math" panose="02040503050406030204" pitchFamily="18" charset="0"/>
+                          </a:rPr>
+                        </m:ctrlPr>
+                      </m:dPr>
+                      <m:e>
+                        <m:r>
+                          <a:rPr lang="en-US" altLang="zh-CN" i="1">
+                            <a:latin typeface="Cambria Math" panose="02040503050406030204" pitchFamily="18" charset="0"/>
+                          </a:rPr>
+                          <m:t>𝑡</m:t>
+                        </m:r>
+                      </m:e>
+                    </m:d>
+                    <m:r>
+                      <a:rPr lang="en-US" altLang="zh-CN" i="1">
+                        <a:latin typeface="Cambria Math" panose="02040503050406030204" pitchFamily="18" charset="0"/>
+                      </a:rPr>
+                      <m:t>=</m:t>
+                    </m:r>
+                    <m:r>
+                      <a:rPr lang="en-US" altLang="zh-CN" i="1">
+                        <a:latin typeface="Cambria Math" panose="02040503050406030204" pitchFamily="18" charset="0"/>
+                      </a:rPr>
+                      <m:t>𝑜𝑢𝑡𝑑</m:t>
+                    </m:r>
+                    <m:d>
+                      <m:dPr>
+                        <m:ctrlPr>
+                          <a:rPr lang="en-US" altLang="zh-CN" b="0" i="1" smtClean="0">
+                            <a:latin typeface="Cambria Math" panose="02040503050406030204" pitchFamily="18" charset="0"/>
+                          </a:rPr>
+                        </m:ctrlPr>
+                      </m:dPr>
+                      <m:e>
+                        <m:r>
+                          <a:rPr lang="en-US" altLang="zh-CN" i="1">
+                            <a:latin typeface="Cambria Math" panose="02040503050406030204" pitchFamily="18" charset="0"/>
+                          </a:rPr>
+                          <m:t>𝑡</m:t>
+                        </m:r>
+                      </m:e>
+                    </m:d>
+                  </m:oMath>
+                </a14:m>
+                <a:endParaRPr lang="en-US" altLang="zh-CN" i="1" dirty="0">
+                  <a:latin typeface="Cambria Math" panose="02040503050406030204" pitchFamily="18" charset="0"/>
+                </a:endParaRPr>
+              </a:p>
+              <a:p>
+                <a:pPr/>
+                <a:r>
+                  <a:rPr lang="en-US" altLang="zh-CN" dirty="0"/>
+                  <a:t>	</a:t>
+                </a:r>
+                <a14:m>
+                  <m:oMath xmlns:m="http://schemas.openxmlformats.org/officeDocument/2006/math">
+                    <m:r>
+                      <m:rPr>
+                        <m:sty m:val="p"/>
+                      </m:rPr>
+                      <a:rPr lang="en-US" altLang="zh-CN" b="0" i="0" smtClean="0">
+                        <a:latin typeface="Cambria Math" panose="02040503050406030204" pitchFamily="18" charset="0"/>
+                      </a:rPr>
+                      <m:t>out</m:t>
+                    </m:r>
+                    <m:d>
+                      <m:dPr>
+                        <m:ctrlPr>
+                          <a:rPr lang="en-US" altLang="zh-CN" i="1">
+                            <a:latin typeface="Cambria Math" panose="02040503050406030204" pitchFamily="18" charset="0"/>
+                          </a:rPr>
+                        </m:ctrlPr>
+                      </m:dPr>
+                      <m:e>
+                        <m:r>
+                          <a:rPr lang="en-US" altLang="zh-CN" i="1">
+                            <a:latin typeface="Cambria Math" panose="02040503050406030204" pitchFamily="18" charset="0"/>
+                          </a:rPr>
+                          <m:t>𝑡</m:t>
+                        </m:r>
+                      </m:e>
+                    </m:d>
+                    <m:r>
+                      <a:rPr lang="en-US" altLang="zh-CN" i="1">
+                        <a:latin typeface="Cambria Math" panose="02040503050406030204" pitchFamily="18" charset="0"/>
+                      </a:rPr>
+                      <m:t>=</m:t>
+                    </m:r>
+                    <m:r>
+                      <a:rPr lang="en-US" altLang="zh-CN" b="0" i="1" smtClean="0">
+                        <a:latin typeface="Cambria Math" panose="02040503050406030204" pitchFamily="18" charset="0"/>
+                      </a:rPr>
+                      <m:t>𝑤𝑝</m:t>
+                    </m:r>
+                    <m:d>
+                      <m:dPr>
+                        <m:ctrlPr>
+                          <a:rPr lang="en-US" altLang="zh-CN" b="0" i="1" smtClean="0">
+                            <a:latin typeface="Cambria Math" panose="02040503050406030204" pitchFamily="18" charset="0"/>
+                          </a:rPr>
+                        </m:ctrlPr>
+                      </m:dPr>
+                      <m:e>
+                        <m:r>
+                          <a:rPr lang="en-US" altLang="zh-CN" i="1">
+                            <a:latin typeface="Cambria Math" panose="02040503050406030204" pitchFamily="18" charset="0"/>
+                          </a:rPr>
+                          <m:t>𝑡</m:t>
+                        </m:r>
+                      </m:e>
+                    </m:d>
+                    <m:r>
+                      <a:rPr lang="en-US" altLang="zh-CN" b="0" i="1" smtClean="0">
+                        <a:latin typeface="Cambria Math" panose="02040503050406030204" pitchFamily="18" charset="0"/>
+                      </a:rPr>
+                      <m:t>∗</m:t>
+                    </m:r>
+                    <m:r>
+                      <a:rPr lang="en-US" altLang="zh-CN" b="0" i="1" smtClean="0">
+                        <a:latin typeface="Cambria Math" panose="02040503050406030204" pitchFamily="18" charset="0"/>
+                      </a:rPr>
+                      <m:t>𝑖𝑛𝑝</m:t>
+                    </m:r>
+                    <m:d>
+                      <m:dPr>
+                        <m:ctrlPr>
+                          <a:rPr lang="en-US" altLang="zh-CN" b="0" i="1" smtClean="0">
+                            <a:latin typeface="Cambria Math" panose="02040503050406030204" pitchFamily="18" charset="0"/>
+                          </a:rPr>
+                        </m:ctrlPr>
+                      </m:dPr>
+                      <m:e>
+                        <m:r>
+                          <a:rPr lang="en-US" altLang="zh-CN" b="0" i="1" smtClean="0">
+                            <a:latin typeface="Cambria Math" panose="02040503050406030204" pitchFamily="18" charset="0"/>
+                          </a:rPr>
+                          <m:t>𝑡</m:t>
+                        </m:r>
+                      </m:e>
+                    </m:d>
+                    <m:r>
+                      <a:rPr lang="en-US" altLang="zh-CN" b="0" i="1" smtClean="0">
+                        <a:latin typeface="Cambria Math" panose="02040503050406030204" pitchFamily="18" charset="0"/>
+                      </a:rPr>
+                      <m:t>+</m:t>
+                    </m:r>
+                    <m:r>
+                      <a:rPr lang="en-US" altLang="zh-CN" b="0" i="1" smtClean="0">
+                        <a:latin typeface="Cambria Math" panose="02040503050406030204" pitchFamily="18" charset="0"/>
+                      </a:rPr>
+                      <m:t>𝑤𝑖</m:t>
+                    </m:r>
+                    <m:d>
+                      <m:dPr>
+                        <m:ctrlPr>
+                          <a:rPr lang="en-US" altLang="zh-CN" b="0" i="1" smtClean="0">
+                            <a:latin typeface="Cambria Math" panose="02040503050406030204" pitchFamily="18" charset="0"/>
+                          </a:rPr>
+                        </m:ctrlPr>
+                      </m:dPr>
+                      <m:e>
+                        <m:r>
+                          <a:rPr lang="en-US" altLang="zh-CN" b="0" i="1" smtClean="0">
+                            <a:latin typeface="Cambria Math" panose="02040503050406030204" pitchFamily="18" charset="0"/>
+                          </a:rPr>
+                          <m:t>𝑡</m:t>
+                        </m:r>
+                      </m:e>
+                    </m:d>
+                    <m:r>
+                      <a:rPr lang="en-US" altLang="zh-CN" b="0" i="1" smtClean="0">
+                        <a:latin typeface="Cambria Math" panose="02040503050406030204" pitchFamily="18" charset="0"/>
+                      </a:rPr>
+                      <m:t>∗</m:t>
+                    </m:r>
+                    <m:r>
+                      <a:rPr lang="en-US" altLang="zh-CN" b="0" i="1" smtClean="0">
+                        <a:latin typeface="Cambria Math" panose="02040503050406030204" pitchFamily="18" charset="0"/>
+                      </a:rPr>
+                      <m:t>𝑖𝑛𝑖</m:t>
+                    </m:r>
+                    <m:d>
+                      <m:dPr>
+                        <m:ctrlPr>
+                          <a:rPr lang="en-US" altLang="zh-CN" b="0" i="1" smtClean="0">
+                            <a:latin typeface="Cambria Math" panose="02040503050406030204" pitchFamily="18" charset="0"/>
+                          </a:rPr>
+                        </m:ctrlPr>
+                      </m:dPr>
+                      <m:e>
+                        <m:r>
+                          <a:rPr lang="en-US" altLang="zh-CN" b="0" i="1" smtClean="0">
+                            <a:latin typeface="Cambria Math" panose="02040503050406030204" pitchFamily="18" charset="0"/>
+                          </a:rPr>
+                          <m:t>𝑡</m:t>
+                        </m:r>
+                      </m:e>
+                    </m:d>
+                    <m:r>
+                      <a:rPr lang="en-US" altLang="zh-CN" b="0" i="1" smtClean="0">
+                        <a:latin typeface="Cambria Math" panose="02040503050406030204" pitchFamily="18" charset="0"/>
+                      </a:rPr>
+                      <m:t>+</m:t>
+                    </m:r>
+                    <m:r>
+                      <a:rPr lang="en-US" altLang="zh-CN" b="0" i="1" smtClean="0">
+                        <a:latin typeface="Cambria Math" panose="02040503050406030204" pitchFamily="18" charset="0"/>
+                      </a:rPr>
+                      <m:t>𝑤𝑑</m:t>
+                    </m:r>
+                    <m:d>
+                      <m:dPr>
+                        <m:ctrlPr>
+                          <a:rPr lang="en-US" altLang="zh-CN" b="0" i="1" smtClean="0">
+                            <a:latin typeface="Cambria Math" panose="02040503050406030204" pitchFamily="18" charset="0"/>
+                          </a:rPr>
+                        </m:ctrlPr>
+                      </m:dPr>
+                      <m:e>
+                        <m:r>
+                          <a:rPr lang="en-US" altLang="zh-CN" b="0" i="1" smtClean="0">
+                            <a:latin typeface="Cambria Math" panose="02040503050406030204" pitchFamily="18" charset="0"/>
+                          </a:rPr>
+                          <m:t>𝑡</m:t>
+                        </m:r>
+                      </m:e>
+                    </m:d>
+                    <m:r>
+                      <a:rPr lang="en-US" altLang="zh-CN" b="0" i="1" smtClean="0">
+                        <a:latin typeface="Cambria Math" panose="02040503050406030204" pitchFamily="18" charset="0"/>
+                      </a:rPr>
+                      <m:t>∗</m:t>
+                    </m:r>
+                    <m:r>
+                      <a:rPr lang="en-US" altLang="zh-CN" b="0" i="1" smtClean="0">
+                        <a:latin typeface="Cambria Math" panose="02040503050406030204" pitchFamily="18" charset="0"/>
+                      </a:rPr>
+                      <m:t>𝑖𝑛𝑑</m:t>
+                    </m:r>
+                    <m:r>
+                      <a:rPr lang="en-US" altLang="zh-CN" b="0" i="1" smtClean="0">
+                        <a:latin typeface="Cambria Math" panose="02040503050406030204" pitchFamily="18" charset="0"/>
+                      </a:rPr>
+                      <m:t>(</m:t>
+                    </m:r>
+                    <m:r>
+                      <a:rPr lang="en-US" altLang="zh-CN" b="0" i="1" smtClean="0">
+                        <a:latin typeface="Cambria Math" panose="02040503050406030204" pitchFamily="18" charset="0"/>
+                      </a:rPr>
+                      <m:t>𝑡</m:t>
+                    </m:r>
+                    <m:r>
+                      <a:rPr lang="en-US" altLang="zh-CN" b="0" i="1" smtClean="0">
+                        <a:latin typeface="Cambria Math" panose="02040503050406030204" pitchFamily="18" charset="0"/>
+                      </a:rPr>
+                      <m:t>) </m:t>
+                    </m:r>
+                  </m:oMath>
+                </a14:m>
                 <a:endParaRPr lang="en-US" altLang="zh-CN" dirty="0"/>
               </a:p>
               <a:p>
+                <a:pPr/>
                 <a:r>
-                  <a:rPr lang="en-US" altLang="zh-CN" dirty="0"/>
-                  <a:t>Input : </a:t>
-                </a:r>
-                <a:r>
-                  <a:rPr lang="en-US" altLang="zh-CN" dirty="0" err="1"/>
-                  <a:t>rttdiff</a:t>
+                  <a:rPr lang="zh-CN" altLang="en-US" dirty="0"/>
+                  <a:t>速率控制：</a:t>
                 </a:r>
                 <a:endParaRPr lang="en-US" altLang="zh-CN" dirty="0"/>
               </a:p>
               <a:p>
+                <a:pPr/>
                 <a:r>
                   <a:rPr lang="en-US" altLang="zh-CN" dirty="0"/>
-                  <a:t>Label:  </a:t>
+                  <a:t>	</a:t>
                 </a:r>
                 <a14:m>
                   <m:oMath xmlns:m="http://schemas.openxmlformats.org/officeDocument/2006/math">
                     <m:r>
-                      <a:rPr lang="en-US" altLang="zh-CN" i="1" smtClean="0">
+                      <a:rPr lang="en-US" altLang="zh-CN" b="0" i="1" smtClean="0">
                         <a:latin typeface="Cambria Math" panose="02040503050406030204" pitchFamily="18" charset="0"/>
-                        <a:ea typeface="Cambria Math" panose="02040503050406030204" pitchFamily="18" charset="0"/>
                       </a:rPr>
-                      <m:t>∆</m:t>
+                      <m:t>𝑟𝑎𝑡𝑒</m:t>
+                    </m:r>
+                    <m:d>
+                      <m:dPr>
+                        <m:ctrlPr>
+                          <a:rPr lang="en-US" altLang="zh-CN" b="0" i="1" smtClean="0">
+                            <a:latin typeface="Cambria Math" panose="02040503050406030204" pitchFamily="18" charset="0"/>
+                          </a:rPr>
+                        </m:ctrlPr>
+                      </m:dPr>
+                      <m:e>
+                        <m:r>
+                          <a:rPr lang="en-US" altLang="zh-CN" b="0" i="1" smtClean="0">
+                            <a:latin typeface="Cambria Math" panose="02040503050406030204" pitchFamily="18" charset="0"/>
+                          </a:rPr>
+                          <m:t>𝑡</m:t>
+                        </m:r>
+                        <m:r>
+                          <a:rPr lang="en-US" altLang="zh-CN" b="0" i="1" smtClean="0">
+                            <a:latin typeface="Cambria Math" panose="02040503050406030204" pitchFamily="18" charset="0"/>
+                          </a:rPr>
+                          <m:t>+1</m:t>
+                        </m:r>
+                      </m:e>
+                    </m:d>
+                    <m:r>
+                      <a:rPr lang="en-US" altLang="zh-CN" b="0" i="1" smtClean="0">
+                        <a:latin typeface="Cambria Math" panose="02040503050406030204" pitchFamily="18" charset="0"/>
+                      </a:rPr>
+                      <m:t>=</m:t>
                     </m:r>
                     <m:r>
                       <a:rPr lang="en-US" altLang="zh-CN" b="0" i="1" smtClean="0">
                         <a:latin typeface="Cambria Math" panose="02040503050406030204" pitchFamily="18" charset="0"/>
-                        <a:ea typeface="Cambria Math" panose="02040503050406030204" pitchFamily="18" charset="0"/>
                       </a:rPr>
                       <m:t>𝑟𝑎𝑡𝑒</m:t>
+                    </m:r>
+                    <m:d>
+                      <m:dPr>
+                        <m:ctrlPr>
+                          <a:rPr lang="en-US" altLang="zh-CN" b="0" i="1" smtClean="0">
+                            <a:latin typeface="Cambria Math" panose="02040503050406030204" pitchFamily="18" charset="0"/>
+                          </a:rPr>
+                        </m:ctrlPr>
+                      </m:dPr>
+                      <m:e>
+                        <m:r>
+                          <a:rPr lang="en-US" altLang="zh-CN" b="0" i="1" smtClean="0">
+                            <a:latin typeface="Cambria Math" panose="02040503050406030204" pitchFamily="18" charset="0"/>
+                          </a:rPr>
+                          <m:t>𝑡</m:t>
+                        </m:r>
+                      </m:e>
+                    </m:d>
+                    <m:r>
+                      <a:rPr lang="en-US" altLang="zh-CN" b="0" i="1" smtClean="0">
+                        <a:latin typeface="Cambria Math" panose="02040503050406030204" pitchFamily="18" charset="0"/>
+                      </a:rPr>
+                      <m:t>∗(1+</m:t>
                     </m:r>
                     <m:r>
                       <a:rPr lang="en-US" altLang="zh-CN" b="0" i="1" smtClean="0">
                         <a:latin typeface="Cambria Math" panose="02040503050406030204" pitchFamily="18" charset="0"/>
-                        <a:ea typeface="Cambria Math" panose="02040503050406030204" pitchFamily="18" charset="0"/>
                       </a:rPr>
-                      <m:t>=−(</m:t>
+                      <m:t>𝑜𝑢𝑡</m:t>
                     </m:r>
                     <m:r>
                       <a:rPr lang="en-US" altLang="zh-CN" b="0" i="1" smtClean="0">
                         <a:latin typeface="Cambria Math" panose="02040503050406030204" pitchFamily="18" charset="0"/>
-                        <a:ea typeface="Cambria Math" panose="02040503050406030204" pitchFamily="18" charset="0"/>
+                      </a:rPr>
+                      <m:t>(</m:t>
+                    </m:r>
+                    <m:r>
+                      <a:rPr lang="en-US" altLang="zh-CN" b="0" i="1" smtClean="0">
+                        <a:latin typeface="Cambria Math" panose="02040503050406030204" pitchFamily="18" charset="0"/>
+                      </a:rPr>
+                      <m:t>𝑡</m:t>
+                    </m:r>
+                    <m:r>
+                      <a:rPr lang="en-US" altLang="zh-CN" b="0" i="1" smtClean="0">
+                        <a:latin typeface="Cambria Math" panose="02040503050406030204" pitchFamily="18" charset="0"/>
+                      </a:rPr>
+                      <m:t>))</m:t>
+                    </m:r>
+                  </m:oMath>
+                </a14:m>
+                <a:endParaRPr lang="en-US" altLang="zh-CN" dirty="0"/>
+              </a:p>
+              <a:p>
+                <a:pPr/>
+                <a:r>
+                  <a:rPr lang="zh-CN" altLang="en-US" dirty="0"/>
+                  <a:t>误差：</a:t>
+                </a:r>
+                <a:endParaRPr lang="en-US" altLang="zh-CN" dirty="0"/>
+              </a:p>
+              <a:p>
+                <a:pPr/>
+                <a:r>
+                  <a:rPr lang="en-US" altLang="zh-CN" dirty="0"/>
+                  <a:t>	</a:t>
+                </a:r>
+                <a14:m>
+                  <m:oMath xmlns:m="http://schemas.openxmlformats.org/officeDocument/2006/math">
+                    <m:r>
+                      <a:rPr lang="en-US" altLang="zh-CN" b="0" i="1" smtClean="0">
+                        <a:latin typeface="Cambria Math" panose="02040503050406030204" pitchFamily="18" charset="0"/>
+                      </a:rPr>
+                      <m:t>𝐽</m:t>
+                    </m:r>
+                    <m:r>
+                      <a:rPr lang="en-US" altLang="zh-CN" b="0" i="1" smtClean="0">
+                        <a:latin typeface="Cambria Math" panose="02040503050406030204" pitchFamily="18" charset="0"/>
+                      </a:rPr>
+                      <m:t>=</m:t>
+                    </m:r>
+                    <m:f>
+                      <m:fPr>
+                        <m:ctrlPr>
+                          <a:rPr lang="en-US" altLang="zh-CN" b="0" i="1" smtClean="0">
+                            <a:latin typeface="Cambria Math" panose="02040503050406030204" pitchFamily="18" charset="0"/>
+                          </a:rPr>
+                        </m:ctrlPr>
+                      </m:fPr>
+                      <m:num>
+                        <m:r>
+                          <a:rPr lang="en-US" altLang="zh-CN" b="0" i="1" smtClean="0">
+                            <a:latin typeface="Cambria Math" panose="02040503050406030204" pitchFamily="18" charset="0"/>
+                          </a:rPr>
+                          <m:t>1</m:t>
+                        </m:r>
+                      </m:num>
+                      <m:den>
+                        <m:r>
+                          <a:rPr lang="en-US" altLang="zh-CN" b="0" i="1" smtClean="0">
+                            <a:latin typeface="Cambria Math" panose="02040503050406030204" pitchFamily="18" charset="0"/>
+                          </a:rPr>
+                          <m:t>2</m:t>
+                        </m:r>
+                      </m:den>
+                    </m:f>
+                    <m:r>
+                      <a:rPr lang="en-US" altLang="zh-CN" b="0" i="1" smtClean="0">
+                        <a:latin typeface="Cambria Math" panose="02040503050406030204" pitchFamily="18" charset="0"/>
+                      </a:rPr>
+                      <m:t>(</m:t>
+                    </m:r>
+                    <m:r>
+                      <a:rPr lang="en-US" altLang="zh-CN" b="0" i="1" smtClean="0">
+                        <a:latin typeface="Cambria Math" panose="02040503050406030204" pitchFamily="18" charset="0"/>
+                      </a:rPr>
+                      <m:t>𝑟𝑡𝑡</m:t>
+                    </m:r>
+                    <m:d>
+                      <m:dPr>
+                        <m:ctrlPr>
+                          <a:rPr lang="en-US" altLang="zh-CN" b="0" i="1" smtClean="0">
+                            <a:latin typeface="Cambria Math" panose="02040503050406030204" pitchFamily="18" charset="0"/>
+                          </a:rPr>
+                        </m:ctrlPr>
+                      </m:dPr>
+                      <m:e>
+                        <m:r>
+                          <a:rPr lang="en-US" altLang="zh-CN" b="0" i="1" smtClean="0">
+                            <a:latin typeface="Cambria Math" panose="02040503050406030204" pitchFamily="18" charset="0"/>
+                          </a:rPr>
+                          <m:t>𝑡</m:t>
+                        </m:r>
+                        <m:r>
+                          <a:rPr lang="en-US" altLang="zh-CN" b="0" i="1" smtClean="0">
+                            <a:latin typeface="Cambria Math" panose="02040503050406030204" pitchFamily="18" charset="0"/>
+                          </a:rPr>
+                          <m:t>+1</m:t>
+                        </m:r>
+                      </m:e>
+                    </m:d>
+                    <m:r>
+                      <a:rPr lang="en-US" altLang="zh-CN" b="0" i="1" smtClean="0">
+                        <a:latin typeface="Cambria Math" panose="02040503050406030204" pitchFamily="18" charset="0"/>
+                      </a:rPr>
+                      <m:t>−</m:t>
+                    </m:r>
+                    <m:r>
+                      <a:rPr lang="en-US" altLang="zh-CN" i="1">
+                        <a:latin typeface="Cambria Math" panose="02040503050406030204" pitchFamily="18" charset="0"/>
                       </a:rPr>
                       <m:t>𝑟𝑡</m:t>
                     </m:r>
                     <m:sSub>
                       <m:sSubPr>
                         <m:ctrlPr>
-                          <a:rPr lang="en-US" altLang="zh-CN" b="0" i="1" smtClean="0">
-                            <a:latin typeface="Cambria Math" panose="02040503050406030204" pitchFamily="18" charset="0"/>
-                            <a:ea typeface="Cambria Math" panose="02040503050406030204" pitchFamily="18" charset="0"/>
+                          <a:rPr lang="en-US" altLang="zh-CN" i="1">
+                            <a:latin typeface="Cambria Math" panose="02040503050406030204" pitchFamily="18" charset="0"/>
                           </a:rPr>
                         </m:ctrlPr>
                       </m:sSubPr>
                       <m:e>
                         <m:r>
-                          <a:rPr lang="en-US" altLang="zh-CN" b="0" i="1" smtClean="0">
-                            <a:latin typeface="Cambria Math" panose="02040503050406030204" pitchFamily="18" charset="0"/>
-                            <a:ea typeface="Cambria Math" panose="02040503050406030204" pitchFamily="18" charset="0"/>
+                          <a:rPr lang="en-US" altLang="zh-CN" i="1">
+                            <a:latin typeface="Cambria Math" panose="02040503050406030204" pitchFamily="18" charset="0"/>
                           </a:rPr>
                           <m:t>𝑡</m:t>
                         </m:r>
                       </m:e>
                       <m:sub>
                         <m:r>
-                          <a:rPr lang="en-US" altLang="zh-CN" b="0" i="1" smtClean="0">
-                            <a:latin typeface="Cambria Math" panose="02040503050406030204" pitchFamily="18" charset="0"/>
-                            <a:ea typeface="Cambria Math" panose="02040503050406030204" pitchFamily="18" charset="0"/>
-                          </a:rPr>
-                          <m:t>𝑛𝑒𝑤</m:t>
+                          <a:rPr lang="en-US" altLang="zh-CN" i="1">
+                            <a:latin typeface="Cambria Math" panose="02040503050406030204" pitchFamily="18" charset="0"/>
+                          </a:rPr>
+                          <m:t>𝑡𝑎𝑟𝑔𝑒𝑡</m:t>
                         </m:r>
                       </m:sub>
                     </m:sSub>
+                    <m:sSup>
+                      <m:sSupPr>
+                        <m:ctrlPr>
+                          <a:rPr lang="en-US" altLang="zh-CN" i="1" smtClean="0">
+                            <a:latin typeface="Cambria Math" panose="02040503050406030204" pitchFamily="18" charset="0"/>
+                          </a:rPr>
+                        </m:ctrlPr>
+                      </m:sSupPr>
+                      <m:e>
+                        <m:r>
+                          <a:rPr lang="en-US" altLang="zh-CN" b="0" i="1" smtClean="0">
+                            <a:latin typeface="Cambria Math" panose="02040503050406030204" pitchFamily="18" charset="0"/>
+                          </a:rPr>
+                          <m:t>)</m:t>
+                        </m:r>
+                      </m:e>
+                      <m:sup>
+                        <m:r>
+                          <a:rPr lang="en-US" altLang="zh-CN" b="0" i="1" smtClean="0">
+                            <a:latin typeface="Cambria Math" panose="02040503050406030204" pitchFamily="18" charset="0"/>
+                          </a:rPr>
+                          <m:t>2</m:t>
+                        </m:r>
+                      </m:sup>
+                    </m:sSup>
+                  </m:oMath>
+                </a14:m>
+                <a:endParaRPr lang="en-US" altLang="zh-CN" dirty="0"/>
+              </a:p>
+              <a:p>
+                <a:pPr/>
+                <a:r>
+                  <a:rPr lang="zh-CN" altLang="en-US" dirty="0"/>
+                  <a:t>梯度计算：</a:t>
+                </a:r>
+                <a:endParaRPr lang="en-US" altLang="zh-CN" dirty="0"/>
+              </a:p>
+              <a:p>
+                <a:pPr/>
+                <a:r>
+                  <a:rPr lang="en-US" altLang="zh-CN" dirty="0"/>
+                  <a:t>	</a:t>
+                </a:r>
+                <a14:m>
+                  <m:oMath xmlns:m="http://schemas.openxmlformats.org/officeDocument/2006/math">
+                    <m:f>
+                      <m:fPr>
+                        <m:ctrlPr>
+                          <a:rPr lang="en-US" altLang="zh-CN" i="1" smtClean="0">
+                            <a:latin typeface="Cambria Math" panose="02040503050406030204" pitchFamily="18" charset="0"/>
+                          </a:rPr>
+                        </m:ctrlPr>
+                      </m:fPr>
+                      <m:num>
+                        <m:r>
+                          <a:rPr lang="en-US" altLang="zh-CN" b="0" i="1" smtClean="0">
+                            <a:latin typeface="Cambria Math" panose="02040503050406030204" pitchFamily="18" charset="0"/>
+                          </a:rPr>
+                          <m:t>𝑑𝐽</m:t>
+                        </m:r>
+                      </m:num>
+                      <m:den>
+                        <m:r>
+                          <a:rPr lang="en-US" altLang="zh-CN" b="0" i="1" smtClean="0">
+                            <a:latin typeface="Cambria Math" panose="02040503050406030204" pitchFamily="18" charset="0"/>
+                          </a:rPr>
+                          <m:t>𝑑𝑤</m:t>
+                        </m:r>
+                      </m:den>
+                    </m:f>
                     <m:r>
                       <a:rPr lang="en-US" altLang="zh-CN" b="0" i="1" smtClean="0">
                         <a:latin typeface="Cambria Math" panose="02040503050406030204" pitchFamily="18" charset="0"/>
-                        <a:ea typeface="Cambria Math" panose="02040503050406030204" pitchFamily="18" charset="0"/>
+                      </a:rPr>
+                      <m:t>= </m:t>
+                    </m:r>
+                    <m:f>
+                      <m:fPr>
+                        <m:ctrlPr>
+                          <a:rPr lang="en-US" altLang="zh-CN" b="0" i="1" smtClean="0">
+                            <a:latin typeface="Cambria Math" panose="02040503050406030204" pitchFamily="18" charset="0"/>
+                          </a:rPr>
+                        </m:ctrlPr>
+                      </m:fPr>
+                      <m:num>
+                        <m:r>
+                          <a:rPr lang="en-US" altLang="zh-CN" b="0" i="1" smtClean="0">
+                            <a:latin typeface="Cambria Math" panose="02040503050406030204" pitchFamily="18" charset="0"/>
+                          </a:rPr>
+                          <m:t>𝑑𝐽</m:t>
+                        </m:r>
+                      </m:num>
+                      <m:den>
+                        <m:r>
+                          <a:rPr lang="en-US" altLang="zh-CN" b="0" i="1" smtClean="0">
+                            <a:latin typeface="Cambria Math" panose="02040503050406030204" pitchFamily="18" charset="0"/>
+                          </a:rPr>
+                          <m:t>𝑑𝑟𝑡𝑡</m:t>
+                        </m:r>
+                        <m:d>
+                          <m:dPr>
+                            <m:ctrlPr>
+                              <a:rPr lang="en-US" altLang="zh-CN" b="0" i="1" smtClean="0">
+                                <a:latin typeface="Cambria Math" panose="02040503050406030204" pitchFamily="18" charset="0"/>
+                              </a:rPr>
+                            </m:ctrlPr>
+                          </m:dPr>
+                          <m:e>
+                            <m:r>
+                              <a:rPr lang="en-US" altLang="zh-CN" b="0" i="1" smtClean="0">
+                                <a:latin typeface="Cambria Math" panose="02040503050406030204" pitchFamily="18" charset="0"/>
+                              </a:rPr>
+                              <m:t>𝑡</m:t>
+                            </m:r>
+                            <m:r>
+                              <a:rPr lang="en-US" altLang="zh-CN" b="0" i="1" smtClean="0">
+                                <a:latin typeface="Cambria Math" panose="02040503050406030204" pitchFamily="18" charset="0"/>
+                              </a:rPr>
+                              <m:t>+1</m:t>
+                            </m:r>
+                          </m:e>
+                        </m:d>
+                      </m:den>
+                    </m:f>
+                    <m:r>
+                      <a:rPr lang="en-US" altLang="zh-CN" b="0" i="1" smtClean="0">
+                        <a:latin typeface="Cambria Math" panose="02040503050406030204" pitchFamily="18" charset="0"/>
+                      </a:rPr>
+                      <m:t>∗</m:t>
+                    </m:r>
+                    <m:f>
+                      <m:fPr>
+                        <m:ctrlPr>
+                          <a:rPr lang="en-US" altLang="zh-CN" b="0" i="1" smtClean="0">
+                            <a:latin typeface="Cambria Math" panose="02040503050406030204" pitchFamily="18" charset="0"/>
+                          </a:rPr>
+                        </m:ctrlPr>
+                      </m:fPr>
+                      <m:num>
+                        <m:r>
+                          <a:rPr lang="en-US" altLang="zh-CN" b="0" i="1" smtClean="0">
+                            <a:latin typeface="Cambria Math" panose="02040503050406030204" pitchFamily="18" charset="0"/>
+                          </a:rPr>
+                          <m:t>𝑑𝑟𝑡𝑡</m:t>
+                        </m:r>
+                        <m:d>
+                          <m:dPr>
+                            <m:ctrlPr>
+                              <a:rPr lang="en-US" altLang="zh-CN" b="0" i="1" smtClean="0">
+                                <a:latin typeface="Cambria Math" panose="02040503050406030204" pitchFamily="18" charset="0"/>
+                              </a:rPr>
+                            </m:ctrlPr>
+                          </m:dPr>
+                          <m:e>
+                            <m:r>
+                              <a:rPr lang="en-US" altLang="zh-CN" b="0" i="1" smtClean="0">
+                                <a:latin typeface="Cambria Math" panose="02040503050406030204" pitchFamily="18" charset="0"/>
+                              </a:rPr>
+                              <m:t>𝑡</m:t>
+                            </m:r>
+                            <m:r>
+                              <a:rPr lang="en-US" altLang="zh-CN" b="0" i="1" smtClean="0">
+                                <a:latin typeface="Cambria Math" panose="02040503050406030204" pitchFamily="18" charset="0"/>
+                              </a:rPr>
+                              <m:t>+1</m:t>
+                            </m:r>
+                          </m:e>
+                        </m:d>
+                      </m:num>
+                      <m:den>
+                        <m:r>
+                          <a:rPr lang="en-US" altLang="zh-CN" b="0" i="1" smtClean="0">
+                            <a:latin typeface="Cambria Math" panose="02040503050406030204" pitchFamily="18" charset="0"/>
+                          </a:rPr>
+                          <m:t>𝑑𝑟𝑎𝑡𝑒</m:t>
+                        </m:r>
+                        <m:d>
+                          <m:dPr>
+                            <m:ctrlPr>
+                              <a:rPr lang="en-US" altLang="zh-CN" b="0" i="1" smtClean="0">
+                                <a:latin typeface="Cambria Math" panose="02040503050406030204" pitchFamily="18" charset="0"/>
+                              </a:rPr>
+                            </m:ctrlPr>
+                          </m:dPr>
+                          <m:e>
+                            <m:r>
+                              <a:rPr lang="en-US" altLang="zh-CN" b="0" i="1" smtClean="0">
+                                <a:latin typeface="Cambria Math" panose="02040503050406030204" pitchFamily="18" charset="0"/>
+                              </a:rPr>
+                              <m:t>𝑡</m:t>
+                            </m:r>
+                            <m:r>
+                              <a:rPr lang="en-US" altLang="zh-CN" b="0" i="1" smtClean="0">
+                                <a:latin typeface="Cambria Math" panose="02040503050406030204" pitchFamily="18" charset="0"/>
+                              </a:rPr>
+                              <m:t>+1</m:t>
+                            </m:r>
+                          </m:e>
+                        </m:d>
+                      </m:den>
+                    </m:f>
+                    <m:r>
+                      <a:rPr lang="en-US" altLang="zh-CN" b="0" i="1" smtClean="0">
+                        <a:latin typeface="Cambria Math" panose="02040503050406030204" pitchFamily="18" charset="0"/>
+                      </a:rPr>
+                      <m:t>∗</m:t>
+                    </m:r>
+                    <m:f>
+                      <m:fPr>
+                        <m:ctrlPr>
+                          <a:rPr lang="en-US" altLang="zh-CN" b="0" i="1" smtClean="0">
+                            <a:latin typeface="Cambria Math" panose="02040503050406030204" pitchFamily="18" charset="0"/>
+                          </a:rPr>
+                        </m:ctrlPr>
+                      </m:fPr>
+                      <m:num>
+                        <m:r>
+                          <a:rPr lang="en-US" altLang="zh-CN" b="0" i="1" smtClean="0">
+                            <a:latin typeface="Cambria Math" panose="02040503050406030204" pitchFamily="18" charset="0"/>
+                          </a:rPr>
+                          <m:t>𝑑𝑟𝑎𝑡𝑒</m:t>
+                        </m:r>
+                        <m:d>
+                          <m:dPr>
+                            <m:ctrlPr>
+                              <a:rPr lang="en-US" altLang="zh-CN" b="0" i="1" smtClean="0">
+                                <a:latin typeface="Cambria Math" panose="02040503050406030204" pitchFamily="18" charset="0"/>
+                              </a:rPr>
+                            </m:ctrlPr>
+                          </m:dPr>
+                          <m:e>
+                            <m:r>
+                              <a:rPr lang="en-US" altLang="zh-CN" b="0" i="1" smtClean="0">
+                                <a:latin typeface="Cambria Math" panose="02040503050406030204" pitchFamily="18" charset="0"/>
+                              </a:rPr>
+                              <m:t>𝑡</m:t>
+                            </m:r>
+                            <m:r>
+                              <a:rPr lang="en-US" altLang="zh-CN" b="0" i="1" smtClean="0">
+                                <a:latin typeface="Cambria Math" panose="02040503050406030204" pitchFamily="18" charset="0"/>
+                              </a:rPr>
+                              <m:t>+1</m:t>
+                            </m:r>
+                          </m:e>
+                        </m:d>
+                      </m:num>
+                      <m:den>
+                        <m:r>
+                          <a:rPr lang="en-US" altLang="zh-CN" b="0" i="1" smtClean="0">
+                            <a:latin typeface="Cambria Math" panose="02040503050406030204" pitchFamily="18" charset="0"/>
+                          </a:rPr>
+                          <m:t>𝑑𝑤</m:t>
+                        </m:r>
+                        <m:d>
+                          <m:dPr>
+                            <m:ctrlPr>
+                              <a:rPr lang="en-US" altLang="zh-CN" b="0" i="1" smtClean="0">
+                                <a:latin typeface="Cambria Math" panose="02040503050406030204" pitchFamily="18" charset="0"/>
+                              </a:rPr>
+                            </m:ctrlPr>
+                          </m:dPr>
+                          <m:e>
+                            <m:r>
+                              <a:rPr lang="en-US" altLang="zh-CN" b="0" i="1" smtClean="0">
+                                <a:latin typeface="Cambria Math" panose="02040503050406030204" pitchFamily="18" charset="0"/>
+                              </a:rPr>
+                              <m:t>𝑡</m:t>
+                            </m:r>
+                          </m:e>
+                        </m:d>
+                      </m:den>
+                    </m:f>
+                  </m:oMath>
+                </a14:m>
+                <a:endParaRPr lang="en-US" altLang="zh-CN" b="0" dirty="0"/>
+              </a:p>
+              <a:p>
+                <a:pPr/>
+                <a:r>
+                  <a:rPr lang="en-US" altLang="zh-CN" dirty="0"/>
+                  <a:t>	</a:t>
+                </a:r>
+                <a14:m>
+                  <m:oMath xmlns:m="http://schemas.openxmlformats.org/officeDocument/2006/math">
+                    <m:f>
+                      <m:fPr>
+                        <m:ctrlPr>
+                          <a:rPr lang="en-US" altLang="zh-CN" b="0" i="1" smtClean="0">
+                            <a:latin typeface="Cambria Math" panose="02040503050406030204" pitchFamily="18" charset="0"/>
+                          </a:rPr>
+                        </m:ctrlPr>
+                      </m:fPr>
+                      <m:num>
+                        <m:r>
+                          <a:rPr lang="en-US" altLang="zh-CN" b="0" i="1" smtClean="0">
+                            <a:latin typeface="Cambria Math" panose="02040503050406030204" pitchFamily="18" charset="0"/>
+                          </a:rPr>
+                          <m:t>𝑑𝐽</m:t>
+                        </m:r>
+                      </m:num>
+                      <m:den>
+                        <m:r>
+                          <a:rPr lang="en-US" altLang="zh-CN" b="0" i="1" smtClean="0">
+                            <a:latin typeface="Cambria Math" panose="02040503050406030204" pitchFamily="18" charset="0"/>
+                          </a:rPr>
+                          <m:t>𝑑𝑟𝑡𝑡</m:t>
+                        </m:r>
+                        <m:d>
+                          <m:dPr>
+                            <m:ctrlPr>
+                              <a:rPr lang="en-US" altLang="zh-CN" b="0" i="1" smtClean="0">
+                                <a:latin typeface="Cambria Math" panose="02040503050406030204" pitchFamily="18" charset="0"/>
+                              </a:rPr>
+                            </m:ctrlPr>
+                          </m:dPr>
+                          <m:e>
+                            <m:r>
+                              <a:rPr lang="en-US" altLang="zh-CN" b="0" i="1" smtClean="0">
+                                <a:latin typeface="Cambria Math" panose="02040503050406030204" pitchFamily="18" charset="0"/>
+                              </a:rPr>
+                              <m:t>𝑡</m:t>
+                            </m:r>
+                            <m:r>
+                              <a:rPr lang="en-US" altLang="zh-CN" b="0" i="1" smtClean="0">
+                                <a:latin typeface="Cambria Math" panose="02040503050406030204" pitchFamily="18" charset="0"/>
+                              </a:rPr>
+                              <m:t>+1</m:t>
+                            </m:r>
+                          </m:e>
+                        </m:d>
+                      </m:den>
+                    </m:f>
+                    <m:r>
+                      <a:rPr lang="en-US" altLang="zh-CN" b="0" i="0" smtClean="0">
+                        <a:latin typeface="Cambria Math" panose="02040503050406030204" pitchFamily="18" charset="0"/>
+                      </a:rPr>
+                      <m:t>=</m:t>
+                    </m:r>
+                  </m:oMath>
+                </a14:m>
+                <a:r>
+                  <a:rPr lang="en-US" altLang="zh-CN" dirty="0"/>
+                  <a:t> </a:t>
+                </a:r>
+                <a14:m>
+                  <m:oMath xmlns:m="http://schemas.openxmlformats.org/officeDocument/2006/math">
+                    <m:r>
+                      <a:rPr lang="en-US" altLang="zh-CN" i="1">
+                        <a:latin typeface="Cambria Math" panose="02040503050406030204" pitchFamily="18" charset="0"/>
+                      </a:rPr>
+                      <m:t>𝑟𝑡𝑡</m:t>
+                    </m:r>
+                    <m:d>
+                      <m:dPr>
+                        <m:ctrlPr>
+                          <a:rPr lang="en-US" altLang="zh-CN" i="1">
+                            <a:latin typeface="Cambria Math" panose="02040503050406030204" pitchFamily="18" charset="0"/>
+                          </a:rPr>
+                        </m:ctrlPr>
+                      </m:dPr>
+                      <m:e>
+                        <m:r>
+                          <a:rPr lang="en-US" altLang="zh-CN" i="1">
+                            <a:latin typeface="Cambria Math" panose="02040503050406030204" pitchFamily="18" charset="0"/>
+                          </a:rPr>
+                          <m:t>𝑡</m:t>
+                        </m:r>
+                        <m:r>
+                          <a:rPr lang="en-US" altLang="zh-CN" i="1">
+                            <a:latin typeface="Cambria Math" panose="02040503050406030204" pitchFamily="18" charset="0"/>
+                          </a:rPr>
+                          <m:t>+1</m:t>
+                        </m:r>
+                      </m:e>
+                    </m:d>
+                    <m:r>
+                      <a:rPr lang="en-US" altLang="zh-CN" i="1">
+                        <a:latin typeface="Cambria Math" panose="02040503050406030204" pitchFamily="18" charset="0"/>
                       </a:rPr>
                       <m:t>−</m:t>
                     </m:r>
                     <m:r>
+                      <a:rPr lang="en-US" altLang="zh-CN" i="1">
+                        <a:latin typeface="Cambria Math" panose="02040503050406030204" pitchFamily="18" charset="0"/>
+                      </a:rPr>
+                      <m:t>𝑟𝑡</m:t>
+                    </m:r>
+                    <m:sSub>
+                      <m:sSubPr>
+                        <m:ctrlPr>
+                          <a:rPr lang="en-US" altLang="zh-CN" i="1">
+                            <a:latin typeface="Cambria Math" panose="02040503050406030204" pitchFamily="18" charset="0"/>
+                          </a:rPr>
+                        </m:ctrlPr>
+                      </m:sSubPr>
+                      <m:e>
+                        <m:r>
+                          <a:rPr lang="en-US" altLang="zh-CN" i="1">
+                            <a:latin typeface="Cambria Math" panose="02040503050406030204" pitchFamily="18" charset="0"/>
+                          </a:rPr>
+                          <m:t>𝑡</m:t>
+                        </m:r>
+                      </m:e>
+                      <m:sub>
+                        <m:r>
+                          <a:rPr lang="en-US" altLang="zh-CN" i="1">
+                            <a:latin typeface="Cambria Math" panose="02040503050406030204" pitchFamily="18" charset="0"/>
+                          </a:rPr>
+                          <m:t>𝑡𝑎𝑟𝑔𝑒𝑡</m:t>
+                        </m:r>
+                      </m:sub>
+                    </m:sSub>
+                  </m:oMath>
+                </a14:m>
+                <a:endParaRPr lang="en-US" altLang="zh-CN" dirty="0"/>
+              </a:p>
+              <a:p>
+                <a:pPr/>
+                <a:r>
+                  <a:rPr lang="en-US" altLang="zh-CN" dirty="0"/>
+                  <a:t>	</a:t>
+                </a:r>
+                <a14:m>
+                  <m:oMath xmlns:m="http://schemas.openxmlformats.org/officeDocument/2006/math">
+                    <m:f>
+                      <m:fPr>
+                        <m:ctrlPr>
+                          <a:rPr lang="en-US" altLang="zh-CN" b="0" i="1" smtClean="0">
+                            <a:latin typeface="Cambria Math" panose="02040503050406030204" pitchFamily="18" charset="0"/>
+                          </a:rPr>
+                        </m:ctrlPr>
+                      </m:fPr>
+                      <m:num>
+                        <m:r>
+                          <a:rPr lang="en-US" altLang="zh-CN" b="0" i="1" smtClean="0">
+                            <a:latin typeface="Cambria Math" panose="02040503050406030204" pitchFamily="18" charset="0"/>
+                          </a:rPr>
+                          <m:t>𝑑</m:t>
+                        </m:r>
+                        <m:r>
+                          <a:rPr lang="en-US" altLang="zh-CN" b="0" i="1" smtClean="0">
+                            <a:latin typeface="Cambria Math" panose="02040503050406030204" pitchFamily="18" charset="0"/>
+                          </a:rPr>
+                          <m:t>𝑟𝑎𝑡𝑒</m:t>
+                        </m:r>
+                        <m:d>
+                          <m:dPr>
+                            <m:ctrlPr>
+                              <a:rPr lang="en-US" altLang="zh-CN" b="0" i="1" smtClean="0">
+                                <a:latin typeface="Cambria Math" panose="02040503050406030204" pitchFamily="18" charset="0"/>
+                              </a:rPr>
+                            </m:ctrlPr>
+                          </m:dPr>
+                          <m:e>
+                            <m:r>
+                              <a:rPr lang="en-US" altLang="zh-CN" b="0" i="1" smtClean="0">
+                                <a:latin typeface="Cambria Math" panose="02040503050406030204" pitchFamily="18" charset="0"/>
+                              </a:rPr>
+                              <m:t>𝑡</m:t>
+                            </m:r>
+                            <m:r>
+                              <a:rPr lang="en-US" altLang="zh-CN" b="0" i="1" smtClean="0">
+                                <a:latin typeface="Cambria Math" panose="02040503050406030204" pitchFamily="18" charset="0"/>
+                              </a:rPr>
+                              <m:t>+1</m:t>
+                            </m:r>
+                          </m:e>
+                        </m:d>
+                      </m:num>
+                      <m:den>
+                        <m:r>
+                          <a:rPr lang="en-US" altLang="zh-CN" b="0" i="1" smtClean="0">
+                            <a:latin typeface="Cambria Math" panose="02040503050406030204" pitchFamily="18" charset="0"/>
+                          </a:rPr>
+                          <m:t>𝑑𝑤</m:t>
+                        </m:r>
+                        <m:r>
+                          <a:rPr lang="en-US" altLang="zh-CN" b="0" i="1" smtClean="0">
+                            <a:latin typeface="Cambria Math" panose="02040503050406030204" pitchFamily="18" charset="0"/>
+                          </a:rPr>
+                          <m:t>_</m:t>
+                        </m:r>
+                        <m:d>
+                          <m:dPr>
+                            <m:ctrlPr>
+                              <a:rPr lang="en-US" altLang="zh-CN" b="0" i="1" smtClean="0">
+                                <a:latin typeface="Cambria Math" panose="02040503050406030204" pitchFamily="18" charset="0"/>
+                              </a:rPr>
+                            </m:ctrlPr>
+                          </m:dPr>
+                          <m:e>
+                            <m:r>
+                              <a:rPr lang="en-US" altLang="zh-CN" b="0" i="1" smtClean="0">
+                                <a:latin typeface="Cambria Math" panose="02040503050406030204" pitchFamily="18" charset="0"/>
+                              </a:rPr>
+                              <m:t>𝑡</m:t>
+                            </m:r>
+                          </m:e>
+                        </m:d>
+                      </m:den>
+                    </m:f>
+                    <m:r>
                       <a:rPr lang="en-US" altLang="zh-CN" b="0" i="1" smtClean="0">
                         <a:latin typeface="Cambria Math" panose="02040503050406030204" pitchFamily="18" charset="0"/>
-                        <a:ea typeface="Cambria Math" panose="02040503050406030204" pitchFamily="18" charset="0"/>
                       </a:rPr>
-                      <m:t>𝑟𝑡𝑡𝑜𝑙𝑑</m:t>
+                      <m:t>=</m:t>
                     </m:r>
                     <m:r>
                       <a:rPr lang="en-US" altLang="zh-CN" b="0" i="1" smtClean="0">
                         <a:latin typeface="Cambria Math" panose="02040503050406030204" pitchFamily="18" charset="0"/>
-                        <a:ea typeface="Cambria Math" panose="02040503050406030204" pitchFamily="18" charset="0"/>
                       </a:rPr>
-                      <m:t>)/</m:t>
+                      <m:t>𝑟𝑎𝑡𝑒</m:t>
+                    </m:r>
+                    <m:d>
+                      <m:dPr>
+                        <m:ctrlPr>
+                          <a:rPr lang="en-US" altLang="zh-CN" b="0" i="1" smtClean="0">
+                            <a:latin typeface="Cambria Math" panose="02040503050406030204" pitchFamily="18" charset="0"/>
+                          </a:rPr>
+                        </m:ctrlPr>
+                      </m:dPr>
+                      <m:e>
+                        <m:r>
+                          <a:rPr lang="en-US" altLang="zh-CN" b="0" i="1" smtClean="0">
+                            <a:latin typeface="Cambria Math" panose="02040503050406030204" pitchFamily="18" charset="0"/>
+                          </a:rPr>
+                          <m:t>𝑡</m:t>
+                        </m:r>
+                      </m:e>
+                    </m:d>
+                    <m:r>
+                      <a:rPr lang="en-US" altLang="zh-CN" b="0" i="1" smtClean="0">
+                        <a:latin typeface="Cambria Math" panose="02040503050406030204" pitchFamily="18" charset="0"/>
+                      </a:rPr>
+                      <m:t>∗</m:t>
                     </m:r>
                     <m:r>
                       <a:rPr lang="en-US" altLang="zh-CN" b="0" i="1" smtClean="0">
                         <a:latin typeface="Cambria Math" panose="02040503050406030204" pitchFamily="18" charset="0"/>
-                        <a:ea typeface="Cambria Math" panose="02040503050406030204" pitchFamily="18" charset="0"/>
                       </a:rPr>
-                      <m:t>𝑟𝑡𝑡𝑜𝑙𝑑</m:t>
+                      <m:t>𝑖𝑛</m:t>
+                    </m:r>
+                    <m:r>
+                      <a:rPr lang="en-US" altLang="zh-CN" b="0" i="1" smtClean="0">
+                        <a:latin typeface="Cambria Math" panose="02040503050406030204" pitchFamily="18" charset="0"/>
+                      </a:rPr>
+                      <m:t>_(</m:t>
+                    </m:r>
+                    <m:r>
+                      <a:rPr lang="en-US" altLang="zh-CN" b="0" i="1" smtClean="0">
+                        <a:latin typeface="Cambria Math" panose="02040503050406030204" pitchFamily="18" charset="0"/>
+                      </a:rPr>
+                      <m:t>𝑡</m:t>
+                    </m:r>
+                    <m:r>
+                      <a:rPr lang="en-US" altLang="zh-CN" b="0" i="1" smtClean="0">
+                        <a:latin typeface="Cambria Math" panose="02040503050406030204" pitchFamily="18" charset="0"/>
+                      </a:rPr>
+                      <m:t>)</m:t>
                     </m:r>
                   </m:oMath>
                 </a14:m>
+                <a:endParaRPr lang="en-US" altLang="zh-CN" dirty="0"/>
+              </a:p>
+              <a:p>
+                <a:pPr/>
+                <a:r>
+                  <a:rPr lang="en-US" altLang="zh-CN" dirty="0"/>
+                  <a:t>	</a:t>
+                </a:r>
+                <a14:m>
+                  <m:oMath xmlns:m="http://schemas.openxmlformats.org/officeDocument/2006/math">
+                    <m:f>
+                      <m:fPr>
+                        <m:ctrlPr>
+                          <a:rPr lang="en-US" altLang="zh-CN" b="0" i="1" smtClean="0">
+                            <a:latin typeface="Cambria Math" panose="02040503050406030204" pitchFamily="18" charset="0"/>
+                          </a:rPr>
+                        </m:ctrlPr>
+                      </m:fPr>
+                      <m:num>
+                        <m:r>
+                          <a:rPr lang="en-US" altLang="zh-CN" b="0" i="1" smtClean="0">
+                            <a:latin typeface="Cambria Math" panose="02040503050406030204" pitchFamily="18" charset="0"/>
+                          </a:rPr>
+                          <m:t>𝑑𝑟𝑡𝑡</m:t>
+                        </m:r>
+                        <m:d>
+                          <m:dPr>
+                            <m:ctrlPr>
+                              <a:rPr lang="en-US" altLang="zh-CN" b="0" i="1" smtClean="0">
+                                <a:latin typeface="Cambria Math" panose="02040503050406030204" pitchFamily="18" charset="0"/>
+                              </a:rPr>
+                            </m:ctrlPr>
+                          </m:dPr>
+                          <m:e>
+                            <m:r>
+                              <a:rPr lang="en-US" altLang="zh-CN" b="0" i="1" smtClean="0">
+                                <a:latin typeface="Cambria Math" panose="02040503050406030204" pitchFamily="18" charset="0"/>
+                              </a:rPr>
+                              <m:t>𝑡</m:t>
+                            </m:r>
+                            <m:r>
+                              <a:rPr lang="en-US" altLang="zh-CN" b="0" i="1" smtClean="0">
+                                <a:latin typeface="Cambria Math" panose="02040503050406030204" pitchFamily="18" charset="0"/>
+                              </a:rPr>
+                              <m:t>+1</m:t>
+                            </m:r>
+                          </m:e>
+                        </m:d>
+                      </m:num>
+                      <m:den>
+                        <m:r>
+                          <a:rPr lang="en-US" altLang="zh-CN" b="0" i="1" smtClean="0">
+                            <a:latin typeface="Cambria Math" panose="02040503050406030204" pitchFamily="18" charset="0"/>
+                          </a:rPr>
+                          <m:t>𝑑</m:t>
+                        </m:r>
+                        <m:r>
+                          <a:rPr lang="en-US" altLang="zh-CN" b="0" i="1" smtClean="0">
+                            <a:latin typeface="Cambria Math" panose="02040503050406030204" pitchFamily="18" charset="0"/>
+                          </a:rPr>
+                          <m:t>𝑟𝑎𝑡𝑒</m:t>
+                        </m:r>
+                        <m:d>
+                          <m:dPr>
+                            <m:ctrlPr>
+                              <a:rPr lang="en-US" altLang="zh-CN" b="0" i="1" smtClean="0">
+                                <a:latin typeface="Cambria Math" panose="02040503050406030204" pitchFamily="18" charset="0"/>
+                              </a:rPr>
+                            </m:ctrlPr>
+                          </m:dPr>
+                          <m:e>
+                            <m:r>
+                              <a:rPr lang="en-US" altLang="zh-CN" b="0" i="1" smtClean="0">
+                                <a:latin typeface="Cambria Math" panose="02040503050406030204" pitchFamily="18" charset="0"/>
+                              </a:rPr>
+                              <m:t>𝑡</m:t>
+                            </m:r>
+                            <m:r>
+                              <a:rPr lang="en-US" altLang="zh-CN" b="0" i="1" smtClean="0">
+                                <a:latin typeface="Cambria Math" panose="02040503050406030204" pitchFamily="18" charset="0"/>
+                              </a:rPr>
+                              <m:t>+1</m:t>
+                            </m:r>
+                          </m:e>
+                        </m:d>
+                      </m:den>
+                    </m:f>
+                    <m:r>
+                      <a:rPr lang="zh-CN" altLang="en-US" i="1">
+                        <a:latin typeface="Cambria Math" panose="02040503050406030204" pitchFamily="18" charset="0"/>
+                      </a:rPr>
+                      <m:t>无法求出</m:t>
+                    </m:r>
+                  </m:oMath>
+                </a14:m>
+                <a:r>
+                  <a:rPr lang="zh-CN" altLang="en-US" dirty="0"/>
+                  <a:t>，由</a:t>
+                </a:r>
+                <a14:m>
+                  <m:oMath xmlns:m="http://schemas.openxmlformats.org/officeDocument/2006/math">
+                    <m:f>
+                      <m:fPr>
+                        <m:ctrlPr>
+                          <a:rPr lang="en-US" altLang="zh-CN" i="1" smtClean="0">
+                            <a:latin typeface="Cambria Math" panose="02040503050406030204" pitchFamily="18" charset="0"/>
+                          </a:rPr>
+                        </m:ctrlPr>
+                      </m:fPr>
+                      <m:num>
+                        <m:r>
+                          <m:rPr>
+                            <m:sty m:val="p"/>
+                          </m:rPr>
+                          <a:rPr lang="en-US" altLang="zh-CN" i="1">
+                            <a:latin typeface="Cambria Math" panose="02040503050406030204" pitchFamily="18" charset="0"/>
+                          </a:rPr>
+                          <m:t>rtt</m:t>
+                        </m:r>
+                        <m:d>
+                          <m:dPr>
+                            <m:ctrlPr>
+                              <a:rPr lang="en-US" altLang="zh-CN" b="0" i="1" smtClean="0">
+                                <a:latin typeface="Cambria Math" panose="02040503050406030204" pitchFamily="18" charset="0"/>
+                              </a:rPr>
+                            </m:ctrlPr>
+                          </m:dPr>
+                          <m:e>
+                            <m:r>
+                              <a:rPr lang="en-US" altLang="zh-CN" b="0" i="1" smtClean="0">
+                                <a:latin typeface="Cambria Math" panose="02040503050406030204" pitchFamily="18" charset="0"/>
+                              </a:rPr>
+                              <m:t>𝑡</m:t>
+                            </m:r>
+                            <m:r>
+                              <a:rPr lang="en-US" altLang="zh-CN" b="0" i="1" smtClean="0">
+                                <a:latin typeface="Cambria Math" panose="02040503050406030204" pitchFamily="18" charset="0"/>
+                              </a:rPr>
+                              <m:t>+1</m:t>
+                            </m:r>
+                          </m:e>
+                        </m:d>
+                        <m:r>
+                          <a:rPr lang="en-US" altLang="zh-CN" b="0" i="1" smtClean="0">
+                            <a:latin typeface="Cambria Math" panose="02040503050406030204" pitchFamily="18" charset="0"/>
+                          </a:rPr>
+                          <m:t>−</m:t>
+                        </m:r>
+                        <m:r>
+                          <a:rPr lang="en-US" altLang="zh-CN" b="0" i="1" smtClean="0">
+                            <a:latin typeface="Cambria Math" panose="02040503050406030204" pitchFamily="18" charset="0"/>
+                          </a:rPr>
+                          <m:t>𝑟𝑡𝑡</m:t>
+                        </m:r>
+                        <m:r>
+                          <a:rPr lang="en-US" altLang="zh-CN" b="0" i="1" smtClean="0">
+                            <a:latin typeface="Cambria Math" panose="02040503050406030204" pitchFamily="18" charset="0"/>
+                          </a:rPr>
+                          <m:t>(</m:t>
+                        </m:r>
+                        <m:r>
+                          <a:rPr lang="en-US" altLang="zh-CN" b="0" i="1" smtClean="0">
+                            <a:latin typeface="Cambria Math" panose="02040503050406030204" pitchFamily="18" charset="0"/>
+                          </a:rPr>
+                          <m:t>𝑡</m:t>
+                        </m:r>
+                        <m:r>
+                          <a:rPr lang="en-US" altLang="zh-CN" b="0" i="1" smtClean="0">
+                            <a:latin typeface="Cambria Math" panose="02040503050406030204" pitchFamily="18" charset="0"/>
+                          </a:rPr>
+                          <m:t>)</m:t>
+                        </m:r>
+                      </m:num>
+                      <m:den>
+                        <m:r>
+                          <a:rPr lang="en-US" altLang="zh-CN" b="0" i="1" smtClean="0">
+                            <a:latin typeface="Cambria Math" panose="02040503050406030204" pitchFamily="18" charset="0"/>
+                          </a:rPr>
+                          <m:t>𝑟𝑎𝑡𝑒</m:t>
+                        </m:r>
+                        <m:d>
+                          <m:dPr>
+                            <m:ctrlPr>
+                              <a:rPr lang="en-US" altLang="zh-CN" b="0" i="1" smtClean="0">
+                                <a:latin typeface="Cambria Math" panose="02040503050406030204" pitchFamily="18" charset="0"/>
+                              </a:rPr>
+                            </m:ctrlPr>
+                          </m:dPr>
+                          <m:e>
+                            <m:r>
+                              <a:rPr lang="en-US" altLang="zh-CN" b="0" i="1" smtClean="0">
+                                <a:latin typeface="Cambria Math" panose="02040503050406030204" pitchFamily="18" charset="0"/>
+                              </a:rPr>
+                              <m:t>𝑡</m:t>
+                            </m:r>
+                            <m:r>
+                              <a:rPr lang="en-US" altLang="zh-CN" b="0" i="1" smtClean="0">
+                                <a:latin typeface="Cambria Math" panose="02040503050406030204" pitchFamily="18" charset="0"/>
+                              </a:rPr>
+                              <m:t>+1</m:t>
+                            </m:r>
+                          </m:e>
+                        </m:d>
+                        <m:r>
+                          <a:rPr lang="en-US" altLang="zh-CN" b="0" i="1" smtClean="0">
+                            <a:latin typeface="Cambria Math" panose="02040503050406030204" pitchFamily="18" charset="0"/>
+                          </a:rPr>
+                          <m:t>−</m:t>
+                        </m:r>
+                        <m:r>
+                          <a:rPr lang="en-US" altLang="zh-CN" b="0" i="1" smtClean="0">
+                            <a:latin typeface="Cambria Math" panose="02040503050406030204" pitchFamily="18" charset="0"/>
+                          </a:rPr>
+                          <m:t>𝑟𝑎𝑡𝑒</m:t>
+                        </m:r>
+                        <m:r>
+                          <a:rPr lang="en-US" altLang="zh-CN" b="0" i="1" smtClean="0">
+                            <a:latin typeface="Cambria Math" panose="02040503050406030204" pitchFamily="18" charset="0"/>
+                          </a:rPr>
+                          <m:t>(</m:t>
+                        </m:r>
+                        <m:r>
+                          <a:rPr lang="en-US" altLang="zh-CN" b="0" i="1" smtClean="0">
+                            <a:latin typeface="Cambria Math" panose="02040503050406030204" pitchFamily="18" charset="0"/>
+                          </a:rPr>
+                          <m:t>𝑡</m:t>
+                        </m:r>
+                        <m:r>
+                          <a:rPr lang="en-US" altLang="zh-CN" b="0" i="1" smtClean="0">
+                            <a:latin typeface="Cambria Math" panose="02040503050406030204" pitchFamily="18" charset="0"/>
+                          </a:rPr>
+                          <m:t>)</m:t>
+                        </m:r>
+                      </m:den>
+                    </m:f>
+                    <m:r>
+                      <a:rPr lang="en-US" altLang="zh-CN" b="0" i="1" smtClean="0">
+                        <a:latin typeface="Cambria Math" panose="02040503050406030204" pitchFamily="18" charset="0"/>
+                      </a:rPr>
+                      <m:t>=</m:t>
+                    </m:r>
+                    <m:f>
+                      <m:fPr>
+                        <m:ctrlPr>
+                          <a:rPr lang="en-US" altLang="zh-CN" b="0" i="1" smtClean="0">
+                            <a:latin typeface="Cambria Math" panose="02040503050406030204" pitchFamily="18" charset="0"/>
+                          </a:rPr>
+                        </m:ctrlPr>
+                      </m:fPr>
+                      <m:num>
+                        <m:r>
+                          <a:rPr lang="en-US" altLang="zh-CN" b="0" i="1" smtClean="0">
+                            <a:latin typeface="Cambria Math" panose="02040503050406030204" pitchFamily="18" charset="0"/>
+                          </a:rPr>
+                          <m:t>𝑟𝑡𝑡</m:t>
+                        </m:r>
+                        <m:d>
+                          <m:dPr>
+                            <m:ctrlPr>
+                              <a:rPr lang="en-US" altLang="zh-CN" b="0" i="1" smtClean="0">
+                                <a:latin typeface="Cambria Math" panose="02040503050406030204" pitchFamily="18" charset="0"/>
+                              </a:rPr>
+                            </m:ctrlPr>
+                          </m:dPr>
+                          <m:e>
+                            <m:r>
+                              <a:rPr lang="en-US" altLang="zh-CN" b="0" i="1" smtClean="0">
+                                <a:latin typeface="Cambria Math" panose="02040503050406030204" pitchFamily="18" charset="0"/>
+                              </a:rPr>
+                              <m:t>𝑡</m:t>
+                            </m:r>
+                            <m:r>
+                              <a:rPr lang="en-US" altLang="zh-CN" b="0" i="1" smtClean="0">
+                                <a:latin typeface="Cambria Math" panose="02040503050406030204" pitchFamily="18" charset="0"/>
+                              </a:rPr>
+                              <m:t>+1</m:t>
+                            </m:r>
+                          </m:e>
+                        </m:d>
+                        <m:r>
+                          <a:rPr lang="en-US" altLang="zh-CN" b="0" i="1" smtClean="0">
+                            <a:latin typeface="Cambria Math" panose="02040503050406030204" pitchFamily="18" charset="0"/>
+                          </a:rPr>
+                          <m:t>−</m:t>
+                        </m:r>
+                        <m:r>
+                          <a:rPr lang="en-US" altLang="zh-CN" b="0" i="1" smtClean="0">
+                            <a:latin typeface="Cambria Math" panose="02040503050406030204" pitchFamily="18" charset="0"/>
+                          </a:rPr>
+                          <m:t>𝑟𝑡𝑡</m:t>
+                        </m:r>
+                        <m:r>
+                          <a:rPr lang="en-US" altLang="zh-CN" b="0" i="1" smtClean="0">
+                            <a:latin typeface="Cambria Math" panose="02040503050406030204" pitchFamily="18" charset="0"/>
+                          </a:rPr>
+                          <m:t>(</m:t>
+                        </m:r>
+                        <m:r>
+                          <a:rPr lang="en-US" altLang="zh-CN" b="0" i="1" smtClean="0">
+                            <a:latin typeface="Cambria Math" panose="02040503050406030204" pitchFamily="18" charset="0"/>
+                          </a:rPr>
+                          <m:t>𝑡</m:t>
+                        </m:r>
+                        <m:r>
+                          <a:rPr lang="en-US" altLang="zh-CN" b="0" i="1" smtClean="0">
+                            <a:latin typeface="Cambria Math" panose="02040503050406030204" pitchFamily="18" charset="0"/>
+                          </a:rPr>
+                          <m:t>)</m:t>
+                        </m:r>
+                      </m:num>
+                      <m:den>
+                        <m:r>
+                          <a:rPr lang="en-US" altLang="zh-CN" b="0" i="1" smtClean="0">
+                            <a:latin typeface="Cambria Math" panose="02040503050406030204" pitchFamily="18" charset="0"/>
+                          </a:rPr>
+                          <m:t>𝑟𝑎𝑡𝑒</m:t>
+                        </m:r>
+                        <m:d>
+                          <m:dPr>
+                            <m:ctrlPr>
+                              <a:rPr lang="en-US" altLang="zh-CN" b="0" i="1" smtClean="0">
+                                <a:latin typeface="Cambria Math" panose="02040503050406030204" pitchFamily="18" charset="0"/>
+                              </a:rPr>
+                            </m:ctrlPr>
+                          </m:dPr>
+                          <m:e>
+                            <m:r>
+                              <a:rPr lang="en-US" altLang="zh-CN" b="0" i="1" smtClean="0">
+                                <a:latin typeface="Cambria Math" panose="02040503050406030204" pitchFamily="18" charset="0"/>
+                              </a:rPr>
+                              <m:t>𝑡</m:t>
+                            </m:r>
+                          </m:e>
+                        </m:d>
+                        <m:r>
+                          <a:rPr lang="en-US" altLang="zh-CN" b="0" i="1" smtClean="0">
+                            <a:latin typeface="Cambria Math" panose="02040503050406030204" pitchFamily="18" charset="0"/>
+                          </a:rPr>
+                          <m:t>∗</m:t>
+                        </m:r>
+                        <m:r>
+                          <a:rPr lang="en-US" altLang="zh-CN" b="0" i="1" smtClean="0">
+                            <a:latin typeface="Cambria Math" panose="02040503050406030204" pitchFamily="18" charset="0"/>
+                          </a:rPr>
+                          <m:t>𝑜𝑢𝑡</m:t>
+                        </m:r>
+                        <m:r>
+                          <a:rPr lang="en-US" altLang="zh-CN" b="0" i="1" smtClean="0">
+                            <a:latin typeface="Cambria Math" panose="02040503050406030204" pitchFamily="18" charset="0"/>
+                          </a:rPr>
+                          <m:t>(</m:t>
+                        </m:r>
+                        <m:r>
+                          <a:rPr lang="en-US" altLang="zh-CN" b="0" i="1" smtClean="0">
+                            <a:latin typeface="Cambria Math" panose="02040503050406030204" pitchFamily="18" charset="0"/>
+                          </a:rPr>
+                          <m:t>𝑡</m:t>
+                        </m:r>
+                        <m:r>
+                          <a:rPr lang="en-US" altLang="zh-CN" b="0" i="1" smtClean="0">
+                            <a:latin typeface="Cambria Math" panose="02040503050406030204" pitchFamily="18" charset="0"/>
+                          </a:rPr>
+                          <m:t>)</m:t>
+                        </m:r>
+                      </m:den>
+                    </m:f>
+                    <m:r>
+                      <a:rPr lang="zh-CN" altLang="en-US" i="1">
+                        <a:latin typeface="Cambria Math" panose="02040503050406030204" pitchFamily="18" charset="0"/>
+                      </a:rPr>
+                      <m:t>代替</m:t>
+                    </m:r>
+                  </m:oMath>
+                </a14:m>
+                <a:r>
+                  <a:rPr lang="zh-CN" altLang="en-US" dirty="0"/>
+                  <a:t>，以此带来的不精确度由学习率</a:t>
+                </a:r>
+                <a14:m>
+                  <m:oMath xmlns:m="http://schemas.openxmlformats.org/officeDocument/2006/math">
+                    <m:r>
+                      <a:rPr lang="zh-CN" altLang="en-US" i="1">
+                        <a:latin typeface="Cambria Math" panose="02040503050406030204" pitchFamily="18" charset="0"/>
+                      </a:rPr>
+                      <m:t>𝜇</m:t>
+                    </m:r>
+                    <m:d>
+                      <m:dPr>
+                        <m:ctrlPr>
+                          <a:rPr lang="en-US" altLang="zh-CN" i="1">
+                            <a:latin typeface="Cambria Math" panose="02040503050406030204" pitchFamily="18" charset="0"/>
+                          </a:rPr>
+                        </m:ctrlPr>
+                      </m:dPr>
+                      <m:e>
+                        <m:r>
+                          <a:rPr lang="en-US" altLang="zh-CN" i="1">
+                            <a:latin typeface="Cambria Math" panose="02040503050406030204" pitchFamily="18" charset="0"/>
+                          </a:rPr>
+                          <m:t>𝑡</m:t>
+                        </m:r>
+                      </m:e>
+                    </m:d>
+                  </m:oMath>
+                </a14:m>
+                <a:r>
+                  <a:rPr lang="zh-CN" altLang="en-US" dirty="0"/>
+                  <a:t>补偿</a:t>
+                </a:r>
                 <a:endParaRPr lang="en-US" altLang="zh-CN" dirty="0"/>
               </a:p>
             </p:txBody>
@@ -13256,7 +15358,7 @@
               <p:cNvPr id="2" name="文本框 1">
                 <a:extLst>
                   <a:ext uri="{FF2B5EF4-FFF2-40B4-BE49-F238E27FC236}">
-                    <a16:creationId xmlns:a16="http://schemas.microsoft.com/office/drawing/2014/main" id="{2A04E8BD-47F4-41BB-A0A8-4AF69766AC71}"/>
+                    <a16:creationId xmlns:a16="http://schemas.microsoft.com/office/drawing/2014/main" id="{FCDBDDA0-9375-409D-BA6B-CCE70D07DCE3}"/>
                   </a:ext>
                 </a:extLst>
               </p:cNvPr>
@@ -13267,8 +15369,8 @@
             </p:nvSpPr>
             <p:spPr>
               <a:xfrm>
-                <a:off x="497632" y="317241"/>
-                <a:ext cx="7427167" cy="1477328"/>
+                <a:off x="136848" y="219339"/>
+                <a:ext cx="6979298" cy="6554871"/>
               </a:xfrm>
               <a:prstGeom prst="rect">
                 <a:avLst/>
@@ -13276,7 +15378,7 @@
               <a:blipFill>
                 <a:blip r:embed="rId2"/>
                 <a:stretch>
-                  <a:fillRect l="-739" t="-2066" b="-5785"/>
+                  <a:fillRect l="-699" t="-651" r="-786"/>
                 </a:stretch>
               </a:blipFill>
             </p:spPr>
@@ -13295,10 +15397,352 @@
           </p:sp>
         </mc:Fallback>
       </mc:AlternateContent>
+      <mc:AlternateContent xmlns:mc="http://schemas.openxmlformats.org/markup-compatibility/2006">
+        <mc:Choice xmlns:a14="http://schemas.microsoft.com/office/drawing/2010/main" Requires="a14">
+          <p:sp>
+            <p:nvSpPr>
+              <p:cNvPr id="4" name="文本框 3">
+                <a:extLst>
+                  <a:ext uri="{FF2B5EF4-FFF2-40B4-BE49-F238E27FC236}">
+                    <a16:creationId xmlns:a16="http://schemas.microsoft.com/office/drawing/2014/main" id="{6054A656-8C62-4C51-BE92-387B9A584E04}"/>
+                  </a:ext>
+                </a:extLst>
+              </p:cNvPr>
+              <p:cNvSpPr txBox="1"/>
+              <p:nvPr/>
+            </p:nvSpPr>
+            <p:spPr>
+              <a:xfrm>
+                <a:off x="7389845" y="296991"/>
+                <a:ext cx="6096000" cy="1461490"/>
+              </a:xfrm>
+              <a:prstGeom prst="rect">
+                <a:avLst/>
+              </a:prstGeom>
+              <a:noFill/>
+            </p:spPr>
+            <p:txBody>
+              <a:bodyPr wrap="square">
+                <a:spAutoFit/>
+              </a:bodyPr>
+              <a:lstStyle/>
+              <a:p>
+                <a:r>
+                  <a:rPr lang="zh-CN" altLang="en-US" dirty="0"/>
+                  <a:t>系数更新：</a:t>
+                </a:r>
+                <a:endParaRPr lang="en-US" altLang="zh-CN" dirty="0"/>
+              </a:p>
+              <a:p>
+                <a:r>
+                  <a:rPr lang="en-US" altLang="zh-CN" dirty="0"/>
+                  <a:t>	</a:t>
+                </a:r>
+                <a14:m>
+                  <m:oMath xmlns:m="http://schemas.openxmlformats.org/officeDocument/2006/math">
+                    <m:r>
+                      <a:rPr lang="en-US" altLang="zh-CN" b="0" i="1" smtClean="0">
+                        <a:latin typeface="Cambria Math" panose="02040503050406030204" pitchFamily="18" charset="0"/>
+                      </a:rPr>
+                      <m:t>𝑤</m:t>
+                    </m:r>
+                    <m:d>
+                      <m:dPr>
+                        <m:ctrlPr>
+                          <a:rPr lang="en-US" altLang="zh-CN" b="0" i="1" smtClean="0">
+                            <a:latin typeface="Cambria Math" panose="02040503050406030204" pitchFamily="18" charset="0"/>
+                          </a:rPr>
+                        </m:ctrlPr>
+                      </m:dPr>
+                      <m:e>
+                        <m:r>
+                          <a:rPr lang="en-US" altLang="zh-CN" b="0" i="1" smtClean="0">
+                            <a:latin typeface="Cambria Math" panose="02040503050406030204" pitchFamily="18" charset="0"/>
+                          </a:rPr>
+                          <m:t>𝑡</m:t>
+                        </m:r>
+                        <m:r>
+                          <a:rPr lang="en-US" altLang="zh-CN" b="0" i="1" smtClean="0">
+                            <a:latin typeface="Cambria Math" panose="02040503050406030204" pitchFamily="18" charset="0"/>
+                          </a:rPr>
+                          <m:t>+1</m:t>
+                        </m:r>
+                      </m:e>
+                    </m:d>
+                    <m:r>
+                      <a:rPr lang="en-US" altLang="zh-CN" b="0" i="1" smtClean="0">
+                        <a:latin typeface="Cambria Math" panose="02040503050406030204" pitchFamily="18" charset="0"/>
+                      </a:rPr>
+                      <m:t>=</m:t>
+                    </m:r>
+                    <m:r>
+                      <a:rPr lang="en-US" altLang="zh-CN" b="0" i="1" smtClean="0">
+                        <a:latin typeface="Cambria Math" panose="02040503050406030204" pitchFamily="18" charset="0"/>
+                      </a:rPr>
+                      <m:t>𝑤</m:t>
+                    </m:r>
+                    <m:d>
+                      <m:dPr>
+                        <m:ctrlPr>
+                          <a:rPr lang="en-US" altLang="zh-CN" b="0" i="1" smtClean="0">
+                            <a:latin typeface="Cambria Math" panose="02040503050406030204" pitchFamily="18" charset="0"/>
+                          </a:rPr>
+                        </m:ctrlPr>
+                      </m:dPr>
+                      <m:e>
+                        <m:r>
+                          <a:rPr lang="en-US" altLang="zh-CN" b="0" i="1" smtClean="0">
+                            <a:latin typeface="Cambria Math" panose="02040503050406030204" pitchFamily="18" charset="0"/>
+                          </a:rPr>
+                          <m:t>𝑡</m:t>
+                        </m:r>
+                      </m:e>
+                    </m:d>
+                    <m:r>
+                      <a:rPr lang="en-US" altLang="zh-CN" b="0" i="1" smtClean="0">
+                        <a:latin typeface="Cambria Math" panose="02040503050406030204" pitchFamily="18" charset="0"/>
+                      </a:rPr>
+                      <m:t>−</m:t>
+                    </m:r>
+                    <m:r>
+                      <a:rPr lang="zh-CN" altLang="en-US" b="0" i="1" smtClean="0">
+                        <a:latin typeface="Cambria Math" panose="02040503050406030204" pitchFamily="18" charset="0"/>
+                      </a:rPr>
+                      <m:t>𝜇</m:t>
+                    </m:r>
+                    <m:d>
+                      <m:dPr>
+                        <m:ctrlPr>
+                          <a:rPr lang="en-US" altLang="zh-CN" b="0" i="1" smtClean="0">
+                            <a:latin typeface="Cambria Math" panose="02040503050406030204" pitchFamily="18" charset="0"/>
+                          </a:rPr>
+                        </m:ctrlPr>
+                      </m:dPr>
+                      <m:e>
+                        <m:r>
+                          <a:rPr lang="en-US" altLang="zh-CN" b="0" i="1" smtClean="0">
+                            <a:latin typeface="Cambria Math" panose="02040503050406030204" pitchFamily="18" charset="0"/>
+                          </a:rPr>
+                          <m:t>𝑡</m:t>
+                        </m:r>
+                      </m:e>
+                    </m:d>
+                    <m:r>
+                      <a:rPr lang="en-US" altLang="zh-CN" b="0" i="1" smtClean="0">
+                        <a:latin typeface="Cambria Math" panose="02040503050406030204" pitchFamily="18" charset="0"/>
+                      </a:rPr>
+                      <m:t>∗</m:t>
+                    </m:r>
+                    <m:f>
+                      <m:fPr>
+                        <m:ctrlPr>
+                          <a:rPr lang="en-US" altLang="zh-CN" i="1">
+                            <a:latin typeface="Cambria Math" panose="02040503050406030204" pitchFamily="18" charset="0"/>
+                          </a:rPr>
+                        </m:ctrlPr>
+                      </m:fPr>
+                      <m:num>
+                        <m:r>
+                          <a:rPr lang="en-US" altLang="zh-CN" i="1">
+                            <a:latin typeface="Cambria Math" panose="02040503050406030204" pitchFamily="18" charset="0"/>
+                          </a:rPr>
+                          <m:t>𝑑𝐽</m:t>
+                        </m:r>
+                      </m:num>
+                      <m:den>
+                        <m:r>
+                          <a:rPr lang="en-US" altLang="zh-CN" i="1">
+                            <a:latin typeface="Cambria Math" panose="02040503050406030204" pitchFamily="18" charset="0"/>
+                          </a:rPr>
+                          <m:t>𝑑𝑤</m:t>
+                        </m:r>
+                      </m:den>
+                    </m:f>
+                  </m:oMath>
+                </a14:m>
+                <a:endParaRPr lang="en-US" altLang="zh-CN" dirty="0"/>
+              </a:p>
+              <a:p>
+                <a:r>
+                  <a:rPr lang="zh-CN" altLang="en-US" dirty="0"/>
+                  <a:t>学习率：</a:t>
+                </a:r>
+                <a:endParaRPr lang="en-US" altLang="zh-CN" dirty="0"/>
+              </a:p>
+              <a:p>
+                <a:r>
+                  <a:rPr lang="en-US" altLang="zh-CN" dirty="0"/>
+                  <a:t>	</a:t>
+                </a:r>
+                <a14:m>
+                  <m:oMath xmlns:m="http://schemas.openxmlformats.org/officeDocument/2006/math">
+                    <m:r>
+                      <a:rPr lang="zh-CN" altLang="en-US" b="0" i="1" smtClean="0">
+                        <a:latin typeface="Cambria Math" panose="02040503050406030204" pitchFamily="18" charset="0"/>
+                      </a:rPr>
+                      <m:t>𝜇</m:t>
+                    </m:r>
+                    <m:d>
+                      <m:dPr>
+                        <m:ctrlPr>
+                          <a:rPr lang="en-US" altLang="zh-CN" b="0" i="1" smtClean="0">
+                            <a:latin typeface="Cambria Math" panose="02040503050406030204" pitchFamily="18" charset="0"/>
+                          </a:rPr>
+                        </m:ctrlPr>
+                      </m:dPr>
+                      <m:e>
+                        <m:r>
+                          <a:rPr lang="en-US" altLang="zh-CN" b="0" i="1" smtClean="0">
+                            <a:latin typeface="Cambria Math" panose="02040503050406030204" pitchFamily="18" charset="0"/>
+                          </a:rPr>
+                          <m:t>𝑡</m:t>
+                        </m:r>
+                      </m:e>
+                    </m:d>
+                    <m:r>
+                      <a:rPr lang="en-US" altLang="zh-CN" b="0" i="1" smtClean="0">
+                        <a:latin typeface="Cambria Math" panose="02040503050406030204" pitchFamily="18" charset="0"/>
+                      </a:rPr>
+                      <m:t>=</m:t>
+                    </m:r>
+                    <m:f>
+                      <m:fPr>
+                        <m:ctrlPr>
+                          <a:rPr lang="en-US" altLang="zh-CN" b="0" i="1" smtClean="0">
+                            <a:latin typeface="Cambria Math" panose="02040503050406030204" pitchFamily="18" charset="0"/>
+                          </a:rPr>
+                        </m:ctrlPr>
+                      </m:fPr>
+                      <m:num>
+                        <m:r>
+                          <a:rPr lang="en-US" altLang="zh-CN" b="0" i="1" smtClean="0">
+                            <a:latin typeface="Cambria Math" panose="02040503050406030204" pitchFamily="18" charset="0"/>
+                          </a:rPr>
+                          <m:t>1</m:t>
+                        </m:r>
+                      </m:num>
+                      <m:den>
+                        <m:rad>
+                          <m:radPr>
+                            <m:degHide m:val="on"/>
+                            <m:ctrlPr>
+                              <a:rPr lang="en-US" altLang="zh-CN" b="0" i="1" smtClean="0">
+                                <a:latin typeface="Cambria Math" panose="02040503050406030204" pitchFamily="18" charset="0"/>
+                              </a:rPr>
+                            </m:ctrlPr>
+                          </m:radPr>
+                          <m:deg/>
+                          <m:e>
+                            <m:r>
+                              <a:rPr lang="en-US" altLang="zh-CN" b="0" i="1" smtClean="0">
+                                <a:latin typeface="Cambria Math" panose="02040503050406030204" pitchFamily="18" charset="0"/>
+                              </a:rPr>
+                              <m:t>𝑡</m:t>
+                            </m:r>
+                            <m:r>
+                              <a:rPr lang="en-US" altLang="zh-CN" b="0" i="1" smtClean="0">
+                                <a:latin typeface="Cambria Math" panose="02040503050406030204" pitchFamily="18" charset="0"/>
+                              </a:rPr>
+                              <m:t>+1</m:t>
+                            </m:r>
+                          </m:e>
+                        </m:rad>
+                      </m:den>
+                    </m:f>
+                  </m:oMath>
+                </a14:m>
+                <a:endParaRPr lang="en-US" altLang="zh-CN" dirty="0"/>
+              </a:p>
+            </p:txBody>
+          </p:sp>
+        </mc:Choice>
+        <mc:Fallback>
+          <p:sp>
+            <p:nvSpPr>
+              <p:cNvPr id="4" name="文本框 3">
+                <a:extLst>
+                  <a:ext uri="{FF2B5EF4-FFF2-40B4-BE49-F238E27FC236}">
+                    <a16:creationId xmlns:a16="http://schemas.microsoft.com/office/drawing/2014/main" id="{6054A656-8C62-4C51-BE92-387B9A584E04}"/>
+                  </a:ext>
+                </a:extLst>
+              </p:cNvPr>
+              <p:cNvSpPr txBox="1">
+                <a:spLocks noRot="1" noChangeAspect="1" noMove="1" noResize="1" noEditPoints="1" noAdjustHandles="1" noChangeArrowheads="1" noChangeShapeType="1" noTextEdit="1"/>
+              </p:cNvSpPr>
+              <p:nvPr/>
+            </p:nvSpPr>
+            <p:spPr>
+              <a:xfrm>
+                <a:off x="7389845" y="296991"/>
+                <a:ext cx="6096000" cy="1461490"/>
+              </a:xfrm>
+              <a:prstGeom prst="rect">
+                <a:avLst/>
+              </a:prstGeom>
+              <a:blipFill>
+                <a:blip r:embed="rId3"/>
+                <a:stretch>
+                  <a:fillRect l="-800" t="-2510"/>
+                </a:stretch>
+              </a:blipFill>
+            </p:spPr>
+            <p:txBody>
+              <a:bodyPr/>
+              <a:lstStyle/>
+              <a:p>
+                <a:r>
+                  <a:rPr lang="zh-CN" altLang="en-US">
+                    <a:noFill/>
+                  </a:rPr>
+                  <a:t> </a:t>
+                </a:r>
+              </a:p>
+            </p:txBody>
+          </p:sp>
+        </mc:Fallback>
+      </mc:AlternateContent>
+      <p:cxnSp>
+        <p:nvCxnSpPr>
+          <p:cNvPr id="6" name="直接连接符 5">
+            <a:extLst>
+              <a:ext uri="{FF2B5EF4-FFF2-40B4-BE49-F238E27FC236}">
+                <a16:creationId xmlns:a16="http://schemas.microsoft.com/office/drawing/2014/main" id="{60EE18F0-470D-46F3-96F7-D2249FC19056}"/>
+              </a:ext>
+            </a:extLst>
+          </p:cNvPr>
+          <p:cNvCxnSpPr>
+            <a:cxnSpLocks/>
+          </p:cNvCxnSpPr>
+          <p:nvPr/>
+        </p:nvCxnSpPr>
+        <p:spPr>
+          <a:xfrm flipH="1">
+            <a:off x="6923314" y="296991"/>
+            <a:ext cx="43543" cy="6408609"/>
+          </a:xfrm>
+          <a:prstGeom prst="line">
+            <a:avLst/>
+          </a:prstGeom>
+        </p:spPr>
+        <p:style>
+          <a:lnRef idx="1">
+            <a:schemeClr val="dk1"/>
+          </a:lnRef>
+          <a:fillRef idx="0">
+            <a:schemeClr val="dk1"/>
+          </a:fillRef>
+          <a:effectRef idx="0">
+            <a:schemeClr val="dk1"/>
+          </a:effectRef>
+          <a:fontRef idx="minor">
+            <a:schemeClr val="tx1"/>
+          </a:fontRef>
+        </p:style>
+      </p:cxnSp>
     </p:spTree>
     <p:extLst>
       <p:ext uri="{BB962C8B-B14F-4D97-AF65-F5344CB8AC3E}">
-        <p14:creationId xmlns:p14="http://schemas.microsoft.com/office/powerpoint/2010/main" val="2473329000"/>
+        <p14:creationId xmlns:p14="http://schemas.microsoft.com/office/powerpoint/2010/main" val="293484961"/>
       </p:ext>
     </p:extLst>
   </p:cSld>

--- a/paper/毕设思路 [自动保存的] [自动保存的].pptx
+++ b/paper/毕设思路 [自动保存的] [自动保存的].pptx
@@ -39,6 +39,7 @@
     <p:sldId id="288" r:id="rId33"/>
     <p:sldId id="289" r:id="rId34"/>
     <p:sldId id="290" r:id="rId35"/>
+    <p:sldId id="291" r:id="rId36"/>
   </p:sldIdLst>
   <p:sldSz cx="12192000" cy="6858000"/>
   <p:notesSz cx="6858000" cy="9144000"/>
@@ -292,7 +293,7 @@
           <a:p>
             <a:fld id="{AD8B3968-3313-4141-86A3-A13F50CDB1A3}" type="datetimeFigureOut">
               <a:rPr lang="zh-CN" altLang="en-US" smtClean="0"/>
-              <a:t>2023/4/3</a:t>
+              <a:t>2023/4/8</a:t>
             </a:fld>
             <a:endParaRPr lang="zh-CN" altLang="en-US"/>
           </a:p>
@@ -490,7 +491,7 @@
           <a:p>
             <a:fld id="{AD8B3968-3313-4141-86A3-A13F50CDB1A3}" type="datetimeFigureOut">
               <a:rPr lang="zh-CN" altLang="en-US" smtClean="0"/>
-              <a:t>2023/4/3</a:t>
+              <a:t>2023/4/8</a:t>
             </a:fld>
             <a:endParaRPr lang="zh-CN" altLang="en-US"/>
           </a:p>
@@ -698,7 +699,7 @@
           <a:p>
             <a:fld id="{AD8B3968-3313-4141-86A3-A13F50CDB1A3}" type="datetimeFigureOut">
               <a:rPr lang="zh-CN" altLang="en-US" smtClean="0"/>
-              <a:t>2023/4/3</a:t>
+              <a:t>2023/4/8</a:t>
             </a:fld>
             <a:endParaRPr lang="zh-CN" altLang="en-US"/>
           </a:p>
@@ -896,7 +897,7 @@
           <a:p>
             <a:fld id="{AD8B3968-3313-4141-86A3-A13F50CDB1A3}" type="datetimeFigureOut">
               <a:rPr lang="zh-CN" altLang="en-US" smtClean="0"/>
-              <a:t>2023/4/3</a:t>
+              <a:t>2023/4/8</a:t>
             </a:fld>
             <a:endParaRPr lang="zh-CN" altLang="en-US"/>
           </a:p>
@@ -1171,7 +1172,7 @@
           <a:p>
             <a:fld id="{AD8B3968-3313-4141-86A3-A13F50CDB1A3}" type="datetimeFigureOut">
               <a:rPr lang="zh-CN" altLang="en-US" smtClean="0"/>
-              <a:t>2023/4/3</a:t>
+              <a:t>2023/4/8</a:t>
             </a:fld>
             <a:endParaRPr lang="zh-CN" altLang="en-US"/>
           </a:p>
@@ -1436,7 +1437,7 @@
           <a:p>
             <a:fld id="{AD8B3968-3313-4141-86A3-A13F50CDB1A3}" type="datetimeFigureOut">
               <a:rPr lang="zh-CN" altLang="en-US" smtClean="0"/>
-              <a:t>2023/4/3</a:t>
+              <a:t>2023/4/8</a:t>
             </a:fld>
             <a:endParaRPr lang="zh-CN" altLang="en-US"/>
           </a:p>
@@ -1848,7 +1849,7 @@
           <a:p>
             <a:fld id="{AD8B3968-3313-4141-86A3-A13F50CDB1A3}" type="datetimeFigureOut">
               <a:rPr lang="zh-CN" altLang="en-US" smtClean="0"/>
-              <a:t>2023/4/3</a:t>
+              <a:t>2023/4/8</a:t>
             </a:fld>
             <a:endParaRPr lang="zh-CN" altLang="en-US"/>
           </a:p>
@@ -1989,7 +1990,7 @@
           <a:p>
             <a:fld id="{AD8B3968-3313-4141-86A3-A13F50CDB1A3}" type="datetimeFigureOut">
               <a:rPr lang="zh-CN" altLang="en-US" smtClean="0"/>
-              <a:t>2023/4/3</a:t>
+              <a:t>2023/4/8</a:t>
             </a:fld>
             <a:endParaRPr lang="zh-CN" altLang="en-US"/>
           </a:p>
@@ -2102,7 +2103,7 @@
           <a:p>
             <a:fld id="{AD8B3968-3313-4141-86A3-A13F50CDB1A3}" type="datetimeFigureOut">
               <a:rPr lang="zh-CN" altLang="en-US" smtClean="0"/>
-              <a:t>2023/4/3</a:t>
+              <a:t>2023/4/8</a:t>
             </a:fld>
             <a:endParaRPr lang="zh-CN" altLang="en-US"/>
           </a:p>
@@ -2413,7 +2414,7 @@
           <a:p>
             <a:fld id="{AD8B3968-3313-4141-86A3-A13F50CDB1A3}" type="datetimeFigureOut">
               <a:rPr lang="zh-CN" altLang="en-US" smtClean="0"/>
-              <a:t>2023/4/3</a:t>
+              <a:t>2023/4/8</a:t>
             </a:fld>
             <a:endParaRPr lang="zh-CN" altLang="en-US"/>
           </a:p>
@@ -2701,7 +2702,7 @@
           <a:p>
             <a:fld id="{AD8B3968-3313-4141-86A3-A13F50CDB1A3}" type="datetimeFigureOut">
               <a:rPr lang="zh-CN" altLang="en-US" smtClean="0"/>
-              <a:t>2023/4/3</a:t>
+              <a:t>2023/4/8</a:t>
             </a:fld>
             <a:endParaRPr lang="zh-CN" altLang="en-US"/>
           </a:p>
@@ -2942,7 +2943,7 @@
           <a:p>
             <a:fld id="{AD8B3968-3313-4141-86A3-A13F50CDB1A3}" type="datetimeFigureOut">
               <a:rPr lang="zh-CN" altLang="en-US" smtClean="0"/>
-              <a:t>2023/4/3</a:t>
+              <a:t>2023/4/8</a:t>
             </a:fld>
             <a:endParaRPr lang="zh-CN" altLang="en-US"/>
           </a:p>
@@ -12271,7 +12272,7 @@
             </a:r>
             <a:r>
               <a:rPr lang="en-US" altLang="zh-CN" dirty="0"/>
-              <a:t>MSE</a:t>
+              <a:t>MAPE</a:t>
             </a:r>
             <a:r>
               <a:rPr lang="zh-CN" altLang="en-US" dirty="0"/>
@@ -13214,8 +13215,8 @@
           <a:chExt cx="0" cy="0"/>
         </a:xfrm>
       </p:grpSpPr>
-      <mc:AlternateContent xmlns:mc="http://schemas.openxmlformats.org/markup-compatibility/2006">
-        <mc:Choice xmlns:a14="http://schemas.microsoft.com/office/drawing/2010/main" Requires="a14">
+      <mc:AlternateContent xmlns:mc="http://schemas.openxmlformats.org/markup-compatibility/2006" xmlns:a14="http://schemas.microsoft.com/office/drawing/2010/main">
+        <mc:Choice Requires="a14">
           <p:sp>
             <p:nvSpPr>
               <p:cNvPr id="2" name="文本框 1">
@@ -13412,7 +13413,6 @@
                 <a:endParaRPr lang="en-US" altLang="zh-CN" dirty="0"/>
               </a:p>
               <a:p>
-                <a:pPr/>
                 <a:r>
                   <a:rPr lang="zh-CN" altLang="en-US" dirty="0"/>
                   <a:t>隐藏层：</a:t>
@@ -13471,7 +13471,6 @@
                 <a:endParaRPr lang="en-US" altLang="zh-CN" b="0" dirty="0"/>
               </a:p>
               <a:p>
-                <a:pPr/>
                 <a:r>
                   <a:rPr lang="en-US" altLang="zh-CN" dirty="0"/>
                   <a:t>	</a:t>
@@ -13530,7 +13529,6 @@
                 <a:endParaRPr lang="en-US" altLang="zh-CN" b="0" dirty="0"/>
               </a:p>
               <a:p>
-                <a:pPr/>
                 <a:r>
                   <a:rPr lang="en-US" altLang="zh-CN" dirty="0"/>
                   <a:t>	</a:t>
@@ -13624,7 +13622,6 @@
                 <a:endParaRPr lang="en-US" altLang="zh-CN" b="0" dirty="0"/>
               </a:p>
               <a:p>
-                <a:pPr/>
                 <a:r>
                   <a:rPr lang="en-US" altLang="zh-CN" dirty="0"/>
                   <a:t>	</a:t>
@@ -13723,7 +13720,6 @@
                 <a:endParaRPr lang="en-US" altLang="zh-CN" b="0" dirty="0"/>
               </a:p>
               <a:p>
-                <a:pPr/>
                 <a:r>
                   <a:rPr lang="zh-CN" altLang="en-US" dirty="0"/>
                   <a:t>输出层：</a:t>
@@ -13787,7 +13783,6 @@
                 <a:endParaRPr lang="en-US" altLang="zh-CN" b="0" dirty="0"/>
               </a:p>
               <a:p>
-                <a:pPr/>
                 <a:r>
                   <a:rPr lang="en-US" altLang="zh-CN" dirty="0"/>
                   <a:t>	</a:t>
@@ -13798,13 +13793,7 @@
                       <a:rPr lang="en-US" altLang="zh-CN" b="0" i="1" smtClean="0">
                         <a:latin typeface="Cambria Math" panose="02040503050406030204" pitchFamily="18" charset="0"/>
                       </a:rPr>
-                      <m:t>𝑖𝑛</m:t>
-                    </m:r>
-                    <m:r>
-                      <a:rPr lang="en-US" altLang="zh-CN" b="0" i="1" smtClean="0">
-                        <a:latin typeface="Cambria Math" panose="02040503050406030204" pitchFamily="18" charset="0"/>
-                      </a:rPr>
-                      <m:t>𝑖</m:t>
+                      <m:t>𝑖𝑛𝑖</m:t>
                     </m:r>
                     <m:d>
                       <m:dPr>
@@ -13859,7 +13848,6 @@
                 </a:endParaRPr>
               </a:p>
               <a:p>
-                <a:pPr/>
                 <a:r>
                   <a:rPr lang="en-US" altLang="zh-CN" dirty="0"/>
                   <a:t>	</a:t>
@@ -13931,7 +13919,6 @@
                 </a:endParaRPr>
               </a:p>
               <a:p>
-                <a:pPr/>
                 <a:r>
                   <a:rPr lang="en-US" altLang="zh-CN" dirty="0"/>
                   <a:t>	</a:t>
@@ -14144,7 +14131,6 @@
                 <a:endParaRPr lang="en-US" altLang="zh-CN" dirty="0"/>
               </a:p>
               <a:p>
-                <a:pPr/>
                 <a:r>
                   <a:rPr lang="zh-CN" altLang="en-US" dirty="0"/>
                   <a:t>速率控制：</a:t>
@@ -14152,7 +14138,6 @@
                 <a:endParaRPr lang="en-US" altLang="zh-CN" dirty="0"/>
               </a:p>
               <a:p>
-                <a:pPr/>
                 <a:r>
                   <a:rPr lang="en-US" altLang="zh-CN" dirty="0"/>
                   <a:t>	</a:t>
@@ -14252,7 +14237,6 @@
                 <a:endParaRPr lang="en-US" altLang="zh-CN" dirty="0"/>
               </a:p>
               <a:p>
-                <a:pPr/>
                 <a:r>
                   <a:rPr lang="zh-CN" altLang="en-US" dirty="0"/>
                   <a:t>误差：</a:t>
@@ -14260,7 +14244,6 @@
                 <a:endParaRPr lang="en-US" altLang="zh-CN" dirty="0"/>
               </a:p>
               <a:p>
-                <a:pPr/>
                 <a:r>
                   <a:rPr lang="en-US" altLang="zh-CN" dirty="0"/>
                   <a:t>	</a:t>
@@ -14406,7 +14389,6 @@
                 <a:endParaRPr lang="en-US" altLang="zh-CN" dirty="0"/>
               </a:p>
               <a:p>
-                <a:pPr/>
                 <a:r>
                   <a:rPr lang="zh-CN" altLang="en-US" dirty="0"/>
                   <a:t>梯度计算：</a:t>
@@ -14414,7 +14396,6 @@
                 <a:endParaRPr lang="en-US" altLang="zh-CN" dirty="0"/>
               </a:p>
               <a:p>
-                <a:pPr/>
                 <a:r>
                   <a:rPr lang="en-US" altLang="zh-CN" dirty="0"/>
                   <a:t>	</a:t>
@@ -14653,7 +14634,6 @@
                 <a:endParaRPr lang="en-US" altLang="zh-CN" b="0" dirty="0"/>
               </a:p>
               <a:p>
-                <a:pPr/>
                 <a:r>
                   <a:rPr lang="en-US" altLang="zh-CN" dirty="0"/>
                   <a:t>	</a:t>
@@ -14793,7 +14773,6 @@
                 <a:endParaRPr lang="en-US" altLang="zh-CN" dirty="0"/>
               </a:p>
               <a:p>
-                <a:pPr/>
                 <a:r>
                   <a:rPr lang="en-US" altLang="zh-CN" dirty="0"/>
                   <a:t>	</a:t>
@@ -14813,13 +14792,7 @@
                           <a:rPr lang="en-US" altLang="zh-CN" b="0" i="1" smtClean="0">
                             <a:latin typeface="Cambria Math" panose="02040503050406030204" pitchFamily="18" charset="0"/>
                           </a:rPr>
-                          <m:t>𝑑</m:t>
-                        </m:r>
-                        <m:r>
-                          <a:rPr lang="en-US" altLang="zh-CN" b="0" i="1" smtClean="0">
-                            <a:latin typeface="Cambria Math" panose="02040503050406030204" pitchFamily="18" charset="0"/>
-                          </a:rPr>
-                          <m:t>𝑟𝑎𝑡𝑒</m:t>
+                          <m:t>𝑑𝑟𝑎𝑡𝑒</m:t>
                         </m:r>
                         <m:d>
                           <m:dPr>
@@ -14941,7 +14914,6 @@
                 <a:endParaRPr lang="en-US" altLang="zh-CN" dirty="0"/>
               </a:p>
               <a:p>
-                <a:pPr/>
                 <a:r>
                   <a:rPr lang="en-US" altLang="zh-CN" dirty="0"/>
                   <a:t>	</a:t>
@@ -14992,13 +14964,7 @@
                           <a:rPr lang="en-US" altLang="zh-CN" b="0" i="1" smtClean="0">
                             <a:latin typeface="Cambria Math" panose="02040503050406030204" pitchFamily="18" charset="0"/>
                           </a:rPr>
-                          <m:t>𝑑</m:t>
-                        </m:r>
-                        <m:r>
-                          <a:rPr lang="en-US" altLang="zh-CN" b="0" i="1" smtClean="0">
-                            <a:latin typeface="Cambria Math" panose="02040503050406030204" pitchFamily="18" charset="0"/>
-                          </a:rPr>
-                          <m:t>𝑟𝑎𝑡𝑒</m:t>
+                          <m:t>𝑑𝑟𝑎𝑡𝑒</m:t>
                         </m:r>
                         <m:d>
                           <m:dPr>
@@ -15352,7 +15318,7 @@
             </p:txBody>
           </p:sp>
         </mc:Choice>
-        <mc:Fallback>
+        <mc:Fallback xmlns="">
           <p:sp>
             <p:nvSpPr>
               <p:cNvPr id="2" name="文本框 1">
@@ -15397,8 +15363,8 @@
           </p:sp>
         </mc:Fallback>
       </mc:AlternateContent>
-      <mc:AlternateContent xmlns:mc="http://schemas.openxmlformats.org/markup-compatibility/2006">
-        <mc:Choice xmlns:a14="http://schemas.microsoft.com/office/drawing/2010/main" Requires="a14">
+      <mc:AlternateContent xmlns:mc="http://schemas.openxmlformats.org/markup-compatibility/2006" xmlns:a14="http://schemas.microsoft.com/office/drawing/2010/main">
+        <mc:Choice Requires="a14">
           <p:sp>
             <p:nvSpPr>
               <p:cNvPr id="4" name="文本框 3">
@@ -15656,7 +15622,7 @@
             </p:txBody>
           </p:sp>
         </mc:Choice>
-        <mc:Fallback>
+        <mc:Fallback xmlns="">
           <p:sp>
             <p:nvSpPr>
               <p:cNvPr id="4" name="文本框 3">
@@ -15743,6 +15709,88 @@
     <p:extLst>
       <p:ext uri="{BB962C8B-B14F-4D97-AF65-F5344CB8AC3E}">
         <p14:creationId xmlns:p14="http://schemas.microsoft.com/office/powerpoint/2010/main" val="293484961"/>
+      </p:ext>
+    </p:extLst>
+  </p:cSld>
+  <p:clrMapOvr>
+    <a:masterClrMapping/>
+  </p:clrMapOvr>
+</p:sld>
+</file>
+
+<file path=ppt/slides/slide35.xml><?xml version="1.0" encoding="utf-8"?>
+<p:sld xmlns:a="http://schemas.openxmlformats.org/drawingml/2006/main" xmlns:r="http://schemas.openxmlformats.org/officeDocument/2006/relationships" xmlns:p="http://schemas.openxmlformats.org/presentationml/2006/main">
+  <p:cSld>
+    <p:spTree>
+      <p:nvGrpSpPr>
+        <p:cNvPr id="1" name=""/>
+        <p:cNvGrpSpPr/>
+        <p:nvPr/>
+      </p:nvGrpSpPr>
+      <p:grpSpPr>
+        <a:xfrm>
+          <a:off x="0" y="0"/>
+          <a:ext cx="0" cy="0"/>
+          <a:chOff x="0" y="0"/>
+          <a:chExt cx="0" cy="0"/>
+        </a:xfrm>
+      </p:grpSpPr>
+      <p:sp>
+        <p:nvSpPr>
+          <p:cNvPr id="2" name="文本框 1">
+            <a:extLst>
+              <a:ext uri="{FF2B5EF4-FFF2-40B4-BE49-F238E27FC236}">
+                <a16:creationId xmlns:a16="http://schemas.microsoft.com/office/drawing/2014/main" id="{1C13DFBF-573A-4852-916E-6D6877C018BD}"/>
+              </a:ext>
+            </a:extLst>
+          </p:cNvPr>
+          <p:cNvSpPr txBox="1"/>
+          <p:nvPr/>
+        </p:nvSpPr>
+        <p:spPr>
+          <a:xfrm>
+            <a:off x="696686" y="317241"/>
+            <a:ext cx="6263951" cy="369332"/>
+          </a:xfrm>
+          <a:prstGeom prst="rect">
+            <a:avLst/>
+          </a:prstGeom>
+          <a:noFill/>
+        </p:spPr>
+        <p:txBody>
+          <a:bodyPr wrap="square" rtlCol="0">
+            <a:spAutoFit/>
+          </a:bodyPr>
+          <a:lstStyle/>
+          <a:p>
+            <a:r>
+              <a:rPr lang="en-US" altLang="zh-CN" dirty="0" err="1"/>
+              <a:t>Pytorch</a:t>
+            </a:r>
+            <a:r>
+              <a:rPr lang="zh-CN" altLang="en-US" dirty="0"/>
+              <a:t>实现</a:t>
+            </a:r>
+            <a:r>
+              <a:rPr lang="en-US" altLang="zh-CN" dirty="0"/>
+              <a:t>RTT</a:t>
+            </a:r>
+            <a:r>
+              <a:rPr lang="zh-CN" altLang="en-US" dirty="0"/>
+              <a:t>时间序列预测转化为</a:t>
+            </a:r>
+            <a:r>
+              <a:rPr lang="en-US" altLang="zh-CN"/>
+              <a:t>C++</a:t>
+            </a:r>
+            <a:endParaRPr lang="zh-CN" altLang="en-US" dirty="0"/>
+          </a:p>
+        </p:txBody>
+      </p:sp>
+    </p:spTree>
+    <p:extLst>
+      <p:ext uri="{BB962C8B-B14F-4D97-AF65-F5344CB8AC3E}">
+        <p14:creationId xmlns:p14="http://schemas.microsoft.com/office/powerpoint/2010/main" val="2872572327"/>
       </p:ext>
     </p:extLst>
   </p:cSld>

--- a/paper/毕设思路 [自动保存的] [自动保存的].pptx
+++ b/paper/毕设思路 [自动保存的] [自动保存的].pptx
@@ -40,6 +40,7 @@
     <p:sldId id="289" r:id="rId34"/>
     <p:sldId id="290" r:id="rId35"/>
     <p:sldId id="291" r:id="rId36"/>
+    <p:sldId id="292" r:id="rId37"/>
   </p:sldIdLst>
   <p:sldSz cx="12192000" cy="6858000"/>
   <p:notesSz cx="6858000" cy="9144000"/>
@@ -15780,10 +15781,287 @@
               <a:t>时间序列预测转化为</a:t>
             </a:r>
             <a:r>
-              <a:rPr lang="en-US" altLang="zh-CN"/>
+              <a:rPr lang="en-US" altLang="zh-CN" dirty="0"/>
               <a:t>C++</a:t>
             </a:r>
             <a:endParaRPr lang="zh-CN" altLang="en-US" dirty="0"/>
+          </a:p>
+        </p:txBody>
+      </p:sp>
+      <p:sp>
+        <p:nvSpPr>
+          <p:cNvPr id="4" name="文本框 3">
+            <a:extLst>
+              <a:ext uri="{FF2B5EF4-FFF2-40B4-BE49-F238E27FC236}">
+                <a16:creationId xmlns:a16="http://schemas.microsoft.com/office/drawing/2014/main" id="{45C81A2C-8202-4BC8-896A-8BEF61EFE6AB}"/>
+              </a:ext>
+            </a:extLst>
+          </p:cNvPr>
+          <p:cNvSpPr txBox="1"/>
+          <p:nvPr/>
+        </p:nvSpPr>
+        <p:spPr>
+          <a:xfrm>
+            <a:off x="780661" y="1054655"/>
+            <a:ext cx="6096000" cy="646331"/>
+          </a:xfrm>
+          <a:prstGeom prst="rect">
+            <a:avLst/>
+          </a:prstGeom>
+          <a:noFill/>
+        </p:spPr>
+        <p:txBody>
+          <a:bodyPr wrap="square">
+            <a:spAutoFit/>
+          </a:bodyPr>
+          <a:lstStyle/>
+          <a:p>
+            <a:r>
+              <a:rPr lang="en-US" altLang="zh-CN" dirty="0">
+                <a:hlinkClick r:id="rId2"/>
+              </a:rPr>
+              <a:t>(6</a:t>
+            </a:r>
+            <a:r>
+              <a:rPr lang="zh-CN" altLang="en-US" dirty="0">
+                <a:hlinkClick r:id="rId2"/>
+              </a:rPr>
+              <a:t>条消息</a:t>
+            </a:r>
+            <a:r>
+              <a:rPr lang="en-US" altLang="zh-CN" dirty="0">
+                <a:hlinkClick r:id="rId2"/>
+              </a:rPr>
+              <a:t>) Python</a:t>
+            </a:r>
+            <a:r>
+              <a:rPr lang="zh-CN" altLang="en-US" dirty="0">
+                <a:hlinkClick r:id="rId2"/>
+              </a:rPr>
+              <a:t>模型转为</a:t>
+            </a:r>
+            <a:r>
+              <a:rPr lang="en-US" altLang="zh-CN" dirty="0">
+                <a:hlinkClick r:id="rId2"/>
+              </a:rPr>
+              <a:t>C++</a:t>
+            </a:r>
+            <a:r>
+              <a:rPr lang="zh-CN" altLang="en-US" dirty="0">
+                <a:hlinkClick r:id="rId2"/>
+              </a:rPr>
+              <a:t>模型 </a:t>
+            </a:r>
+            <a:r>
+              <a:rPr lang="en-US" altLang="zh-CN" dirty="0">
+                <a:hlinkClick r:id="rId2"/>
+              </a:rPr>
+              <a:t>(</a:t>
+            </a:r>
+            <a:r>
+              <a:rPr lang="en-US" altLang="zh-CN" dirty="0" err="1">
+                <a:hlinkClick r:id="rId2"/>
+              </a:rPr>
+              <a:t>PyTorch</a:t>
+            </a:r>
+            <a:r>
+              <a:rPr lang="en-US" altLang="zh-CN" dirty="0">
+                <a:hlinkClick r:id="rId2"/>
+              </a:rPr>
+              <a:t> )_python</a:t>
+            </a:r>
+            <a:r>
+              <a:rPr lang="zh-CN" altLang="en-US" dirty="0">
+                <a:hlinkClick r:id="rId2"/>
+              </a:rPr>
+              <a:t>转</a:t>
+            </a:r>
+            <a:r>
+              <a:rPr lang="en-US" altLang="zh-CN" dirty="0" err="1">
+                <a:hlinkClick r:id="rId2"/>
+              </a:rPr>
+              <a:t>c++</a:t>
+            </a:r>
+            <a:r>
+              <a:rPr lang="en-US" altLang="zh-CN" dirty="0">
+                <a:hlinkClick r:id="rId2"/>
+              </a:rPr>
+              <a:t>_</a:t>
+            </a:r>
+            <a:r>
+              <a:rPr lang="zh-CN" altLang="en-US" dirty="0">
+                <a:hlinkClick r:id="rId2"/>
+              </a:rPr>
+              <a:t>东方小烈的博客</a:t>
+            </a:r>
+            <a:r>
+              <a:rPr lang="en-US" altLang="zh-CN" dirty="0">
+                <a:hlinkClick r:id="rId2"/>
+              </a:rPr>
+              <a:t>-CSDN</a:t>
+            </a:r>
+            <a:r>
+              <a:rPr lang="zh-CN" altLang="en-US" dirty="0">
+                <a:hlinkClick r:id="rId2"/>
+              </a:rPr>
+              <a:t>博客</a:t>
+            </a:r>
+            <a:endParaRPr lang="zh-CN" altLang="en-US" dirty="0"/>
+          </a:p>
+        </p:txBody>
+      </p:sp>
+      <p:sp>
+        <p:nvSpPr>
+          <p:cNvPr id="6" name="文本框 5">
+            <a:extLst>
+              <a:ext uri="{FF2B5EF4-FFF2-40B4-BE49-F238E27FC236}">
+                <a16:creationId xmlns:a16="http://schemas.microsoft.com/office/drawing/2014/main" id="{532FE3BC-58D3-41A7-8111-3055276C099A}"/>
+              </a:ext>
+            </a:extLst>
+          </p:cNvPr>
+          <p:cNvSpPr txBox="1"/>
+          <p:nvPr/>
+        </p:nvSpPr>
+        <p:spPr>
+          <a:xfrm>
+            <a:off x="696686" y="1989366"/>
+            <a:ext cx="6096000" cy="369332"/>
+          </a:xfrm>
+          <a:prstGeom prst="rect">
+            <a:avLst/>
+          </a:prstGeom>
+          <a:noFill/>
+        </p:spPr>
+        <p:txBody>
+          <a:bodyPr wrap="square">
+            <a:spAutoFit/>
+          </a:bodyPr>
+          <a:lstStyle/>
+          <a:p>
+            <a:r>
+              <a:rPr lang="zh-CN" altLang="en-US" dirty="0">
+                <a:hlinkClick r:id="rId3"/>
+              </a:rPr>
+              <a:t>大名鼎鼎的</a:t>
+            </a:r>
+            <a:r>
+              <a:rPr lang="en-US" altLang="zh-CN" dirty="0">
+                <a:hlinkClick r:id="rId3"/>
+              </a:rPr>
+              <a:t>LSTM</a:t>
+            </a:r>
+            <a:r>
+              <a:rPr lang="zh-CN" altLang="en-US" dirty="0">
+                <a:hlinkClick r:id="rId3"/>
+              </a:rPr>
+              <a:t>详解 </a:t>
+            </a:r>
+            <a:r>
+              <a:rPr lang="en-US" altLang="zh-CN" dirty="0">
+                <a:hlinkClick r:id="rId3"/>
+              </a:rPr>
+              <a:t>- </a:t>
+            </a:r>
+            <a:r>
+              <a:rPr lang="zh-CN" altLang="en-US" dirty="0">
+                <a:hlinkClick r:id="rId3"/>
+              </a:rPr>
+              <a:t>知乎 </a:t>
+            </a:r>
+            <a:r>
+              <a:rPr lang="en-US" altLang="zh-CN" dirty="0">
+                <a:hlinkClick r:id="rId3"/>
+              </a:rPr>
+              <a:t>(zhihu.com)</a:t>
+            </a:r>
+            <a:endParaRPr lang="zh-CN" altLang="en-US" dirty="0"/>
+          </a:p>
+        </p:txBody>
+      </p:sp>
+      <p:pic>
+        <p:nvPicPr>
+          <p:cNvPr id="1026" name="Picture 2">
+            <a:extLst>
+              <a:ext uri="{FF2B5EF4-FFF2-40B4-BE49-F238E27FC236}">
+                <a16:creationId xmlns:a16="http://schemas.microsoft.com/office/drawing/2014/main" id="{456F4EE7-C029-491B-B2C4-9322FA68611A}"/>
+              </a:ext>
+            </a:extLst>
+          </p:cNvPr>
+          <p:cNvPicPr>
+            <a:picLocks noChangeAspect="1" noChangeArrowheads="1"/>
+          </p:cNvPicPr>
+          <p:nvPr/>
+        </p:nvPicPr>
+        <p:blipFill>
+          <a:blip r:embed="rId4">
+            <a:extLst>
+              <a:ext uri="{28A0092B-C50C-407E-A947-70E740481C1C}">
+                <a14:useLocalDpi xmlns:a14="http://schemas.microsoft.com/office/drawing/2010/main" val="0"/>
+              </a:ext>
+            </a:extLst>
+          </a:blip>
+          <a:srcRect/>
+          <a:stretch>
+            <a:fillRect/>
+          </a:stretch>
+        </p:blipFill>
+        <p:spPr bwMode="auto">
+          <a:xfrm>
+            <a:off x="5490742" y="2124269"/>
+            <a:ext cx="6004572" cy="4158344"/>
+          </a:xfrm>
+          <a:prstGeom prst="rect">
+            <a:avLst/>
+          </a:prstGeom>
+          <a:noFill/>
+          <a:extLst>
+            <a:ext uri="{909E8E84-426E-40DD-AFC4-6F175D3DCCD1}">
+              <a14:hiddenFill xmlns:a14="http://schemas.microsoft.com/office/drawing/2010/main">
+                <a:solidFill>
+                  <a:srgbClr val="FFFFFF"/>
+                </a:solidFill>
+              </a14:hiddenFill>
+            </a:ext>
+          </a:extLst>
+        </p:spPr>
+      </p:pic>
+      <p:sp>
+        <p:nvSpPr>
+          <p:cNvPr id="7" name="文本框 6">
+            <a:extLst>
+              <a:ext uri="{FF2B5EF4-FFF2-40B4-BE49-F238E27FC236}">
+                <a16:creationId xmlns:a16="http://schemas.microsoft.com/office/drawing/2014/main" id="{80D5C303-8B57-4D5C-AFE7-87D00C80602F}"/>
+              </a:ext>
+            </a:extLst>
+          </p:cNvPr>
+          <p:cNvSpPr txBox="1"/>
+          <p:nvPr/>
+        </p:nvSpPr>
+        <p:spPr>
+          <a:xfrm>
+            <a:off x="1570652" y="2819113"/>
+            <a:ext cx="3324809" cy="369332"/>
+          </a:xfrm>
+          <a:prstGeom prst="rect">
+            <a:avLst/>
+          </a:prstGeom>
+          <a:noFill/>
+        </p:spPr>
+        <p:txBody>
+          <a:bodyPr wrap="square" rtlCol="0">
+            <a:spAutoFit/>
+          </a:bodyPr>
+          <a:lstStyle/>
+          <a:p>
+            <a:r>
+              <a:rPr lang="zh-CN" altLang="en-US" b="1" i="1" dirty="0"/>
+              <a:t>滑动预测</a:t>
+            </a:r>
+            <a:r>
+              <a:rPr lang="en-US" altLang="zh-CN" b="1" i="1" dirty="0"/>
+              <a:t>SEQLEN=3</a:t>
+            </a:r>
+            <a:endParaRPr lang="zh-CN" altLang="en-US" b="1" i="1" dirty="0"/>
           </a:p>
         </p:txBody>
       </p:sp>
@@ -15791,6 +16069,1275 @@
     <p:extLst>
       <p:ext uri="{BB962C8B-B14F-4D97-AF65-F5344CB8AC3E}">
         <p14:creationId xmlns:p14="http://schemas.microsoft.com/office/powerpoint/2010/main" val="2872572327"/>
+      </p:ext>
+    </p:extLst>
+  </p:cSld>
+  <p:clrMapOvr>
+    <a:masterClrMapping/>
+  </p:clrMapOvr>
+</p:sld>
+</file>
+
+<file path=ppt/slides/slide36.xml><?xml version="1.0" encoding="utf-8"?>
+<p:sld xmlns:a="http://schemas.openxmlformats.org/drawingml/2006/main" xmlns:r="http://schemas.openxmlformats.org/officeDocument/2006/relationships" xmlns:p="http://schemas.openxmlformats.org/presentationml/2006/main">
+  <p:cSld>
+    <p:spTree>
+      <p:nvGrpSpPr>
+        <p:cNvPr id="1" name=""/>
+        <p:cNvGrpSpPr/>
+        <p:nvPr/>
+      </p:nvGrpSpPr>
+      <p:grpSpPr>
+        <a:xfrm>
+          <a:off x="0" y="0"/>
+          <a:ext cx="0" cy="0"/>
+          <a:chOff x="0" y="0"/>
+          <a:chExt cx="0" cy="0"/>
+        </a:xfrm>
+      </p:grpSpPr>
+      <p:sp>
+        <p:nvSpPr>
+          <p:cNvPr id="2" name="文本框 1">
+            <a:extLst>
+              <a:ext uri="{FF2B5EF4-FFF2-40B4-BE49-F238E27FC236}">
+                <a16:creationId xmlns:a16="http://schemas.microsoft.com/office/drawing/2014/main" id="{1C0B1FAD-DC46-4BAB-BC59-45CDC3244434}"/>
+              </a:ext>
+            </a:extLst>
+          </p:cNvPr>
+          <p:cNvSpPr txBox="1"/>
+          <p:nvPr/>
+        </p:nvSpPr>
+        <p:spPr>
+          <a:xfrm>
+            <a:off x="105747" y="-45871"/>
+            <a:ext cx="4198776" cy="369332"/>
+          </a:xfrm>
+          <a:prstGeom prst="rect">
+            <a:avLst/>
+          </a:prstGeom>
+          <a:noFill/>
+        </p:spPr>
+        <p:txBody>
+          <a:bodyPr wrap="square" rtlCol="0">
+            <a:spAutoFit/>
+          </a:bodyPr>
+          <a:lstStyle/>
+          <a:p>
+            <a:r>
+              <a:rPr lang="zh-CN" altLang="en-US" dirty="0"/>
+              <a:t>论文撰写（目录）</a:t>
+            </a:r>
+          </a:p>
+        </p:txBody>
+      </p:sp>
+      <p:sp>
+        <p:nvSpPr>
+          <p:cNvPr id="4" name="文本框 3">
+            <a:extLst>
+              <a:ext uri="{FF2B5EF4-FFF2-40B4-BE49-F238E27FC236}">
+                <a16:creationId xmlns:a16="http://schemas.microsoft.com/office/drawing/2014/main" id="{F17E5ED0-343B-4056-9C2C-90D66457054C}"/>
+              </a:ext>
+            </a:extLst>
+          </p:cNvPr>
+          <p:cNvSpPr txBox="1"/>
+          <p:nvPr/>
+        </p:nvSpPr>
+        <p:spPr>
+          <a:xfrm>
+            <a:off x="217713" y="499980"/>
+            <a:ext cx="6096000" cy="6124754"/>
+          </a:xfrm>
+          <a:prstGeom prst="rect">
+            <a:avLst/>
+          </a:prstGeom>
+          <a:noFill/>
+        </p:spPr>
+        <p:txBody>
+          <a:bodyPr wrap="square">
+            <a:spAutoFit/>
+          </a:bodyPr>
+          <a:lstStyle/>
+          <a:p>
+            <a:pPr marL="266700" algn="just"/>
+            <a:r>
+              <a:rPr lang="zh-CN" altLang="zh-CN" sz="1400" kern="100" dirty="0">
+                <a:effectLst/>
+                <a:latin typeface="等线" panose="02010600030101010101" pitchFamily="2" charset="-122"/>
+                <a:ea typeface="等线" panose="02010600030101010101" pitchFamily="2" charset="-122"/>
+                <a:cs typeface="Times New Roman" panose="02020603050405020304" pitchFamily="18" charset="0"/>
+              </a:rPr>
+              <a:t>摘要（中</a:t>
+            </a:r>
+            <a:r>
+              <a:rPr lang="zh-CN" altLang="en-US" sz="1400" kern="100" dirty="0">
+                <a:effectLst/>
+                <a:latin typeface="等线" panose="02010600030101010101" pitchFamily="2" charset="-122"/>
+                <a:ea typeface="等线" panose="02010600030101010101" pitchFamily="2" charset="-122"/>
+                <a:cs typeface="Times New Roman" panose="02020603050405020304" pitchFamily="18" charset="0"/>
+              </a:rPr>
+              <a:t>英</a:t>
+            </a:r>
+            <a:r>
+              <a:rPr lang="zh-CN" altLang="zh-CN" sz="1400" kern="100" dirty="0">
+                <a:effectLst/>
+                <a:latin typeface="等线" panose="02010600030101010101" pitchFamily="2" charset="-122"/>
+                <a:ea typeface="等线" panose="02010600030101010101" pitchFamily="2" charset="-122"/>
+                <a:cs typeface="Times New Roman" panose="02020603050405020304" pitchFamily="18" charset="0"/>
+              </a:rPr>
+              <a:t>文）关键词</a:t>
+            </a:r>
+          </a:p>
+          <a:p>
+            <a:pPr marL="342900" lvl="0" indent="-342900" algn="just">
+              <a:buFont typeface="+mj-lt"/>
+              <a:buAutoNum type="arabicPeriod"/>
+            </a:pPr>
+            <a:r>
+              <a:rPr lang="zh-CN" altLang="zh-CN" sz="1400" kern="100" dirty="0">
+                <a:effectLst/>
+                <a:latin typeface="等线" panose="02010600030101010101" pitchFamily="2" charset="-122"/>
+                <a:ea typeface="等线" panose="02010600030101010101" pitchFamily="2" charset="-122"/>
+                <a:cs typeface="Times New Roman" panose="02020603050405020304" pitchFamily="18" charset="0"/>
+              </a:rPr>
+              <a:t>绪论</a:t>
+            </a:r>
+          </a:p>
+          <a:p>
+            <a:pPr marL="495300" algn="just"/>
+            <a:r>
+              <a:rPr lang="en-US" altLang="zh-CN" sz="1400" kern="100" dirty="0">
+                <a:effectLst/>
+                <a:latin typeface="等线" panose="02010600030101010101" pitchFamily="2" charset="-122"/>
+                <a:ea typeface="等线" panose="02010600030101010101" pitchFamily="2" charset="-122"/>
+                <a:cs typeface="Times New Roman" panose="02020603050405020304" pitchFamily="18" charset="0"/>
+              </a:rPr>
+              <a:t>1.1</a:t>
+            </a:r>
+            <a:r>
+              <a:rPr lang="zh-CN" altLang="zh-CN" sz="1400" kern="100" dirty="0">
+                <a:effectLst/>
+                <a:latin typeface="等线" panose="02010600030101010101" pitchFamily="2" charset="-122"/>
+                <a:ea typeface="等线" panose="02010600030101010101" pitchFamily="2" charset="-122"/>
+                <a:cs typeface="Times New Roman" panose="02020603050405020304" pitchFamily="18" charset="0"/>
+              </a:rPr>
+              <a:t>研究背景</a:t>
+            </a:r>
+          </a:p>
+          <a:p>
+            <a:pPr marL="495300" algn="just"/>
+            <a:r>
+              <a:rPr lang="en-US" altLang="zh-CN" sz="1400" kern="100" dirty="0">
+                <a:effectLst/>
+                <a:latin typeface="等线" panose="02010600030101010101" pitchFamily="2" charset="-122"/>
+                <a:ea typeface="等线" panose="02010600030101010101" pitchFamily="2" charset="-122"/>
+                <a:cs typeface="Times New Roman" panose="02020603050405020304" pitchFamily="18" charset="0"/>
+              </a:rPr>
+              <a:t>1.2</a:t>
+            </a:r>
+            <a:r>
+              <a:rPr lang="zh-CN" altLang="zh-CN" sz="1400" kern="100" dirty="0">
+                <a:effectLst/>
+                <a:latin typeface="等线" panose="02010600030101010101" pitchFamily="2" charset="-122"/>
+                <a:ea typeface="等线" panose="02010600030101010101" pitchFamily="2" charset="-122"/>
+                <a:cs typeface="Times New Roman" panose="02020603050405020304" pitchFamily="18" charset="0"/>
+              </a:rPr>
+              <a:t>国内外研究现状及趋势</a:t>
+            </a:r>
+          </a:p>
+          <a:p>
+            <a:pPr marL="495300" algn="just"/>
+            <a:r>
+              <a:rPr lang="en-US" altLang="zh-CN" sz="1400" kern="100" dirty="0">
+                <a:effectLst/>
+                <a:latin typeface="等线" panose="02010600030101010101" pitchFamily="2" charset="-122"/>
+                <a:ea typeface="等线" panose="02010600030101010101" pitchFamily="2" charset="-122"/>
+                <a:cs typeface="Times New Roman" panose="02020603050405020304" pitchFamily="18" charset="0"/>
+              </a:rPr>
+              <a:t>1.3</a:t>
+            </a:r>
+            <a:r>
+              <a:rPr lang="zh-CN" altLang="zh-CN" sz="1400" kern="100" dirty="0">
+                <a:effectLst/>
+                <a:latin typeface="等线" panose="02010600030101010101" pitchFamily="2" charset="-122"/>
+                <a:ea typeface="等线" panose="02010600030101010101" pitchFamily="2" charset="-122"/>
+                <a:cs typeface="Times New Roman" panose="02020603050405020304" pitchFamily="18" charset="0"/>
+              </a:rPr>
+              <a:t>论文研究意义及创新</a:t>
+            </a:r>
+          </a:p>
+          <a:p>
+            <a:pPr marL="495300" algn="just"/>
+            <a:r>
+              <a:rPr lang="en-US" altLang="zh-CN" sz="1400" kern="100" dirty="0">
+                <a:effectLst/>
+                <a:latin typeface="等线" panose="02010600030101010101" pitchFamily="2" charset="-122"/>
+                <a:ea typeface="等线" panose="02010600030101010101" pitchFamily="2" charset="-122"/>
+                <a:cs typeface="Times New Roman" panose="02020603050405020304" pitchFamily="18" charset="0"/>
+              </a:rPr>
+              <a:t>1.4</a:t>
+            </a:r>
+            <a:r>
+              <a:rPr lang="zh-CN" altLang="zh-CN" sz="1400" kern="100" dirty="0">
+                <a:effectLst/>
+                <a:latin typeface="等线" panose="02010600030101010101" pitchFamily="2" charset="-122"/>
+                <a:ea typeface="等线" panose="02010600030101010101" pitchFamily="2" charset="-122"/>
+                <a:cs typeface="Times New Roman" panose="02020603050405020304" pitchFamily="18" charset="0"/>
+              </a:rPr>
+              <a:t>论文结构安排</a:t>
+            </a:r>
+          </a:p>
+          <a:p>
+            <a:pPr marL="266700" algn="just"/>
+            <a:r>
+              <a:rPr lang="en-US" altLang="zh-CN" sz="1400" kern="100" dirty="0">
+                <a:effectLst/>
+                <a:latin typeface="等线" panose="02010600030101010101" pitchFamily="2" charset="-122"/>
+                <a:ea typeface="等线" panose="02010600030101010101" pitchFamily="2" charset="-122"/>
+                <a:cs typeface="Times New Roman" panose="02020603050405020304" pitchFamily="18" charset="0"/>
+              </a:rPr>
+              <a:t>2</a:t>
+            </a:r>
+            <a:r>
+              <a:rPr lang="zh-CN" altLang="zh-CN" sz="1400" kern="100" dirty="0">
+                <a:effectLst/>
+                <a:latin typeface="等线" panose="02010600030101010101" pitchFamily="2" charset="-122"/>
+                <a:ea typeface="等线" panose="02010600030101010101" pitchFamily="2" charset="-122"/>
+                <a:cs typeface="Times New Roman" panose="02020603050405020304" pitchFamily="18" charset="0"/>
+              </a:rPr>
+              <a:t>、数据中心拥塞控制基础</a:t>
+            </a:r>
+          </a:p>
+          <a:p>
+            <a:pPr marL="266700" algn="just"/>
+            <a:r>
+              <a:rPr lang="en-US" altLang="zh-CN" sz="1400" kern="100" dirty="0">
+                <a:effectLst/>
+                <a:latin typeface="等线" panose="02010600030101010101" pitchFamily="2" charset="-122"/>
+                <a:ea typeface="等线" panose="02010600030101010101" pitchFamily="2" charset="-122"/>
+                <a:cs typeface="Times New Roman" panose="02020603050405020304" pitchFamily="18" charset="0"/>
+              </a:rPr>
+              <a:t>	2.1</a:t>
+            </a:r>
+            <a:r>
+              <a:rPr lang="zh-CN" altLang="zh-CN" sz="1400" kern="100" dirty="0">
+                <a:effectLst/>
+                <a:latin typeface="等线" panose="02010600030101010101" pitchFamily="2" charset="-122"/>
+                <a:ea typeface="等线" panose="02010600030101010101" pitchFamily="2" charset="-122"/>
+                <a:cs typeface="Times New Roman" panose="02020603050405020304" pitchFamily="18" charset="0"/>
+              </a:rPr>
+              <a:t>数据中心网络模型基础</a:t>
+            </a:r>
+          </a:p>
+          <a:p>
+            <a:pPr marL="266700" algn="just"/>
+            <a:r>
+              <a:rPr lang="en-US" altLang="zh-CN" sz="1400" kern="100" dirty="0">
+                <a:effectLst/>
+                <a:latin typeface="等线" panose="02010600030101010101" pitchFamily="2" charset="-122"/>
+                <a:ea typeface="等线" panose="02010600030101010101" pitchFamily="2" charset="-122"/>
+                <a:cs typeface="Times New Roman" panose="02020603050405020304" pitchFamily="18" charset="0"/>
+              </a:rPr>
+              <a:t>	2.2</a:t>
+            </a:r>
+            <a:r>
+              <a:rPr lang="zh-CN" altLang="zh-CN" sz="1400" kern="100" dirty="0">
+                <a:effectLst/>
+                <a:latin typeface="等线" panose="02010600030101010101" pitchFamily="2" charset="-122"/>
+                <a:ea typeface="等线" panose="02010600030101010101" pitchFamily="2" charset="-122"/>
+                <a:cs typeface="Times New Roman" panose="02020603050405020304" pitchFamily="18" charset="0"/>
+              </a:rPr>
+              <a:t>拥塞控制算法及机制</a:t>
+            </a:r>
+          </a:p>
+          <a:p>
+            <a:pPr marL="266700" algn="just"/>
+            <a:r>
+              <a:rPr lang="en-US" altLang="zh-CN" sz="1400" kern="100" dirty="0">
+                <a:effectLst/>
+                <a:latin typeface="等线" panose="02010600030101010101" pitchFamily="2" charset="-122"/>
+                <a:ea typeface="等线" panose="02010600030101010101" pitchFamily="2" charset="-122"/>
+                <a:cs typeface="Times New Roman" panose="02020603050405020304" pitchFamily="18" charset="0"/>
+              </a:rPr>
+              <a:t>		2.2.1</a:t>
+            </a:r>
+            <a:r>
+              <a:rPr lang="zh-CN" altLang="zh-CN" sz="1400" kern="100" dirty="0">
+                <a:effectLst/>
+                <a:latin typeface="等线" panose="02010600030101010101" pitchFamily="2" charset="-122"/>
+                <a:ea typeface="等线" panose="02010600030101010101" pitchFamily="2" charset="-122"/>
+                <a:cs typeface="Times New Roman" panose="02020603050405020304" pitchFamily="18" charset="0"/>
+              </a:rPr>
+              <a:t>流量调度</a:t>
+            </a:r>
+          </a:p>
+          <a:p>
+            <a:pPr marL="266700" algn="just"/>
+            <a:r>
+              <a:rPr lang="en-US" altLang="zh-CN" sz="1400" kern="100" dirty="0">
+                <a:effectLst/>
+                <a:latin typeface="等线" panose="02010600030101010101" pitchFamily="2" charset="-122"/>
+                <a:ea typeface="等线" panose="02010600030101010101" pitchFamily="2" charset="-122"/>
+                <a:cs typeface="Times New Roman" panose="02020603050405020304" pitchFamily="18" charset="0"/>
+              </a:rPr>
+              <a:t>		2.2.2</a:t>
+            </a:r>
+            <a:r>
+              <a:rPr lang="zh-CN" altLang="zh-CN" sz="1400" kern="100" dirty="0">
+                <a:effectLst/>
+                <a:latin typeface="等线" panose="02010600030101010101" pitchFamily="2" charset="-122"/>
+                <a:ea typeface="等线" panose="02010600030101010101" pitchFamily="2" charset="-122"/>
+                <a:cs typeface="Times New Roman" panose="02020603050405020304" pitchFamily="18" charset="0"/>
+              </a:rPr>
+              <a:t>负载均衡</a:t>
+            </a:r>
+          </a:p>
+          <a:p>
+            <a:pPr marL="266700" algn="just"/>
+            <a:r>
+              <a:rPr lang="en-US" altLang="zh-CN" sz="1400" kern="100" dirty="0">
+                <a:effectLst/>
+                <a:latin typeface="等线" panose="02010600030101010101" pitchFamily="2" charset="-122"/>
+                <a:ea typeface="等线" panose="02010600030101010101" pitchFamily="2" charset="-122"/>
+                <a:cs typeface="Times New Roman" panose="02020603050405020304" pitchFamily="18" charset="0"/>
+              </a:rPr>
+              <a:t>		2.2.3</a:t>
+            </a:r>
+            <a:r>
+              <a:rPr lang="zh-CN" altLang="zh-CN" sz="1400" kern="100" dirty="0">
+                <a:effectLst/>
+                <a:latin typeface="等线" panose="02010600030101010101" pitchFamily="2" charset="-122"/>
+                <a:ea typeface="等线" panose="02010600030101010101" pitchFamily="2" charset="-122"/>
+                <a:cs typeface="Times New Roman" panose="02020603050405020304" pitchFamily="18" charset="0"/>
+              </a:rPr>
+              <a:t>发送速率控制</a:t>
+            </a:r>
+          </a:p>
+          <a:p>
+            <a:pPr marL="266700" algn="just"/>
+            <a:r>
+              <a:rPr lang="en-US" altLang="zh-CN" sz="1400" kern="100" dirty="0">
+                <a:effectLst/>
+                <a:latin typeface="等线" panose="02010600030101010101" pitchFamily="2" charset="-122"/>
+                <a:ea typeface="等线" panose="02010600030101010101" pitchFamily="2" charset="-122"/>
+                <a:cs typeface="Times New Roman" panose="02020603050405020304" pitchFamily="18" charset="0"/>
+              </a:rPr>
+              <a:t>	2.3</a:t>
+            </a:r>
+            <a:r>
+              <a:rPr lang="zh-CN" altLang="zh-CN" sz="1400" kern="100" dirty="0">
+                <a:effectLst/>
+                <a:latin typeface="等线" panose="02010600030101010101" pitchFamily="2" charset="-122"/>
+                <a:ea typeface="等线" panose="02010600030101010101" pitchFamily="2" charset="-122"/>
+                <a:cs typeface="Times New Roman" panose="02020603050405020304" pitchFamily="18" charset="0"/>
+              </a:rPr>
+              <a:t>算法评价分析</a:t>
+            </a:r>
+          </a:p>
+          <a:p>
+            <a:pPr marL="266700" algn="just"/>
+            <a:r>
+              <a:rPr lang="en-US" altLang="zh-CN" sz="1400" kern="100" dirty="0">
+                <a:effectLst/>
+                <a:latin typeface="等线" panose="02010600030101010101" pitchFamily="2" charset="-122"/>
+                <a:ea typeface="等线" panose="02010600030101010101" pitchFamily="2" charset="-122"/>
+                <a:cs typeface="Times New Roman" panose="02020603050405020304" pitchFamily="18" charset="0"/>
+              </a:rPr>
+              <a:t>	2.4</a:t>
+            </a:r>
+            <a:r>
+              <a:rPr lang="zh-CN" altLang="zh-CN" sz="1400" kern="100" dirty="0">
+                <a:effectLst/>
+                <a:latin typeface="等线" panose="02010600030101010101" pitchFamily="2" charset="-122"/>
+                <a:ea typeface="等线" panose="02010600030101010101" pitchFamily="2" charset="-122"/>
+                <a:cs typeface="Times New Roman" panose="02020603050405020304" pitchFamily="18" charset="0"/>
+              </a:rPr>
+              <a:t>本章小结</a:t>
+            </a:r>
+          </a:p>
+          <a:p>
+            <a:pPr marL="266700" algn="just"/>
+            <a:r>
+              <a:rPr lang="en-US" altLang="zh-CN" sz="1400" kern="100" dirty="0">
+                <a:effectLst/>
+                <a:latin typeface="等线" panose="02010600030101010101" pitchFamily="2" charset="-122"/>
+                <a:ea typeface="等线" panose="02010600030101010101" pitchFamily="2" charset="-122"/>
+                <a:cs typeface="Times New Roman" panose="02020603050405020304" pitchFamily="18" charset="0"/>
+              </a:rPr>
+              <a:t>3.</a:t>
+            </a:r>
+            <a:r>
+              <a:rPr lang="zh-CN" altLang="zh-CN" sz="1400" kern="100" dirty="0">
+                <a:effectLst/>
+                <a:latin typeface="等线" panose="02010600030101010101" pitchFamily="2" charset="-122"/>
+                <a:ea typeface="等线" panose="02010600030101010101" pitchFamily="2" charset="-122"/>
+                <a:cs typeface="Times New Roman" panose="02020603050405020304" pitchFamily="18" charset="0"/>
+              </a:rPr>
+              <a:t>基于神经网络的拥塞控制算法研究</a:t>
+            </a:r>
+          </a:p>
+          <a:p>
+            <a:pPr marL="266700" algn="just"/>
+            <a:r>
+              <a:rPr lang="en-US" altLang="zh-CN" sz="1400" kern="100" dirty="0">
+                <a:effectLst/>
+                <a:latin typeface="等线" panose="02010600030101010101" pitchFamily="2" charset="-122"/>
+                <a:ea typeface="等线" panose="02010600030101010101" pitchFamily="2" charset="-122"/>
+                <a:cs typeface="Times New Roman" panose="02020603050405020304" pitchFamily="18" charset="0"/>
+              </a:rPr>
+              <a:t>	3.1</a:t>
+            </a:r>
+            <a:r>
+              <a:rPr lang="zh-CN" altLang="zh-CN" sz="1400" kern="100" dirty="0">
+                <a:effectLst/>
+                <a:latin typeface="等线" panose="02010600030101010101" pitchFamily="2" charset="-122"/>
+                <a:ea typeface="等线" panose="02010600030101010101" pitchFamily="2" charset="-122"/>
+                <a:cs typeface="Times New Roman" panose="02020603050405020304" pitchFamily="18" charset="0"/>
+              </a:rPr>
+              <a:t>算法整体设计及模块划分</a:t>
+            </a:r>
+          </a:p>
+          <a:p>
+            <a:pPr marL="266700" algn="just"/>
+            <a:r>
+              <a:rPr lang="en-US" altLang="zh-CN" sz="1400" kern="100" dirty="0">
+                <a:effectLst/>
+                <a:latin typeface="等线" panose="02010600030101010101" pitchFamily="2" charset="-122"/>
+                <a:ea typeface="等线" panose="02010600030101010101" pitchFamily="2" charset="-122"/>
+                <a:cs typeface="Times New Roman" panose="02020603050405020304" pitchFamily="18" charset="0"/>
+              </a:rPr>
+              <a:t>	3.2</a:t>
+            </a:r>
+            <a:r>
+              <a:rPr lang="zh-CN" altLang="zh-CN" sz="1400" kern="100" dirty="0">
+                <a:effectLst/>
+                <a:latin typeface="等线" panose="02010600030101010101" pitchFamily="2" charset="-122"/>
+                <a:ea typeface="等线" panose="02010600030101010101" pitchFamily="2" charset="-122"/>
+                <a:cs typeface="Times New Roman" panose="02020603050405020304" pitchFamily="18" charset="0"/>
+              </a:rPr>
+              <a:t>数据预处理模块设计</a:t>
+            </a:r>
+          </a:p>
+          <a:p>
+            <a:pPr marL="266700" algn="just"/>
+            <a:r>
+              <a:rPr lang="en-US" altLang="zh-CN" sz="1400" kern="100" dirty="0">
+                <a:effectLst/>
+                <a:latin typeface="等线" panose="02010600030101010101" pitchFamily="2" charset="-122"/>
+                <a:ea typeface="等线" panose="02010600030101010101" pitchFamily="2" charset="-122"/>
+                <a:cs typeface="Times New Roman" panose="02020603050405020304" pitchFamily="18" charset="0"/>
+              </a:rPr>
+              <a:t>		3.2.1</a:t>
+            </a:r>
+            <a:r>
+              <a:rPr lang="zh-CN" altLang="zh-CN" sz="1400" kern="100" dirty="0">
+                <a:effectLst/>
+                <a:latin typeface="等线" panose="02010600030101010101" pitchFamily="2" charset="-122"/>
+                <a:ea typeface="等线" panose="02010600030101010101" pitchFamily="2" charset="-122"/>
+                <a:cs typeface="Times New Roman" panose="02020603050405020304" pitchFamily="18" charset="0"/>
+              </a:rPr>
+              <a:t>算法设计</a:t>
+            </a:r>
+          </a:p>
+          <a:p>
+            <a:pPr marL="266700" algn="just"/>
+            <a:r>
+              <a:rPr lang="en-US" altLang="zh-CN" sz="1400" kern="100" dirty="0">
+                <a:effectLst/>
+                <a:latin typeface="等线" panose="02010600030101010101" pitchFamily="2" charset="-122"/>
+                <a:ea typeface="等线" panose="02010600030101010101" pitchFamily="2" charset="-122"/>
+                <a:cs typeface="Times New Roman" panose="02020603050405020304" pitchFamily="18" charset="0"/>
+              </a:rPr>
+              <a:t>		3.2.2</a:t>
+            </a:r>
+            <a:r>
+              <a:rPr lang="zh-CN" altLang="zh-CN" sz="1400" kern="100" dirty="0">
+                <a:effectLst/>
+                <a:latin typeface="等线" panose="02010600030101010101" pitchFamily="2" charset="-122"/>
+                <a:ea typeface="等线" panose="02010600030101010101" pitchFamily="2" charset="-122"/>
+                <a:cs typeface="Times New Roman" panose="02020603050405020304" pitchFamily="18" charset="0"/>
+              </a:rPr>
+              <a:t>算法分析验证</a:t>
+            </a:r>
+          </a:p>
+          <a:p>
+            <a:pPr marL="266700" algn="just"/>
+            <a:r>
+              <a:rPr lang="en-US" altLang="zh-CN" sz="1400" kern="100" dirty="0">
+                <a:effectLst/>
+                <a:latin typeface="等线" panose="02010600030101010101" pitchFamily="2" charset="-122"/>
+                <a:ea typeface="等线" panose="02010600030101010101" pitchFamily="2" charset="-122"/>
+                <a:cs typeface="Times New Roman" panose="02020603050405020304" pitchFamily="18" charset="0"/>
+              </a:rPr>
+              <a:t>	3.3RTT</a:t>
+            </a:r>
+            <a:r>
+              <a:rPr lang="zh-CN" altLang="zh-CN" sz="1400" kern="100" dirty="0">
+                <a:effectLst/>
+                <a:latin typeface="等线" panose="02010600030101010101" pitchFamily="2" charset="-122"/>
+                <a:ea typeface="等线" panose="02010600030101010101" pitchFamily="2" charset="-122"/>
+                <a:cs typeface="Times New Roman" panose="02020603050405020304" pitchFamily="18" charset="0"/>
+              </a:rPr>
+              <a:t>预测模块设计</a:t>
+            </a:r>
+          </a:p>
+          <a:p>
+            <a:pPr marL="266700" algn="just"/>
+            <a:r>
+              <a:rPr lang="en-US" altLang="zh-CN" sz="1400" kern="100" dirty="0">
+                <a:effectLst/>
+                <a:latin typeface="等线" panose="02010600030101010101" pitchFamily="2" charset="-122"/>
+                <a:ea typeface="等线" panose="02010600030101010101" pitchFamily="2" charset="-122"/>
+                <a:cs typeface="Times New Roman" panose="02020603050405020304" pitchFamily="18" charset="0"/>
+              </a:rPr>
+              <a:t>		3.3.1</a:t>
+            </a:r>
+            <a:r>
+              <a:rPr lang="zh-CN" altLang="zh-CN" sz="1400" kern="100" dirty="0">
+                <a:effectLst/>
+                <a:latin typeface="等线" panose="02010600030101010101" pitchFamily="2" charset="-122"/>
+                <a:ea typeface="等线" panose="02010600030101010101" pitchFamily="2" charset="-122"/>
+                <a:cs typeface="Times New Roman" panose="02020603050405020304" pitchFamily="18" charset="0"/>
+              </a:rPr>
+              <a:t>神经网络模型设计</a:t>
+            </a:r>
+          </a:p>
+          <a:p>
+            <a:pPr marL="266700" algn="just"/>
+            <a:r>
+              <a:rPr lang="en-US" altLang="zh-CN" sz="1400" kern="100" dirty="0">
+                <a:effectLst/>
+                <a:latin typeface="等线" panose="02010600030101010101" pitchFamily="2" charset="-122"/>
+                <a:ea typeface="等线" panose="02010600030101010101" pitchFamily="2" charset="-122"/>
+                <a:cs typeface="Times New Roman" panose="02020603050405020304" pitchFamily="18" charset="0"/>
+              </a:rPr>
+              <a:t>		3.3.2</a:t>
+            </a:r>
+            <a:r>
+              <a:rPr lang="zh-CN" altLang="zh-CN" sz="1400" kern="100" dirty="0">
+                <a:effectLst/>
+                <a:latin typeface="等线" panose="02010600030101010101" pitchFamily="2" charset="-122"/>
+                <a:ea typeface="等线" panose="02010600030101010101" pitchFamily="2" charset="-122"/>
+                <a:cs typeface="Times New Roman" panose="02020603050405020304" pitchFamily="18" charset="0"/>
+              </a:rPr>
+              <a:t>数据集、损失函数、优化器等参数设计</a:t>
+            </a:r>
+          </a:p>
+          <a:p>
+            <a:pPr marL="266700" algn="just"/>
+            <a:r>
+              <a:rPr lang="en-US" altLang="zh-CN" sz="1400" kern="100" dirty="0">
+                <a:effectLst/>
+                <a:latin typeface="等线" panose="02010600030101010101" pitchFamily="2" charset="-122"/>
+                <a:ea typeface="等线" panose="02010600030101010101" pitchFamily="2" charset="-122"/>
+                <a:cs typeface="Times New Roman" panose="02020603050405020304" pitchFamily="18" charset="0"/>
+              </a:rPr>
+              <a:t>		3.3.3</a:t>
+            </a:r>
+            <a:r>
+              <a:rPr lang="zh-CN" altLang="zh-CN" sz="1400" kern="100" dirty="0">
+                <a:effectLst/>
+                <a:latin typeface="等线" panose="02010600030101010101" pitchFamily="2" charset="-122"/>
+                <a:ea typeface="等线" panose="02010600030101010101" pitchFamily="2" charset="-122"/>
+                <a:cs typeface="Times New Roman" panose="02020603050405020304" pitchFamily="18" charset="0"/>
+              </a:rPr>
+              <a:t>算法分析验证</a:t>
+            </a:r>
+          </a:p>
+          <a:p>
+            <a:pPr marL="266700" algn="just"/>
+            <a:r>
+              <a:rPr lang="en-US" altLang="zh-CN" sz="1400" kern="100" dirty="0">
+                <a:effectLst/>
+                <a:latin typeface="等线" panose="02010600030101010101" pitchFamily="2" charset="-122"/>
+                <a:ea typeface="等线" panose="02010600030101010101" pitchFamily="2" charset="-122"/>
+                <a:cs typeface="Times New Roman" panose="02020603050405020304" pitchFamily="18" charset="0"/>
+              </a:rPr>
+              <a:t>	3.4PID</a:t>
+            </a:r>
+            <a:r>
+              <a:rPr lang="zh-CN" altLang="zh-CN" sz="1400" kern="100" dirty="0">
+                <a:effectLst/>
+                <a:latin typeface="等线" panose="02010600030101010101" pitchFamily="2" charset="-122"/>
+                <a:ea typeface="等线" panose="02010600030101010101" pitchFamily="2" charset="-122"/>
+                <a:cs typeface="Times New Roman" panose="02020603050405020304" pitchFamily="18" charset="0"/>
+              </a:rPr>
+              <a:t>速率控制模块设计</a:t>
+            </a:r>
+          </a:p>
+          <a:p>
+            <a:pPr marL="266700" algn="just"/>
+            <a:r>
+              <a:rPr lang="en-US" altLang="zh-CN" sz="1400" kern="100" dirty="0">
+                <a:effectLst/>
+                <a:latin typeface="等线" panose="02010600030101010101" pitchFamily="2" charset="-122"/>
+                <a:ea typeface="等线" panose="02010600030101010101" pitchFamily="2" charset="-122"/>
+                <a:cs typeface="Times New Roman" panose="02020603050405020304" pitchFamily="18" charset="0"/>
+              </a:rPr>
+              <a:t>		3.4.1</a:t>
+            </a:r>
+            <a:r>
+              <a:rPr lang="zh-CN" altLang="zh-CN" sz="1400" kern="100" dirty="0">
+                <a:effectLst/>
+                <a:latin typeface="等线" panose="02010600030101010101" pitchFamily="2" charset="-122"/>
+                <a:ea typeface="等线" panose="02010600030101010101" pitchFamily="2" charset="-122"/>
+                <a:cs typeface="Times New Roman" panose="02020603050405020304" pitchFamily="18" charset="0"/>
+              </a:rPr>
+              <a:t>网络模型搭建</a:t>
+            </a:r>
+          </a:p>
+          <a:p>
+            <a:pPr marL="266700" algn="just"/>
+            <a:r>
+              <a:rPr lang="en-US" altLang="zh-CN" sz="1400" kern="100" dirty="0">
+                <a:effectLst/>
+                <a:latin typeface="等线" panose="02010600030101010101" pitchFamily="2" charset="-122"/>
+                <a:ea typeface="等线" panose="02010600030101010101" pitchFamily="2" charset="-122"/>
+                <a:cs typeface="Times New Roman" panose="02020603050405020304" pitchFamily="18" charset="0"/>
+              </a:rPr>
+              <a:t>		3.4.2</a:t>
+            </a:r>
+            <a:r>
+              <a:rPr lang="zh-CN" altLang="zh-CN" sz="1400" kern="100" dirty="0">
+                <a:effectLst/>
+                <a:latin typeface="等线" panose="02010600030101010101" pitchFamily="2" charset="-122"/>
+                <a:ea typeface="等线" panose="02010600030101010101" pitchFamily="2" charset="-122"/>
+                <a:cs typeface="Times New Roman" panose="02020603050405020304" pitchFamily="18" charset="0"/>
+              </a:rPr>
+              <a:t>参数设计</a:t>
+            </a:r>
+          </a:p>
+          <a:p>
+            <a:pPr marL="266700" algn="just"/>
+            <a:r>
+              <a:rPr lang="en-US" altLang="zh-CN" sz="1400" kern="100" dirty="0">
+                <a:effectLst/>
+                <a:latin typeface="等线" panose="02010600030101010101" pitchFamily="2" charset="-122"/>
+                <a:ea typeface="等线" panose="02010600030101010101" pitchFamily="2" charset="-122"/>
+                <a:cs typeface="Times New Roman" panose="02020603050405020304" pitchFamily="18" charset="0"/>
+              </a:rPr>
+              <a:t>		3.4.3</a:t>
+            </a:r>
+            <a:r>
+              <a:rPr lang="zh-CN" altLang="zh-CN" sz="1400" kern="100" dirty="0">
+                <a:effectLst/>
+                <a:latin typeface="等线" panose="02010600030101010101" pitchFamily="2" charset="-122"/>
+                <a:ea typeface="等线" panose="02010600030101010101" pitchFamily="2" charset="-122"/>
+                <a:cs typeface="Times New Roman" panose="02020603050405020304" pitchFamily="18" charset="0"/>
+              </a:rPr>
+              <a:t>模型分析</a:t>
+            </a:r>
+          </a:p>
+          <a:p>
+            <a:pPr marL="266700" indent="266700" algn="just"/>
+            <a:r>
+              <a:rPr lang="en-US" altLang="zh-CN" sz="1400" kern="100" dirty="0">
+                <a:effectLst/>
+                <a:latin typeface="等线" panose="02010600030101010101" pitchFamily="2" charset="-122"/>
+                <a:ea typeface="等线" panose="02010600030101010101" pitchFamily="2" charset="-122"/>
+                <a:cs typeface="Times New Roman" panose="02020603050405020304" pitchFamily="18" charset="0"/>
+              </a:rPr>
+              <a:t>3.5</a:t>
+            </a:r>
+            <a:r>
+              <a:rPr lang="zh-CN" altLang="zh-CN" sz="1400" kern="100" dirty="0">
+                <a:effectLst/>
+                <a:latin typeface="等线" panose="02010600030101010101" pitchFamily="2" charset="-122"/>
+                <a:ea typeface="等线" panose="02010600030101010101" pitchFamily="2" charset="-122"/>
+                <a:cs typeface="Times New Roman" panose="02020603050405020304" pitchFamily="18" charset="0"/>
+              </a:rPr>
+              <a:t>本章小结</a:t>
+            </a:r>
+          </a:p>
+        </p:txBody>
+      </p:sp>
+      <p:cxnSp>
+        <p:nvCxnSpPr>
+          <p:cNvPr id="6" name="直接连接符 5">
+            <a:extLst>
+              <a:ext uri="{FF2B5EF4-FFF2-40B4-BE49-F238E27FC236}">
+                <a16:creationId xmlns:a16="http://schemas.microsoft.com/office/drawing/2014/main" id="{0E5D09EA-10A4-42F2-94F5-08C8EE31E2DC}"/>
+              </a:ext>
+            </a:extLst>
+          </p:cNvPr>
+          <p:cNvCxnSpPr/>
+          <p:nvPr/>
+        </p:nvCxnSpPr>
+        <p:spPr>
+          <a:xfrm>
+            <a:off x="6064898" y="323461"/>
+            <a:ext cx="0" cy="6338596"/>
+          </a:xfrm>
+          <a:prstGeom prst="line">
+            <a:avLst/>
+          </a:prstGeom>
+        </p:spPr>
+        <p:style>
+          <a:lnRef idx="1">
+            <a:schemeClr val="dk1"/>
+          </a:lnRef>
+          <a:fillRef idx="0">
+            <a:schemeClr val="dk1"/>
+          </a:fillRef>
+          <a:effectRef idx="0">
+            <a:schemeClr val="dk1"/>
+          </a:effectRef>
+          <a:fontRef idx="minor">
+            <a:schemeClr val="tx1"/>
+          </a:fontRef>
+        </p:style>
+      </p:cxnSp>
+      <p:sp>
+        <p:nvSpPr>
+          <p:cNvPr id="8" name="文本框 7">
+            <a:extLst>
+              <a:ext uri="{FF2B5EF4-FFF2-40B4-BE49-F238E27FC236}">
+                <a16:creationId xmlns:a16="http://schemas.microsoft.com/office/drawing/2014/main" id="{E5B2B030-7420-4EFC-A60A-761309F83357}"/>
+              </a:ext>
+            </a:extLst>
+          </p:cNvPr>
+          <p:cNvSpPr txBox="1"/>
+          <p:nvPr/>
+        </p:nvSpPr>
+        <p:spPr>
+          <a:xfrm>
+            <a:off x="6127103" y="715424"/>
+            <a:ext cx="6096000" cy="5693866"/>
+          </a:xfrm>
+          <a:prstGeom prst="rect">
+            <a:avLst/>
+          </a:prstGeom>
+          <a:noFill/>
+        </p:spPr>
+        <p:txBody>
+          <a:bodyPr wrap="square">
+            <a:spAutoFit/>
+          </a:bodyPr>
+          <a:lstStyle/>
+          <a:p>
+            <a:pPr marL="266700" algn="just"/>
+            <a:r>
+              <a:rPr lang="en-US" altLang="zh-CN" sz="1400" kern="100" dirty="0">
+                <a:effectLst/>
+                <a:latin typeface="等线" panose="02010600030101010101" pitchFamily="2" charset="-122"/>
+                <a:ea typeface="等线" panose="02010600030101010101" pitchFamily="2" charset="-122"/>
+                <a:cs typeface="Times New Roman" panose="02020603050405020304" pitchFamily="18" charset="0"/>
+              </a:rPr>
+              <a:t>4</a:t>
+            </a:r>
+            <a:r>
+              <a:rPr lang="zh-CN" altLang="zh-CN" sz="1400" kern="100" dirty="0">
+                <a:effectLst/>
+                <a:latin typeface="等线" panose="02010600030101010101" pitchFamily="2" charset="-122"/>
+                <a:ea typeface="等线" panose="02010600030101010101" pitchFamily="2" charset="-122"/>
+                <a:cs typeface="Times New Roman" panose="02020603050405020304" pitchFamily="18" charset="0"/>
+              </a:rPr>
+              <a:t>、神经网络模型训练及仿真展示</a:t>
+            </a:r>
+          </a:p>
+          <a:p>
+            <a:pPr marL="266700" algn="just"/>
+            <a:r>
+              <a:rPr lang="en-US" altLang="zh-CN" sz="1400" kern="100" dirty="0">
+                <a:effectLst/>
+                <a:latin typeface="等线" panose="02010600030101010101" pitchFamily="2" charset="-122"/>
+                <a:ea typeface="等线" panose="02010600030101010101" pitchFamily="2" charset="-122"/>
+                <a:cs typeface="Times New Roman" panose="02020603050405020304" pitchFamily="18" charset="0"/>
+              </a:rPr>
+              <a:t>	4.1 NS3</a:t>
+            </a:r>
+            <a:r>
+              <a:rPr lang="zh-CN" altLang="zh-CN" sz="1400" kern="100" dirty="0">
+                <a:effectLst/>
+                <a:latin typeface="等线" panose="02010600030101010101" pitchFamily="2" charset="-122"/>
+                <a:ea typeface="等线" panose="02010600030101010101" pitchFamily="2" charset="-122"/>
+                <a:cs typeface="Times New Roman" panose="02020603050405020304" pitchFamily="18" charset="0"/>
+              </a:rPr>
+              <a:t>仿真平台环境搭建及设计</a:t>
+            </a:r>
+          </a:p>
+          <a:p>
+            <a:pPr marL="266700" algn="just"/>
+            <a:r>
+              <a:rPr lang="en-US" altLang="zh-CN" sz="1400" kern="100" dirty="0">
+                <a:effectLst/>
+                <a:latin typeface="等线" panose="02010600030101010101" pitchFamily="2" charset="-122"/>
+                <a:ea typeface="等线" panose="02010600030101010101" pitchFamily="2" charset="-122"/>
+                <a:cs typeface="Times New Roman" panose="02020603050405020304" pitchFamily="18" charset="0"/>
+              </a:rPr>
+              <a:t>		4.1.1</a:t>
+            </a:r>
+            <a:r>
+              <a:rPr lang="zh-CN" altLang="zh-CN" sz="1400" kern="100" dirty="0">
+                <a:effectLst/>
+                <a:latin typeface="等线" panose="02010600030101010101" pitchFamily="2" charset="-122"/>
+                <a:ea typeface="等线" panose="02010600030101010101" pitchFamily="2" charset="-122"/>
+                <a:cs typeface="Times New Roman" panose="02020603050405020304" pitchFamily="18" charset="0"/>
+              </a:rPr>
+              <a:t>环境配置</a:t>
+            </a:r>
+          </a:p>
+          <a:p>
+            <a:pPr marL="266700" algn="just"/>
+            <a:r>
+              <a:rPr lang="en-US" altLang="zh-CN" sz="1400" kern="100" dirty="0">
+                <a:effectLst/>
+                <a:latin typeface="等线" panose="02010600030101010101" pitchFamily="2" charset="-122"/>
+                <a:ea typeface="等线" panose="02010600030101010101" pitchFamily="2" charset="-122"/>
+                <a:cs typeface="Times New Roman" panose="02020603050405020304" pitchFamily="18" charset="0"/>
+              </a:rPr>
+              <a:t>		4.1.2</a:t>
+            </a:r>
+            <a:r>
+              <a:rPr lang="zh-CN" altLang="zh-CN" sz="1400" kern="100" dirty="0">
+                <a:effectLst/>
+                <a:latin typeface="等线" panose="02010600030101010101" pitchFamily="2" charset="-122"/>
+                <a:ea typeface="等线" panose="02010600030101010101" pitchFamily="2" charset="-122"/>
+                <a:cs typeface="Times New Roman" panose="02020603050405020304" pitchFamily="18" charset="0"/>
+              </a:rPr>
+              <a:t>网络拓扑仿真设计</a:t>
+            </a:r>
+          </a:p>
+          <a:p>
+            <a:pPr marL="266700" algn="just"/>
+            <a:r>
+              <a:rPr lang="en-US" altLang="zh-CN" sz="1400" kern="100" dirty="0">
+                <a:effectLst/>
+                <a:latin typeface="等线" panose="02010600030101010101" pitchFamily="2" charset="-122"/>
+                <a:ea typeface="等线" panose="02010600030101010101" pitchFamily="2" charset="-122"/>
+                <a:cs typeface="Times New Roman" panose="02020603050405020304" pitchFamily="18" charset="0"/>
+              </a:rPr>
+              <a:t>	4.2</a:t>
+            </a:r>
+            <a:r>
+              <a:rPr lang="zh-CN" altLang="zh-CN" sz="1400" kern="100" dirty="0">
+                <a:effectLst/>
+                <a:latin typeface="等线" panose="02010600030101010101" pitchFamily="2" charset="-122"/>
+                <a:ea typeface="等线" panose="02010600030101010101" pitchFamily="2" charset="-122"/>
+                <a:cs typeface="Times New Roman" panose="02020603050405020304" pitchFamily="18" charset="0"/>
+              </a:rPr>
+              <a:t>神经网络模块化训练</a:t>
+            </a:r>
+          </a:p>
+          <a:p>
+            <a:pPr marL="266700" algn="just"/>
+            <a:r>
+              <a:rPr lang="en-US" altLang="zh-CN" sz="1400" kern="100" dirty="0">
+                <a:effectLst/>
+                <a:latin typeface="等线" panose="02010600030101010101" pitchFamily="2" charset="-122"/>
+                <a:ea typeface="等线" panose="02010600030101010101" pitchFamily="2" charset="-122"/>
+                <a:cs typeface="Times New Roman" panose="02020603050405020304" pitchFamily="18" charset="0"/>
+              </a:rPr>
+              <a:t>		4.2.1</a:t>
+            </a:r>
+            <a:r>
+              <a:rPr lang="zh-CN" altLang="zh-CN" sz="1400" kern="100" dirty="0">
+                <a:effectLst/>
+                <a:latin typeface="等线" panose="02010600030101010101" pitchFamily="2" charset="-122"/>
+                <a:ea typeface="等线" panose="02010600030101010101" pitchFamily="2" charset="-122"/>
+                <a:cs typeface="Times New Roman" panose="02020603050405020304" pitchFamily="18" charset="0"/>
+              </a:rPr>
+              <a:t>数据集获取及展示</a:t>
+            </a:r>
+          </a:p>
+          <a:p>
+            <a:pPr marL="266700" algn="just"/>
+            <a:r>
+              <a:rPr lang="en-US" altLang="zh-CN" sz="1400" kern="100" dirty="0">
+                <a:effectLst/>
+                <a:latin typeface="等线" panose="02010600030101010101" pitchFamily="2" charset="-122"/>
+                <a:ea typeface="等线" panose="02010600030101010101" pitchFamily="2" charset="-122"/>
+                <a:cs typeface="Times New Roman" panose="02020603050405020304" pitchFamily="18" charset="0"/>
+              </a:rPr>
+              <a:t>		4.2.2RTT</a:t>
+            </a:r>
+            <a:r>
+              <a:rPr lang="zh-CN" altLang="zh-CN" sz="1400" kern="100" dirty="0">
+                <a:effectLst/>
+                <a:latin typeface="等线" panose="02010600030101010101" pitchFamily="2" charset="-122"/>
+                <a:ea typeface="等线" panose="02010600030101010101" pitchFamily="2" charset="-122"/>
+                <a:cs typeface="Times New Roman" panose="02020603050405020304" pitchFamily="18" charset="0"/>
+              </a:rPr>
+              <a:t>预测模块训练效果展示</a:t>
+            </a:r>
+          </a:p>
+          <a:p>
+            <a:pPr marL="266700" algn="just"/>
+            <a:r>
+              <a:rPr lang="en-US" altLang="zh-CN" sz="1400" kern="100" dirty="0">
+                <a:effectLst/>
+                <a:latin typeface="等线" panose="02010600030101010101" pitchFamily="2" charset="-122"/>
+                <a:ea typeface="等线" panose="02010600030101010101" pitchFamily="2" charset="-122"/>
+                <a:cs typeface="Times New Roman" panose="02020603050405020304" pitchFamily="18" charset="0"/>
+              </a:rPr>
+              <a:t>		4.2.3PID</a:t>
+            </a:r>
+            <a:r>
+              <a:rPr lang="zh-CN" altLang="zh-CN" sz="1400" kern="100" dirty="0">
+                <a:effectLst/>
+                <a:latin typeface="等线" panose="02010600030101010101" pitchFamily="2" charset="-122"/>
+                <a:ea typeface="等线" panose="02010600030101010101" pitchFamily="2" charset="-122"/>
+                <a:cs typeface="Times New Roman" panose="02020603050405020304" pitchFamily="18" charset="0"/>
+              </a:rPr>
+              <a:t>速率控制模块训练效果展示</a:t>
+            </a:r>
+          </a:p>
+          <a:p>
+            <a:pPr marL="266700" algn="just"/>
+            <a:r>
+              <a:rPr lang="en-US" altLang="zh-CN" sz="1400" kern="100" dirty="0">
+                <a:effectLst/>
+                <a:latin typeface="等线" panose="02010600030101010101" pitchFamily="2" charset="-122"/>
+                <a:ea typeface="等线" panose="02010600030101010101" pitchFamily="2" charset="-122"/>
+                <a:cs typeface="Times New Roman" panose="02020603050405020304" pitchFamily="18" charset="0"/>
+              </a:rPr>
+              <a:t>	4.3</a:t>
+            </a:r>
+            <a:r>
+              <a:rPr lang="zh-CN" altLang="zh-CN" sz="1400" kern="100" dirty="0">
+                <a:effectLst/>
+                <a:latin typeface="等线" panose="02010600030101010101" pitchFamily="2" charset="-122"/>
+                <a:ea typeface="等线" panose="02010600030101010101" pitchFamily="2" charset="-122"/>
+                <a:cs typeface="Times New Roman" panose="02020603050405020304" pitchFamily="18" charset="0"/>
+              </a:rPr>
+              <a:t>算法拥塞控制效果展示</a:t>
+            </a:r>
+          </a:p>
+          <a:p>
+            <a:pPr marL="266700" algn="just"/>
+            <a:r>
+              <a:rPr lang="en-US" altLang="zh-CN" sz="1400" kern="100" dirty="0">
+                <a:effectLst/>
+                <a:latin typeface="等线" panose="02010600030101010101" pitchFamily="2" charset="-122"/>
+                <a:ea typeface="等线" panose="02010600030101010101" pitchFamily="2" charset="-122"/>
+                <a:cs typeface="Times New Roman" panose="02020603050405020304" pitchFamily="18" charset="0"/>
+              </a:rPr>
+              <a:t>		4.3.1RTT</a:t>
+            </a:r>
+            <a:r>
+              <a:rPr lang="zh-CN" altLang="zh-CN" sz="1400" kern="100" dirty="0">
+                <a:effectLst/>
+                <a:latin typeface="等线" panose="02010600030101010101" pitchFamily="2" charset="-122"/>
+                <a:ea typeface="等线" panose="02010600030101010101" pitchFamily="2" charset="-122"/>
+                <a:cs typeface="Times New Roman" panose="02020603050405020304" pitchFamily="18" charset="0"/>
+              </a:rPr>
+              <a:t>时延</a:t>
+            </a:r>
+          </a:p>
+          <a:p>
+            <a:pPr marL="266700" algn="just"/>
+            <a:r>
+              <a:rPr lang="en-US" altLang="zh-CN" sz="1400" kern="100" dirty="0">
+                <a:effectLst/>
+                <a:latin typeface="等线" panose="02010600030101010101" pitchFamily="2" charset="-122"/>
+                <a:ea typeface="等线" panose="02010600030101010101" pitchFamily="2" charset="-122"/>
+                <a:cs typeface="Times New Roman" panose="02020603050405020304" pitchFamily="18" charset="0"/>
+              </a:rPr>
+              <a:t>		4.3.2</a:t>
+            </a:r>
+            <a:r>
+              <a:rPr lang="zh-CN" altLang="zh-CN" sz="1400" kern="100" dirty="0">
+                <a:effectLst/>
+                <a:latin typeface="等线" panose="02010600030101010101" pitchFamily="2" charset="-122"/>
+                <a:ea typeface="等线" panose="02010600030101010101" pitchFamily="2" charset="-122"/>
+                <a:cs typeface="Times New Roman" panose="02020603050405020304" pitchFamily="18" charset="0"/>
+              </a:rPr>
+              <a:t>发送速率</a:t>
+            </a:r>
+          </a:p>
+          <a:p>
+            <a:pPr marL="266700" algn="just"/>
+            <a:r>
+              <a:rPr lang="en-US" altLang="zh-CN" sz="1400" kern="100" dirty="0">
+                <a:effectLst/>
+                <a:latin typeface="等线" panose="02010600030101010101" pitchFamily="2" charset="-122"/>
+                <a:ea typeface="等线" panose="02010600030101010101" pitchFamily="2" charset="-122"/>
+                <a:cs typeface="Times New Roman" panose="02020603050405020304" pitchFamily="18" charset="0"/>
+              </a:rPr>
+              <a:t>	4.4</a:t>
+            </a:r>
+            <a:r>
+              <a:rPr lang="zh-CN" altLang="zh-CN" sz="1400" kern="100" dirty="0">
+                <a:effectLst/>
+                <a:latin typeface="等线" panose="02010600030101010101" pitchFamily="2" charset="-122"/>
+                <a:ea typeface="等线" panose="02010600030101010101" pitchFamily="2" charset="-122"/>
+                <a:cs typeface="Times New Roman" panose="02020603050405020304" pitchFamily="18" charset="0"/>
+              </a:rPr>
+              <a:t>本章小结</a:t>
+            </a:r>
+          </a:p>
+          <a:p>
+            <a:pPr marL="266700" algn="just"/>
+            <a:r>
+              <a:rPr lang="en-US" altLang="zh-CN" sz="1400" kern="100" dirty="0">
+                <a:effectLst/>
+                <a:latin typeface="等线" panose="02010600030101010101" pitchFamily="2" charset="-122"/>
+                <a:ea typeface="等线" panose="02010600030101010101" pitchFamily="2" charset="-122"/>
+                <a:cs typeface="Times New Roman" panose="02020603050405020304" pitchFamily="18" charset="0"/>
+              </a:rPr>
+              <a:t>5.</a:t>
+            </a:r>
+            <a:r>
+              <a:rPr lang="zh-CN" altLang="zh-CN" sz="1400" kern="100" dirty="0">
+                <a:effectLst/>
+                <a:latin typeface="等线" panose="02010600030101010101" pitchFamily="2" charset="-122"/>
+                <a:ea typeface="等线" panose="02010600030101010101" pitchFamily="2" charset="-122"/>
+                <a:cs typeface="Times New Roman" panose="02020603050405020304" pitchFamily="18" charset="0"/>
+              </a:rPr>
+              <a:t>算法分析比较</a:t>
+            </a:r>
+          </a:p>
+          <a:p>
+            <a:pPr marL="266700" algn="just"/>
+            <a:r>
+              <a:rPr lang="en-US" altLang="zh-CN" sz="1400" kern="100" dirty="0">
+                <a:effectLst/>
+                <a:latin typeface="等线" panose="02010600030101010101" pitchFamily="2" charset="-122"/>
+                <a:ea typeface="等线" panose="02010600030101010101" pitchFamily="2" charset="-122"/>
+                <a:cs typeface="Times New Roman" panose="02020603050405020304" pitchFamily="18" charset="0"/>
+              </a:rPr>
+              <a:t>	5.0</a:t>
+            </a:r>
+            <a:r>
+              <a:rPr lang="zh-CN" altLang="zh-CN" sz="1400" kern="100" dirty="0">
+                <a:effectLst/>
+                <a:latin typeface="等线" panose="02010600030101010101" pitchFamily="2" charset="-122"/>
+                <a:ea typeface="等线" panose="02010600030101010101" pitchFamily="2" charset="-122"/>
+                <a:cs typeface="Times New Roman" panose="02020603050405020304" pitchFamily="18" charset="0"/>
+              </a:rPr>
+              <a:t>分析比较指标</a:t>
+            </a:r>
+          </a:p>
+          <a:p>
+            <a:pPr marL="266700" algn="just"/>
+            <a:r>
+              <a:rPr lang="en-US" altLang="zh-CN" sz="1400" kern="100" dirty="0">
+                <a:effectLst/>
+                <a:latin typeface="等线" panose="02010600030101010101" pitchFamily="2" charset="-122"/>
+                <a:ea typeface="等线" panose="02010600030101010101" pitchFamily="2" charset="-122"/>
+                <a:cs typeface="Times New Roman" panose="02020603050405020304" pitchFamily="18" charset="0"/>
+              </a:rPr>
+              <a:t>	5.1</a:t>
+            </a:r>
+            <a:r>
+              <a:rPr lang="zh-CN" altLang="zh-CN" sz="1400" kern="100" dirty="0">
+                <a:effectLst/>
+                <a:latin typeface="等线" panose="02010600030101010101" pitchFamily="2" charset="-122"/>
+                <a:ea typeface="等线" panose="02010600030101010101" pitchFamily="2" charset="-122"/>
+                <a:cs typeface="Times New Roman" panose="02020603050405020304" pitchFamily="18" charset="0"/>
+              </a:rPr>
+              <a:t>算法比较</a:t>
+            </a:r>
+          </a:p>
+          <a:p>
+            <a:pPr marL="266700" algn="just"/>
+            <a:r>
+              <a:rPr lang="en-US" altLang="zh-CN" sz="1400" kern="100" dirty="0">
+                <a:effectLst/>
+                <a:latin typeface="等线" panose="02010600030101010101" pitchFamily="2" charset="-122"/>
+                <a:ea typeface="等线" panose="02010600030101010101" pitchFamily="2" charset="-122"/>
+                <a:cs typeface="Times New Roman" panose="02020603050405020304" pitchFamily="18" charset="0"/>
+              </a:rPr>
+              <a:t>		5.1.1TIMELY</a:t>
+            </a:r>
+            <a:endParaRPr lang="zh-CN" altLang="zh-CN" sz="1400" kern="100" dirty="0">
+              <a:effectLst/>
+              <a:latin typeface="等线" panose="02010600030101010101" pitchFamily="2" charset="-122"/>
+              <a:ea typeface="等线" panose="02010600030101010101" pitchFamily="2" charset="-122"/>
+              <a:cs typeface="Times New Roman" panose="02020603050405020304" pitchFamily="18" charset="0"/>
+            </a:endParaRPr>
+          </a:p>
+          <a:p>
+            <a:pPr marL="266700" algn="just"/>
+            <a:r>
+              <a:rPr lang="en-US" altLang="zh-CN" sz="1400" kern="100" dirty="0">
+                <a:effectLst/>
+                <a:latin typeface="等线" panose="02010600030101010101" pitchFamily="2" charset="-122"/>
+                <a:ea typeface="等线" panose="02010600030101010101" pitchFamily="2" charset="-122"/>
+                <a:cs typeface="Times New Roman" panose="02020603050405020304" pitchFamily="18" charset="0"/>
+              </a:rPr>
+              <a:t>		5.1.2HPCC</a:t>
+            </a:r>
+            <a:endParaRPr lang="zh-CN" altLang="zh-CN" sz="1400" kern="100" dirty="0">
+              <a:effectLst/>
+              <a:latin typeface="等线" panose="02010600030101010101" pitchFamily="2" charset="-122"/>
+              <a:ea typeface="等线" panose="02010600030101010101" pitchFamily="2" charset="-122"/>
+              <a:cs typeface="Times New Roman" panose="02020603050405020304" pitchFamily="18" charset="0"/>
+            </a:endParaRPr>
+          </a:p>
+          <a:p>
+            <a:pPr marL="266700" algn="just"/>
+            <a:r>
+              <a:rPr lang="en-US" altLang="zh-CN" sz="1400" kern="100" dirty="0">
+                <a:effectLst/>
+                <a:latin typeface="等线" panose="02010600030101010101" pitchFamily="2" charset="-122"/>
+                <a:ea typeface="等线" panose="02010600030101010101" pitchFamily="2" charset="-122"/>
+                <a:cs typeface="Times New Roman" panose="02020603050405020304" pitchFamily="18" charset="0"/>
+              </a:rPr>
+              <a:t>		5.1.3DCTCP</a:t>
+            </a:r>
+            <a:endParaRPr lang="zh-CN" altLang="zh-CN" sz="1400" kern="100" dirty="0">
+              <a:effectLst/>
+              <a:latin typeface="等线" panose="02010600030101010101" pitchFamily="2" charset="-122"/>
+              <a:ea typeface="等线" panose="02010600030101010101" pitchFamily="2" charset="-122"/>
+              <a:cs typeface="Times New Roman" panose="02020603050405020304" pitchFamily="18" charset="0"/>
+            </a:endParaRPr>
+          </a:p>
+          <a:p>
+            <a:pPr marL="266700" algn="just"/>
+            <a:r>
+              <a:rPr lang="en-US" altLang="zh-CN" sz="1400" kern="100" dirty="0">
+                <a:effectLst/>
+                <a:latin typeface="等线" panose="02010600030101010101" pitchFamily="2" charset="-122"/>
+                <a:ea typeface="等线" panose="02010600030101010101" pitchFamily="2" charset="-122"/>
+                <a:cs typeface="Times New Roman" panose="02020603050405020304" pitchFamily="18" charset="0"/>
+              </a:rPr>
+              <a:t>	5.2</a:t>
+            </a:r>
+            <a:r>
+              <a:rPr lang="zh-CN" altLang="zh-CN" sz="1400" kern="100" dirty="0">
+                <a:effectLst/>
+                <a:latin typeface="等线" panose="02010600030101010101" pitchFamily="2" charset="-122"/>
+                <a:ea typeface="等线" panose="02010600030101010101" pitchFamily="2" charset="-122"/>
+                <a:cs typeface="Times New Roman" panose="02020603050405020304" pitchFamily="18" charset="0"/>
+              </a:rPr>
+              <a:t>比较结果分析总结</a:t>
+            </a:r>
+          </a:p>
+          <a:p>
+            <a:pPr marL="266700" algn="just"/>
+            <a:r>
+              <a:rPr lang="en-US" altLang="zh-CN" sz="1400" kern="100" dirty="0">
+                <a:effectLst/>
+                <a:latin typeface="等线" panose="02010600030101010101" pitchFamily="2" charset="-122"/>
+                <a:ea typeface="等线" panose="02010600030101010101" pitchFamily="2" charset="-122"/>
+                <a:cs typeface="Times New Roman" panose="02020603050405020304" pitchFamily="18" charset="0"/>
+              </a:rPr>
+              <a:t>		5.2.1</a:t>
+            </a:r>
+            <a:r>
+              <a:rPr lang="zh-CN" altLang="zh-CN" sz="1400" kern="100" dirty="0">
+                <a:effectLst/>
+                <a:latin typeface="等线" panose="02010600030101010101" pitchFamily="2" charset="-122"/>
+                <a:ea typeface="等线" panose="02010600030101010101" pitchFamily="2" charset="-122"/>
+                <a:cs typeface="Times New Roman" panose="02020603050405020304" pitchFamily="18" charset="0"/>
+              </a:rPr>
+              <a:t>算法优势及缺点</a:t>
+            </a:r>
+          </a:p>
+          <a:p>
+            <a:pPr marL="266700" algn="just"/>
+            <a:r>
+              <a:rPr lang="en-US" altLang="zh-CN" sz="1400" kern="100" dirty="0">
+                <a:effectLst/>
+                <a:latin typeface="等线" panose="02010600030101010101" pitchFamily="2" charset="-122"/>
+                <a:ea typeface="等线" panose="02010600030101010101" pitchFamily="2" charset="-122"/>
+                <a:cs typeface="Times New Roman" panose="02020603050405020304" pitchFamily="18" charset="0"/>
+              </a:rPr>
+              <a:t>		5.2.2</a:t>
+            </a:r>
+            <a:r>
+              <a:rPr lang="zh-CN" altLang="zh-CN" sz="1400" kern="100" dirty="0">
+                <a:effectLst/>
+                <a:latin typeface="等线" panose="02010600030101010101" pitchFamily="2" charset="-122"/>
+                <a:ea typeface="等线" panose="02010600030101010101" pitchFamily="2" charset="-122"/>
+                <a:cs typeface="Times New Roman" panose="02020603050405020304" pitchFamily="18" charset="0"/>
+              </a:rPr>
+              <a:t>算法创新点</a:t>
+            </a:r>
+          </a:p>
+          <a:p>
+            <a:pPr marL="266700" algn="just"/>
+            <a:r>
+              <a:rPr lang="en-US" altLang="zh-CN" sz="1400" kern="100" dirty="0">
+                <a:effectLst/>
+                <a:latin typeface="等线" panose="02010600030101010101" pitchFamily="2" charset="-122"/>
+                <a:ea typeface="等线" panose="02010600030101010101" pitchFamily="2" charset="-122"/>
+                <a:cs typeface="Times New Roman" panose="02020603050405020304" pitchFamily="18" charset="0"/>
+              </a:rPr>
+              <a:t>6</a:t>
+            </a:r>
+            <a:r>
+              <a:rPr lang="zh-CN" altLang="zh-CN" sz="1400" kern="100" dirty="0">
+                <a:effectLst/>
+                <a:latin typeface="等线" panose="02010600030101010101" pitchFamily="2" charset="-122"/>
+                <a:ea typeface="等线" panose="02010600030101010101" pitchFamily="2" charset="-122"/>
+                <a:cs typeface="Times New Roman" panose="02020603050405020304" pitchFamily="18" charset="0"/>
+              </a:rPr>
+              <a:t>、全文总结及期望</a:t>
+            </a:r>
+          </a:p>
+          <a:p>
+            <a:pPr marL="266700" algn="just"/>
+            <a:r>
+              <a:rPr lang="en-US" altLang="zh-CN" sz="1400" kern="100" dirty="0">
+                <a:effectLst/>
+                <a:latin typeface="等线" panose="02010600030101010101" pitchFamily="2" charset="-122"/>
+                <a:ea typeface="等线" panose="02010600030101010101" pitchFamily="2" charset="-122"/>
+                <a:cs typeface="Times New Roman" panose="02020603050405020304" pitchFamily="18" charset="0"/>
+              </a:rPr>
+              <a:t>	6.1</a:t>
+            </a:r>
+            <a:r>
+              <a:rPr lang="zh-CN" altLang="zh-CN" sz="1400" kern="100" dirty="0">
+                <a:effectLst/>
+                <a:latin typeface="等线" panose="02010600030101010101" pitchFamily="2" charset="-122"/>
+                <a:ea typeface="等线" panose="02010600030101010101" pitchFamily="2" charset="-122"/>
+                <a:cs typeface="Times New Roman" panose="02020603050405020304" pitchFamily="18" charset="0"/>
+              </a:rPr>
+              <a:t>全文总结</a:t>
+            </a:r>
+          </a:p>
+          <a:p>
+            <a:pPr marL="266700" algn="just"/>
+            <a:r>
+              <a:rPr lang="en-US" altLang="zh-CN" sz="1400" kern="100" dirty="0">
+                <a:effectLst/>
+                <a:latin typeface="等线" panose="02010600030101010101" pitchFamily="2" charset="-122"/>
+                <a:ea typeface="等线" panose="02010600030101010101" pitchFamily="2" charset="-122"/>
+                <a:cs typeface="Times New Roman" panose="02020603050405020304" pitchFamily="18" charset="0"/>
+              </a:rPr>
+              <a:t>	6.2</a:t>
+            </a:r>
+            <a:r>
+              <a:rPr lang="zh-CN" altLang="zh-CN" sz="1400" kern="100" dirty="0">
+                <a:effectLst/>
+                <a:latin typeface="等线" panose="02010600030101010101" pitchFamily="2" charset="-122"/>
+                <a:ea typeface="等线" panose="02010600030101010101" pitchFamily="2" charset="-122"/>
+                <a:cs typeface="Times New Roman" panose="02020603050405020304" pitchFamily="18" charset="0"/>
+              </a:rPr>
+              <a:t>后续工作展望</a:t>
+            </a:r>
+          </a:p>
+          <a:p>
+            <a:pPr marL="266700" algn="just"/>
+            <a:r>
+              <a:rPr lang="zh-CN" altLang="zh-CN" sz="1400" kern="100" dirty="0">
+                <a:effectLst/>
+                <a:latin typeface="等线" panose="02010600030101010101" pitchFamily="2" charset="-122"/>
+                <a:ea typeface="等线" panose="02010600030101010101" pitchFamily="2" charset="-122"/>
+                <a:cs typeface="Times New Roman" panose="02020603050405020304" pitchFamily="18" charset="0"/>
+              </a:rPr>
+              <a:t>致谢</a:t>
+            </a:r>
+          </a:p>
+          <a:p>
+            <a:pPr marL="266700" algn="just"/>
+            <a:r>
+              <a:rPr lang="zh-CN" altLang="zh-CN" sz="1400" kern="100" dirty="0">
+                <a:effectLst/>
+                <a:latin typeface="等线" panose="02010600030101010101" pitchFamily="2" charset="-122"/>
+                <a:ea typeface="等线" panose="02010600030101010101" pitchFamily="2" charset="-122"/>
+                <a:cs typeface="Times New Roman" panose="02020603050405020304" pitchFamily="18" charset="0"/>
+              </a:rPr>
+              <a:t>参考文献</a:t>
+            </a:r>
+          </a:p>
+        </p:txBody>
+      </p:sp>
+    </p:spTree>
+    <p:extLst>
+      <p:ext uri="{BB962C8B-B14F-4D97-AF65-F5344CB8AC3E}">
+        <p14:creationId xmlns:p14="http://schemas.microsoft.com/office/powerpoint/2010/main" val="3239947817"/>
       </p:ext>
     </p:extLst>
   </p:cSld>

--- a/paper/毕设思路 [自动保存的] [自动保存的].pptx
+++ b/paper/毕设思路 [自动保存的] [自动保存的].pptx
@@ -41,6 +41,8 @@
     <p:sldId id="290" r:id="rId35"/>
     <p:sldId id="291" r:id="rId36"/>
     <p:sldId id="292" r:id="rId37"/>
+    <p:sldId id="293" r:id="rId38"/>
+    <p:sldId id="294" r:id="rId39"/>
   </p:sldIdLst>
   <p:sldSz cx="12192000" cy="6858000"/>
   <p:notesSz cx="6858000" cy="9144000"/>
@@ -294,7 +296,7 @@
           <a:p>
             <a:fld id="{AD8B3968-3313-4141-86A3-A13F50CDB1A3}" type="datetimeFigureOut">
               <a:rPr lang="zh-CN" altLang="en-US" smtClean="0"/>
-              <a:t>2023/4/8</a:t>
+              <a:t>2023/4/12</a:t>
             </a:fld>
             <a:endParaRPr lang="zh-CN" altLang="en-US"/>
           </a:p>
@@ -492,7 +494,7 @@
           <a:p>
             <a:fld id="{AD8B3968-3313-4141-86A3-A13F50CDB1A3}" type="datetimeFigureOut">
               <a:rPr lang="zh-CN" altLang="en-US" smtClean="0"/>
-              <a:t>2023/4/8</a:t>
+              <a:t>2023/4/12</a:t>
             </a:fld>
             <a:endParaRPr lang="zh-CN" altLang="en-US"/>
           </a:p>
@@ -700,7 +702,7 @@
           <a:p>
             <a:fld id="{AD8B3968-3313-4141-86A3-A13F50CDB1A3}" type="datetimeFigureOut">
               <a:rPr lang="zh-CN" altLang="en-US" smtClean="0"/>
-              <a:t>2023/4/8</a:t>
+              <a:t>2023/4/12</a:t>
             </a:fld>
             <a:endParaRPr lang="zh-CN" altLang="en-US"/>
           </a:p>
@@ -898,7 +900,7 @@
           <a:p>
             <a:fld id="{AD8B3968-3313-4141-86A3-A13F50CDB1A3}" type="datetimeFigureOut">
               <a:rPr lang="zh-CN" altLang="en-US" smtClean="0"/>
-              <a:t>2023/4/8</a:t>
+              <a:t>2023/4/12</a:t>
             </a:fld>
             <a:endParaRPr lang="zh-CN" altLang="en-US"/>
           </a:p>
@@ -1173,7 +1175,7 @@
           <a:p>
             <a:fld id="{AD8B3968-3313-4141-86A3-A13F50CDB1A3}" type="datetimeFigureOut">
               <a:rPr lang="zh-CN" altLang="en-US" smtClean="0"/>
-              <a:t>2023/4/8</a:t>
+              <a:t>2023/4/12</a:t>
             </a:fld>
             <a:endParaRPr lang="zh-CN" altLang="en-US"/>
           </a:p>
@@ -1438,7 +1440,7 @@
           <a:p>
             <a:fld id="{AD8B3968-3313-4141-86A3-A13F50CDB1A3}" type="datetimeFigureOut">
               <a:rPr lang="zh-CN" altLang="en-US" smtClean="0"/>
-              <a:t>2023/4/8</a:t>
+              <a:t>2023/4/12</a:t>
             </a:fld>
             <a:endParaRPr lang="zh-CN" altLang="en-US"/>
           </a:p>
@@ -1850,7 +1852,7 @@
           <a:p>
             <a:fld id="{AD8B3968-3313-4141-86A3-A13F50CDB1A3}" type="datetimeFigureOut">
               <a:rPr lang="zh-CN" altLang="en-US" smtClean="0"/>
-              <a:t>2023/4/8</a:t>
+              <a:t>2023/4/12</a:t>
             </a:fld>
             <a:endParaRPr lang="zh-CN" altLang="en-US"/>
           </a:p>
@@ -1991,7 +1993,7 @@
           <a:p>
             <a:fld id="{AD8B3968-3313-4141-86A3-A13F50CDB1A3}" type="datetimeFigureOut">
               <a:rPr lang="zh-CN" altLang="en-US" smtClean="0"/>
-              <a:t>2023/4/8</a:t>
+              <a:t>2023/4/12</a:t>
             </a:fld>
             <a:endParaRPr lang="zh-CN" altLang="en-US"/>
           </a:p>
@@ -2104,7 +2106,7 @@
           <a:p>
             <a:fld id="{AD8B3968-3313-4141-86A3-A13F50CDB1A3}" type="datetimeFigureOut">
               <a:rPr lang="zh-CN" altLang="en-US" smtClean="0"/>
-              <a:t>2023/4/8</a:t>
+              <a:t>2023/4/12</a:t>
             </a:fld>
             <a:endParaRPr lang="zh-CN" altLang="en-US"/>
           </a:p>
@@ -2415,7 +2417,7 @@
           <a:p>
             <a:fld id="{AD8B3968-3313-4141-86A3-A13F50CDB1A3}" type="datetimeFigureOut">
               <a:rPr lang="zh-CN" altLang="en-US" smtClean="0"/>
-              <a:t>2023/4/8</a:t>
+              <a:t>2023/4/12</a:t>
             </a:fld>
             <a:endParaRPr lang="zh-CN" altLang="en-US"/>
           </a:p>
@@ -2703,7 +2705,7 @@
           <a:p>
             <a:fld id="{AD8B3968-3313-4141-86A3-A13F50CDB1A3}" type="datetimeFigureOut">
               <a:rPr lang="zh-CN" altLang="en-US" smtClean="0"/>
-              <a:t>2023/4/8</a:t>
+              <a:t>2023/4/12</a:t>
             </a:fld>
             <a:endParaRPr lang="zh-CN" altLang="en-US"/>
           </a:p>
@@ -2944,7 +2946,7 @@
           <a:p>
             <a:fld id="{AD8B3968-3313-4141-86A3-A13F50CDB1A3}" type="datetimeFigureOut">
               <a:rPr lang="zh-CN" altLang="en-US" smtClean="0"/>
-              <a:t>2023/4/8</a:t>
+              <a:t>2023/4/12</a:t>
             </a:fld>
             <a:endParaRPr lang="zh-CN" altLang="en-US"/>
           </a:p>
@@ -17347,6 +17349,1964 @@
 </p:sld>
 </file>
 
+<file path=ppt/slides/slide37.xml><?xml version="1.0" encoding="utf-8"?>
+<p:sld xmlns:a="http://schemas.openxmlformats.org/drawingml/2006/main" xmlns:r="http://schemas.openxmlformats.org/officeDocument/2006/relationships" xmlns:p="http://schemas.openxmlformats.org/presentationml/2006/main">
+  <p:cSld>
+    <p:spTree>
+      <p:nvGrpSpPr>
+        <p:cNvPr id="1" name=""/>
+        <p:cNvGrpSpPr/>
+        <p:nvPr/>
+      </p:nvGrpSpPr>
+      <p:grpSpPr>
+        <a:xfrm>
+          <a:off x="0" y="0"/>
+          <a:ext cx="0" cy="0"/>
+          <a:chOff x="0" y="0"/>
+          <a:chExt cx="0" cy="0"/>
+        </a:xfrm>
+      </p:grpSpPr>
+      <p:cxnSp>
+        <p:nvCxnSpPr>
+          <p:cNvPr id="71" name="直接箭头连接符 70">
+            <a:extLst>
+              <a:ext uri="{FF2B5EF4-FFF2-40B4-BE49-F238E27FC236}">
+                <a16:creationId xmlns:a16="http://schemas.microsoft.com/office/drawing/2014/main" id="{B076C380-5A89-472B-B375-C27EA0F4084C}"/>
+              </a:ext>
+            </a:extLst>
+          </p:cNvPr>
+          <p:cNvCxnSpPr>
+            <a:cxnSpLocks/>
+          </p:cNvCxnSpPr>
+          <p:nvPr/>
+        </p:nvCxnSpPr>
+        <p:spPr>
+          <a:xfrm flipV="1">
+            <a:off x="1343025" y="3124199"/>
+            <a:ext cx="3188494" cy="19049"/>
+          </a:xfrm>
+          <a:prstGeom prst="straightConnector1">
+            <a:avLst/>
+          </a:prstGeom>
+          <a:ln w="38100">
+            <a:tailEnd type="triangle"/>
+          </a:ln>
+        </p:spPr>
+        <p:style>
+          <a:lnRef idx="1">
+            <a:schemeClr val="dk1"/>
+          </a:lnRef>
+          <a:fillRef idx="0">
+            <a:schemeClr val="dk1"/>
+          </a:fillRef>
+          <a:effectRef idx="0">
+            <a:schemeClr val="dk1"/>
+          </a:effectRef>
+          <a:fontRef idx="minor">
+            <a:schemeClr val="tx1"/>
+          </a:fontRef>
+        </p:style>
+      </p:cxnSp>
+      <p:cxnSp>
+        <p:nvCxnSpPr>
+          <p:cNvPr id="74" name="直接箭头连接符 73">
+            <a:extLst>
+              <a:ext uri="{FF2B5EF4-FFF2-40B4-BE49-F238E27FC236}">
+                <a16:creationId xmlns:a16="http://schemas.microsoft.com/office/drawing/2014/main" id="{FE09BDEE-B405-4948-895C-D48DB6888FB0}"/>
+              </a:ext>
+            </a:extLst>
+          </p:cNvPr>
+          <p:cNvCxnSpPr>
+            <a:cxnSpLocks/>
+          </p:cNvCxnSpPr>
+          <p:nvPr/>
+        </p:nvCxnSpPr>
+        <p:spPr>
+          <a:xfrm>
+            <a:off x="1343025" y="2185192"/>
+            <a:ext cx="3167063" cy="8734"/>
+          </a:xfrm>
+          <a:prstGeom prst="straightConnector1">
+            <a:avLst/>
+          </a:prstGeom>
+          <a:ln w="38100">
+            <a:tailEnd type="triangle"/>
+          </a:ln>
+        </p:spPr>
+        <p:style>
+          <a:lnRef idx="1">
+            <a:schemeClr val="dk1"/>
+          </a:lnRef>
+          <a:fillRef idx="0">
+            <a:schemeClr val="dk1"/>
+          </a:fillRef>
+          <a:effectRef idx="0">
+            <a:schemeClr val="dk1"/>
+          </a:effectRef>
+          <a:fontRef idx="minor">
+            <a:schemeClr val="tx1"/>
+          </a:fontRef>
+        </p:style>
+      </p:cxnSp>
+      <p:cxnSp>
+        <p:nvCxnSpPr>
+          <p:cNvPr id="76" name="直接箭头连接符 75">
+            <a:extLst>
+              <a:ext uri="{FF2B5EF4-FFF2-40B4-BE49-F238E27FC236}">
+                <a16:creationId xmlns:a16="http://schemas.microsoft.com/office/drawing/2014/main" id="{EC69F257-9C7D-4414-BD6F-3855D37A160E}"/>
+              </a:ext>
+            </a:extLst>
+          </p:cNvPr>
+          <p:cNvCxnSpPr/>
+          <p:nvPr/>
+        </p:nvCxnSpPr>
+        <p:spPr>
+          <a:xfrm>
+            <a:off x="1444625" y="2187575"/>
+            <a:ext cx="619125" cy="955675"/>
+          </a:xfrm>
+          <a:prstGeom prst="straightConnector1">
+            <a:avLst/>
+          </a:prstGeom>
+          <a:ln>
+            <a:tailEnd type="triangle"/>
+          </a:ln>
+        </p:spPr>
+        <p:style>
+          <a:lnRef idx="1">
+            <a:schemeClr val="accent1"/>
+          </a:lnRef>
+          <a:fillRef idx="0">
+            <a:schemeClr val="accent1"/>
+          </a:fillRef>
+          <a:effectRef idx="0">
+            <a:schemeClr val="accent1"/>
+          </a:effectRef>
+          <a:fontRef idx="minor">
+            <a:schemeClr val="tx1"/>
+          </a:fontRef>
+        </p:style>
+      </p:cxnSp>
+      <p:cxnSp>
+        <p:nvCxnSpPr>
+          <p:cNvPr id="77" name="直接箭头连接符 76">
+            <a:extLst>
+              <a:ext uri="{FF2B5EF4-FFF2-40B4-BE49-F238E27FC236}">
+                <a16:creationId xmlns:a16="http://schemas.microsoft.com/office/drawing/2014/main" id="{19A4DBCF-0932-4E35-8DB8-FAE32AC7EFEA}"/>
+              </a:ext>
+            </a:extLst>
+          </p:cNvPr>
+          <p:cNvCxnSpPr/>
+          <p:nvPr/>
+        </p:nvCxnSpPr>
+        <p:spPr>
+          <a:xfrm>
+            <a:off x="1855787" y="2187574"/>
+            <a:ext cx="619125" cy="955675"/>
+          </a:xfrm>
+          <a:prstGeom prst="straightConnector1">
+            <a:avLst/>
+          </a:prstGeom>
+          <a:ln>
+            <a:tailEnd type="triangle"/>
+          </a:ln>
+        </p:spPr>
+        <p:style>
+          <a:lnRef idx="1">
+            <a:schemeClr val="accent1"/>
+          </a:lnRef>
+          <a:fillRef idx="0">
+            <a:schemeClr val="accent1"/>
+          </a:fillRef>
+          <a:effectRef idx="0">
+            <a:schemeClr val="accent1"/>
+          </a:effectRef>
+          <a:fontRef idx="minor">
+            <a:schemeClr val="tx1"/>
+          </a:fontRef>
+        </p:style>
+      </p:cxnSp>
+      <p:cxnSp>
+        <p:nvCxnSpPr>
+          <p:cNvPr id="78" name="直接箭头连接符 77">
+            <a:extLst>
+              <a:ext uri="{FF2B5EF4-FFF2-40B4-BE49-F238E27FC236}">
+                <a16:creationId xmlns:a16="http://schemas.microsoft.com/office/drawing/2014/main" id="{B98F7FE2-CBAF-4809-B7B7-E7C45528C1ED}"/>
+              </a:ext>
+            </a:extLst>
+          </p:cNvPr>
+          <p:cNvCxnSpPr/>
+          <p:nvPr/>
+        </p:nvCxnSpPr>
+        <p:spPr>
+          <a:xfrm>
+            <a:off x="2368549" y="2187573"/>
+            <a:ext cx="619125" cy="955675"/>
+          </a:xfrm>
+          <a:prstGeom prst="straightConnector1">
+            <a:avLst/>
+          </a:prstGeom>
+          <a:ln>
+            <a:tailEnd type="triangle"/>
+          </a:ln>
+        </p:spPr>
+        <p:style>
+          <a:lnRef idx="1">
+            <a:schemeClr val="accent1"/>
+          </a:lnRef>
+          <a:fillRef idx="0">
+            <a:schemeClr val="accent1"/>
+          </a:fillRef>
+          <a:effectRef idx="0">
+            <a:schemeClr val="accent1"/>
+          </a:effectRef>
+          <a:fontRef idx="minor">
+            <a:schemeClr val="tx1"/>
+          </a:fontRef>
+        </p:style>
+      </p:cxnSp>
+      <p:cxnSp>
+        <p:nvCxnSpPr>
+          <p:cNvPr id="80" name="直接箭头连接符 79">
+            <a:extLst>
+              <a:ext uri="{FF2B5EF4-FFF2-40B4-BE49-F238E27FC236}">
+                <a16:creationId xmlns:a16="http://schemas.microsoft.com/office/drawing/2014/main" id="{865AD843-A3C9-4D30-9C30-16E7856A7AEC}"/>
+              </a:ext>
+            </a:extLst>
+          </p:cNvPr>
+          <p:cNvCxnSpPr/>
+          <p:nvPr/>
+        </p:nvCxnSpPr>
+        <p:spPr>
+          <a:xfrm flipV="1">
+            <a:off x="2576512" y="2168523"/>
+            <a:ext cx="592931" cy="955676"/>
+          </a:xfrm>
+          <a:prstGeom prst="straightConnector1">
+            <a:avLst/>
+          </a:prstGeom>
+          <a:ln>
+            <a:tailEnd type="triangle"/>
+          </a:ln>
+        </p:spPr>
+        <p:style>
+          <a:lnRef idx="1">
+            <a:schemeClr val="accent2"/>
+          </a:lnRef>
+          <a:fillRef idx="0">
+            <a:schemeClr val="accent2"/>
+          </a:fillRef>
+          <a:effectRef idx="0">
+            <a:schemeClr val="accent2"/>
+          </a:effectRef>
+          <a:fontRef idx="minor">
+            <a:schemeClr val="tx1"/>
+          </a:fontRef>
+        </p:style>
+      </p:cxnSp>
+      <p:cxnSp>
+        <p:nvCxnSpPr>
+          <p:cNvPr id="82" name="直接箭头连接符 81">
+            <a:extLst>
+              <a:ext uri="{FF2B5EF4-FFF2-40B4-BE49-F238E27FC236}">
+                <a16:creationId xmlns:a16="http://schemas.microsoft.com/office/drawing/2014/main" id="{952F42A5-D26E-4BDE-9841-FA3283BB3E83}"/>
+              </a:ext>
+            </a:extLst>
+          </p:cNvPr>
+          <p:cNvCxnSpPr/>
+          <p:nvPr/>
+        </p:nvCxnSpPr>
+        <p:spPr>
+          <a:xfrm>
+            <a:off x="2786062" y="2193926"/>
+            <a:ext cx="619125" cy="955675"/>
+          </a:xfrm>
+          <a:prstGeom prst="straightConnector1">
+            <a:avLst/>
+          </a:prstGeom>
+          <a:ln>
+            <a:tailEnd type="triangle"/>
+          </a:ln>
+        </p:spPr>
+        <p:style>
+          <a:lnRef idx="1">
+            <a:schemeClr val="accent1"/>
+          </a:lnRef>
+          <a:fillRef idx="0">
+            <a:schemeClr val="accent1"/>
+          </a:fillRef>
+          <a:effectRef idx="0">
+            <a:schemeClr val="accent1"/>
+          </a:effectRef>
+          <a:fontRef idx="minor">
+            <a:schemeClr val="tx1"/>
+          </a:fontRef>
+        </p:style>
+      </p:cxnSp>
+      <p:cxnSp>
+        <p:nvCxnSpPr>
+          <p:cNvPr id="83" name="直接箭头连接符 82">
+            <a:extLst>
+              <a:ext uri="{FF2B5EF4-FFF2-40B4-BE49-F238E27FC236}">
+                <a16:creationId xmlns:a16="http://schemas.microsoft.com/office/drawing/2014/main" id="{2E6F2704-0568-4DD8-84CC-15168C27C1B3}"/>
+              </a:ext>
+            </a:extLst>
+          </p:cNvPr>
+          <p:cNvCxnSpPr/>
+          <p:nvPr/>
+        </p:nvCxnSpPr>
+        <p:spPr>
+          <a:xfrm>
+            <a:off x="3306366" y="2209800"/>
+            <a:ext cx="619125" cy="955675"/>
+          </a:xfrm>
+          <a:prstGeom prst="straightConnector1">
+            <a:avLst/>
+          </a:prstGeom>
+          <a:ln>
+            <a:tailEnd type="triangle"/>
+          </a:ln>
+        </p:spPr>
+        <p:style>
+          <a:lnRef idx="1">
+            <a:schemeClr val="accent1"/>
+          </a:lnRef>
+          <a:fillRef idx="0">
+            <a:schemeClr val="accent1"/>
+          </a:fillRef>
+          <a:effectRef idx="0">
+            <a:schemeClr val="accent1"/>
+          </a:effectRef>
+          <a:fontRef idx="minor">
+            <a:schemeClr val="tx1"/>
+          </a:fontRef>
+        </p:style>
+      </p:cxnSp>
+      <p:sp>
+        <p:nvSpPr>
+          <p:cNvPr id="86" name="文本框 85">
+            <a:extLst>
+              <a:ext uri="{FF2B5EF4-FFF2-40B4-BE49-F238E27FC236}">
+                <a16:creationId xmlns:a16="http://schemas.microsoft.com/office/drawing/2014/main" id="{E3C14CEA-A650-445A-9BE4-A25C00EF5311}"/>
+              </a:ext>
+            </a:extLst>
+          </p:cNvPr>
+          <p:cNvSpPr txBox="1"/>
+          <p:nvPr/>
+        </p:nvSpPr>
+        <p:spPr>
+          <a:xfrm>
+            <a:off x="812205" y="2032160"/>
+            <a:ext cx="686989" cy="261610"/>
+          </a:xfrm>
+          <a:prstGeom prst="rect">
+            <a:avLst/>
+          </a:prstGeom>
+          <a:noFill/>
+        </p:spPr>
+        <p:txBody>
+          <a:bodyPr wrap="square" rtlCol="0">
+            <a:spAutoFit/>
+          </a:bodyPr>
+          <a:lstStyle/>
+          <a:p>
+            <a:r>
+              <a:rPr lang="en-US" altLang="zh-CN" sz="1100" dirty="0"/>
+              <a:t>sender</a:t>
+            </a:r>
+            <a:endParaRPr lang="zh-CN" altLang="en-US" sz="1100" dirty="0"/>
+          </a:p>
+        </p:txBody>
+      </p:sp>
+      <p:sp>
+        <p:nvSpPr>
+          <p:cNvPr id="87" name="文本框 86">
+            <a:extLst>
+              <a:ext uri="{FF2B5EF4-FFF2-40B4-BE49-F238E27FC236}">
+                <a16:creationId xmlns:a16="http://schemas.microsoft.com/office/drawing/2014/main" id="{EAFDB505-C6F9-4702-9D74-EEA583E2F6E2}"/>
+              </a:ext>
+            </a:extLst>
+          </p:cNvPr>
+          <p:cNvSpPr txBox="1"/>
+          <p:nvPr/>
+        </p:nvSpPr>
+        <p:spPr>
+          <a:xfrm>
+            <a:off x="824510" y="2993394"/>
+            <a:ext cx="686989" cy="261610"/>
+          </a:xfrm>
+          <a:prstGeom prst="rect">
+            <a:avLst/>
+          </a:prstGeom>
+          <a:noFill/>
+        </p:spPr>
+        <p:txBody>
+          <a:bodyPr wrap="square" rtlCol="0">
+            <a:spAutoFit/>
+          </a:bodyPr>
+          <a:lstStyle/>
+          <a:p>
+            <a:r>
+              <a:rPr lang="en-US" altLang="zh-CN" sz="1100" dirty="0" err="1"/>
+              <a:t>recver</a:t>
+            </a:r>
+            <a:endParaRPr lang="zh-CN" altLang="en-US" sz="1100" dirty="0"/>
+          </a:p>
+        </p:txBody>
+      </p:sp>
+      <p:sp>
+        <p:nvSpPr>
+          <p:cNvPr id="89" name="文本框 88">
+            <a:extLst>
+              <a:ext uri="{FF2B5EF4-FFF2-40B4-BE49-F238E27FC236}">
+                <a16:creationId xmlns:a16="http://schemas.microsoft.com/office/drawing/2014/main" id="{27E79670-116C-443F-B032-B417CF972C02}"/>
+              </a:ext>
+            </a:extLst>
+          </p:cNvPr>
+          <p:cNvSpPr txBox="1"/>
+          <p:nvPr/>
+        </p:nvSpPr>
+        <p:spPr>
+          <a:xfrm>
+            <a:off x="1323829" y="1974219"/>
+            <a:ext cx="557309" cy="215444"/>
+          </a:xfrm>
+          <a:prstGeom prst="rect">
+            <a:avLst/>
+          </a:prstGeom>
+          <a:noFill/>
+        </p:spPr>
+        <p:txBody>
+          <a:bodyPr wrap="square" rtlCol="0">
+            <a:spAutoFit/>
+          </a:bodyPr>
+          <a:lstStyle/>
+          <a:p>
+            <a:r>
+              <a:rPr lang="en-US" altLang="zh-CN" sz="800" dirty="0"/>
+              <a:t>T0</a:t>
+            </a:r>
+            <a:endParaRPr lang="zh-CN" altLang="en-US" sz="800" dirty="0"/>
+          </a:p>
+        </p:txBody>
+      </p:sp>
+      <p:sp>
+        <p:nvSpPr>
+          <p:cNvPr id="90" name="文本框 89">
+            <a:extLst>
+              <a:ext uri="{FF2B5EF4-FFF2-40B4-BE49-F238E27FC236}">
+                <a16:creationId xmlns:a16="http://schemas.microsoft.com/office/drawing/2014/main" id="{B161CA80-1820-4150-B17C-DE5E223D5EB1}"/>
+              </a:ext>
+            </a:extLst>
+          </p:cNvPr>
+          <p:cNvSpPr txBox="1"/>
+          <p:nvPr/>
+        </p:nvSpPr>
+        <p:spPr>
+          <a:xfrm>
+            <a:off x="2992388" y="1984669"/>
+            <a:ext cx="557309" cy="215444"/>
+          </a:xfrm>
+          <a:prstGeom prst="rect">
+            <a:avLst/>
+          </a:prstGeom>
+          <a:noFill/>
+        </p:spPr>
+        <p:txBody>
+          <a:bodyPr wrap="square" rtlCol="0">
+            <a:spAutoFit/>
+          </a:bodyPr>
+          <a:lstStyle/>
+          <a:p>
+            <a:r>
+              <a:rPr lang="en-US" altLang="zh-CN" sz="800" dirty="0"/>
+              <a:t>T3</a:t>
+            </a:r>
+            <a:endParaRPr lang="zh-CN" altLang="en-US" sz="800" dirty="0"/>
+          </a:p>
+        </p:txBody>
+      </p:sp>
+      <p:sp>
+        <p:nvSpPr>
+          <p:cNvPr id="91" name="文本框 90">
+            <a:extLst>
+              <a:ext uri="{FF2B5EF4-FFF2-40B4-BE49-F238E27FC236}">
+                <a16:creationId xmlns:a16="http://schemas.microsoft.com/office/drawing/2014/main" id="{1D7BFDB2-32A3-4EC7-A592-E632182B884A}"/>
+              </a:ext>
+            </a:extLst>
+          </p:cNvPr>
+          <p:cNvSpPr txBox="1"/>
+          <p:nvPr/>
+        </p:nvSpPr>
+        <p:spPr>
+          <a:xfrm>
+            <a:off x="2441005" y="3116235"/>
+            <a:ext cx="557309" cy="215444"/>
+          </a:xfrm>
+          <a:prstGeom prst="rect">
+            <a:avLst/>
+          </a:prstGeom>
+          <a:noFill/>
+        </p:spPr>
+        <p:txBody>
+          <a:bodyPr wrap="square" rtlCol="0">
+            <a:spAutoFit/>
+          </a:bodyPr>
+          <a:lstStyle/>
+          <a:p>
+            <a:r>
+              <a:rPr lang="en-US" altLang="zh-CN" sz="800" dirty="0"/>
+              <a:t>T2</a:t>
+            </a:r>
+            <a:endParaRPr lang="zh-CN" altLang="en-US" sz="800" dirty="0"/>
+          </a:p>
+        </p:txBody>
+      </p:sp>
+      <p:sp>
+        <p:nvSpPr>
+          <p:cNvPr id="92" name="文本框 91">
+            <a:extLst>
+              <a:ext uri="{FF2B5EF4-FFF2-40B4-BE49-F238E27FC236}">
+                <a16:creationId xmlns:a16="http://schemas.microsoft.com/office/drawing/2014/main" id="{70AB3B8B-B512-495B-9102-A6EB4E8C9FD6}"/>
+              </a:ext>
+            </a:extLst>
+          </p:cNvPr>
+          <p:cNvSpPr txBox="1"/>
+          <p:nvPr/>
+        </p:nvSpPr>
+        <p:spPr>
+          <a:xfrm>
+            <a:off x="1901379" y="3111130"/>
+            <a:ext cx="557309" cy="215444"/>
+          </a:xfrm>
+          <a:prstGeom prst="rect">
+            <a:avLst/>
+          </a:prstGeom>
+          <a:noFill/>
+        </p:spPr>
+        <p:txBody>
+          <a:bodyPr wrap="square" rtlCol="0">
+            <a:spAutoFit/>
+          </a:bodyPr>
+          <a:lstStyle/>
+          <a:p>
+            <a:r>
+              <a:rPr lang="en-US" altLang="zh-CN" sz="800" dirty="0"/>
+              <a:t>T1</a:t>
+            </a:r>
+            <a:endParaRPr lang="zh-CN" altLang="en-US" sz="800" dirty="0"/>
+          </a:p>
+        </p:txBody>
+      </p:sp>
+      <p:sp>
+        <p:nvSpPr>
+          <p:cNvPr id="93" name="文本框 92">
+            <a:extLst>
+              <a:ext uri="{FF2B5EF4-FFF2-40B4-BE49-F238E27FC236}">
+                <a16:creationId xmlns:a16="http://schemas.microsoft.com/office/drawing/2014/main" id="{3C4094BF-B5D6-4D5C-9FFC-A5B7AE7C2F12}"/>
+              </a:ext>
+            </a:extLst>
+          </p:cNvPr>
+          <p:cNvSpPr txBox="1"/>
+          <p:nvPr/>
+        </p:nvSpPr>
+        <p:spPr>
+          <a:xfrm>
+            <a:off x="1307702" y="2219220"/>
+            <a:ext cx="562867" cy="215444"/>
+          </a:xfrm>
+          <a:prstGeom prst="rect">
+            <a:avLst/>
+          </a:prstGeom>
+          <a:noFill/>
+        </p:spPr>
+        <p:txBody>
+          <a:bodyPr wrap="square" rtlCol="0">
+            <a:spAutoFit/>
+          </a:bodyPr>
+          <a:lstStyle/>
+          <a:p>
+            <a:r>
+              <a:rPr lang="en-US" altLang="zh-CN" sz="800" dirty="0"/>
+              <a:t>D1</a:t>
+            </a:r>
+            <a:endParaRPr lang="zh-CN" altLang="en-US" sz="800" dirty="0"/>
+          </a:p>
+        </p:txBody>
+      </p:sp>
+      <p:sp>
+        <p:nvSpPr>
+          <p:cNvPr id="94" name="文本框 93">
+            <a:extLst>
+              <a:ext uri="{FF2B5EF4-FFF2-40B4-BE49-F238E27FC236}">
+                <a16:creationId xmlns:a16="http://schemas.microsoft.com/office/drawing/2014/main" id="{30C02ED3-8F04-4043-970B-EBD27D604325}"/>
+              </a:ext>
+            </a:extLst>
+          </p:cNvPr>
+          <p:cNvSpPr txBox="1"/>
+          <p:nvPr/>
+        </p:nvSpPr>
+        <p:spPr>
+          <a:xfrm>
+            <a:off x="1699073" y="2218420"/>
+            <a:ext cx="562867" cy="215444"/>
+          </a:xfrm>
+          <a:prstGeom prst="rect">
+            <a:avLst/>
+          </a:prstGeom>
+          <a:noFill/>
+        </p:spPr>
+        <p:txBody>
+          <a:bodyPr wrap="square" rtlCol="0">
+            <a:spAutoFit/>
+          </a:bodyPr>
+          <a:lstStyle/>
+          <a:p>
+            <a:r>
+              <a:rPr lang="en-US" altLang="zh-CN" sz="800" dirty="0"/>
+              <a:t>D2</a:t>
+            </a:r>
+            <a:endParaRPr lang="zh-CN" altLang="en-US" sz="800" dirty="0"/>
+          </a:p>
+        </p:txBody>
+      </p:sp>
+      <p:sp>
+        <p:nvSpPr>
+          <p:cNvPr id="95" name="文本框 94">
+            <a:extLst>
+              <a:ext uri="{FF2B5EF4-FFF2-40B4-BE49-F238E27FC236}">
+                <a16:creationId xmlns:a16="http://schemas.microsoft.com/office/drawing/2014/main" id="{7AD9F5F9-835E-42F0-A9CA-EF44404E392F}"/>
+              </a:ext>
+            </a:extLst>
+          </p:cNvPr>
+          <p:cNvSpPr txBox="1"/>
+          <p:nvPr/>
+        </p:nvSpPr>
+        <p:spPr>
+          <a:xfrm>
+            <a:off x="2199582" y="2219220"/>
+            <a:ext cx="562867" cy="215444"/>
+          </a:xfrm>
+          <a:prstGeom prst="rect">
+            <a:avLst/>
+          </a:prstGeom>
+          <a:noFill/>
+        </p:spPr>
+        <p:txBody>
+          <a:bodyPr wrap="square" rtlCol="0">
+            <a:spAutoFit/>
+          </a:bodyPr>
+          <a:lstStyle/>
+          <a:p>
+            <a:r>
+              <a:rPr lang="en-US" altLang="zh-CN" sz="800" dirty="0"/>
+              <a:t>D3</a:t>
+            </a:r>
+            <a:endParaRPr lang="zh-CN" altLang="en-US" sz="800" dirty="0"/>
+          </a:p>
+        </p:txBody>
+      </p:sp>
+      <p:sp>
+        <p:nvSpPr>
+          <p:cNvPr id="96" name="文本框 95">
+            <a:extLst>
+              <a:ext uri="{FF2B5EF4-FFF2-40B4-BE49-F238E27FC236}">
+                <a16:creationId xmlns:a16="http://schemas.microsoft.com/office/drawing/2014/main" id="{CF04C487-577D-4967-8502-E5B89C151263}"/>
+              </a:ext>
+            </a:extLst>
+          </p:cNvPr>
+          <p:cNvSpPr txBox="1"/>
+          <p:nvPr/>
+        </p:nvSpPr>
+        <p:spPr>
+          <a:xfrm>
+            <a:off x="2645122" y="2225407"/>
+            <a:ext cx="562867" cy="215444"/>
+          </a:xfrm>
+          <a:prstGeom prst="rect">
+            <a:avLst/>
+          </a:prstGeom>
+          <a:noFill/>
+        </p:spPr>
+        <p:txBody>
+          <a:bodyPr wrap="square" rtlCol="0">
+            <a:spAutoFit/>
+          </a:bodyPr>
+          <a:lstStyle/>
+          <a:p>
+            <a:r>
+              <a:rPr lang="en-US" altLang="zh-CN" sz="800" dirty="0"/>
+              <a:t>D4</a:t>
+            </a:r>
+            <a:endParaRPr lang="zh-CN" altLang="en-US" sz="800" dirty="0"/>
+          </a:p>
+        </p:txBody>
+      </p:sp>
+      <p:sp>
+        <p:nvSpPr>
+          <p:cNvPr id="97" name="文本框 96">
+            <a:extLst>
+              <a:ext uri="{FF2B5EF4-FFF2-40B4-BE49-F238E27FC236}">
+                <a16:creationId xmlns:a16="http://schemas.microsoft.com/office/drawing/2014/main" id="{3A2A1974-1163-476E-A522-9C043EDE0BDB}"/>
+              </a:ext>
+            </a:extLst>
+          </p:cNvPr>
+          <p:cNvSpPr txBox="1"/>
+          <p:nvPr/>
+        </p:nvSpPr>
+        <p:spPr>
+          <a:xfrm>
+            <a:off x="3148162" y="2217009"/>
+            <a:ext cx="562867" cy="215444"/>
+          </a:xfrm>
+          <a:prstGeom prst="rect">
+            <a:avLst/>
+          </a:prstGeom>
+          <a:noFill/>
+        </p:spPr>
+        <p:txBody>
+          <a:bodyPr wrap="square" rtlCol="0">
+            <a:spAutoFit/>
+          </a:bodyPr>
+          <a:lstStyle/>
+          <a:p>
+            <a:r>
+              <a:rPr lang="en-US" altLang="zh-CN" sz="800" dirty="0"/>
+              <a:t>D5</a:t>
+            </a:r>
+            <a:endParaRPr lang="zh-CN" altLang="en-US" sz="800" dirty="0"/>
+          </a:p>
+        </p:txBody>
+      </p:sp>
+      <p:sp>
+        <p:nvSpPr>
+          <p:cNvPr id="98" name="文本框 97">
+            <a:extLst>
+              <a:ext uri="{FF2B5EF4-FFF2-40B4-BE49-F238E27FC236}">
+                <a16:creationId xmlns:a16="http://schemas.microsoft.com/office/drawing/2014/main" id="{8D4EA4AC-421A-4C8F-8E58-CD30458AE916}"/>
+              </a:ext>
+            </a:extLst>
+          </p:cNvPr>
+          <p:cNvSpPr txBox="1"/>
+          <p:nvPr/>
+        </p:nvSpPr>
+        <p:spPr>
+          <a:xfrm>
+            <a:off x="2585295" y="2900203"/>
+            <a:ext cx="562867" cy="215444"/>
+          </a:xfrm>
+          <a:prstGeom prst="rect">
+            <a:avLst/>
+          </a:prstGeom>
+          <a:noFill/>
+        </p:spPr>
+        <p:txBody>
+          <a:bodyPr wrap="square" rtlCol="0">
+            <a:spAutoFit/>
+          </a:bodyPr>
+          <a:lstStyle/>
+          <a:p>
+            <a:r>
+              <a:rPr lang="en-US" altLang="zh-CN" sz="800" dirty="0"/>
+              <a:t>ACK1</a:t>
+            </a:r>
+            <a:endParaRPr lang="zh-CN" altLang="en-US" sz="800" dirty="0"/>
+          </a:p>
+        </p:txBody>
+      </p:sp>
+      <p:sp>
+        <p:nvSpPr>
+          <p:cNvPr id="101" name="左大括号 100">
+            <a:extLst>
+              <a:ext uri="{FF2B5EF4-FFF2-40B4-BE49-F238E27FC236}">
+                <a16:creationId xmlns:a16="http://schemas.microsoft.com/office/drawing/2014/main" id="{7A50E943-0727-495C-9521-BEFD15016CB3}"/>
+              </a:ext>
+            </a:extLst>
+          </p:cNvPr>
+          <p:cNvSpPr/>
+          <p:nvPr/>
+        </p:nvSpPr>
+        <p:spPr>
+          <a:xfrm rot="5400000">
+            <a:off x="2137571" y="970782"/>
+            <a:ext cx="339373" cy="1707953"/>
+          </a:xfrm>
+          <a:prstGeom prst="leftBrace">
+            <a:avLst>
+              <a:gd name="adj1" fmla="val 29488"/>
+              <a:gd name="adj2" fmla="val 51442"/>
+            </a:avLst>
+          </a:prstGeom>
+        </p:spPr>
+        <p:style>
+          <a:lnRef idx="1">
+            <a:schemeClr val="accent1"/>
+          </a:lnRef>
+          <a:fillRef idx="0">
+            <a:schemeClr val="accent1"/>
+          </a:fillRef>
+          <a:effectRef idx="0">
+            <a:schemeClr val="accent1"/>
+          </a:effectRef>
+          <a:fontRef idx="minor">
+            <a:schemeClr val="tx1"/>
+          </a:fontRef>
+        </p:style>
+        <p:txBody>
+          <a:bodyPr rtlCol="0" anchor="ctr"/>
+          <a:lstStyle/>
+          <a:p>
+            <a:pPr algn="ctr"/>
+            <a:endParaRPr lang="zh-CN" altLang="en-US"/>
+          </a:p>
+        </p:txBody>
+      </p:sp>
+      <p:sp>
+        <p:nvSpPr>
+          <p:cNvPr id="102" name="文本框 101">
+            <a:extLst>
+              <a:ext uri="{FF2B5EF4-FFF2-40B4-BE49-F238E27FC236}">
+                <a16:creationId xmlns:a16="http://schemas.microsoft.com/office/drawing/2014/main" id="{199B261E-F654-4499-B676-E416D092E5A1}"/>
+              </a:ext>
+            </a:extLst>
+          </p:cNvPr>
+          <p:cNvSpPr txBox="1"/>
+          <p:nvPr/>
+        </p:nvSpPr>
+        <p:spPr>
+          <a:xfrm>
+            <a:off x="1767110" y="1440938"/>
+            <a:ext cx="1080294" cy="215444"/>
+          </a:xfrm>
+          <a:prstGeom prst="rect">
+            <a:avLst/>
+          </a:prstGeom>
+          <a:noFill/>
+        </p:spPr>
+        <p:txBody>
+          <a:bodyPr wrap="square" rtlCol="0">
+            <a:spAutoFit/>
+          </a:bodyPr>
+          <a:lstStyle/>
+          <a:p>
+            <a:r>
+              <a:rPr lang="en-US" altLang="zh-CN" sz="800" dirty="0"/>
+              <a:t>D1</a:t>
+            </a:r>
+            <a:r>
+              <a:rPr lang="zh-CN" altLang="en-US" sz="800" dirty="0"/>
+              <a:t>完成时间</a:t>
+            </a:r>
+            <a:r>
+              <a:rPr lang="en-US" altLang="zh-CN" sz="800" dirty="0"/>
+              <a:t>(T3-T0)</a:t>
+            </a:r>
+            <a:endParaRPr lang="zh-CN" altLang="en-US" sz="800" dirty="0"/>
+          </a:p>
+        </p:txBody>
+      </p:sp>
+    </p:spTree>
+    <p:extLst>
+      <p:ext uri="{BB962C8B-B14F-4D97-AF65-F5344CB8AC3E}">
+        <p14:creationId xmlns:p14="http://schemas.microsoft.com/office/powerpoint/2010/main" val="1243401480"/>
+      </p:ext>
+    </p:extLst>
+  </p:cSld>
+  <p:clrMapOvr>
+    <a:masterClrMapping/>
+  </p:clrMapOvr>
+</p:sld>
+</file>
+
+<file path=ppt/slides/slide38.xml><?xml version="1.0" encoding="utf-8"?>
+<p:sld xmlns:a="http://schemas.openxmlformats.org/drawingml/2006/main" xmlns:r="http://schemas.openxmlformats.org/officeDocument/2006/relationships" xmlns:p="http://schemas.openxmlformats.org/presentationml/2006/main">
+  <p:cSld>
+    <p:spTree>
+      <p:nvGrpSpPr>
+        <p:cNvPr id="1" name=""/>
+        <p:cNvGrpSpPr/>
+        <p:nvPr/>
+      </p:nvGrpSpPr>
+      <p:grpSpPr>
+        <a:xfrm>
+          <a:off x="0" y="0"/>
+          <a:ext cx="0" cy="0"/>
+          <a:chOff x="0" y="0"/>
+          <a:chExt cx="0" cy="0"/>
+        </a:xfrm>
+      </p:grpSpPr>
+      <p:sp>
+        <p:nvSpPr>
+          <p:cNvPr id="2" name="矩形: 圆角 1">
+            <a:extLst>
+              <a:ext uri="{FF2B5EF4-FFF2-40B4-BE49-F238E27FC236}">
+                <a16:creationId xmlns:a16="http://schemas.microsoft.com/office/drawing/2014/main" id="{730F732E-1FB6-44EA-A598-9EEC7B0D6FDF}"/>
+              </a:ext>
+            </a:extLst>
+          </p:cNvPr>
+          <p:cNvSpPr/>
+          <p:nvPr/>
+        </p:nvSpPr>
+        <p:spPr>
+          <a:xfrm>
+            <a:off x="1063022" y="1460423"/>
+            <a:ext cx="6698456" cy="838203"/>
+          </a:xfrm>
+          <a:prstGeom prst="roundRect">
+            <a:avLst/>
+          </a:prstGeom>
+        </p:spPr>
+        <p:style>
+          <a:lnRef idx="2">
+            <a:schemeClr val="accent5">
+              <a:shade val="50000"/>
+            </a:schemeClr>
+          </a:lnRef>
+          <a:fillRef idx="1">
+            <a:schemeClr val="accent5"/>
+          </a:fillRef>
+          <a:effectRef idx="0">
+            <a:schemeClr val="accent5"/>
+          </a:effectRef>
+          <a:fontRef idx="minor">
+            <a:schemeClr val="lt1"/>
+          </a:fontRef>
+        </p:style>
+        <p:txBody>
+          <a:bodyPr rtlCol="0" anchor="ctr"/>
+          <a:lstStyle/>
+          <a:p>
+            <a:pPr algn="ctr"/>
+            <a:r>
+              <a:rPr lang="zh-CN" altLang="en-US" sz="2800" dirty="0"/>
+              <a:t>基于神经网络的数据中心拥塞控制算法</a:t>
+            </a:r>
+          </a:p>
+        </p:txBody>
+      </p:sp>
+      <p:sp>
+        <p:nvSpPr>
+          <p:cNvPr id="3" name="矩形 2">
+            <a:extLst>
+              <a:ext uri="{FF2B5EF4-FFF2-40B4-BE49-F238E27FC236}">
+                <a16:creationId xmlns:a16="http://schemas.microsoft.com/office/drawing/2014/main" id="{FB09D2B2-85CF-4F6F-95C6-D4F8490F753F}"/>
+              </a:ext>
+            </a:extLst>
+          </p:cNvPr>
+          <p:cNvSpPr/>
+          <p:nvPr/>
+        </p:nvSpPr>
+        <p:spPr>
+          <a:xfrm>
+            <a:off x="41671" y="2464590"/>
+            <a:ext cx="2388823" cy="1928209"/>
+          </a:xfrm>
+          <a:prstGeom prst="rect">
+            <a:avLst/>
+          </a:prstGeom>
+        </p:spPr>
+        <p:style>
+          <a:lnRef idx="2">
+            <a:schemeClr val="accent6">
+              <a:shade val="50000"/>
+            </a:schemeClr>
+          </a:lnRef>
+          <a:fillRef idx="1">
+            <a:schemeClr val="accent6"/>
+          </a:fillRef>
+          <a:effectRef idx="0">
+            <a:schemeClr val="accent6"/>
+          </a:effectRef>
+          <a:fontRef idx="minor">
+            <a:schemeClr val="lt1"/>
+          </a:fontRef>
+        </p:style>
+        <p:txBody>
+          <a:bodyPr numCol="3" rtlCol="0" anchor="ctr"/>
+          <a:lstStyle/>
+          <a:p>
+            <a:r>
+              <a:rPr lang="zh-CN" altLang="en-US" dirty="0"/>
+              <a:t>网络信息采集模块</a:t>
+            </a:r>
+          </a:p>
+        </p:txBody>
+      </p:sp>
+      <p:sp>
+        <p:nvSpPr>
+          <p:cNvPr id="4" name="椭圆 3">
+            <a:extLst>
+              <a:ext uri="{FF2B5EF4-FFF2-40B4-BE49-F238E27FC236}">
+                <a16:creationId xmlns:a16="http://schemas.microsoft.com/office/drawing/2014/main" id="{9A3441A9-5857-4261-836A-490F9F095C8F}"/>
+              </a:ext>
+            </a:extLst>
+          </p:cNvPr>
+          <p:cNvSpPr/>
+          <p:nvPr/>
+        </p:nvSpPr>
+        <p:spPr>
+          <a:xfrm>
+            <a:off x="1104898" y="2539602"/>
+            <a:ext cx="1083469" cy="838203"/>
+          </a:xfrm>
+          <a:prstGeom prst="ellipse">
+            <a:avLst/>
+          </a:prstGeom>
+        </p:spPr>
+        <p:style>
+          <a:lnRef idx="1">
+            <a:schemeClr val="accent1"/>
+          </a:lnRef>
+          <a:fillRef idx="2">
+            <a:schemeClr val="accent1"/>
+          </a:fillRef>
+          <a:effectRef idx="1">
+            <a:schemeClr val="accent1"/>
+          </a:effectRef>
+          <a:fontRef idx="minor">
+            <a:schemeClr val="dk1"/>
+          </a:fontRef>
+        </p:style>
+        <p:txBody>
+          <a:bodyPr rtlCol="0" anchor="ctr"/>
+          <a:lstStyle/>
+          <a:p>
+            <a:pPr algn="ctr"/>
+            <a:r>
+              <a:rPr lang="en-US" altLang="zh-CN" sz="1400" dirty="0"/>
+              <a:t>RTT</a:t>
+            </a:r>
+            <a:r>
+              <a:rPr lang="zh-CN" altLang="en-US" sz="1400" dirty="0"/>
+              <a:t>采集策略</a:t>
+            </a:r>
+          </a:p>
+        </p:txBody>
+      </p:sp>
+      <p:sp>
+        <p:nvSpPr>
+          <p:cNvPr id="5" name="椭圆 4">
+            <a:extLst>
+              <a:ext uri="{FF2B5EF4-FFF2-40B4-BE49-F238E27FC236}">
+                <a16:creationId xmlns:a16="http://schemas.microsoft.com/office/drawing/2014/main" id="{F85AC43F-41F0-4B70-9829-5569DA9E67FD}"/>
+              </a:ext>
+            </a:extLst>
+          </p:cNvPr>
+          <p:cNvSpPr/>
+          <p:nvPr/>
+        </p:nvSpPr>
+        <p:spPr>
+          <a:xfrm>
+            <a:off x="1104899" y="3318276"/>
+            <a:ext cx="1083468" cy="802479"/>
+          </a:xfrm>
+          <a:prstGeom prst="ellipse">
+            <a:avLst/>
+          </a:prstGeom>
+        </p:spPr>
+        <p:style>
+          <a:lnRef idx="1">
+            <a:schemeClr val="accent1"/>
+          </a:lnRef>
+          <a:fillRef idx="2">
+            <a:schemeClr val="accent1"/>
+          </a:fillRef>
+          <a:effectRef idx="1">
+            <a:schemeClr val="accent1"/>
+          </a:effectRef>
+          <a:fontRef idx="minor">
+            <a:schemeClr val="dk1"/>
+          </a:fontRef>
+        </p:style>
+        <p:txBody>
+          <a:bodyPr rtlCol="0" anchor="ctr"/>
+          <a:lstStyle/>
+          <a:p>
+            <a:pPr algn="ctr"/>
+            <a:r>
+              <a:rPr lang="en-US" altLang="zh-CN" sz="1400" dirty="0"/>
+              <a:t>RTT</a:t>
+            </a:r>
+            <a:r>
+              <a:rPr lang="zh-CN" altLang="en-US" sz="1400" dirty="0"/>
+              <a:t>计算方法</a:t>
+            </a:r>
+          </a:p>
+        </p:txBody>
+      </p:sp>
+      <p:sp>
+        <p:nvSpPr>
+          <p:cNvPr id="6" name="矩形 5">
+            <a:extLst>
+              <a:ext uri="{FF2B5EF4-FFF2-40B4-BE49-F238E27FC236}">
+                <a16:creationId xmlns:a16="http://schemas.microsoft.com/office/drawing/2014/main" id="{9BBE6C08-BE19-40C4-8DA5-4F63B3362A8C}"/>
+              </a:ext>
+            </a:extLst>
+          </p:cNvPr>
+          <p:cNvSpPr/>
+          <p:nvPr/>
+        </p:nvSpPr>
+        <p:spPr>
+          <a:xfrm>
+            <a:off x="41671" y="4510084"/>
+            <a:ext cx="2388823" cy="2247904"/>
+          </a:xfrm>
+          <a:prstGeom prst="rect">
+            <a:avLst/>
+          </a:prstGeom>
+          <a:solidFill>
+            <a:schemeClr val="accent1">
+              <a:lumMod val="75000"/>
+            </a:schemeClr>
+          </a:solidFill>
+        </p:spPr>
+        <p:style>
+          <a:lnRef idx="2">
+            <a:schemeClr val="accent6">
+              <a:shade val="50000"/>
+            </a:schemeClr>
+          </a:lnRef>
+          <a:fillRef idx="1">
+            <a:schemeClr val="accent6"/>
+          </a:fillRef>
+          <a:effectRef idx="0">
+            <a:schemeClr val="accent6"/>
+          </a:effectRef>
+          <a:fontRef idx="minor">
+            <a:schemeClr val="lt1"/>
+          </a:fontRef>
+        </p:style>
+        <p:txBody>
+          <a:bodyPr numCol="3" rtlCol="0" anchor="ctr"/>
+          <a:lstStyle/>
+          <a:p>
+            <a:r>
+              <a:rPr lang="zh-CN" altLang="en-US" dirty="0"/>
+              <a:t>数据预处理模块</a:t>
+            </a:r>
+          </a:p>
+        </p:txBody>
+      </p:sp>
+      <p:sp>
+        <p:nvSpPr>
+          <p:cNvPr id="7" name="椭圆 6">
+            <a:extLst>
+              <a:ext uri="{FF2B5EF4-FFF2-40B4-BE49-F238E27FC236}">
+                <a16:creationId xmlns:a16="http://schemas.microsoft.com/office/drawing/2014/main" id="{529A2F75-2634-4AB9-A208-8FF51EFC3112}"/>
+              </a:ext>
+            </a:extLst>
+          </p:cNvPr>
+          <p:cNvSpPr/>
+          <p:nvPr/>
+        </p:nvSpPr>
+        <p:spPr>
+          <a:xfrm>
+            <a:off x="1232296" y="4564856"/>
+            <a:ext cx="1017985" cy="643535"/>
+          </a:xfrm>
+          <a:prstGeom prst="ellipse">
+            <a:avLst/>
+          </a:prstGeom>
+          <a:solidFill>
+            <a:schemeClr val="accent1">
+              <a:lumMod val="40000"/>
+              <a:lumOff val="60000"/>
+            </a:schemeClr>
+          </a:solidFill>
+        </p:spPr>
+        <p:style>
+          <a:lnRef idx="1">
+            <a:schemeClr val="accent1"/>
+          </a:lnRef>
+          <a:fillRef idx="2">
+            <a:schemeClr val="accent1"/>
+          </a:fillRef>
+          <a:effectRef idx="1">
+            <a:schemeClr val="accent1"/>
+          </a:effectRef>
+          <a:fontRef idx="minor">
+            <a:schemeClr val="dk1"/>
+          </a:fontRef>
+        </p:style>
+        <p:txBody>
+          <a:bodyPr rtlCol="0" anchor="ctr"/>
+          <a:lstStyle/>
+          <a:p>
+            <a:pPr algn="ctr"/>
+            <a:r>
+              <a:rPr lang="zh-CN" altLang="en-US" sz="1400" dirty="0"/>
+              <a:t>平滑处理</a:t>
+            </a:r>
+          </a:p>
+        </p:txBody>
+      </p:sp>
+      <p:sp>
+        <p:nvSpPr>
+          <p:cNvPr id="8" name="椭圆 7">
+            <a:extLst>
+              <a:ext uri="{FF2B5EF4-FFF2-40B4-BE49-F238E27FC236}">
+                <a16:creationId xmlns:a16="http://schemas.microsoft.com/office/drawing/2014/main" id="{3AAD1F71-0C25-4AC7-AB14-43E79A5D959D}"/>
+              </a:ext>
+            </a:extLst>
+          </p:cNvPr>
+          <p:cNvSpPr/>
+          <p:nvPr/>
+        </p:nvSpPr>
+        <p:spPr>
+          <a:xfrm>
+            <a:off x="1232296" y="5161351"/>
+            <a:ext cx="1017985" cy="590545"/>
+          </a:xfrm>
+          <a:prstGeom prst="ellipse">
+            <a:avLst/>
+          </a:prstGeom>
+          <a:solidFill>
+            <a:schemeClr val="accent1">
+              <a:lumMod val="40000"/>
+              <a:lumOff val="60000"/>
+            </a:schemeClr>
+          </a:solidFill>
+        </p:spPr>
+        <p:style>
+          <a:lnRef idx="1">
+            <a:schemeClr val="accent1"/>
+          </a:lnRef>
+          <a:fillRef idx="2">
+            <a:schemeClr val="accent1"/>
+          </a:fillRef>
+          <a:effectRef idx="1">
+            <a:schemeClr val="accent1"/>
+          </a:effectRef>
+          <a:fontRef idx="minor">
+            <a:schemeClr val="dk1"/>
+          </a:fontRef>
+        </p:style>
+        <p:txBody>
+          <a:bodyPr rtlCol="0" anchor="ctr"/>
+          <a:lstStyle/>
+          <a:p>
+            <a:pPr algn="ctr"/>
+            <a:r>
+              <a:rPr lang="zh-CN" altLang="en-US" sz="1400" dirty="0"/>
+              <a:t>时序特征计算</a:t>
+            </a:r>
+          </a:p>
+        </p:txBody>
+      </p:sp>
+      <p:sp>
+        <p:nvSpPr>
+          <p:cNvPr id="9" name="椭圆 8">
+            <a:extLst>
+              <a:ext uri="{FF2B5EF4-FFF2-40B4-BE49-F238E27FC236}">
+                <a16:creationId xmlns:a16="http://schemas.microsoft.com/office/drawing/2014/main" id="{62115D98-4FBA-4F72-BCE4-A936248CDCA6}"/>
+              </a:ext>
+            </a:extLst>
+          </p:cNvPr>
+          <p:cNvSpPr/>
+          <p:nvPr/>
+        </p:nvSpPr>
+        <p:spPr>
+          <a:xfrm>
+            <a:off x="1159370" y="5713796"/>
+            <a:ext cx="1163836" cy="806652"/>
+          </a:xfrm>
+          <a:prstGeom prst="ellipse">
+            <a:avLst/>
+          </a:prstGeom>
+          <a:solidFill>
+            <a:schemeClr val="accent1">
+              <a:lumMod val="40000"/>
+              <a:lumOff val="60000"/>
+            </a:schemeClr>
+          </a:solidFill>
+        </p:spPr>
+        <p:style>
+          <a:lnRef idx="1">
+            <a:schemeClr val="accent1"/>
+          </a:lnRef>
+          <a:fillRef idx="2">
+            <a:schemeClr val="accent1"/>
+          </a:fillRef>
+          <a:effectRef idx="1">
+            <a:schemeClr val="accent1"/>
+          </a:effectRef>
+          <a:fontRef idx="minor">
+            <a:schemeClr val="dk1"/>
+          </a:fontRef>
+        </p:style>
+        <p:txBody>
+          <a:bodyPr rtlCol="0" anchor="ctr"/>
+          <a:lstStyle/>
+          <a:p>
+            <a:pPr algn="ctr"/>
+            <a:r>
+              <a:rPr lang="zh-CN" altLang="en-US" sz="1400" dirty="0"/>
+              <a:t>阈值划分及特征采样</a:t>
+            </a:r>
+          </a:p>
+        </p:txBody>
+      </p:sp>
+      <p:sp>
+        <p:nvSpPr>
+          <p:cNvPr id="10" name="矩形 9">
+            <a:extLst>
+              <a:ext uri="{FF2B5EF4-FFF2-40B4-BE49-F238E27FC236}">
+                <a16:creationId xmlns:a16="http://schemas.microsoft.com/office/drawing/2014/main" id="{AEB3D87C-B253-4F61-A6FF-CBDF99E74057}"/>
+              </a:ext>
+            </a:extLst>
+          </p:cNvPr>
+          <p:cNvSpPr/>
+          <p:nvPr/>
+        </p:nvSpPr>
+        <p:spPr>
+          <a:xfrm>
+            <a:off x="2760463" y="2464590"/>
+            <a:ext cx="2806900" cy="4293398"/>
+          </a:xfrm>
+          <a:prstGeom prst="rect">
+            <a:avLst/>
+          </a:prstGeom>
+          <a:solidFill>
+            <a:schemeClr val="accent2"/>
+          </a:solidFill>
+        </p:spPr>
+        <p:style>
+          <a:lnRef idx="2">
+            <a:schemeClr val="accent6">
+              <a:shade val="50000"/>
+            </a:schemeClr>
+          </a:lnRef>
+          <a:fillRef idx="1">
+            <a:schemeClr val="accent6"/>
+          </a:fillRef>
+          <a:effectRef idx="0">
+            <a:schemeClr val="accent6"/>
+          </a:effectRef>
+          <a:fontRef idx="minor">
+            <a:schemeClr val="lt1"/>
+          </a:fontRef>
+        </p:style>
+        <p:txBody>
+          <a:bodyPr numCol="3" rtlCol="0" anchor="ctr"/>
+          <a:lstStyle/>
+          <a:p>
+            <a:r>
+              <a:rPr lang="en-US" altLang="zh-CN" dirty="0"/>
+              <a:t>RTT</a:t>
+            </a:r>
+            <a:r>
+              <a:rPr lang="zh-CN" altLang="en-US" dirty="0"/>
+              <a:t>时间序列预测模块</a:t>
+            </a:r>
+          </a:p>
+        </p:txBody>
+      </p:sp>
+      <p:sp>
+        <p:nvSpPr>
+          <p:cNvPr id="11" name="椭圆 10">
+            <a:extLst>
+              <a:ext uri="{FF2B5EF4-FFF2-40B4-BE49-F238E27FC236}">
+                <a16:creationId xmlns:a16="http://schemas.microsoft.com/office/drawing/2014/main" id="{C184FDDA-ED01-47AC-B507-EE4D025CB059}"/>
+              </a:ext>
+            </a:extLst>
+          </p:cNvPr>
+          <p:cNvSpPr/>
+          <p:nvPr/>
+        </p:nvSpPr>
+        <p:spPr>
+          <a:xfrm>
+            <a:off x="4055101" y="2477770"/>
+            <a:ext cx="1182293" cy="883445"/>
+          </a:xfrm>
+          <a:prstGeom prst="ellipse">
+            <a:avLst/>
+          </a:prstGeom>
+          <a:solidFill>
+            <a:schemeClr val="accent1">
+              <a:lumMod val="40000"/>
+              <a:lumOff val="60000"/>
+            </a:schemeClr>
+          </a:solidFill>
+        </p:spPr>
+        <p:style>
+          <a:lnRef idx="1">
+            <a:schemeClr val="accent1"/>
+          </a:lnRef>
+          <a:fillRef idx="2">
+            <a:schemeClr val="accent1"/>
+          </a:fillRef>
+          <a:effectRef idx="1">
+            <a:schemeClr val="accent1"/>
+          </a:effectRef>
+          <a:fontRef idx="minor">
+            <a:schemeClr val="dk1"/>
+          </a:fontRef>
+        </p:style>
+        <p:txBody>
+          <a:bodyPr rtlCol="0" anchor="ctr"/>
+          <a:lstStyle/>
+          <a:p>
+            <a:pPr algn="ctr"/>
+            <a:r>
+              <a:rPr lang="zh-CN" altLang="en-US" sz="1400" dirty="0"/>
+              <a:t>神经网络模型</a:t>
+            </a:r>
+          </a:p>
+        </p:txBody>
+      </p:sp>
+      <p:sp>
+        <p:nvSpPr>
+          <p:cNvPr id="12" name="椭圆 11">
+            <a:extLst>
+              <a:ext uri="{FF2B5EF4-FFF2-40B4-BE49-F238E27FC236}">
+                <a16:creationId xmlns:a16="http://schemas.microsoft.com/office/drawing/2014/main" id="{CB43DB59-6DBF-4A18-8425-0237DCE7CB87}"/>
+              </a:ext>
+            </a:extLst>
+          </p:cNvPr>
+          <p:cNvSpPr/>
+          <p:nvPr/>
+        </p:nvSpPr>
+        <p:spPr>
+          <a:xfrm>
+            <a:off x="4117472" y="3293712"/>
+            <a:ext cx="1081094" cy="764090"/>
+          </a:xfrm>
+          <a:prstGeom prst="ellipse">
+            <a:avLst/>
+          </a:prstGeom>
+          <a:solidFill>
+            <a:schemeClr val="accent1">
+              <a:lumMod val="40000"/>
+              <a:lumOff val="60000"/>
+            </a:schemeClr>
+          </a:solidFill>
+        </p:spPr>
+        <p:style>
+          <a:lnRef idx="1">
+            <a:schemeClr val="accent1"/>
+          </a:lnRef>
+          <a:fillRef idx="2">
+            <a:schemeClr val="accent1"/>
+          </a:fillRef>
+          <a:effectRef idx="1">
+            <a:schemeClr val="accent1"/>
+          </a:effectRef>
+          <a:fontRef idx="minor">
+            <a:schemeClr val="dk1"/>
+          </a:fontRef>
+        </p:style>
+        <p:txBody>
+          <a:bodyPr rtlCol="0" anchor="ctr"/>
+          <a:lstStyle/>
+          <a:p>
+            <a:pPr algn="ctr"/>
+            <a:r>
+              <a:rPr lang="zh-CN" altLang="en-US" sz="1400" dirty="0"/>
+              <a:t>预测方式</a:t>
+            </a:r>
+          </a:p>
+        </p:txBody>
+      </p:sp>
+      <p:sp>
+        <p:nvSpPr>
+          <p:cNvPr id="13" name="椭圆 12">
+            <a:extLst>
+              <a:ext uri="{FF2B5EF4-FFF2-40B4-BE49-F238E27FC236}">
+                <a16:creationId xmlns:a16="http://schemas.microsoft.com/office/drawing/2014/main" id="{A6676EFF-B52A-4788-9EEA-BFF687967FF3}"/>
+              </a:ext>
+            </a:extLst>
+          </p:cNvPr>
+          <p:cNvSpPr/>
+          <p:nvPr/>
+        </p:nvSpPr>
+        <p:spPr>
+          <a:xfrm>
+            <a:off x="4136224" y="4003178"/>
+            <a:ext cx="1182293" cy="883445"/>
+          </a:xfrm>
+          <a:prstGeom prst="ellipse">
+            <a:avLst/>
+          </a:prstGeom>
+          <a:solidFill>
+            <a:schemeClr val="accent1">
+              <a:lumMod val="40000"/>
+              <a:lumOff val="60000"/>
+            </a:schemeClr>
+          </a:solidFill>
+        </p:spPr>
+        <p:style>
+          <a:lnRef idx="1">
+            <a:schemeClr val="accent1"/>
+          </a:lnRef>
+          <a:fillRef idx="2">
+            <a:schemeClr val="accent1"/>
+          </a:fillRef>
+          <a:effectRef idx="1">
+            <a:schemeClr val="accent1"/>
+          </a:effectRef>
+          <a:fontRef idx="minor">
+            <a:schemeClr val="dk1"/>
+          </a:fontRef>
+        </p:style>
+        <p:txBody>
+          <a:bodyPr rtlCol="0" anchor="ctr"/>
+          <a:lstStyle/>
+          <a:p>
+            <a:pPr algn="ctr"/>
+            <a:r>
+              <a:rPr lang="zh-CN" altLang="en-US" sz="1400" dirty="0"/>
+              <a:t>数据集制作</a:t>
+            </a:r>
+          </a:p>
+        </p:txBody>
+      </p:sp>
+      <p:sp>
+        <p:nvSpPr>
+          <p:cNvPr id="14" name="椭圆 13">
+            <a:extLst>
+              <a:ext uri="{FF2B5EF4-FFF2-40B4-BE49-F238E27FC236}">
+                <a16:creationId xmlns:a16="http://schemas.microsoft.com/office/drawing/2014/main" id="{7F21BCEB-FC68-4854-8A3A-4225CDEB5ECA}"/>
+              </a:ext>
+            </a:extLst>
+          </p:cNvPr>
+          <p:cNvSpPr/>
+          <p:nvPr/>
+        </p:nvSpPr>
+        <p:spPr>
+          <a:xfrm>
+            <a:off x="4064486" y="4806241"/>
+            <a:ext cx="1325770" cy="1037047"/>
+          </a:xfrm>
+          <a:prstGeom prst="ellipse">
+            <a:avLst/>
+          </a:prstGeom>
+          <a:solidFill>
+            <a:schemeClr val="accent1">
+              <a:lumMod val="40000"/>
+              <a:lumOff val="60000"/>
+            </a:schemeClr>
+          </a:solidFill>
+        </p:spPr>
+        <p:style>
+          <a:lnRef idx="1">
+            <a:schemeClr val="accent1"/>
+          </a:lnRef>
+          <a:fillRef idx="2">
+            <a:schemeClr val="accent1"/>
+          </a:fillRef>
+          <a:effectRef idx="1">
+            <a:schemeClr val="accent1"/>
+          </a:effectRef>
+          <a:fontRef idx="minor">
+            <a:schemeClr val="dk1"/>
+          </a:fontRef>
+        </p:style>
+        <p:txBody>
+          <a:bodyPr rtlCol="0" anchor="ctr"/>
+          <a:lstStyle/>
+          <a:p>
+            <a:pPr algn="ctr"/>
+            <a:r>
+              <a:rPr lang="zh-CN" altLang="en-US" sz="1400" dirty="0"/>
+              <a:t>损失函数及优化器选择</a:t>
+            </a:r>
+          </a:p>
+        </p:txBody>
+      </p:sp>
+      <p:sp>
+        <p:nvSpPr>
+          <p:cNvPr id="15" name="椭圆 14">
+            <a:extLst>
+              <a:ext uri="{FF2B5EF4-FFF2-40B4-BE49-F238E27FC236}">
+                <a16:creationId xmlns:a16="http://schemas.microsoft.com/office/drawing/2014/main" id="{3F9A52D6-7511-461A-B52F-482EB70EEB9D}"/>
+              </a:ext>
+            </a:extLst>
+          </p:cNvPr>
+          <p:cNvSpPr/>
+          <p:nvPr/>
+        </p:nvSpPr>
+        <p:spPr>
+          <a:xfrm>
+            <a:off x="4082643" y="5713796"/>
+            <a:ext cx="1289457" cy="883445"/>
+          </a:xfrm>
+          <a:prstGeom prst="ellipse">
+            <a:avLst/>
+          </a:prstGeom>
+          <a:solidFill>
+            <a:schemeClr val="accent1">
+              <a:lumMod val="40000"/>
+              <a:lumOff val="60000"/>
+            </a:schemeClr>
+          </a:solidFill>
+        </p:spPr>
+        <p:style>
+          <a:lnRef idx="1">
+            <a:schemeClr val="accent1"/>
+          </a:lnRef>
+          <a:fillRef idx="2">
+            <a:schemeClr val="accent1"/>
+          </a:fillRef>
+          <a:effectRef idx="1">
+            <a:schemeClr val="accent1"/>
+          </a:effectRef>
+          <a:fontRef idx="minor">
+            <a:schemeClr val="dk1"/>
+          </a:fontRef>
+        </p:style>
+        <p:txBody>
+          <a:bodyPr rtlCol="0" anchor="ctr"/>
+          <a:lstStyle/>
+          <a:p>
+            <a:pPr algn="ctr"/>
+            <a:r>
+              <a:rPr lang="zh-CN" altLang="en-US" sz="1400" dirty="0"/>
+              <a:t>评价指标</a:t>
+            </a:r>
+          </a:p>
+        </p:txBody>
+      </p:sp>
+      <p:sp>
+        <p:nvSpPr>
+          <p:cNvPr id="16" name="矩形 15">
+            <a:extLst>
+              <a:ext uri="{FF2B5EF4-FFF2-40B4-BE49-F238E27FC236}">
+                <a16:creationId xmlns:a16="http://schemas.microsoft.com/office/drawing/2014/main" id="{DC758B2D-9911-4977-AAAF-069E22C001D9}"/>
+              </a:ext>
+            </a:extLst>
+          </p:cNvPr>
+          <p:cNvSpPr/>
+          <p:nvPr/>
+        </p:nvSpPr>
+        <p:spPr>
+          <a:xfrm>
+            <a:off x="5794176" y="2464590"/>
+            <a:ext cx="2973588" cy="4293398"/>
+          </a:xfrm>
+          <a:prstGeom prst="rect">
+            <a:avLst/>
+          </a:prstGeom>
+          <a:solidFill>
+            <a:schemeClr val="accent4"/>
+          </a:solidFill>
+        </p:spPr>
+        <p:style>
+          <a:lnRef idx="2">
+            <a:schemeClr val="accent6">
+              <a:shade val="50000"/>
+            </a:schemeClr>
+          </a:lnRef>
+          <a:fillRef idx="1">
+            <a:schemeClr val="accent6"/>
+          </a:fillRef>
+          <a:effectRef idx="0">
+            <a:schemeClr val="accent6"/>
+          </a:effectRef>
+          <a:fontRef idx="minor">
+            <a:schemeClr val="lt1"/>
+          </a:fontRef>
+        </p:style>
+        <p:txBody>
+          <a:bodyPr numCol="3" rtlCol="0" anchor="ctr"/>
+          <a:lstStyle/>
+          <a:p>
+            <a:r>
+              <a:rPr lang="en-US" altLang="zh-CN" dirty="0"/>
+              <a:t>PIDNN</a:t>
+            </a:r>
+            <a:r>
+              <a:rPr lang="zh-CN" altLang="en-US" dirty="0"/>
+              <a:t>速率控制模块</a:t>
+            </a:r>
+          </a:p>
+        </p:txBody>
+      </p:sp>
+      <p:sp>
+        <p:nvSpPr>
+          <p:cNvPr id="17" name="椭圆 16">
+            <a:extLst>
+              <a:ext uri="{FF2B5EF4-FFF2-40B4-BE49-F238E27FC236}">
+                <a16:creationId xmlns:a16="http://schemas.microsoft.com/office/drawing/2014/main" id="{0616831A-EF1B-4FAC-BCA2-738742856A42}"/>
+              </a:ext>
+            </a:extLst>
+          </p:cNvPr>
+          <p:cNvSpPr/>
+          <p:nvPr/>
+        </p:nvSpPr>
+        <p:spPr>
+          <a:xfrm>
+            <a:off x="7280970" y="2593780"/>
+            <a:ext cx="1182293" cy="883445"/>
+          </a:xfrm>
+          <a:prstGeom prst="ellipse">
+            <a:avLst/>
+          </a:prstGeom>
+          <a:solidFill>
+            <a:schemeClr val="accent1">
+              <a:lumMod val="40000"/>
+              <a:lumOff val="60000"/>
+            </a:schemeClr>
+          </a:solidFill>
+        </p:spPr>
+        <p:style>
+          <a:lnRef idx="1">
+            <a:schemeClr val="accent1"/>
+          </a:lnRef>
+          <a:fillRef idx="2">
+            <a:schemeClr val="accent1"/>
+          </a:fillRef>
+          <a:effectRef idx="1">
+            <a:schemeClr val="accent1"/>
+          </a:effectRef>
+          <a:fontRef idx="minor">
+            <a:schemeClr val="dk1"/>
+          </a:fontRef>
+        </p:style>
+        <p:txBody>
+          <a:bodyPr rtlCol="0" anchor="ctr"/>
+          <a:lstStyle/>
+          <a:p>
+            <a:pPr algn="ctr"/>
+            <a:r>
+              <a:rPr lang="zh-CN" altLang="en-US" sz="1400" dirty="0"/>
+              <a:t>神经网络模型</a:t>
+            </a:r>
+          </a:p>
+        </p:txBody>
+      </p:sp>
+      <p:sp>
+        <p:nvSpPr>
+          <p:cNvPr id="18" name="椭圆 17">
+            <a:extLst>
+              <a:ext uri="{FF2B5EF4-FFF2-40B4-BE49-F238E27FC236}">
+                <a16:creationId xmlns:a16="http://schemas.microsoft.com/office/drawing/2014/main" id="{FE174616-75F5-45D2-8452-5B3894F02F66}"/>
+              </a:ext>
+            </a:extLst>
+          </p:cNvPr>
+          <p:cNvSpPr/>
+          <p:nvPr/>
+        </p:nvSpPr>
+        <p:spPr>
+          <a:xfrm>
+            <a:off x="7258050" y="3438354"/>
+            <a:ext cx="1342133" cy="1108176"/>
+          </a:xfrm>
+          <a:prstGeom prst="ellipse">
+            <a:avLst/>
+          </a:prstGeom>
+          <a:solidFill>
+            <a:schemeClr val="accent1">
+              <a:lumMod val="40000"/>
+              <a:lumOff val="60000"/>
+            </a:schemeClr>
+          </a:solidFill>
+        </p:spPr>
+        <p:style>
+          <a:lnRef idx="1">
+            <a:schemeClr val="accent1"/>
+          </a:lnRef>
+          <a:fillRef idx="2">
+            <a:schemeClr val="accent1"/>
+          </a:fillRef>
+          <a:effectRef idx="1">
+            <a:schemeClr val="accent1"/>
+          </a:effectRef>
+          <a:fontRef idx="minor">
+            <a:schemeClr val="dk1"/>
+          </a:fontRef>
+        </p:style>
+        <p:txBody>
+          <a:bodyPr rtlCol="0" anchor="ctr"/>
+          <a:lstStyle/>
+          <a:p>
+            <a:pPr algn="ctr"/>
+            <a:r>
+              <a:rPr lang="zh-CN" altLang="en-US" sz="1400" dirty="0"/>
+              <a:t>反馈调节及参数优化</a:t>
+            </a:r>
+          </a:p>
+        </p:txBody>
+      </p:sp>
+      <p:sp>
+        <p:nvSpPr>
+          <p:cNvPr id="19" name="椭圆 18">
+            <a:extLst>
+              <a:ext uri="{FF2B5EF4-FFF2-40B4-BE49-F238E27FC236}">
+                <a16:creationId xmlns:a16="http://schemas.microsoft.com/office/drawing/2014/main" id="{955D67EC-0BD3-46E5-A076-2EC9B3F74B9F}"/>
+              </a:ext>
+            </a:extLst>
+          </p:cNvPr>
+          <p:cNvSpPr/>
+          <p:nvPr/>
+        </p:nvSpPr>
+        <p:spPr>
+          <a:xfrm>
+            <a:off x="7336185" y="4366009"/>
+            <a:ext cx="1233487" cy="795342"/>
+          </a:xfrm>
+          <a:prstGeom prst="ellipse">
+            <a:avLst/>
+          </a:prstGeom>
+          <a:solidFill>
+            <a:schemeClr val="accent1">
+              <a:lumMod val="40000"/>
+              <a:lumOff val="60000"/>
+            </a:schemeClr>
+          </a:solidFill>
+        </p:spPr>
+        <p:style>
+          <a:lnRef idx="1">
+            <a:schemeClr val="accent1"/>
+          </a:lnRef>
+          <a:fillRef idx="2">
+            <a:schemeClr val="accent1"/>
+          </a:fillRef>
+          <a:effectRef idx="1">
+            <a:schemeClr val="accent1"/>
+          </a:effectRef>
+          <a:fontRef idx="minor">
+            <a:schemeClr val="dk1"/>
+          </a:fontRef>
+        </p:style>
+        <p:txBody>
+          <a:bodyPr rtlCol="0" anchor="ctr"/>
+          <a:lstStyle/>
+          <a:p>
+            <a:pPr algn="ctr"/>
+            <a:r>
+              <a:rPr lang="zh-CN" altLang="en-US" sz="1400" dirty="0"/>
+              <a:t>速率控制算法</a:t>
+            </a:r>
+          </a:p>
+        </p:txBody>
+      </p:sp>
+      <p:sp>
+        <p:nvSpPr>
+          <p:cNvPr id="20" name="椭圆 19">
+            <a:extLst>
+              <a:ext uri="{FF2B5EF4-FFF2-40B4-BE49-F238E27FC236}">
+                <a16:creationId xmlns:a16="http://schemas.microsoft.com/office/drawing/2014/main" id="{B902686D-7CE8-4916-957F-AAB6F3236A3D}"/>
+              </a:ext>
+            </a:extLst>
+          </p:cNvPr>
+          <p:cNvSpPr/>
+          <p:nvPr/>
+        </p:nvSpPr>
+        <p:spPr>
+          <a:xfrm>
+            <a:off x="7305675" y="5075461"/>
+            <a:ext cx="1294508" cy="884208"/>
+          </a:xfrm>
+          <a:prstGeom prst="ellipse">
+            <a:avLst/>
+          </a:prstGeom>
+          <a:solidFill>
+            <a:schemeClr val="accent1">
+              <a:lumMod val="40000"/>
+              <a:lumOff val="60000"/>
+            </a:schemeClr>
+          </a:solidFill>
+        </p:spPr>
+        <p:style>
+          <a:lnRef idx="1">
+            <a:schemeClr val="accent1"/>
+          </a:lnRef>
+          <a:fillRef idx="2">
+            <a:schemeClr val="accent1"/>
+          </a:fillRef>
+          <a:effectRef idx="1">
+            <a:schemeClr val="accent1"/>
+          </a:effectRef>
+          <a:fontRef idx="minor">
+            <a:schemeClr val="dk1"/>
+          </a:fontRef>
+        </p:style>
+        <p:txBody>
+          <a:bodyPr rtlCol="0" anchor="ctr"/>
+          <a:lstStyle/>
+          <a:p>
+            <a:pPr algn="ctr"/>
+            <a:r>
+              <a:rPr lang="zh-CN" altLang="en-US" sz="1400" dirty="0"/>
+              <a:t>目标</a:t>
+            </a:r>
+            <a:r>
+              <a:rPr lang="en-US" altLang="zh-CN" sz="1400" dirty="0"/>
+              <a:t>RTT</a:t>
+            </a:r>
+            <a:r>
+              <a:rPr lang="zh-CN" altLang="en-US" sz="1400" dirty="0"/>
+              <a:t>优化</a:t>
+            </a:r>
+          </a:p>
+        </p:txBody>
+      </p:sp>
+      <p:sp>
+        <p:nvSpPr>
+          <p:cNvPr id="25" name="椭圆 24">
+            <a:extLst>
+              <a:ext uri="{FF2B5EF4-FFF2-40B4-BE49-F238E27FC236}">
+                <a16:creationId xmlns:a16="http://schemas.microsoft.com/office/drawing/2014/main" id="{BFCF4DE0-7CCB-4971-A545-D1861CB619FB}"/>
+              </a:ext>
+            </a:extLst>
+          </p:cNvPr>
+          <p:cNvSpPr/>
+          <p:nvPr/>
+        </p:nvSpPr>
+        <p:spPr>
+          <a:xfrm>
+            <a:off x="7368979" y="5872386"/>
+            <a:ext cx="1233487" cy="795342"/>
+          </a:xfrm>
+          <a:prstGeom prst="ellipse">
+            <a:avLst/>
+          </a:prstGeom>
+          <a:solidFill>
+            <a:schemeClr val="accent1">
+              <a:lumMod val="40000"/>
+              <a:lumOff val="60000"/>
+            </a:schemeClr>
+          </a:solidFill>
+        </p:spPr>
+        <p:style>
+          <a:lnRef idx="1">
+            <a:schemeClr val="accent1"/>
+          </a:lnRef>
+          <a:fillRef idx="2">
+            <a:schemeClr val="accent1"/>
+          </a:fillRef>
+          <a:effectRef idx="1">
+            <a:schemeClr val="accent1"/>
+          </a:effectRef>
+          <a:fontRef idx="minor">
+            <a:schemeClr val="dk1"/>
+          </a:fontRef>
+        </p:style>
+        <p:txBody>
+          <a:bodyPr rtlCol="0" anchor="ctr"/>
+          <a:lstStyle/>
+          <a:p>
+            <a:pPr algn="ctr"/>
+            <a:r>
+              <a:rPr lang="zh-CN" altLang="en-US" sz="1400" dirty="0"/>
+              <a:t>拥塞控制效果指标</a:t>
+            </a:r>
+          </a:p>
+        </p:txBody>
+      </p:sp>
+    </p:spTree>
+    <p:extLst>
+      <p:ext uri="{BB962C8B-B14F-4D97-AF65-F5344CB8AC3E}">
+        <p14:creationId xmlns:p14="http://schemas.microsoft.com/office/powerpoint/2010/main" val="3184600706"/>
+      </p:ext>
+    </p:extLst>
+  </p:cSld>
+  <p:clrMapOvr>
+    <a:masterClrMapping/>
+  </p:clrMapOvr>
+</p:sld>
+</file>
+
 <file path=ppt/slides/slide4.xml><?xml version="1.0" encoding="utf-8"?>
 <p:sld xmlns:a="http://schemas.openxmlformats.org/drawingml/2006/main" xmlns:r="http://schemas.openxmlformats.org/officeDocument/2006/relationships" xmlns:p="http://schemas.openxmlformats.org/presentationml/2006/main">
   <p:cSld>

--- a/paper/毕设思路 [自动保存的] [自动保存的].pptx
+++ b/paper/毕设思路 [自动保存的] [自动保存的].pptx
@@ -43,6 +43,8 @@
     <p:sldId id="292" r:id="rId37"/>
     <p:sldId id="293" r:id="rId38"/>
     <p:sldId id="294" r:id="rId39"/>
+    <p:sldId id="295" r:id="rId40"/>
+    <p:sldId id="296" r:id="rId41"/>
   </p:sldIdLst>
   <p:sldSz cx="12192000" cy="6858000"/>
   <p:notesSz cx="6858000" cy="9144000"/>
@@ -19307,6 +19309,2597 @@
 </p:sld>
 </file>
 
+<file path=ppt/slides/slide39.xml><?xml version="1.0" encoding="utf-8"?>
+<p:sld xmlns:a="http://schemas.openxmlformats.org/drawingml/2006/main" xmlns:r="http://schemas.openxmlformats.org/officeDocument/2006/relationships" xmlns:p="http://schemas.openxmlformats.org/presentationml/2006/main">
+  <p:cSld>
+    <p:spTree>
+      <p:nvGrpSpPr>
+        <p:cNvPr id="1" name=""/>
+        <p:cNvGrpSpPr/>
+        <p:nvPr/>
+      </p:nvGrpSpPr>
+      <p:grpSpPr>
+        <a:xfrm>
+          <a:off x="0" y="0"/>
+          <a:ext cx="0" cy="0"/>
+          <a:chOff x="0" y="0"/>
+          <a:chExt cx="0" cy="0"/>
+        </a:xfrm>
+      </p:grpSpPr>
+      <p:sp>
+        <p:nvSpPr>
+          <p:cNvPr id="108" name="矩形 107">
+            <a:extLst>
+              <a:ext uri="{FF2B5EF4-FFF2-40B4-BE49-F238E27FC236}">
+                <a16:creationId xmlns:a16="http://schemas.microsoft.com/office/drawing/2014/main" id="{902DB04A-B15B-49E2-B0D5-69FBA7BFD770}"/>
+              </a:ext>
+            </a:extLst>
+          </p:cNvPr>
+          <p:cNvSpPr/>
+          <p:nvPr/>
+        </p:nvSpPr>
+        <p:spPr>
+          <a:xfrm>
+            <a:off x="2531703" y="961669"/>
+            <a:ext cx="5034635" cy="4934664"/>
+          </a:xfrm>
+          <a:prstGeom prst="rect">
+            <a:avLst/>
+          </a:prstGeom>
+          <a:ln>
+            <a:solidFill>
+              <a:schemeClr val="tx1"/>
+            </a:solidFill>
+          </a:ln>
+        </p:spPr>
+        <p:style>
+          <a:lnRef idx="2">
+            <a:schemeClr val="accent6"/>
+          </a:lnRef>
+          <a:fillRef idx="1">
+            <a:schemeClr val="lt1"/>
+          </a:fillRef>
+          <a:effectRef idx="0">
+            <a:schemeClr val="accent6"/>
+          </a:effectRef>
+          <a:fontRef idx="minor">
+            <a:schemeClr val="dk1"/>
+          </a:fontRef>
+        </p:style>
+        <p:txBody>
+          <a:bodyPr rtlCol="0" anchor="ctr"/>
+          <a:lstStyle/>
+          <a:p>
+            <a:pPr algn="ctr"/>
+            <a:endParaRPr lang="zh-CN" altLang="en-US"/>
+          </a:p>
+        </p:txBody>
+      </p:sp>
+      <p:sp>
+        <p:nvSpPr>
+          <p:cNvPr id="105" name="矩形 104">
+            <a:extLst>
+              <a:ext uri="{FF2B5EF4-FFF2-40B4-BE49-F238E27FC236}">
+                <a16:creationId xmlns:a16="http://schemas.microsoft.com/office/drawing/2014/main" id="{BBC520BD-CC42-42EA-B282-12259DB82C68}"/>
+              </a:ext>
+            </a:extLst>
+          </p:cNvPr>
+          <p:cNvSpPr/>
+          <p:nvPr/>
+        </p:nvSpPr>
+        <p:spPr>
+          <a:xfrm>
+            <a:off x="8219893" y="3229580"/>
+            <a:ext cx="933448" cy="944690"/>
+          </a:xfrm>
+          <a:prstGeom prst="rect">
+            <a:avLst/>
+          </a:prstGeom>
+          <a:ln>
+            <a:solidFill>
+              <a:schemeClr val="tx1"/>
+            </a:solidFill>
+          </a:ln>
+        </p:spPr>
+        <p:style>
+          <a:lnRef idx="2">
+            <a:schemeClr val="accent6"/>
+          </a:lnRef>
+          <a:fillRef idx="1">
+            <a:schemeClr val="lt1"/>
+          </a:fillRef>
+          <a:effectRef idx="0">
+            <a:schemeClr val="accent6"/>
+          </a:effectRef>
+          <a:fontRef idx="minor">
+            <a:schemeClr val="dk1"/>
+          </a:fontRef>
+        </p:style>
+        <p:txBody>
+          <a:bodyPr rtlCol="0" anchor="ctr"/>
+          <a:lstStyle/>
+          <a:p>
+            <a:pPr algn="ctr"/>
+            <a:endParaRPr lang="zh-CN" altLang="en-US"/>
+          </a:p>
+        </p:txBody>
+      </p:sp>
+      <p:sp>
+        <p:nvSpPr>
+          <p:cNvPr id="42" name="矩形 41">
+            <a:extLst>
+              <a:ext uri="{FF2B5EF4-FFF2-40B4-BE49-F238E27FC236}">
+                <a16:creationId xmlns:a16="http://schemas.microsoft.com/office/drawing/2014/main" id="{B4AF1AAC-3AF4-4593-9611-DFC1D81DB9B7}"/>
+              </a:ext>
+            </a:extLst>
+          </p:cNvPr>
+          <p:cNvSpPr/>
+          <p:nvPr/>
+        </p:nvSpPr>
+        <p:spPr>
+          <a:xfrm>
+            <a:off x="5278399" y="1271965"/>
+            <a:ext cx="2278231" cy="4616250"/>
+          </a:xfrm>
+          <a:prstGeom prst="rect">
+            <a:avLst/>
+          </a:prstGeom>
+          <a:ln>
+            <a:solidFill>
+              <a:schemeClr val="tx1"/>
+            </a:solidFill>
+          </a:ln>
+        </p:spPr>
+        <p:style>
+          <a:lnRef idx="2">
+            <a:schemeClr val="accent6"/>
+          </a:lnRef>
+          <a:fillRef idx="1">
+            <a:schemeClr val="lt1"/>
+          </a:fillRef>
+          <a:effectRef idx="0">
+            <a:schemeClr val="accent6"/>
+          </a:effectRef>
+          <a:fontRef idx="minor">
+            <a:schemeClr val="dk1"/>
+          </a:fontRef>
+        </p:style>
+        <p:txBody>
+          <a:bodyPr rtlCol="0" anchor="ctr"/>
+          <a:lstStyle/>
+          <a:p>
+            <a:pPr algn="ctr"/>
+            <a:endParaRPr lang="zh-CN" altLang="en-US"/>
+          </a:p>
+        </p:txBody>
+      </p:sp>
+      <p:sp>
+        <p:nvSpPr>
+          <p:cNvPr id="25" name="矩形 24">
+            <a:extLst>
+              <a:ext uri="{FF2B5EF4-FFF2-40B4-BE49-F238E27FC236}">
+                <a16:creationId xmlns:a16="http://schemas.microsoft.com/office/drawing/2014/main" id="{5134A72F-125B-4611-BA13-41F031FD67D7}"/>
+              </a:ext>
+            </a:extLst>
+          </p:cNvPr>
+          <p:cNvSpPr/>
+          <p:nvPr/>
+        </p:nvSpPr>
+        <p:spPr>
+          <a:xfrm>
+            <a:off x="1496008" y="1961794"/>
+            <a:ext cx="544285" cy="3115618"/>
+          </a:xfrm>
+          <a:prstGeom prst="rect">
+            <a:avLst/>
+          </a:prstGeom>
+          <a:ln>
+            <a:solidFill>
+              <a:schemeClr val="tx1"/>
+            </a:solidFill>
+          </a:ln>
+        </p:spPr>
+        <p:style>
+          <a:lnRef idx="2">
+            <a:schemeClr val="accent6"/>
+          </a:lnRef>
+          <a:fillRef idx="1">
+            <a:schemeClr val="lt1"/>
+          </a:fillRef>
+          <a:effectRef idx="0">
+            <a:schemeClr val="accent6"/>
+          </a:effectRef>
+          <a:fontRef idx="minor">
+            <a:schemeClr val="dk1"/>
+          </a:fontRef>
+        </p:style>
+        <p:txBody>
+          <a:bodyPr rtlCol="0" anchor="ctr"/>
+          <a:lstStyle/>
+          <a:p>
+            <a:pPr algn="ctr"/>
+            <a:endParaRPr lang="zh-CN" altLang="en-US"/>
+          </a:p>
+        </p:txBody>
+      </p:sp>
+      <mc:AlternateContent xmlns:mc="http://schemas.openxmlformats.org/markup-compatibility/2006">
+        <mc:Choice xmlns:a14="http://schemas.microsoft.com/office/drawing/2010/main" Requires="a14">
+          <p:sp>
+            <p:nvSpPr>
+              <p:cNvPr id="24" name="椭圆 23">
+                <a:extLst>
+                  <a:ext uri="{FF2B5EF4-FFF2-40B4-BE49-F238E27FC236}">
+                    <a16:creationId xmlns:a16="http://schemas.microsoft.com/office/drawing/2014/main" id="{AA44CC05-4158-43E3-9349-D533DFF2875A}"/>
+                  </a:ext>
+                </a:extLst>
+              </p:cNvPr>
+              <p:cNvSpPr/>
+              <p:nvPr/>
+            </p:nvSpPr>
+            <p:spPr>
+              <a:xfrm>
+                <a:off x="1496008" y="1961794"/>
+                <a:ext cx="544285" cy="529799"/>
+              </a:xfrm>
+              <a:prstGeom prst="ellipse">
+                <a:avLst/>
+              </a:prstGeom>
+              <a:ln>
+                <a:solidFill>
+                  <a:schemeClr val="tx1"/>
+                </a:solidFill>
+              </a:ln>
+            </p:spPr>
+            <p:style>
+              <a:lnRef idx="2">
+                <a:schemeClr val="accent6"/>
+              </a:lnRef>
+              <a:fillRef idx="1">
+                <a:schemeClr val="lt1"/>
+              </a:fillRef>
+              <a:effectRef idx="0">
+                <a:schemeClr val="accent6"/>
+              </a:effectRef>
+              <a:fontRef idx="minor">
+                <a:schemeClr val="dk1"/>
+              </a:fontRef>
+            </p:style>
+            <p:txBody>
+              <a:bodyPr rtlCol="0" anchor="ctr"/>
+              <a:lstStyle/>
+              <a:p>
+                <a:pPr algn="ctr"/>
+                <a14:m>
+                  <m:oMathPara xmlns:m="http://schemas.openxmlformats.org/officeDocument/2006/math">
+                    <m:oMathParaPr>
+                      <m:jc m:val="centerGroup"/>
+                    </m:oMathParaPr>
+                    <m:oMath xmlns:m="http://schemas.openxmlformats.org/officeDocument/2006/math">
+                      <m:sSub>
+                        <m:sSubPr>
+                          <m:ctrlPr>
+                            <a:rPr lang="en-US" altLang="zh-CN" sz="1800" i="1" dirty="0" smtClean="0">
+                              <a:latin typeface="Cambria Math" panose="02040503050406030204" pitchFamily="18" charset="0"/>
+                            </a:rPr>
+                          </m:ctrlPr>
+                        </m:sSubPr>
+                        <m:e>
+                          <m:r>
+                            <a:rPr lang="en-US" altLang="zh-CN" sz="1800" b="0" i="1" dirty="0" smtClean="0">
+                              <a:latin typeface="Cambria Math" panose="02040503050406030204" pitchFamily="18" charset="0"/>
+                            </a:rPr>
+                            <m:t>𝐾</m:t>
+                          </m:r>
+                        </m:e>
+                        <m:sub>
+                          <m:r>
+                            <a:rPr lang="en-US" altLang="zh-CN" sz="1800" b="0" i="1" dirty="0" smtClean="0">
+                              <a:latin typeface="Cambria Math" panose="02040503050406030204" pitchFamily="18" charset="0"/>
+                            </a:rPr>
+                            <m:t>𝑡</m:t>
+                          </m:r>
+                          <m:r>
+                            <a:rPr lang="en-US" altLang="zh-CN" sz="1800" b="0" i="1" dirty="0" smtClean="0">
+                              <a:latin typeface="Cambria Math" panose="02040503050406030204" pitchFamily="18" charset="0"/>
+                            </a:rPr>
+                            <m:t>−2</m:t>
+                          </m:r>
+                        </m:sub>
+                      </m:sSub>
+                    </m:oMath>
+                  </m:oMathPara>
+                </a14:m>
+                <a:endParaRPr lang="zh-CN" altLang="en-US" dirty="0"/>
+              </a:p>
+            </p:txBody>
+          </p:sp>
+        </mc:Choice>
+        <mc:Fallback>
+          <p:sp>
+            <p:nvSpPr>
+              <p:cNvPr id="24" name="椭圆 23">
+                <a:extLst>
+                  <a:ext uri="{FF2B5EF4-FFF2-40B4-BE49-F238E27FC236}">
+                    <a16:creationId xmlns:a16="http://schemas.microsoft.com/office/drawing/2014/main" id="{AA44CC05-4158-43E3-9349-D533DFF2875A}"/>
+                  </a:ext>
+                </a:extLst>
+              </p:cNvPr>
+              <p:cNvSpPr>
+                <a:spLocks noRot="1" noChangeAspect="1" noMove="1" noResize="1" noEditPoints="1" noAdjustHandles="1" noChangeArrowheads="1" noChangeShapeType="1" noTextEdit="1"/>
+              </p:cNvSpPr>
+              <p:nvPr/>
+            </p:nvSpPr>
+            <p:spPr>
+              <a:xfrm>
+                <a:off x="1496008" y="1961794"/>
+                <a:ext cx="544285" cy="529799"/>
+              </a:xfrm>
+              <a:prstGeom prst="ellipse">
+                <a:avLst/>
+              </a:prstGeom>
+              <a:blipFill>
+                <a:blip r:embed="rId2"/>
+                <a:stretch>
+                  <a:fillRect l="-9783"/>
+                </a:stretch>
+              </a:blipFill>
+              <a:ln>
+                <a:solidFill>
+                  <a:schemeClr val="tx1"/>
+                </a:solidFill>
+              </a:ln>
+            </p:spPr>
+            <p:txBody>
+              <a:bodyPr/>
+              <a:lstStyle/>
+              <a:p>
+                <a:r>
+                  <a:rPr lang="zh-CN" altLang="en-US">
+                    <a:noFill/>
+                  </a:rPr>
+                  <a:t> </a:t>
+                </a:r>
+              </a:p>
+            </p:txBody>
+          </p:sp>
+        </mc:Fallback>
+      </mc:AlternateContent>
+      <p:sp>
+        <p:nvSpPr>
+          <p:cNvPr id="23" name="矩形 22">
+            <a:extLst>
+              <a:ext uri="{FF2B5EF4-FFF2-40B4-BE49-F238E27FC236}">
+                <a16:creationId xmlns:a16="http://schemas.microsoft.com/office/drawing/2014/main" id="{D5672CD1-7145-4690-9537-3208752F12F2}"/>
+              </a:ext>
+            </a:extLst>
+          </p:cNvPr>
+          <p:cNvSpPr/>
+          <p:nvPr/>
+        </p:nvSpPr>
+        <p:spPr>
+          <a:xfrm>
+            <a:off x="2544150" y="1733550"/>
+            <a:ext cx="1125891" cy="3709379"/>
+          </a:xfrm>
+          <a:prstGeom prst="rect">
+            <a:avLst/>
+          </a:prstGeom>
+          <a:ln>
+            <a:solidFill>
+              <a:schemeClr val="tx1"/>
+            </a:solidFill>
+          </a:ln>
+        </p:spPr>
+        <p:style>
+          <a:lnRef idx="2">
+            <a:schemeClr val="accent6"/>
+          </a:lnRef>
+          <a:fillRef idx="1">
+            <a:schemeClr val="lt1"/>
+          </a:fillRef>
+          <a:effectRef idx="0">
+            <a:schemeClr val="accent6"/>
+          </a:effectRef>
+          <a:fontRef idx="minor">
+            <a:schemeClr val="dk1"/>
+          </a:fontRef>
+        </p:style>
+        <p:txBody>
+          <a:bodyPr rtlCol="0" anchor="ctr"/>
+          <a:lstStyle/>
+          <a:p>
+            <a:pPr algn="ctr"/>
+            <a:endParaRPr lang="zh-CN" altLang="en-US"/>
+          </a:p>
+        </p:txBody>
+      </p:sp>
+      <p:sp>
+        <p:nvSpPr>
+          <p:cNvPr id="2" name="椭圆 1">
+            <a:extLst>
+              <a:ext uri="{FF2B5EF4-FFF2-40B4-BE49-F238E27FC236}">
+                <a16:creationId xmlns:a16="http://schemas.microsoft.com/office/drawing/2014/main" id="{732470FB-FEF4-46C3-8D0B-D3FEF3DC3767}"/>
+              </a:ext>
+            </a:extLst>
+          </p:cNvPr>
+          <p:cNvSpPr/>
+          <p:nvPr/>
+        </p:nvSpPr>
+        <p:spPr>
+          <a:xfrm>
+            <a:off x="2531704" y="1744824"/>
+            <a:ext cx="1125893" cy="967274"/>
+          </a:xfrm>
+          <a:prstGeom prst="ellipse">
+            <a:avLst/>
+          </a:prstGeom>
+          <a:ln>
+            <a:solidFill>
+              <a:schemeClr val="tx1"/>
+            </a:solidFill>
+          </a:ln>
+        </p:spPr>
+        <p:style>
+          <a:lnRef idx="2">
+            <a:schemeClr val="accent6"/>
+          </a:lnRef>
+          <a:fillRef idx="1">
+            <a:schemeClr val="lt1"/>
+          </a:fillRef>
+          <a:effectRef idx="0">
+            <a:schemeClr val="accent6"/>
+          </a:effectRef>
+          <a:fontRef idx="minor">
+            <a:schemeClr val="dk1"/>
+          </a:fontRef>
+        </p:style>
+        <p:txBody>
+          <a:bodyPr rtlCol="0" anchor="ctr"/>
+          <a:lstStyle/>
+          <a:p>
+            <a:pPr algn="ctr"/>
+            <a:r>
+              <a:rPr lang="en-US" altLang="zh-CN" dirty="0" err="1"/>
+              <a:t>LSTMCell</a:t>
+            </a:r>
+            <a:endParaRPr lang="zh-CN" altLang="en-US" dirty="0"/>
+          </a:p>
+        </p:txBody>
+      </p:sp>
+      <p:sp>
+        <p:nvSpPr>
+          <p:cNvPr id="3" name="椭圆 2">
+            <a:extLst>
+              <a:ext uri="{FF2B5EF4-FFF2-40B4-BE49-F238E27FC236}">
+                <a16:creationId xmlns:a16="http://schemas.microsoft.com/office/drawing/2014/main" id="{70B335A8-4B01-4F6F-AA24-430F87CA8B9E}"/>
+              </a:ext>
+            </a:extLst>
+          </p:cNvPr>
+          <p:cNvSpPr/>
+          <p:nvPr/>
+        </p:nvSpPr>
+        <p:spPr>
+          <a:xfrm>
+            <a:off x="2531705" y="3048000"/>
+            <a:ext cx="1125893" cy="967274"/>
+          </a:xfrm>
+          <a:prstGeom prst="ellipse">
+            <a:avLst/>
+          </a:prstGeom>
+          <a:ln>
+            <a:solidFill>
+              <a:schemeClr val="tx1"/>
+            </a:solidFill>
+          </a:ln>
+        </p:spPr>
+        <p:style>
+          <a:lnRef idx="2">
+            <a:schemeClr val="accent6"/>
+          </a:lnRef>
+          <a:fillRef idx="1">
+            <a:schemeClr val="lt1"/>
+          </a:fillRef>
+          <a:effectRef idx="0">
+            <a:schemeClr val="accent6"/>
+          </a:effectRef>
+          <a:fontRef idx="minor">
+            <a:schemeClr val="dk1"/>
+          </a:fontRef>
+        </p:style>
+        <p:txBody>
+          <a:bodyPr rtlCol="0" anchor="ctr"/>
+          <a:lstStyle/>
+          <a:p>
+            <a:pPr algn="ctr"/>
+            <a:r>
+              <a:rPr lang="en-US" altLang="zh-CN" dirty="0" err="1"/>
+              <a:t>LSTMCell</a:t>
+            </a:r>
+            <a:endParaRPr lang="zh-CN" altLang="en-US" dirty="0"/>
+          </a:p>
+        </p:txBody>
+      </p:sp>
+      <p:sp>
+        <p:nvSpPr>
+          <p:cNvPr id="4" name="椭圆 3">
+            <a:extLst>
+              <a:ext uri="{FF2B5EF4-FFF2-40B4-BE49-F238E27FC236}">
+                <a16:creationId xmlns:a16="http://schemas.microsoft.com/office/drawing/2014/main" id="{6C208316-8EF5-483F-8DE2-389E08481C75}"/>
+              </a:ext>
+            </a:extLst>
+          </p:cNvPr>
+          <p:cNvSpPr/>
+          <p:nvPr/>
+        </p:nvSpPr>
+        <p:spPr>
+          <a:xfrm>
+            <a:off x="2531703" y="4351176"/>
+            <a:ext cx="1125893" cy="967274"/>
+          </a:xfrm>
+          <a:prstGeom prst="ellipse">
+            <a:avLst/>
+          </a:prstGeom>
+          <a:ln>
+            <a:solidFill>
+              <a:schemeClr val="tx1"/>
+            </a:solidFill>
+          </a:ln>
+        </p:spPr>
+        <p:style>
+          <a:lnRef idx="2">
+            <a:schemeClr val="accent6"/>
+          </a:lnRef>
+          <a:fillRef idx="1">
+            <a:schemeClr val="lt1"/>
+          </a:fillRef>
+          <a:effectRef idx="0">
+            <a:schemeClr val="accent6"/>
+          </a:effectRef>
+          <a:fontRef idx="minor">
+            <a:schemeClr val="dk1"/>
+          </a:fontRef>
+        </p:style>
+        <p:txBody>
+          <a:bodyPr rtlCol="0" anchor="ctr"/>
+          <a:lstStyle/>
+          <a:p>
+            <a:pPr algn="ctr"/>
+            <a:r>
+              <a:rPr lang="en-US" altLang="zh-CN" dirty="0" err="1"/>
+              <a:t>LSTMCell</a:t>
+            </a:r>
+            <a:endParaRPr lang="zh-CN" altLang="en-US" dirty="0"/>
+          </a:p>
+        </p:txBody>
+      </p:sp>
+      <p:cxnSp>
+        <p:nvCxnSpPr>
+          <p:cNvPr id="9" name="直接箭头连接符 8">
+            <a:extLst>
+              <a:ext uri="{FF2B5EF4-FFF2-40B4-BE49-F238E27FC236}">
+                <a16:creationId xmlns:a16="http://schemas.microsoft.com/office/drawing/2014/main" id="{454E63E3-19E1-4771-8505-F2A1E47F5731}"/>
+              </a:ext>
+            </a:extLst>
+          </p:cNvPr>
+          <p:cNvCxnSpPr>
+            <a:stCxn id="2" idx="4"/>
+            <a:endCxn id="3" idx="0"/>
+          </p:cNvCxnSpPr>
+          <p:nvPr/>
+        </p:nvCxnSpPr>
+        <p:spPr>
+          <a:xfrm>
+            <a:off x="3094651" y="2712098"/>
+            <a:ext cx="1" cy="335902"/>
+          </a:xfrm>
+          <a:prstGeom prst="straightConnector1">
+            <a:avLst/>
+          </a:prstGeom>
+          <a:ln>
+            <a:tailEnd type="triangle"/>
+          </a:ln>
+        </p:spPr>
+        <p:style>
+          <a:lnRef idx="1">
+            <a:schemeClr val="dk1"/>
+          </a:lnRef>
+          <a:fillRef idx="0">
+            <a:schemeClr val="dk1"/>
+          </a:fillRef>
+          <a:effectRef idx="0">
+            <a:schemeClr val="dk1"/>
+          </a:effectRef>
+          <a:fontRef idx="minor">
+            <a:schemeClr val="tx1"/>
+          </a:fontRef>
+        </p:style>
+      </p:cxnSp>
+      <p:cxnSp>
+        <p:nvCxnSpPr>
+          <p:cNvPr id="11" name="直接箭头连接符 10">
+            <a:extLst>
+              <a:ext uri="{FF2B5EF4-FFF2-40B4-BE49-F238E27FC236}">
+                <a16:creationId xmlns:a16="http://schemas.microsoft.com/office/drawing/2014/main" id="{F6647035-5EA0-46B5-911B-77BA6767E190}"/>
+              </a:ext>
+            </a:extLst>
+          </p:cNvPr>
+          <p:cNvCxnSpPr>
+            <a:stCxn id="3" idx="4"/>
+            <a:endCxn id="4" idx="0"/>
+          </p:cNvCxnSpPr>
+          <p:nvPr/>
+        </p:nvCxnSpPr>
+        <p:spPr>
+          <a:xfrm flipH="1">
+            <a:off x="3094650" y="4015274"/>
+            <a:ext cx="2" cy="335902"/>
+          </a:xfrm>
+          <a:prstGeom prst="straightConnector1">
+            <a:avLst/>
+          </a:prstGeom>
+          <a:ln>
+            <a:tailEnd type="triangle"/>
+          </a:ln>
+        </p:spPr>
+        <p:style>
+          <a:lnRef idx="1">
+            <a:schemeClr val="dk1"/>
+          </a:lnRef>
+          <a:fillRef idx="0">
+            <a:schemeClr val="dk1"/>
+          </a:fillRef>
+          <a:effectRef idx="0">
+            <a:schemeClr val="dk1"/>
+          </a:effectRef>
+          <a:fontRef idx="minor">
+            <a:schemeClr val="tx1"/>
+          </a:fontRef>
+        </p:style>
+      </p:cxnSp>
+      <p:cxnSp>
+        <p:nvCxnSpPr>
+          <p:cNvPr id="13" name="直接箭头连接符 12">
+            <a:extLst>
+              <a:ext uri="{FF2B5EF4-FFF2-40B4-BE49-F238E27FC236}">
+                <a16:creationId xmlns:a16="http://schemas.microsoft.com/office/drawing/2014/main" id="{08BEBB23-A402-4EAC-B039-8EC14243BED8}"/>
+              </a:ext>
+            </a:extLst>
+          </p:cNvPr>
+          <p:cNvCxnSpPr>
+            <a:cxnSpLocks/>
+            <a:endCxn id="2" idx="2"/>
+          </p:cNvCxnSpPr>
+          <p:nvPr/>
+        </p:nvCxnSpPr>
+        <p:spPr>
+          <a:xfrm>
+            <a:off x="2040294" y="2228461"/>
+            <a:ext cx="491410" cy="0"/>
+          </a:xfrm>
+          <a:prstGeom prst="straightConnector1">
+            <a:avLst/>
+          </a:prstGeom>
+          <a:ln>
+            <a:tailEnd type="triangle"/>
+          </a:ln>
+        </p:spPr>
+        <p:style>
+          <a:lnRef idx="1">
+            <a:schemeClr val="dk1"/>
+          </a:lnRef>
+          <a:fillRef idx="0">
+            <a:schemeClr val="dk1"/>
+          </a:fillRef>
+          <a:effectRef idx="0">
+            <a:schemeClr val="dk1"/>
+          </a:effectRef>
+          <a:fontRef idx="minor">
+            <a:schemeClr val="tx1"/>
+          </a:fontRef>
+        </p:style>
+      </p:cxnSp>
+      <p:cxnSp>
+        <p:nvCxnSpPr>
+          <p:cNvPr id="15" name="直接箭头连接符 14">
+            <a:extLst>
+              <a:ext uri="{FF2B5EF4-FFF2-40B4-BE49-F238E27FC236}">
+                <a16:creationId xmlns:a16="http://schemas.microsoft.com/office/drawing/2014/main" id="{B952D781-C9F1-4EC3-B5FB-1D3D4859FAFA}"/>
+              </a:ext>
+            </a:extLst>
+          </p:cNvPr>
+          <p:cNvCxnSpPr>
+            <a:cxnSpLocks/>
+          </p:cNvCxnSpPr>
+          <p:nvPr/>
+        </p:nvCxnSpPr>
+        <p:spPr>
+          <a:xfrm>
+            <a:off x="2040294" y="3544078"/>
+            <a:ext cx="491410" cy="0"/>
+          </a:xfrm>
+          <a:prstGeom prst="straightConnector1">
+            <a:avLst/>
+          </a:prstGeom>
+          <a:ln>
+            <a:tailEnd type="triangle"/>
+          </a:ln>
+        </p:spPr>
+        <p:style>
+          <a:lnRef idx="1">
+            <a:schemeClr val="dk1"/>
+          </a:lnRef>
+          <a:fillRef idx="0">
+            <a:schemeClr val="dk1"/>
+          </a:fillRef>
+          <a:effectRef idx="0">
+            <a:schemeClr val="dk1"/>
+          </a:effectRef>
+          <a:fontRef idx="minor">
+            <a:schemeClr val="tx1"/>
+          </a:fontRef>
+        </p:style>
+      </p:cxnSp>
+      <p:cxnSp>
+        <p:nvCxnSpPr>
+          <p:cNvPr id="16" name="直接箭头连接符 15">
+            <a:extLst>
+              <a:ext uri="{FF2B5EF4-FFF2-40B4-BE49-F238E27FC236}">
+                <a16:creationId xmlns:a16="http://schemas.microsoft.com/office/drawing/2014/main" id="{CC2AC78B-8C11-4FE2-9D3B-596EA4624B77}"/>
+              </a:ext>
+            </a:extLst>
+          </p:cNvPr>
+          <p:cNvCxnSpPr>
+            <a:cxnSpLocks/>
+          </p:cNvCxnSpPr>
+          <p:nvPr/>
+        </p:nvCxnSpPr>
+        <p:spPr>
+          <a:xfrm>
+            <a:off x="2040294" y="4825481"/>
+            <a:ext cx="491410" cy="0"/>
+          </a:xfrm>
+          <a:prstGeom prst="straightConnector1">
+            <a:avLst/>
+          </a:prstGeom>
+          <a:ln>
+            <a:tailEnd type="triangle"/>
+          </a:ln>
+        </p:spPr>
+        <p:style>
+          <a:lnRef idx="1">
+            <a:schemeClr val="dk1"/>
+          </a:lnRef>
+          <a:fillRef idx="0">
+            <a:schemeClr val="dk1"/>
+          </a:fillRef>
+          <a:effectRef idx="0">
+            <a:schemeClr val="dk1"/>
+          </a:effectRef>
+          <a:fontRef idx="minor">
+            <a:schemeClr val="tx1"/>
+          </a:fontRef>
+        </p:style>
+      </p:cxnSp>
+      <p:sp>
+        <p:nvSpPr>
+          <p:cNvPr id="17" name="文本框 16">
+            <a:extLst>
+              <a:ext uri="{FF2B5EF4-FFF2-40B4-BE49-F238E27FC236}">
+                <a16:creationId xmlns:a16="http://schemas.microsoft.com/office/drawing/2014/main" id="{9951E802-C2AC-4955-9A94-51DB4B9047C5}"/>
+              </a:ext>
+            </a:extLst>
+          </p:cNvPr>
+          <p:cNvSpPr txBox="1"/>
+          <p:nvPr/>
+        </p:nvSpPr>
+        <p:spPr>
+          <a:xfrm>
+            <a:off x="2712099" y="2678668"/>
+            <a:ext cx="758890" cy="369332"/>
+          </a:xfrm>
+          <a:prstGeom prst="rect">
+            <a:avLst/>
+          </a:prstGeom>
+          <a:noFill/>
+        </p:spPr>
+        <p:txBody>
+          <a:bodyPr wrap="square" rtlCol="0">
+            <a:spAutoFit/>
+          </a:bodyPr>
+          <a:lstStyle/>
+          <a:p>
+            <a:r>
+              <a:rPr lang="en-US" altLang="zh-CN" dirty="0"/>
+              <a:t>h1,c1</a:t>
+            </a:r>
+            <a:endParaRPr lang="zh-CN" altLang="en-US" dirty="0"/>
+          </a:p>
+        </p:txBody>
+      </p:sp>
+      <p:sp>
+        <p:nvSpPr>
+          <p:cNvPr id="18" name="文本框 17">
+            <a:extLst>
+              <a:ext uri="{FF2B5EF4-FFF2-40B4-BE49-F238E27FC236}">
+                <a16:creationId xmlns:a16="http://schemas.microsoft.com/office/drawing/2014/main" id="{B984DFD6-0B85-4AFC-A00E-9B42FE08692E}"/>
+              </a:ext>
+            </a:extLst>
+          </p:cNvPr>
+          <p:cNvSpPr txBox="1"/>
+          <p:nvPr/>
+        </p:nvSpPr>
+        <p:spPr>
+          <a:xfrm>
+            <a:off x="2712099" y="4027715"/>
+            <a:ext cx="758890" cy="369332"/>
+          </a:xfrm>
+          <a:prstGeom prst="rect">
+            <a:avLst/>
+          </a:prstGeom>
+          <a:noFill/>
+        </p:spPr>
+        <p:txBody>
+          <a:bodyPr wrap="square" rtlCol="0">
+            <a:spAutoFit/>
+          </a:bodyPr>
+          <a:lstStyle/>
+          <a:p>
+            <a:r>
+              <a:rPr lang="en-US" altLang="zh-CN" dirty="0"/>
+              <a:t>h2,c2</a:t>
+            </a:r>
+            <a:endParaRPr lang="zh-CN" altLang="en-US" dirty="0"/>
+          </a:p>
+        </p:txBody>
+      </p:sp>
+      <mc:AlternateContent xmlns:mc="http://schemas.openxmlformats.org/markup-compatibility/2006">
+        <mc:Choice xmlns:a14="http://schemas.microsoft.com/office/drawing/2010/main" Requires="a14">
+          <p:sp>
+            <p:nvSpPr>
+              <p:cNvPr id="19" name="椭圆 18">
+                <a:extLst>
+                  <a:ext uri="{FF2B5EF4-FFF2-40B4-BE49-F238E27FC236}">
+                    <a16:creationId xmlns:a16="http://schemas.microsoft.com/office/drawing/2014/main" id="{8C6BED6B-4EC1-4A62-9529-653C3DA85DA8}"/>
+                  </a:ext>
+                </a:extLst>
+              </p:cNvPr>
+              <p:cNvSpPr/>
+              <p:nvPr/>
+            </p:nvSpPr>
+            <p:spPr>
+              <a:xfrm>
+                <a:off x="1496008" y="3259869"/>
+                <a:ext cx="544285" cy="529799"/>
+              </a:xfrm>
+              <a:prstGeom prst="ellipse">
+                <a:avLst/>
+              </a:prstGeom>
+              <a:ln>
+                <a:solidFill>
+                  <a:schemeClr val="tx1"/>
+                </a:solidFill>
+              </a:ln>
+            </p:spPr>
+            <p:style>
+              <a:lnRef idx="2">
+                <a:schemeClr val="accent6"/>
+              </a:lnRef>
+              <a:fillRef idx="1">
+                <a:schemeClr val="lt1"/>
+              </a:fillRef>
+              <a:effectRef idx="0">
+                <a:schemeClr val="accent6"/>
+              </a:effectRef>
+              <a:fontRef idx="minor">
+                <a:schemeClr val="dk1"/>
+              </a:fontRef>
+            </p:style>
+            <p:txBody>
+              <a:bodyPr rtlCol="0" anchor="ctr"/>
+              <a:lstStyle/>
+              <a:p>
+                <a:pPr algn="ctr"/>
+                <a14:m>
+                  <m:oMathPara xmlns:m="http://schemas.openxmlformats.org/officeDocument/2006/math">
+                    <m:oMathParaPr>
+                      <m:jc m:val="centerGroup"/>
+                    </m:oMathParaPr>
+                    <m:oMath xmlns:m="http://schemas.openxmlformats.org/officeDocument/2006/math">
+                      <m:sSub>
+                        <m:sSubPr>
+                          <m:ctrlPr>
+                            <a:rPr lang="en-US" altLang="zh-CN" sz="1800" i="1" dirty="0" smtClean="0">
+                              <a:latin typeface="Cambria Math" panose="02040503050406030204" pitchFamily="18" charset="0"/>
+                            </a:rPr>
+                          </m:ctrlPr>
+                        </m:sSubPr>
+                        <m:e>
+                          <m:r>
+                            <a:rPr lang="en-US" altLang="zh-CN" sz="1800" b="0" i="1" dirty="0" smtClean="0">
+                              <a:latin typeface="Cambria Math" panose="02040503050406030204" pitchFamily="18" charset="0"/>
+                            </a:rPr>
+                            <m:t>𝐾</m:t>
+                          </m:r>
+                        </m:e>
+                        <m:sub>
+                          <m:r>
+                            <a:rPr lang="en-US" altLang="zh-CN" sz="1800" b="0" i="1" dirty="0" smtClean="0">
+                              <a:latin typeface="Cambria Math" panose="02040503050406030204" pitchFamily="18" charset="0"/>
+                            </a:rPr>
+                            <m:t>𝑡</m:t>
+                          </m:r>
+                          <m:r>
+                            <a:rPr lang="en-US" altLang="zh-CN" sz="1800" b="0" i="1" dirty="0" smtClean="0">
+                              <a:latin typeface="Cambria Math" panose="02040503050406030204" pitchFamily="18" charset="0"/>
+                            </a:rPr>
+                            <m:t>−1</m:t>
+                          </m:r>
+                        </m:sub>
+                      </m:sSub>
+                    </m:oMath>
+                  </m:oMathPara>
+                </a14:m>
+                <a:endParaRPr lang="zh-CN" altLang="en-US" dirty="0"/>
+              </a:p>
+            </p:txBody>
+          </p:sp>
+        </mc:Choice>
+        <mc:Fallback>
+          <p:sp>
+            <p:nvSpPr>
+              <p:cNvPr id="19" name="椭圆 18">
+                <a:extLst>
+                  <a:ext uri="{FF2B5EF4-FFF2-40B4-BE49-F238E27FC236}">
+                    <a16:creationId xmlns:a16="http://schemas.microsoft.com/office/drawing/2014/main" id="{8C6BED6B-4EC1-4A62-9529-653C3DA85DA8}"/>
+                  </a:ext>
+                </a:extLst>
+              </p:cNvPr>
+              <p:cNvSpPr>
+                <a:spLocks noRot="1" noChangeAspect="1" noMove="1" noResize="1" noEditPoints="1" noAdjustHandles="1" noChangeArrowheads="1" noChangeShapeType="1" noTextEdit="1"/>
+              </p:cNvSpPr>
+              <p:nvPr/>
+            </p:nvSpPr>
+            <p:spPr>
+              <a:xfrm>
+                <a:off x="1496008" y="3259869"/>
+                <a:ext cx="544285" cy="529799"/>
+              </a:xfrm>
+              <a:prstGeom prst="ellipse">
+                <a:avLst/>
+              </a:prstGeom>
+              <a:blipFill>
+                <a:blip r:embed="rId3"/>
+                <a:stretch>
+                  <a:fillRect l="-9783"/>
+                </a:stretch>
+              </a:blipFill>
+              <a:ln>
+                <a:solidFill>
+                  <a:schemeClr val="tx1"/>
+                </a:solidFill>
+              </a:ln>
+            </p:spPr>
+            <p:txBody>
+              <a:bodyPr/>
+              <a:lstStyle/>
+              <a:p>
+                <a:r>
+                  <a:rPr lang="zh-CN" altLang="en-US">
+                    <a:noFill/>
+                  </a:rPr>
+                  <a:t> </a:t>
+                </a:r>
+              </a:p>
+            </p:txBody>
+          </p:sp>
+        </mc:Fallback>
+      </mc:AlternateContent>
+      <mc:AlternateContent xmlns:mc="http://schemas.openxmlformats.org/markup-compatibility/2006">
+        <mc:Choice xmlns:a14="http://schemas.microsoft.com/office/drawing/2010/main" Requires="a14">
+          <p:sp>
+            <p:nvSpPr>
+              <p:cNvPr id="20" name="椭圆 19">
+                <a:extLst>
+                  <a:ext uri="{FF2B5EF4-FFF2-40B4-BE49-F238E27FC236}">
+                    <a16:creationId xmlns:a16="http://schemas.microsoft.com/office/drawing/2014/main" id="{F267D261-19F1-46F3-84C9-5BE8D276E7F8}"/>
+                  </a:ext>
+                </a:extLst>
+              </p:cNvPr>
+              <p:cNvSpPr/>
+              <p:nvPr/>
+            </p:nvSpPr>
+            <p:spPr>
+              <a:xfrm>
+                <a:off x="1496008" y="4547613"/>
+                <a:ext cx="544285" cy="529799"/>
+              </a:xfrm>
+              <a:prstGeom prst="ellipse">
+                <a:avLst/>
+              </a:prstGeom>
+              <a:ln>
+                <a:solidFill>
+                  <a:schemeClr val="tx1"/>
+                </a:solidFill>
+              </a:ln>
+            </p:spPr>
+            <p:style>
+              <a:lnRef idx="2">
+                <a:schemeClr val="accent6"/>
+              </a:lnRef>
+              <a:fillRef idx="1">
+                <a:schemeClr val="lt1"/>
+              </a:fillRef>
+              <a:effectRef idx="0">
+                <a:schemeClr val="accent6"/>
+              </a:effectRef>
+              <a:fontRef idx="minor">
+                <a:schemeClr val="dk1"/>
+              </a:fontRef>
+            </p:style>
+            <p:txBody>
+              <a:bodyPr rtlCol="0" anchor="ctr"/>
+              <a:lstStyle/>
+              <a:p>
+                <a:pPr algn="ctr"/>
+                <a14:m>
+                  <m:oMathPara xmlns:m="http://schemas.openxmlformats.org/officeDocument/2006/math">
+                    <m:oMathParaPr>
+                      <m:jc m:val="centerGroup"/>
+                    </m:oMathParaPr>
+                    <m:oMath xmlns:m="http://schemas.openxmlformats.org/officeDocument/2006/math">
+                      <m:sSub>
+                        <m:sSubPr>
+                          <m:ctrlPr>
+                            <a:rPr lang="en-US" altLang="zh-CN" sz="1800" i="1" dirty="0" smtClean="0">
+                              <a:latin typeface="Cambria Math" panose="02040503050406030204" pitchFamily="18" charset="0"/>
+                            </a:rPr>
+                          </m:ctrlPr>
+                        </m:sSubPr>
+                        <m:e>
+                          <m:r>
+                            <a:rPr lang="en-US" altLang="zh-CN" sz="1800" b="0" i="1" dirty="0" smtClean="0">
+                              <a:latin typeface="Cambria Math" panose="02040503050406030204" pitchFamily="18" charset="0"/>
+                            </a:rPr>
+                            <m:t>𝐾</m:t>
+                          </m:r>
+                        </m:e>
+                        <m:sub>
+                          <m:r>
+                            <a:rPr lang="en-US" altLang="zh-CN" sz="1800" b="0" i="1" dirty="0" smtClean="0">
+                              <a:latin typeface="Cambria Math" panose="02040503050406030204" pitchFamily="18" charset="0"/>
+                            </a:rPr>
+                            <m:t>𝑡</m:t>
+                          </m:r>
+                        </m:sub>
+                      </m:sSub>
+                    </m:oMath>
+                  </m:oMathPara>
+                </a14:m>
+                <a:endParaRPr lang="zh-CN" altLang="en-US" dirty="0"/>
+              </a:p>
+            </p:txBody>
+          </p:sp>
+        </mc:Choice>
+        <mc:Fallback>
+          <p:sp>
+            <p:nvSpPr>
+              <p:cNvPr id="20" name="椭圆 19">
+                <a:extLst>
+                  <a:ext uri="{FF2B5EF4-FFF2-40B4-BE49-F238E27FC236}">
+                    <a16:creationId xmlns:a16="http://schemas.microsoft.com/office/drawing/2014/main" id="{F267D261-19F1-46F3-84C9-5BE8D276E7F8}"/>
+                  </a:ext>
+                </a:extLst>
+              </p:cNvPr>
+              <p:cNvSpPr>
+                <a:spLocks noRot="1" noChangeAspect="1" noMove="1" noResize="1" noEditPoints="1" noAdjustHandles="1" noChangeArrowheads="1" noChangeShapeType="1" noTextEdit="1"/>
+              </p:cNvSpPr>
+              <p:nvPr/>
+            </p:nvSpPr>
+            <p:spPr>
+              <a:xfrm>
+                <a:off x="1496008" y="4547613"/>
+                <a:ext cx="544285" cy="529799"/>
+              </a:xfrm>
+              <a:prstGeom prst="ellipse">
+                <a:avLst/>
+              </a:prstGeom>
+              <a:blipFill>
+                <a:blip r:embed="rId4"/>
+                <a:stretch>
+                  <a:fillRect/>
+                </a:stretch>
+              </a:blipFill>
+              <a:ln>
+                <a:solidFill>
+                  <a:schemeClr val="tx1"/>
+                </a:solidFill>
+              </a:ln>
+            </p:spPr>
+            <p:txBody>
+              <a:bodyPr/>
+              <a:lstStyle/>
+              <a:p>
+                <a:r>
+                  <a:rPr lang="zh-CN" altLang="en-US">
+                    <a:noFill/>
+                  </a:rPr>
+                  <a:t> </a:t>
+                </a:r>
+              </a:p>
+            </p:txBody>
+          </p:sp>
+        </mc:Fallback>
+      </mc:AlternateContent>
+      <p:sp>
+        <p:nvSpPr>
+          <p:cNvPr id="26" name="椭圆 25">
+            <a:extLst>
+              <a:ext uri="{FF2B5EF4-FFF2-40B4-BE49-F238E27FC236}">
+                <a16:creationId xmlns:a16="http://schemas.microsoft.com/office/drawing/2014/main" id="{4FB8F2C0-FE14-487A-8DAF-89E578F40FEE}"/>
+              </a:ext>
+            </a:extLst>
+          </p:cNvPr>
+          <p:cNvSpPr/>
+          <p:nvPr/>
+        </p:nvSpPr>
+        <p:spPr>
+          <a:xfrm>
+            <a:off x="2648340" y="961668"/>
+            <a:ext cx="886405" cy="620594"/>
+          </a:xfrm>
+          <a:prstGeom prst="ellipse">
+            <a:avLst/>
+          </a:prstGeom>
+          <a:ln>
+            <a:solidFill>
+              <a:schemeClr val="tx1"/>
+            </a:solidFill>
+          </a:ln>
+        </p:spPr>
+        <p:style>
+          <a:lnRef idx="2">
+            <a:schemeClr val="accent6"/>
+          </a:lnRef>
+          <a:fillRef idx="1">
+            <a:schemeClr val="lt1"/>
+          </a:fillRef>
+          <a:effectRef idx="0">
+            <a:schemeClr val="accent6"/>
+          </a:effectRef>
+          <a:fontRef idx="minor">
+            <a:schemeClr val="dk1"/>
+          </a:fontRef>
+        </p:style>
+        <p:txBody>
+          <a:bodyPr rtlCol="0" anchor="ctr"/>
+          <a:lstStyle/>
+          <a:p>
+            <a:pPr algn="ctr"/>
+            <a:r>
+              <a:rPr lang="en-US" altLang="zh-CN" sz="1400" dirty="0"/>
+              <a:t>h0,c0</a:t>
+            </a:r>
+            <a:endParaRPr lang="zh-CN" altLang="en-US" sz="1400" dirty="0"/>
+          </a:p>
+        </p:txBody>
+      </p:sp>
+      <p:cxnSp>
+        <p:nvCxnSpPr>
+          <p:cNvPr id="31" name="直接箭头连接符 30">
+            <a:extLst>
+              <a:ext uri="{FF2B5EF4-FFF2-40B4-BE49-F238E27FC236}">
+                <a16:creationId xmlns:a16="http://schemas.microsoft.com/office/drawing/2014/main" id="{1D986EC4-96D9-44C9-86E8-64FE5BD0D422}"/>
+              </a:ext>
+            </a:extLst>
+          </p:cNvPr>
+          <p:cNvCxnSpPr>
+            <a:cxnSpLocks/>
+            <a:endCxn id="2" idx="0"/>
+          </p:cNvCxnSpPr>
+          <p:nvPr/>
+        </p:nvCxnSpPr>
+        <p:spPr>
+          <a:xfrm>
+            <a:off x="3091543" y="1571625"/>
+            <a:ext cx="3108" cy="173199"/>
+          </a:xfrm>
+          <a:prstGeom prst="straightConnector1">
+            <a:avLst/>
+          </a:prstGeom>
+          <a:ln>
+            <a:tailEnd type="triangle"/>
+          </a:ln>
+        </p:spPr>
+        <p:style>
+          <a:lnRef idx="1">
+            <a:schemeClr val="dk1"/>
+          </a:lnRef>
+          <a:fillRef idx="0">
+            <a:schemeClr val="dk1"/>
+          </a:fillRef>
+          <a:effectRef idx="0">
+            <a:schemeClr val="dk1"/>
+          </a:effectRef>
+          <a:fontRef idx="minor">
+            <a:schemeClr val="tx1"/>
+          </a:fontRef>
+        </p:style>
+      </p:cxnSp>
+      <p:sp>
+        <p:nvSpPr>
+          <p:cNvPr id="41" name="文本框 40">
+            <a:extLst>
+              <a:ext uri="{FF2B5EF4-FFF2-40B4-BE49-F238E27FC236}">
+                <a16:creationId xmlns:a16="http://schemas.microsoft.com/office/drawing/2014/main" id="{6D80F0A9-90A8-4A37-B6CD-96655303EACB}"/>
+              </a:ext>
+            </a:extLst>
+          </p:cNvPr>
+          <p:cNvSpPr txBox="1"/>
+          <p:nvPr/>
+        </p:nvSpPr>
+        <p:spPr>
+          <a:xfrm>
+            <a:off x="1459172" y="1636500"/>
+            <a:ext cx="661018" cy="276999"/>
+          </a:xfrm>
+          <a:prstGeom prst="rect">
+            <a:avLst/>
+          </a:prstGeom>
+          <a:noFill/>
+        </p:spPr>
+        <p:txBody>
+          <a:bodyPr wrap="square" rtlCol="0">
+            <a:spAutoFit/>
+          </a:bodyPr>
+          <a:lstStyle/>
+          <a:p>
+            <a:r>
+              <a:rPr lang="en-US" altLang="zh-CN" sz="1200" dirty="0"/>
+              <a:t>INPUT</a:t>
+            </a:r>
+            <a:endParaRPr lang="zh-CN" altLang="en-US" sz="1200" dirty="0"/>
+          </a:p>
+        </p:txBody>
+      </p:sp>
+      <p:sp>
+        <p:nvSpPr>
+          <p:cNvPr id="43" name="椭圆 42">
+            <a:extLst>
+              <a:ext uri="{FF2B5EF4-FFF2-40B4-BE49-F238E27FC236}">
+                <a16:creationId xmlns:a16="http://schemas.microsoft.com/office/drawing/2014/main" id="{BE7EFF2C-D456-4C8E-A8D8-85B7EEBFD7B7}"/>
+              </a:ext>
+            </a:extLst>
+          </p:cNvPr>
+          <p:cNvSpPr/>
+          <p:nvPr/>
+        </p:nvSpPr>
+        <p:spPr>
+          <a:xfrm>
+            <a:off x="5278399" y="1271965"/>
+            <a:ext cx="544285" cy="529799"/>
+          </a:xfrm>
+          <a:prstGeom prst="ellipse">
+            <a:avLst/>
+          </a:prstGeom>
+          <a:ln>
+            <a:solidFill>
+              <a:schemeClr val="tx1"/>
+            </a:solidFill>
+          </a:ln>
+        </p:spPr>
+        <p:style>
+          <a:lnRef idx="2">
+            <a:schemeClr val="accent6"/>
+          </a:lnRef>
+          <a:fillRef idx="1">
+            <a:schemeClr val="lt1"/>
+          </a:fillRef>
+          <a:effectRef idx="0">
+            <a:schemeClr val="accent6"/>
+          </a:effectRef>
+          <a:fontRef idx="minor">
+            <a:schemeClr val="dk1"/>
+          </a:fontRef>
+        </p:style>
+        <p:txBody>
+          <a:bodyPr rtlCol="0" anchor="ctr"/>
+          <a:lstStyle/>
+          <a:p>
+            <a:pPr algn="ctr"/>
+            <a:r>
+              <a:rPr lang="en-US" altLang="zh-CN" dirty="0"/>
+              <a:t>1</a:t>
+            </a:r>
+            <a:endParaRPr lang="zh-CN" altLang="en-US" dirty="0"/>
+          </a:p>
+        </p:txBody>
+      </p:sp>
+      <p:sp>
+        <p:nvSpPr>
+          <p:cNvPr id="44" name="椭圆 43">
+            <a:extLst>
+              <a:ext uri="{FF2B5EF4-FFF2-40B4-BE49-F238E27FC236}">
+                <a16:creationId xmlns:a16="http://schemas.microsoft.com/office/drawing/2014/main" id="{D93359B0-C6FC-4613-882D-6F8D314629D4}"/>
+              </a:ext>
+            </a:extLst>
+          </p:cNvPr>
+          <p:cNvSpPr/>
+          <p:nvPr/>
+        </p:nvSpPr>
+        <p:spPr>
+          <a:xfrm>
+            <a:off x="5278399" y="1801764"/>
+            <a:ext cx="544285" cy="529799"/>
+          </a:xfrm>
+          <a:prstGeom prst="ellipse">
+            <a:avLst/>
+          </a:prstGeom>
+          <a:ln>
+            <a:solidFill>
+              <a:schemeClr val="tx1"/>
+            </a:solidFill>
+          </a:ln>
+        </p:spPr>
+        <p:style>
+          <a:lnRef idx="2">
+            <a:schemeClr val="accent6"/>
+          </a:lnRef>
+          <a:fillRef idx="1">
+            <a:schemeClr val="lt1"/>
+          </a:fillRef>
+          <a:effectRef idx="0">
+            <a:schemeClr val="accent6"/>
+          </a:effectRef>
+          <a:fontRef idx="minor">
+            <a:schemeClr val="dk1"/>
+          </a:fontRef>
+        </p:style>
+        <p:txBody>
+          <a:bodyPr rtlCol="0" anchor="ctr"/>
+          <a:lstStyle/>
+          <a:p>
+            <a:pPr algn="ctr"/>
+            <a:r>
+              <a:rPr lang="en-US" altLang="zh-CN" dirty="0"/>
+              <a:t>2</a:t>
+            </a:r>
+            <a:endParaRPr lang="zh-CN" altLang="en-US" dirty="0"/>
+          </a:p>
+        </p:txBody>
+      </p:sp>
+      <p:sp>
+        <p:nvSpPr>
+          <p:cNvPr id="45" name="椭圆 44">
+            <a:extLst>
+              <a:ext uri="{FF2B5EF4-FFF2-40B4-BE49-F238E27FC236}">
+                <a16:creationId xmlns:a16="http://schemas.microsoft.com/office/drawing/2014/main" id="{FDA7D137-1AB0-4422-81AB-1946213BF05B}"/>
+              </a:ext>
+            </a:extLst>
+          </p:cNvPr>
+          <p:cNvSpPr/>
+          <p:nvPr/>
+        </p:nvSpPr>
+        <p:spPr>
+          <a:xfrm>
+            <a:off x="5272957" y="2331563"/>
+            <a:ext cx="544285" cy="529799"/>
+          </a:xfrm>
+          <a:prstGeom prst="ellipse">
+            <a:avLst/>
+          </a:prstGeom>
+          <a:ln>
+            <a:solidFill>
+              <a:schemeClr val="tx1"/>
+            </a:solidFill>
+          </a:ln>
+        </p:spPr>
+        <p:style>
+          <a:lnRef idx="2">
+            <a:schemeClr val="accent6"/>
+          </a:lnRef>
+          <a:fillRef idx="1">
+            <a:schemeClr val="lt1"/>
+          </a:fillRef>
+          <a:effectRef idx="0">
+            <a:schemeClr val="accent6"/>
+          </a:effectRef>
+          <a:fontRef idx="minor">
+            <a:schemeClr val="dk1"/>
+          </a:fontRef>
+        </p:style>
+        <p:txBody>
+          <a:bodyPr rtlCol="0" anchor="ctr"/>
+          <a:lstStyle/>
+          <a:p>
+            <a:pPr algn="ctr"/>
+            <a:r>
+              <a:rPr lang="en-US" altLang="zh-CN" dirty="0"/>
+              <a:t>3</a:t>
+            </a:r>
+            <a:endParaRPr lang="zh-CN" altLang="en-US" dirty="0"/>
+          </a:p>
+        </p:txBody>
+      </p:sp>
+      <p:sp>
+        <p:nvSpPr>
+          <p:cNvPr id="46" name="椭圆 45">
+            <a:extLst>
+              <a:ext uri="{FF2B5EF4-FFF2-40B4-BE49-F238E27FC236}">
+                <a16:creationId xmlns:a16="http://schemas.microsoft.com/office/drawing/2014/main" id="{0FA3D564-B2DF-4994-9FE8-0D9C865C0309}"/>
+              </a:ext>
+            </a:extLst>
+          </p:cNvPr>
+          <p:cNvSpPr/>
+          <p:nvPr/>
+        </p:nvSpPr>
+        <p:spPr>
+          <a:xfrm>
+            <a:off x="5278399" y="2861362"/>
+            <a:ext cx="544285" cy="529799"/>
+          </a:xfrm>
+          <a:prstGeom prst="ellipse">
+            <a:avLst/>
+          </a:prstGeom>
+          <a:ln>
+            <a:solidFill>
+              <a:schemeClr val="tx1"/>
+            </a:solidFill>
+          </a:ln>
+        </p:spPr>
+        <p:style>
+          <a:lnRef idx="2">
+            <a:schemeClr val="accent6"/>
+          </a:lnRef>
+          <a:fillRef idx="1">
+            <a:schemeClr val="lt1"/>
+          </a:fillRef>
+          <a:effectRef idx="0">
+            <a:schemeClr val="accent6"/>
+          </a:effectRef>
+          <a:fontRef idx="minor">
+            <a:schemeClr val="dk1"/>
+          </a:fontRef>
+        </p:style>
+        <p:txBody>
+          <a:bodyPr rtlCol="0" anchor="ctr"/>
+          <a:lstStyle/>
+          <a:p>
+            <a:pPr algn="ctr"/>
+            <a:r>
+              <a:rPr lang="en-US" altLang="zh-CN" dirty="0"/>
+              <a:t>4</a:t>
+            </a:r>
+            <a:endParaRPr lang="zh-CN" altLang="en-US" dirty="0"/>
+          </a:p>
+        </p:txBody>
+      </p:sp>
+      <p:sp>
+        <p:nvSpPr>
+          <p:cNvPr id="47" name="椭圆 46">
+            <a:extLst>
+              <a:ext uri="{FF2B5EF4-FFF2-40B4-BE49-F238E27FC236}">
+                <a16:creationId xmlns:a16="http://schemas.microsoft.com/office/drawing/2014/main" id="{F6F6D020-CA6C-4F3A-B0FF-66E205D5911C}"/>
+              </a:ext>
+            </a:extLst>
+          </p:cNvPr>
+          <p:cNvSpPr/>
+          <p:nvPr/>
+        </p:nvSpPr>
+        <p:spPr>
+          <a:xfrm>
+            <a:off x="5283841" y="5358416"/>
+            <a:ext cx="544285" cy="529799"/>
+          </a:xfrm>
+          <a:prstGeom prst="ellipse">
+            <a:avLst/>
+          </a:prstGeom>
+          <a:ln>
+            <a:solidFill>
+              <a:schemeClr val="tx1"/>
+            </a:solidFill>
+          </a:ln>
+        </p:spPr>
+        <p:style>
+          <a:lnRef idx="2">
+            <a:schemeClr val="accent6"/>
+          </a:lnRef>
+          <a:fillRef idx="1">
+            <a:schemeClr val="lt1"/>
+          </a:fillRef>
+          <a:effectRef idx="0">
+            <a:schemeClr val="accent6"/>
+          </a:effectRef>
+          <a:fontRef idx="minor">
+            <a:schemeClr val="dk1"/>
+          </a:fontRef>
+        </p:style>
+        <p:txBody>
+          <a:bodyPr rtlCol="0" anchor="ctr"/>
+          <a:lstStyle/>
+          <a:p>
+            <a:pPr algn="ctr"/>
+            <a:r>
+              <a:rPr lang="en-US" altLang="zh-CN" sz="1400" dirty="0"/>
+              <a:t>16</a:t>
+            </a:r>
+            <a:endParaRPr lang="zh-CN" altLang="en-US" sz="1400" dirty="0"/>
+          </a:p>
+        </p:txBody>
+      </p:sp>
+      <p:sp>
+        <p:nvSpPr>
+          <p:cNvPr id="48" name="椭圆 47">
+            <a:extLst>
+              <a:ext uri="{FF2B5EF4-FFF2-40B4-BE49-F238E27FC236}">
+                <a16:creationId xmlns:a16="http://schemas.microsoft.com/office/drawing/2014/main" id="{3FD1C65A-474F-4AE6-B1A1-930105C8D756}"/>
+              </a:ext>
+            </a:extLst>
+          </p:cNvPr>
+          <p:cNvSpPr/>
+          <p:nvPr/>
+        </p:nvSpPr>
+        <p:spPr>
+          <a:xfrm>
+            <a:off x="5283841" y="4825481"/>
+            <a:ext cx="544285" cy="529799"/>
+          </a:xfrm>
+          <a:prstGeom prst="ellipse">
+            <a:avLst/>
+          </a:prstGeom>
+          <a:ln>
+            <a:solidFill>
+              <a:schemeClr val="tx1"/>
+            </a:solidFill>
+          </a:ln>
+        </p:spPr>
+        <p:style>
+          <a:lnRef idx="2">
+            <a:schemeClr val="accent6"/>
+          </a:lnRef>
+          <a:fillRef idx="1">
+            <a:schemeClr val="lt1"/>
+          </a:fillRef>
+          <a:effectRef idx="0">
+            <a:schemeClr val="accent6"/>
+          </a:effectRef>
+          <a:fontRef idx="minor">
+            <a:schemeClr val="dk1"/>
+          </a:fontRef>
+        </p:style>
+        <p:txBody>
+          <a:bodyPr rtlCol="0" anchor="ctr"/>
+          <a:lstStyle/>
+          <a:p>
+            <a:pPr algn="ctr"/>
+            <a:r>
+              <a:rPr lang="en-US" altLang="zh-CN" sz="1400" dirty="0"/>
+              <a:t>15</a:t>
+            </a:r>
+            <a:endParaRPr lang="zh-CN" altLang="en-US" sz="1400" dirty="0"/>
+          </a:p>
+        </p:txBody>
+      </p:sp>
+      <p:sp>
+        <p:nvSpPr>
+          <p:cNvPr id="49" name="文本框 48">
+            <a:extLst>
+              <a:ext uri="{FF2B5EF4-FFF2-40B4-BE49-F238E27FC236}">
+                <a16:creationId xmlns:a16="http://schemas.microsoft.com/office/drawing/2014/main" id="{A5551455-4F0D-4F6E-943B-B6963B5B7F1B}"/>
+              </a:ext>
+            </a:extLst>
+          </p:cNvPr>
+          <p:cNvSpPr txBox="1"/>
+          <p:nvPr/>
+        </p:nvSpPr>
+        <p:spPr>
+          <a:xfrm>
+            <a:off x="5343258" y="3523267"/>
+            <a:ext cx="425450" cy="1200329"/>
+          </a:xfrm>
+          <a:prstGeom prst="rect">
+            <a:avLst/>
+          </a:prstGeom>
+          <a:noFill/>
+        </p:spPr>
+        <p:txBody>
+          <a:bodyPr wrap="square" rtlCol="0">
+            <a:spAutoFit/>
+          </a:bodyPr>
+          <a:lstStyle/>
+          <a:p>
+            <a:pPr algn="ctr"/>
+            <a:r>
+              <a:rPr lang="en-US" altLang="zh-CN" dirty="0"/>
+              <a:t>.</a:t>
+            </a:r>
+          </a:p>
+          <a:p>
+            <a:pPr algn="ctr"/>
+            <a:r>
+              <a:rPr lang="en-US" altLang="zh-CN" dirty="0"/>
+              <a:t>.</a:t>
+            </a:r>
+          </a:p>
+          <a:p>
+            <a:pPr algn="ctr"/>
+            <a:r>
+              <a:rPr lang="en-US" altLang="zh-CN" dirty="0"/>
+              <a:t>.</a:t>
+            </a:r>
+          </a:p>
+          <a:p>
+            <a:pPr algn="ctr"/>
+            <a:r>
+              <a:rPr lang="en-US" altLang="zh-CN" dirty="0"/>
+              <a:t>.</a:t>
+            </a:r>
+            <a:endParaRPr lang="zh-CN" altLang="en-US" dirty="0"/>
+          </a:p>
+        </p:txBody>
+      </p:sp>
+      <p:cxnSp>
+        <p:nvCxnSpPr>
+          <p:cNvPr id="51" name="直接箭头连接符 50">
+            <a:extLst>
+              <a:ext uri="{FF2B5EF4-FFF2-40B4-BE49-F238E27FC236}">
+                <a16:creationId xmlns:a16="http://schemas.microsoft.com/office/drawing/2014/main" id="{3252DF0F-BEF1-4230-9466-1511292E25D7}"/>
+              </a:ext>
+            </a:extLst>
+          </p:cNvPr>
+          <p:cNvCxnSpPr>
+            <a:stCxn id="4" idx="6"/>
+            <a:endCxn id="43" idx="2"/>
+          </p:cNvCxnSpPr>
+          <p:nvPr/>
+        </p:nvCxnSpPr>
+        <p:spPr>
+          <a:xfrm flipV="1">
+            <a:off x="3657596" y="1536865"/>
+            <a:ext cx="1620803" cy="3297948"/>
+          </a:xfrm>
+          <a:prstGeom prst="straightConnector1">
+            <a:avLst/>
+          </a:prstGeom>
+          <a:ln>
+            <a:tailEnd type="triangle"/>
+          </a:ln>
+        </p:spPr>
+        <p:style>
+          <a:lnRef idx="1">
+            <a:schemeClr val="dk1"/>
+          </a:lnRef>
+          <a:fillRef idx="0">
+            <a:schemeClr val="dk1"/>
+          </a:fillRef>
+          <a:effectRef idx="0">
+            <a:schemeClr val="dk1"/>
+          </a:effectRef>
+          <a:fontRef idx="minor">
+            <a:schemeClr val="tx1"/>
+          </a:fontRef>
+        </p:style>
+      </p:cxnSp>
+      <p:cxnSp>
+        <p:nvCxnSpPr>
+          <p:cNvPr id="52" name="直接箭头连接符 51">
+            <a:extLst>
+              <a:ext uri="{FF2B5EF4-FFF2-40B4-BE49-F238E27FC236}">
+                <a16:creationId xmlns:a16="http://schemas.microsoft.com/office/drawing/2014/main" id="{8F893DA2-9CC6-4908-84DF-EC5E59810289}"/>
+              </a:ext>
+            </a:extLst>
+          </p:cNvPr>
+          <p:cNvCxnSpPr>
+            <a:cxnSpLocks/>
+            <a:stCxn id="4" idx="6"/>
+            <a:endCxn id="44" idx="2"/>
+          </p:cNvCxnSpPr>
+          <p:nvPr/>
+        </p:nvCxnSpPr>
+        <p:spPr>
+          <a:xfrm flipV="1">
+            <a:off x="3657596" y="2066664"/>
+            <a:ext cx="1620803" cy="2768149"/>
+          </a:xfrm>
+          <a:prstGeom prst="straightConnector1">
+            <a:avLst/>
+          </a:prstGeom>
+          <a:ln>
+            <a:tailEnd type="triangle"/>
+          </a:ln>
+        </p:spPr>
+        <p:style>
+          <a:lnRef idx="1">
+            <a:schemeClr val="dk1"/>
+          </a:lnRef>
+          <a:fillRef idx="0">
+            <a:schemeClr val="dk1"/>
+          </a:fillRef>
+          <a:effectRef idx="0">
+            <a:schemeClr val="dk1"/>
+          </a:effectRef>
+          <a:fontRef idx="minor">
+            <a:schemeClr val="tx1"/>
+          </a:fontRef>
+        </p:style>
+      </p:cxnSp>
+      <p:cxnSp>
+        <p:nvCxnSpPr>
+          <p:cNvPr id="55" name="直接箭头连接符 54">
+            <a:extLst>
+              <a:ext uri="{FF2B5EF4-FFF2-40B4-BE49-F238E27FC236}">
+                <a16:creationId xmlns:a16="http://schemas.microsoft.com/office/drawing/2014/main" id="{81B49B0B-0841-4EA6-9D9C-703A3E15AF68}"/>
+              </a:ext>
+            </a:extLst>
+          </p:cNvPr>
+          <p:cNvCxnSpPr>
+            <a:cxnSpLocks/>
+            <a:stCxn id="4" idx="6"/>
+            <a:endCxn id="45" idx="2"/>
+          </p:cNvCxnSpPr>
+          <p:nvPr/>
+        </p:nvCxnSpPr>
+        <p:spPr>
+          <a:xfrm flipV="1">
+            <a:off x="3657596" y="2596463"/>
+            <a:ext cx="1615361" cy="2238350"/>
+          </a:xfrm>
+          <a:prstGeom prst="straightConnector1">
+            <a:avLst/>
+          </a:prstGeom>
+          <a:ln>
+            <a:tailEnd type="triangle"/>
+          </a:ln>
+        </p:spPr>
+        <p:style>
+          <a:lnRef idx="1">
+            <a:schemeClr val="dk1"/>
+          </a:lnRef>
+          <a:fillRef idx="0">
+            <a:schemeClr val="dk1"/>
+          </a:fillRef>
+          <a:effectRef idx="0">
+            <a:schemeClr val="dk1"/>
+          </a:effectRef>
+          <a:fontRef idx="minor">
+            <a:schemeClr val="tx1"/>
+          </a:fontRef>
+        </p:style>
+      </p:cxnSp>
+      <p:cxnSp>
+        <p:nvCxnSpPr>
+          <p:cNvPr id="58" name="直接箭头连接符 57">
+            <a:extLst>
+              <a:ext uri="{FF2B5EF4-FFF2-40B4-BE49-F238E27FC236}">
+                <a16:creationId xmlns:a16="http://schemas.microsoft.com/office/drawing/2014/main" id="{E8792E0D-8821-431E-88BA-9C5B00B0282F}"/>
+              </a:ext>
+            </a:extLst>
+          </p:cNvPr>
+          <p:cNvCxnSpPr>
+            <a:cxnSpLocks/>
+            <a:stCxn id="4" idx="6"/>
+            <a:endCxn id="46" idx="2"/>
+          </p:cNvCxnSpPr>
+          <p:nvPr/>
+        </p:nvCxnSpPr>
+        <p:spPr>
+          <a:xfrm flipV="1">
+            <a:off x="3657596" y="3126262"/>
+            <a:ext cx="1620803" cy="1708551"/>
+          </a:xfrm>
+          <a:prstGeom prst="straightConnector1">
+            <a:avLst/>
+          </a:prstGeom>
+          <a:ln>
+            <a:tailEnd type="triangle"/>
+          </a:ln>
+        </p:spPr>
+        <p:style>
+          <a:lnRef idx="1">
+            <a:schemeClr val="dk1"/>
+          </a:lnRef>
+          <a:fillRef idx="0">
+            <a:schemeClr val="dk1"/>
+          </a:fillRef>
+          <a:effectRef idx="0">
+            <a:schemeClr val="dk1"/>
+          </a:effectRef>
+          <a:fontRef idx="minor">
+            <a:schemeClr val="tx1"/>
+          </a:fontRef>
+        </p:style>
+      </p:cxnSp>
+      <p:cxnSp>
+        <p:nvCxnSpPr>
+          <p:cNvPr id="61" name="直接箭头连接符 60">
+            <a:extLst>
+              <a:ext uri="{FF2B5EF4-FFF2-40B4-BE49-F238E27FC236}">
+                <a16:creationId xmlns:a16="http://schemas.microsoft.com/office/drawing/2014/main" id="{B71EEEDE-1D9C-4FEA-9DD2-D360FF51D2AE}"/>
+              </a:ext>
+            </a:extLst>
+          </p:cNvPr>
+          <p:cNvCxnSpPr>
+            <a:cxnSpLocks/>
+            <a:stCxn id="4" idx="6"/>
+            <a:endCxn id="48" idx="2"/>
+          </p:cNvCxnSpPr>
+          <p:nvPr/>
+        </p:nvCxnSpPr>
+        <p:spPr>
+          <a:xfrm>
+            <a:off x="3657596" y="4834813"/>
+            <a:ext cx="1626245" cy="255568"/>
+          </a:xfrm>
+          <a:prstGeom prst="straightConnector1">
+            <a:avLst/>
+          </a:prstGeom>
+          <a:ln>
+            <a:tailEnd type="triangle"/>
+          </a:ln>
+        </p:spPr>
+        <p:style>
+          <a:lnRef idx="1">
+            <a:schemeClr val="dk1"/>
+          </a:lnRef>
+          <a:fillRef idx="0">
+            <a:schemeClr val="dk1"/>
+          </a:fillRef>
+          <a:effectRef idx="0">
+            <a:schemeClr val="dk1"/>
+          </a:effectRef>
+          <a:fontRef idx="minor">
+            <a:schemeClr val="tx1"/>
+          </a:fontRef>
+        </p:style>
+      </p:cxnSp>
+      <p:cxnSp>
+        <p:nvCxnSpPr>
+          <p:cNvPr id="69" name="直接箭头连接符 68">
+            <a:extLst>
+              <a:ext uri="{FF2B5EF4-FFF2-40B4-BE49-F238E27FC236}">
+                <a16:creationId xmlns:a16="http://schemas.microsoft.com/office/drawing/2014/main" id="{FE7D6EF8-C2F1-4C32-9527-E36F93EE2C49}"/>
+              </a:ext>
+            </a:extLst>
+          </p:cNvPr>
+          <p:cNvCxnSpPr>
+            <a:cxnSpLocks/>
+            <a:endCxn id="47" idx="2"/>
+          </p:cNvCxnSpPr>
+          <p:nvPr/>
+        </p:nvCxnSpPr>
+        <p:spPr>
+          <a:xfrm>
+            <a:off x="3670041" y="4839478"/>
+            <a:ext cx="1613800" cy="783838"/>
+          </a:xfrm>
+          <a:prstGeom prst="straightConnector1">
+            <a:avLst/>
+          </a:prstGeom>
+          <a:ln>
+            <a:tailEnd type="triangle"/>
+          </a:ln>
+        </p:spPr>
+        <p:style>
+          <a:lnRef idx="1">
+            <a:schemeClr val="dk1"/>
+          </a:lnRef>
+          <a:fillRef idx="0">
+            <a:schemeClr val="dk1"/>
+          </a:fillRef>
+          <a:effectRef idx="0">
+            <a:schemeClr val="dk1"/>
+          </a:effectRef>
+          <a:fontRef idx="minor">
+            <a:schemeClr val="tx1"/>
+          </a:fontRef>
+        </p:style>
+      </p:cxnSp>
+      <p:sp>
+        <p:nvSpPr>
+          <p:cNvPr id="72" name="文本框 71">
+            <a:extLst>
+              <a:ext uri="{FF2B5EF4-FFF2-40B4-BE49-F238E27FC236}">
+                <a16:creationId xmlns:a16="http://schemas.microsoft.com/office/drawing/2014/main" id="{D2818EB3-D70C-488B-8A69-ECF6795142ED}"/>
+              </a:ext>
+            </a:extLst>
+          </p:cNvPr>
+          <p:cNvSpPr txBox="1"/>
+          <p:nvPr/>
+        </p:nvSpPr>
+        <p:spPr>
+          <a:xfrm>
+            <a:off x="4418426" y="2322184"/>
+            <a:ext cx="620492" cy="215444"/>
+          </a:xfrm>
+          <a:prstGeom prst="rect">
+            <a:avLst/>
+          </a:prstGeom>
+          <a:noFill/>
+        </p:spPr>
+        <p:txBody>
+          <a:bodyPr wrap="square" rtlCol="0">
+            <a:spAutoFit/>
+          </a:bodyPr>
+          <a:lstStyle/>
+          <a:p>
+            <a:r>
+              <a:rPr lang="en-US" altLang="zh-CN" sz="800" dirty="0"/>
+              <a:t>h3_1</a:t>
+            </a:r>
+            <a:endParaRPr lang="zh-CN" altLang="en-US" sz="800" dirty="0"/>
+          </a:p>
+        </p:txBody>
+      </p:sp>
+      <p:sp>
+        <p:nvSpPr>
+          <p:cNvPr id="73" name="文本框 72">
+            <a:extLst>
+              <a:ext uri="{FF2B5EF4-FFF2-40B4-BE49-F238E27FC236}">
+                <a16:creationId xmlns:a16="http://schemas.microsoft.com/office/drawing/2014/main" id="{09433DB1-3F72-4434-BD38-FADB1CB95A0A}"/>
+              </a:ext>
+            </a:extLst>
+          </p:cNvPr>
+          <p:cNvSpPr txBox="1"/>
+          <p:nvPr/>
+        </p:nvSpPr>
+        <p:spPr>
+          <a:xfrm>
+            <a:off x="4607743" y="2727854"/>
+            <a:ext cx="620492" cy="215444"/>
+          </a:xfrm>
+          <a:prstGeom prst="rect">
+            <a:avLst/>
+          </a:prstGeom>
+          <a:noFill/>
+        </p:spPr>
+        <p:txBody>
+          <a:bodyPr wrap="square" rtlCol="0">
+            <a:spAutoFit/>
+          </a:bodyPr>
+          <a:lstStyle/>
+          <a:p>
+            <a:r>
+              <a:rPr lang="en-US" altLang="zh-CN" sz="800" dirty="0"/>
+              <a:t>h3_2</a:t>
+            </a:r>
+            <a:endParaRPr lang="zh-CN" altLang="en-US" sz="800" dirty="0"/>
+          </a:p>
+        </p:txBody>
+      </p:sp>
+      <p:sp>
+        <p:nvSpPr>
+          <p:cNvPr id="74" name="文本框 73">
+            <a:extLst>
+              <a:ext uri="{FF2B5EF4-FFF2-40B4-BE49-F238E27FC236}">
+                <a16:creationId xmlns:a16="http://schemas.microsoft.com/office/drawing/2014/main" id="{9A23CF98-D6A4-4E34-9705-AFFF8015E97E}"/>
+              </a:ext>
+            </a:extLst>
+          </p:cNvPr>
+          <p:cNvSpPr txBox="1"/>
+          <p:nvPr/>
+        </p:nvSpPr>
+        <p:spPr>
+          <a:xfrm>
+            <a:off x="4596482" y="3121597"/>
+            <a:ext cx="620492" cy="215444"/>
+          </a:xfrm>
+          <a:prstGeom prst="rect">
+            <a:avLst/>
+          </a:prstGeom>
+          <a:noFill/>
+        </p:spPr>
+        <p:txBody>
+          <a:bodyPr wrap="square" rtlCol="0">
+            <a:spAutoFit/>
+          </a:bodyPr>
+          <a:lstStyle/>
+          <a:p>
+            <a:r>
+              <a:rPr lang="en-US" altLang="zh-CN" sz="800" dirty="0"/>
+              <a:t>h3_3</a:t>
+            </a:r>
+            <a:endParaRPr lang="zh-CN" altLang="en-US" sz="800" dirty="0"/>
+          </a:p>
+        </p:txBody>
+      </p:sp>
+      <p:sp>
+        <p:nvSpPr>
+          <p:cNvPr id="75" name="文本框 74">
+            <a:extLst>
+              <a:ext uri="{FF2B5EF4-FFF2-40B4-BE49-F238E27FC236}">
+                <a16:creationId xmlns:a16="http://schemas.microsoft.com/office/drawing/2014/main" id="{3F9EA2C4-DD2A-43BB-95FC-7F0DFBB55889}"/>
+              </a:ext>
+            </a:extLst>
+          </p:cNvPr>
+          <p:cNvSpPr txBox="1"/>
+          <p:nvPr/>
+        </p:nvSpPr>
+        <p:spPr>
+          <a:xfrm>
+            <a:off x="4312003" y="4778114"/>
+            <a:ext cx="620492" cy="215444"/>
+          </a:xfrm>
+          <a:prstGeom prst="rect">
+            <a:avLst/>
+          </a:prstGeom>
+          <a:noFill/>
+        </p:spPr>
+        <p:txBody>
+          <a:bodyPr wrap="square" rtlCol="0">
+            <a:spAutoFit/>
+          </a:bodyPr>
+          <a:lstStyle/>
+          <a:p>
+            <a:r>
+              <a:rPr lang="en-US" altLang="zh-CN" sz="800" dirty="0"/>
+              <a:t>h3_15</a:t>
+            </a:r>
+            <a:endParaRPr lang="zh-CN" altLang="en-US" sz="800" dirty="0"/>
+          </a:p>
+        </p:txBody>
+      </p:sp>
+      <p:sp>
+        <p:nvSpPr>
+          <p:cNvPr id="76" name="文本框 75">
+            <a:extLst>
+              <a:ext uri="{FF2B5EF4-FFF2-40B4-BE49-F238E27FC236}">
+                <a16:creationId xmlns:a16="http://schemas.microsoft.com/office/drawing/2014/main" id="{7A96A1E7-B70C-4D8F-A3F9-749E4E888FBA}"/>
+              </a:ext>
+            </a:extLst>
+          </p:cNvPr>
+          <p:cNvSpPr txBox="1"/>
+          <p:nvPr/>
+        </p:nvSpPr>
+        <p:spPr>
+          <a:xfrm>
+            <a:off x="4284526" y="5260533"/>
+            <a:ext cx="620492" cy="215444"/>
+          </a:xfrm>
+          <a:prstGeom prst="rect">
+            <a:avLst/>
+          </a:prstGeom>
+          <a:noFill/>
+        </p:spPr>
+        <p:txBody>
+          <a:bodyPr wrap="square" rtlCol="0">
+            <a:spAutoFit/>
+          </a:bodyPr>
+          <a:lstStyle/>
+          <a:p>
+            <a:r>
+              <a:rPr lang="en-US" altLang="zh-CN" sz="800" dirty="0"/>
+              <a:t>h3_16</a:t>
+            </a:r>
+            <a:endParaRPr lang="zh-CN" altLang="en-US" sz="800" dirty="0"/>
+          </a:p>
+        </p:txBody>
+      </p:sp>
+      <p:sp>
+        <p:nvSpPr>
+          <p:cNvPr id="77" name="椭圆 76">
+            <a:extLst>
+              <a:ext uri="{FF2B5EF4-FFF2-40B4-BE49-F238E27FC236}">
+                <a16:creationId xmlns:a16="http://schemas.microsoft.com/office/drawing/2014/main" id="{C6D57329-A612-4FC3-943F-AC7B9F2947D6}"/>
+              </a:ext>
+            </a:extLst>
+          </p:cNvPr>
+          <p:cNvSpPr/>
+          <p:nvPr/>
+        </p:nvSpPr>
+        <p:spPr>
+          <a:xfrm>
+            <a:off x="6632889" y="3205896"/>
+            <a:ext cx="933449" cy="914399"/>
+          </a:xfrm>
+          <a:prstGeom prst="ellipse">
+            <a:avLst/>
+          </a:prstGeom>
+          <a:ln>
+            <a:solidFill>
+              <a:schemeClr val="tx1"/>
+            </a:solidFill>
+          </a:ln>
+        </p:spPr>
+        <p:style>
+          <a:lnRef idx="2">
+            <a:schemeClr val="accent6"/>
+          </a:lnRef>
+          <a:fillRef idx="1">
+            <a:schemeClr val="lt1"/>
+          </a:fillRef>
+          <a:effectRef idx="0">
+            <a:schemeClr val="accent6"/>
+          </a:effectRef>
+          <a:fontRef idx="minor">
+            <a:schemeClr val="dk1"/>
+          </a:fontRef>
+        </p:style>
+        <p:txBody>
+          <a:bodyPr rtlCol="0" anchor="ctr"/>
+          <a:lstStyle/>
+          <a:p>
+            <a:pPr algn="ctr"/>
+            <a:r>
+              <a:rPr lang="en-US" altLang="zh-CN" dirty="0"/>
+              <a:t>SUM</a:t>
+            </a:r>
+            <a:endParaRPr lang="zh-CN" altLang="en-US" dirty="0"/>
+          </a:p>
+        </p:txBody>
+      </p:sp>
+      <p:cxnSp>
+        <p:nvCxnSpPr>
+          <p:cNvPr id="78" name="直接箭头连接符 77">
+            <a:extLst>
+              <a:ext uri="{FF2B5EF4-FFF2-40B4-BE49-F238E27FC236}">
+                <a16:creationId xmlns:a16="http://schemas.microsoft.com/office/drawing/2014/main" id="{4AD15D30-458D-4831-B261-A1A0F76C4A7F}"/>
+              </a:ext>
+            </a:extLst>
+          </p:cNvPr>
+          <p:cNvCxnSpPr>
+            <a:cxnSpLocks/>
+            <a:stCxn id="43" idx="6"/>
+            <a:endCxn id="77" idx="2"/>
+          </p:cNvCxnSpPr>
+          <p:nvPr/>
+        </p:nvCxnSpPr>
+        <p:spPr>
+          <a:xfrm>
+            <a:off x="5822684" y="1536865"/>
+            <a:ext cx="810205" cy="2126231"/>
+          </a:xfrm>
+          <a:prstGeom prst="straightConnector1">
+            <a:avLst/>
+          </a:prstGeom>
+          <a:ln>
+            <a:tailEnd type="triangle"/>
+          </a:ln>
+        </p:spPr>
+        <p:style>
+          <a:lnRef idx="1">
+            <a:schemeClr val="dk1"/>
+          </a:lnRef>
+          <a:fillRef idx="0">
+            <a:schemeClr val="dk1"/>
+          </a:fillRef>
+          <a:effectRef idx="0">
+            <a:schemeClr val="dk1"/>
+          </a:effectRef>
+          <a:fontRef idx="minor">
+            <a:schemeClr val="tx1"/>
+          </a:fontRef>
+        </p:style>
+      </p:cxnSp>
+      <p:cxnSp>
+        <p:nvCxnSpPr>
+          <p:cNvPr id="81" name="直接箭头连接符 80">
+            <a:extLst>
+              <a:ext uri="{FF2B5EF4-FFF2-40B4-BE49-F238E27FC236}">
+                <a16:creationId xmlns:a16="http://schemas.microsoft.com/office/drawing/2014/main" id="{6F7E5A9F-5BA1-4C35-A16E-6D97BFC1F0B1}"/>
+              </a:ext>
+            </a:extLst>
+          </p:cNvPr>
+          <p:cNvCxnSpPr>
+            <a:cxnSpLocks/>
+            <a:stCxn id="44" idx="6"/>
+            <a:endCxn id="77" idx="2"/>
+          </p:cNvCxnSpPr>
+          <p:nvPr/>
+        </p:nvCxnSpPr>
+        <p:spPr>
+          <a:xfrm>
+            <a:off x="5822684" y="2066664"/>
+            <a:ext cx="810205" cy="1596432"/>
+          </a:xfrm>
+          <a:prstGeom prst="straightConnector1">
+            <a:avLst/>
+          </a:prstGeom>
+          <a:ln>
+            <a:tailEnd type="triangle"/>
+          </a:ln>
+        </p:spPr>
+        <p:style>
+          <a:lnRef idx="1">
+            <a:schemeClr val="dk1"/>
+          </a:lnRef>
+          <a:fillRef idx="0">
+            <a:schemeClr val="dk1"/>
+          </a:fillRef>
+          <a:effectRef idx="0">
+            <a:schemeClr val="dk1"/>
+          </a:effectRef>
+          <a:fontRef idx="minor">
+            <a:schemeClr val="tx1"/>
+          </a:fontRef>
+        </p:style>
+      </p:cxnSp>
+      <p:cxnSp>
+        <p:nvCxnSpPr>
+          <p:cNvPr id="84" name="直接箭头连接符 83">
+            <a:extLst>
+              <a:ext uri="{FF2B5EF4-FFF2-40B4-BE49-F238E27FC236}">
+                <a16:creationId xmlns:a16="http://schemas.microsoft.com/office/drawing/2014/main" id="{DCAE9760-B542-48AD-ABB1-12DAE0566103}"/>
+              </a:ext>
+            </a:extLst>
+          </p:cNvPr>
+          <p:cNvCxnSpPr>
+            <a:cxnSpLocks/>
+            <a:stCxn id="45" idx="6"/>
+            <a:endCxn id="77" idx="2"/>
+          </p:cNvCxnSpPr>
+          <p:nvPr/>
+        </p:nvCxnSpPr>
+        <p:spPr>
+          <a:xfrm>
+            <a:off x="5817242" y="2596463"/>
+            <a:ext cx="815647" cy="1066633"/>
+          </a:xfrm>
+          <a:prstGeom prst="straightConnector1">
+            <a:avLst/>
+          </a:prstGeom>
+          <a:ln>
+            <a:tailEnd type="triangle"/>
+          </a:ln>
+        </p:spPr>
+        <p:style>
+          <a:lnRef idx="1">
+            <a:schemeClr val="dk1"/>
+          </a:lnRef>
+          <a:fillRef idx="0">
+            <a:schemeClr val="dk1"/>
+          </a:fillRef>
+          <a:effectRef idx="0">
+            <a:schemeClr val="dk1"/>
+          </a:effectRef>
+          <a:fontRef idx="minor">
+            <a:schemeClr val="tx1"/>
+          </a:fontRef>
+        </p:style>
+      </p:cxnSp>
+      <p:cxnSp>
+        <p:nvCxnSpPr>
+          <p:cNvPr id="87" name="直接箭头连接符 86">
+            <a:extLst>
+              <a:ext uri="{FF2B5EF4-FFF2-40B4-BE49-F238E27FC236}">
+                <a16:creationId xmlns:a16="http://schemas.microsoft.com/office/drawing/2014/main" id="{9ED0C1C6-B448-474B-9F1B-EA7AA232C9E0}"/>
+              </a:ext>
+            </a:extLst>
+          </p:cNvPr>
+          <p:cNvCxnSpPr>
+            <a:cxnSpLocks/>
+            <a:stCxn id="46" idx="6"/>
+            <a:endCxn id="77" idx="2"/>
+          </p:cNvCxnSpPr>
+          <p:nvPr/>
+        </p:nvCxnSpPr>
+        <p:spPr>
+          <a:xfrm>
+            <a:off x="5822684" y="3126262"/>
+            <a:ext cx="810205" cy="536834"/>
+          </a:xfrm>
+          <a:prstGeom prst="straightConnector1">
+            <a:avLst/>
+          </a:prstGeom>
+          <a:ln>
+            <a:tailEnd type="triangle"/>
+          </a:ln>
+        </p:spPr>
+        <p:style>
+          <a:lnRef idx="1">
+            <a:schemeClr val="dk1"/>
+          </a:lnRef>
+          <a:fillRef idx="0">
+            <a:schemeClr val="dk1"/>
+          </a:fillRef>
+          <a:effectRef idx="0">
+            <a:schemeClr val="dk1"/>
+          </a:effectRef>
+          <a:fontRef idx="minor">
+            <a:schemeClr val="tx1"/>
+          </a:fontRef>
+        </p:style>
+      </p:cxnSp>
+      <p:cxnSp>
+        <p:nvCxnSpPr>
+          <p:cNvPr id="94" name="直接箭头连接符 93">
+            <a:extLst>
+              <a:ext uri="{FF2B5EF4-FFF2-40B4-BE49-F238E27FC236}">
+                <a16:creationId xmlns:a16="http://schemas.microsoft.com/office/drawing/2014/main" id="{12C6165A-03D8-49BD-B940-B71BD535E5E8}"/>
+              </a:ext>
+            </a:extLst>
+          </p:cNvPr>
+          <p:cNvCxnSpPr>
+            <a:cxnSpLocks/>
+            <a:stCxn id="48" idx="6"/>
+            <a:endCxn id="77" idx="2"/>
+          </p:cNvCxnSpPr>
+          <p:nvPr/>
+        </p:nvCxnSpPr>
+        <p:spPr>
+          <a:xfrm flipV="1">
+            <a:off x="5828126" y="3663096"/>
+            <a:ext cx="804763" cy="1427285"/>
+          </a:xfrm>
+          <a:prstGeom prst="straightConnector1">
+            <a:avLst/>
+          </a:prstGeom>
+          <a:ln>
+            <a:tailEnd type="triangle"/>
+          </a:ln>
+        </p:spPr>
+        <p:style>
+          <a:lnRef idx="1">
+            <a:schemeClr val="dk1"/>
+          </a:lnRef>
+          <a:fillRef idx="0">
+            <a:schemeClr val="dk1"/>
+          </a:fillRef>
+          <a:effectRef idx="0">
+            <a:schemeClr val="dk1"/>
+          </a:effectRef>
+          <a:fontRef idx="minor">
+            <a:schemeClr val="tx1"/>
+          </a:fontRef>
+        </p:style>
+      </p:cxnSp>
+      <p:cxnSp>
+        <p:nvCxnSpPr>
+          <p:cNvPr id="97" name="直接箭头连接符 96">
+            <a:extLst>
+              <a:ext uri="{FF2B5EF4-FFF2-40B4-BE49-F238E27FC236}">
+                <a16:creationId xmlns:a16="http://schemas.microsoft.com/office/drawing/2014/main" id="{73E18C4C-FAEE-4D6B-8322-1EAAAD9A7134}"/>
+              </a:ext>
+            </a:extLst>
+          </p:cNvPr>
+          <p:cNvCxnSpPr>
+            <a:cxnSpLocks/>
+            <a:stCxn id="47" idx="6"/>
+            <a:endCxn id="77" idx="2"/>
+          </p:cNvCxnSpPr>
+          <p:nvPr/>
+        </p:nvCxnSpPr>
+        <p:spPr>
+          <a:xfrm flipV="1">
+            <a:off x="5828126" y="3663096"/>
+            <a:ext cx="804763" cy="1960220"/>
+          </a:xfrm>
+          <a:prstGeom prst="straightConnector1">
+            <a:avLst/>
+          </a:prstGeom>
+          <a:ln>
+            <a:tailEnd type="triangle"/>
+          </a:ln>
+        </p:spPr>
+        <p:style>
+          <a:lnRef idx="1">
+            <a:schemeClr val="dk1"/>
+          </a:lnRef>
+          <a:fillRef idx="0">
+            <a:schemeClr val="dk1"/>
+          </a:fillRef>
+          <a:effectRef idx="0">
+            <a:schemeClr val="dk1"/>
+          </a:effectRef>
+          <a:fontRef idx="minor">
+            <a:schemeClr val="tx1"/>
+          </a:fontRef>
+        </p:style>
+      </p:cxnSp>
+      <p:cxnSp>
+        <p:nvCxnSpPr>
+          <p:cNvPr id="100" name="直接箭头连接符 99">
+            <a:extLst>
+              <a:ext uri="{FF2B5EF4-FFF2-40B4-BE49-F238E27FC236}">
+                <a16:creationId xmlns:a16="http://schemas.microsoft.com/office/drawing/2014/main" id="{D5CB9C54-E889-4BF0-9894-8906CF31652C}"/>
+              </a:ext>
+            </a:extLst>
+          </p:cNvPr>
+          <p:cNvCxnSpPr>
+            <a:cxnSpLocks/>
+            <a:stCxn id="77" idx="6"/>
+          </p:cNvCxnSpPr>
+          <p:nvPr/>
+        </p:nvCxnSpPr>
+        <p:spPr>
+          <a:xfrm flipV="1">
+            <a:off x="7566338" y="3663095"/>
+            <a:ext cx="663262" cy="1"/>
+          </a:xfrm>
+          <a:prstGeom prst="straightConnector1">
+            <a:avLst/>
+          </a:prstGeom>
+          <a:ln>
+            <a:tailEnd type="triangle"/>
+          </a:ln>
+        </p:spPr>
+        <p:style>
+          <a:lnRef idx="1">
+            <a:schemeClr val="dk1"/>
+          </a:lnRef>
+          <a:fillRef idx="0">
+            <a:schemeClr val="dk1"/>
+          </a:fillRef>
+          <a:effectRef idx="0">
+            <a:schemeClr val="dk1"/>
+          </a:effectRef>
+          <a:fontRef idx="minor">
+            <a:schemeClr val="tx1"/>
+          </a:fontRef>
+        </p:style>
+      </p:cxnSp>
+      <p:sp>
+        <p:nvSpPr>
+          <p:cNvPr id="103" name="椭圆 102">
+            <a:extLst>
+              <a:ext uri="{FF2B5EF4-FFF2-40B4-BE49-F238E27FC236}">
+                <a16:creationId xmlns:a16="http://schemas.microsoft.com/office/drawing/2014/main" id="{75B6E412-CBA7-403E-8FB9-667DB797C294}"/>
+              </a:ext>
+            </a:extLst>
+          </p:cNvPr>
+          <p:cNvSpPr/>
+          <p:nvPr/>
+        </p:nvSpPr>
+        <p:spPr>
+          <a:xfrm>
+            <a:off x="8229600" y="3229580"/>
+            <a:ext cx="933449" cy="914399"/>
+          </a:xfrm>
+          <a:prstGeom prst="ellipse">
+            <a:avLst/>
+          </a:prstGeom>
+          <a:ln>
+            <a:solidFill>
+              <a:schemeClr val="tx1"/>
+            </a:solidFill>
+          </a:ln>
+        </p:spPr>
+        <p:style>
+          <a:lnRef idx="2">
+            <a:schemeClr val="accent6"/>
+          </a:lnRef>
+          <a:fillRef idx="1">
+            <a:schemeClr val="lt1"/>
+          </a:fillRef>
+          <a:effectRef idx="0">
+            <a:schemeClr val="accent6"/>
+          </a:effectRef>
+          <a:fontRef idx="minor">
+            <a:schemeClr val="dk1"/>
+          </a:fontRef>
+        </p:style>
+        <p:txBody>
+          <a:bodyPr rtlCol="0" anchor="ctr"/>
+          <a:lstStyle/>
+          <a:p>
+            <a:pPr algn="ctr"/>
+            <a:r>
+              <a:rPr lang="en-US" altLang="zh-CN" dirty="0"/>
+              <a:t>OUT</a:t>
+            </a:r>
+            <a:endParaRPr lang="zh-CN" altLang="en-US" dirty="0"/>
+          </a:p>
+        </p:txBody>
+      </p:sp>
+      <p:sp>
+        <p:nvSpPr>
+          <p:cNvPr id="106" name="文本框 105">
+            <a:extLst>
+              <a:ext uri="{FF2B5EF4-FFF2-40B4-BE49-F238E27FC236}">
+                <a16:creationId xmlns:a16="http://schemas.microsoft.com/office/drawing/2014/main" id="{0E6A500B-CACF-44B4-8D3F-EBC8711264C7}"/>
+              </a:ext>
+            </a:extLst>
+          </p:cNvPr>
+          <p:cNvSpPr txBox="1"/>
+          <p:nvPr/>
+        </p:nvSpPr>
+        <p:spPr>
+          <a:xfrm>
+            <a:off x="8274047" y="2980409"/>
+            <a:ext cx="1078851" cy="261610"/>
+          </a:xfrm>
+          <a:prstGeom prst="rect">
+            <a:avLst/>
+          </a:prstGeom>
+          <a:noFill/>
+        </p:spPr>
+        <p:txBody>
+          <a:bodyPr wrap="square" rtlCol="0">
+            <a:spAutoFit/>
+          </a:bodyPr>
+          <a:lstStyle/>
+          <a:p>
+            <a:r>
+              <a:rPr lang="en-US" altLang="zh-CN" sz="1100" dirty="0"/>
+              <a:t>OUTPUT</a:t>
+            </a:r>
+            <a:endParaRPr lang="zh-CN" altLang="en-US" sz="1100" dirty="0"/>
+          </a:p>
+        </p:txBody>
+      </p:sp>
+      <p:sp>
+        <p:nvSpPr>
+          <p:cNvPr id="109" name="文本框 108">
+            <a:extLst>
+              <a:ext uri="{FF2B5EF4-FFF2-40B4-BE49-F238E27FC236}">
+                <a16:creationId xmlns:a16="http://schemas.microsoft.com/office/drawing/2014/main" id="{96B2AEBE-3D91-4E77-8FAE-105222AF949E}"/>
+              </a:ext>
+            </a:extLst>
+          </p:cNvPr>
+          <p:cNvSpPr txBox="1"/>
+          <p:nvPr/>
+        </p:nvSpPr>
+        <p:spPr>
+          <a:xfrm>
+            <a:off x="5190400" y="932703"/>
+            <a:ext cx="810205" cy="369332"/>
+          </a:xfrm>
+          <a:prstGeom prst="rect">
+            <a:avLst/>
+          </a:prstGeom>
+          <a:noFill/>
+        </p:spPr>
+        <p:txBody>
+          <a:bodyPr wrap="square" rtlCol="0">
+            <a:spAutoFit/>
+          </a:bodyPr>
+          <a:lstStyle/>
+          <a:p>
+            <a:r>
+              <a:rPr lang="en-US" altLang="zh-CN" dirty="0"/>
+              <a:t>Linear</a:t>
+            </a:r>
+            <a:endParaRPr lang="zh-CN" altLang="en-US" dirty="0"/>
+          </a:p>
+        </p:txBody>
+      </p:sp>
+      <p:sp>
+        <p:nvSpPr>
+          <p:cNvPr id="110" name="文本框 109">
+            <a:extLst>
+              <a:ext uri="{FF2B5EF4-FFF2-40B4-BE49-F238E27FC236}">
+                <a16:creationId xmlns:a16="http://schemas.microsoft.com/office/drawing/2014/main" id="{6798FA9C-32CD-4D4C-A1B1-01DBA23B8130}"/>
+              </a:ext>
+            </a:extLst>
+          </p:cNvPr>
+          <p:cNvSpPr txBox="1"/>
+          <p:nvPr/>
+        </p:nvSpPr>
+        <p:spPr>
+          <a:xfrm>
+            <a:off x="4737100" y="558800"/>
+            <a:ext cx="2178050" cy="369332"/>
+          </a:xfrm>
+          <a:prstGeom prst="rect">
+            <a:avLst/>
+          </a:prstGeom>
+          <a:noFill/>
+        </p:spPr>
+        <p:txBody>
+          <a:bodyPr wrap="square" rtlCol="0">
+            <a:spAutoFit/>
+          </a:bodyPr>
+          <a:lstStyle/>
+          <a:p>
+            <a:r>
+              <a:rPr lang="en-US" altLang="zh-CN" dirty="0"/>
+              <a:t>HIDDEN</a:t>
+            </a:r>
+            <a:endParaRPr lang="zh-CN" altLang="en-US" dirty="0"/>
+          </a:p>
+        </p:txBody>
+      </p:sp>
+    </p:spTree>
+    <p:extLst>
+      <p:ext uri="{BB962C8B-B14F-4D97-AF65-F5344CB8AC3E}">
+        <p14:creationId xmlns:p14="http://schemas.microsoft.com/office/powerpoint/2010/main" val="2739827487"/>
+      </p:ext>
+    </p:extLst>
+  </p:cSld>
+  <p:clrMapOvr>
+    <a:masterClrMapping/>
+  </p:clrMapOvr>
+</p:sld>
+</file>
+
 <file path=ppt/slides/slide4.xml><?xml version="1.0" encoding="utf-8"?>
 <p:sld xmlns:a="http://schemas.openxmlformats.org/drawingml/2006/main" xmlns:r="http://schemas.openxmlformats.org/officeDocument/2006/relationships" xmlns:p="http://schemas.openxmlformats.org/presentationml/2006/main">
   <p:cSld>
@@ -19412,6 +22005,1283 @@
     <p:extLst>
       <p:ext uri="{BB962C8B-B14F-4D97-AF65-F5344CB8AC3E}">
         <p14:creationId xmlns:p14="http://schemas.microsoft.com/office/powerpoint/2010/main" val="894468671"/>
+      </p:ext>
+    </p:extLst>
+  </p:cSld>
+  <p:clrMapOvr>
+    <a:masterClrMapping/>
+  </p:clrMapOvr>
+</p:sld>
+</file>
+
+<file path=ppt/slides/slide40.xml><?xml version="1.0" encoding="utf-8"?>
+<p:sld xmlns:a="http://schemas.openxmlformats.org/drawingml/2006/main" xmlns:r="http://schemas.openxmlformats.org/officeDocument/2006/relationships" xmlns:p="http://schemas.openxmlformats.org/presentationml/2006/main">
+  <p:cSld>
+    <p:spTree>
+      <p:nvGrpSpPr>
+        <p:cNvPr id="1" name=""/>
+        <p:cNvGrpSpPr/>
+        <p:nvPr/>
+      </p:nvGrpSpPr>
+      <p:grpSpPr>
+        <a:xfrm>
+          <a:off x="0" y="0"/>
+          <a:ext cx="0" cy="0"/>
+          <a:chOff x="0" y="0"/>
+          <a:chExt cx="0" cy="0"/>
+        </a:xfrm>
+      </p:grpSpPr>
+      <p:sp>
+        <p:nvSpPr>
+          <p:cNvPr id="3" name="矩形 2">
+            <a:extLst>
+              <a:ext uri="{FF2B5EF4-FFF2-40B4-BE49-F238E27FC236}">
+                <a16:creationId xmlns:a16="http://schemas.microsoft.com/office/drawing/2014/main" id="{11766E41-6388-45EB-8F7D-47D5B4DE1F2D}"/>
+              </a:ext>
+            </a:extLst>
+          </p:cNvPr>
+          <p:cNvSpPr/>
+          <p:nvPr/>
+        </p:nvSpPr>
+        <p:spPr>
+          <a:xfrm>
+            <a:off x="1496008" y="1961794"/>
+            <a:ext cx="544285" cy="529799"/>
+          </a:xfrm>
+          <a:prstGeom prst="rect">
+            <a:avLst/>
+          </a:prstGeom>
+          <a:ln>
+            <a:solidFill>
+              <a:schemeClr val="tx1"/>
+            </a:solidFill>
+          </a:ln>
+        </p:spPr>
+        <p:style>
+          <a:lnRef idx="2">
+            <a:schemeClr val="accent6"/>
+          </a:lnRef>
+          <a:fillRef idx="1">
+            <a:schemeClr val="lt1"/>
+          </a:fillRef>
+          <a:effectRef idx="0">
+            <a:schemeClr val="accent6"/>
+          </a:effectRef>
+          <a:fontRef idx="minor">
+            <a:schemeClr val="dk1"/>
+          </a:fontRef>
+        </p:style>
+        <p:txBody>
+          <a:bodyPr rtlCol="0" anchor="ctr"/>
+          <a:lstStyle/>
+          <a:p>
+            <a:pPr algn="ctr"/>
+            <a:endParaRPr lang="zh-CN" altLang="en-US"/>
+          </a:p>
+        </p:txBody>
+      </p:sp>
+      <mc:AlternateContent xmlns:mc="http://schemas.openxmlformats.org/markup-compatibility/2006">
+        <mc:Choice xmlns:a14="http://schemas.microsoft.com/office/drawing/2010/main" Requires="a14">
+          <p:sp>
+            <p:nvSpPr>
+              <p:cNvPr id="2" name="椭圆 1">
+                <a:extLst>
+                  <a:ext uri="{FF2B5EF4-FFF2-40B4-BE49-F238E27FC236}">
+                    <a16:creationId xmlns:a16="http://schemas.microsoft.com/office/drawing/2014/main" id="{5B31E947-6B09-499E-A54C-3CC85853D530}"/>
+                  </a:ext>
+                </a:extLst>
+              </p:cNvPr>
+              <p:cNvSpPr/>
+              <p:nvPr/>
+            </p:nvSpPr>
+            <p:spPr>
+              <a:xfrm>
+                <a:off x="1496008" y="1961794"/>
+                <a:ext cx="544285" cy="529799"/>
+              </a:xfrm>
+              <a:prstGeom prst="ellipse">
+                <a:avLst/>
+              </a:prstGeom>
+              <a:ln>
+                <a:solidFill>
+                  <a:schemeClr val="tx1"/>
+                </a:solidFill>
+              </a:ln>
+            </p:spPr>
+            <p:style>
+              <a:lnRef idx="2">
+                <a:schemeClr val="accent6"/>
+              </a:lnRef>
+              <a:fillRef idx="1">
+                <a:schemeClr val="lt1"/>
+              </a:fillRef>
+              <a:effectRef idx="0">
+                <a:schemeClr val="accent6"/>
+              </a:effectRef>
+              <a:fontRef idx="minor">
+                <a:schemeClr val="dk1"/>
+              </a:fontRef>
+            </p:style>
+            <p:txBody>
+              <a:bodyPr rtlCol="0" anchor="ctr"/>
+              <a:lstStyle/>
+              <a:p>
+                <a:pPr algn="ctr"/>
+                <a14:m>
+                  <m:oMathPara xmlns:m="http://schemas.openxmlformats.org/officeDocument/2006/math">
+                    <m:oMathParaPr>
+                      <m:jc m:val="centerGroup"/>
+                    </m:oMathParaPr>
+                    <m:oMath xmlns:m="http://schemas.openxmlformats.org/officeDocument/2006/math">
+                      <m:sSub>
+                        <m:sSubPr>
+                          <m:ctrlPr>
+                            <a:rPr lang="en-US" altLang="zh-CN" sz="1800" i="1" dirty="0" smtClean="0">
+                              <a:latin typeface="Cambria Math" panose="02040503050406030204" pitchFamily="18" charset="0"/>
+                            </a:rPr>
+                          </m:ctrlPr>
+                        </m:sSubPr>
+                        <m:e>
+                          <m:r>
+                            <a:rPr lang="en-US" altLang="zh-CN" sz="1800" b="0" i="1" dirty="0" smtClean="0">
+                              <a:latin typeface="Cambria Math" panose="02040503050406030204" pitchFamily="18" charset="0"/>
+                            </a:rPr>
+                            <m:t>𝑒</m:t>
+                          </m:r>
+                        </m:e>
+                        <m:sub>
+                          <m:r>
+                            <a:rPr lang="en-US" altLang="zh-CN" sz="1800" b="0" i="1" dirty="0" smtClean="0">
+                              <a:latin typeface="Cambria Math" panose="02040503050406030204" pitchFamily="18" charset="0"/>
+                            </a:rPr>
+                            <m:t>𝑡</m:t>
+                          </m:r>
+                        </m:sub>
+                      </m:sSub>
+                    </m:oMath>
+                  </m:oMathPara>
+                </a14:m>
+                <a:endParaRPr lang="zh-CN" altLang="en-US" dirty="0"/>
+              </a:p>
+            </p:txBody>
+          </p:sp>
+        </mc:Choice>
+        <mc:Fallback>
+          <p:sp>
+            <p:nvSpPr>
+              <p:cNvPr id="2" name="椭圆 1">
+                <a:extLst>
+                  <a:ext uri="{FF2B5EF4-FFF2-40B4-BE49-F238E27FC236}">
+                    <a16:creationId xmlns:a16="http://schemas.microsoft.com/office/drawing/2014/main" id="{5B31E947-6B09-499E-A54C-3CC85853D530}"/>
+                  </a:ext>
+                </a:extLst>
+              </p:cNvPr>
+              <p:cNvSpPr>
+                <a:spLocks noRot="1" noChangeAspect="1" noMove="1" noResize="1" noEditPoints="1" noAdjustHandles="1" noChangeArrowheads="1" noChangeShapeType="1" noTextEdit="1"/>
+              </p:cNvSpPr>
+              <p:nvPr/>
+            </p:nvSpPr>
+            <p:spPr>
+              <a:xfrm>
+                <a:off x="1496008" y="1961794"/>
+                <a:ext cx="544285" cy="529799"/>
+              </a:xfrm>
+              <a:prstGeom prst="ellipse">
+                <a:avLst/>
+              </a:prstGeom>
+              <a:blipFill>
+                <a:blip r:embed="rId2"/>
+                <a:stretch>
+                  <a:fillRect/>
+                </a:stretch>
+              </a:blipFill>
+              <a:ln>
+                <a:solidFill>
+                  <a:schemeClr val="tx1"/>
+                </a:solidFill>
+              </a:ln>
+            </p:spPr>
+            <p:txBody>
+              <a:bodyPr/>
+              <a:lstStyle/>
+              <a:p>
+                <a:r>
+                  <a:rPr lang="zh-CN" altLang="en-US">
+                    <a:noFill/>
+                  </a:rPr>
+                  <a:t> </a:t>
+                </a:r>
+              </a:p>
+            </p:txBody>
+          </p:sp>
+        </mc:Fallback>
+      </mc:AlternateContent>
+      <p:sp>
+        <p:nvSpPr>
+          <p:cNvPr id="4" name="文本框 3">
+            <a:extLst>
+              <a:ext uri="{FF2B5EF4-FFF2-40B4-BE49-F238E27FC236}">
+                <a16:creationId xmlns:a16="http://schemas.microsoft.com/office/drawing/2014/main" id="{CE544416-CA6C-4796-A000-0C83622870BB}"/>
+              </a:ext>
+            </a:extLst>
+          </p:cNvPr>
+          <p:cNvSpPr txBox="1"/>
+          <p:nvPr/>
+        </p:nvSpPr>
+        <p:spPr>
+          <a:xfrm>
+            <a:off x="1459172" y="1636500"/>
+            <a:ext cx="661018" cy="276999"/>
+          </a:xfrm>
+          <a:prstGeom prst="rect">
+            <a:avLst/>
+          </a:prstGeom>
+          <a:noFill/>
+        </p:spPr>
+        <p:txBody>
+          <a:bodyPr wrap="square" rtlCol="0">
+            <a:spAutoFit/>
+          </a:bodyPr>
+          <a:lstStyle/>
+          <a:p>
+            <a:r>
+              <a:rPr lang="en-US" altLang="zh-CN" sz="1200" dirty="0"/>
+              <a:t>INPUT</a:t>
+            </a:r>
+            <a:endParaRPr lang="zh-CN" altLang="en-US" sz="1200" dirty="0"/>
+          </a:p>
+        </p:txBody>
+      </p:sp>
+      <p:sp>
+        <p:nvSpPr>
+          <p:cNvPr id="5" name="矩形 4">
+            <a:extLst>
+              <a:ext uri="{FF2B5EF4-FFF2-40B4-BE49-F238E27FC236}">
+                <a16:creationId xmlns:a16="http://schemas.microsoft.com/office/drawing/2014/main" id="{8AA27753-0EC8-4D09-9E30-BD61CC2F7670}"/>
+              </a:ext>
+            </a:extLst>
+          </p:cNvPr>
+          <p:cNvSpPr/>
+          <p:nvPr/>
+        </p:nvSpPr>
+        <p:spPr>
+          <a:xfrm>
+            <a:off x="3141891" y="1270244"/>
+            <a:ext cx="1645883" cy="2002043"/>
+          </a:xfrm>
+          <a:prstGeom prst="rect">
+            <a:avLst/>
+          </a:prstGeom>
+          <a:ln>
+            <a:solidFill>
+              <a:schemeClr val="tx1"/>
+            </a:solidFill>
+          </a:ln>
+        </p:spPr>
+        <p:style>
+          <a:lnRef idx="2">
+            <a:schemeClr val="accent6"/>
+          </a:lnRef>
+          <a:fillRef idx="1">
+            <a:schemeClr val="lt1"/>
+          </a:fillRef>
+          <a:effectRef idx="0">
+            <a:schemeClr val="accent6"/>
+          </a:effectRef>
+          <a:fontRef idx="minor">
+            <a:schemeClr val="dk1"/>
+          </a:fontRef>
+        </p:style>
+        <p:txBody>
+          <a:bodyPr rtlCol="0" anchor="ctr"/>
+          <a:lstStyle/>
+          <a:p>
+            <a:pPr algn="ctr"/>
+            <a:endParaRPr lang="zh-CN" altLang="en-US"/>
+          </a:p>
+        </p:txBody>
+      </p:sp>
+      <mc:AlternateContent xmlns:mc="http://schemas.openxmlformats.org/markup-compatibility/2006">
+        <mc:Choice xmlns:a14="http://schemas.microsoft.com/office/drawing/2010/main" Requires="a14">
+          <p:sp>
+            <p:nvSpPr>
+              <p:cNvPr id="6" name="椭圆 5">
+                <a:extLst>
+                  <a:ext uri="{FF2B5EF4-FFF2-40B4-BE49-F238E27FC236}">
+                    <a16:creationId xmlns:a16="http://schemas.microsoft.com/office/drawing/2014/main" id="{90C391F6-B5A7-4C93-ABD8-4A0FE85315A6}"/>
+                  </a:ext>
+                </a:extLst>
+              </p:cNvPr>
+              <p:cNvSpPr/>
+              <p:nvPr/>
+            </p:nvSpPr>
+            <p:spPr>
+              <a:xfrm>
+                <a:off x="3165348" y="1270244"/>
+                <a:ext cx="544285" cy="529799"/>
+              </a:xfrm>
+              <a:prstGeom prst="ellipse">
+                <a:avLst/>
+              </a:prstGeom>
+              <a:ln>
+                <a:solidFill>
+                  <a:schemeClr val="tx1"/>
+                </a:solidFill>
+              </a:ln>
+            </p:spPr>
+            <p:style>
+              <a:lnRef idx="2">
+                <a:schemeClr val="accent6"/>
+              </a:lnRef>
+              <a:fillRef idx="1">
+                <a:schemeClr val="lt1"/>
+              </a:fillRef>
+              <a:effectRef idx="0">
+                <a:schemeClr val="accent6"/>
+              </a:effectRef>
+              <a:fontRef idx="minor">
+                <a:schemeClr val="dk1"/>
+              </a:fontRef>
+            </p:style>
+            <p:txBody>
+              <a:bodyPr rtlCol="0" anchor="ctr"/>
+              <a:lstStyle/>
+              <a:p>
+                <a:pPr algn="ctr"/>
+                <a14:m>
+                  <m:oMathPara xmlns:m="http://schemas.openxmlformats.org/officeDocument/2006/math">
+                    <m:oMathParaPr>
+                      <m:jc m:val="centerGroup"/>
+                    </m:oMathParaPr>
+                    <m:oMath xmlns:m="http://schemas.openxmlformats.org/officeDocument/2006/math">
+                      <m:r>
+                        <a:rPr lang="en-US" altLang="zh-CN" b="0" i="1" smtClean="0">
+                          <a:latin typeface="Cambria Math" panose="02040503050406030204" pitchFamily="18" charset="0"/>
+                        </a:rPr>
+                        <m:t>𝑃</m:t>
+                      </m:r>
+                    </m:oMath>
+                  </m:oMathPara>
+                </a14:m>
+                <a:endParaRPr lang="zh-CN" altLang="en-US" dirty="0"/>
+              </a:p>
+            </p:txBody>
+          </p:sp>
+        </mc:Choice>
+        <mc:Fallback>
+          <p:sp>
+            <p:nvSpPr>
+              <p:cNvPr id="6" name="椭圆 5">
+                <a:extLst>
+                  <a:ext uri="{FF2B5EF4-FFF2-40B4-BE49-F238E27FC236}">
+                    <a16:creationId xmlns:a16="http://schemas.microsoft.com/office/drawing/2014/main" id="{90C391F6-B5A7-4C93-ABD8-4A0FE85315A6}"/>
+                  </a:ext>
+                </a:extLst>
+              </p:cNvPr>
+              <p:cNvSpPr>
+                <a:spLocks noRot="1" noChangeAspect="1" noMove="1" noResize="1" noEditPoints="1" noAdjustHandles="1" noChangeArrowheads="1" noChangeShapeType="1" noTextEdit="1"/>
+              </p:cNvSpPr>
+              <p:nvPr/>
+            </p:nvSpPr>
+            <p:spPr>
+              <a:xfrm>
+                <a:off x="3165348" y="1270244"/>
+                <a:ext cx="544285" cy="529799"/>
+              </a:xfrm>
+              <a:prstGeom prst="ellipse">
+                <a:avLst/>
+              </a:prstGeom>
+              <a:blipFill>
+                <a:blip r:embed="rId3"/>
+                <a:stretch>
+                  <a:fillRect/>
+                </a:stretch>
+              </a:blipFill>
+              <a:ln>
+                <a:solidFill>
+                  <a:schemeClr val="tx1"/>
+                </a:solidFill>
+              </a:ln>
+            </p:spPr>
+            <p:txBody>
+              <a:bodyPr/>
+              <a:lstStyle/>
+              <a:p>
+                <a:r>
+                  <a:rPr lang="zh-CN" altLang="en-US">
+                    <a:noFill/>
+                  </a:rPr>
+                  <a:t> </a:t>
+                </a:r>
+              </a:p>
+            </p:txBody>
+          </p:sp>
+        </mc:Fallback>
+      </mc:AlternateContent>
+      <mc:AlternateContent xmlns:mc="http://schemas.openxmlformats.org/markup-compatibility/2006">
+        <mc:Choice xmlns:a14="http://schemas.microsoft.com/office/drawing/2010/main" Requires="a14">
+          <p:sp>
+            <p:nvSpPr>
+              <p:cNvPr id="7" name="椭圆 6">
+                <a:extLst>
+                  <a:ext uri="{FF2B5EF4-FFF2-40B4-BE49-F238E27FC236}">
+                    <a16:creationId xmlns:a16="http://schemas.microsoft.com/office/drawing/2014/main" id="{68323D88-B76E-429D-8DA4-B85E83FD6B86}"/>
+                  </a:ext>
+                </a:extLst>
+              </p:cNvPr>
+              <p:cNvSpPr/>
+              <p:nvPr/>
+            </p:nvSpPr>
+            <p:spPr>
+              <a:xfrm>
+                <a:off x="3149474" y="1980488"/>
+                <a:ext cx="544285" cy="529799"/>
+              </a:xfrm>
+              <a:prstGeom prst="ellipse">
+                <a:avLst/>
+              </a:prstGeom>
+              <a:ln>
+                <a:solidFill>
+                  <a:schemeClr val="tx1"/>
+                </a:solidFill>
+              </a:ln>
+            </p:spPr>
+            <p:style>
+              <a:lnRef idx="2">
+                <a:schemeClr val="accent6"/>
+              </a:lnRef>
+              <a:fillRef idx="1">
+                <a:schemeClr val="lt1"/>
+              </a:fillRef>
+              <a:effectRef idx="0">
+                <a:schemeClr val="accent6"/>
+              </a:effectRef>
+              <a:fontRef idx="minor">
+                <a:schemeClr val="dk1"/>
+              </a:fontRef>
+            </p:style>
+            <p:txBody>
+              <a:bodyPr rtlCol="0" anchor="ctr"/>
+              <a:lstStyle/>
+              <a:p>
+                <a:pPr algn="ctr"/>
+                <a14:m>
+                  <m:oMathPara xmlns:m="http://schemas.openxmlformats.org/officeDocument/2006/math">
+                    <m:oMathParaPr>
+                      <m:jc m:val="centerGroup"/>
+                    </m:oMathParaPr>
+                    <m:oMath xmlns:m="http://schemas.openxmlformats.org/officeDocument/2006/math">
+                      <m:r>
+                        <a:rPr lang="en-US" altLang="zh-CN" b="0" i="1" smtClean="0">
+                          <a:latin typeface="Cambria Math" panose="02040503050406030204" pitchFamily="18" charset="0"/>
+                        </a:rPr>
+                        <m:t>𝐼</m:t>
+                      </m:r>
+                    </m:oMath>
+                  </m:oMathPara>
+                </a14:m>
+                <a:endParaRPr lang="zh-CN" altLang="en-US" dirty="0"/>
+              </a:p>
+            </p:txBody>
+          </p:sp>
+        </mc:Choice>
+        <mc:Fallback>
+          <p:sp>
+            <p:nvSpPr>
+              <p:cNvPr id="7" name="椭圆 6">
+                <a:extLst>
+                  <a:ext uri="{FF2B5EF4-FFF2-40B4-BE49-F238E27FC236}">
+                    <a16:creationId xmlns:a16="http://schemas.microsoft.com/office/drawing/2014/main" id="{68323D88-B76E-429D-8DA4-B85E83FD6B86}"/>
+                  </a:ext>
+                </a:extLst>
+              </p:cNvPr>
+              <p:cNvSpPr>
+                <a:spLocks noRot="1" noChangeAspect="1" noMove="1" noResize="1" noEditPoints="1" noAdjustHandles="1" noChangeArrowheads="1" noChangeShapeType="1" noTextEdit="1"/>
+              </p:cNvSpPr>
+              <p:nvPr/>
+            </p:nvSpPr>
+            <p:spPr>
+              <a:xfrm>
+                <a:off x="3149474" y="1980488"/>
+                <a:ext cx="544285" cy="529799"/>
+              </a:xfrm>
+              <a:prstGeom prst="ellipse">
+                <a:avLst/>
+              </a:prstGeom>
+              <a:blipFill>
+                <a:blip r:embed="rId4"/>
+                <a:stretch>
+                  <a:fillRect/>
+                </a:stretch>
+              </a:blipFill>
+              <a:ln>
+                <a:solidFill>
+                  <a:schemeClr val="tx1"/>
+                </a:solidFill>
+              </a:ln>
+            </p:spPr>
+            <p:txBody>
+              <a:bodyPr/>
+              <a:lstStyle/>
+              <a:p>
+                <a:r>
+                  <a:rPr lang="zh-CN" altLang="en-US">
+                    <a:noFill/>
+                  </a:rPr>
+                  <a:t> </a:t>
+                </a:r>
+              </a:p>
+            </p:txBody>
+          </p:sp>
+        </mc:Fallback>
+      </mc:AlternateContent>
+      <mc:AlternateContent xmlns:mc="http://schemas.openxmlformats.org/markup-compatibility/2006">
+        <mc:Choice xmlns:a14="http://schemas.microsoft.com/office/drawing/2010/main" Requires="a14">
+          <p:sp>
+            <p:nvSpPr>
+              <p:cNvPr id="8" name="椭圆 7">
+                <a:extLst>
+                  <a:ext uri="{FF2B5EF4-FFF2-40B4-BE49-F238E27FC236}">
+                    <a16:creationId xmlns:a16="http://schemas.microsoft.com/office/drawing/2014/main" id="{91277EE2-EA18-4BDF-B62D-D227C779BA3D}"/>
+                  </a:ext>
+                </a:extLst>
+              </p:cNvPr>
+              <p:cNvSpPr/>
+              <p:nvPr/>
+            </p:nvSpPr>
+            <p:spPr>
+              <a:xfrm>
+                <a:off x="3141891" y="2742488"/>
+                <a:ext cx="544285" cy="529799"/>
+              </a:xfrm>
+              <a:prstGeom prst="ellipse">
+                <a:avLst/>
+              </a:prstGeom>
+              <a:ln>
+                <a:solidFill>
+                  <a:schemeClr val="tx1"/>
+                </a:solidFill>
+              </a:ln>
+            </p:spPr>
+            <p:style>
+              <a:lnRef idx="2">
+                <a:schemeClr val="accent6"/>
+              </a:lnRef>
+              <a:fillRef idx="1">
+                <a:schemeClr val="lt1"/>
+              </a:fillRef>
+              <a:effectRef idx="0">
+                <a:schemeClr val="accent6"/>
+              </a:effectRef>
+              <a:fontRef idx="minor">
+                <a:schemeClr val="dk1"/>
+              </a:fontRef>
+            </p:style>
+            <p:txBody>
+              <a:bodyPr rtlCol="0" anchor="ctr"/>
+              <a:lstStyle/>
+              <a:p>
+                <a:pPr algn="ctr"/>
+                <a14:m>
+                  <m:oMathPara xmlns:m="http://schemas.openxmlformats.org/officeDocument/2006/math">
+                    <m:oMathParaPr>
+                      <m:jc m:val="centerGroup"/>
+                    </m:oMathParaPr>
+                    <m:oMath xmlns:m="http://schemas.openxmlformats.org/officeDocument/2006/math">
+                      <m:r>
+                        <a:rPr lang="en-US" altLang="zh-CN" b="0" i="1" smtClean="0">
+                          <a:latin typeface="Cambria Math" panose="02040503050406030204" pitchFamily="18" charset="0"/>
+                        </a:rPr>
+                        <m:t>𝐷</m:t>
+                      </m:r>
+                    </m:oMath>
+                  </m:oMathPara>
+                </a14:m>
+                <a:endParaRPr lang="zh-CN" altLang="en-US" dirty="0"/>
+              </a:p>
+            </p:txBody>
+          </p:sp>
+        </mc:Choice>
+        <mc:Fallback>
+          <p:sp>
+            <p:nvSpPr>
+              <p:cNvPr id="8" name="椭圆 7">
+                <a:extLst>
+                  <a:ext uri="{FF2B5EF4-FFF2-40B4-BE49-F238E27FC236}">
+                    <a16:creationId xmlns:a16="http://schemas.microsoft.com/office/drawing/2014/main" id="{91277EE2-EA18-4BDF-B62D-D227C779BA3D}"/>
+                  </a:ext>
+                </a:extLst>
+              </p:cNvPr>
+              <p:cNvSpPr>
+                <a:spLocks noRot="1" noChangeAspect="1" noMove="1" noResize="1" noEditPoints="1" noAdjustHandles="1" noChangeArrowheads="1" noChangeShapeType="1" noTextEdit="1"/>
+              </p:cNvSpPr>
+              <p:nvPr/>
+            </p:nvSpPr>
+            <p:spPr>
+              <a:xfrm>
+                <a:off x="3141891" y="2742488"/>
+                <a:ext cx="544285" cy="529799"/>
+              </a:xfrm>
+              <a:prstGeom prst="ellipse">
+                <a:avLst/>
+              </a:prstGeom>
+              <a:blipFill>
+                <a:blip r:embed="rId5"/>
+                <a:stretch>
+                  <a:fillRect/>
+                </a:stretch>
+              </a:blipFill>
+              <a:ln>
+                <a:solidFill>
+                  <a:schemeClr val="tx1"/>
+                </a:solidFill>
+              </a:ln>
+            </p:spPr>
+            <p:txBody>
+              <a:bodyPr/>
+              <a:lstStyle/>
+              <a:p>
+                <a:r>
+                  <a:rPr lang="zh-CN" altLang="en-US">
+                    <a:noFill/>
+                  </a:rPr>
+                  <a:t> </a:t>
+                </a:r>
+              </a:p>
+            </p:txBody>
+          </p:sp>
+        </mc:Fallback>
+      </mc:AlternateContent>
+      <p:cxnSp>
+        <p:nvCxnSpPr>
+          <p:cNvPr id="10" name="直接箭头连接符 9">
+            <a:extLst>
+              <a:ext uri="{FF2B5EF4-FFF2-40B4-BE49-F238E27FC236}">
+                <a16:creationId xmlns:a16="http://schemas.microsoft.com/office/drawing/2014/main" id="{14895963-F266-4FFE-BDDF-08FEC3A65F08}"/>
+              </a:ext>
+            </a:extLst>
+          </p:cNvPr>
+          <p:cNvCxnSpPr>
+            <a:stCxn id="2" idx="6"/>
+            <a:endCxn id="6" idx="2"/>
+          </p:cNvCxnSpPr>
+          <p:nvPr/>
+        </p:nvCxnSpPr>
+        <p:spPr>
+          <a:xfrm flipV="1">
+            <a:off x="2040293" y="1535144"/>
+            <a:ext cx="1125055" cy="691550"/>
+          </a:xfrm>
+          <a:prstGeom prst="straightConnector1">
+            <a:avLst/>
+          </a:prstGeom>
+          <a:ln>
+            <a:tailEnd type="triangle"/>
+          </a:ln>
+        </p:spPr>
+        <p:style>
+          <a:lnRef idx="1">
+            <a:schemeClr val="dk1"/>
+          </a:lnRef>
+          <a:fillRef idx="0">
+            <a:schemeClr val="dk1"/>
+          </a:fillRef>
+          <a:effectRef idx="0">
+            <a:schemeClr val="dk1"/>
+          </a:effectRef>
+          <a:fontRef idx="minor">
+            <a:schemeClr val="tx1"/>
+          </a:fontRef>
+        </p:style>
+      </p:cxnSp>
+      <p:cxnSp>
+        <p:nvCxnSpPr>
+          <p:cNvPr id="11" name="直接箭头连接符 10">
+            <a:extLst>
+              <a:ext uri="{FF2B5EF4-FFF2-40B4-BE49-F238E27FC236}">
+                <a16:creationId xmlns:a16="http://schemas.microsoft.com/office/drawing/2014/main" id="{4C47C304-624D-41B9-8838-9F8B7605AB19}"/>
+              </a:ext>
+            </a:extLst>
+          </p:cNvPr>
+          <p:cNvCxnSpPr>
+            <a:cxnSpLocks/>
+            <a:stCxn id="2" idx="6"/>
+            <a:endCxn id="7" idx="2"/>
+          </p:cNvCxnSpPr>
+          <p:nvPr/>
+        </p:nvCxnSpPr>
+        <p:spPr>
+          <a:xfrm>
+            <a:off x="2040293" y="2226694"/>
+            <a:ext cx="1109181" cy="18694"/>
+          </a:xfrm>
+          <a:prstGeom prst="straightConnector1">
+            <a:avLst/>
+          </a:prstGeom>
+          <a:ln>
+            <a:tailEnd type="triangle"/>
+          </a:ln>
+        </p:spPr>
+        <p:style>
+          <a:lnRef idx="1">
+            <a:schemeClr val="dk1"/>
+          </a:lnRef>
+          <a:fillRef idx="0">
+            <a:schemeClr val="dk1"/>
+          </a:fillRef>
+          <a:effectRef idx="0">
+            <a:schemeClr val="dk1"/>
+          </a:effectRef>
+          <a:fontRef idx="minor">
+            <a:schemeClr val="tx1"/>
+          </a:fontRef>
+        </p:style>
+      </p:cxnSp>
+      <p:cxnSp>
+        <p:nvCxnSpPr>
+          <p:cNvPr id="14" name="直接箭头连接符 13">
+            <a:extLst>
+              <a:ext uri="{FF2B5EF4-FFF2-40B4-BE49-F238E27FC236}">
+                <a16:creationId xmlns:a16="http://schemas.microsoft.com/office/drawing/2014/main" id="{26C70E2A-2550-4609-910E-2F7A4D0542ED}"/>
+              </a:ext>
+            </a:extLst>
+          </p:cNvPr>
+          <p:cNvCxnSpPr>
+            <a:cxnSpLocks/>
+            <a:stCxn id="2" idx="6"/>
+            <a:endCxn id="8" idx="2"/>
+          </p:cNvCxnSpPr>
+          <p:nvPr/>
+        </p:nvCxnSpPr>
+        <p:spPr>
+          <a:xfrm>
+            <a:off x="2040293" y="2226694"/>
+            <a:ext cx="1101598" cy="780694"/>
+          </a:xfrm>
+          <a:prstGeom prst="straightConnector1">
+            <a:avLst/>
+          </a:prstGeom>
+          <a:ln>
+            <a:tailEnd type="triangle"/>
+          </a:ln>
+        </p:spPr>
+        <p:style>
+          <a:lnRef idx="1">
+            <a:schemeClr val="dk1"/>
+          </a:lnRef>
+          <a:fillRef idx="0">
+            <a:schemeClr val="dk1"/>
+          </a:fillRef>
+          <a:effectRef idx="0">
+            <a:schemeClr val="dk1"/>
+          </a:effectRef>
+          <a:fontRef idx="minor">
+            <a:schemeClr val="tx1"/>
+          </a:fontRef>
+        </p:style>
+      </p:cxnSp>
+      <mc:AlternateContent xmlns:mc="http://schemas.openxmlformats.org/markup-compatibility/2006">
+        <mc:Choice xmlns:a14="http://schemas.microsoft.com/office/drawing/2010/main" Requires="a14">
+          <p:sp>
+            <p:nvSpPr>
+              <p:cNvPr id="17" name="椭圆 16">
+                <a:extLst>
+                  <a:ext uri="{FF2B5EF4-FFF2-40B4-BE49-F238E27FC236}">
+                    <a16:creationId xmlns:a16="http://schemas.microsoft.com/office/drawing/2014/main" id="{57711574-B997-4E01-89CD-0B7D905FB0E2}"/>
+                  </a:ext>
+                </a:extLst>
+              </p:cNvPr>
+              <p:cNvSpPr/>
+              <p:nvPr/>
+            </p:nvSpPr>
+            <p:spPr>
+              <a:xfrm>
+                <a:off x="4124721" y="1934054"/>
+                <a:ext cx="663053" cy="622665"/>
+              </a:xfrm>
+              <a:prstGeom prst="ellipse">
+                <a:avLst/>
+              </a:prstGeom>
+              <a:ln>
+                <a:solidFill>
+                  <a:schemeClr val="tx1"/>
+                </a:solidFill>
+              </a:ln>
+            </p:spPr>
+            <p:style>
+              <a:lnRef idx="2">
+                <a:schemeClr val="accent6"/>
+              </a:lnRef>
+              <a:fillRef idx="1">
+                <a:schemeClr val="lt1"/>
+              </a:fillRef>
+              <a:effectRef idx="0">
+                <a:schemeClr val="accent6"/>
+              </a:effectRef>
+              <a:fontRef idx="minor">
+                <a:schemeClr val="dk1"/>
+              </a:fontRef>
+            </p:style>
+            <p:txBody>
+              <a:bodyPr rtlCol="0" anchor="ctr"/>
+              <a:lstStyle/>
+              <a:p>
+                <a:pPr algn="ctr"/>
+                <a14:m>
+                  <m:oMathPara xmlns:m="http://schemas.openxmlformats.org/officeDocument/2006/math">
+                    <m:oMathParaPr>
+                      <m:jc m:val="centerGroup"/>
+                    </m:oMathParaPr>
+                    <m:oMath xmlns:m="http://schemas.openxmlformats.org/officeDocument/2006/math">
+                      <m:r>
+                        <a:rPr lang="en-US" altLang="zh-CN" b="0" i="1" smtClean="0">
+                          <a:latin typeface="Cambria Math" panose="02040503050406030204" pitchFamily="18" charset="0"/>
+                        </a:rPr>
+                        <m:t>𝑆𝑈𝑀</m:t>
+                      </m:r>
+                    </m:oMath>
+                  </m:oMathPara>
+                </a14:m>
+                <a:endParaRPr lang="zh-CN" altLang="en-US" dirty="0"/>
+              </a:p>
+            </p:txBody>
+          </p:sp>
+        </mc:Choice>
+        <mc:Fallback>
+          <p:sp>
+            <p:nvSpPr>
+              <p:cNvPr id="17" name="椭圆 16">
+                <a:extLst>
+                  <a:ext uri="{FF2B5EF4-FFF2-40B4-BE49-F238E27FC236}">
+                    <a16:creationId xmlns:a16="http://schemas.microsoft.com/office/drawing/2014/main" id="{57711574-B997-4E01-89CD-0B7D905FB0E2}"/>
+                  </a:ext>
+                </a:extLst>
+              </p:cNvPr>
+              <p:cNvSpPr>
+                <a:spLocks noRot="1" noChangeAspect="1" noMove="1" noResize="1" noEditPoints="1" noAdjustHandles="1" noChangeArrowheads="1" noChangeShapeType="1" noTextEdit="1"/>
+              </p:cNvSpPr>
+              <p:nvPr/>
+            </p:nvSpPr>
+            <p:spPr>
+              <a:xfrm>
+                <a:off x="4124721" y="1934054"/>
+                <a:ext cx="663053" cy="622665"/>
+              </a:xfrm>
+              <a:prstGeom prst="ellipse">
+                <a:avLst/>
+              </a:prstGeom>
+              <a:blipFill>
+                <a:blip r:embed="rId6"/>
+                <a:stretch>
+                  <a:fillRect l="-2727"/>
+                </a:stretch>
+              </a:blipFill>
+              <a:ln>
+                <a:solidFill>
+                  <a:schemeClr val="tx1"/>
+                </a:solidFill>
+              </a:ln>
+            </p:spPr>
+            <p:txBody>
+              <a:bodyPr/>
+              <a:lstStyle/>
+              <a:p>
+                <a:r>
+                  <a:rPr lang="zh-CN" altLang="en-US">
+                    <a:noFill/>
+                  </a:rPr>
+                  <a:t> </a:t>
+                </a:r>
+              </a:p>
+            </p:txBody>
+          </p:sp>
+        </mc:Fallback>
+      </mc:AlternateContent>
+      <p:cxnSp>
+        <p:nvCxnSpPr>
+          <p:cNvPr id="18" name="直接箭头连接符 17">
+            <a:extLst>
+              <a:ext uri="{FF2B5EF4-FFF2-40B4-BE49-F238E27FC236}">
+                <a16:creationId xmlns:a16="http://schemas.microsoft.com/office/drawing/2014/main" id="{115D21C9-FCA5-4553-9121-04A21976FCB6}"/>
+              </a:ext>
+            </a:extLst>
+          </p:cNvPr>
+          <p:cNvCxnSpPr>
+            <a:cxnSpLocks/>
+            <a:stCxn id="6" idx="6"/>
+            <a:endCxn id="17" idx="2"/>
+          </p:cNvCxnSpPr>
+          <p:nvPr/>
+        </p:nvCxnSpPr>
+        <p:spPr>
+          <a:xfrm>
+            <a:off x="3709633" y="1535144"/>
+            <a:ext cx="415088" cy="710243"/>
+          </a:xfrm>
+          <a:prstGeom prst="straightConnector1">
+            <a:avLst/>
+          </a:prstGeom>
+          <a:ln>
+            <a:tailEnd type="triangle"/>
+          </a:ln>
+        </p:spPr>
+        <p:style>
+          <a:lnRef idx="1">
+            <a:schemeClr val="dk1"/>
+          </a:lnRef>
+          <a:fillRef idx="0">
+            <a:schemeClr val="dk1"/>
+          </a:fillRef>
+          <a:effectRef idx="0">
+            <a:schemeClr val="dk1"/>
+          </a:effectRef>
+          <a:fontRef idx="minor">
+            <a:schemeClr val="tx1"/>
+          </a:fontRef>
+        </p:style>
+      </p:cxnSp>
+      <p:cxnSp>
+        <p:nvCxnSpPr>
+          <p:cNvPr id="21" name="直接箭头连接符 20">
+            <a:extLst>
+              <a:ext uri="{FF2B5EF4-FFF2-40B4-BE49-F238E27FC236}">
+                <a16:creationId xmlns:a16="http://schemas.microsoft.com/office/drawing/2014/main" id="{54CAD505-F651-4594-9E18-6F34ADCEC466}"/>
+              </a:ext>
+            </a:extLst>
+          </p:cNvPr>
+          <p:cNvCxnSpPr>
+            <a:cxnSpLocks/>
+            <a:stCxn id="7" idx="6"/>
+            <a:endCxn id="17" idx="2"/>
+          </p:cNvCxnSpPr>
+          <p:nvPr/>
+        </p:nvCxnSpPr>
+        <p:spPr>
+          <a:xfrm flipV="1">
+            <a:off x="3693759" y="2245387"/>
+            <a:ext cx="430962" cy="1"/>
+          </a:xfrm>
+          <a:prstGeom prst="straightConnector1">
+            <a:avLst/>
+          </a:prstGeom>
+          <a:ln>
+            <a:tailEnd type="triangle"/>
+          </a:ln>
+        </p:spPr>
+        <p:style>
+          <a:lnRef idx="1">
+            <a:schemeClr val="dk1"/>
+          </a:lnRef>
+          <a:fillRef idx="0">
+            <a:schemeClr val="dk1"/>
+          </a:fillRef>
+          <a:effectRef idx="0">
+            <a:schemeClr val="dk1"/>
+          </a:effectRef>
+          <a:fontRef idx="minor">
+            <a:schemeClr val="tx1"/>
+          </a:fontRef>
+        </p:style>
+      </p:cxnSp>
+      <p:cxnSp>
+        <p:nvCxnSpPr>
+          <p:cNvPr id="24" name="直接箭头连接符 23">
+            <a:extLst>
+              <a:ext uri="{FF2B5EF4-FFF2-40B4-BE49-F238E27FC236}">
+                <a16:creationId xmlns:a16="http://schemas.microsoft.com/office/drawing/2014/main" id="{958E92EB-7DD0-4675-904E-FCF318218D09}"/>
+              </a:ext>
+            </a:extLst>
+          </p:cNvPr>
+          <p:cNvCxnSpPr>
+            <a:cxnSpLocks/>
+            <a:stCxn id="8" idx="6"/>
+            <a:endCxn id="17" idx="2"/>
+          </p:cNvCxnSpPr>
+          <p:nvPr/>
+        </p:nvCxnSpPr>
+        <p:spPr>
+          <a:xfrm flipV="1">
+            <a:off x="3686176" y="2245387"/>
+            <a:ext cx="438545" cy="762001"/>
+          </a:xfrm>
+          <a:prstGeom prst="straightConnector1">
+            <a:avLst/>
+          </a:prstGeom>
+          <a:ln>
+            <a:tailEnd type="triangle"/>
+          </a:ln>
+        </p:spPr>
+        <p:style>
+          <a:lnRef idx="1">
+            <a:schemeClr val="dk1"/>
+          </a:lnRef>
+          <a:fillRef idx="0">
+            <a:schemeClr val="dk1"/>
+          </a:fillRef>
+          <a:effectRef idx="0">
+            <a:schemeClr val="dk1"/>
+          </a:effectRef>
+          <a:fontRef idx="minor">
+            <a:schemeClr val="tx1"/>
+          </a:fontRef>
+        </p:style>
+      </p:cxnSp>
+      <p:cxnSp>
+        <p:nvCxnSpPr>
+          <p:cNvPr id="27" name="直接箭头连接符 26">
+            <a:extLst>
+              <a:ext uri="{FF2B5EF4-FFF2-40B4-BE49-F238E27FC236}">
+                <a16:creationId xmlns:a16="http://schemas.microsoft.com/office/drawing/2014/main" id="{F16ADB85-090B-4B83-8A66-8EC287816B54}"/>
+              </a:ext>
+            </a:extLst>
+          </p:cNvPr>
+          <p:cNvCxnSpPr>
+            <a:cxnSpLocks/>
+            <a:stCxn id="17" idx="6"/>
+          </p:cNvCxnSpPr>
+          <p:nvPr/>
+        </p:nvCxnSpPr>
+        <p:spPr>
+          <a:xfrm>
+            <a:off x="4787774" y="2245387"/>
+            <a:ext cx="415088" cy="0"/>
+          </a:xfrm>
+          <a:prstGeom prst="straightConnector1">
+            <a:avLst/>
+          </a:prstGeom>
+          <a:ln>
+            <a:tailEnd type="triangle"/>
+          </a:ln>
+        </p:spPr>
+        <p:style>
+          <a:lnRef idx="1">
+            <a:schemeClr val="dk1"/>
+          </a:lnRef>
+          <a:fillRef idx="0">
+            <a:schemeClr val="dk1"/>
+          </a:fillRef>
+          <a:effectRef idx="0">
+            <a:schemeClr val="dk1"/>
+          </a:effectRef>
+          <a:fontRef idx="minor">
+            <a:schemeClr val="tx1"/>
+          </a:fontRef>
+        </p:style>
+      </p:cxnSp>
+      <p:sp>
+        <p:nvSpPr>
+          <p:cNvPr id="30" name="矩形 29">
+            <a:extLst>
+              <a:ext uri="{FF2B5EF4-FFF2-40B4-BE49-F238E27FC236}">
+                <a16:creationId xmlns:a16="http://schemas.microsoft.com/office/drawing/2014/main" id="{E7976109-727F-466E-94BC-6BA70A02DC5D}"/>
+              </a:ext>
+            </a:extLst>
+          </p:cNvPr>
+          <p:cNvSpPr/>
+          <p:nvPr/>
+        </p:nvSpPr>
+        <p:spPr>
+          <a:xfrm>
+            <a:off x="5226319" y="1800043"/>
+            <a:ext cx="933448" cy="944690"/>
+          </a:xfrm>
+          <a:prstGeom prst="rect">
+            <a:avLst/>
+          </a:prstGeom>
+          <a:ln>
+            <a:solidFill>
+              <a:schemeClr val="tx1"/>
+            </a:solidFill>
+          </a:ln>
+        </p:spPr>
+        <p:style>
+          <a:lnRef idx="2">
+            <a:schemeClr val="accent6"/>
+          </a:lnRef>
+          <a:fillRef idx="1">
+            <a:schemeClr val="lt1"/>
+          </a:fillRef>
+          <a:effectRef idx="0">
+            <a:schemeClr val="accent6"/>
+          </a:effectRef>
+          <a:fontRef idx="minor">
+            <a:schemeClr val="dk1"/>
+          </a:fontRef>
+        </p:style>
+        <p:txBody>
+          <a:bodyPr rtlCol="0" anchor="ctr"/>
+          <a:lstStyle/>
+          <a:p>
+            <a:pPr algn="ctr"/>
+            <a:endParaRPr lang="zh-CN" altLang="en-US"/>
+          </a:p>
+        </p:txBody>
+      </p:sp>
+      <p:sp>
+        <p:nvSpPr>
+          <p:cNvPr id="31" name="椭圆 30">
+            <a:extLst>
+              <a:ext uri="{FF2B5EF4-FFF2-40B4-BE49-F238E27FC236}">
+                <a16:creationId xmlns:a16="http://schemas.microsoft.com/office/drawing/2014/main" id="{23CA700D-4831-4436-921A-3F31CE7FEDF0}"/>
+              </a:ext>
+            </a:extLst>
+          </p:cNvPr>
+          <p:cNvSpPr/>
+          <p:nvPr/>
+        </p:nvSpPr>
+        <p:spPr>
+          <a:xfrm>
+            <a:off x="5236026" y="1800043"/>
+            <a:ext cx="933449" cy="914399"/>
+          </a:xfrm>
+          <a:prstGeom prst="ellipse">
+            <a:avLst/>
+          </a:prstGeom>
+          <a:ln>
+            <a:solidFill>
+              <a:schemeClr val="tx1"/>
+            </a:solidFill>
+          </a:ln>
+        </p:spPr>
+        <p:style>
+          <a:lnRef idx="2">
+            <a:schemeClr val="accent6"/>
+          </a:lnRef>
+          <a:fillRef idx="1">
+            <a:schemeClr val="lt1"/>
+          </a:fillRef>
+          <a:effectRef idx="0">
+            <a:schemeClr val="accent6"/>
+          </a:effectRef>
+          <a:fontRef idx="minor">
+            <a:schemeClr val="dk1"/>
+          </a:fontRef>
+        </p:style>
+        <p:txBody>
+          <a:bodyPr rtlCol="0" anchor="ctr"/>
+          <a:lstStyle/>
+          <a:p>
+            <a:pPr algn="ctr"/>
+            <a:r>
+              <a:rPr lang="en-US" altLang="zh-CN" dirty="0"/>
+              <a:t>OUT</a:t>
+            </a:r>
+            <a:endParaRPr lang="zh-CN" altLang="en-US" dirty="0"/>
+          </a:p>
+        </p:txBody>
+      </p:sp>
+      <p:sp>
+        <p:nvSpPr>
+          <p:cNvPr id="33" name="文本框 32">
+            <a:extLst>
+              <a:ext uri="{FF2B5EF4-FFF2-40B4-BE49-F238E27FC236}">
+                <a16:creationId xmlns:a16="http://schemas.microsoft.com/office/drawing/2014/main" id="{D93CFC98-2DED-469E-BFAB-DB7718E999CF}"/>
+              </a:ext>
+            </a:extLst>
+          </p:cNvPr>
+          <p:cNvSpPr txBox="1"/>
+          <p:nvPr/>
+        </p:nvSpPr>
+        <p:spPr>
+          <a:xfrm>
+            <a:off x="5236026" y="1535143"/>
+            <a:ext cx="1078851" cy="261610"/>
+          </a:xfrm>
+          <a:prstGeom prst="rect">
+            <a:avLst/>
+          </a:prstGeom>
+          <a:noFill/>
+        </p:spPr>
+        <p:txBody>
+          <a:bodyPr wrap="square" rtlCol="0">
+            <a:spAutoFit/>
+          </a:bodyPr>
+          <a:lstStyle/>
+          <a:p>
+            <a:r>
+              <a:rPr lang="en-US" altLang="zh-CN" sz="1100" dirty="0"/>
+              <a:t>OUTPUT</a:t>
+            </a:r>
+            <a:endParaRPr lang="zh-CN" altLang="en-US" sz="1100" dirty="0"/>
+          </a:p>
+        </p:txBody>
+      </p:sp>
+      <p:sp>
+        <p:nvSpPr>
+          <p:cNvPr id="34" name="文本框 33">
+            <a:extLst>
+              <a:ext uri="{FF2B5EF4-FFF2-40B4-BE49-F238E27FC236}">
+                <a16:creationId xmlns:a16="http://schemas.microsoft.com/office/drawing/2014/main" id="{624B07E9-473A-4DE6-835A-F143B4CBEB43}"/>
+              </a:ext>
+            </a:extLst>
+          </p:cNvPr>
+          <p:cNvSpPr txBox="1"/>
+          <p:nvPr/>
+        </p:nvSpPr>
+        <p:spPr>
+          <a:xfrm>
+            <a:off x="3686176" y="1287910"/>
+            <a:ext cx="1403350" cy="307777"/>
+          </a:xfrm>
+          <a:prstGeom prst="rect">
+            <a:avLst/>
+          </a:prstGeom>
+          <a:noFill/>
+        </p:spPr>
+        <p:txBody>
+          <a:bodyPr wrap="square" rtlCol="0">
+            <a:spAutoFit/>
+          </a:bodyPr>
+          <a:lstStyle/>
+          <a:p>
+            <a:r>
+              <a:rPr lang="en-US" altLang="zh-CN" sz="1400" dirty="0" err="1"/>
+              <a:t>PIDcontorl</a:t>
+            </a:r>
+            <a:endParaRPr lang="zh-CN" altLang="en-US" sz="1400" dirty="0"/>
+          </a:p>
+        </p:txBody>
+      </p:sp>
+      <p:sp>
+        <p:nvSpPr>
+          <p:cNvPr id="35" name="文本框 34">
+            <a:extLst>
+              <a:ext uri="{FF2B5EF4-FFF2-40B4-BE49-F238E27FC236}">
+                <a16:creationId xmlns:a16="http://schemas.microsoft.com/office/drawing/2014/main" id="{5EAB2B73-AB56-4002-8487-8C72636B2982}"/>
+              </a:ext>
+            </a:extLst>
+          </p:cNvPr>
+          <p:cNvSpPr txBox="1"/>
+          <p:nvPr/>
+        </p:nvSpPr>
+        <p:spPr>
+          <a:xfrm>
+            <a:off x="3514993" y="881222"/>
+            <a:ext cx="2178050" cy="369332"/>
+          </a:xfrm>
+          <a:prstGeom prst="rect">
+            <a:avLst/>
+          </a:prstGeom>
+          <a:noFill/>
+        </p:spPr>
+        <p:txBody>
+          <a:bodyPr wrap="square" rtlCol="0">
+            <a:spAutoFit/>
+          </a:bodyPr>
+          <a:lstStyle/>
+          <a:p>
+            <a:r>
+              <a:rPr lang="en-US" altLang="zh-CN" dirty="0"/>
+              <a:t>HIDDEN</a:t>
+            </a:r>
+            <a:endParaRPr lang="zh-CN" altLang="en-US" dirty="0"/>
+          </a:p>
+        </p:txBody>
+      </p:sp>
+    </p:spTree>
+    <p:extLst>
+      <p:ext uri="{BB962C8B-B14F-4D97-AF65-F5344CB8AC3E}">
+        <p14:creationId xmlns:p14="http://schemas.microsoft.com/office/powerpoint/2010/main" val="1713002622"/>
       </p:ext>
     </p:extLst>
   </p:cSld>

--- a/paper/毕设思路 [自动保存的] [自动保存的].pptx
+++ b/paper/毕设思路 [自动保存的] [自动保存的].pptx
@@ -298,7 +298,7 @@
           <a:p>
             <a:fld id="{AD8B3968-3313-4141-86A3-A13F50CDB1A3}" type="datetimeFigureOut">
               <a:rPr lang="zh-CN" altLang="en-US" smtClean="0"/>
-              <a:t>2023/4/12</a:t>
+              <a:t>2023/4/13</a:t>
             </a:fld>
             <a:endParaRPr lang="zh-CN" altLang="en-US"/>
           </a:p>
@@ -496,7 +496,7 @@
           <a:p>
             <a:fld id="{AD8B3968-3313-4141-86A3-A13F50CDB1A3}" type="datetimeFigureOut">
               <a:rPr lang="zh-CN" altLang="en-US" smtClean="0"/>
-              <a:t>2023/4/12</a:t>
+              <a:t>2023/4/13</a:t>
             </a:fld>
             <a:endParaRPr lang="zh-CN" altLang="en-US"/>
           </a:p>
@@ -704,7 +704,7 @@
           <a:p>
             <a:fld id="{AD8B3968-3313-4141-86A3-A13F50CDB1A3}" type="datetimeFigureOut">
               <a:rPr lang="zh-CN" altLang="en-US" smtClean="0"/>
-              <a:t>2023/4/12</a:t>
+              <a:t>2023/4/13</a:t>
             </a:fld>
             <a:endParaRPr lang="zh-CN" altLang="en-US"/>
           </a:p>
@@ -902,7 +902,7 @@
           <a:p>
             <a:fld id="{AD8B3968-3313-4141-86A3-A13F50CDB1A3}" type="datetimeFigureOut">
               <a:rPr lang="zh-CN" altLang="en-US" smtClean="0"/>
-              <a:t>2023/4/12</a:t>
+              <a:t>2023/4/13</a:t>
             </a:fld>
             <a:endParaRPr lang="zh-CN" altLang="en-US"/>
           </a:p>
@@ -1177,7 +1177,7 @@
           <a:p>
             <a:fld id="{AD8B3968-3313-4141-86A3-A13F50CDB1A3}" type="datetimeFigureOut">
               <a:rPr lang="zh-CN" altLang="en-US" smtClean="0"/>
-              <a:t>2023/4/12</a:t>
+              <a:t>2023/4/13</a:t>
             </a:fld>
             <a:endParaRPr lang="zh-CN" altLang="en-US"/>
           </a:p>
@@ -1442,7 +1442,7 @@
           <a:p>
             <a:fld id="{AD8B3968-3313-4141-86A3-A13F50CDB1A3}" type="datetimeFigureOut">
               <a:rPr lang="zh-CN" altLang="en-US" smtClean="0"/>
-              <a:t>2023/4/12</a:t>
+              <a:t>2023/4/13</a:t>
             </a:fld>
             <a:endParaRPr lang="zh-CN" altLang="en-US"/>
           </a:p>
@@ -1854,7 +1854,7 @@
           <a:p>
             <a:fld id="{AD8B3968-3313-4141-86A3-A13F50CDB1A3}" type="datetimeFigureOut">
               <a:rPr lang="zh-CN" altLang="en-US" smtClean="0"/>
-              <a:t>2023/4/12</a:t>
+              <a:t>2023/4/13</a:t>
             </a:fld>
             <a:endParaRPr lang="zh-CN" altLang="en-US"/>
           </a:p>
@@ -1995,7 +1995,7 @@
           <a:p>
             <a:fld id="{AD8B3968-3313-4141-86A3-A13F50CDB1A3}" type="datetimeFigureOut">
               <a:rPr lang="zh-CN" altLang="en-US" smtClean="0"/>
-              <a:t>2023/4/12</a:t>
+              <a:t>2023/4/13</a:t>
             </a:fld>
             <a:endParaRPr lang="zh-CN" altLang="en-US"/>
           </a:p>
@@ -2108,7 +2108,7 @@
           <a:p>
             <a:fld id="{AD8B3968-3313-4141-86A3-A13F50CDB1A3}" type="datetimeFigureOut">
               <a:rPr lang="zh-CN" altLang="en-US" smtClean="0"/>
-              <a:t>2023/4/12</a:t>
+              <a:t>2023/4/13</a:t>
             </a:fld>
             <a:endParaRPr lang="zh-CN" altLang="en-US"/>
           </a:p>
@@ -2419,7 +2419,7 @@
           <a:p>
             <a:fld id="{AD8B3968-3313-4141-86A3-A13F50CDB1A3}" type="datetimeFigureOut">
               <a:rPr lang="zh-CN" altLang="en-US" smtClean="0"/>
-              <a:t>2023/4/12</a:t>
+              <a:t>2023/4/13</a:t>
             </a:fld>
             <a:endParaRPr lang="zh-CN" altLang="en-US"/>
           </a:p>
@@ -2707,7 +2707,7 @@
           <a:p>
             <a:fld id="{AD8B3968-3313-4141-86A3-A13F50CDB1A3}" type="datetimeFigureOut">
               <a:rPr lang="zh-CN" altLang="en-US" smtClean="0"/>
-              <a:t>2023/4/12</a:t>
+              <a:t>2023/4/13</a:t>
             </a:fld>
             <a:endParaRPr lang="zh-CN" altLang="en-US"/>
           </a:p>
@@ -2948,7 +2948,7 @@
           <a:p>
             <a:fld id="{AD8B3968-3313-4141-86A3-A13F50CDB1A3}" type="datetimeFigureOut">
               <a:rPr lang="zh-CN" altLang="en-US" smtClean="0"/>
-              <a:t>2023/4/12</a:t>
+              <a:t>2023/4/13</a:t>
             </a:fld>
             <a:endParaRPr lang="zh-CN" altLang="en-US"/>
           </a:p>
@@ -16113,7 +16113,7 @@
         </p:nvSpPr>
         <p:spPr>
           <a:xfrm>
-            <a:off x="105747" y="-45871"/>
+            <a:off x="0" y="93325"/>
             <a:ext cx="4198776" cy="369332"/>
           </a:xfrm>
           <a:prstGeom prst="rect">
@@ -16148,8 +16148,8 @@
         </p:nvSpPr>
         <p:spPr>
           <a:xfrm>
-            <a:off x="217713" y="499980"/>
-            <a:ext cx="6096000" cy="6124754"/>
+            <a:off x="205272" y="462657"/>
+            <a:ext cx="6096000" cy="6340197"/>
           </a:xfrm>
           <a:prstGeom prst="rect">
             <a:avLst/>
@@ -16499,6 +16499,21 @@
               </a:rPr>
               <a:t>算法整体设计及模块划分</a:t>
             </a:r>
+            <a:endParaRPr lang="en-US" altLang="zh-CN" sz="1400" kern="100" dirty="0">
+              <a:effectLst/>
+              <a:latin typeface="等线" panose="02010600030101010101" pitchFamily="2" charset="-122"/>
+              <a:ea typeface="等线" panose="02010600030101010101" pitchFamily="2" charset="-122"/>
+              <a:cs typeface="Times New Roman" panose="02020603050405020304" pitchFamily="18" charset="0"/>
+            </a:endParaRPr>
+          </a:p>
+          <a:p>
+            <a:pPr marL="266700" algn="just"/>
+            <a:endParaRPr lang="zh-CN" altLang="zh-CN" sz="1400" kern="100" dirty="0">
+              <a:effectLst/>
+              <a:latin typeface="等线" panose="02010600030101010101" pitchFamily="2" charset="-122"/>
+              <a:ea typeface="等线" panose="02010600030101010101" pitchFamily="2" charset="-122"/>
+              <a:cs typeface="Times New Roman" panose="02020603050405020304" pitchFamily="18" charset="0"/>
+            </a:endParaRPr>
           </a:p>
           <a:p>
             <a:pPr marL="266700" algn="just"/>
@@ -16805,7 +16820,7 @@
         <p:spPr>
           <a:xfrm>
             <a:off x="6127103" y="715424"/>
-            <a:ext cx="6096000" cy="5693866"/>
+            <a:ext cx="6096000" cy="5478423"/>
           </a:xfrm>
           <a:prstGeom prst="rect">
             <a:avLst/>
@@ -17047,9 +17062,23 @@
               </a:rPr>
               <a:t>发送速率</a:t>
             </a:r>
+            <a:endParaRPr lang="en-US" altLang="zh-CN" sz="1400" kern="100" dirty="0">
+              <a:effectLst/>
+              <a:latin typeface="等线" panose="02010600030101010101" pitchFamily="2" charset="-122"/>
+              <a:ea typeface="等线" panose="02010600030101010101" pitchFamily="2" charset="-122"/>
+              <a:cs typeface="Times New Roman" panose="02020603050405020304" pitchFamily="18" charset="0"/>
+            </a:endParaRPr>
           </a:p>
           <a:p>
             <a:pPr marL="266700" algn="just"/>
+            <a:r>
+              <a:rPr lang="en-US" altLang="zh-CN" sz="1400" kern="100" dirty="0">
+                <a:latin typeface="等线" panose="02010600030101010101" pitchFamily="2" charset="-122"/>
+                <a:ea typeface="等线" panose="02010600030101010101" pitchFamily="2" charset="-122"/>
+                <a:cs typeface="Times New Roman" panose="02020603050405020304" pitchFamily="18" charset="0"/>
+              </a:rPr>
+              <a:t>	</a:t>
+            </a:r>
             <a:r>
               <a:rPr lang="en-US" altLang="zh-CN" sz="1400" kern="100" dirty="0">
                 <a:effectLst/>
@@ -17057,28 +17086,7 @@
                 <a:ea typeface="等线" panose="02010600030101010101" pitchFamily="2" charset="-122"/>
                 <a:cs typeface="Times New Roman" panose="02020603050405020304" pitchFamily="18" charset="0"/>
               </a:rPr>
-              <a:t>	4.4</a:t>
-            </a:r>
-            <a:r>
-              <a:rPr lang="zh-CN" altLang="zh-CN" sz="1400" kern="100" dirty="0">
-                <a:effectLst/>
-                <a:latin typeface="等线" panose="02010600030101010101" pitchFamily="2" charset="-122"/>
-                <a:ea typeface="等线" panose="02010600030101010101" pitchFamily="2" charset="-122"/>
-                <a:cs typeface="Times New Roman" panose="02020603050405020304" pitchFamily="18" charset="0"/>
-              </a:rPr>
-              <a:t>本章小结</a:t>
-            </a:r>
-          </a:p>
-          <a:p>
-            <a:pPr marL="266700" algn="just"/>
-            <a:r>
-              <a:rPr lang="en-US" altLang="zh-CN" sz="1400" kern="100" dirty="0">
-                <a:effectLst/>
-                <a:latin typeface="等线" panose="02010600030101010101" pitchFamily="2" charset="-122"/>
-                <a:ea typeface="等线" panose="02010600030101010101" pitchFamily="2" charset="-122"/>
-                <a:cs typeface="Times New Roman" panose="02020603050405020304" pitchFamily="18" charset="0"/>
-              </a:rPr>
-              <a:t>5.</a:t>
+              <a:t>4.4.</a:t>
             </a:r>
             <a:r>
               <a:rPr lang="zh-CN" altLang="zh-CN" sz="1400" kern="100" dirty="0">
@@ -17091,7 +17099,7 @@
             </a:r>
           </a:p>
           <a:p>
-            <a:pPr marL="266700" algn="just"/>
+            <a:pPr marL="1181100" lvl="2" algn="just"/>
             <a:r>
               <a:rPr lang="en-US" altLang="zh-CN" sz="1400" kern="100" dirty="0">
                 <a:effectLst/>
@@ -17112,7 +17120,7 @@
             </a:r>
           </a:p>
           <a:p>
-            <a:pPr marL="266700" algn="just"/>
+            <a:pPr marL="1181100" lvl="2" algn="just"/>
             <a:r>
               <a:rPr lang="en-US" altLang="zh-CN" sz="1400" kern="100" dirty="0">
                 <a:effectLst/>
@@ -17133,7 +17141,7 @@
             </a:r>
           </a:p>
           <a:p>
-            <a:pPr marL="266700" algn="just"/>
+            <a:pPr marL="1181100" lvl="2" algn="just"/>
             <a:r>
               <a:rPr lang="en-US" altLang="zh-CN" sz="1400" kern="100" dirty="0">
                 <a:effectLst/>
@@ -17151,7 +17159,7 @@
             </a:endParaRPr>
           </a:p>
           <a:p>
-            <a:pPr marL="266700" algn="just"/>
+            <a:pPr marL="1181100" lvl="2" algn="just"/>
             <a:r>
               <a:rPr lang="en-US" altLang="zh-CN" sz="1400" kern="100" dirty="0">
                 <a:effectLst/>
@@ -17169,7 +17177,7 @@
             </a:endParaRPr>
           </a:p>
           <a:p>
-            <a:pPr marL="266700" algn="just"/>
+            <a:pPr marL="1181100" lvl="2" algn="just"/>
             <a:r>
               <a:rPr lang="en-US" altLang="zh-CN" sz="1400" kern="100" dirty="0">
                 <a:effectLst/>
@@ -17187,7 +17195,7 @@
             </a:endParaRPr>
           </a:p>
           <a:p>
-            <a:pPr marL="266700" algn="just"/>
+            <a:pPr marL="1181100" lvl="2" algn="just"/>
             <a:r>
               <a:rPr lang="en-US" altLang="zh-CN" sz="1400" kern="100" dirty="0">
                 <a:effectLst/>
@@ -17208,7 +17216,7 @@
             </a:r>
           </a:p>
           <a:p>
-            <a:pPr marL="266700" algn="just"/>
+            <a:pPr marL="1181100" lvl="2" algn="just"/>
             <a:r>
               <a:rPr lang="en-US" altLang="zh-CN" sz="1400" kern="100" dirty="0">
                 <a:effectLst/>
@@ -17229,7 +17237,7 @@
             </a:r>
           </a:p>
           <a:p>
-            <a:pPr marL="266700" algn="just"/>
+            <a:pPr marL="1181100" lvl="2" algn="just"/>
             <a:r>
               <a:rPr lang="en-US" altLang="zh-CN" sz="1400" kern="100" dirty="0">
                 <a:effectLst/>
@@ -17253,12 +17261,11 @@
             <a:pPr marL="266700" algn="just"/>
             <a:r>
               <a:rPr lang="en-US" altLang="zh-CN" sz="1400" kern="100" dirty="0">
-                <a:effectLst/>
                 <a:latin typeface="等线" panose="02010600030101010101" pitchFamily="2" charset="-122"/>
                 <a:ea typeface="等线" panose="02010600030101010101" pitchFamily="2" charset="-122"/>
                 <a:cs typeface="Times New Roman" panose="02020603050405020304" pitchFamily="18" charset="0"/>
               </a:rPr>
-              <a:t>6</a:t>
+              <a:t>5</a:t>
             </a:r>
             <a:r>
               <a:rPr lang="zh-CN" altLang="zh-CN" sz="1400" kern="100" dirty="0">
@@ -17279,7 +17286,7 @@
                 <a:ea typeface="等线" panose="02010600030101010101" pitchFamily="2" charset="-122"/>
                 <a:cs typeface="Times New Roman" panose="02020603050405020304" pitchFamily="18" charset="0"/>
               </a:rPr>
-              <a:t>	6.1</a:t>
+              <a:t>	5.1</a:t>
             </a:r>
             <a:r>
               <a:rPr lang="zh-CN" altLang="zh-CN" sz="1400" kern="100" dirty="0">
@@ -17300,7 +17307,7 @@
                 <a:ea typeface="等线" panose="02010600030101010101" pitchFamily="2" charset="-122"/>
                 <a:cs typeface="Times New Roman" panose="02020603050405020304" pitchFamily="18" charset="0"/>
               </a:rPr>
-              <a:t>	6.2</a:t>
+              <a:t>	5.2</a:t>
             </a:r>
             <a:r>
               <a:rPr lang="zh-CN" altLang="zh-CN" sz="1400" kern="100" dirty="0">
@@ -19522,8 +19529,8 @@
           </a:p>
         </p:txBody>
       </p:sp>
-      <mc:AlternateContent xmlns:mc="http://schemas.openxmlformats.org/markup-compatibility/2006">
-        <mc:Choice xmlns:a14="http://schemas.microsoft.com/office/drawing/2010/main" Requires="a14">
+      <mc:AlternateContent xmlns:mc="http://schemas.openxmlformats.org/markup-compatibility/2006" xmlns:a14="http://schemas.microsoft.com/office/drawing/2010/main">
+        <mc:Choice Requires="a14">
           <p:sp>
             <p:nvSpPr>
               <p:cNvPr id="24" name="椭圆 23">
@@ -19614,7 +19621,7 @@
             </p:txBody>
           </p:sp>
         </mc:Choice>
-        <mc:Fallback>
+        <mc:Fallback xmlns="">
           <p:sp>
             <p:nvSpPr>
               <p:cNvPr id="24" name="椭圆 23">
@@ -20152,8 +20159,8 @@
           </a:p>
         </p:txBody>
       </p:sp>
-      <mc:AlternateContent xmlns:mc="http://schemas.openxmlformats.org/markup-compatibility/2006">
-        <mc:Choice xmlns:a14="http://schemas.microsoft.com/office/drawing/2010/main" Requires="a14">
+      <mc:AlternateContent xmlns:mc="http://schemas.openxmlformats.org/markup-compatibility/2006" xmlns:a14="http://schemas.microsoft.com/office/drawing/2010/main">
+        <mc:Choice Requires="a14">
           <p:sp>
             <p:nvSpPr>
               <p:cNvPr id="19" name="椭圆 18">
@@ -20244,7 +20251,7 @@
             </p:txBody>
           </p:sp>
         </mc:Choice>
-        <mc:Fallback>
+        <mc:Fallback xmlns="">
           <p:sp>
             <p:nvSpPr>
               <p:cNvPr id="19" name="椭圆 18">
@@ -20294,8 +20301,8 @@
           </p:sp>
         </mc:Fallback>
       </mc:AlternateContent>
-      <mc:AlternateContent xmlns:mc="http://schemas.openxmlformats.org/markup-compatibility/2006">
-        <mc:Choice xmlns:a14="http://schemas.microsoft.com/office/drawing/2010/main" Requires="a14">
+      <mc:AlternateContent xmlns:mc="http://schemas.openxmlformats.org/markup-compatibility/2006" xmlns:a14="http://schemas.microsoft.com/office/drawing/2010/main">
+        <mc:Choice Requires="a14">
           <p:sp>
             <p:nvSpPr>
               <p:cNvPr id="20" name="椭圆 19">
@@ -20380,7 +20387,7 @@
             </p:txBody>
           </p:sp>
         </mc:Choice>
-        <mc:Fallback>
+        <mc:Fallback xmlns="">
           <p:sp>
             <p:nvSpPr>
               <p:cNvPr id="20" name="椭圆 19">
@@ -22080,8 +22087,8 @@
           </a:p>
         </p:txBody>
       </p:sp>
-      <mc:AlternateContent xmlns:mc="http://schemas.openxmlformats.org/markup-compatibility/2006">
-        <mc:Choice xmlns:a14="http://schemas.microsoft.com/office/drawing/2010/main" Requires="a14">
+      <mc:AlternateContent xmlns:mc="http://schemas.openxmlformats.org/markup-compatibility/2006" xmlns:a14="http://schemas.microsoft.com/office/drawing/2010/main">
+        <mc:Choice Requires="a14">
           <p:sp>
             <p:nvSpPr>
               <p:cNvPr id="2" name="椭圆 1">
@@ -22166,7 +22173,7 @@
             </p:txBody>
           </p:sp>
         </mc:Choice>
-        <mc:Fallback>
+        <mc:Fallback xmlns="">
           <p:sp>
             <p:nvSpPr>
               <p:cNvPr id="2" name="椭圆 1">
@@ -22301,8 +22308,8 @@
           </a:p>
         </p:txBody>
       </p:sp>
-      <mc:AlternateContent xmlns:mc="http://schemas.openxmlformats.org/markup-compatibility/2006">
-        <mc:Choice xmlns:a14="http://schemas.microsoft.com/office/drawing/2010/main" Requires="a14">
+      <mc:AlternateContent xmlns:mc="http://schemas.openxmlformats.org/markup-compatibility/2006" xmlns:a14="http://schemas.microsoft.com/office/drawing/2010/main">
+        <mc:Choice Requires="a14">
           <p:sp>
             <p:nvSpPr>
               <p:cNvPr id="6" name="椭圆 5">
@@ -22368,7 +22375,7 @@
             </p:txBody>
           </p:sp>
         </mc:Choice>
-        <mc:Fallback>
+        <mc:Fallback xmlns="">
           <p:sp>
             <p:nvSpPr>
               <p:cNvPr id="6" name="椭圆 5">
@@ -22418,8 +22425,8 @@
           </p:sp>
         </mc:Fallback>
       </mc:AlternateContent>
-      <mc:AlternateContent xmlns:mc="http://schemas.openxmlformats.org/markup-compatibility/2006">
-        <mc:Choice xmlns:a14="http://schemas.microsoft.com/office/drawing/2010/main" Requires="a14">
+      <mc:AlternateContent xmlns:mc="http://schemas.openxmlformats.org/markup-compatibility/2006" xmlns:a14="http://schemas.microsoft.com/office/drawing/2010/main">
+        <mc:Choice Requires="a14">
           <p:sp>
             <p:nvSpPr>
               <p:cNvPr id="7" name="椭圆 6">
@@ -22485,7 +22492,7 @@
             </p:txBody>
           </p:sp>
         </mc:Choice>
-        <mc:Fallback>
+        <mc:Fallback xmlns="">
           <p:sp>
             <p:nvSpPr>
               <p:cNvPr id="7" name="椭圆 6">
@@ -22535,8 +22542,8 @@
           </p:sp>
         </mc:Fallback>
       </mc:AlternateContent>
-      <mc:AlternateContent xmlns:mc="http://schemas.openxmlformats.org/markup-compatibility/2006">
-        <mc:Choice xmlns:a14="http://schemas.microsoft.com/office/drawing/2010/main" Requires="a14">
+      <mc:AlternateContent xmlns:mc="http://schemas.openxmlformats.org/markup-compatibility/2006" xmlns:a14="http://schemas.microsoft.com/office/drawing/2010/main">
+        <mc:Choice Requires="a14">
           <p:sp>
             <p:nvSpPr>
               <p:cNvPr id="8" name="椭圆 7">
@@ -22602,7 +22609,7 @@
             </p:txBody>
           </p:sp>
         </mc:Choice>
-        <mc:Fallback>
+        <mc:Fallback xmlns="">
           <p:sp>
             <p:nvSpPr>
               <p:cNvPr id="8" name="椭圆 7">
@@ -22780,8 +22787,8 @@
           </a:fontRef>
         </p:style>
       </p:cxnSp>
-      <mc:AlternateContent xmlns:mc="http://schemas.openxmlformats.org/markup-compatibility/2006">
-        <mc:Choice xmlns:a14="http://schemas.microsoft.com/office/drawing/2010/main" Requires="a14">
+      <mc:AlternateContent xmlns:mc="http://schemas.openxmlformats.org/markup-compatibility/2006" xmlns:a14="http://schemas.microsoft.com/office/drawing/2010/main">
+        <mc:Choice Requires="a14">
           <p:sp>
             <p:nvSpPr>
               <p:cNvPr id="17" name="椭圆 16">
@@ -22847,7 +22854,7 @@
             </p:txBody>
           </p:sp>
         </mc:Choice>
-        <mc:Fallback>
+        <mc:Fallback xmlns="">
           <p:sp>
             <p:nvSpPr>
               <p:cNvPr id="17" name="椭圆 16">

--- a/paper/毕设思路 [自动保存的] [自动保存的].pptx
+++ b/paper/毕设思路 [自动保存的] [自动保存的].pptx
@@ -298,7 +298,7 @@
           <a:p>
             <a:fld id="{AD8B3968-3313-4141-86A3-A13F50CDB1A3}" type="datetimeFigureOut">
               <a:rPr lang="zh-CN" altLang="en-US" smtClean="0"/>
-              <a:t>2023/4/13</a:t>
+              <a:t>2023/4/14</a:t>
             </a:fld>
             <a:endParaRPr lang="zh-CN" altLang="en-US"/>
           </a:p>
@@ -496,7 +496,7 @@
           <a:p>
             <a:fld id="{AD8B3968-3313-4141-86A3-A13F50CDB1A3}" type="datetimeFigureOut">
               <a:rPr lang="zh-CN" altLang="en-US" smtClean="0"/>
-              <a:t>2023/4/13</a:t>
+              <a:t>2023/4/14</a:t>
             </a:fld>
             <a:endParaRPr lang="zh-CN" altLang="en-US"/>
           </a:p>
@@ -704,7 +704,7 @@
           <a:p>
             <a:fld id="{AD8B3968-3313-4141-86A3-A13F50CDB1A3}" type="datetimeFigureOut">
               <a:rPr lang="zh-CN" altLang="en-US" smtClean="0"/>
-              <a:t>2023/4/13</a:t>
+              <a:t>2023/4/14</a:t>
             </a:fld>
             <a:endParaRPr lang="zh-CN" altLang="en-US"/>
           </a:p>
@@ -902,7 +902,7 @@
           <a:p>
             <a:fld id="{AD8B3968-3313-4141-86A3-A13F50CDB1A3}" type="datetimeFigureOut">
               <a:rPr lang="zh-CN" altLang="en-US" smtClean="0"/>
-              <a:t>2023/4/13</a:t>
+              <a:t>2023/4/14</a:t>
             </a:fld>
             <a:endParaRPr lang="zh-CN" altLang="en-US"/>
           </a:p>
@@ -1177,7 +1177,7 @@
           <a:p>
             <a:fld id="{AD8B3968-3313-4141-86A3-A13F50CDB1A3}" type="datetimeFigureOut">
               <a:rPr lang="zh-CN" altLang="en-US" smtClean="0"/>
-              <a:t>2023/4/13</a:t>
+              <a:t>2023/4/14</a:t>
             </a:fld>
             <a:endParaRPr lang="zh-CN" altLang="en-US"/>
           </a:p>
@@ -1442,7 +1442,7 @@
           <a:p>
             <a:fld id="{AD8B3968-3313-4141-86A3-A13F50CDB1A3}" type="datetimeFigureOut">
               <a:rPr lang="zh-CN" altLang="en-US" smtClean="0"/>
-              <a:t>2023/4/13</a:t>
+              <a:t>2023/4/14</a:t>
             </a:fld>
             <a:endParaRPr lang="zh-CN" altLang="en-US"/>
           </a:p>
@@ -1854,7 +1854,7 @@
           <a:p>
             <a:fld id="{AD8B3968-3313-4141-86A3-A13F50CDB1A3}" type="datetimeFigureOut">
               <a:rPr lang="zh-CN" altLang="en-US" smtClean="0"/>
-              <a:t>2023/4/13</a:t>
+              <a:t>2023/4/14</a:t>
             </a:fld>
             <a:endParaRPr lang="zh-CN" altLang="en-US"/>
           </a:p>
@@ -1995,7 +1995,7 @@
           <a:p>
             <a:fld id="{AD8B3968-3313-4141-86A3-A13F50CDB1A3}" type="datetimeFigureOut">
               <a:rPr lang="zh-CN" altLang="en-US" smtClean="0"/>
-              <a:t>2023/4/13</a:t>
+              <a:t>2023/4/14</a:t>
             </a:fld>
             <a:endParaRPr lang="zh-CN" altLang="en-US"/>
           </a:p>
@@ -2108,7 +2108,7 @@
           <a:p>
             <a:fld id="{AD8B3968-3313-4141-86A3-A13F50CDB1A3}" type="datetimeFigureOut">
               <a:rPr lang="zh-CN" altLang="en-US" smtClean="0"/>
-              <a:t>2023/4/13</a:t>
+              <a:t>2023/4/14</a:t>
             </a:fld>
             <a:endParaRPr lang="zh-CN" altLang="en-US"/>
           </a:p>
@@ -2419,7 +2419,7 @@
           <a:p>
             <a:fld id="{AD8B3968-3313-4141-86A3-A13F50CDB1A3}" type="datetimeFigureOut">
               <a:rPr lang="zh-CN" altLang="en-US" smtClean="0"/>
-              <a:t>2023/4/13</a:t>
+              <a:t>2023/4/14</a:t>
             </a:fld>
             <a:endParaRPr lang="zh-CN" altLang="en-US"/>
           </a:p>
@@ -2707,7 +2707,7 @@
           <a:p>
             <a:fld id="{AD8B3968-3313-4141-86A3-A13F50CDB1A3}" type="datetimeFigureOut">
               <a:rPr lang="zh-CN" altLang="en-US" smtClean="0"/>
-              <a:t>2023/4/13</a:t>
+              <a:t>2023/4/14</a:t>
             </a:fld>
             <a:endParaRPr lang="zh-CN" altLang="en-US"/>
           </a:p>
@@ -2948,7 +2948,7 @@
           <a:p>
             <a:fld id="{AD8B3968-3313-4141-86A3-A13F50CDB1A3}" type="datetimeFigureOut">
               <a:rPr lang="zh-CN" altLang="en-US" smtClean="0"/>
-              <a:t>2023/4/13</a:t>
+              <a:t>2023/4/14</a:t>
             </a:fld>
             <a:endParaRPr lang="zh-CN" altLang="en-US"/>
           </a:p>

--- a/paper/毕设思路 [自动保存的] [自动保存的].pptx
+++ b/paper/毕设思路 [自动保存的] [自动保存的].pptx
@@ -298,7 +298,7 @@
           <a:p>
             <a:fld id="{AD8B3968-3313-4141-86A3-A13F50CDB1A3}" type="datetimeFigureOut">
               <a:rPr lang="zh-CN" altLang="en-US" smtClean="0"/>
-              <a:t>2023/4/14</a:t>
+              <a:t>2023/4/15</a:t>
             </a:fld>
             <a:endParaRPr lang="zh-CN" altLang="en-US"/>
           </a:p>
@@ -496,7 +496,7 @@
           <a:p>
             <a:fld id="{AD8B3968-3313-4141-86A3-A13F50CDB1A3}" type="datetimeFigureOut">
               <a:rPr lang="zh-CN" altLang="en-US" smtClean="0"/>
-              <a:t>2023/4/14</a:t>
+              <a:t>2023/4/15</a:t>
             </a:fld>
             <a:endParaRPr lang="zh-CN" altLang="en-US"/>
           </a:p>
@@ -704,7 +704,7 @@
           <a:p>
             <a:fld id="{AD8B3968-3313-4141-86A3-A13F50CDB1A3}" type="datetimeFigureOut">
               <a:rPr lang="zh-CN" altLang="en-US" smtClean="0"/>
-              <a:t>2023/4/14</a:t>
+              <a:t>2023/4/15</a:t>
             </a:fld>
             <a:endParaRPr lang="zh-CN" altLang="en-US"/>
           </a:p>
@@ -902,7 +902,7 @@
           <a:p>
             <a:fld id="{AD8B3968-3313-4141-86A3-A13F50CDB1A3}" type="datetimeFigureOut">
               <a:rPr lang="zh-CN" altLang="en-US" smtClean="0"/>
-              <a:t>2023/4/14</a:t>
+              <a:t>2023/4/15</a:t>
             </a:fld>
             <a:endParaRPr lang="zh-CN" altLang="en-US"/>
           </a:p>
@@ -1177,7 +1177,7 @@
           <a:p>
             <a:fld id="{AD8B3968-3313-4141-86A3-A13F50CDB1A3}" type="datetimeFigureOut">
               <a:rPr lang="zh-CN" altLang="en-US" smtClean="0"/>
-              <a:t>2023/4/14</a:t>
+              <a:t>2023/4/15</a:t>
             </a:fld>
             <a:endParaRPr lang="zh-CN" altLang="en-US"/>
           </a:p>
@@ -1442,7 +1442,7 @@
           <a:p>
             <a:fld id="{AD8B3968-3313-4141-86A3-A13F50CDB1A3}" type="datetimeFigureOut">
               <a:rPr lang="zh-CN" altLang="en-US" smtClean="0"/>
-              <a:t>2023/4/14</a:t>
+              <a:t>2023/4/15</a:t>
             </a:fld>
             <a:endParaRPr lang="zh-CN" altLang="en-US"/>
           </a:p>
@@ -1854,7 +1854,7 @@
           <a:p>
             <a:fld id="{AD8B3968-3313-4141-86A3-A13F50CDB1A3}" type="datetimeFigureOut">
               <a:rPr lang="zh-CN" altLang="en-US" smtClean="0"/>
-              <a:t>2023/4/14</a:t>
+              <a:t>2023/4/15</a:t>
             </a:fld>
             <a:endParaRPr lang="zh-CN" altLang="en-US"/>
           </a:p>
@@ -1995,7 +1995,7 @@
           <a:p>
             <a:fld id="{AD8B3968-3313-4141-86A3-A13F50CDB1A3}" type="datetimeFigureOut">
               <a:rPr lang="zh-CN" altLang="en-US" smtClean="0"/>
-              <a:t>2023/4/14</a:t>
+              <a:t>2023/4/15</a:t>
             </a:fld>
             <a:endParaRPr lang="zh-CN" altLang="en-US"/>
           </a:p>
@@ -2108,7 +2108,7 @@
           <a:p>
             <a:fld id="{AD8B3968-3313-4141-86A3-A13F50CDB1A3}" type="datetimeFigureOut">
               <a:rPr lang="zh-CN" altLang="en-US" smtClean="0"/>
-              <a:t>2023/4/14</a:t>
+              <a:t>2023/4/15</a:t>
             </a:fld>
             <a:endParaRPr lang="zh-CN" altLang="en-US"/>
           </a:p>
@@ -2419,7 +2419,7 @@
           <a:p>
             <a:fld id="{AD8B3968-3313-4141-86A3-A13F50CDB1A3}" type="datetimeFigureOut">
               <a:rPr lang="zh-CN" altLang="en-US" smtClean="0"/>
-              <a:t>2023/4/14</a:t>
+              <a:t>2023/4/15</a:t>
             </a:fld>
             <a:endParaRPr lang="zh-CN" altLang="en-US"/>
           </a:p>
@@ -2707,7 +2707,7 @@
           <a:p>
             <a:fld id="{AD8B3968-3313-4141-86A3-A13F50CDB1A3}" type="datetimeFigureOut">
               <a:rPr lang="zh-CN" altLang="en-US" smtClean="0"/>
-              <a:t>2023/4/14</a:t>
+              <a:t>2023/4/15</a:t>
             </a:fld>
             <a:endParaRPr lang="zh-CN" altLang="en-US"/>
           </a:p>
@@ -2948,7 +2948,7 @@
           <a:p>
             <a:fld id="{AD8B3968-3313-4141-86A3-A13F50CDB1A3}" type="datetimeFigureOut">
               <a:rPr lang="zh-CN" altLang="en-US" smtClean="0"/>
-              <a:t>2023/4/14</a:t>
+              <a:t>2023/4/15</a:t>
             </a:fld>
             <a:endParaRPr lang="zh-CN" altLang="en-US"/>
           </a:p>

--- a/paper/毕设思路 [自动保存的] [自动保存的].pptx
+++ b/paper/毕设思路 [自动保存的] [自动保存的].pptx
@@ -45,6 +45,8 @@
     <p:sldId id="294" r:id="rId39"/>
     <p:sldId id="295" r:id="rId40"/>
     <p:sldId id="296" r:id="rId41"/>
+    <p:sldId id="297" r:id="rId42"/>
+    <p:sldId id="298" r:id="rId43"/>
   </p:sldIdLst>
   <p:sldSz cx="12192000" cy="6858000"/>
   <p:notesSz cx="6858000" cy="9144000"/>
@@ -151,6 +153,2171 @@
 </p:presentation>
 </file>
 
+<file path=ppt/charts/chart1.xml><?xml version="1.0" encoding="utf-8"?>
+<c:chartSpace xmlns:c="http://schemas.openxmlformats.org/drawingml/2006/chart" xmlns:a="http://schemas.openxmlformats.org/drawingml/2006/main" xmlns:r="http://schemas.openxmlformats.org/officeDocument/2006/relationships" xmlns:c16r2="http://schemas.microsoft.com/office/drawing/2015/06/chart">
+  <c:date1904 val="0"/>
+  <c:lang val="zh-CN"/>
+  <c:roundedCorners val="0"/>
+  <mc:AlternateContent xmlns:mc="http://schemas.openxmlformats.org/markup-compatibility/2006">
+    <mc:Choice xmlns:c14="http://schemas.microsoft.com/office/drawing/2007/8/2/chart" Requires="c14">
+      <c14:style val="102"/>
+    </mc:Choice>
+    <mc:Fallback>
+      <c:style val="2"/>
+    </mc:Fallback>
+  </mc:AlternateContent>
+  <c:chart>
+    <c:autoTitleDeleted val="1"/>
+    <c:plotArea>
+      <c:layout/>
+      <c:barChart>
+        <c:barDir val="col"/>
+        <c:grouping val="clustered"/>
+        <c:varyColors val="0"/>
+        <c:ser>
+          <c:idx val="0"/>
+          <c:order val="0"/>
+          <c:tx>
+            <c:strRef>
+              <c:f>Sheet1!$B$1</c:f>
+              <c:strCache>
+                <c:ptCount val="1"/>
+                <c:pt idx="0">
+                  <c:v>PIDNN</c:v>
+                </c:pt>
+              </c:strCache>
+            </c:strRef>
+          </c:tx>
+          <c:spPr>
+            <a:solidFill>
+              <a:schemeClr val="accent1">
+                <a:alpha val="85000"/>
+              </a:schemeClr>
+            </a:solidFill>
+            <a:ln w="9525" cap="flat" cmpd="sng" algn="ctr">
+              <a:solidFill>
+                <a:schemeClr val="lt1">
+                  <a:alpha val="50000"/>
+                </a:schemeClr>
+              </a:solidFill>
+              <a:round/>
+            </a:ln>
+            <a:effectLst/>
+          </c:spPr>
+          <c:invertIfNegative val="0"/>
+          <c:dLbls>
+            <c:spPr>
+              <a:noFill/>
+              <a:ln>
+                <a:noFill/>
+              </a:ln>
+              <a:effectLst/>
+            </c:spPr>
+            <c:txPr>
+              <a:bodyPr rot="0" spcFirstLastPara="1" vertOverflow="ellipsis" vert="horz" wrap="square" lIns="38100" tIns="19050" rIns="38100" bIns="19050" anchor="ctr" anchorCtr="1">
+                <a:spAutoFit/>
+              </a:bodyPr>
+              <a:lstStyle/>
+              <a:p>
+                <a:pPr>
+                  <a:defRPr sz="1197" b="1" i="0" u="none" strike="noStrike" kern="1200" baseline="0">
+                    <a:solidFill>
+                      <a:schemeClr val="lt1"/>
+                    </a:solidFill>
+                    <a:latin typeface="+mn-lt"/>
+                    <a:ea typeface="+mn-ea"/>
+                    <a:cs typeface="+mn-cs"/>
+                  </a:defRPr>
+                </a:pPr>
+                <a:endParaRPr lang="zh-CN"/>
+              </a:p>
+            </c:txPr>
+            <c:dLblPos val="inEnd"/>
+            <c:showLegendKey val="0"/>
+            <c:showVal val="1"/>
+            <c:showCatName val="0"/>
+            <c:showSerName val="0"/>
+            <c:showPercent val="0"/>
+            <c:showBubbleSize val="0"/>
+            <c:showLeaderLines val="0"/>
+            <c:extLst>
+              <c:ext xmlns:c15="http://schemas.microsoft.com/office/drawing/2012/chart" uri="{CE6537A1-D6FC-4f65-9D91-7224C49458BB}">
+                <c15:showLeaderLines val="1"/>
+                <c15:leaderLines>
+                  <c:spPr>
+                    <a:ln w="9525">
+                      <a:solidFill>
+                        <a:schemeClr val="dk1">
+                          <a:lumMod val="50000"/>
+                          <a:lumOff val="50000"/>
+                        </a:schemeClr>
+                      </a:solidFill>
+                    </a:ln>
+                    <a:effectLst/>
+                  </c:spPr>
+                </c15:leaderLines>
+              </c:ext>
+            </c:extLst>
+          </c:dLbls>
+          <c:cat>
+            <c:strRef>
+              <c:f>Sheet1!$A$2:$A$5</c:f>
+              <c:strCache>
+                <c:ptCount val="4"/>
+                <c:pt idx="0">
+                  <c:v>平均RTT</c:v>
+                </c:pt>
+                <c:pt idx="1">
+                  <c:v>发送速率</c:v>
+                </c:pt>
+                <c:pt idx="2">
+                  <c:v>99%RTT</c:v>
+                </c:pt>
+                <c:pt idx="3">
+                  <c:v>最大RTT</c:v>
+                </c:pt>
+              </c:strCache>
+            </c:strRef>
+          </c:cat>
+          <c:val>
+            <c:numRef>
+              <c:f>Sheet1!$B$2:$B$5</c:f>
+              <c:numCache>
+                <c:formatCode>General</c:formatCode>
+                <c:ptCount val="4"/>
+                <c:pt idx="0">
+                  <c:v>5.0271999999999997</c:v>
+                </c:pt>
+                <c:pt idx="1">
+                  <c:v>16.087199999999999</c:v>
+                </c:pt>
+                <c:pt idx="2">
+                  <c:v>10.105</c:v>
+                </c:pt>
+                <c:pt idx="3">
+                  <c:v>13.009</c:v>
+                </c:pt>
+              </c:numCache>
+            </c:numRef>
+          </c:val>
+          <c:extLst>
+            <c:ext xmlns:c16="http://schemas.microsoft.com/office/drawing/2014/chart" uri="{C3380CC4-5D6E-409C-BE32-E72D297353CC}">
+              <c16:uniqueId val="{00000000-EECC-47B4-8554-0D153A4F61F8}"/>
+            </c:ext>
+          </c:extLst>
+        </c:ser>
+        <c:ser>
+          <c:idx val="1"/>
+          <c:order val="1"/>
+          <c:tx>
+            <c:strRef>
+              <c:f>Sheet1!$C$1</c:f>
+              <c:strCache>
+                <c:ptCount val="1"/>
+                <c:pt idx="0">
+                  <c:v>预测+PIDNN</c:v>
+                </c:pt>
+              </c:strCache>
+            </c:strRef>
+          </c:tx>
+          <c:spPr>
+            <a:solidFill>
+              <a:schemeClr val="accent2">
+                <a:alpha val="85000"/>
+              </a:schemeClr>
+            </a:solidFill>
+            <a:ln w="9525" cap="flat" cmpd="sng" algn="ctr">
+              <a:solidFill>
+                <a:schemeClr val="lt1">
+                  <a:alpha val="50000"/>
+                </a:schemeClr>
+              </a:solidFill>
+              <a:round/>
+            </a:ln>
+            <a:effectLst/>
+          </c:spPr>
+          <c:invertIfNegative val="0"/>
+          <c:dLbls>
+            <c:spPr>
+              <a:noFill/>
+              <a:ln>
+                <a:noFill/>
+              </a:ln>
+              <a:effectLst/>
+            </c:spPr>
+            <c:txPr>
+              <a:bodyPr rot="0" spcFirstLastPara="1" vertOverflow="ellipsis" vert="horz" wrap="square" lIns="38100" tIns="19050" rIns="38100" bIns="19050" anchor="ctr" anchorCtr="1">
+                <a:spAutoFit/>
+              </a:bodyPr>
+              <a:lstStyle/>
+              <a:p>
+                <a:pPr>
+                  <a:defRPr sz="1197" b="1" i="0" u="none" strike="noStrike" kern="1200" baseline="0">
+                    <a:solidFill>
+                      <a:schemeClr val="lt1"/>
+                    </a:solidFill>
+                    <a:latin typeface="+mn-lt"/>
+                    <a:ea typeface="+mn-ea"/>
+                    <a:cs typeface="+mn-cs"/>
+                  </a:defRPr>
+                </a:pPr>
+                <a:endParaRPr lang="zh-CN"/>
+              </a:p>
+            </c:txPr>
+            <c:dLblPos val="inEnd"/>
+            <c:showLegendKey val="0"/>
+            <c:showVal val="1"/>
+            <c:showCatName val="0"/>
+            <c:showSerName val="0"/>
+            <c:showPercent val="0"/>
+            <c:showBubbleSize val="0"/>
+            <c:showLeaderLines val="0"/>
+            <c:extLst>
+              <c:ext xmlns:c15="http://schemas.microsoft.com/office/drawing/2012/chart" uri="{CE6537A1-D6FC-4f65-9D91-7224C49458BB}">
+                <c15:showLeaderLines val="1"/>
+                <c15:leaderLines>
+                  <c:spPr>
+                    <a:ln w="9525">
+                      <a:solidFill>
+                        <a:schemeClr val="dk1">
+                          <a:lumMod val="50000"/>
+                          <a:lumOff val="50000"/>
+                        </a:schemeClr>
+                      </a:solidFill>
+                    </a:ln>
+                    <a:effectLst/>
+                  </c:spPr>
+                </c15:leaderLines>
+              </c:ext>
+            </c:extLst>
+          </c:dLbls>
+          <c:cat>
+            <c:strRef>
+              <c:f>Sheet1!$A$2:$A$5</c:f>
+              <c:strCache>
+                <c:ptCount val="4"/>
+                <c:pt idx="0">
+                  <c:v>平均RTT</c:v>
+                </c:pt>
+                <c:pt idx="1">
+                  <c:v>发送速率</c:v>
+                </c:pt>
+                <c:pt idx="2">
+                  <c:v>99%RTT</c:v>
+                </c:pt>
+                <c:pt idx="3">
+                  <c:v>最大RTT</c:v>
+                </c:pt>
+              </c:strCache>
+            </c:strRef>
+          </c:cat>
+          <c:val>
+            <c:numRef>
+              <c:f>Sheet1!$C$2:$C$5</c:f>
+              <c:numCache>
+                <c:formatCode>General</c:formatCode>
+                <c:ptCount val="4"/>
+                <c:pt idx="0">
+                  <c:v>5.1539999999999999</c:v>
+                </c:pt>
+                <c:pt idx="1">
+                  <c:v>17.659700000000001</c:v>
+                </c:pt>
+                <c:pt idx="2">
+                  <c:v>8.7170000000000005</c:v>
+                </c:pt>
+                <c:pt idx="3">
+                  <c:v>10.147</c:v>
+                </c:pt>
+              </c:numCache>
+            </c:numRef>
+          </c:val>
+          <c:extLst>
+            <c:ext xmlns:c16="http://schemas.microsoft.com/office/drawing/2014/chart" uri="{C3380CC4-5D6E-409C-BE32-E72D297353CC}">
+              <c16:uniqueId val="{00000001-EECC-47B4-8554-0D153A4F61F8}"/>
+            </c:ext>
+          </c:extLst>
+        </c:ser>
+        <c:dLbls>
+          <c:dLblPos val="inEnd"/>
+          <c:showLegendKey val="0"/>
+          <c:showVal val="1"/>
+          <c:showCatName val="0"/>
+          <c:showSerName val="0"/>
+          <c:showPercent val="0"/>
+          <c:showBubbleSize val="0"/>
+        </c:dLbls>
+        <c:gapWidth val="65"/>
+        <c:axId val="1815639808"/>
+        <c:axId val="1817480544"/>
+      </c:barChart>
+      <c:catAx>
+        <c:axId val="1815639808"/>
+        <c:scaling>
+          <c:orientation val="minMax"/>
+        </c:scaling>
+        <c:delete val="0"/>
+        <c:axPos val="b"/>
+        <c:numFmt formatCode="General" sourceLinked="1"/>
+        <c:majorTickMark val="none"/>
+        <c:minorTickMark val="none"/>
+        <c:tickLblPos val="nextTo"/>
+        <c:spPr>
+          <a:noFill/>
+          <a:ln w="19050" cap="flat" cmpd="sng" algn="ctr">
+            <a:solidFill>
+              <a:schemeClr val="dk1">
+                <a:lumMod val="75000"/>
+                <a:lumOff val="25000"/>
+              </a:schemeClr>
+            </a:solidFill>
+            <a:round/>
+          </a:ln>
+          <a:effectLst/>
+        </c:spPr>
+        <c:txPr>
+          <a:bodyPr rot="-60000000" spcFirstLastPara="1" vertOverflow="ellipsis" vert="horz" wrap="square" anchor="ctr" anchorCtr="1"/>
+          <a:lstStyle/>
+          <a:p>
+            <a:pPr>
+              <a:defRPr sz="1197" b="0" i="0" u="none" strike="noStrike" kern="1200" cap="all" baseline="0">
+                <a:solidFill>
+                  <a:schemeClr val="dk1">
+                    <a:lumMod val="75000"/>
+                    <a:lumOff val="25000"/>
+                  </a:schemeClr>
+                </a:solidFill>
+                <a:latin typeface="+mn-lt"/>
+                <a:ea typeface="+mn-ea"/>
+                <a:cs typeface="+mn-cs"/>
+              </a:defRPr>
+            </a:pPr>
+            <a:endParaRPr lang="zh-CN"/>
+          </a:p>
+        </c:txPr>
+        <c:crossAx val="1817480544"/>
+        <c:crosses val="autoZero"/>
+        <c:auto val="1"/>
+        <c:lblAlgn val="ctr"/>
+        <c:lblOffset val="100"/>
+        <c:noMultiLvlLbl val="0"/>
+      </c:catAx>
+      <c:valAx>
+        <c:axId val="1817480544"/>
+        <c:scaling>
+          <c:orientation val="minMax"/>
+        </c:scaling>
+        <c:delete val="1"/>
+        <c:axPos val="l"/>
+        <c:majorGridlines>
+          <c:spPr>
+            <a:ln w="9525" cap="flat" cmpd="sng" algn="ctr">
+              <a:gradFill>
+                <a:gsLst>
+                  <a:gs pos="100000">
+                    <a:schemeClr val="dk1">
+                      <a:lumMod val="95000"/>
+                      <a:lumOff val="5000"/>
+                      <a:alpha val="42000"/>
+                    </a:schemeClr>
+                  </a:gs>
+                  <a:gs pos="0">
+                    <a:schemeClr val="lt1">
+                      <a:lumMod val="75000"/>
+                      <a:alpha val="36000"/>
+                    </a:schemeClr>
+                  </a:gs>
+                </a:gsLst>
+                <a:lin ang="5400000" scaled="0"/>
+              </a:gradFill>
+              <a:round/>
+            </a:ln>
+            <a:effectLst/>
+          </c:spPr>
+        </c:majorGridlines>
+        <c:numFmt formatCode="General" sourceLinked="1"/>
+        <c:majorTickMark val="none"/>
+        <c:minorTickMark val="none"/>
+        <c:tickLblPos val="nextTo"/>
+        <c:crossAx val="1815639808"/>
+        <c:crosses val="autoZero"/>
+        <c:crossBetween val="between"/>
+      </c:valAx>
+      <c:spPr>
+        <a:noFill/>
+        <a:ln>
+          <a:noFill/>
+        </a:ln>
+        <a:effectLst/>
+      </c:spPr>
+    </c:plotArea>
+    <c:legend>
+      <c:legendPos val="b"/>
+      <c:overlay val="0"/>
+      <c:spPr>
+        <a:solidFill>
+          <a:schemeClr val="lt1">
+            <a:lumMod val="95000"/>
+            <a:alpha val="39000"/>
+          </a:schemeClr>
+        </a:solidFill>
+        <a:ln>
+          <a:noFill/>
+        </a:ln>
+        <a:effectLst/>
+      </c:spPr>
+      <c:txPr>
+        <a:bodyPr rot="0" spcFirstLastPara="1" vertOverflow="ellipsis" vert="horz" wrap="square" anchor="ctr" anchorCtr="1"/>
+        <a:lstStyle/>
+        <a:p>
+          <a:pPr>
+            <a:defRPr sz="1197" b="0" i="0" u="none" strike="noStrike" kern="1200" baseline="0">
+              <a:solidFill>
+                <a:schemeClr val="dk1">
+                  <a:lumMod val="75000"/>
+                  <a:lumOff val="25000"/>
+                </a:schemeClr>
+              </a:solidFill>
+              <a:latin typeface="+mn-lt"/>
+              <a:ea typeface="+mn-ea"/>
+              <a:cs typeface="+mn-cs"/>
+            </a:defRPr>
+          </a:pPr>
+          <a:endParaRPr lang="zh-CN"/>
+        </a:p>
+      </c:txPr>
+    </c:legend>
+    <c:plotVisOnly val="1"/>
+    <c:dispBlanksAs val="gap"/>
+    <c:extLst>
+      <c:ext xmlns:c16r3="http://schemas.microsoft.com/office/drawing/2017/03/chart" uri="{56B9EC1D-385E-4148-901F-78D8002777C0}">
+        <c16r3:dataDisplayOptions16>
+          <c16r3:dispNaAsBlank val="1"/>
+        </c16r3:dataDisplayOptions16>
+      </c:ext>
+    </c:extLst>
+    <c:showDLblsOverMax val="0"/>
+  </c:chart>
+  <c:spPr>
+    <a:gradFill flip="none" rotWithShape="1">
+      <a:gsLst>
+        <a:gs pos="0">
+          <a:schemeClr val="lt1"/>
+        </a:gs>
+        <a:gs pos="39000">
+          <a:schemeClr val="lt1"/>
+        </a:gs>
+        <a:gs pos="100000">
+          <a:schemeClr val="lt1">
+            <a:lumMod val="75000"/>
+          </a:schemeClr>
+        </a:gs>
+      </a:gsLst>
+      <a:path path="circle">
+        <a:fillToRect l="50000" t="-80000" r="50000" b="180000"/>
+      </a:path>
+      <a:tileRect/>
+    </a:gradFill>
+    <a:ln w="9525" cap="flat" cmpd="sng" algn="ctr">
+      <a:solidFill>
+        <a:schemeClr val="dk1">
+          <a:lumMod val="25000"/>
+          <a:lumOff val="75000"/>
+        </a:schemeClr>
+      </a:solidFill>
+      <a:round/>
+    </a:ln>
+    <a:effectLst/>
+  </c:spPr>
+  <c:txPr>
+    <a:bodyPr/>
+    <a:lstStyle/>
+    <a:p>
+      <a:pPr>
+        <a:defRPr/>
+      </a:pPr>
+      <a:endParaRPr lang="zh-CN"/>
+    </a:p>
+  </c:txPr>
+  <c:externalData r:id="rId3">
+    <c:autoUpdate val="0"/>
+  </c:externalData>
+  <c:userShapes r:id="rId4"/>
+</c:chartSpace>
+</file>
+
+<file path=ppt/charts/chart2.xml><?xml version="1.0" encoding="utf-8"?>
+<c:chartSpace xmlns:c="http://schemas.openxmlformats.org/drawingml/2006/chart" xmlns:a="http://schemas.openxmlformats.org/drawingml/2006/main" xmlns:r="http://schemas.openxmlformats.org/officeDocument/2006/relationships" xmlns:c16r2="http://schemas.microsoft.com/office/drawing/2015/06/chart">
+  <c:date1904 val="0"/>
+  <c:lang val="zh-CN"/>
+  <c:roundedCorners val="0"/>
+  <mc:AlternateContent xmlns:mc="http://schemas.openxmlformats.org/markup-compatibility/2006">
+    <mc:Choice xmlns:c14="http://schemas.microsoft.com/office/drawing/2007/8/2/chart" Requires="c14">
+      <c14:style val="102"/>
+    </mc:Choice>
+    <mc:Fallback>
+      <c:style val="2"/>
+    </mc:Fallback>
+  </mc:AlternateContent>
+  <c:chart>
+    <c:autoTitleDeleted val="1"/>
+    <c:plotArea>
+      <c:layout>
+        <c:manualLayout>
+          <c:layoutTarget val="inner"/>
+          <c:xMode val="edge"/>
+          <c:yMode val="edge"/>
+          <c:x val="7.7330831692913382E-2"/>
+          <c:y val="0.1036524296473653"/>
+          <c:w val="0.90055585629921264"/>
+          <c:h val="0.7773349054296933"/>
+        </c:manualLayout>
+      </c:layout>
+      <c:barChart>
+        <c:barDir val="bar"/>
+        <c:grouping val="clustered"/>
+        <c:varyColors val="0"/>
+        <c:ser>
+          <c:idx val="0"/>
+          <c:order val="0"/>
+          <c:tx>
+            <c:strRef>
+              <c:f>Sheet1!$B$1</c:f>
+              <c:strCache>
+                <c:ptCount val="1"/>
+                <c:pt idx="0">
+                  <c:v>PIDNN</c:v>
+                </c:pt>
+              </c:strCache>
+            </c:strRef>
+          </c:tx>
+          <c:spPr>
+            <a:gradFill rotWithShape="1">
+              <a:gsLst>
+                <a:gs pos="0">
+                  <a:schemeClr val="accent1">
+                    <a:satMod val="103000"/>
+                    <a:lumMod val="102000"/>
+                    <a:tint val="94000"/>
+                  </a:schemeClr>
+                </a:gs>
+                <a:gs pos="50000">
+                  <a:schemeClr val="accent1">
+                    <a:satMod val="110000"/>
+                    <a:lumMod val="100000"/>
+                    <a:shade val="100000"/>
+                  </a:schemeClr>
+                </a:gs>
+                <a:gs pos="100000">
+                  <a:schemeClr val="accent1">
+                    <a:lumMod val="99000"/>
+                    <a:satMod val="120000"/>
+                    <a:shade val="78000"/>
+                  </a:schemeClr>
+                </a:gs>
+              </a:gsLst>
+              <a:lin ang="5400000" scaled="0"/>
+            </a:gradFill>
+            <a:ln>
+              <a:noFill/>
+            </a:ln>
+            <a:effectLst/>
+          </c:spPr>
+          <c:invertIfNegative val="0"/>
+          <c:dLbls>
+            <c:spPr>
+              <a:noFill/>
+              <a:ln>
+                <a:noFill/>
+              </a:ln>
+              <a:effectLst/>
+            </c:spPr>
+            <c:txPr>
+              <a:bodyPr rot="0" spcFirstLastPara="1" vertOverflow="ellipsis" vert="horz" wrap="square" lIns="38100" tIns="19050" rIns="38100" bIns="19050" anchor="ctr" anchorCtr="1">
+                <a:spAutoFit/>
+              </a:bodyPr>
+              <a:lstStyle/>
+              <a:p>
+                <a:pPr>
+                  <a:defRPr sz="1197" b="0" i="0" u="none" strike="noStrike" kern="1200" baseline="0">
+                    <a:solidFill>
+                      <a:schemeClr val="tx2"/>
+                    </a:solidFill>
+                    <a:latin typeface="+mn-lt"/>
+                    <a:ea typeface="+mn-ea"/>
+                    <a:cs typeface="+mn-cs"/>
+                  </a:defRPr>
+                </a:pPr>
+                <a:endParaRPr lang="zh-CN"/>
+              </a:p>
+            </c:txPr>
+            <c:dLblPos val="inEnd"/>
+            <c:showLegendKey val="0"/>
+            <c:showVal val="1"/>
+            <c:showCatName val="0"/>
+            <c:showSerName val="0"/>
+            <c:showPercent val="0"/>
+            <c:showBubbleSize val="0"/>
+            <c:showLeaderLines val="0"/>
+            <c:extLst>
+              <c:ext xmlns:c15="http://schemas.microsoft.com/office/drawing/2012/chart" uri="{CE6537A1-D6FC-4f65-9D91-7224C49458BB}">
+                <c15:showLeaderLines val="1"/>
+                <c15:leaderLines>
+                  <c:spPr>
+                    <a:ln w="9525">
+                      <a:solidFill>
+                        <a:schemeClr val="tx2">
+                          <a:lumMod val="35000"/>
+                          <a:lumOff val="65000"/>
+                        </a:schemeClr>
+                      </a:solidFill>
+                    </a:ln>
+                    <a:effectLst/>
+                  </c:spPr>
+                </c15:leaderLines>
+              </c:ext>
+            </c:extLst>
+          </c:dLbls>
+          <c:cat>
+            <c:strRef>
+              <c:f>Sheet1!$A$2:$A$5</c:f>
+              <c:strCache>
+                <c:ptCount val="4"/>
+                <c:pt idx="0">
+                  <c:v>最大RTT</c:v>
+                </c:pt>
+                <c:pt idx="1">
+                  <c:v>99%RTT</c:v>
+                </c:pt>
+                <c:pt idx="2">
+                  <c:v>发送速率</c:v>
+                </c:pt>
+                <c:pt idx="3">
+                  <c:v>平均RTT</c:v>
+                </c:pt>
+              </c:strCache>
+            </c:strRef>
+          </c:cat>
+          <c:val>
+            <c:numRef>
+              <c:f>Sheet1!$B$2:$B$5</c:f>
+              <c:numCache>
+                <c:formatCode>General</c:formatCode>
+                <c:ptCount val="4"/>
+                <c:pt idx="0">
+                  <c:v>13.009</c:v>
+                </c:pt>
+                <c:pt idx="1">
+                  <c:v>10.105</c:v>
+                </c:pt>
+                <c:pt idx="2">
+                  <c:v>16.087199999999999</c:v>
+                </c:pt>
+                <c:pt idx="3">
+                  <c:v>5.0271999999999997</c:v>
+                </c:pt>
+              </c:numCache>
+            </c:numRef>
+          </c:val>
+          <c:extLst>
+            <c:ext xmlns:c16="http://schemas.microsoft.com/office/drawing/2014/chart" uri="{C3380CC4-5D6E-409C-BE32-E72D297353CC}">
+              <c16:uniqueId val="{00000000-29BB-40DC-A06E-CC8FADA8BFDB}"/>
+            </c:ext>
+          </c:extLst>
+        </c:ser>
+        <c:ser>
+          <c:idx val="1"/>
+          <c:order val="1"/>
+          <c:tx>
+            <c:strRef>
+              <c:f>Sheet1!$C$1</c:f>
+              <c:strCache>
+                <c:ptCount val="1"/>
+                <c:pt idx="0">
+                  <c:v>预测+PIDNN</c:v>
+                </c:pt>
+              </c:strCache>
+            </c:strRef>
+          </c:tx>
+          <c:spPr>
+            <a:gradFill rotWithShape="1">
+              <a:gsLst>
+                <a:gs pos="0">
+                  <a:schemeClr val="accent2">
+                    <a:satMod val="103000"/>
+                    <a:lumMod val="102000"/>
+                    <a:tint val="94000"/>
+                  </a:schemeClr>
+                </a:gs>
+                <a:gs pos="50000">
+                  <a:schemeClr val="accent2">
+                    <a:satMod val="110000"/>
+                    <a:lumMod val="100000"/>
+                    <a:shade val="100000"/>
+                  </a:schemeClr>
+                </a:gs>
+                <a:gs pos="100000">
+                  <a:schemeClr val="accent2">
+                    <a:lumMod val="99000"/>
+                    <a:satMod val="120000"/>
+                    <a:shade val="78000"/>
+                  </a:schemeClr>
+                </a:gs>
+              </a:gsLst>
+              <a:lin ang="5400000" scaled="0"/>
+            </a:gradFill>
+            <a:ln>
+              <a:noFill/>
+            </a:ln>
+            <a:effectLst/>
+          </c:spPr>
+          <c:invertIfNegative val="0"/>
+          <c:dLbls>
+            <c:spPr>
+              <a:noFill/>
+              <a:ln>
+                <a:noFill/>
+              </a:ln>
+              <a:effectLst/>
+            </c:spPr>
+            <c:txPr>
+              <a:bodyPr rot="0" spcFirstLastPara="1" vertOverflow="ellipsis" vert="horz" wrap="square" lIns="38100" tIns="19050" rIns="38100" bIns="19050" anchor="ctr" anchorCtr="1">
+                <a:spAutoFit/>
+              </a:bodyPr>
+              <a:lstStyle/>
+              <a:p>
+                <a:pPr>
+                  <a:defRPr sz="1197" b="0" i="0" u="none" strike="noStrike" kern="1200" baseline="0">
+                    <a:solidFill>
+                      <a:schemeClr val="tx2"/>
+                    </a:solidFill>
+                    <a:latin typeface="+mn-lt"/>
+                    <a:ea typeface="+mn-ea"/>
+                    <a:cs typeface="+mn-cs"/>
+                  </a:defRPr>
+                </a:pPr>
+                <a:endParaRPr lang="zh-CN"/>
+              </a:p>
+            </c:txPr>
+            <c:dLblPos val="inEnd"/>
+            <c:showLegendKey val="0"/>
+            <c:showVal val="1"/>
+            <c:showCatName val="0"/>
+            <c:showSerName val="0"/>
+            <c:showPercent val="0"/>
+            <c:showBubbleSize val="0"/>
+            <c:showLeaderLines val="0"/>
+            <c:extLst>
+              <c:ext xmlns:c15="http://schemas.microsoft.com/office/drawing/2012/chart" uri="{CE6537A1-D6FC-4f65-9D91-7224C49458BB}">
+                <c15:showLeaderLines val="1"/>
+                <c15:leaderLines>
+                  <c:spPr>
+                    <a:ln w="9525">
+                      <a:solidFill>
+                        <a:schemeClr val="tx2">
+                          <a:lumMod val="35000"/>
+                          <a:lumOff val="65000"/>
+                        </a:schemeClr>
+                      </a:solidFill>
+                    </a:ln>
+                    <a:effectLst/>
+                  </c:spPr>
+                </c15:leaderLines>
+              </c:ext>
+            </c:extLst>
+          </c:dLbls>
+          <c:cat>
+            <c:strRef>
+              <c:f>Sheet1!$A$2:$A$5</c:f>
+              <c:strCache>
+                <c:ptCount val="4"/>
+                <c:pt idx="0">
+                  <c:v>最大RTT</c:v>
+                </c:pt>
+                <c:pt idx="1">
+                  <c:v>99%RTT</c:v>
+                </c:pt>
+                <c:pt idx="2">
+                  <c:v>发送速率</c:v>
+                </c:pt>
+                <c:pt idx="3">
+                  <c:v>平均RTT</c:v>
+                </c:pt>
+              </c:strCache>
+            </c:strRef>
+          </c:cat>
+          <c:val>
+            <c:numRef>
+              <c:f>Sheet1!$C$2:$C$5</c:f>
+              <c:numCache>
+                <c:formatCode>General</c:formatCode>
+                <c:ptCount val="4"/>
+                <c:pt idx="0">
+                  <c:v>10.147</c:v>
+                </c:pt>
+                <c:pt idx="1">
+                  <c:v>8.7170000000000005</c:v>
+                </c:pt>
+                <c:pt idx="2">
+                  <c:v>17.659700000000001</c:v>
+                </c:pt>
+                <c:pt idx="3">
+                  <c:v>5.1539999999999999</c:v>
+                </c:pt>
+              </c:numCache>
+            </c:numRef>
+          </c:val>
+          <c:extLst>
+            <c:ext xmlns:c16="http://schemas.microsoft.com/office/drawing/2014/chart" uri="{C3380CC4-5D6E-409C-BE32-E72D297353CC}">
+              <c16:uniqueId val="{00000001-29BB-40DC-A06E-CC8FADA8BFDB}"/>
+            </c:ext>
+          </c:extLst>
+        </c:ser>
+        <c:dLbls>
+          <c:dLblPos val="inEnd"/>
+          <c:showLegendKey val="0"/>
+          <c:showVal val="1"/>
+          <c:showCatName val="0"/>
+          <c:showSerName val="0"/>
+          <c:showPercent val="0"/>
+          <c:showBubbleSize val="0"/>
+        </c:dLbls>
+        <c:gapWidth val="100"/>
+        <c:axId val="1825340576"/>
+        <c:axId val="1825334336"/>
+      </c:barChart>
+      <c:catAx>
+        <c:axId val="1825340576"/>
+        <c:scaling>
+          <c:orientation val="minMax"/>
+        </c:scaling>
+        <c:delete val="0"/>
+        <c:axPos val="l"/>
+        <c:numFmt formatCode="General" sourceLinked="1"/>
+        <c:majorTickMark val="none"/>
+        <c:minorTickMark val="none"/>
+        <c:tickLblPos val="nextTo"/>
+        <c:spPr>
+          <a:noFill/>
+          <a:ln w="9525" cap="flat" cmpd="sng" algn="ctr">
+            <a:solidFill>
+              <a:schemeClr val="tx2">
+                <a:lumMod val="15000"/>
+                <a:lumOff val="85000"/>
+              </a:schemeClr>
+            </a:solidFill>
+            <a:round/>
+          </a:ln>
+          <a:effectLst/>
+        </c:spPr>
+        <c:txPr>
+          <a:bodyPr rot="-60000000" spcFirstLastPara="1" vertOverflow="ellipsis" vert="horz" wrap="square" anchor="ctr" anchorCtr="1"/>
+          <a:lstStyle/>
+          <a:p>
+            <a:pPr>
+              <a:defRPr sz="1197" b="0" i="0" u="none" strike="noStrike" kern="1200" baseline="0">
+                <a:solidFill>
+                  <a:schemeClr val="tx2"/>
+                </a:solidFill>
+                <a:latin typeface="+mn-lt"/>
+                <a:ea typeface="+mn-ea"/>
+                <a:cs typeface="+mn-cs"/>
+              </a:defRPr>
+            </a:pPr>
+            <a:endParaRPr lang="zh-CN"/>
+          </a:p>
+        </c:txPr>
+        <c:crossAx val="1825334336"/>
+        <c:crosses val="autoZero"/>
+        <c:auto val="1"/>
+        <c:lblAlgn val="ctr"/>
+        <c:lblOffset val="100"/>
+        <c:noMultiLvlLbl val="0"/>
+      </c:catAx>
+      <c:valAx>
+        <c:axId val="1825334336"/>
+        <c:scaling>
+          <c:orientation val="minMax"/>
+        </c:scaling>
+        <c:delete val="0"/>
+        <c:axPos val="b"/>
+        <c:majorGridlines>
+          <c:spPr>
+            <a:ln w="9525" cap="flat" cmpd="sng" algn="ctr">
+              <a:solidFill>
+                <a:schemeClr val="tx2">
+                  <a:lumMod val="15000"/>
+                  <a:lumOff val="85000"/>
+                </a:schemeClr>
+              </a:solidFill>
+              <a:round/>
+            </a:ln>
+            <a:effectLst/>
+          </c:spPr>
+        </c:majorGridlines>
+        <c:numFmt formatCode="General" sourceLinked="1"/>
+        <c:majorTickMark val="none"/>
+        <c:minorTickMark val="none"/>
+        <c:tickLblPos val="nextTo"/>
+        <c:spPr>
+          <a:noFill/>
+          <a:ln>
+            <a:noFill/>
+          </a:ln>
+          <a:effectLst/>
+        </c:spPr>
+        <c:txPr>
+          <a:bodyPr rot="-60000000" spcFirstLastPara="1" vertOverflow="ellipsis" vert="horz" wrap="square" anchor="ctr" anchorCtr="1"/>
+          <a:lstStyle/>
+          <a:p>
+            <a:pPr>
+              <a:defRPr sz="1197" b="0" i="0" u="none" strike="noStrike" kern="1200" baseline="0">
+                <a:solidFill>
+                  <a:schemeClr val="tx2"/>
+                </a:solidFill>
+                <a:latin typeface="+mn-lt"/>
+                <a:ea typeface="+mn-ea"/>
+                <a:cs typeface="+mn-cs"/>
+              </a:defRPr>
+            </a:pPr>
+            <a:endParaRPr lang="zh-CN"/>
+          </a:p>
+        </c:txPr>
+        <c:crossAx val="1825340576"/>
+        <c:crosses val="autoZero"/>
+        <c:crossBetween val="between"/>
+      </c:valAx>
+      <c:spPr>
+        <a:noFill/>
+        <a:ln>
+          <a:noFill/>
+        </a:ln>
+        <a:effectLst/>
+      </c:spPr>
+    </c:plotArea>
+    <c:legend>
+      <c:legendPos val="b"/>
+      <c:overlay val="0"/>
+      <c:spPr>
+        <a:noFill/>
+        <a:ln>
+          <a:noFill/>
+        </a:ln>
+        <a:effectLst/>
+      </c:spPr>
+      <c:txPr>
+        <a:bodyPr rot="0" spcFirstLastPara="1" vertOverflow="ellipsis" vert="horz" wrap="square" anchor="ctr" anchorCtr="1"/>
+        <a:lstStyle/>
+        <a:p>
+          <a:pPr>
+            <a:defRPr sz="1197" b="0" i="0" u="none" strike="noStrike" kern="1200" baseline="0">
+              <a:solidFill>
+                <a:schemeClr val="tx2"/>
+              </a:solidFill>
+              <a:latin typeface="+mn-lt"/>
+              <a:ea typeface="+mn-ea"/>
+              <a:cs typeface="+mn-cs"/>
+            </a:defRPr>
+          </a:pPr>
+          <a:endParaRPr lang="zh-CN"/>
+        </a:p>
+      </c:txPr>
+    </c:legend>
+    <c:plotVisOnly val="1"/>
+    <c:dispBlanksAs val="gap"/>
+    <c:extLst>
+      <c:ext xmlns:c16r3="http://schemas.microsoft.com/office/drawing/2017/03/chart" uri="{56B9EC1D-385E-4148-901F-78D8002777C0}">
+        <c16r3:dataDisplayOptions16>
+          <c16r3:dispNaAsBlank val="1"/>
+        </c16r3:dataDisplayOptions16>
+      </c:ext>
+    </c:extLst>
+    <c:showDLblsOverMax val="0"/>
+  </c:chart>
+  <c:spPr>
+    <a:noFill/>
+    <a:ln>
+      <a:noFill/>
+    </a:ln>
+    <a:effectLst/>
+  </c:spPr>
+  <c:txPr>
+    <a:bodyPr/>
+    <a:lstStyle/>
+    <a:p>
+      <a:pPr>
+        <a:defRPr/>
+      </a:pPr>
+      <a:endParaRPr lang="zh-CN"/>
+    </a:p>
+  </c:txPr>
+  <c:externalData r:id="rId3">
+    <c:autoUpdate val="0"/>
+  </c:externalData>
+</c:chartSpace>
+</file>
+
+<file path=ppt/charts/colors1.xml><?xml version="1.0" encoding="utf-8"?>
+<cs:colorStyle xmlns:cs="http://schemas.microsoft.com/office/drawing/2012/chartStyle" xmlns:a="http://schemas.openxmlformats.org/drawingml/2006/main" meth="cycle" id="10">
+  <a:schemeClr val="accent1"/>
+  <a:schemeClr val="accent2"/>
+  <a:schemeClr val="accent3"/>
+  <a:schemeClr val="accent4"/>
+  <a:schemeClr val="accent5"/>
+  <a:schemeClr val="accent6"/>
+  <cs:variation/>
+  <cs:variation>
+    <a:lumMod val="60000"/>
+  </cs:variation>
+  <cs:variation>
+    <a:lumMod val="80000"/>
+    <a:lumOff val="20000"/>
+  </cs:variation>
+  <cs:variation>
+    <a:lumMod val="80000"/>
+  </cs:variation>
+  <cs:variation>
+    <a:lumMod val="60000"/>
+    <a:lumOff val="40000"/>
+  </cs:variation>
+  <cs:variation>
+    <a:lumMod val="50000"/>
+  </cs:variation>
+  <cs:variation>
+    <a:lumMod val="70000"/>
+    <a:lumOff val="30000"/>
+  </cs:variation>
+  <cs:variation>
+    <a:lumMod val="70000"/>
+  </cs:variation>
+  <cs:variation>
+    <a:lumMod val="50000"/>
+    <a:lumOff val="50000"/>
+  </cs:variation>
+</cs:colorStyle>
+</file>
+
+<file path=ppt/charts/colors2.xml><?xml version="1.0" encoding="utf-8"?>
+<cs:colorStyle xmlns:cs="http://schemas.microsoft.com/office/drawing/2012/chartStyle" xmlns:a="http://schemas.openxmlformats.org/drawingml/2006/main" meth="cycle" id="10">
+  <a:schemeClr val="accent1"/>
+  <a:schemeClr val="accent2"/>
+  <a:schemeClr val="accent3"/>
+  <a:schemeClr val="accent4"/>
+  <a:schemeClr val="accent5"/>
+  <a:schemeClr val="accent6"/>
+  <cs:variation/>
+  <cs:variation>
+    <a:lumMod val="60000"/>
+  </cs:variation>
+  <cs:variation>
+    <a:lumMod val="80000"/>
+    <a:lumOff val="20000"/>
+  </cs:variation>
+  <cs:variation>
+    <a:lumMod val="80000"/>
+  </cs:variation>
+  <cs:variation>
+    <a:lumMod val="60000"/>
+    <a:lumOff val="40000"/>
+  </cs:variation>
+  <cs:variation>
+    <a:lumMod val="50000"/>
+  </cs:variation>
+  <cs:variation>
+    <a:lumMod val="70000"/>
+    <a:lumOff val="30000"/>
+  </cs:variation>
+  <cs:variation>
+    <a:lumMod val="70000"/>
+  </cs:variation>
+  <cs:variation>
+    <a:lumMod val="50000"/>
+    <a:lumOff val="50000"/>
+  </cs:variation>
+</cs:colorStyle>
+</file>
+
+<file path=ppt/charts/style1.xml><?xml version="1.0" encoding="utf-8"?>
+<cs:chartStyle xmlns:cs="http://schemas.microsoft.com/office/drawing/2012/chartStyle" xmlns:a="http://schemas.openxmlformats.org/drawingml/2006/main" id="205">
+  <cs:axisTitle>
+    <cs:lnRef idx="0"/>
+    <cs:fillRef idx="0"/>
+    <cs:effectRef idx="0"/>
+    <cs:fontRef idx="minor">
+      <a:schemeClr val="dk1">
+        <a:lumMod val="75000"/>
+        <a:lumOff val="25000"/>
+      </a:schemeClr>
+    </cs:fontRef>
+    <cs:defRPr sz="1197" b="1" kern="1200"/>
+  </cs:axisTitle>
+  <cs:categoryAxis>
+    <cs:lnRef idx="0"/>
+    <cs:fillRef idx="0"/>
+    <cs:effectRef idx="0"/>
+    <cs:fontRef idx="minor">
+      <a:schemeClr val="dk1">
+        <a:lumMod val="75000"/>
+        <a:lumOff val="25000"/>
+      </a:schemeClr>
+    </cs:fontRef>
+    <cs:spPr>
+      <a:ln w="19050" cap="flat" cmpd="sng" algn="ctr">
+        <a:solidFill>
+          <a:schemeClr val="dk1">
+            <a:lumMod val="75000"/>
+            <a:lumOff val="25000"/>
+          </a:schemeClr>
+        </a:solidFill>
+        <a:round/>
+      </a:ln>
+    </cs:spPr>
+    <cs:defRPr sz="1197" kern="1200" cap="all" baseline="0"/>
+  </cs:categoryAxis>
+  <cs:chartArea>
+    <cs:lnRef idx="0"/>
+    <cs:fillRef idx="0"/>
+    <cs:effectRef idx="0"/>
+    <cs:fontRef idx="minor">
+      <a:schemeClr val="dk1"/>
+    </cs:fontRef>
+    <cs:spPr>
+      <a:gradFill flip="none" rotWithShape="1">
+        <a:gsLst>
+          <a:gs pos="0">
+            <a:schemeClr val="lt1"/>
+          </a:gs>
+          <a:gs pos="39000">
+            <a:schemeClr val="lt1"/>
+          </a:gs>
+          <a:gs pos="100000">
+            <a:schemeClr val="lt1">
+              <a:lumMod val="75000"/>
+            </a:schemeClr>
+          </a:gs>
+        </a:gsLst>
+        <a:path path="circle">
+          <a:fillToRect l="50000" t="-80000" r="50000" b="180000"/>
+        </a:path>
+        <a:tileRect/>
+      </a:gradFill>
+      <a:ln w="9525" cap="flat" cmpd="sng" algn="ctr">
+        <a:solidFill>
+          <a:schemeClr val="dk1">
+            <a:lumMod val="25000"/>
+            <a:lumOff val="75000"/>
+          </a:schemeClr>
+        </a:solidFill>
+        <a:round/>
+      </a:ln>
+    </cs:spPr>
+    <cs:defRPr sz="1197" kern="1200"/>
+  </cs:chartArea>
+  <cs:dataLabel>
+    <cs:lnRef idx="0"/>
+    <cs:fillRef idx="0"/>
+    <cs:effectRef idx="0"/>
+    <cs:fontRef idx="minor">
+      <a:schemeClr val="lt1"/>
+    </cs:fontRef>
+    <cs:defRPr sz="1197" b="1" i="0" u="none" strike="noStrike" kern="1200" baseline="0"/>
+  </cs:dataLabel>
+  <cs:dataLabelCallout>
+    <cs:lnRef idx="0"/>
+    <cs:fillRef idx="0"/>
+    <cs:effectRef idx="0"/>
+    <cs:fontRef idx="minor">
+      <a:schemeClr val="lt1"/>
+    </cs:fontRef>
+    <cs:spPr>
+      <a:solidFill>
+        <a:schemeClr val="dk1">
+          <a:lumMod val="65000"/>
+          <a:lumOff val="35000"/>
+          <a:alpha val="75000"/>
+        </a:schemeClr>
+      </a:solidFill>
+    </cs:spPr>
+    <cs:defRPr sz="1197" b="1" kern="1200"/>
+    <cs:bodyPr rot="0" spcFirstLastPara="1" vertOverflow="clip" horzOverflow="clip" vert="horz" wrap="square" lIns="36576" tIns="18288" rIns="36576" bIns="18288" anchor="ctr" anchorCtr="1">
+      <a:spAutoFit/>
+    </cs:bodyPr>
+  </cs:dataLabelCallout>
+  <cs:dataPoint>
+    <cs:lnRef idx="0"/>
+    <cs:fillRef idx="0">
+      <cs:styleClr val="auto"/>
+    </cs:fillRef>
+    <cs:effectRef idx="0"/>
+    <cs:fontRef idx="minor">
+      <a:schemeClr val="dk1"/>
+    </cs:fontRef>
+    <cs:spPr>
+      <a:solidFill>
+        <a:schemeClr val="phClr">
+          <a:alpha val="85000"/>
+        </a:schemeClr>
+      </a:solidFill>
+      <a:ln w="9525" cap="flat" cmpd="sng" algn="ctr">
+        <a:solidFill>
+          <a:schemeClr val="lt1">
+            <a:alpha val="50000"/>
+          </a:schemeClr>
+        </a:solidFill>
+        <a:round/>
+      </a:ln>
+    </cs:spPr>
+  </cs:dataPoint>
+  <cs:dataPoint3D>
+    <cs:lnRef idx="0"/>
+    <cs:fillRef idx="0">
+      <cs:styleClr val="auto"/>
+    </cs:fillRef>
+    <cs:effectRef idx="0"/>
+    <cs:fontRef idx="minor">
+      <a:schemeClr val="dk1"/>
+    </cs:fontRef>
+    <cs:spPr>
+      <a:solidFill>
+        <a:schemeClr val="phClr">
+          <a:alpha val="85000"/>
+        </a:schemeClr>
+      </a:solidFill>
+      <a:ln w="9525" cap="flat" cmpd="sng" algn="ctr">
+        <a:solidFill>
+          <a:schemeClr val="lt1">
+            <a:alpha val="50000"/>
+          </a:schemeClr>
+        </a:solidFill>
+        <a:round/>
+      </a:ln>
+    </cs:spPr>
+  </cs:dataPoint3D>
+  <cs:dataPointLine>
+    <cs:lnRef idx="0">
+      <cs:styleClr val="auto"/>
+    </cs:lnRef>
+    <cs:fillRef idx="0"/>
+    <cs:effectRef idx="0"/>
+    <cs:fontRef idx="minor">
+      <a:schemeClr val="dk1"/>
+    </cs:fontRef>
+    <cs:spPr>
+      <a:ln w="31750" cap="rnd">
+        <a:solidFill>
+          <a:schemeClr val="phClr">
+            <a:alpha val="85000"/>
+          </a:schemeClr>
+        </a:solidFill>
+        <a:round/>
+      </a:ln>
+    </cs:spPr>
+  </cs:dataPointLine>
+  <cs:dataPointMarker>
+    <cs:lnRef idx="0"/>
+    <cs:fillRef idx="0">
+      <cs:styleClr val="auto"/>
+    </cs:fillRef>
+    <cs:effectRef idx="0"/>
+    <cs:fontRef idx="minor">
+      <a:schemeClr val="dk1"/>
+    </cs:fontRef>
+    <cs:spPr>
+      <a:solidFill>
+        <a:schemeClr val="phClr">
+          <a:alpha val="85000"/>
+        </a:schemeClr>
+      </a:solidFill>
+    </cs:spPr>
+  </cs:dataPointMarker>
+  <cs:dataPointMarkerLayout symbol="circle" size="6"/>
+  <cs:dataPointWireframe>
+    <cs:lnRef idx="0">
+      <cs:styleClr val="auto"/>
+    </cs:lnRef>
+    <cs:fillRef idx="0"/>
+    <cs:effectRef idx="0"/>
+    <cs:fontRef idx="minor">
+      <a:schemeClr val="dk1"/>
+    </cs:fontRef>
+    <cs:spPr>
+      <a:ln w="9525" cap="rnd">
+        <a:solidFill>
+          <a:schemeClr val="phClr"/>
+        </a:solidFill>
+        <a:round/>
+      </a:ln>
+    </cs:spPr>
+  </cs:dataPointWireframe>
+  <cs:dataTable>
+    <cs:lnRef idx="0"/>
+    <cs:fillRef idx="0"/>
+    <cs:effectRef idx="0"/>
+    <cs:fontRef idx="minor">
+      <a:schemeClr val="dk1">
+        <a:lumMod val="75000"/>
+        <a:lumOff val="25000"/>
+      </a:schemeClr>
+    </cs:fontRef>
+    <cs:spPr>
+      <a:ln w="9525">
+        <a:solidFill>
+          <a:schemeClr val="dk1">
+            <a:lumMod val="35000"/>
+            <a:lumOff val="65000"/>
+          </a:schemeClr>
+        </a:solidFill>
+      </a:ln>
+    </cs:spPr>
+    <cs:defRPr sz="1197" kern="1200"/>
+  </cs:dataTable>
+  <cs:downBar>
+    <cs:lnRef idx="0"/>
+    <cs:fillRef idx="0"/>
+    <cs:effectRef idx="0"/>
+    <cs:fontRef idx="minor">
+      <a:schemeClr val="dk1"/>
+    </cs:fontRef>
+    <cs:spPr>
+      <a:solidFill>
+        <a:schemeClr val="dk1">
+          <a:lumMod val="50000"/>
+          <a:lumOff val="50000"/>
+        </a:schemeClr>
+      </a:solidFill>
+      <a:ln w="9525">
+        <a:solidFill>
+          <a:schemeClr val="dk1">
+            <a:lumMod val="65000"/>
+            <a:lumOff val="35000"/>
+          </a:schemeClr>
+        </a:solidFill>
+      </a:ln>
+    </cs:spPr>
+  </cs:downBar>
+  <cs:dropLine>
+    <cs:lnRef idx="0"/>
+    <cs:fillRef idx="0"/>
+    <cs:effectRef idx="0"/>
+    <cs:fontRef idx="minor">
+      <a:schemeClr val="dk1"/>
+    </cs:fontRef>
+    <cs:spPr>
+      <a:ln w="9525">
+        <a:solidFill>
+          <a:schemeClr val="dk1">
+            <a:lumMod val="35000"/>
+            <a:lumOff val="65000"/>
+          </a:schemeClr>
+        </a:solidFill>
+        <a:prstDash val="dash"/>
+      </a:ln>
+    </cs:spPr>
+  </cs:dropLine>
+  <cs:errorBar>
+    <cs:lnRef idx="0"/>
+    <cs:fillRef idx="0"/>
+    <cs:effectRef idx="0"/>
+    <cs:fontRef idx="minor">
+      <a:schemeClr val="dk1"/>
+    </cs:fontRef>
+    <cs:spPr>
+      <a:ln w="9525">
+        <a:solidFill>
+          <a:schemeClr val="dk1">
+            <a:lumMod val="65000"/>
+            <a:lumOff val="35000"/>
+          </a:schemeClr>
+        </a:solidFill>
+        <a:round/>
+      </a:ln>
+    </cs:spPr>
+  </cs:errorBar>
+  <cs:floor>
+    <cs:lnRef idx="0"/>
+    <cs:fillRef idx="0"/>
+    <cs:effectRef idx="0"/>
+    <cs:fontRef idx="minor">
+      <a:schemeClr val="dk1"/>
+    </cs:fontRef>
+  </cs:floor>
+  <cs:gridlineMajor>
+    <cs:lnRef idx="0"/>
+    <cs:fillRef idx="0"/>
+    <cs:effectRef idx="0"/>
+    <cs:fontRef idx="minor">
+      <a:schemeClr val="dk1"/>
+    </cs:fontRef>
+    <cs:spPr>
+      <a:ln w="9525" cap="flat" cmpd="sng" algn="ctr">
+        <a:gradFill>
+          <a:gsLst>
+            <a:gs pos="100000">
+              <a:schemeClr val="dk1">
+                <a:lumMod val="95000"/>
+                <a:lumOff val="5000"/>
+                <a:alpha val="42000"/>
+              </a:schemeClr>
+            </a:gs>
+            <a:gs pos="0">
+              <a:schemeClr val="lt1">
+                <a:lumMod val="75000"/>
+                <a:alpha val="36000"/>
+              </a:schemeClr>
+            </a:gs>
+          </a:gsLst>
+          <a:lin ang="5400000" scaled="0"/>
+        </a:gradFill>
+        <a:round/>
+      </a:ln>
+    </cs:spPr>
+  </cs:gridlineMajor>
+  <cs:gridlineMinor>
+    <cs:lnRef idx="0"/>
+    <cs:fillRef idx="0"/>
+    <cs:effectRef idx="0"/>
+    <cs:fontRef idx="minor">
+      <a:schemeClr val="dk1"/>
+    </cs:fontRef>
+    <cs:spPr>
+      <a:ln>
+        <a:gradFill>
+          <a:gsLst>
+            <a:gs pos="100000">
+              <a:schemeClr val="dk1">
+                <a:lumMod val="95000"/>
+                <a:lumOff val="5000"/>
+                <a:alpha val="42000"/>
+              </a:schemeClr>
+            </a:gs>
+            <a:gs pos="0">
+              <a:schemeClr val="lt1">
+                <a:lumMod val="75000"/>
+                <a:alpha val="36000"/>
+              </a:schemeClr>
+            </a:gs>
+          </a:gsLst>
+          <a:lin ang="5400000" scaled="0"/>
+        </a:gradFill>
+      </a:ln>
+    </cs:spPr>
+  </cs:gridlineMinor>
+  <cs:hiLoLine>
+    <cs:lnRef idx="0"/>
+    <cs:fillRef idx="0"/>
+    <cs:effectRef idx="0"/>
+    <cs:fontRef idx="minor">
+      <a:schemeClr val="dk1"/>
+    </cs:fontRef>
+    <cs:spPr>
+      <a:ln w="9525">
+        <a:solidFill>
+          <a:schemeClr val="dk1">
+            <a:lumMod val="35000"/>
+            <a:lumOff val="65000"/>
+          </a:schemeClr>
+        </a:solidFill>
+        <a:prstDash val="dash"/>
+      </a:ln>
+    </cs:spPr>
+  </cs:hiLoLine>
+  <cs:leaderLine>
+    <cs:lnRef idx="0"/>
+    <cs:fillRef idx="0"/>
+    <cs:effectRef idx="0"/>
+    <cs:fontRef idx="minor">
+      <a:schemeClr val="dk1"/>
+    </cs:fontRef>
+    <cs:spPr>
+      <a:ln w="9525">
+        <a:solidFill>
+          <a:schemeClr val="dk1">
+            <a:lumMod val="50000"/>
+            <a:lumOff val="50000"/>
+          </a:schemeClr>
+        </a:solidFill>
+      </a:ln>
+    </cs:spPr>
+  </cs:leaderLine>
+  <cs:legend>
+    <cs:lnRef idx="0"/>
+    <cs:fillRef idx="0"/>
+    <cs:effectRef idx="0"/>
+    <cs:fontRef idx="minor">
+      <a:schemeClr val="dk1">
+        <a:lumMod val="75000"/>
+        <a:lumOff val="25000"/>
+      </a:schemeClr>
+    </cs:fontRef>
+    <cs:spPr>
+      <a:solidFill>
+        <a:schemeClr val="lt1">
+          <a:lumMod val="95000"/>
+          <a:alpha val="39000"/>
+        </a:schemeClr>
+      </a:solidFill>
+    </cs:spPr>
+    <cs:defRPr sz="1197" kern="1200"/>
+  </cs:legend>
+  <cs:plotArea>
+    <cs:lnRef idx="0"/>
+    <cs:fillRef idx="0"/>
+    <cs:effectRef idx="0"/>
+    <cs:fontRef idx="minor">
+      <a:schemeClr val="dk1"/>
+    </cs:fontRef>
+  </cs:plotArea>
+  <cs:plotArea3D>
+    <cs:lnRef idx="0"/>
+    <cs:fillRef idx="0"/>
+    <cs:effectRef idx="0"/>
+    <cs:fontRef idx="minor">
+      <a:schemeClr val="dk1"/>
+    </cs:fontRef>
+  </cs:plotArea3D>
+  <cs:seriesAxis>
+    <cs:lnRef idx="0"/>
+    <cs:fillRef idx="0"/>
+    <cs:effectRef idx="0"/>
+    <cs:fontRef idx="minor">
+      <a:schemeClr val="dk1">
+        <a:lumMod val="75000"/>
+        <a:lumOff val="25000"/>
+      </a:schemeClr>
+    </cs:fontRef>
+    <cs:spPr>
+      <a:ln w="31750" cap="flat" cmpd="sng" algn="ctr">
+        <a:solidFill>
+          <a:schemeClr val="dk1">
+            <a:lumMod val="75000"/>
+            <a:lumOff val="25000"/>
+          </a:schemeClr>
+        </a:solidFill>
+        <a:round/>
+      </a:ln>
+    </cs:spPr>
+    <cs:defRPr sz="1197" kern="1200"/>
+  </cs:seriesAxis>
+  <cs:seriesLine>
+    <cs:lnRef idx="0"/>
+    <cs:fillRef idx="0"/>
+    <cs:effectRef idx="0"/>
+    <cs:fontRef idx="minor">
+      <a:schemeClr val="dk1"/>
+    </cs:fontRef>
+    <cs:spPr>
+      <a:ln w="9525">
+        <a:solidFill>
+          <a:schemeClr val="dk1">
+            <a:lumMod val="50000"/>
+            <a:lumOff val="50000"/>
+          </a:schemeClr>
+        </a:solidFill>
+        <a:round/>
+      </a:ln>
+    </cs:spPr>
+  </cs:seriesLine>
+  <cs:title>
+    <cs:lnRef idx="0"/>
+    <cs:fillRef idx="0"/>
+    <cs:effectRef idx="0"/>
+    <cs:fontRef idx="minor">
+      <a:schemeClr val="dk1">
+        <a:lumMod val="75000"/>
+        <a:lumOff val="25000"/>
+      </a:schemeClr>
+    </cs:fontRef>
+    <cs:defRPr sz="2200" b="1" kern="1200" baseline="0"/>
+  </cs:title>
+  <cs:trendline>
+    <cs:lnRef idx="0">
+      <cs:styleClr val="auto"/>
+    </cs:lnRef>
+    <cs:fillRef idx="0"/>
+    <cs:effectRef idx="0"/>
+    <cs:fontRef idx="minor">
+      <a:schemeClr val="dk1"/>
+    </cs:fontRef>
+    <cs:spPr>
+      <a:ln w="19050" cap="rnd">
+        <a:solidFill>
+          <a:schemeClr val="phClr"/>
+        </a:solidFill>
+      </a:ln>
+    </cs:spPr>
+  </cs:trendline>
+  <cs:trendlineLabel>
+    <cs:lnRef idx="0"/>
+    <cs:fillRef idx="0"/>
+    <cs:effectRef idx="0"/>
+    <cs:fontRef idx="minor">
+      <a:schemeClr val="dk1">
+        <a:lumMod val="75000"/>
+        <a:lumOff val="25000"/>
+      </a:schemeClr>
+    </cs:fontRef>
+    <cs:defRPr sz="1197" kern="1200"/>
+  </cs:trendlineLabel>
+  <cs:upBar>
+    <cs:lnRef idx="0"/>
+    <cs:fillRef idx="0"/>
+    <cs:effectRef idx="0"/>
+    <cs:fontRef idx="minor">
+      <a:schemeClr val="dk1"/>
+    </cs:fontRef>
+    <cs:spPr>
+      <a:solidFill>
+        <a:schemeClr val="lt1"/>
+      </a:solidFill>
+      <a:ln w="9525">
+        <a:solidFill>
+          <a:schemeClr val="dk1">
+            <a:lumMod val="65000"/>
+            <a:lumOff val="35000"/>
+          </a:schemeClr>
+        </a:solidFill>
+      </a:ln>
+    </cs:spPr>
+  </cs:upBar>
+  <cs:valueAxis>
+    <cs:lnRef idx="0"/>
+    <cs:fillRef idx="0"/>
+    <cs:effectRef idx="0"/>
+    <cs:fontRef idx="minor">
+      <a:schemeClr val="dk1">
+        <a:lumMod val="75000"/>
+        <a:lumOff val="25000"/>
+      </a:schemeClr>
+    </cs:fontRef>
+    <cs:spPr>
+      <a:ln>
+        <a:noFill/>
+      </a:ln>
+    </cs:spPr>
+    <cs:defRPr sz="1197" kern="1200"/>
+  </cs:valueAxis>
+  <cs:wall>
+    <cs:lnRef idx="0"/>
+    <cs:fillRef idx="0"/>
+    <cs:effectRef idx="0"/>
+    <cs:fontRef idx="minor">
+      <a:schemeClr val="dk1"/>
+    </cs:fontRef>
+  </cs:wall>
+</cs:chartStyle>
+</file>
+
+<file path=ppt/charts/style2.xml><?xml version="1.0" encoding="utf-8"?>
+<cs:chartStyle xmlns:cs="http://schemas.microsoft.com/office/drawing/2012/chartStyle" xmlns:a="http://schemas.openxmlformats.org/drawingml/2006/main" id="220">
+  <cs:axisTitle>
+    <cs:lnRef idx="0"/>
+    <cs:fillRef idx="0"/>
+    <cs:effectRef idx="0"/>
+    <cs:fontRef idx="minor">
+      <a:schemeClr val="tx2"/>
+    </cs:fontRef>
+    <cs:defRPr sz="1197" b="1" kern="1200"/>
+  </cs:axisTitle>
+  <cs:categoryAxis>
+    <cs:lnRef idx="0"/>
+    <cs:fillRef idx="0"/>
+    <cs:effectRef idx="0"/>
+    <cs:fontRef idx="minor">
+      <a:schemeClr val="tx2"/>
+    </cs:fontRef>
+    <cs:spPr>
+      <a:ln w="9525" cap="flat" cmpd="sng" algn="ctr">
+        <a:solidFill>
+          <a:schemeClr val="tx2">
+            <a:lumMod val="15000"/>
+            <a:lumOff val="85000"/>
+          </a:schemeClr>
+        </a:solidFill>
+        <a:round/>
+      </a:ln>
+    </cs:spPr>
+    <cs:defRPr sz="1197" kern="1200"/>
+  </cs:categoryAxis>
+  <cs:chartArea mods="allowNoFillOverride allowNoLineOverride">
+    <cs:lnRef idx="0"/>
+    <cs:fillRef idx="0"/>
+    <cs:effectRef idx="0"/>
+    <cs:fontRef idx="minor">
+      <a:schemeClr val="tx2"/>
+    </cs:fontRef>
+    <cs:spPr>
+      <a:solidFill>
+        <a:schemeClr val="bg1"/>
+      </a:solidFill>
+      <a:ln w="9525" cap="flat" cmpd="sng" algn="ctr">
+        <a:solidFill>
+          <a:schemeClr val="tx2">
+            <a:lumMod val="15000"/>
+            <a:lumOff val="85000"/>
+          </a:schemeClr>
+        </a:solidFill>
+        <a:round/>
+      </a:ln>
+    </cs:spPr>
+    <cs:defRPr sz="1197" kern="1200"/>
+  </cs:chartArea>
+  <cs:dataLabel>
+    <cs:lnRef idx="0"/>
+    <cs:fillRef idx="0"/>
+    <cs:effectRef idx="0"/>
+    <cs:fontRef idx="minor">
+      <a:schemeClr val="tx2"/>
+    </cs:fontRef>
+    <cs:defRPr sz="1197" kern="1200"/>
+  </cs:dataLabel>
+  <cs:dataLabelCallout>
+    <cs:lnRef idx="0"/>
+    <cs:fillRef idx="0"/>
+    <cs:effectRef idx="0"/>
+    <cs:fontRef idx="minor">
+      <a:schemeClr val="dk2">
+        <a:lumMod val="75000"/>
+      </a:schemeClr>
+    </cs:fontRef>
+    <cs:spPr>
+      <a:solidFill>
+        <a:schemeClr val="lt1"/>
+      </a:solidFill>
+      <a:ln>
+        <a:solidFill>
+          <a:schemeClr val="dk1">
+            <a:lumMod val="25000"/>
+            <a:lumOff val="75000"/>
+          </a:schemeClr>
+        </a:solidFill>
+      </a:ln>
+    </cs:spPr>
+    <cs:defRPr sz="1197" kern="1200"/>
+    <cs:bodyPr rot="0" spcFirstLastPara="1" vertOverflow="clip" horzOverflow="clip" vert="horz" wrap="square" lIns="36576" tIns="18288" rIns="36576" bIns="18288" anchor="ctr" anchorCtr="1">
+      <a:spAutoFit/>
+    </cs:bodyPr>
+  </cs:dataLabelCallout>
+  <cs:dataPoint>
+    <cs:lnRef idx="0"/>
+    <cs:fillRef idx="3">
+      <cs:styleClr val="auto"/>
+    </cs:fillRef>
+    <cs:effectRef idx="2"/>
+    <cs:fontRef idx="minor">
+      <a:schemeClr val="tx2"/>
+    </cs:fontRef>
+  </cs:dataPoint>
+  <cs:dataPoint3D>
+    <cs:lnRef idx="0"/>
+    <cs:fillRef idx="3">
+      <cs:styleClr val="auto"/>
+    </cs:fillRef>
+    <cs:effectRef idx="2"/>
+    <cs:fontRef idx="minor">
+      <a:schemeClr val="tx2"/>
+    </cs:fontRef>
+  </cs:dataPoint3D>
+  <cs:dataPointLine>
+    <cs:lnRef idx="0">
+      <cs:styleClr val="auto"/>
+    </cs:lnRef>
+    <cs:fillRef idx="3"/>
+    <cs:effectRef idx="2"/>
+    <cs:fontRef idx="minor">
+      <a:schemeClr val="tx2"/>
+    </cs:fontRef>
+    <cs:spPr>
+      <a:ln w="31750" cap="rnd">
+        <a:solidFill>
+          <a:schemeClr val="phClr"/>
+        </a:solidFill>
+        <a:round/>
+      </a:ln>
+    </cs:spPr>
+  </cs:dataPointLine>
+  <cs:dataPointMarker>
+    <cs:lnRef idx="0"/>
+    <cs:fillRef idx="3">
+      <cs:styleClr val="auto"/>
+    </cs:fillRef>
+    <cs:effectRef idx="2"/>
+    <cs:fontRef idx="minor">
+      <a:schemeClr val="tx2"/>
+    </cs:fontRef>
+    <cs:spPr>
+      <a:ln w="12700">
+        <a:solidFill>
+          <a:schemeClr val="lt2"/>
+        </a:solidFill>
+        <a:round/>
+      </a:ln>
+    </cs:spPr>
+  </cs:dataPointMarker>
+  <cs:dataPointMarkerLayout symbol="circle" size="6"/>
+  <cs:dataPointWireframe>
+    <cs:lnRef idx="0">
+      <cs:styleClr val="auto"/>
+    </cs:lnRef>
+    <cs:fillRef idx="3"/>
+    <cs:effectRef idx="2"/>
+    <cs:fontRef idx="minor">
+      <a:schemeClr val="tx2"/>
+    </cs:fontRef>
+    <cs:spPr>
+      <a:ln w="9525" cap="rnd">
+        <a:solidFill>
+          <a:schemeClr val="phClr"/>
+        </a:solidFill>
+        <a:round/>
+      </a:ln>
+    </cs:spPr>
+  </cs:dataPointWireframe>
+  <cs:dataTable>
+    <cs:lnRef idx="0"/>
+    <cs:fillRef idx="0"/>
+    <cs:effectRef idx="0"/>
+    <cs:fontRef idx="minor">
+      <a:schemeClr val="tx2"/>
+    </cs:fontRef>
+    <cs:spPr>
+      <a:ln w="9525">
+        <a:solidFill>
+          <a:schemeClr val="tx2">
+            <a:lumMod val="15000"/>
+            <a:lumOff val="85000"/>
+          </a:schemeClr>
+        </a:solidFill>
+      </a:ln>
+    </cs:spPr>
+    <cs:defRPr sz="1197" kern="1200"/>
+  </cs:dataTable>
+  <cs:downBar>
+    <cs:lnRef idx="0"/>
+    <cs:fillRef idx="0"/>
+    <cs:effectRef idx="0"/>
+    <cs:fontRef idx="minor">
+      <a:schemeClr val="dk1"/>
+    </cs:fontRef>
+    <cs:spPr>
+      <a:solidFill>
+        <a:schemeClr val="dk1">
+          <a:lumMod val="65000"/>
+          <a:lumOff val="35000"/>
+        </a:schemeClr>
+      </a:solidFill>
+      <a:ln w="9525">
+        <a:solidFill>
+          <a:schemeClr val="tx1">
+            <a:lumMod val="65000"/>
+            <a:lumOff val="35000"/>
+          </a:schemeClr>
+        </a:solidFill>
+      </a:ln>
+    </cs:spPr>
+  </cs:downBar>
+  <cs:dropLine>
+    <cs:lnRef idx="0"/>
+    <cs:fillRef idx="0"/>
+    <cs:effectRef idx="0"/>
+    <cs:fontRef idx="minor">
+      <a:schemeClr val="tx2"/>
+    </cs:fontRef>
+    <cs:spPr>
+      <a:ln w="9525">
+        <a:solidFill>
+          <a:schemeClr val="tx2">
+            <a:lumMod val="60000"/>
+            <a:lumOff val="40000"/>
+          </a:schemeClr>
+        </a:solidFill>
+        <a:prstDash val="dash"/>
+      </a:ln>
+    </cs:spPr>
+  </cs:dropLine>
+  <cs:errorBar>
+    <cs:lnRef idx="0"/>
+    <cs:fillRef idx="0"/>
+    <cs:effectRef idx="0"/>
+    <cs:fontRef idx="minor">
+      <a:schemeClr val="tx2"/>
+    </cs:fontRef>
+    <cs:spPr>
+      <a:ln w="9525">
+        <a:solidFill>
+          <a:schemeClr val="tx2">
+            <a:lumMod val="75000"/>
+          </a:schemeClr>
+        </a:solidFill>
+        <a:round/>
+      </a:ln>
+    </cs:spPr>
+  </cs:errorBar>
+  <cs:floor>
+    <cs:lnRef idx="0"/>
+    <cs:fillRef idx="0"/>
+    <cs:effectRef idx="0"/>
+    <cs:fontRef idx="minor">
+      <a:schemeClr val="tx2"/>
+    </cs:fontRef>
+  </cs:floor>
+  <cs:gridlineMajor>
+    <cs:lnRef idx="0"/>
+    <cs:fillRef idx="0"/>
+    <cs:effectRef idx="0"/>
+    <cs:fontRef idx="minor">
+      <a:schemeClr val="tx2"/>
+    </cs:fontRef>
+    <cs:spPr>
+      <a:ln w="9525" cap="flat" cmpd="sng" algn="ctr">
+        <a:solidFill>
+          <a:schemeClr val="tx2">
+            <a:lumMod val="15000"/>
+            <a:lumOff val="85000"/>
+          </a:schemeClr>
+        </a:solidFill>
+        <a:round/>
+      </a:ln>
+    </cs:spPr>
+  </cs:gridlineMajor>
+  <cs:gridlineMinor>
+    <cs:lnRef idx="0"/>
+    <cs:fillRef idx="0"/>
+    <cs:effectRef idx="0"/>
+    <cs:fontRef idx="minor">
+      <a:schemeClr val="tx2"/>
+    </cs:fontRef>
+    <cs:spPr>
+      <a:ln>
+        <a:solidFill>
+          <a:schemeClr val="tx2">
+            <a:lumMod val="5000"/>
+            <a:lumOff val="95000"/>
+          </a:schemeClr>
+        </a:solidFill>
+      </a:ln>
+    </cs:spPr>
+  </cs:gridlineMinor>
+  <cs:hiLoLine>
+    <cs:lnRef idx="0"/>
+    <cs:fillRef idx="0"/>
+    <cs:effectRef idx="0"/>
+    <cs:fontRef idx="minor">
+      <a:schemeClr val="tx2"/>
+    </cs:fontRef>
+    <cs:spPr>
+      <a:ln w="9525">
+        <a:solidFill>
+          <a:schemeClr val="tx2">
+            <a:lumMod val="60000"/>
+            <a:lumOff val="40000"/>
+          </a:schemeClr>
+        </a:solidFill>
+        <a:prstDash val="dash"/>
+      </a:ln>
+    </cs:spPr>
+  </cs:hiLoLine>
+  <cs:leaderLine>
+    <cs:lnRef idx="0"/>
+    <cs:fillRef idx="0"/>
+    <cs:effectRef idx="0"/>
+    <cs:fontRef idx="minor">
+      <a:schemeClr val="tx2"/>
+    </cs:fontRef>
+    <cs:spPr>
+      <a:ln w="9525">
+        <a:solidFill>
+          <a:schemeClr val="tx2">
+            <a:lumMod val="35000"/>
+            <a:lumOff val="65000"/>
+          </a:schemeClr>
+        </a:solidFill>
+      </a:ln>
+    </cs:spPr>
+  </cs:leaderLine>
+  <cs:legend>
+    <cs:lnRef idx="0"/>
+    <cs:fillRef idx="0"/>
+    <cs:effectRef idx="0"/>
+    <cs:fontRef idx="minor">
+      <a:schemeClr val="tx2"/>
+    </cs:fontRef>
+    <cs:defRPr sz="1197" kern="1200"/>
+  </cs:legend>
+  <cs:plotArea>
+    <cs:lnRef idx="0"/>
+    <cs:fillRef idx="0"/>
+    <cs:effectRef idx="0"/>
+    <cs:fontRef idx="minor">
+      <a:schemeClr val="tx2"/>
+    </cs:fontRef>
+  </cs:plotArea>
+  <cs:plotArea3D>
+    <cs:lnRef idx="0"/>
+    <cs:fillRef idx="0"/>
+    <cs:effectRef idx="0"/>
+    <cs:fontRef idx="minor">
+      <a:schemeClr val="tx2"/>
+    </cs:fontRef>
+  </cs:plotArea3D>
+  <cs:seriesAxis>
+    <cs:lnRef idx="0"/>
+    <cs:fillRef idx="0"/>
+    <cs:effectRef idx="0"/>
+    <cs:fontRef idx="minor">
+      <a:schemeClr val="tx2"/>
+    </cs:fontRef>
+    <cs:spPr>
+      <a:ln w="9525" cap="flat" cmpd="sng" algn="ctr">
+        <a:solidFill>
+          <a:schemeClr val="tx2">
+            <a:lumMod val="15000"/>
+            <a:lumOff val="85000"/>
+          </a:schemeClr>
+        </a:solidFill>
+        <a:round/>
+      </a:ln>
+    </cs:spPr>
+    <cs:defRPr sz="1197" kern="1200"/>
+  </cs:seriesAxis>
+  <cs:seriesLine>
+    <cs:lnRef idx="0"/>
+    <cs:fillRef idx="0"/>
+    <cs:effectRef idx="0"/>
+    <cs:fontRef idx="minor">
+      <a:schemeClr val="tx2"/>
+    </cs:fontRef>
+    <cs:spPr>
+      <a:ln w="9525">
+        <a:solidFill>
+          <a:schemeClr val="tx2">
+            <a:lumMod val="60000"/>
+            <a:lumOff val="40000"/>
+          </a:schemeClr>
+        </a:solidFill>
+        <a:prstDash val="dash"/>
+      </a:ln>
+    </cs:spPr>
+  </cs:seriesLine>
+  <cs:title>
+    <cs:lnRef idx="0"/>
+    <cs:fillRef idx="0"/>
+    <cs:effectRef idx="0"/>
+    <cs:fontRef idx="minor">
+      <a:schemeClr val="tx2"/>
+    </cs:fontRef>
+    <cs:defRPr sz="2128" b="1" kern="1200"/>
+  </cs:title>
+  <cs:trendline>
+    <cs:lnRef idx="0">
+      <cs:styleClr val="auto"/>
+    </cs:lnRef>
+    <cs:fillRef idx="0"/>
+    <cs:effectRef idx="0"/>
+    <cs:fontRef idx="minor">
+      <a:schemeClr val="tx2"/>
+    </cs:fontRef>
+    <cs:spPr>
+      <a:ln w="19050" cap="rnd">
+        <a:solidFill>
+          <a:schemeClr val="phClr"/>
+        </a:solidFill>
+        <a:prstDash val="sysDash"/>
+      </a:ln>
+    </cs:spPr>
+  </cs:trendline>
+  <cs:trendlineLabel>
+    <cs:lnRef idx="0"/>
+    <cs:fillRef idx="0"/>
+    <cs:effectRef idx="0"/>
+    <cs:fontRef idx="minor">
+      <a:schemeClr val="tx2"/>
+    </cs:fontRef>
+    <cs:defRPr sz="1197" kern="1200"/>
+  </cs:trendlineLabel>
+  <cs:upBar>
+    <cs:lnRef idx="0"/>
+    <cs:fillRef idx="0"/>
+    <cs:effectRef idx="0"/>
+    <cs:fontRef idx="minor">
+      <a:schemeClr val="tx2"/>
+    </cs:fontRef>
+    <cs:spPr>
+      <a:solidFill>
+        <a:schemeClr val="lt1"/>
+      </a:solidFill>
+      <a:ln w="9525">
+        <a:solidFill>
+          <a:schemeClr val="tx1">
+            <a:lumMod val="15000"/>
+            <a:lumOff val="85000"/>
+          </a:schemeClr>
+        </a:solidFill>
+      </a:ln>
+    </cs:spPr>
+  </cs:upBar>
+  <cs:valueAxis>
+    <cs:lnRef idx="0"/>
+    <cs:fillRef idx="0"/>
+    <cs:effectRef idx="0"/>
+    <cs:fontRef idx="minor">
+      <a:schemeClr val="tx2"/>
+    </cs:fontRef>
+    <cs:defRPr sz="1197" kern="1200"/>
+  </cs:valueAxis>
+  <cs:wall>
+    <cs:lnRef idx="0"/>
+    <cs:fillRef idx="0"/>
+    <cs:effectRef idx="0"/>
+    <cs:fontRef idx="minor">
+      <a:schemeClr val="tx2"/>
+    </cs:fontRef>
+  </cs:wall>
+</cs:chartStyle>
+</file>
+
+<file path=ppt/drawings/drawing1.xml><?xml version="1.0" encoding="utf-8"?>
+<c:userShapes xmlns:c="http://schemas.openxmlformats.org/drawingml/2006/chart">
+  <cdr:relSizeAnchor xmlns:cdr="http://schemas.openxmlformats.org/drawingml/2006/chartDrawing">
+    <cdr:from>
+      <cdr:x>0.40663</cdr:x>
+      <cdr:y>0.0876</cdr:y>
+    </cdr:from>
+    <cdr:to>
+      <cdr:x>0.45638</cdr:x>
+      <cdr:y>0.12203</cdr:y>
+    </cdr:to>
+    <cdr:sp macro="" textlink="">
+      <cdr:nvSpPr>
+        <cdr:cNvPr id="2" name="文本框 1">
+          <a:extLst xmlns:a="http://schemas.openxmlformats.org/drawingml/2006/main">
+            <a:ext uri="{FF2B5EF4-FFF2-40B4-BE49-F238E27FC236}">
+              <a16:creationId xmlns:a16="http://schemas.microsoft.com/office/drawing/2014/main" id="{DA354E8A-4300-4CF8-B515-0E216BF74645}"/>
+            </a:ext>
+          </a:extLst>
+        </cdr:cNvPr>
+        <cdr:cNvSpPr txBox="1"/>
+      </cdr:nvSpPr>
+      <cdr:spPr>
+        <a:xfrm xmlns:a="http://schemas.openxmlformats.org/drawingml/2006/main">
+          <a:off x="3305110" y="474653"/>
+          <a:ext cx="404327" cy="186612"/>
+        </a:xfrm>
+        <a:prstGeom xmlns:a="http://schemas.openxmlformats.org/drawingml/2006/main" prst="rect">
+          <a:avLst/>
+        </a:prstGeom>
+      </cdr:spPr>
+      <cdr:txBody>
+        <a:bodyPr xmlns:a="http://schemas.openxmlformats.org/drawingml/2006/main" vertOverflow="clip" wrap="square" rtlCol="0"/>
+        <a:lstStyle xmlns:a="http://schemas.openxmlformats.org/drawingml/2006/main"/>
+        <a:p xmlns:a="http://schemas.openxmlformats.org/drawingml/2006/main">
+          <a:endParaRPr lang="zh-CN" altLang="en-US" sz="1100" dirty="0"/>
+        </a:p>
+      </cdr:txBody>
+    </cdr:sp>
+  </cdr:relSizeAnchor>
+</c:userShapes>
+</file>
+
 <file path=ppt/slideLayouts/slideLayout1.xml><?xml version="1.0" encoding="utf-8"?>
 <p:sldLayout xmlns:a="http://schemas.openxmlformats.org/drawingml/2006/main" xmlns:r="http://schemas.openxmlformats.org/officeDocument/2006/relationships" xmlns:p="http://schemas.openxmlformats.org/presentationml/2006/main" type="title" preserve="1">
   <p:cSld name="标题幻灯片">
@@ -298,7 +2465,7 @@
           <a:p>
             <a:fld id="{AD8B3968-3313-4141-86A3-A13F50CDB1A3}" type="datetimeFigureOut">
               <a:rPr lang="zh-CN" altLang="en-US" smtClean="0"/>
-              <a:t>2023/4/15</a:t>
+              <a:t>2023/4/16</a:t>
             </a:fld>
             <a:endParaRPr lang="zh-CN" altLang="en-US"/>
           </a:p>
@@ -496,7 +2663,7 @@
           <a:p>
             <a:fld id="{AD8B3968-3313-4141-86A3-A13F50CDB1A3}" type="datetimeFigureOut">
               <a:rPr lang="zh-CN" altLang="en-US" smtClean="0"/>
-              <a:t>2023/4/15</a:t>
+              <a:t>2023/4/16</a:t>
             </a:fld>
             <a:endParaRPr lang="zh-CN" altLang="en-US"/>
           </a:p>
@@ -704,7 +2871,7 @@
           <a:p>
             <a:fld id="{AD8B3968-3313-4141-86A3-A13F50CDB1A3}" type="datetimeFigureOut">
               <a:rPr lang="zh-CN" altLang="en-US" smtClean="0"/>
-              <a:t>2023/4/15</a:t>
+              <a:t>2023/4/16</a:t>
             </a:fld>
             <a:endParaRPr lang="zh-CN" altLang="en-US"/>
           </a:p>
@@ -902,7 +3069,7 @@
           <a:p>
             <a:fld id="{AD8B3968-3313-4141-86A3-A13F50CDB1A3}" type="datetimeFigureOut">
               <a:rPr lang="zh-CN" altLang="en-US" smtClean="0"/>
-              <a:t>2023/4/15</a:t>
+              <a:t>2023/4/16</a:t>
             </a:fld>
             <a:endParaRPr lang="zh-CN" altLang="en-US"/>
           </a:p>
@@ -1177,7 +3344,7 @@
           <a:p>
             <a:fld id="{AD8B3968-3313-4141-86A3-A13F50CDB1A3}" type="datetimeFigureOut">
               <a:rPr lang="zh-CN" altLang="en-US" smtClean="0"/>
-              <a:t>2023/4/15</a:t>
+              <a:t>2023/4/16</a:t>
             </a:fld>
             <a:endParaRPr lang="zh-CN" altLang="en-US"/>
           </a:p>
@@ -1442,7 +3609,7 @@
           <a:p>
             <a:fld id="{AD8B3968-3313-4141-86A3-A13F50CDB1A3}" type="datetimeFigureOut">
               <a:rPr lang="zh-CN" altLang="en-US" smtClean="0"/>
-              <a:t>2023/4/15</a:t>
+              <a:t>2023/4/16</a:t>
             </a:fld>
             <a:endParaRPr lang="zh-CN" altLang="en-US"/>
           </a:p>
@@ -1854,7 +4021,7 @@
           <a:p>
             <a:fld id="{AD8B3968-3313-4141-86A3-A13F50CDB1A3}" type="datetimeFigureOut">
               <a:rPr lang="zh-CN" altLang="en-US" smtClean="0"/>
-              <a:t>2023/4/15</a:t>
+              <a:t>2023/4/16</a:t>
             </a:fld>
             <a:endParaRPr lang="zh-CN" altLang="en-US"/>
           </a:p>
@@ -1995,7 +4162,7 @@
           <a:p>
             <a:fld id="{AD8B3968-3313-4141-86A3-A13F50CDB1A3}" type="datetimeFigureOut">
               <a:rPr lang="zh-CN" altLang="en-US" smtClean="0"/>
-              <a:t>2023/4/15</a:t>
+              <a:t>2023/4/16</a:t>
             </a:fld>
             <a:endParaRPr lang="zh-CN" altLang="en-US"/>
           </a:p>
@@ -2108,7 +4275,7 @@
           <a:p>
             <a:fld id="{AD8B3968-3313-4141-86A3-A13F50CDB1A3}" type="datetimeFigureOut">
               <a:rPr lang="zh-CN" altLang="en-US" smtClean="0"/>
-              <a:t>2023/4/15</a:t>
+              <a:t>2023/4/16</a:t>
             </a:fld>
             <a:endParaRPr lang="zh-CN" altLang="en-US"/>
           </a:p>
@@ -2419,7 +4586,7 @@
           <a:p>
             <a:fld id="{AD8B3968-3313-4141-86A3-A13F50CDB1A3}" type="datetimeFigureOut">
               <a:rPr lang="zh-CN" altLang="en-US" smtClean="0"/>
-              <a:t>2023/4/15</a:t>
+              <a:t>2023/4/16</a:t>
             </a:fld>
             <a:endParaRPr lang="zh-CN" altLang="en-US"/>
           </a:p>
@@ -2707,7 +4874,7 @@
           <a:p>
             <a:fld id="{AD8B3968-3313-4141-86A3-A13F50CDB1A3}" type="datetimeFigureOut">
               <a:rPr lang="zh-CN" altLang="en-US" smtClean="0"/>
-              <a:t>2023/4/15</a:t>
+              <a:t>2023/4/16</a:t>
             </a:fld>
             <a:endParaRPr lang="zh-CN" altLang="en-US"/>
           </a:p>
@@ -2948,7 +5115,7 @@
           <a:p>
             <a:fld id="{AD8B3968-3313-4141-86A3-A13F50CDB1A3}" type="datetimeFigureOut">
               <a:rPr lang="zh-CN" altLang="en-US" smtClean="0"/>
-              <a:t>2023/4/15</a:t>
+              <a:t>2023/4/16</a:t>
             </a:fld>
             <a:endParaRPr lang="zh-CN" altLang="en-US"/>
           </a:p>
@@ -23298,6 +25465,122 @@
 </p:sld>
 </file>
 
+<file path=ppt/slides/slide41.xml><?xml version="1.0" encoding="utf-8"?>
+<p:sld xmlns:a="http://schemas.openxmlformats.org/drawingml/2006/main" xmlns:r="http://schemas.openxmlformats.org/officeDocument/2006/relationships" xmlns:p="http://schemas.openxmlformats.org/presentationml/2006/main">
+  <p:cSld>
+    <p:spTree>
+      <p:nvGrpSpPr>
+        <p:cNvPr id="1" name=""/>
+        <p:cNvGrpSpPr/>
+        <p:nvPr/>
+      </p:nvGrpSpPr>
+      <p:grpSpPr>
+        <a:xfrm>
+          <a:off x="0" y="0"/>
+          <a:ext cx="0" cy="0"/>
+          <a:chOff x="0" y="0"/>
+          <a:chExt cx="0" cy="0"/>
+        </a:xfrm>
+      </p:grpSpPr>
+      <p:graphicFrame>
+        <p:nvGraphicFramePr>
+          <p:cNvPr id="7" name="图表 6">
+            <a:extLst>
+              <a:ext uri="{FF2B5EF4-FFF2-40B4-BE49-F238E27FC236}">
+                <a16:creationId xmlns:a16="http://schemas.microsoft.com/office/drawing/2014/main" id="{96107939-B036-43B3-82C0-873049901041}"/>
+              </a:ext>
+            </a:extLst>
+          </p:cNvPr>
+          <p:cNvGraphicFramePr/>
+          <p:nvPr>
+            <p:extLst>
+              <p:ext uri="{D42A27DB-BD31-4B8C-83A1-F6EECF244321}">
+                <p14:modId xmlns:p14="http://schemas.microsoft.com/office/powerpoint/2010/main" val="3647828681"/>
+              </p:ext>
+            </p:extLst>
+          </p:nvPr>
+        </p:nvGraphicFramePr>
+        <p:xfrm>
+          <a:off x="1577910" y="570376"/>
+          <a:ext cx="8128000" cy="5418667"/>
+        </p:xfrm>
+        <a:graphic>
+          <a:graphicData uri="http://schemas.openxmlformats.org/drawingml/2006/chart">
+            <c:chart xmlns:c="http://schemas.openxmlformats.org/drawingml/2006/chart" xmlns:r="http://schemas.openxmlformats.org/officeDocument/2006/relationships" r:id="rId2"/>
+          </a:graphicData>
+        </a:graphic>
+      </p:graphicFrame>
+    </p:spTree>
+    <p:extLst>
+      <p:ext uri="{BB962C8B-B14F-4D97-AF65-F5344CB8AC3E}">
+        <p14:creationId xmlns:p14="http://schemas.microsoft.com/office/powerpoint/2010/main" val="1884707952"/>
+      </p:ext>
+    </p:extLst>
+  </p:cSld>
+  <p:clrMapOvr>
+    <a:masterClrMapping/>
+  </p:clrMapOvr>
+</p:sld>
+</file>
+
+<file path=ppt/slides/slide42.xml><?xml version="1.0" encoding="utf-8"?>
+<p:sld xmlns:a="http://schemas.openxmlformats.org/drawingml/2006/main" xmlns:r="http://schemas.openxmlformats.org/officeDocument/2006/relationships" xmlns:p="http://schemas.openxmlformats.org/presentationml/2006/main">
+  <p:cSld>
+    <p:spTree>
+      <p:nvGrpSpPr>
+        <p:cNvPr id="1" name=""/>
+        <p:cNvGrpSpPr/>
+        <p:nvPr/>
+      </p:nvGrpSpPr>
+      <p:grpSpPr>
+        <a:xfrm>
+          <a:off x="0" y="0"/>
+          <a:ext cx="0" cy="0"/>
+          <a:chOff x="0" y="0"/>
+          <a:chExt cx="0" cy="0"/>
+        </a:xfrm>
+      </p:grpSpPr>
+      <p:graphicFrame>
+        <p:nvGraphicFramePr>
+          <p:cNvPr id="6" name="图表 5">
+            <a:extLst>
+              <a:ext uri="{FF2B5EF4-FFF2-40B4-BE49-F238E27FC236}">
+                <a16:creationId xmlns:a16="http://schemas.microsoft.com/office/drawing/2014/main" id="{D48C95B9-3CFC-4109-A757-8E574D890BA7}"/>
+              </a:ext>
+            </a:extLst>
+          </p:cNvPr>
+          <p:cNvGraphicFramePr/>
+          <p:nvPr>
+            <p:extLst>
+              <p:ext uri="{D42A27DB-BD31-4B8C-83A1-F6EECF244321}">
+                <p14:modId xmlns:p14="http://schemas.microsoft.com/office/powerpoint/2010/main" val="6354592"/>
+              </p:ext>
+            </p:extLst>
+          </p:nvPr>
+        </p:nvGraphicFramePr>
+        <p:xfrm>
+          <a:off x="2032000" y="719666"/>
+          <a:ext cx="8128000" cy="5418667"/>
+        </p:xfrm>
+        <a:graphic>
+          <a:graphicData uri="http://schemas.openxmlformats.org/drawingml/2006/chart">
+            <c:chart xmlns:c="http://schemas.openxmlformats.org/drawingml/2006/chart" xmlns:r="http://schemas.openxmlformats.org/officeDocument/2006/relationships" r:id="rId2"/>
+          </a:graphicData>
+        </a:graphic>
+      </p:graphicFrame>
+    </p:spTree>
+    <p:extLst>
+      <p:ext uri="{BB962C8B-B14F-4D97-AF65-F5344CB8AC3E}">
+        <p14:creationId xmlns:p14="http://schemas.microsoft.com/office/powerpoint/2010/main" val="2619303885"/>
+      </p:ext>
+    </p:extLst>
+  </p:cSld>
+  <p:clrMapOvr>
+    <a:masterClrMapping/>
+  </p:clrMapOvr>
+</p:sld>
+</file>
+
 <file path=ppt/slides/slide5.xml><?xml version="1.0" encoding="utf-8"?>
 <p:sld xmlns:a="http://schemas.openxmlformats.org/drawingml/2006/main" xmlns:r="http://schemas.openxmlformats.org/officeDocument/2006/relationships" xmlns:p="http://schemas.openxmlformats.org/presentationml/2006/main">
   <p:cSld>

--- a/paper/毕设思路 [自动保存的] [自动保存的].pptx
+++ b/paper/毕设思路 [自动保存的] [自动保存的].pptx
@@ -695,21 +695,21 @@
             <a:gradFill rotWithShape="1">
               <a:gsLst>
                 <a:gs pos="0">
-                  <a:schemeClr val="accent1">
+                  <a:schemeClr val="accent6">
                     <a:satMod val="103000"/>
                     <a:lumMod val="102000"/>
                     <a:tint val="94000"/>
                   </a:schemeClr>
                 </a:gs>
                 <a:gs pos="50000">
-                  <a:schemeClr val="accent1">
+                  <a:schemeClr val="accent6">
                     <a:satMod val="110000"/>
                     <a:lumMod val="100000"/>
                     <a:shade val="100000"/>
                   </a:schemeClr>
                 </a:gs>
                 <a:gs pos="100000">
-                  <a:schemeClr val="accent1">
+                  <a:schemeClr val="accent6">
                     <a:lumMod val="99000"/>
                     <a:satMod val="120000"/>
                     <a:shade val="78000"/>
@@ -840,32 +840,9 @@
             </c:strRef>
           </c:tx>
           <c:spPr>
-            <a:gradFill rotWithShape="1">
-              <a:gsLst>
-                <a:gs pos="0">
-                  <a:schemeClr val="accent2">
-                    <a:satMod val="103000"/>
-                    <a:lumMod val="102000"/>
-                    <a:tint val="94000"/>
-                  </a:schemeClr>
-                </a:gs>
-                <a:gs pos="50000">
-                  <a:schemeClr val="accent2">
-                    <a:satMod val="110000"/>
-                    <a:lumMod val="100000"/>
-                    <a:shade val="100000"/>
-                  </a:schemeClr>
-                </a:gs>
-                <a:gs pos="100000">
-                  <a:schemeClr val="accent2">
-                    <a:lumMod val="99000"/>
-                    <a:satMod val="120000"/>
-                    <a:shade val="78000"/>
-                  </a:schemeClr>
-                </a:gs>
-              </a:gsLst>
-              <a:lin ang="5400000" scaled="0"/>
-            </a:gradFill>
+            <a:solidFill>
+              <a:srgbClr val="FFC000"/>
+            </a:solidFill>
             <a:ln>
               <a:noFill/>
             </a:ln>
@@ -1198,13 +1175,10 @@
 </file>
 
 <file path=ppt/charts/colors2.xml><?xml version="1.0" encoding="utf-8"?>
-<cs:colorStyle xmlns:cs="http://schemas.microsoft.com/office/drawing/2012/chartStyle" xmlns:a="http://schemas.openxmlformats.org/drawingml/2006/main" meth="cycle" id="10">
-  <a:schemeClr val="accent1"/>
-  <a:schemeClr val="accent2"/>
-  <a:schemeClr val="accent3"/>
+<cs:colorStyle xmlns:cs="http://schemas.microsoft.com/office/drawing/2012/chartStyle" xmlns:a="http://schemas.openxmlformats.org/drawingml/2006/main" meth="cycle" id="13">
+  <a:schemeClr val="accent6"/>
+  <a:schemeClr val="accent5"/>
   <a:schemeClr val="accent4"/>
-  <a:schemeClr val="accent5"/>
-  <a:schemeClr val="accent6"/>
   <cs:variation/>
   <cs:variation>
     <a:lumMod val="60000"/>
@@ -25553,7 +25527,7 @@
           <p:nvPr>
             <p:extLst>
               <p:ext uri="{D42A27DB-BD31-4B8C-83A1-F6EECF244321}">
-                <p14:modId xmlns:p14="http://schemas.microsoft.com/office/powerpoint/2010/main" val="6354592"/>
+                <p14:modId xmlns:p14="http://schemas.microsoft.com/office/powerpoint/2010/main" val="4287376694"/>
               </p:ext>
             </p:extLst>
           </p:nvPr>

--- a/paper/毕设思路 [自动保存的] [自动保存的].pptx
+++ b/paper/毕设思路 [自动保存的] [自动保存的].pptx
@@ -811,10 +811,10 @@
                   <c:v>10.105</c:v>
                 </c:pt>
                 <c:pt idx="2">
-                  <c:v>16.087199999999999</c:v>
+                  <c:v>15.6503</c:v>
                 </c:pt>
                 <c:pt idx="3">
-                  <c:v>5.0271999999999997</c:v>
+                  <c:v>5.3068999999999997</c:v>
                 </c:pt>
               </c:numCache>
             </c:numRef>
@@ -936,10 +936,10 @@
                   <c:v>8.7170000000000005</c:v>
                 </c:pt>
                 <c:pt idx="2">
-                  <c:v>17.659700000000001</c:v>
+                  <c:v>17.0839</c:v>
                 </c:pt>
                 <c:pt idx="3">
-                  <c:v>5.1539999999999999</c:v>
+                  <c:v>5.2789000000000001</c:v>
                 </c:pt>
               </c:numCache>
             </c:numRef>
@@ -2439,7 +2439,7 @@
           <a:p>
             <a:fld id="{AD8B3968-3313-4141-86A3-A13F50CDB1A3}" type="datetimeFigureOut">
               <a:rPr lang="zh-CN" altLang="en-US" smtClean="0"/>
-              <a:t>2023/4/16</a:t>
+              <a:t>2023/4/18</a:t>
             </a:fld>
             <a:endParaRPr lang="zh-CN" altLang="en-US"/>
           </a:p>
@@ -2637,7 +2637,7 @@
           <a:p>
             <a:fld id="{AD8B3968-3313-4141-86A3-A13F50CDB1A3}" type="datetimeFigureOut">
               <a:rPr lang="zh-CN" altLang="en-US" smtClean="0"/>
-              <a:t>2023/4/16</a:t>
+              <a:t>2023/4/18</a:t>
             </a:fld>
             <a:endParaRPr lang="zh-CN" altLang="en-US"/>
           </a:p>
@@ -2845,7 +2845,7 @@
           <a:p>
             <a:fld id="{AD8B3968-3313-4141-86A3-A13F50CDB1A3}" type="datetimeFigureOut">
               <a:rPr lang="zh-CN" altLang="en-US" smtClean="0"/>
-              <a:t>2023/4/16</a:t>
+              <a:t>2023/4/18</a:t>
             </a:fld>
             <a:endParaRPr lang="zh-CN" altLang="en-US"/>
           </a:p>
@@ -3043,7 +3043,7 @@
           <a:p>
             <a:fld id="{AD8B3968-3313-4141-86A3-A13F50CDB1A3}" type="datetimeFigureOut">
               <a:rPr lang="zh-CN" altLang="en-US" smtClean="0"/>
-              <a:t>2023/4/16</a:t>
+              <a:t>2023/4/18</a:t>
             </a:fld>
             <a:endParaRPr lang="zh-CN" altLang="en-US"/>
           </a:p>
@@ -3318,7 +3318,7 @@
           <a:p>
             <a:fld id="{AD8B3968-3313-4141-86A3-A13F50CDB1A3}" type="datetimeFigureOut">
               <a:rPr lang="zh-CN" altLang="en-US" smtClean="0"/>
-              <a:t>2023/4/16</a:t>
+              <a:t>2023/4/18</a:t>
             </a:fld>
             <a:endParaRPr lang="zh-CN" altLang="en-US"/>
           </a:p>
@@ -3583,7 +3583,7 @@
           <a:p>
             <a:fld id="{AD8B3968-3313-4141-86A3-A13F50CDB1A3}" type="datetimeFigureOut">
               <a:rPr lang="zh-CN" altLang="en-US" smtClean="0"/>
-              <a:t>2023/4/16</a:t>
+              <a:t>2023/4/18</a:t>
             </a:fld>
             <a:endParaRPr lang="zh-CN" altLang="en-US"/>
           </a:p>
@@ -3995,7 +3995,7 @@
           <a:p>
             <a:fld id="{AD8B3968-3313-4141-86A3-A13F50CDB1A3}" type="datetimeFigureOut">
               <a:rPr lang="zh-CN" altLang="en-US" smtClean="0"/>
-              <a:t>2023/4/16</a:t>
+              <a:t>2023/4/18</a:t>
             </a:fld>
             <a:endParaRPr lang="zh-CN" altLang="en-US"/>
           </a:p>
@@ -4136,7 +4136,7 @@
           <a:p>
             <a:fld id="{AD8B3968-3313-4141-86A3-A13F50CDB1A3}" type="datetimeFigureOut">
               <a:rPr lang="zh-CN" altLang="en-US" smtClean="0"/>
-              <a:t>2023/4/16</a:t>
+              <a:t>2023/4/18</a:t>
             </a:fld>
             <a:endParaRPr lang="zh-CN" altLang="en-US"/>
           </a:p>
@@ -4249,7 +4249,7 @@
           <a:p>
             <a:fld id="{AD8B3968-3313-4141-86A3-A13F50CDB1A3}" type="datetimeFigureOut">
               <a:rPr lang="zh-CN" altLang="en-US" smtClean="0"/>
-              <a:t>2023/4/16</a:t>
+              <a:t>2023/4/18</a:t>
             </a:fld>
             <a:endParaRPr lang="zh-CN" altLang="en-US"/>
           </a:p>
@@ -4560,7 +4560,7 @@
           <a:p>
             <a:fld id="{AD8B3968-3313-4141-86A3-A13F50CDB1A3}" type="datetimeFigureOut">
               <a:rPr lang="zh-CN" altLang="en-US" smtClean="0"/>
-              <a:t>2023/4/16</a:t>
+              <a:t>2023/4/18</a:t>
             </a:fld>
             <a:endParaRPr lang="zh-CN" altLang="en-US"/>
           </a:p>
@@ -4848,7 +4848,7 @@
           <a:p>
             <a:fld id="{AD8B3968-3313-4141-86A3-A13F50CDB1A3}" type="datetimeFigureOut">
               <a:rPr lang="zh-CN" altLang="en-US" smtClean="0"/>
-              <a:t>2023/4/16</a:t>
+              <a:t>2023/4/18</a:t>
             </a:fld>
             <a:endParaRPr lang="zh-CN" altLang="en-US"/>
           </a:p>
@@ -5089,7 +5089,7 @@
           <a:p>
             <a:fld id="{AD8B3968-3313-4141-86A3-A13F50CDB1A3}" type="datetimeFigureOut">
               <a:rPr lang="zh-CN" altLang="en-US" smtClean="0"/>
-              <a:t>2023/4/16</a:t>
+              <a:t>2023/4/18</a:t>
             </a:fld>
             <a:endParaRPr lang="zh-CN" altLang="en-US"/>
           </a:p>
@@ -25527,7 +25527,7 @@
           <p:nvPr>
             <p:extLst>
               <p:ext uri="{D42A27DB-BD31-4B8C-83A1-F6EECF244321}">
-                <p14:modId xmlns:p14="http://schemas.microsoft.com/office/powerpoint/2010/main" val="4287376694"/>
+                <p14:modId xmlns:p14="http://schemas.microsoft.com/office/powerpoint/2010/main" val="365068293"/>
               </p:ext>
             </p:extLst>
           </p:nvPr>

--- a/paper/毕设思路 [自动保存的] [自动保存的].pptx
+++ b/paper/毕设思路 [自动保存的] [自动保存的].pptx
@@ -47,6 +47,7 @@
     <p:sldId id="296" r:id="rId41"/>
     <p:sldId id="297" r:id="rId42"/>
     <p:sldId id="298" r:id="rId43"/>
+    <p:sldId id="299" r:id="rId44"/>
   </p:sldIdLst>
   <p:sldSz cx="12192000" cy="6858000"/>
   <p:notesSz cx="6858000" cy="9144000"/>
@@ -2439,7 +2440,7 @@
           <a:p>
             <a:fld id="{AD8B3968-3313-4141-86A3-A13F50CDB1A3}" type="datetimeFigureOut">
               <a:rPr lang="zh-CN" altLang="en-US" smtClean="0"/>
-              <a:t>2023/4/18</a:t>
+              <a:t>2023/4/19</a:t>
             </a:fld>
             <a:endParaRPr lang="zh-CN" altLang="en-US"/>
           </a:p>
@@ -2637,7 +2638,7 @@
           <a:p>
             <a:fld id="{AD8B3968-3313-4141-86A3-A13F50CDB1A3}" type="datetimeFigureOut">
               <a:rPr lang="zh-CN" altLang="en-US" smtClean="0"/>
-              <a:t>2023/4/18</a:t>
+              <a:t>2023/4/19</a:t>
             </a:fld>
             <a:endParaRPr lang="zh-CN" altLang="en-US"/>
           </a:p>
@@ -2845,7 +2846,7 @@
           <a:p>
             <a:fld id="{AD8B3968-3313-4141-86A3-A13F50CDB1A3}" type="datetimeFigureOut">
               <a:rPr lang="zh-CN" altLang="en-US" smtClean="0"/>
-              <a:t>2023/4/18</a:t>
+              <a:t>2023/4/19</a:t>
             </a:fld>
             <a:endParaRPr lang="zh-CN" altLang="en-US"/>
           </a:p>
@@ -3043,7 +3044,7 @@
           <a:p>
             <a:fld id="{AD8B3968-3313-4141-86A3-A13F50CDB1A3}" type="datetimeFigureOut">
               <a:rPr lang="zh-CN" altLang="en-US" smtClean="0"/>
-              <a:t>2023/4/18</a:t>
+              <a:t>2023/4/19</a:t>
             </a:fld>
             <a:endParaRPr lang="zh-CN" altLang="en-US"/>
           </a:p>
@@ -3318,7 +3319,7 @@
           <a:p>
             <a:fld id="{AD8B3968-3313-4141-86A3-A13F50CDB1A3}" type="datetimeFigureOut">
               <a:rPr lang="zh-CN" altLang="en-US" smtClean="0"/>
-              <a:t>2023/4/18</a:t>
+              <a:t>2023/4/19</a:t>
             </a:fld>
             <a:endParaRPr lang="zh-CN" altLang="en-US"/>
           </a:p>
@@ -3583,7 +3584,7 @@
           <a:p>
             <a:fld id="{AD8B3968-3313-4141-86A3-A13F50CDB1A3}" type="datetimeFigureOut">
               <a:rPr lang="zh-CN" altLang="en-US" smtClean="0"/>
-              <a:t>2023/4/18</a:t>
+              <a:t>2023/4/19</a:t>
             </a:fld>
             <a:endParaRPr lang="zh-CN" altLang="en-US"/>
           </a:p>
@@ -3995,7 +3996,7 @@
           <a:p>
             <a:fld id="{AD8B3968-3313-4141-86A3-A13F50CDB1A3}" type="datetimeFigureOut">
               <a:rPr lang="zh-CN" altLang="en-US" smtClean="0"/>
-              <a:t>2023/4/18</a:t>
+              <a:t>2023/4/19</a:t>
             </a:fld>
             <a:endParaRPr lang="zh-CN" altLang="en-US"/>
           </a:p>
@@ -4136,7 +4137,7 @@
           <a:p>
             <a:fld id="{AD8B3968-3313-4141-86A3-A13F50CDB1A3}" type="datetimeFigureOut">
               <a:rPr lang="zh-CN" altLang="en-US" smtClean="0"/>
-              <a:t>2023/4/18</a:t>
+              <a:t>2023/4/19</a:t>
             </a:fld>
             <a:endParaRPr lang="zh-CN" altLang="en-US"/>
           </a:p>
@@ -4249,7 +4250,7 @@
           <a:p>
             <a:fld id="{AD8B3968-3313-4141-86A3-A13F50CDB1A3}" type="datetimeFigureOut">
               <a:rPr lang="zh-CN" altLang="en-US" smtClean="0"/>
-              <a:t>2023/4/18</a:t>
+              <a:t>2023/4/19</a:t>
             </a:fld>
             <a:endParaRPr lang="zh-CN" altLang="en-US"/>
           </a:p>
@@ -4560,7 +4561,7 @@
           <a:p>
             <a:fld id="{AD8B3968-3313-4141-86A3-A13F50CDB1A3}" type="datetimeFigureOut">
               <a:rPr lang="zh-CN" altLang="en-US" smtClean="0"/>
-              <a:t>2023/4/18</a:t>
+              <a:t>2023/4/19</a:t>
             </a:fld>
             <a:endParaRPr lang="zh-CN" altLang="en-US"/>
           </a:p>
@@ -4848,7 +4849,7 @@
           <a:p>
             <a:fld id="{AD8B3968-3313-4141-86A3-A13F50CDB1A3}" type="datetimeFigureOut">
               <a:rPr lang="zh-CN" altLang="en-US" smtClean="0"/>
-              <a:t>2023/4/18</a:t>
+              <a:t>2023/4/19</a:t>
             </a:fld>
             <a:endParaRPr lang="zh-CN" altLang="en-US"/>
           </a:p>
@@ -5089,7 +5090,7 @@
           <a:p>
             <a:fld id="{AD8B3968-3313-4141-86A3-A13F50CDB1A3}" type="datetimeFigureOut">
               <a:rPr lang="zh-CN" altLang="en-US" smtClean="0"/>
-              <a:t>2023/4/18</a:t>
+              <a:t>2023/4/19</a:t>
             </a:fld>
             <a:endParaRPr lang="zh-CN" altLang="en-US"/>
           </a:p>
@@ -25555,6 +25556,164 @@
 </p:sld>
 </file>
 
+<file path=ppt/slides/slide43.xml><?xml version="1.0" encoding="utf-8"?>
+<p:sld xmlns:a="http://schemas.openxmlformats.org/drawingml/2006/main" xmlns:r="http://schemas.openxmlformats.org/officeDocument/2006/relationships" xmlns:p="http://schemas.openxmlformats.org/presentationml/2006/main">
+  <p:cSld>
+    <p:spTree>
+      <p:nvGrpSpPr>
+        <p:cNvPr id="1" name=""/>
+        <p:cNvGrpSpPr/>
+        <p:nvPr/>
+      </p:nvGrpSpPr>
+      <p:grpSpPr>
+        <a:xfrm>
+          <a:off x="0" y="0"/>
+          <a:ext cx="0" cy="0"/>
+          <a:chOff x="0" y="0"/>
+          <a:chExt cx="0" cy="0"/>
+        </a:xfrm>
+      </p:grpSpPr>
+      <p:sp>
+        <p:nvSpPr>
+          <p:cNvPr id="2" name="文本框 1">
+            <a:extLst>
+              <a:ext uri="{FF2B5EF4-FFF2-40B4-BE49-F238E27FC236}">
+                <a16:creationId xmlns:a16="http://schemas.microsoft.com/office/drawing/2014/main" id="{345191CC-47E7-4048-B486-F1C3C78CB0D3}"/>
+              </a:ext>
+            </a:extLst>
+          </p:cNvPr>
+          <p:cNvSpPr txBox="1"/>
+          <p:nvPr/>
+        </p:nvSpPr>
+        <p:spPr>
+          <a:xfrm>
+            <a:off x="864636" y="665584"/>
+            <a:ext cx="7271657" cy="2585323"/>
+          </a:xfrm>
+          <a:prstGeom prst="rect">
+            <a:avLst/>
+          </a:prstGeom>
+          <a:noFill/>
+        </p:spPr>
+        <p:txBody>
+          <a:bodyPr wrap="square" rtlCol="0">
+            <a:spAutoFit/>
+          </a:bodyPr>
+          <a:lstStyle/>
+          <a:p>
+            <a:r>
+              <a:rPr lang="en-US" altLang="zh-CN" dirty="0"/>
+              <a:t>OVS</a:t>
+            </a:r>
+            <a:r>
+              <a:rPr lang="zh-CN" altLang="en-US" dirty="0"/>
+              <a:t>测试</a:t>
+            </a:r>
+            <a:endParaRPr lang="en-US" altLang="zh-CN" dirty="0"/>
+          </a:p>
+          <a:p>
+            <a:r>
+              <a:rPr lang="zh-CN" altLang="en-US" dirty="0"/>
+              <a:t>算法部署，如何将相关的算法实现在真实终端、如何统计</a:t>
+            </a:r>
+            <a:r>
+              <a:rPr lang="en-US" altLang="zh-CN" dirty="0"/>
+              <a:t>RTT</a:t>
+            </a:r>
+          </a:p>
+          <a:p>
+            <a:r>
+              <a:rPr lang="zh-CN" altLang="en-US" dirty="0"/>
+              <a:t>协议部署，搭建的网络部署哪儿些协议，是否包括</a:t>
+            </a:r>
+            <a:r>
+              <a:rPr lang="en-US" altLang="zh-CN" dirty="0"/>
+              <a:t>ECN</a:t>
+            </a:r>
+            <a:r>
+              <a:rPr lang="zh-CN" altLang="en-US" dirty="0"/>
+              <a:t>，</a:t>
+            </a:r>
+            <a:r>
+              <a:rPr lang="en-US" altLang="zh-CN" dirty="0"/>
+              <a:t>PFC</a:t>
+            </a:r>
+            <a:r>
+              <a:rPr lang="zh-CN" altLang="en-US" dirty="0"/>
+              <a:t>等</a:t>
+            </a:r>
+            <a:endParaRPr lang="en-US" altLang="zh-CN" dirty="0"/>
+          </a:p>
+          <a:p>
+            <a:r>
+              <a:rPr lang="zh-CN" altLang="en-US" dirty="0"/>
+              <a:t>拓扑：网络拓扑形式</a:t>
+            </a:r>
+            <a:endParaRPr lang="en-US" altLang="zh-CN" dirty="0"/>
+          </a:p>
+          <a:p>
+            <a:r>
+              <a:rPr lang="zh-CN" altLang="en-US" dirty="0"/>
+              <a:t>怎么发送流：流大小、种类、发送时间、发送方接收方</a:t>
+            </a:r>
+            <a:endParaRPr lang="en-US" altLang="zh-CN" dirty="0"/>
+          </a:p>
+          <a:p>
+            <a:r>
+              <a:rPr lang="zh-CN" altLang="en-US" dirty="0"/>
+              <a:t>拥塞控制效果统计</a:t>
+            </a:r>
+            <a:r>
+              <a:rPr lang="en-US" altLang="zh-CN" dirty="0"/>
+              <a:t>:</a:t>
+            </a:r>
+            <a:r>
+              <a:rPr lang="zh-CN" altLang="en-US" dirty="0"/>
+              <a:t>吞吐量（平均发送速率），</a:t>
+            </a:r>
+            <a:r>
+              <a:rPr lang="en-US" altLang="zh-CN" dirty="0"/>
+              <a:t>FCT</a:t>
+            </a:r>
+            <a:r>
+              <a:rPr lang="zh-CN" altLang="en-US" dirty="0"/>
+              <a:t>流完成时间，</a:t>
+            </a:r>
+            <a:r>
+              <a:rPr lang="en-US" altLang="zh-CN" dirty="0"/>
+              <a:t>RTT</a:t>
+            </a:r>
+            <a:r>
+              <a:rPr lang="zh-CN" altLang="en-US" dirty="0"/>
+              <a:t>数据包往返时延，</a:t>
+            </a:r>
+            <a:endParaRPr lang="en-US" altLang="zh-CN" dirty="0"/>
+          </a:p>
+          <a:p>
+            <a:r>
+              <a:rPr lang="zh-CN" altLang="en-US" dirty="0"/>
+              <a:t>是否比较效果：需要实现其他拥塞控制算法</a:t>
+            </a:r>
+            <a:endParaRPr lang="en-US" altLang="zh-CN" dirty="0"/>
+          </a:p>
+          <a:p>
+            <a:endParaRPr lang="zh-CN" altLang="en-US" dirty="0"/>
+          </a:p>
+        </p:txBody>
+      </p:sp>
+    </p:spTree>
+    <p:extLst>
+      <p:ext uri="{BB962C8B-B14F-4D97-AF65-F5344CB8AC3E}">
+        <p14:creationId xmlns:p14="http://schemas.microsoft.com/office/powerpoint/2010/main" val="406048135"/>
+      </p:ext>
+    </p:extLst>
+  </p:cSld>
+  <p:clrMapOvr>
+    <a:masterClrMapping/>
+  </p:clrMapOvr>
+</p:sld>
+</file>
+
 <file path=ppt/slides/slide5.xml><?xml version="1.0" encoding="utf-8"?>
 <p:sld xmlns:a="http://schemas.openxmlformats.org/drawingml/2006/main" xmlns:r="http://schemas.openxmlformats.org/officeDocument/2006/relationships" xmlns:p="http://schemas.openxmlformats.org/presentationml/2006/main">
   <p:cSld>

--- a/paper/毕设思路 [自动保存的] [自动保存的].pptx
+++ b/paper/毕设思路 [自动保存的] [自动保存的].pptx
@@ -26,28 +26,29 @@
     <p:sldId id="272" r:id="rId20"/>
     <p:sldId id="273" r:id="rId21"/>
     <p:sldId id="274" r:id="rId22"/>
-    <p:sldId id="275" r:id="rId23"/>
-    <p:sldId id="276" r:id="rId24"/>
-    <p:sldId id="279" r:id="rId25"/>
-    <p:sldId id="277" r:id="rId26"/>
-    <p:sldId id="280" r:id="rId27"/>
-    <p:sldId id="283" r:id="rId28"/>
-    <p:sldId id="284" r:id="rId29"/>
-    <p:sldId id="285" r:id="rId30"/>
-    <p:sldId id="286" r:id="rId31"/>
-    <p:sldId id="287" r:id="rId32"/>
-    <p:sldId id="288" r:id="rId33"/>
-    <p:sldId id="289" r:id="rId34"/>
-    <p:sldId id="290" r:id="rId35"/>
-    <p:sldId id="291" r:id="rId36"/>
-    <p:sldId id="292" r:id="rId37"/>
-    <p:sldId id="293" r:id="rId38"/>
-    <p:sldId id="294" r:id="rId39"/>
-    <p:sldId id="295" r:id="rId40"/>
-    <p:sldId id="296" r:id="rId41"/>
-    <p:sldId id="297" r:id="rId42"/>
-    <p:sldId id="298" r:id="rId43"/>
-    <p:sldId id="299" r:id="rId44"/>
+    <p:sldId id="300" r:id="rId23"/>
+    <p:sldId id="275" r:id="rId24"/>
+    <p:sldId id="276" r:id="rId25"/>
+    <p:sldId id="279" r:id="rId26"/>
+    <p:sldId id="277" r:id="rId27"/>
+    <p:sldId id="280" r:id="rId28"/>
+    <p:sldId id="283" r:id="rId29"/>
+    <p:sldId id="284" r:id="rId30"/>
+    <p:sldId id="285" r:id="rId31"/>
+    <p:sldId id="286" r:id="rId32"/>
+    <p:sldId id="287" r:id="rId33"/>
+    <p:sldId id="288" r:id="rId34"/>
+    <p:sldId id="289" r:id="rId35"/>
+    <p:sldId id="290" r:id="rId36"/>
+    <p:sldId id="291" r:id="rId37"/>
+    <p:sldId id="292" r:id="rId38"/>
+    <p:sldId id="293" r:id="rId39"/>
+    <p:sldId id="294" r:id="rId40"/>
+    <p:sldId id="295" r:id="rId41"/>
+    <p:sldId id="296" r:id="rId42"/>
+    <p:sldId id="297" r:id="rId43"/>
+    <p:sldId id="298" r:id="rId44"/>
+    <p:sldId id="299" r:id="rId45"/>
   </p:sldIdLst>
   <p:sldSz cx="12192000" cy="6858000"/>
   <p:notesSz cx="6858000" cy="9144000"/>
@@ -11660,6 +11661,92 @@
           <a:chExt cx="0" cy="0"/>
         </a:xfrm>
       </p:grpSpPr>
+      <p:sp>
+        <p:nvSpPr>
+          <p:cNvPr id="3" name="文本框 2">
+            <a:extLst>
+              <a:ext uri="{FF2B5EF4-FFF2-40B4-BE49-F238E27FC236}">
+                <a16:creationId xmlns:a16="http://schemas.microsoft.com/office/drawing/2014/main" id="{0E4AD23A-C9B7-4532-ADBA-2BF7E84BBEF8}"/>
+              </a:ext>
+            </a:extLst>
+          </p:cNvPr>
+          <p:cNvSpPr txBox="1"/>
+          <p:nvPr/>
+        </p:nvSpPr>
+        <p:spPr>
+          <a:xfrm>
+            <a:off x="311020" y="743635"/>
+            <a:ext cx="6096000" cy="646331"/>
+          </a:xfrm>
+          <a:prstGeom prst="rect">
+            <a:avLst/>
+          </a:prstGeom>
+          <a:noFill/>
+        </p:spPr>
+        <p:txBody>
+          <a:bodyPr wrap="square">
+            <a:spAutoFit/>
+          </a:bodyPr>
+          <a:lstStyle/>
+          <a:p>
+            <a:r>
+              <a:rPr lang="zh-CN" altLang="en-US" dirty="0">
+                <a:hlinkClick r:id="rId2"/>
+              </a:rPr>
+              <a:t>基于</a:t>
+            </a:r>
+            <a:r>
+              <a:rPr lang="en-US" altLang="zh-CN" dirty="0">
+                <a:hlinkClick r:id="rId2"/>
+              </a:rPr>
+              <a:t>HPCC</a:t>
+            </a:r>
+            <a:r>
+              <a:rPr lang="zh-CN" altLang="en-US" dirty="0">
+                <a:hlinkClick r:id="rId2"/>
+              </a:rPr>
+              <a:t>平台的其他算法</a:t>
+            </a:r>
+            <a:r>
+              <a:rPr lang="en-US" altLang="zh-CN" dirty="0">
+                <a:hlinkClick r:id="rId2"/>
+              </a:rPr>
+              <a:t>Clark5/Poseidon at b7b19ff45e085ce3c808f13f486e236d9144a988 (github.com)</a:t>
+            </a:r>
+            <a:endParaRPr lang="zh-CN" altLang="en-US" dirty="0"/>
+          </a:p>
+        </p:txBody>
+      </p:sp>
+    </p:spTree>
+    <p:extLst>
+      <p:ext uri="{BB962C8B-B14F-4D97-AF65-F5344CB8AC3E}">
+        <p14:creationId xmlns:p14="http://schemas.microsoft.com/office/powerpoint/2010/main" val="495682510"/>
+      </p:ext>
+    </p:extLst>
+  </p:cSld>
+  <p:clrMapOvr>
+    <a:masterClrMapping/>
+  </p:clrMapOvr>
+</p:sld>
+</file>
+
+<file path=ppt/slides/slide23.xml><?xml version="1.0" encoding="utf-8"?>
+<p:sld xmlns:a="http://schemas.openxmlformats.org/drawingml/2006/main" xmlns:r="http://schemas.openxmlformats.org/officeDocument/2006/relationships" xmlns:p="http://schemas.openxmlformats.org/presentationml/2006/main">
+  <p:cSld>
+    <p:spTree>
+      <p:nvGrpSpPr>
+        <p:cNvPr id="1" name=""/>
+        <p:cNvGrpSpPr/>
+        <p:nvPr/>
+      </p:nvGrpSpPr>
+      <p:grpSpPr>
+        <a:xfrm>
+          <a:off x="0" y="0"/>
+          <a:ext cx="0" cy="0"/>
+          <a:chOff x="0" y="0"/>
+          <a:chExt cx="0" cy="0"/>
+        </a:xfrm>
+      </p:grpSpPr>
       <p:pic>
         <p:nvPicPr>
           <p:cNvPr id="2" name="图片 1">
@@ -11987,7 +12074,7 @@
 </p:sld>
 </file>
 
-<file path=ppt/slides/slide23.xml><?xml version="1.0" encoding="utf-8"?>
+<file path=ppt/slides/slide24.xml><?xml version="1.0" encoding="utf-8"?>
 <p:sld xmlns:a="http://schemas.openxmlformats.org/drawingml/2006/main" xmlns:r="http://schemas.openxmlformats.org/officeDocument/2006/relationships" xmlns:p="http://schemas.openxmlformats.org/presentationml/2006/main">
   <p:cSld>
     <p:spTree>
@@ -12415,7 +12502,7 @@
 </p:sld>
 </file>
 
-<file path=ppt/slides/slide24.xml><?xml version="1.0" encoding="utf-8"?>
+<file path=ppt/slides/slide25.xml><?xml version="1.0" encoding="utf-8"?>
 <p:sld xmlns:a="http://schemas.openxmlformats.org/drawingml/2006/main" xmlns:r="http://schemas.openxmlformats.org/officeDocument/2006/relationships" xmlns:p="http://schemas.openxmlformats.org/presentationml/2006/main">
   <p:cSld>
     <p:spTree>
@@ -12561,7 +12648,7 @@
 </p:sld>
 </file>
 
-<file path=ppt/slides/slide25.xml><?xml version="1.0" encoding="utf-8"?>
+<file path=ppt/slides/slide26.xml><?xml version="1.0" encoding="utf-8"?>
 <p:sld xmlns:a="http://schemas.openxmlformats.org/drawingml/2006/main" xmlns:r="http://schemas.openxmlformats.org/officeDocument/2006/relationships" xmlns:p="http://schemas.openxmlformats.org/presentationml/2006/main">
   <p:cSld>
     <p:spTree>
@@ -13199,7 +13286,7 @@
 </p:sld>
 </file>
 
-<file path=ppt/slides/slide26.xml><?xml version="1.0" encoding="utf-8"?>
+<file path=ppt/slides/slide27.xml><?xml version="1.0" encoding="utf-8"?>
 <p:sld xmlns:a="http://schemas.openxmlformats.org/drawingml/2006/main" xmlns:r="http://schemas.openxmlformats.org/officeDocument/2006/relationships" xmlns:p="http://schemas.openxmlformats.org/presentationml/2006/main">
   <p:cSld>
     <p:spTree>
@@ -13375,7 +13462,7 @@
 </p:sld>
 </file>
 
-<file path=ppt/slides/slide27.xml><?xml version="1.0" encoding="utf-8"?>
+<file path=ppt/slides/slide28.xml><?xml version="1.0" encoding="utf-8"?>
 <p:sld xmlns:a="http://schemas.openxmlformats.org/drawingml/2006/main" xmlns:r="http://schemas.openxmlformats.org/officeDocument/2006/relationships" xmlns:p="http://schemas.openxmlformats.org/presentationml/2006/main">
   <p:cSld>
     <p:spTree>
@@ -13843,7 +13930,7 @@
 </p:sld>
 </file>
 
-<file path=ppt/slides/slide28.xml><?xml version="1.0" encoding="utf-8"?>
+<file path=ppt/slides/slide29.xml><?xml version="1.0" encoding="utf-8"?>
 <p:sld xmlns:a="http://schemas.openxmlformats.org/drawingml/2006/main" xmlns:r="http://schemas.openxmlformats.org/officeDocument/2006/relationships" xmlns:p="http://schemas.openxmlformats.org/presentationml/2006/main">
   <p:cSld>
     <p:spTree>
@@ -14259,323 +14346,6 @@
     <p:extLst>
       <p:ext uri="{BB962C8B-B14F-4D97-AF65-F5344CB8AC3E}">
         <p14:creationId xmlns:p14="http://schemas.microsoft.com/office/powerpoint/2010/main" val="1012977599"/>
-      </p:ext>
-    </p:extLst>
-  </p:cSld>
-  <p:clrMapOvr>
-    <a:masterClrMapping/>
-  </p:clrMapOvr>
-</p:sld>
-</file>
-
-<file path=ppt/slides/slide29.xml><?xml version="1.0" encoding="utf-8"?>
-<p:sld xmlns:a="http://schemas.openxmlformats.org/drawingml/2006/main" xmlns:r="http://schemas.openxmlformats.org/officeDocument/2006/relationships" xmlns:p="http://schemas.openxmlformats.org/presentationml/2006/main">
-  <p:cSld>
-    <p:spTree>
-      <p:nvGrpSpPr>
-        <p:cNvPr id="1" name=""/>
-        <p:cNvGrpSpPr/>
-        <p:nvPr/>
-      </p:nvGrpSpPr>
-      <p:grpSpPr>
-        <a:xfrm>
-          <a:off x="0" y="0"/>
-          <a:ext cx="0" cy="0"/>
-          <a:chOff x="0" y="0"/>
-          <a:chExt cx="0" cy="0"/>
-        </a:xfrm>
-      </p:grpSpPr>
-      <p:sp>
-        <p:nvSpPr>
-          <p:cNvPr id="2" name="文本框 1">
-            <a:extLst>
-              <a:ext uri="{FF2B5EF4-FFF2-40B4-BE49-F238E27FC236}">
-                <a16:creationId xmlns:a16="http://schemas.microsoft.com/office/drawing/2014/main" id="{5E28776B-AEE9-4649-B6A2-CC68BD134FC0}"/>
-              </a:ext>
-            </a:extLst>
-          </p:cNvPr>
-          <p:cNvSpPr txBox="1"/>
-          <p:nvPr/>
-        </p:nvSpPr>
-        <p:spPr>
-          <a:xfrm>
-            <a:off x="1051249" y="447869"/>
-            <a:ext cx="8876522" cy="646331"/>
-          </a:xfrm>
-          <a:prstGeom prst="rect">
-            <a:avLst/>
-          </a:prstGeom>
-          <a:noFill/>
-        </p:spPr>
-        <p:txBody>
-          <a:bodyPr wrap="square" rtlCol="0">
-            <a:spAutoFit/>
-          </a:bodyPr>
-          <a:lstStyle/>
-          <a:p>
-            <a:r>
-              <a:rPr lang="en-US" altLang="zh-CN" dirty="0"/>
-              <a:t>2</a:t>
-            </a:r>
-            <a:r>
-              <a:rPr lang="zh-CN" altLang="en-US" dirty="0"/>
-              <a:t>针对于预测网络模型上，我们选取了适中大小神经网络，一共有两层，第一层为</a:t>
-            </a:r>
-            <a:r>
-              <a:rPr lang="en-US" altLang="zh-CN" dirty="0"/>
-              <a:t>LSTM</a:t>
-            </a:r>
-            <a:r>
-              <a:rPr lang="zh-CN" altLang="en-US" dirty="0"/>
-              <a:t>，一共三个</a:t>
-            </a:r>
-            <a:r>
-              <a:rPr lang="en-US" altLang="zh-CN" dirty="0" err="1"/>
-              <a:t>LSTMcell</a:t>
-            </a:r>
-            <a:r>
-              <a:rPr lang="zh-CN" altLang="en-US" dirty="0"/>
-              <a:t>，第二层为</a:t>
-            </a:r>
-            <a:r>
-              <a:rPr lang="en-US" altLang="zh-CN" dirty="0"/>
-              <a:t>Linear</a:t>
-            </a:r>
-            <a:endParaRPr lang="zh-CN" altLang="en-US" dirty="0"/>
-          </a:p>
-        </p:txBody>
-      </p:sp>
-      <p:sp>
-        <p:nvSpPr>
-          <p:cNvPr id="3" name="文本框 2">
-            <a:extLst>
-              <a:ext uri="{FF2B5EF4-FFF2-40B4-BE49-F238E27FC236}">
-                <a16:creationId xmlns:a16="http://schemas.microsoft.com/office/drawing/2014/main" id="{19B12629-FC87-4863-A21B-BDEDB2E7EDF1}"/>
-              </a:ext>
-            </a:extLst>
-          </p:cNvPr>
-          <p:cNvSpPr txBox="1"/>
-          <p:nvPr/>
-        </p:nvSpPr>
-        <p:spPr>
-          <a:xfrm>
-            <a:off x="1125894" y="1418253"/>
-            <a:ext cx="7333861" cy="1200329"/>
-          </a:xfrm>
-          <a:prstGeom prst="rect">
-            <a:avLst/>
-          </a:prstGeom>
-          <a:noFill/>
-        </p:spPr>
-        <p:txBody>
-          <a:bodyPr wrap="square" rtlCol="0">
-            <a:spAutoFit/>
-          </a:bodyPr>
-          <a:lstStyle/>
-          <a:p>
-            <a:r>
-              <a:rPr lang="zh-CN" altLang="en-US" dirty="0"/>
-              <a:t>训练：通过</a:t>
-            </a:r>
-            <a:r>
-              <a:rPr lang="en-US" altLang="zh-CN" dirty="0"/>
-              <a:t>ns3</a:t>
-            </a:r>
-            <a:r>
-              <a:rPr lang="zh-CN" altLang="en-US" dirty="0"/>
-              <a:t>仿真平台调用</a:t>
-            </a:r>
-            <a:r>
-              <a:rPr lang="en-US" altLang="zh-CN" dirty="0"/>
-              <a:t>timely</a:t>
-            </a:r>
-            <a:r>
-              <a:rPr lang="zh-CN" altLang="en-US" dirty="0"/>
-              <a:t>算法的获取</a:t>
-            </a:r>
-            <a:r>
-              <a:rPr lang="en-US" altLang="zh-CN" dirty="0" err="1"/>
-              <a:t>rtt</a:t>
-            </a:r>
-            <a:r>
-              <a:rPr lang="zh-CN" altLang="en-US" dirty="0"/>
-              <a:t>数据，经处理后大概有</a:t>
-            </a:r>
-            <a:r>
-              <a:rPr lang="en-US" altLang="zh-CN" dirty="0"/>
-              <a:t>10000</a:t>
-            </a:r>
-            <a:r>
-              <a:rPr lang="zh-CN" altLang="en-US" dirty="0"/>
-              <a:t>个，将后</a:t>
-            </a:r>
-            <a:r>
-              <a:rPr lang="en-US" altLang="zh-CN" dirty="0"/>
-              <a:t>2000</a:t>
-            </a:r>
-            <a:r>
-              <a:rPr lang="zh-CN" altLang="en-US" dirty="0"/>
-              <a:t>个数据作为测试，其余用于训练，</a:t>
-            </a:r>
-            <a:r>
-              <a:rPr lang="en-US" altLang="zh-CN" dirty="0"/>
-              <a:t>MAPE</a:t>
-            </a:r>
-            <a:r>
-              <a:rPr lang="zh-CN" altLang="en-US" dirty="0"/>
-              <a:t>指标如下</a:t>
-            </a:r>
-            <a:endParaRPr lang="en-US" altLang="zh-CN" dirty="0"/>
-          </a:p>
-          <a:p>
-            <a:r>
-              <a:rPr lang="en-US" altLang="zh-CN" dirty="0"/>
-              <a:t>tensor(0.0461) </a:t>
-            </a:r>
-            <a:r>
-              <a:rPr lang="zh-CN" altLang="en-US" dirty="0"/>
-              <a:t>训练集预测准确度</a:t>
-            </a:r>
-            <a:r>
-              <a:rPr lang="en-US" altLang="zh-CN" dirty="0"/>
-              <a:t>95.39%</a:t>
-            </a:r>
-            <a:br>
-              <a:rPr lang="en-US" altLang="zh-CN" dirty="0"/>
-            </a:br>
-            <a:r>
-              <a:rPr lang="en-US" altLang="zh-CN" dirty="0"/>
-              <a:t>tensor(0.0911)</a:t>
-            </a:r>
-            <a:r>
-              <a:rPr lang="zh-CN" altLang="en-US" dirty="0"/>
-              <a:t>测试集预测准确度</a:t>
-            </a:r>
-            <a:r>
-              <a:rPr lang="en-US" altLang="zh-CN" dirty="0"/>
-              <a:t>90.89%</a:t>
-            </a:r>
-            <a:endParaRPr lang="zh-CN" altLang="en-US" dirty="0"/>
-          </a:p>
-        </p:txBody>
-      </p:sp>
-      <p:pic>
-        <p:nvPicPr>
-          <p:cNvPr id="7" name="图片 6">
-            <a:extLst>
-              <a:ext uri="{FF2B5EF4-FFF2-40B4-BE49-F238E27FC236}">
-                <a16:creationId xmlns:a16="http://schemas.microsoft.com/office/drawing/2014/main" id="{6DF8DF58-6913-43B2-9753-11EDF6724411}"/>
-              </a:ext>
-            </a:extLst>
-          </p:cNvPr>
-          <p:cNvPicPr>
-            <a:picLocks noChangeAspect="1"/>
-          </p:cNvPicPr>
-          <p:nvPr/>
-        </p:nvPicPr>
-        <p:blipFill>
-          <a:blip r:embed="rId2"/>
-          <a:stretch>
-            <a:fillRect/>
-          </a:stretch>
-        </p:blipFill>
-        <p:spPr>
-          <a:xfrm>
-            <a:off x="536578" y="2848174"/>
-            <a:ext cx="5185424" cy="3280697"/>
-          </a:xfrm>
-          <a:prstGeom prst="rect">
-            <a:avLst/>
-          </a:prstGeom>
-        </p:spPr>
-      </p:pic>
-      <p:pic>
-        <p:nvPicPr>
-          <p:cNvPr id="9" name="图片 8">
-            <a:extLst>
-              <a:ext uri="{FF2B5EF4-FFF2-40B4-BE49-F238E27FC236}">
-                <a16:creationId xmlns:a16="http://schemas.microsoft.com/office/drawing/2014/main" id="{7327031D-DA18-4ADB-B63B-D1A8D203D025}"/>
-              </a:ext>
-            </a:extLst>
-          </p:cNvPr>
-          <p:cNvPicPr>
-            <a:picLocks noChangeAspect="1"/>
-          </p:cNvPicPr>
-          <p:nvPr/>
-        </p:nvPicPr>
-        <p:blipFill>
-          <a:blip r:embed="rId3"/>
-          <a:stretch>
-            <a:fillRect/>
-          </a:stretch>
-        </p:blipFill>
-        <p:spPr>
-          <a:xfrm>
-            <a:off x="6222031" y="2873054"/>
-            <a:ext cx="5185424" cy="3280697"/>
-          </a:xfrm>
-          <a:prstGeom prst="rect">
-            <a:avLst/>
-          </a:prstGeom>
-        </p:spPr>
-      </p:pic>
-      <p:sp>
-        <p:nvSpPr>
-          <p:cNvPr id="8" name="文本框 7">
-            <a:extLst>
-              <a:ext uri="{FF2B5EF4-FFF2-40B4-BE49-F238E27FC236}">
-                <a16:creationId xmlns:a16="http://schemas.microsoft.com/office/drawing/2014/main" id="{3B1E75F5-1A08-4473-A699-ABE52AEB8831}"/>
-              </a:ext>
-            </a:extLst>
-          </p:cNvPr>
-          <p:cNvSpPr txBox="1"/>
-          <p:nvPr/>
-        </p:nvSpPr>
-        <p:spPr>
-          <a:xfrm>
-            <a:off x="6222031" y="2017177"/>
-            <a:ext cx="6077339" cy="830997"/>
-          </a:xfrm>
-          <a:prstGeom prst="rect">
-            <a:avLst/>
-          </a:prstGeom>
-          <a:noFill/>
-        </p:spPr>
-        <p:txBody>
-          <a:bodyPr wrap="square">
-            <a:spAutoFit/>
-          </a:bodyPr>
-          <a:lstStyle/>
-          <a:p>
-            <a:r>
-              <a:rPr lang="zh-CN" altLang="en-US" sz="1200" dirty="0"/>
-              <a:t>model(</a:t>
-            </a:r>
-          </a:p>
-          <a:p>
-            <a:r>
-              <a:rPr lang="zh-CN" altLang="en-US" sz="1200" dirty="0"/>
-              <a:t>  (lstm): LSTM(1, 32, batch_first=True)</a:t>
-            </a:r>
-          </a:p>
-          <a:p>
-            <a:r>
-              <a:rPr lang="zh-CN" altLang="en-US" sz="1200" dirty="0"/>
-              <a:t>  (linear0): Linear(in_features=32, out_features=1, bias=True)</a:t>
-            </a:r>
-          </a:p>
-          <a:p>
-            <a:r>
-              <a:rPr lang="zh-CN" altLang="en-US" sz="1200" dirty="0"/>
-              <a:t>)</a:t>
-            </a:r>
-          </a:p>
-        </p:txBody>
-      </p:sp>
-    </p:spTree>
-    <p:extLst>
-      <p:ext uri="{BB962C8B-B14F-4D97-AF65-F5344CB8AC3E}">
-        <p14:creationId xmlns:p14="http://schemas.microsoft.com/office/powerpoint/2010/main" val="1850399426"/>
       </p:ext>
     </p:extLst>
   </p:cSld>
@@ -14768,6 +14538,323 @@
           <p:cNvPr id="2" name="文本框 1">
             <a:extLst>
               <a:ext uri="{FF2B5EF4-FFF2-40B4-BE49-F238E27FC236}">
+                <a16:creationId xmlns:a16="http://schemas.microsoft.com/office/drawing/2014/main" id="{5E28776B-AEE9-4649-B6A2-CC68BD134FC0}"/>
+              </a:ext>
+            </a:extLst>
+          </p:cNvPr>
+          <p:cNvSpPr txBox="1"/>
+          <p:nvPr/>
+        </p:nvSpPr>
+        <p:spPr>
+          <a:xfrm>
+            <a:off x="1051249" y="447869"/>
+            <a:ext cx="8876522" cy="646331"/>
+          </a:xfrm>
+          <a:prstGeom prst="rect">
+            <a:avLst/>
+          </a:prstGeom>
+          <a:noFill/>
+        </p:spPr>
+        <p:txBody>
+          <a:bodyPr wrap="square" rtlCol="0">
+            <a:spAutoFit/>
+          </a:bodyPr>
+          <a:lstStyle/>
+          <a:p>
+            <a:r>
+              <a:rPr lang="en-US" altLang="zh-CN" dirty="0"/>
+              <a:t>2</a:t>
+            </a:r>
+            <a:r>
+              <a:rPr lang="zh-CN" altLang="en-US" dirty="0"/>
+              <a:t>针对于预测网络模型上，我们选取了适中大小神经网络，一共有两层，第一层为</a:t>
+            </a:r>
+            <a:r>
+              <a:rPr lang="en-US" altLang="zh-CN" dirty="0"/>
+              <a:t>LSTM</a:t>
+            </a:r>
+            <a:r>
+              <a:rPr lang="zh-CN" altLang="en-US" dirty="0"/>
+              <a:t>，一共三个</a:t>
+            </a:r>
+            <a:r>
+              <a:rPr lang="en-US" altLang="zh-CN" dirty="0" err="1"/>
+              <a:t>LSTMcell</a:t>
+            </a:r>
+            <a:r>
+              <a:rPr lang="zh-CN" altLang="en-US" dirty="0"/>
+              <a:t>，第二层为</a:t>
+            </a:r>
+            <a:r>
+              <a:rPr lang="en-US" altLang="zh-CN" dirty="0"/>
+              <a:t>Linear</a:t>
+            </a:r>
+            <a:endParaRPr lang="zh-CN" altLang="en-US" dirty="0"/>
+          </a:p>
+        </p:txBody>
+      </p:sp>
+      <p:sp>
+        <p:nvSpPr>
+          <p:cNvPr id="3" name="文本框 2">
+            <a:extLst>
+              <a:ext uri="{FF2B5EF4-FFF2-40B4-BE49-F238E27FC236}">
+                <a16:creationId xmlns:a16="http://schemas.microsoft.com/office/drawing/2014/main" id="{19B12629-FC87-4863-A21B-BDEDB2E7EDF1}"/>
+              </a:ext>
+            </a:extLst>
+          </p:cNvPr>
+          <p:cNvSpPr txBox="1"/>
+          <p:nvPr/>
+        </p:nvSpPr>
+        <p:spPr>
+          <a:xfrm>
+            <a:off x="1125894" y="1418253"/>
+            <a:ext cx="7333861" cy="1200329"/>
+          </a:xfrm>
+          <a:prstGeom prst="rect">
+            <a:avLst/>
+          </a:prstGeom>
+          <a:noFill/>
+        </p:spPr>
+        <p:txBody>
+          <a:bodyPr wrap="square" rtlCol="0">
+            <a:spAutoFit/>
+          </a:bodyPr>
+          <a:lstStyle/>
+          <a:p>
+            <a:r>
+              <a:rPr lang="zh-CN" altLang="en-US" dirty="0"/>
+              <a:t>训练：通过</a:t>
+            </a:r>
+            <a:r>
+              <a:rPr lang="en-US" altLang="zh-CN" dirty="0"/>
+              <a:t>ns3</a:t>
+            </a:r>
+            <a:r>
+              <a:rPr lang="zh-CN" altLang="en-US" dirty="0"/>
+              <a:t>仿真平台调用</a:t>
+            </a:r>
+            <a:r>
+              <a:rPr lang="en-US" altLang="zh-CN" dirty="0"/>
+              <a:t>timely</a:t>
+            </a:r>
+            <a:r>
+              <a:rPr lang="zh-CN" altLang="en-US" dirty="0"/>
+              <a:t>算法的获取</a:t>
+            </a:r>
+            <a:r>
+              <a:rPr lang="en-US" altLang="zh-CN" dirty="0" err="1"/>
+              <a:t>rtt</a:t>
+            </a:r>
+            <a:r>
+              <a:rPr lang="zh-CN" altLang="en-US" dirty="0"/>
+              <a:t>数据，经处理后大概有</a:t>
+            </a:r>
+            <a:r>
+              <a:rPr lang="en-US" altLang="zh-CN" dirty="0"/>
+              <a:t>10000</a:t>
+            </a:r>
+            <a:r>
+              <a:rPr lang="zh-CN" altLang="en-US" dirty="0"/>
+              <a:t>个，将后</a:t>
+            </a:r>
+            <a:r>
+              <a:rPr lang="en-US" altLang="zh-CN" dirty="0"/>
+              <a:t>2000</a:t>
+            </a:r>
+            <a:r>
+              <a:rPr lang="zh-CN" altLang="en-US" dirty="0"/>
+              <a:t>个数据作为测试，其余用于训练，</a:t>
+            </a:r>
+            <a:r>
+              <a:rPr lang="en-US" altLang="zh-CN" dirty="0"/>
+              <a:t>MAPE</a:t>
+            </a:r>
+            <a:r>
+              <a:rPr lang="zh-CN" altLang="en-US" dirty="0"/>
+              <a:t>指标如下</a:t>
+            </a:r>
+            <a:endParaRPr lang="en-US" altLang="zh-CN" dirty="0"/>
+          </a:p>
+          <a:p>
+            <a:r>
+              <a:rPr lang="en-US" altLang="zh-CN" dirty="0"/>
+              <a:t>tensor(0.0461) </a:t>
+            </a:r>
+            <a:r>
+              <a:rPr lang="zh-CN" altLang="en-US" dirty="0"/>
+              <a:t>训练集预测准确度</a:t>
+            </a:r>
+            <a:r>
+              <a:rPr lang="en-US" altLang="zh-CN" dirty="0"/>
+              <a:t>95.39%</a:t>
+            </a:r>
+            <a:br>
+              <a:rPr lang="en-US" altLang="zh-CN" dirty="0"/>
+            </a:br>
+            <a:r>
+              <a:rPr lang="en-US" altLang="zh-CN" dirty="0"/>
+              <a:t>tensor(0.0911)</a:t>
+            </a:r>
+            <a:r>
+              <a:rPr lang="zh-CN" altLang="en-US" dirty="0"/>
+              <a:t>测试集预测准确度</a:t>
+            </a:r>
+            <a:r>
+              <a:rPr lang="en-US" altLang="zh-CN" dirty="0"/>
+              <a:t>90.89%</a:t>
+            </a:r>
+            <a:endParaRPr lang="zh-CN" altLang="en-US" dirty="0"/>
+          </a:p>
+        </p:txBody>
+      </p:sp>
+      <p:pic>
+        <p:nvPicPr>
+          <p:cNvPr id="7" name="图片 6">
+            <a:extLst>
+              <a:ext uri="{FF2B5EF4-FFF2-40B4-BE49-F238E27FC236}">
+                <a16:creationId xmlns:a16="http://schemas.microsoft.com/office/drawing/2014/main" id="{6DF8DF58-6913-43B2-9753-11EDF6724411}"/>
+              </a:ext>
+            </a:extLst>
+          </p:cNvPr>
+          <p:cNvPicPr>
+            <a:picLocks noChangeAspect="1"/>
+          </p:cNvPicPr>
+          <p:nvPr/>
+        </p:nvPicPr>
+        <p:blipFill>
+          <a:blip r:embed="rId2"/>
+          <a:stretch>
+            <a:fillRect/>
+          </a:stretch>
+        </p:blipFill>
+        <p:spPr>
+          <a:xfrm>
+            <a:off x="536578" y="2848174"/>
+            <a:ext cx="5185424" cy="3280697"/>
+          </a:xfrm>
+          <a:prstGeom prst="rect">
+            <a:avLst/>
+          </a:prstGeom>
+        </p:spPr>
+      </p:pic>
+      <p:pic>
+        <p:nvPicPr>
+          <p:cNvPr id="9" name="图片 8">
+            <a:extLst>
+              <a:ext uri="{FF2B5EF4-FFF2-40B4-BE49-F238E27FC236}">
+                <a16:creationId xmlns:a16="http://schemas.microsoft.com/office/drawing/2014/main" id="{7327031D-DA18-4ADB-B63B-D1A8D203D025}"/>
+              </a:ext>
+            </a:extLst>
+          </p:cNvPr>
+          <p:cNvPicPr>
+            <a:picLocks noChangeAspect="1"/>
+          </p:cNvPicPr>
+          <p:nvPr/>
+        </p:nvPicPr>
+        <p:blipFill>
+          <a:blip r:embed="rId3"/>
+          <a:stretch>
+            <a:fillRect/>
+          </a:stretch>
+        </p:blipFill>
+        <p:spPr>
+          <a:xfrm>
+            <a:off x="6222031" y="2873054"/>
+            <a:ext cx="5185424" cy="3280697"/>
+          </a:xfrm>
+          <a:prstGeom prst="rect">
+            <a:avLst/>
+          </a:prstGeom>
+        </p:spPr>
+      </p:pic>
+      <p:sp>
+        <p:nvSpPr>
+          <p:cNvPr id="8" name="文本框 7">
+            <a:extLst>
+              <a:ext uri="{FF2B5EF4-FFF2-40B4-BE49-F238E27FC236}">
+                <a16:creationId xmlns:a16="http://schemas.microsoft.com/office/drawing/2014/main" id="{3B1E75F5-1A08-4473-A699-ABE52AEB8831}"/>
+              </a:ext>
+            </a:extLst>
+          </p:cNvPr>
+          <p:cNvSpPr txBox="1"/>
+          <p:nvPr/>
+        </p:nvSpPr>
+        <p:spPr>
+          <a:xfrm>
+            <a:off x="6222031" y="2017177"/>
+            <a:ext cx="6077339" cy="830997"/>
+          </a:xfrm>
+          <a:prstGeom prst="rect">
+            <a:avLst/>
+          </a:prstGeom>
+          <a:noFill/>
+        </p:spPr>
+        <p:txBody>
+          <a:bodyPr wrap="square">
+            <a:spAutoFit/>
+          </a:bodyPr>
+          <a:lstStyle/>
+          <a:p>
+            <a:r>
+              <a:rPr lang="zh-CN" altLang="en-US" sz="1200" dirty="0"/>
+              <a:t>model(</a:t>
+            </a:r>
+          </a:p>
+          <a:p>
+            <a:r>
+              <a:rPr lang="zh-CN" altLang="en-US" sz="1200" dirty="0"/>
+              <a:t>  (lstm): LSTM(1, 32, batch_first=True)</a:t>
+            </a:r>
+          </a:p>
+          <a:p>
+            <a:r>
+              <a:rPr lang="zh-CN" altLang="en-US" sz="1200" dirty="0"/>
+              <a:t>  (linear0): Linear(in_features=32, out_features=1, bias=True)</a:t>
+            </a:r>
+          </a:p>
+          <a:p>
+            <a:r>
+              <a:rPr lang="zh-CN" altLang="en-US" sz="1200" dirty="0"/>
+              <a:t>)</a:t>
+            </a:r>
+          </a:p>
+        </p:txBody>
+      </p:sp>
+    </p:spTree>
+    <p:extLst>
+      <p:ext uri="{BB962C8B-B14F-4D97-AF65-F5344CB8AC3E}">
+        <p14:creationId xmlns:p14="http://schemas.microsoft.com/office/powerpoint/2010/main" val="1850399426"/>
+      </p:ext>
+    </p:extLst>
+  </p:cSld>
+  <p:clrMapOvr>
+    <a:masterClrMapping/>
+  </p:clrMapOvr>
+</p:sld>
+</file>
+
+<file path=ppt/slides/slide31.xml><?xml version="1.0" encoding="utf-8"?>
+<p:sld xmlns:a="http://schemas.openxmlformats.org/drawingml/2006/main" xmlns:r="http://schemas.openxmlformats.org/officeDocument/2006/relationships" xmlns:p="http://schemas.openxmlformats.org/presentationml/2006/main">
+  <p:cSld>
+    <p:spTree>
+      <p:nvGrpSpPr>
+        <p:cNvPr id="1" name=""/>
+        <p:cNvGrpSpPr/>
+        <p:nvPr/>
+      </p:nvGrpSpPr>
+      <p:grpSpPr>
+        <a:xfrm>
+          <a:off x="0" y="0"/>
+          <a:ext cx="0" cy="0"/>
+          <a:chOff x="0" y="0"/>
+          <a:chExt cx="0" cy="0"/>
+        </a:xfrm>
+      </p:grpSpPr>
+      <p:sp>
+        <p:nvSpPr>
+          <p:cNvPr id="2" name="文本框 1">
+            <a:extLst>
+              <a:ext uri="{FF2B5EF4-FFF2-40B4-BE49-F238E27FC236}">
                 <a16:creationId xmlns:a16="http://schemas.microsoft.com/office/drawing/2014/main" id="{6DAF8DF7-011D-46AD-8C51-D55BEBFF74A0}"/>
               </a:ext>
             </a:extLst>
@@ -14892,7 +14979,7 @@
 </p:sld>
 </file>
 
-<file path=ppt/slides/slide31.xml><?xml version="1.0" encoding="utf-8"?>
+<file path=ppt/slides/slide32.xml><?xml version="1.0" encoding="utf-8"?>
 <p:sld xmlns:a="http://schemas.openxmlformats.org/drawingml/2006/main" xmlns:r="http://schemas.openxmlformats.org/officeDocument/2006/relationships" xmlns:p="http://schemas.openxmlformats.org/presentationml/2006/main">
   <p:cSld>
     <p:spTree>
@@ -15125,7 +15212,7 @@
 </p:sld>
 </file>
 
-<file path=ppt/slides/slide32.xml><?xml version="1.0" encoding="utf-8"?>
+<file path=ppt/slides/slide33.xml><?xml version="1.0" encoding="utf-8"?>
 <p:sld xmlns:a="http://schemas.openxmlformats.org/drawingml/2006/main" xmlns:r="http://schemas.openxmlformats.org/officeDocument/2006/relationships" xmlns:p="http://schemas.openxmlformats.org/presentationml/2006/main">
   <p:cSld>
     <p:spTree>
@@ -15232,7 +15319,7 @@
 </p:sld>
 </file>
 
-<file path=ppt/slides/slide33.xml><?xml version="1.0" encoding="utf-8"?>
+<file path=ppt/slides/slide34.xml><?xml version="1.0" encoding="utf-8"?>
 <p:sld xmlns:a="http://schemas.openxmlformats.org/drawingml/2006/main" xmlns:r="http://schemas.openxmlformats.org/officeDocument/2006/relationships" xmlns:p="http://schemas.openxmlformats.org/presentationml/2006/main">
   <p:cSld>
     <p:spTree>
@@ -15345,7 +15432,7 @@
 </p:sld>
 </file>
 
-<file path=ppt/slides/slide34.xml><?xml version="1.0" encoding="utf-8"?>
+<file path=ppt/slides/slide35.xml><?xml version="1.0" encoding="utf-8"?>
 <p:sld xmlns:a="http://schemas.openxmlformats.org/drawingml/2006/main" xmlns:r="http://schemas.openxmlformats.org/officeDocument/2006/relationships" xmlns:p="http://schemas.openxmlformats.org/presentationml/2006/main">
   <p:cSld>
     <p:spTree>
@@ -17865,7 +17952,7 @@
 </p:sld>
 </file>
 
-<file path=ppt/slides/slide35.xml><?xml version="1.0" encoding="utf-8"?>
+<file path=ppt/slides/slide36.xml><?xml version="1.0" encoding="utf-8"?>
 <p:sld xmlns:a="http://schemas.openxmlformats.org/drawingml/2006/main" xmlns:r="http://schemas.openxmlformats.org/officeDocument/2006/relationships" xmlns:p="http://schemas.openxmlformats.org/presentationml/2006/main">
   <p:cSld>
     <p:spTree>
@@ -18224,7 +18311,7 @@
 </p:sld>
 </file>
 
-<file path=ppt/slides/slide36.xml><?xml version="1.0" encoding="utf-8"?>
+<file path=ppt/slides/slide37.xml><?xml version="1.0" encoding="utf-8"?>
 <p:sld xmlns:a="http://schemas.openxmlformats.org/drawingml/2006/main" xmlns:r="http://schemas.openxmlformats.org/officeDocument/2006/relationships" xmlns:p="http://schemas.openxmlformats.org/presentationml/2006/main">
   <p:cSld>
     <p:spTree>
@@ -19500,7 +19587,7 @@
 </p:sld>
 </file>
 
-<file path=ppt/slides/slide37.xml><?xml version="1.0" encoding="utf-8"?>
+<file path=ppt/slides/slide38.xml><?xml version="1.0" encoding="utf-8"?>
 <p:sld xmlns:a="http://schemas.openxmlformats.org/drawingml/2006/main" xmlns:r="http://schemas.openxmlformats.org/officeDocument/2006/relationships" xmlns:p="http://schemas.openxmlformats.org/presentationml/2006/main">
   <p:cSld>
     <p:spTree>
@@ -20369,7 +20456,7 @@
 </p:sld>
 </file>
 
-<file path=ppt/slides/slide38.xml><?xml version="1.0" encoding="utf-8"?>
+<file path=ppt/slides/slide39.xml><?xml version="1.0" encoding="utf-8"?>
 <p:sld xmlns:a="http://schemas.openxmlformats.org/drawingml/2006/main" xmlns:r="http://schemas.openxmlformats.org/officeDocument/2006/relationships" xmlns:p="http://schemas.openxmlformats.org/presentationml/2006/main">
   <p:cSld>
     <p:spTree>
@@ -21458,7 +21545,121 @@
 </p:sld>
 </file>
 
-<file path=ppt/slides/slide39.xml><?xml version="1.0" encoding="utf-8"?>
+<file path=ppt/slides/slide4.xml><?xml version="1.0" encoding="utf-8"?>
+<p:sld xmlns:a="http://schemas.openxmlformats.org/drawingml/2006/main" xmlns:r="http://schemas.openxmlformats.org/officeDocument/2006/relationships" xmlns:p="http://schemas.openxmlformats.org/presentationml/2006/main">
+  <p:cSld>
+    <p:spTree>
+      <p:nvGrpSpPr>
+        <p:cNvPr id="1" name=""/>
+        <p:cNvGrpSpPr/>
+        <p:nvPr/>
+      </p:nvGrpSpPr>
+      <p:grpSpPr>
+        <a:xfrm>
+          <a:off x="0" y="0"/>
+          <a:ext cx="0" cy="0"/>
+          <a:chOff x="0" y="0"/>
+          <a:chExt cx="0" cy="0"/>
+        </a:xfrm>
+      </p:grpSpPr>
+      <p:sp>
+        <p:nvSpPr>
+          <p:cNvPr id="2" name="文本框 1">
+            <a:extLst>
+              <a:ext uri="{FF2B5EF4-FFF2-40B4-BE49-F238E27FC236}">
+                <a16:creationId xmlns:a16="http://schemas.microsoft.com/office/drawing/2014/main" id="{E173D713-1A38-48BA-B03A-FFEEF783B341}"/>
+              </a:ext>
+            </a:extLst>
+          </p:cNvPr>
+          <p:cNvSpPr txBox="1"/>
+          <p:nvPr/>
+        </p:nvSpPr>
+        <p:spPr>
+          <a:xfrm>
+            <a:off x="672177" y="327875"/>
+            <a:ext cx="1925687" cy="369332"/>
+          </a:xfrm>
+          <a:prstGeom prst="rect">
+            <a:avLst/>
+          </a:prstGeom>
+          <a:noFill/>
+        </p:spPr>
+        <p:txBody>
+          <a:bodyPr wrap="square" rtlCol="0">
+            <a:spAutoFit/>
+          </a:bodyPr>
+          <a:lstStyle/>
+          <a:p>
+            <a:r>
+              <a:rPr lang="zh-CN" altLang="en-US" dirty="0"/>
+              <a:t>信息收集模块</a:t>
+            </a:r>
+          </a:p>
+        </p:txBody>
+      </p:sp>
+      <p:sp>
+        <p:nvSpPr>
+          <p:cNvPr id="3" name="文本框 2">
+            <a:extLst>
+              <a:ext uri="{FF2B5EF4-FFF2-40B4-BE49-F238E27FC236}">
+                <a16:creationId xmlns:a16="http://schemas.microsoft.com/office/drawing/2014/main" id="{8D33FF8C-3E1B-45B6-BED8-29A865C92045}"/>
+              </a:ext>
+            </a:extLst>
+          </p:cNvPr>
+          <p:cNvSpPr txBox="1"/>
+          <p:nvPr/>
+        </p:nvSpPr>
+        <p:spPr>
+          <a:xfrm>
+            <a:off x="672176" y="1301960"/>
+            <a:ext cx="5341063" cy="2031325"/>
+          </a:xfrm>
+          <a:prstGeom prst="rect">
+            <a:avLst/>
+          </a:prstGeom>
+          <a:noFill/>
+        </p:spPr>
+        <p:txBody>
+          <a:bodyPr wrap="square" rtlCol="0">
+            <a:spAutoFit/>
+          </a:bodyPr>
+          <a:lstStyle/>
+          <a:p>
+            <a:r>
+              <a:rPr lang="zh-CN" altLang="en-US" dirty="0"/>
+              <a:t>信息收集模块功能是实现对其他三个模块产生的信息进行一定的处理及存储；</a:t>
+            </a:r>
+            <a:endParaRPr lang="en-US" altLang="zh-CN" dirty="0"/>
+          </a:p>
+          <a:p>
+            <a:r>
+              <a:rPr lang="zh-CN" altLang="en-US" dirty="0"/>
+              <a:t>处理主要是使各类参数量纲同意，然后发送给速率控制模块（神经网络）。</a:t>
+            </a:r>
+            <a:endParaRPr lang="en-US" altLang="zh-CN" dirty="0"/>
+          </a:p>
+          <a:p>
+            <a:r>
+              <a:rPr lang="zh-CN" altLang="en-US" dirty="0"/>
+              <a:t>储存是保存前几个时刻的状态信息，使得速率控制具有一定的记忆学习功能，也使每次的速率控制对后续的控制有一定的反馈影响。</a:t>
+            </a:r>
+          </a:p>
+        </p:txBody>
+      </p:sp>
+    </p:spTree>
+    <p:extLst>
+      <p:ext uri="{BB962C8B-B14F-4D97-AF65-F5344CB8AC3E}">
+        <p14:creationId xmlns:p14="http://schemas.microsoft.com/office/powerpoint/2010/main" val="894468671"/>
+      </p:ext>
+    </p:extLst>
+  </p:cSld>
+  <p:clrMapOvr>
+    <a:masterClrMapping/>
+  </p:clrMapOvr>
+</p:sld>
+</file>
+
+<file path=ppt/slides/slide40.xml><?xml version="1.0" encoding="utf-8"?>
 <p:sld xmlns:a="http://schemas.openxmlformats.org/drawingml/2006/main" xmlns:r="http://schemas.openxmlformats.org/officeDocument/2006/relationships" xmlns:p="http://schemas.openxmlformats.org/presentationml/2006/main">
   <p:cSld>
     <p:spTree>
@@ -24049,121 +24250,7 @@
 </p:sld>
 </file>
 
-<file path=ppt/slides/slide4.xml><?xml version="1.0" encoding="utf-8"?>
-<p:sld xmlns:a="http://schemas.openxmlformats.org/drawingml/2006/main" xmlns:r="http://schemas.openxmlformats.org/officeDocument/2006/relationships" xmlns:p="http://schemas.openxmlformats.org/presentationml/2006/main">
-  <p:cSld>
-    <p:spTree>
-      <p:nvGrpSpPr>
-        <p:cNvPr id="1" name=""/>
-        <p:cNvGrpSpPr/>
-        <p:nvPr/>
-      </p:nvGrpSpPr>
-      <p:grpSpPr>
-        <a:xfrm>
-          <a:off x="0" y="0"/>
-          <a:ext cx="0" cy="0"/>
-          <a:chOff x="0" y="0"/>
-          <a:chExt cx="0" cy="0"/>
-        </a:xfrm>
-      </p:grpSpPr>
-      <p:sp>
-        <p:nvSpPr>
-          <p:cNvPr id="2" name="文本框 1">
-            <a:extLst>
-              <a:ext uri="{FF2B5EF4-FFF2-40B4-BE49-F238E27FC236}">
-                <a16:creationId xmlns:a16="http://schemas.microsoft.com/office/drawing/2014/main" id="{E173D713-1A38-48BA-B03A-FFEEF783B341}"/>
-              </a:ext>
-            </a:extLst>
-          </p:cNvPr>
-          <p:cNvSpPr txBox="1"/>
-          <p:nvPr/>
-        </p:nvSpPr>
-        <p:spPr>
-          <a:xfrm>
-            <a:off x="672177" y="327875"/>
-            <a:ext cx="1925687" cy="369332"/>
-          </a:xfrm>
-          <a:prstGeom prst="rect">
-            <a:avLst/>
-          </a:prstGeom>
-          <a:noFill/>
-        </p:spPr>
-        <p:txBody>
-          <a:bodyPr wrap="square" rtlCol="0">
-            <a:spAutoFit/>
-          </a:bodyPr>
-          <a:lstStyle/>
-          <a:p>
-            <a:r>
-              <a:rPr lang="zh-CN" altLang="en-US" dirty="0"/>
-              <a:t>信息收集模块</a:t>
-            </a:r>
-          </a:p>
-        </p:txBody>
-      </p:sp>
-      <p:sp>
-        <p:nvSpPr>
-          <p:cNvPr id="3" name="文本框 2">
-            <a:extLst>
-              <a:ext uri="{FF2B5EF4-FFF2-40B4-BE49-F238E27FC236}">
-                <a16:creationId xmlns:a16="http://schemas.microsoft.com/office/drawing/2014/main" id="{8D33FF8C-3E1B-45B6-BED8-29A865C92045}"/>
-              </a:ext>
-            </a:extLst>
-          </p:cNvPr>
-          <p:cNvSpPr txBox="1"/>
-          <p:nvPr/>
-        </p:nvSpPr>
-        <p:spPr>
-          <a:xfrm>
-            <a:off x="672176" y="1301960"/>
-            <a:ext cx="5341063" cy="2031325"/>
-          </a:xfrm>
-          <a:prstGeom prst="rect">
-            <a:avLst/>
-          </a:prstGeom>
-          <a:noFill/>
-        </p:spPr>
-        <p:txBody>
-          <a:bodyPr wrap="square" rtlCol="0">
-            <a:spAutoFit/>
-          </a:bodyPr>
-          <a:lstStyle/>
-          <a:p>
-            <a:r>
-              <a:rPr lang="zh-CN" altLang="en-US" dirty="0"/>
-              <a:t>信息收集模块功能是实现对其他三个模块产生的信息进行一定的处理及存储；</a:t>
-            </a:r>
-            <a:endParaRPr lang="en-US" altLang="zh-CN" dirty="0"/>
-          </a:p>
-          <a:p>
-            <a:r>
-              <a:rPr lang="zh-CN" altLang="en-US" dirty="0"/>
-              <a:t>处理主要是使各类参数量纲同意，然后发送给速率控制模块（神经网络）。</a:t>
-            </a:r>
-            <a:endParaRPr lang="en-US" altLang="zh-CN" dirty="0"/>
-          </a:p>
-          <a:p>
-            <a:r>
-              <a:rPr lang="zh-CN" altLang="en-US" dirty="0"/>
-              <a:t>储存是保存前几个时刻的状态信息，使得速率控制具有一定的记忆学习功能，也使每次的速率控制对后续的控制有一定的反馈影响。</a:t>
-            </a:r>
-          </a:p>
-        </p:txBody>
-      </p:sp>
-    </p:spTree>
-    <p:extLst>
-      <p:ext uri="{BB962C8B-B14F-4D97-AF65-F5344CB8AC3E}">
-        <p14:creationId xmlns:p14="http://schemas.microsoft.com/office/powerpoint/2010/main" val="894468671"/>
-      </p:ext>
-    </p:extLst>
-  </p:cSld>
-  <p:clrMapOvr>
-    <a:masterClrMapping/>
-  </p:clrMapOvr>
-</p:sld>
-</file>
-
-<file path=ppt/slides/slide40.xml><?xml version="1.0" encoding="utf-8"?>
+<file path=ppt/slides/slide41.xml><?xml version="1.0" encoding="utf-8"?>
 <p:sld xmlns:a="http://schemas.openxmlformats.org/drawingml/2006/main" xmlns:r="http://schemas.openxmlformats.org/officeDocument/2006/relationships" xmlns:p="http://schemas.openxmlformats.org/presentationml/2006/main">
   <p:cSld>
     <p:spTree>
@@ -25440,7 +25527,7 @@
 </p:sld>
 </file>
 
-<file path=ppt/slides/slide41.xml><?xml version="1.0" encoding="utf-8"?>
+<file path=ppt/slides/slide42.xml><?xml version="1.0" encoding="utf-8"?>
 <p:sld xmlns:a="http://schemas.openxmlformats.org/drawingml/2006/main" xmlns:r="http://schemas.openxmlformats.org/officeDocument/2006/relationships" xmlns:p="http://schemas.openxmlformats.org/presentationml/2006/main">
   <p:cSld>
     <p:spTree>
@@ -25498,7 +25585,7 @@
 </p:sld>
 </file>
 
-<file path=ppt/slides/slide42.xml><?xml version="1.0" encoding="utf-8"?>
+<file path=ppt/slides/slide43.xml><?xml version="1.0" encoding="utf-8"?>
 <p:sld xmlns:a="http://schemas.openxmlformats.org/drawingml/2006/main" xmlns:r="http://schemas.openxmlformats.org/officeDocument/2006/relationships" xmlns:p="http://schemas.openxmlformats.org/presentationml/2006/main">
   <p:cSld>
     <p:spTree>
@@ -25556,7 +25643,7 @@
 </p:sld>
 </file>
 
-<file path=ppt/slides/slide43.xml><?xml version="1.0" encoding="utf-8"?>
+<file path=ppt/slides/slide44.xml><?xml version="1.0" encoding="utf-8"?>
 <p:sld xmlns:a="http://schemas.openxmlformats.org/drawingml/2006/main" xmlns:r="http://schemas.openxmlformats.org/officeDocument/2006/relationships" xmlns:p="http://schemas.openxmlformats.org/presentationml/2006/main">
   <p:cSld>
     <p:spTree>
@@ -25588,7 +25675,7 @@
         <p:spPr>
           <a:xfrm>
             <a:off x="864636" y="665584"/>
-            <a:ext cx="7271657" cy="2585323"/>
+            <a:ext cx="7271657" cy="4524315"/>
           </a:xfrm>
           <a:prstGeom prst="rect">
             <a:avLst/>
@@ -25612,6 +25699,9 @@
             <a:endParaRPr lang="en-US" altLang="zh-CN" dirty="0"/>
           </a:p>
           <a:p>
+            <a:endParaRPr lang="en-US" altLang="zh-CN" dirty="0"/>
+          </a:p>
+          <a:p>
             <a:r>
               <a:rPr lang="zh-CN" altLang="en-US" dirty="0"/>
               <a:t>算法部署，如何将相关的算法实现在真实终端、如何统计</a:t>
@@ -25697,7 +25787,45 @@
             <a:endParaRPr lang="en-US" altLang="zh-CN" dirty="0"/>
           </a:p>
           <a:p>
-            <a:endParaRPr lang="zh-CN" altLang="en-US" dirty="0"/>
+            <a:endParaRPr lang="en-US" altLang="zh-CN" dirty="0"/>
+          </a:p>
+          <a:p>
+            <a:endParaRPr lang="en-US" altLang="zh-CN" dirty="0"/>
+          </a:p>
+          <a:p>
+            <a:r>
+              <a:rPr lang="en-US" altLang="zh-CN" dirty="0"/>
+              <a:t>NS3:</a:t>
+            </a:r>
+          </a:p>
+          <a:p>
+            <a:r>
+              <a:rPr lang="zh-CN" altLang="en-US" dirty="0"/>
+              <a:t>代码覆盖</a:t>
+            </a:r>
+            <a:endParaRPr lang="en-US" altLang="zh-CN" dirty="0"/>
+          </a:p>
+          <a:p>
+            <a:r>
+              <a:rPr lang="en-US" altLang="zh-CN" dirty="0"/>
+              <a:t>Flow.txt</a:t>
+            </a:r>
+          </a:p>
+          <a:p>
+            <a:r>
+              <a:rPr lang="zh-CN" altLang="en-US" dirty="0"/>
+              <a:t>算法</a:t>
+            </a:r>
+            <a:r>
+              <a:rPr lang="en-US" altLang="zh-CN" dirty="0"/>
+              <a:t>config</a:t>
+            </a:r>
+          </a:p>
+          <a:p>
+            <a:r>
+              <a:rPr lang="zh-CN" altLang="en-US" dirty="0"/>
+              <a:t>终端运行指令</a:t>
+            </a:r>
           </a:p>
         </p:txBody>
       </p:sp>

--- a/paper/毕设思路 [自动保存的] [自动保存的].pptx
+++ b/paper/毕设思路 [自动保存的] [自动保存的].pptx
@@ -49,6 +49,9 @@
     <p:sldId id="297" r:id="rId43"/>
     <p:sldId id="298" r:id="rId44"/>
     <p:sldId id="299" r:id="rId45"/>
+    <p:sldId id="301" r:id="rId46"/>
+    <p:sldId id="302" r:id="rId47"/>
+    <p:sldId id="303" r:id="rId48"/>
   </p:sldIdLst>
   <p:sldSz cx="12192000" cy="6858000"/>
   <p:notesSz cx="6858000" cy="9144000"/>
@@ -12387,7 +12390,7 @@
         <p:spPr bwMode="auto">
           <a:xfrm>
             <a:off x="320947" y="6120539"/>
-            <a:ext cx="7301679" cy="553998"/>
+            <a:ext cx="6711774" cy="553998"/>
           </a:xfrm>
           <a:prstGeom prst="rect">
             <a:avLst/>
@@ -12484,7 +12487,15 @@
             </a:pPr>
             <a:r>
               <a:rPr lang="zh-CN" altLang="zh-CN" dirty="0"/>
-              <a:t>python run.py --cc hp --trace flow --bw 100 --topo topology --hpai 50 </a:t>
+              <a:t>python run.py --cc hp --trace flow --bw 100 --topo </a:t>
+            </a:r>
+            <a:r>
+              <a:rPr lang="en-US" altLang="zh-CN" dirty="0"/>
+              <a:t>fat</a:t>
+            </a:r>
+            <a:r>
+              <a:rPr lang="zh-CN" altLang="zh-CN" dirty="0"/>
+              <a:t> --hpai 50 </a:t>
             </a:r>
           </a:p>
         </p:txBody>
@@ -25675,7 +25686,7 @@
         <p:spPr>
           <a:xfrm>
             <a:off x="864636" y="665584"/>
-            <a:ext cx="7271657" cy="4524315"/>
+            <a:ext cx="7271657" cy="5078313"/>
           </a:xfrm>
           <a:prstGeom prst="rect">
             <a:avLst/>
@@ -25826,6 +25837,29 @@
               <a:rPr lang="zh-CN" altLang="en-US" dirty="0"/>
               <a:t>终端运行指令</a:t>
             </a:r>
+            <a:endParaRPr lang="en-US" altLang="zh-CN" dirty="0"/>
+          </a:p>
+          <a:p>
+            <a:r>
+              <a:rPr lang="zh-CN" altLang="zh-CN" dirty="0"/>
+              <a:t>python run.py --cc hp --trace flow --bw 100 --topo </a:t>
+            </a:r>
+            <a:r>
+              <a:rPr lang="en-US" altLang="zh-CN" dirty="0"/>
+              <a:t>fat</a:t>
+            </a:r>
+            <a:r>
+              <a:rPr lang="zh-CN" altLang="zh-CN" dirty="0"/>
+              <a:t> --hpai 50 </a:t>
+            </a:r>
+            <a:endParaRPr lang="en-US" altLang="zh-CN" dirty="0"/>
+          </a:p>
+          <a:p>
+            <a:r>
+              <a:rPr lang="en-US" altLang="zh-CN" dirty="0"/>
+              <a:t>hp</a:t>
+            </a:r>
+            <a:endParaRPr lang="zh-CN" altLang="en-US" dirty="0"/>
           </a:p>
         </p:txBody>
       </p:sp>
@@ -25833,6 +25867,740 @@
     <p:extLst>
       <p:ext uri="{BB962C8B-B14F-4D97-AF65-F5344CB8AC3E}">
         <p14:creationId xmlns:p14="http://schemas.microsoft.com/office/powerpoint/2010/main" val="406048135"/>
+      </p:ext>
+    </p:extLst>
+  </p:cSld>
+  <p:clrMapOvr>
+    <a:masterClrMapping/>
+  </p:clrMapOvr>
+</p:sld>
+</file>
+
+<file path=ppt/slides/slide45.xml><?xml version="1.0" encoding="utf-8"?>
+<p:sld xmlns:a="http://schemas.openxmlformats.org/drawingml/2006/main" xmlns:r="http://schemas.openxmlformats.org/officeDocument/2006/relationships" xmlns:p="http://schemas.openxmlformats.org/presentationml/2006/main">
+  <p:cSld>
+    <p:spTree>
+      <p:nvGrpSpPr>
+        <p:cNvPr id="1" name=""/>
+        <p:cNvGrpSpPr/>
+        <p:nvPr/>
+      </p:nvGrpSpPr>
+      <p:grpSpPr>
+        <a:xfrm>
+          <a:off x="0" y="0"/>
+          <a:ext cx="0" cy="0"/>
+          <a:chOff x="0" y="0"/>
+          <a:chExt cx="0" cy="0"/>
+        </a:xfrm>
+      </p:grpSpPr>
+      <p:sp>
+        <p:nvSpPr>
+          <p:cNvPr id="2" name="文本框 1">
+            <a:extLst>
+              <a:ext uri="{FF2B5EF4-FFF2-40B4-BE49-F238E27FC236}">
+                <a16:creationId xmlns:a16="http://schemas.microsoft.com/office/drawing/2014/main" id="{A9068DF1-6447-4382-89F6-53F1010027B1}"/>
+              </a:ext>
+            </a:extLst>
+          </p:cNvPr>
+          <p:cNvSpPr txBox="1"/>
+          <p:nvPr/>
+        </p:nvSpPr>
+        <p:spPr>
+          <a:xfrm>
+            <a:off x="957943" y="416767"/>
+            <a:ext cx="4043265" cy="646331"/>
+          </a:xfrm>
+          <a:prstGeom prst="rect">
+            <a:avLst/>
+          </a:prstGeom>
+          <a:noFill/>
+        </p:spPr>
+        <p:txBody>
+          <a:bodyPr wrap="square" rtlCol="0">
+            <a:spAutoFit/>
+          </a:bodyPr>
+          <a:lstStyle/>
+          <a:p>
+            <a:r>
+              <a:rPr lang="zh-CN" altLang="en-US" dirty="0"/>
+              <a:t>在验证过程中出现的代码问题：</a:t>
+            </a:r>
+            <a:endParaRPr lang="en-US" altLang="zh-CN" dirty="0"/>
+          </a:p>
+          <a:p>
+            <a:endParaRPr lang="zh-CN" altLang="en-US" dirty="0"/>
+          </a:p>
+        </p:txBody>
+      </p:sp>
+      <p:pic>
+        <p:nvPicPr>
+          <p:cNvPr id="4" name="图片 3">
+            <a:extLst>
+              <a:ext uri="{FF2B5EF4-FFF2-40B4-BE49-F238E27FC236}">
+                <a16:creationId xmlns:a16="http://schemas.microsoft.com/office/drawing/2014/main" id="{58123332-6D41-41D9-B8A9-8D016200C0C6}"/>
+              </a:ext>
+            </a:extLst>
+          </p:cNvPr>
+          <p:cNvPicPr>
+            <a:picLocks noChangeAspect="1"/>
+          </p:cNvPicPr>
+          <p:nvPr/>
+        </p:nvPicPr>
+        <p:blipFill>
+          <a:blip r:embed="rId2"/>
+          <a:stretch>
+            <a:fillRect/>
+          </a:stretch>
+        </p:blipFill>
+        <p:spPr>
+          <a:xfrm>
+            <a:off x="1057470" y="894562"/>
+            <a:ext cx="3999686" cy="741406"/>
+          </a:xfrm>
+          <a:prstGeom prst="rect">
+            <a:avLst/>
+          </a:prstGeom>
+        </p:spPr>
+      </p:pic>
+      <p:sp>
+        <p:nvSpPr>
+          <p:cNvPr id="5" name="文本框 4">
+            <a:extLst>
+              <a:ext uri="{FF2B5EF4-FFF2-40B4-BE49-F238E27FC236}">
+                <a16:creationId xmlns:a16="http://schemas.microsoft.com/office/drawing/2014/main" id="{710A2972-B47D-42C7-9572-DC3B27F60B52}"/>
+              </a:ext>
+            </a:extLst>
+          </p:cNvPr>
+          <p:cNvSpPr txBox="1"/>
+          <p:nvPr/>
+        </p:nvSpPr>
+        <p:spPr>
+          <a:xfrm>
+            <a:off x="957943" y="1928327"/>
+            <a:ext cx="7756849" cy="1200329"/>
+          </a:xfrm>
+          <a:prstGeom prst="rect">
+            <a:avLst/>
+          </a:prstGeom>
+          <a:noFill/>
+        </p:spPr>
+        <p:txBody>
+          <a:bodyPr wrap="square" rtlCol="0">
+            <a:spAutoFit/>
+          </a:bodyPr>
+          <a:lstStyle/>
+          <a:p>
+            <a:r>
+              <a:rPr lang="zh-CN" altLang="en-US" dirty="0"/>
+              <a:t>之前用一个</a:t>
+            </a:r>
+            <a:r>
+              <a:rPr lang="en-US" altLang="zh-CN" dirty="0"/>
+              <a:t>CLASS</a:t>
+            </a:r>
+            <a:r>
+              <a:rPr lang="zh-CN" altLang="en-US" dirty="0"/>
+              <a:t>变量对所有流进行预测，因此公用一套时间序列参数</a:t>
+            </a:r>
+            <a:r>
+              <a:rPr lang="en-US" altLang="zh-CN" dirty="0"/>
+              <a:t>S(t)</a:t>
+            </a:r>
+            <a:r>
+              <a:rPr lang="zh-CN" altLang="en-US" dirty="0"/>
+              <a:t>，这导致预测效率低下，</a:t>
+            </a:r>
+            <a:r>
+              <a:rPr lang="en-US" altLang="zh-CN" dirty="0"/>
+              <a:t>MAPE</a:t>
+            </a:r>
+            <a:r>
+              <a:rPr lang="zh-CN" altLang="en-US" dirty="0"/>
+              <a:t>值在</a:t>
+            </a:r>
+            <a:r>
+              <a:rPr lang="en-US" altLang="zh-CN" dirty="0"/>
+              <a:t>90%</a:t>
+            </a:r>
+            <a:r>
+              <a:rPr lang="zh-CN" altLang="en-US" dirty="0"/>
+              <a:t>，几乎和未训练的神经网络效果一样，但是在实际效果中发小预测曲线拟合较好，是因为</a:t>
+            </a:r>
+            <a:r>
+              <a:rPr lang="en-US" altLang="zh-CN" dirty="0"/>
+              <a:t>INCAST</a:t>
+            </a:r>
+            <a:r>
+              <a:rPr lang="zh-CN" altLang="en-US" dirty="0"/>
+              <a:t>场景所有流同时开始发送，且目标</a:t>
+            </a:r>
+            <a:r>
+              <a:rPr lang="en-US" altLang="zh-CN" dirty="0"/>
+              <a:t>RTT</a:t>
+            </a:r>
+            <a:r>
+              <a:rPr lang="zh-CN" altLang="en-US" dirty="0"/>
+              <a:t>较小，这导致他们的平滑值</a:t>
+            </a:r>
+            <a:r>
+              <a:rPr lang="en-US" altLang="zh-CN" dirty="0"/>
+              <a:t>S(t)</a:t>
+            </a:r>
+            <a:r>
+              <a:rPr lang="zh-CN" altLang="en-US" dirty="0"/>
+              <a:t>差距较小</a:t>
+            </a:r>
+          </a:p>
+        </p:txBody>
+      </p:sp>
+      <p:pic>
+        <p:nvPicPr>
+          <p:cNvPr id="7" name="图片 6">
+            <a:extLst>
+              <a:ext uri="{FF2B5EF4-FFF2-40B4-BE49-F238E27FC236}">
+                <a16:creationId xmlns:a16="http://schemas.microsoft.com/office/drawing/2014/main" id="{0204BF6B-760C-41E0-B8AA-C859637017CC}"/>
+              </a:ext>
+            </a:extLst>
+          </p:cNvPr>
+          <p:cNvPicPr>
+            <a:picLocks noChangeAspect="1"/>
+          </p:cNvPicPr>
+          <p:nvPr/>
+        </p:nvPicPr>
+        <p:blipFill>
+          <a:blip r:embed="rId3"/>
+          <a:stretch>
+            <a:fillRect/>
+          </a:stretch>
+        </p:blipFill>
+        <p:spPr>
+          <a:xfrm>
+            <a:off x="957943" y="3539948"/>
+            <a:ext cx="5413325" cy="1969299"/>
+          </a:xfrm>
+          <a:prstGeom prst="rect">
+            <a:avLst/>
+          </a:prstGeom>
+        </p:spPr>
+      </p:pic>
+    </p:spTree>
+    <p:extLst>
+      <p:ext uri="{BB962C8B-B14F-4D97-AF65-F5344CB8AC3E}">
+        <p14:creationId xmlns:p14="http://schemas.microsoft.com/office/powerpoint/2010/main" val="3698680852"/>
+      </p:ext>
+    </p:extLst>
+  </p:cSld>
+  <p:clrMapOvr>
+    <a:masterClrMapping/>
+  </p:clrMapOvr>
+</p:sld>
+</file>
+
+<file path=ppt/slides/slide46.xml><?xml version="1.0" encoding="utf-8"?>
+<p:sld xmlns:a="http://schemas.openxmlformats.org/drawingml/2006/main" xmlns:r="http://schemas.openxmlformats.org/officeDocument/2006/relationships" xmlns:p="http://schemas.openxmlformats.org/presentationml/2006/main">
+  <p:cSld>
+    <p:spTree>
+      <p:nvGrpSpPr>
+        <p:cNvPr id="1" name=""/>
+        <p:cNvGrpSpPr/>
+        <p:nvPr/>
+      </p:nvGrpSpPr>
+      <p:grpSpPr>
+        <a:xfrm>
+          <a:off x="0" y="0"/>
+          <a:ext cx="0" cy="0"/>
+          <a:chOff x="0" y="0"/>
+          <a:chExt cx="0" cy="0"/>
+        </a:xfrm>
+      </p:grpSpPr>
+      <p:sp>
+        <p:nvSpPr>
+          <p:cNvPr id="2" name="文本框 1">
+            <a:extLst>
+              <a:ext uri="{FF2B5EF4-FFF2-40B4-BE49-F238E27FC236}">
+                <a16:creationId xmlns:a16="http://schemas.microsoft.com/office/drawing/2014/main" id="{A3A096E9-69C3-489D-B481-BDC93238CFF2}"/>
+              </a:ext>
+            </a:extLst>
+          </p:cNvPr>
+          <p:cNvSpPr txBox="1"/>
+          <p:nvPr/>
+        </p:nvSpPr>
+        <p:spPr>
+          <a:xfrm>
+            <a:off x="858416" y="734008"/>
+            <a:ext cx="7053943" cy="1754326"/>
+          </a:xfrm>
+          <a:prstGeom prst="rect">
+            <a:avLst/>
+          </a:prstGeom>
+          <a:noFill/>
+        </p:spPr>
+        <p:txBody>
+          <a:bodyPr wrap="square" rtlCol="0">
+            <a:spAutoFit/>
+          </a:bodyPr>
+          <a:lstStyle/>
+          <a:p>
+            <a:r>
+              <a:rPr lang="en-US" altLang="zh-CN" dirty="0" err="1"/>
+              <a:t>RTTtarget</a:t>
+            </a:r>
+            <a:endParaRPr lang="en-US" altLang="zh-CN" dirty="0"/>
+          </a:p>
+          <a:p>
+            <a:r>
+              <a:rPr lang="en-US" altLang="zh-CN" dirty="0" err="1"/>
+              <a:t>RTTtarget</a:t>
+            </a:r>
+            <a:r>
+              <a:rPr lang="zh-CN" altLang="en-US" dirty="0"/>
+              <a:t>动态设置使得算法有了很大的约束</a:t>
+            </a:r>
+            <a:endParaRPr lang="en-US" altLang="zh-CN" dirty="0"/>
+          </a:p>
+          <a:p>
+            <a:r>
+              <a:rPr lang="zh-CN" altLang="en-US" dirty="0"/>
+              <a:t>在</a:t>
+            </a:r>
+            <a:r>
+              <a:rPr lang="en-US" altLang="zh-CN" dirty="0"/>
+              <a:t>INCAST</a:t>
+            </a:r>
+            <a:r>
+              <a:rPr lang="zh-CN" altLang="en-US" dirty="0"/>
+              <a:t>场景下，设置其</a:t>
+            </a:r>
+            <a:r>
+              <a:rPr lang="en-US" altLang="zh-CN" dirty="0"/>
+              <a:t>5us\6us\7us</a:t>
+            </a:r>
+          </a:p>
+          <a:p>
+            <a:r>
+              <a:rPr lang="zh-CN" altLang="en-US" dirty="0"/>
+              <a:t>但是在</a:t>
+            </a:r>
+            <a:r>
+              <a:rPr lang="en-US" altLang="zh-CN" dirty="0"/>
+              <a:t>30%load+incast(2%)</a:t>
+            </a:r>
+            <a:r>
+              <a:rPr lang="zh-CN" altLang="en-US" dirty="0"/>
+              <a:t>场景下</a:t>
+            </a:r>
+            <a:endParaRPr lang="en-US" altLang="zh-CN" dirty="0"/>
+          </a:p>
+          <a:p>
+            <a:r>
+              <a:rPr lang="zh-CN" altLang="en-US" dirty="0"/>
+              <a:t>不发生</a:t>
+            </a:r>
+            <a:r>
+              <a:rPr lang="en-US" altLang="zh-CN" dirty="0"/>
+              <a:t>INCAST</a:t>
+            </a:r>
+            <a:r>
+              <a:rPr lang="zh-CN" altLang="en-US" dirty="0"/>
+              <a:t>场景时平均</a:t>
+            </a:r>
+            <a:r>
+              <a:rPr lang="en-US" altLang="zh-CN" dirty="0"/>
+              <a:t>RTT</a:t>
+            </a:r>
+            <a:r>
+              <a:rPr lang="zh-CN" altLang="en-US" dirty="0"/>
+              <a:t>在</a:t>
+            </a:r>
+            <a:r>
+              <a:rPr lang="en-US" altLang="zh-CN" dirty="0"/>
+              <a:t>8us-15us,</a:t>
+            </a:r>
+            <a:r>
+              <a:rPr lang="zh-CN" altLang="en-US" dirty="0"/>
+              <a:t>因此需要重新设计</a:t>
+            </a:r>
+            <a:r>
+              <a:rPr lang="en-US" altLang="zh-CN" dirty="0" err="1"/>
+              <a:t>RTTtarget</a:t>
+            </a:r>
+            <a:r>
+              <a:rPr lang="en-US" altLang="zh-CN" dirty="0"/>
+              <a:t>,</a:t>
+            </a:r>
+            <a:r>
+              <a:rPr lang="zh-CN" altLang="en-US" dirty="0"/>
+              <a:t>使其能够动态变化</a:t>
+            </a:r>
+          </a:p>
+        </p:txBody>
+      </p:sp>
+      <p:sp>
+        <p:nvSpPr>
+          <p:cNvPr id="3" name="文本框 2">
+            <a:extLst>
+              <a:ext uri="{FF2B5EF4-FFF2-40B4-BE49-F238E27FC236}">
+                <a16:creationId xmlns:a16="http://schemas.microsoft.com/office/drawing/2014/main" id="{3D529F3C-AC89-4A65-A7AC-6833803A2106}"/>
+              </a:ext>
+            </a:extLst>
+          </p:cNvPr>
+          <p:cNvSpPr txBox="1"/>
+          <p:nvPr/>
+        </p:nvSpPr>
+        <p:spPr>
+          <a:xfrm>
+            <a:off x="858416" y="3141306"/>
+            <a:ext cx="7657322" cy="646331"/>
+          </a:xfrm>
+          <a:prstGeom prst="rect">
+            <a:avLst/>
+          </a:prstGeom>
+          <a:noFill/>
+        </p:spPr>
+        <p:txBody>
+          <a:bodyPr wrap="square" rtlCol="0">
+            <a:spAutoFit/>
+          </a:bodyPr>
+          <a:lstStyle/>
+          <a:p>
+            <a:r>
+              <a:rPr lang="en-US" altLang="zh-CN" dirty="0"/>
+              <a:t>PIDNN</a:t>
+            </a:r>
+            <a:r>
+              <a:rPr lang="zh-CN" altLang="en-US" dirty="0"/>
+              <a:t>输出问题，之前设置速率控制</a:t>
+            </a:r>
+            <a:r>
+              <a:rPr lang="en-US" altLang="zh-CN" dirty="0"/>
+              <a:t>0.4&lt;C&lt;1.6</a:t>
+            </a:r>
+            <a:r>
+              <a:rPr lang="zh-CN" altLang="en-US" dirty="0"/>
+              <a:t>，发现：</a:t>
+            </a:r>
+            <a:endParaRPr lang="en-US" altLang="zh-CN" dirty="0"/>
+          </a:p>
+          <a:p>
+            <a:endParaRPr lang="zh-CN" altLang="en-US" dirty="0"/>
+          </a:p>
+        </p:txBody>
+      </p:sp>
+      <p:pic>
+        <p:nvPicPr>
+          <p:cNvPr id="7" name="图片 6">
+            <a:extLst>
+              <a:ext uri="{FF2B5EF4-FFF2-40B4-BE49-F238E27FC236}">
+                <a16:creationId xmlns:a16="http://schemas.microsoft.com/office/drawing/2014/main" id="{5C09A883-7B38-46D8-8FBF-D4EE409CB996}"/>
+              </a:ext>
+            </a:extLst>
+          </p:cNvPr>
+          <p:cNvPicPr>
+            <a:picLocks noChangeAspect="1"/>
+          </p:cNvPicPr>
+          <p:nvPr/>
+        </p:nvPicPr>
+        <p:blipFill>
+          <a:blip r:embed="rId2"/>
+          <a:stretch>
+            <a:fillRect/>
+          </a:stretch>
+        </p:blipFill>
+        <p:spPr>
+          <a:xfrm>
+            <a:off x="6618513" y="2443575"/>
+            <a:ext cx="5253342" cy="4019429"/>
+          </a:xfrm>
+          <a:prstGeom prst="rect">
+            <a:avLst/>
+          </a:prstGeom>
+        </p:spPr>
+      </p:pic>
+    </p:spTree>
+    <p:extLst>
+      <p:ext uri="{BB962C8B-B14F-4D97-AF65-F5344CB8AC3E}">
+        <p14:creationId xmlns:p14="http://schemas.microsoft.com/office/powerpoint/2010/main" val="3578851058"/>
+      </p:ext>
+    </p:extLst>
+  </p:cSld>
+  <p:clrMapOvr>
+    <a:masterClrMapping/>
+  </p:clrMapOvr>
+</p:sld>
+</file>
+
+<file path=ppt/slides/slide47.xml><?xml version="1.0" encoding="utf-8"?>
+<p:sld xmlns:a="http://schemas.openxmlformats.org/drawingml/2006/main" xmlns:r="http://schemas.openxmlformats.org/officeDocument/2006/relationships" xmlns:p="http://schemas.openxmlformats.org/presentationml/2006/main">
+  <p:cSld>
+    <p:spTree>
+      <p:nvGrpSpPr>
+        <p:cNvPr id="1" name=""/>
+        <p:cNvGrpSpPr/>
+        <p:nvPr/>
+      </p:nvGrpSpPr>
+      <p:grpSpPr>
+        <a:xfrm>
+          <a:off x="0" y="0"/>
+          <a:ext cx="0" cy="0"/>
+          <a:chOff x="0" y="0"/>
+          <a:chExt cx="0" cy="0"/>
+        </a:xfrm>
+      </p:grpSpPr>
+      <p:sp>
+        <p:nvSpPr>
+          <p:cNvPr id="2" name="文本框 1">
+            <a:extLst>
+              <a:ext uri="{FF2B5EF4-FFF2-40B4-BE49-F238E27FC236}">
+                <a16:creationId xmlns:a16="http://schemas.microsoft.com/office/drawing/2014/main" id="{DD144413-9DFB-424D-917C-2B20E6D0DE80}"/>
+              </a:ext>
+            </a:extLst>
+          </p:cNvPr>
+          <p:cNvSpPr txBox="1"/>
+          <p:nvPr/>
+        </p:nvSpPr>
+        <p:spPr>
+          <a:xfrm>
+            <a:off x="640701" y="422988"/>
+            <a:ext cx="6207967" cy="1200329"/>
+          </a:xfrm>
+          <a:prstGeom prst="rect">
+            <a:avLst/>
+          </a:prstGeom>
+          <a:noFill/>
+        </p:spPr>
+        <p:txBody>
+          <a:bodyPr wrap="square" rtlCol="0">
+            <a:spAutoFit/>
+          </a:bodyPr>
+          <a:lstStyle/>
+          <a:p>
+            <a:r>
+              <a:rPr lang="zh-CN" altLang="en-US" dirty="0"/>
+              <a:t>解决思路：</a:t>
+            </a:r>
+            <a:endParaRPr lang="en-US" altLang="zh-CN" dirty="0"/>
+          </a:p>
+          <a:p>
+            <a:r>
+              <a:rPr lang="en-US" altLang="zh-CN" dirty="0"/>
+              <a:t>C = 0.5+sigmod(</a:t>
+            </a:r>
+            <a:r>
+              <a:rPr lang="en-US" altLang="zh-CN" dirty="0" err="1"/>
+              <a:t>PIDout</a:t>
+            </a:r>
+            <a:r>
+              <a:rPr lang="en-US" altLang="zh-CN" dirty="0"/>
+              <a:t>)</a:t>
+            </a:r>
+          </a:p>
+          <a:p>
+            <a:r>
+              <a:rPr lang="zh-CN" altLang="en-US" dirty="0"/>
+              <a:t>阈值修改：</a:t>
+            </a:r>
+            <a:r>
+              <a:rPr lang="en-US" altLang="zh-CN" dirty="0"/>
+              <a:t> 0.5&lt;C&lt;1.25</a:t>
+            </a:r>
+          </a:p>
+          <a:p>
+            <a:r>
+              <a:rPr lang="zh-CN" altLang="en-US" dirty="0"/>
+              <a:t>存在一个特点：启动慢，</a:t>
+            </a:r>
+            <a:r>
+              <a:rPr lang="en-US" altLang="zh-CN" dirty="0"/>
+              <a:t>PID</a:t>
+            </a:r>
+            <a:r>
+              <a:rPr lang="zh-CN" altLang="en-US" dirty="0"/>
+              <a:t>参数优化</a:t>
+            </a:r>
+            <a:endParaRPr lang="en-US" altLang="zh-CN" dirty="0"/>
+          </a:p>
+        </p:txBody>
+      </p:sp>
+      <p:sp>
+        <p:nvSpPr>
+          <p:cNvPr id="3" name="文本框 2">
+            <a:extLst>
+              <a:ext uri="{FF2B5EF4-FFF2-40B4-BE49-F238E27FC236}">
+                <a16:creationId xmlns:a16="http://schemas.microsoft.com/office/drawing/2014/main" id="{32F1253D-F4B2-443E-BC47-D8DE6AA10791}"/>
+              </a:ext>
+            </a:extLst>
+          </p:cNvPr>
+          <p:cNvSpPr txBox="1"/>
+          <p:nvPr/>
+        </p:nvSpPr>
+        <p:spPr>
+          <a:xfrm>
+            <a:off x="640701" y="1903445"/>
+            <a:ext cx="6711820" cy="2308324"/>
+          </a:xfrm>
+          <a:prstGeom prst="rect">
+            <a:avLst/>
+          </a:prstGeom>
+          <a:noFill/>
+        </p:spPr>
+        <p:txBody>
+          <a:bodyPr wrap="square" rtlCol="0">
+            <a:spAutoFit/>
+          </a:bodyPr>
+          <a:lstStyle/>
+          <a:p>
+            <a:r>
+              <a:rPr lang="zh-CN" altLang="en-US" dirty="0"/>
+              <a:t>对于</a:t>
+            </a:r>
+            <a:r>
+              <a:rPr lang="en-US" altLang="zh-CN" dirty="0" err="1"/>
+              <a:t>RTTtarget</a:t>
+            </a:r>
+            <a:r>
+              <a:rPr lang="zh-CN" altLang="en-US" dirty="0"/>
+              <a:t>选择，先加一个调整模块，根据一定时间内统计到的</a:t>
+            </a:r>
+            <a:r>
+              <a:rPr lang="en-US" altLang="zh-CN" dirty="0" err="1"/>
+              <a:t>minRTT</a:t>
+            </a:r>
+            <a:r>
+              <a:rPr lang="zh-CN" altLang="en-US" dirty="0"/>
+              <a:t>更新</a:t>
+            </a:r>
+            <a:r>
+              <a:rPr lang="en-US" altLang="zh-CN" dirty="0" err="1"/>
+              <a:t>RTTtarget</a:t>
+            </a:r>
+            <a:endParaRPr lang="en-US" altLang="zh-CN" dirty="0"/>
+          </a:p>
+          <a:p>
+            <a:endParaRPr lang="en-US" altLang="zh-CN" dirty="0"/>
+          </a:p>
+          <a:p>
+            <a:r>
+              <a:rPr lang="zh-CN" altLang="en-US" dirty="0"/>
+              <a:t>给定调整范围：</a:t>
+            </a:r>
+            <a:endParaRPr lang="en-US" altLang="zh-CN" dirty="0"/>
+          </a:p>
+          <a:p>
+            <a:r>
+              <a:rPr lang="zh-CN" altLang="en-US" dirty="0"/>
+              <a:t>例如</a:t>
+            </a:r>
+            <a:r>
+              <a:rPr lang="en-US" altLang="zh-CN" dirty="0"/>
+              <a:t>4us&lt;</a:t>
+            </a:r>
+            <a:r>
+              <a:rPr lang="en-US" altLang="zh-CN" dirty="0" err="1"/>
+              <a:t>RTTtarget</a:t>
+            </a:r>
+            <a:r>
+              <a:rPr lang="en-US" altLang="zh-CN" dirty="0"/>
+              <a:t>&lt;20us</a:t>
+            </a:r>
+          </a:p>
+          <a:p>
+            <a:r>
+              <a:rPr lang="en-US" altLang="zh-CN" dirty="0" err="1"/>
+              <a:t>RTTtarget</a:t>
+            </a:r>
+            <a:r>
+              <a:rPr lang="zh-CN" altLang="en-US" dirty="0"/>
+              <a:t>初始设置为</a:t>
+            </a:r>
+            <a:r>
+              <a:rPr lang="en-US" altLang="zh-CN" dirty="0"/>
+              <a:t>5us,</a:t>
+            </a:r>
+          </a:p>
+          <a:p>
+            <a:r>
+              <a:rPr lang="zh-CN" altLang="en-US" dirty="0"/>
+              <a:t>当连续观察到</a:t>
+            </a:r>
+            <a:r>
+              <a:rPr lang="en-US" altLang="zh-CN" dirty="0"/>
+              <a:t>N</a:t>
+            </a:r>
+            <a:r>
+              <a:rPr lang="zh-CN" altLang="en-US" dirty="0"/>
+              <a:t>个</a:t>
+            </a:r>
+            <a:r>
+              <a:rPr lang="en-US" altLang="zh-CN" dirty="0"/>
+              <a:t>RTT</a:t>
+            </a:r>
+            <a:r>
+              <a:rPr lang="zh-CN" altLang="en-US" dirty="0"/>
+              <a:t>都</a:t>
+            </a:r>
+            <a:r>
+              <a:rPr lang="en-US" altLang="zh-CN" dirty="0"/>
+              <a:t>&gt; </a:t>
+            </a:r>
+            <a:r>
+              <a:rPr lang="en-US" altLang="zh-CN" dirty="0" err="1"/>
+              <a:t>RTTtarget</a:t>
+            </a:r>
+            <a:r>
+              <a:rPr lang="zh-CN" altLang="en-US" dirty="0"/>
+              <a:t>时，上调</a:t>
+            </a:r>
+            <a:r>
+              <a:rPr lang="en-US" altLang="zh-CN" dirty="0" err="1"/>
+              <a:t>RTTtarget</a:t>
+            </a:r>
+            <a:endParaRPr lang="en-US" altLang="zh-CN" dirty="0"/>
+          </a:p>
+          <a:p>
+            <a:r>
+              <a:rPr lang="zh-CN" altLang="en-US" dirty="0"/>
+              <a:t>当连续观察到</a:t>
+            </a:r>
+            <a:r>
+              <a:rPr lang="en-US" altLang="zh-CN" dirty="0"/>
+              <a:t>N</a:t>
+            </a:r>
+            <a:r>
+              <a:rPr lang="zh-CN" altLang="en-US" dirty="0"/>
+              <a:t>个</a:t>
+            </a:r>
+            <a:r>
+              <a:rPr lang="en-US" altLang="zh-CN" dirty="0"/>
+              <a:t>RTT</a:t>
+            </a:r>
+            <a:r>
+              <a:rPr lang="zh-CN" altLang="en-US" dirty="0"/>
+              <a:t>都</a:t>
+            </a:r>
+            <a:r>
+              <a:rPr lang="en-US" altLang="zh-CN" dirty="0"/>
+              <a:t>&lt; </a:t>
+            </a:r>
+            <a:r>
+              <a:rPr lang="en-US" altLang="zh-CN" dirty="0" err="1"/>
+              <a:t>RTTtarget</a:t>
+            </a:r>
+            <a:r>
+              <a:rPr lang="zh-CN" altLang="en-US" dirty="0"/>
+              <a:t>时，下调</a:t>
+            </a:r>
+            <a:r>
+              <a:rPr lang="en-US" altLang="zh-CN" dirty="0" err="1"/>
+              <a:t>RTTtarget</a:t>
+            </a:r>
+            <a:endParaRPr lang="zh-CN" altLang="en-US" dirty="0"/>
+          </a:p>
+        </p:txBody>
+      </p:sp>
+    </p:spTree>
+    <p:extLst>
+      <p:ext uri="{BB962C8B-B14F-4D97-AF65-F5344CB8AC3E}">
+        <p14:creationId xmlns:p14="http://schemas.microsoft.com/office/powerpoint/2010/main" val="236467526"/>
       </p:ext>
     </p:extLst>
   </p:cSld>

--- a/paper/毕设思路 [自动保存的] [自动保存的].pptx
+++ b/paper/毕设思路 [自动保存的] [自动保存的].pptx
@@ -52,6 +52,7 @@
     <p:sldId id="301" r:id="rId46"/>
     <p:sldId id="302" r:id="rId47"/>
     <p:sldId id="303" r:id="rId48"/>
+    <p:sldId id="304" r:id="rId49"/>
   </p:sldIdLst>
   <p:sldSz cx="12192000" cy="6858000"/>
   <p:notesSz cx="6858000" cy="9144000"/>
@@ -810,16 +811,16 @@
                 <c:formatCode>General</c:formatCode>
                 <c:ptCount val="4"/>
                 <c:pt idx="0">
-                  <c:v>13.009</c:v>
+                  <c:v>24.552</c:v>
                 </c:pt>
                 <c:pt idx="1">
-                  <c:v>10.105</c:v>
+                  <c:v>7.4619999999999997</c:v>
                 </c:pt>
                 <c:pt idx="2">
-                  <c:v>15.6503</c:v>
+                  <c:v>14.797700000000001</c:v>
                 </c:pt>
                 <c:pt idx="3">
-                  <c:v>5.3068999999999997</c:v>
+                  <c:v>4.9615999999999998</c:v>
                 </c:pt>
               </c:numCache>
             </c:numRef>
@@ -935,16 +936,16 @@
                 <c:formatCode>General</c:formatCode>
                 <c:ptCount val="4"/>
                 <c:pt idx="0">
-                  <c:v>10.147</c:v>
+                  <c:v>21.143999999999998</c:v>
                 </c:pt>
                 <c:pt idx="1">
-                  <c:v>8.7170000000000005</c:v>
+                  <c:v>6.2759999999999998</c:v>
                 </c:pt>
                 <c:pt idx="2">
-                  <c:v>17.0839</c:v>
+                  <c:v>21.178899999999999</c:v>
                 </c:pt>
                 <c:pt idx="3">
-                  <c:v>5.2789000000000001</c:v>
+                  <c:v>5.0301999999999998</c:v>
                 </c:pt>
               </c:numCache>
             </c:numRef>
@@ -2444,7 +2445,7 @@
           <a:p>
             <a:fld id="{AD8B3968-3313-4141-86A3-A13F50CDB1A3}" type="datetimeFigureOut">
               <a:rPr lang="zh-CN" altLang="en-US" smtClean="0"/>
-              <a:t>2023/4/19</a:t>
+              <a:t>2023/4/21</a:t>
             </a:fld>
             <a:endParaRPr lang="zh-CN" altLang="en-US"/>
           </a:p>
@@ -2642,7 +2643,7 @@
           <a:p>
             <a:fld id="{AD8B3968-3313-4141-86A3-A13F50CDB1A3}" type="datetimeFigureOut">
               <a:rPr lang="zh-CN" altLang="en-US" smtClean="0"/>
-              <a:t>2023/4/19</a:t>
+              <a:t>2023/4/21</a:t>
             </a:fld>
             <a:endParaRPr lang="zh-CN" altLang="en-US"/>
           </a:p>
@@ -2850,7 +2851,7 @@
           <a:p>
             <a:fld id="{AD8B3968-3313-4141-86A3-A13F50CDB1A3}" type="datetimeFigureOut">
               <a:rPr lang="zh-CN" altLang="en-US" smtClean="0"/>
-              <a:t>2023/4/19</a:t>
+              <a:t>2023/4/21</a:t>
             </a:fld>
             <a:endParaRPr lang="zh-CN" altLang="en-US"/>
           </a:p>
@@ -3048,7 +3049,7 @@
           <a:p>
             <a:fld id="{AD8B3968-3313-4141-86A3-A13F50CDB1A3}" type="datetimeFigureOut">
               <a:rPr lang="zh-CN" altLang="en-US" smtClean="0"/>
-              <a:t>2023/4/19</a:t>
+              <a:t>2023/4/21</a:t>
             </a:fld>
             <a:endParaRPr lang="zh-CN" altLang="en-US"/>
           </a:p>
@@ -3323,7 +3324,7 @@
           <a:p>
             <a:fld id="{AD8B3968-3313-4141-86A3-A13F50CDB1A3}" type="datetimeFigureOut">
               <a:rPr lang="zh-CN" altLang="en-US" smtClean="0"/>
-              <a:t>2023/4/19</a:t>
+              <a:t>2023/4/21</a:t>
             </a:fld>
             <a:endParaRPr lang="zh-CN" altLang="en-US"/>
           </a:p>
@@ -3588,7 +3589,7 @@
           <a:p>
             <a:fld id="{AD8B3968-3313-4141-86A3-A13F50CDB1A3}" type="datetimeFigureOut">
               <a:rPr lang="zh-CN" altLang="en-US" smtClean="0"/>
-              <a:t>2023/4/19</a:t>
+              <a:t>2023/4/21</a:t>
             </a:fld>
             <a:endParaRPr lang="zh-CN" altLang="en-US"/>
           </a:p>
@@ -4000,7 +4001,7 @@
           <a:p>
             <a:fld id="{AD8B3968-3313-4141-86A3-A13F50CDB1A3}" type="datetimeFigureOut">
               <a:rPr lang="zh-CN" altLang="en-US" smtClean="0"/>
-              <a:t>2023/4/19</a:t>
+              <a:t>2023/4/21</a:t>
             </a:fld>
             <a:endParaRPr lang="zh-CN" altLang="en-US"/>
           </a:p>
@@ -4141,7 +4142,7 @@
           <a:p>
             <a:fld id="{AD8B3968-3313-4141-86A3-A13F50CDB1A3}" type="datetimeFigureOut">
               <a:rPr lang="zh-CN" altLang="en-US" smtClean="0"/>
-              <a:t>2023/4/19</a:t>
+              <a:t>2023/4/21</a:t>
             </a:fld>
             <a:endParaRPr lang="zh-CN" altLang="en-US"/>
           </a:p>
@@ -4254,7 +4255,7 @@
           <a:p>
             <a:fld id="{AD8B3968-3313-4141-86A3-A13F50CDB1A3}" type="datetimeFigureOut">
               <a:rPr lang="zh-CN" altLang="en-US" smtClean="0"/>
-              <a:t>2023/4/19</a:t>
+              <a:t>2023/4/21</a:t>
             </a:fld>
             <a:endParaRPr lang="zh-CN" altLang="en-US"/>
           </a:p>
@@ -4565,7 +4566,7 @@
           <a:p>
             <a:fld id="{AD8B3968-3313-4141-86A3-A13F50CDB1A3}" type="datetimeFigureOut">
               <a:rPr lang="zh-CN" altLang="en-US" smtClean="0"/>
-              <a:t>2023/4/19</a:t>
+              <a:t>2023/4/21</a:t>
             </a:fld>
             <a:endParaRPr lang="zh-CN" altLang="en-US"/>
           </a:p>
@@ -4853,7 +4854,7 @@
           <a:p>
             <a:fld id="{AD8B3968-3313-4141-86A3-A13F50CDB1A3}" type="datetimeFigureOut">
               <a:rPr lang="zh-CN" altLang="en-US" smtClean="0"/>
-              <a:t>2023/4/19</a:t>
+              <a:t>2023/4/21</a:t>
             </a:fld>
             <a:endParaRPr lang="zh-CN" altLang="en-US"/>
           </a:p>
@@ -5094,7 +5095,7 @@
           <a:p>
             <a:fld id="{AD8B3968-3313-4141-86A3-A13F50CDB1A3}" type="datetimeFigureOut">
               <a:rPr lang="zh-CN" altLang="en-US" smtClean="0"/>
-              <a:t>2023/4/19</a:t>
+              <a:t>2023/4/21</a:t>
             </a:fld>
             <a:endParaRPr lang="zh-CN" altLang="en-US"/>
           </a:p>
@@ -25626,7 +25627,7 @@
           <p:nvPr>
             <p:extLst>
               <p:ext uri="{D42A27DB-BD31-4B8C-83A1-F6EECF244321}">
-                <p14:modId xmlns:p14="http://schemas.microsoft.com/office/powerpoint/2010/main" val="365068293"/>
+                <p14:modId xmlns:p14="http://schemas.microsoft.com/office/powerpoint/2010/main" val="3101647147"/>
               </p:ext>
             </p:extLst>
           </p:nvPr>
@@ -26401,7 +26402,7 @@
             </a:r>
             <a:r>
               <a:rPr lang="en-US" altLang="zh-CN" dirty="0"/>
-              <a:t> 0.5&lt;C&lt;1.25</a:t>
+              <a:t> 0.4&lt;C&lt;1.5</a:t>
             </a:r>
           </a:p>
           <a:p>
@@ -26601,6 +26602,218 @@
     <p:extLst>
       <p:ext uri="{BB962C8B-B14F-4D97-AF65-F5344CB8AC3E}">
         <p14:creationId xmlns:p14="http://schemas.microsoft.com/office/powerpoint/2010/main" val="236467526"/>
+      </p:ext>
+    </p:extLst>
+  </p:cSld>
+  <p:clrMapOvr>
+    <a:masterClrMapping/>
+  </p:clrMapOvr>
+</p:sld>
+</file>
+
+<file path=ppt/slides/slide48.xml><?xml version="1.0" encoding="utf-8"?>
+<p:sld xmlns:a="http://schemas.openxmlformats.org/drawingml/2006/main" xmlns:r="http://schemas.openxmlformats.org/officeDocument/2006/relationships" xmlns:p="http://schemas.openxmlformats.org/presentationml/2006/main">
+  <p:cSld>
+    <p:spTree>
+      <p:nvGrpSpPr>
+        <p:cNvPr id="1" name=""/>
+        <p:cNvGrpSpPr/>
+        <p:nvPr/>
+      </p:nvGrpSpPr>
+      <p:grpSpPr>
+        <a:xfrm>
+          <a:off x="0" y="0"/>
+          <a:ext cx="0" cy="0"/>
+          <a:chOff x="0" y="0"/>
+          <a:chExt cx="0" cy="0"/>
+        </a:xfrm>
+      </p:grpSpPr>
+      <p:sp>
+        <p:nvSpPr>
+          <p:cNvPr id="2" name="文本框 1">
+            <a:extLst>
+              <a:ext uri="{FF2B5EF4-FFF2-40B4-BE49-F238E27FC236}">
+                <a16:creationId xmlns:a16="http://schemas.microsoft.com/office/drawing/2014/main" id="{71620A83-9487-4FBC-9D17-563223C3B133}"/>
+              </a:ext>
+            </a:extLst>
+          </p:cNvPr>
+          <p:cNvSpPr txBox="1"/>
+          <p:nvPr/>
+        </p:nvSpPr>
+        <p:spPr>
+          <a:xfrm>
+            <a:off x="777551" y="379445"/>
+            <a:ext cx="7843935" cy="2308324"/>
+          </a:xfrm>
+          <a:prstGeom prst="rect">
+            <a:avLst/>
+          </a:prstGeom>
+          <a:noFill/>
+        </p:spPr>
+        <p:txBody>
+          <a:bodyPr wrap="square" rtlCol="0">
+            <a:spAutoFit/>
+          </a:bodyPr>
+          <a:lstStyle/>
+          <a:p>
+            <a:r>
+              <a:rPr lang="en-US" altLang="zh-CN" dirty="0"/>
+              <a:t>PID</a:t>
+            </a:r>
+            <a:r>
+              <a:rPr lang="zh-CN" altLang="en-US" dirty="0"/>
+              <a:t>参数优化方法：</a:t>
+            </a:r>
+            <a:endParaRPr lang="en-US" altLang="zh-CN" dirty="0"/>
+          </a:p>
+          <a:p>
+            <a:r>
+              <a:rPr lang="zh-CN" altLang="en-US" dirty="0"/>
+              <a:t>参数</a:t>
+            </a:r>
+            <a:r>
+              <a:rPr lang="en-US" altLang="zh-CN" dirty="0"/>
+              <a:t>P</a:t>
+            </a:r>
+            <a:r>
+              <a:rPr lang="zh-CN" altLang="en-US" dirty="0"/>
+              <a:t>对于控制</a:t>
+            </a:r>
+            <a:r>
+              <a:rPr lang="en-US" altLang="zh-CN" dirty="0"/>
+              <a:t>RTT</a:t>
+            </a:r>
+            <a:r>
+              <a:rPr lang="zh-CN" altLang="en-US" dirty="0"/>
+              <a:t>在</a:t>
+            </a:r>
+            <a:r>
+              <a:rPr lang="en-US" altLang="zh-CN" dirty="0" err="1"/>
+              <a:t>RTTtarget</a:t>
+            </a:r>
+            <a:r>
+              <a:rPr lang="zh-CN" altLang="en-US" dirty="0"/>
+              <a:t>上下抖动，</a:t>
+            </a:r>
+            <a:r>
+              <a:rPr lang="en-US" altLang="zh-CN" dirty="0"/>
+              <a:t>|P|</a:t>
+            </a:r>
+            <a:r>
+              <a:rPr lang="zh-CN" altLang="en-US" dirty="0"/>
+              <a:t>越大，抖动越快（不考虑阈值限制），频率越快越好，最好为</a:t>
+            </a:r>
+            <a:r>
+              <a:rPr lang="en-US" altLang="zh-CN" dirty="0"/>
+              <a:t>2</a:t>
+            </a:r>
+            <a:r>
+              <a:rPr lang="zh-CN" altLang="en-US" dirty="0"/>
+              <a:t>，但实际控制具有滞后性，无法达到该频率，且频率越大幅度越大，目的选择一个合适的频率和幅值及较高的吞吐量，优化</a:t>
+            </a:r>
+            <a:r>
+              <a:rPr lang="en-US" altLang="zh-CN" dirty="0"/>
+              <a:t>P</a:t>
+            </a:r>
+            <a:r>
+              <a:rPr lang="zh-CN" altLang="en-US" dirty="0"/>
+              <a:t>参数</a:t>
+            </a:r>
+            <a:endParaRPr lang="en-US" altLang="zh-CN" dirty="0"/>
+          </a:p>
+          <a:p>
+            <a:r>
+              <a:rPr lang="zh-CN" altLang="en-US" dirty="0"/>
+              <a:t>参数</a:t>
+            </a:r>
+            <a:r>
+              <a:rPr lang="en-US" altLang="zh-CN" dirty="0"/>
+              <a:t>I</a:t>
+            </a:r>
+            <a:r>
+              <a:rPr lang="zh-CN" altLang="en-US" dirty="0"/>
+              <a:t>对于控制平均</a:t>
+            </a:r>
+            <a:r>
+              <a:rPr lang="en-US" altLang="zh-CN" dirty="0"/>
+              <a:t>RTT</a:t>
+            </a:r>
+            <a:r>
+              <a:rPr lang="zh-CN" altLang="en-US" dirty="0"/>
+              <a:t>最终和</a:t>
+            </a:r>
+            <a:r>
+              <a:rPr lang="en-US" altLang="zh-CN" dirty="0" err="1"/>
+              <a:t>RTTtarget</a:t>
+            </a:r>
+            <a:r>
+              <a:rPr lang="zh-CN" altLang="en-US" dirty="0"/>
+              <a:t>无限接近，根据平均</a:t>
+            </a:r>
+            <a:r>
+              <a:rPr lang="en-US" altLang="zh-CN" dirty="0"/>
+              <a:t>RTT</a:t>
+            </a:r>
+            <a:r>
+              <a:rPr lang="zh-CN" altLang="en-US" dirty="0"/>
+              <a:t>调整参数</a:t>
+            </a:r>
+            <a:r>
+              <a:rPr lang="en-US" altLang="zh-CN" dirty="0"/>
+              <a:t>I</a:t>
+            </a:r>
+          </a:p>
+          <a:p>
+            <a:r>
+              <a:rPr lang="zh-CN" altLang="en-US" dirty="0"/>
+              <a:t>参数</a:t>
+            </a:r>
+            <a:r>
+              <a:rPr lang="en-US" altLang="zh-CN" dirty="0"/>
+              <a:t>D</a:t>
+            </a:r>
+            <a:r>
+              <a:rPr lang="zh-CN" altLang="en-US" dirty="0"/>
+              <a:t>影响</a:t>
+            </a:r>
+            <a:r>
+              <a:rPr lang="en-US" altLang="zh-CN" dirty="0"/>
+              <a:t>RTT</a:t>
+            </a:r>
+            <a:r>
+              <a:rPr lang="zh-CN" altLang="en-US" dirty="0"/>
+              <a:t>变化幅度，根据</a:t>
+            </a:r>
+            <a:r>
+              <a:rPr lang="en-US" altLang="zh-CN" dirty="0"/>
+              <a:t>RTT</a:t>
+            </a:r>
+            <a:r>
+              <a:rPr lang="zh-CN" altLang="en-US" dirty="0"/>
+              <a:t>震动幅度调整</a:t>
+            </a:r>
+            <a:r>
+              <a:rPr lang="en-US" altLang="zh-CN" dirty="0"/>
+              <a:t>D</a:t>
+            </a:r>
+          </a:p>
+          <a:p>
+            <a:r>
+              <a:rPr lang="zh-CN" altLang="en-US" dirty="0"/>
+              <a:t>优化顺序：</a:t>
+            </a:r>
+            <a:r>
+              <a:rPr lang="en-US" altLang="zh-CN" dirty="0"/>
+              <a:t>P &gt;I &gt;D</a:t>
+            </a:r>
+            <a:endParaRPr lang="zh-CN" altLang="en-US" dirty="0"/>
+          </a:p>
+        </p:txBody>
+      </p:sp>
+    </p:spTree>
+    <p:extLst>
+      <p:ext uri="{BB962C8B-B14F-4D97-AF65-F5344CB8AC3E}">
+        <p14:creationId xmlns:p14="http://schemas.microsoft.com/office/powerpoint/2010/main" val="2896117468"/>
       </p:ext>
     </p:extLst>
   </p:cSld>

--- a/paper/毕设思路 [自动保存的] [自动保存的].pptx
+++ b/paper/毕设思路 [自动保存的] [自动保存的].pptx
@@ -53,6 +53,10 @@
     <p:sldId id="302" r:id="rId47"/>
     <p:sldId id="303" r:id="rId48"/>
     <p:sldId id="304" r:id="rId49"/>
+    <p:sldId id="305" r:id="rId50"/>
+    <p:sldId id="306" r:id="rId51"/>
+    <p:sldId id="307" r:id="rId52"/>
+    <p:sldId id="308" r:id="rId53"/>
   </p:sldIdLst>
   <p:sldSz cx="12192000" cy="6858000"/>
   <p:notesSz cx="6858000" cy="9144000"/>
@@ -2445,7 +2449,7 @@
           <a:p>
             <a:fld id="{AD8B3968-3313-4141-86A3-A13F50CDB1A3}" type="datetimeFigureOut">
               <a:rPr lang="zh-CN" altLang="en-US" smtClean="0"/>
-              <a:t>2023/4/21</a:t>
+              <a:t>2023/4/22</a:t>
             </a:fld>
             <a:endParaRPr lang="zh-CN" altLang="en-US"/>
           </a:p>
@@ -2643,7 +2647,7 @@
           <a:p>
             <a:fld id="{AD8B3968-3313-4141-86A3-A13F50CDB1A3}" type="datetimeFigureOut">
               <a:rPr lang="zh-CN" altLang="en-US" smtClean="0"/>
-              <a:t>2023/4/21</a:t>
+              <a:t>2023/4/22</a:t>
             </a:fld>
             <a:endParaRPr lang="zh-CN" altLang="en-US"/>
           </a:p>
@@ -2851,7 +2855,7 @@
           <a:p>
             <a:fld id="{AD8B3968-3313-4141-86A3-A13F50CDB1A3}" type="datetimeFigureOut">
               <a:rPr lang="zh-CN" altLang="en-US" smtClean="0"/>
-              <a:t>2023/4/21</a:t>
+              <a:t>2023/4/22</a:t>
             </a:fld>
             <a:endParaRPr lang="zh-CN" altLang="en-US"/>
           </a:p>
@@ -3049,7 +3053,7 @@
           <a:p>
             <a:fld id="{AD8B3968-3313-4141-86A3-A13F50CDB1A3}" type="datetimeFigureOut">
               <a:rPr lang="zh-CN" altLang="en-US" smtClean="0"/>
-              <a:t>2023/4/21</a:t>
+              <a:t>2023/4/22</a:t>
             </a:fld>
             <a:endParaRPr lang="zh-CN" altLang="en-US"/>
           </a:p>
@@ -3324,7 +3328,7 @@
           <a:p>
             <a:fld id="{AD8B3968-3313-4141-86A3-A13F50CDB1A3}" type="datetimeFigureOut">
               <a:rPr lang="zh-CN" altLang="en-US" smtClean="0"/>
-              <a:t>2023/4/21</a:t>
+              <a:t>2023/4/22</a:t>
             </a:fld>
             <a:endParaRPr lang="zh-CN" altLang="en-US"/>
           </a:p>
@@ -3589,7 +3593,7 @@
           <a:p>
             <a:fld id="{AD8B3968-3313-4141-86A3-A13F50CDB1A3}" type="datetimeFigureOut">
               <a:rPr lang="zh-CN" altLang="en-US" smtClean="0"/>
-              <a:t>2023/4/21</a:t>
+              <a:t>2023/4/22</a:t>
             </a:fld>
             <a:endParaRPr lang="zh-CN" altLang="en-US"/>
           </a:p>
@@ -4001,7 +4005,7 @@
           <a:p>
             <a:fld id="{AD8B3968-3313-4141-86A3-A13F50CDB1A3}" type="datetimeFigureOut">
               <a:rPr lang="zh-CN" altLang="en-US" smtClean="0"/>
-              <a:t>2023/4/21</a:t>
+              <a:t>2023/4/22</a:t>
             </a:fld>
             <a:endParaRPr lang="zh-CN" altLang="en-US"/>
           </a:p>
@@ -4142,7 +4146,7 @@
           <a:p>
             <a:fld id="{AD8B3968-3313-4141-86A3-A13F50CDB1A3}" type="datetimeFigureOut">
               <a:rPr lang="zh-CN" altLang="en-US" smtClean="0"/>
-              <a:t>2023/4/21</a:t>
+              <a:t>2023/4/22</a:t>
             </a:fld>
             <a:endParaRPr lang="zh-CN" altLang="en-US"/>
           </a:p>
@@ -4255,7 +4259,7 @@
           <a:p>
             <a:fld id="{AD8B3968-3313-4141-86A3-A13F50CDB1A3}" type="datetimeFigureOut">
               <a:rPr lang="zh-CN" altLang="en-US" smtClean="0"/>
-              <a:t>2023/4/21</a:t>
+              <a:t>2023/4/22</a:t>
             </a:fld>
             <a:endParaRPr lang="zh-CN" altLang="en-US"/>
           </a:p>
@@ -4566,7 +4570,7 @@
           <a:p>
             <a:fld id="{AD8B3968-3313-4141-86A3-A13F50CDB1A3}" type="datetimeFigureOut">
               <a:rPr lang="zh-CN" altLang="en-US" smtClean="0"/>
-              <a:t>2023/4/21</a:t>
+              <a:t>2023/4/22</a:t>
             </a:fld>
             <a:endParaRPr lang="zh-CN" altLang="en-US"/>
           </a:p>
@@ -4854,7 +4858,7 @@
           <a:p>
             <a:fld id="{AD8B3968-3313-4141-86A3-A13F50CDB1A3}" type="datetimeFigureOut">
               <a:rPr lang="zh-CN" altLang="en-US" smtClean="0"/>
-              <a:t>2023/4/21</a:t>
+              <a:t>2023/4/22</a:t>
             </a:fld>
             <a:endParaRPr lang="zh-CN" altLang="en-US"/>
           </a:p>
@@ -5095,7 +5099,7 @@
           <a:p>
             <a:fld id="{AD8B3968-3313-4141-86A3-A13F50CDB1A3}" type="datetimeFigureOut">
               <a:rPr lang="zh-CN" altLang="en-US" smtClean="0"/>
-              <a:t>2023/4/21</a:t>
+              <a:t>2023/4/22</a:t>
             </a:fld>
             <a:endParaRPr lang="zh-CN" altLang="en-US"/>
           </a:p>
@@ -26823,6 +26827,182 @@
 </p:sld>
 </file>
 
+<file path=ppt/slides/slide49.xml><?xml version="1.0" encoding="utf-8"?>
+<p:sld xmlns:a="http://schemas.openxmlformats.org/drawingml/2006/main" xmlns:r="http://schemas.openxmlformats.org/officeDocument/2006/relationships" xmlns:p="http://schemas.openxmlformats.org/presentationml/2006/main">
+  <p:cSld>
+    <p:spTree>
+      <p:nvGrpSpPr>
+        <p:cNvPr id="1" name=""/>
+        <p:cNvGrpSpPr/>
+        <p:nvPr/>
+      </p:nvGrpSpPr>
+      <p:grpSpPr>
+        <a:xfrm>
+          <a:off x="0" y="0"/>
+          <a:ext cx="0" cy="0"/>
+          <a:chOff x="0" y="0"/>
+          <a:chExt cx="0" cy="0"/>
+        </a:xfrm>
+      </p:grpSpPr>
+      <p:sp>
+        <p:nvSpPr>
+          <p:cNvPr id="2" name="文本框 1">
+            <a:extLst>
+              <a:ext uri="{FF2B5EF4-FFF2-40B4-BE49-F238E27FC236}">
+                <a16:creationId xmlns:a16="http://schemas.microsoft.com/office/drawing/2014/main" id="{8865C9BF-5A00-45E0-91D9-A58FEAE8B8FA}"/>
+              </a:ext>
+            </a:extLst>
+          </p:cNvPr>
+          <p:cNvSpPr txBox="1"/>
+          <p:nvPr/>
+        </p:nvSpPr>
+        <p:spPr>
+          <a:xfrm>
+            <a:off x="597159" y="478971"/>
+            <a:ext cx="7246776" cy="1754326"/>
+          </a:xfrm>
+          <a:prstGeom prst="rect">
+            <a:avLst/>
+          </a:prstGeom>
+          <a:noFill/>
+        </p:spPr>
+        <p:txBody>
+          <a:bodyPr wrap="square" rtlCol="0">
+            <a:spAutoFit/>
+          </a:bodyPr>
+          <a:lstStyle/>
+          <a:p>
+            <a:r>
+              <a:rPr lang="en-US" altLang="zh-CN" dirty="0" err="1"/>
+              <a:t>RTTtarget</a:t>
+            </a:r>
+            <a:r>
+              <a:rPr lang="zh-CN" altLang="en-US" dirty="0"/>
+              <a:t>动态调整方法：</a:t>
+            </a:r>
+            <a:endParaRPr lang="en-US" altLang="zh-CN" dirty="0"/>
+          </a:p>
+          <a:p>
+            <a:r>
+              <a:rPr lang="en-US" altLang="zh-CN" dirty="0"/>
+              <a:t>A.</a:t>
+            </a:r>
+            <a:r>
+              <a:rPr lang="zh-CN" altLang="en-US" dirty="0"/>
+              <a:t>根据连续</a:t>
+            </a:r>
+            <a:r>
+              <a:rPr lang="en-US" altLang="zh-CN" dirty="0"/>
+              <a:t>RTT</a:t>
+            </a:r>
+            <a:r>
+              <a:rPr lang="zh-CN" altLang="en-US" dirty="0"/>
+              <a:t>观察值，设计 计数器（从</a:t>
+            </a:r>
+            <a:r>
+              <a:rPr lang="en-US" altLang="zh-CN" dirty="0"/>
+              <a:t>0</a:t>
+            </a:r>
+            <a:r>
+              <a:rPr lang="zh-CN" altLang="en-US" dirty="0"/>
+              <a:t>开始），当计数器到一定范围之后，调整</a:t>
+            </a:r>
+            <a:r>
+              <a:rPr lang="en-US" altLang="zh-CN" dirty="0" err="1"/>
+              <a:t>RTTtarget</a:t>
+            </a:r>
+            <a:r>
+              <a:rPr lang="zh-CN" altLang="en-US" dirty="0"/>
+              <a:t>增加或减少单位时间</a:t>
+            </a:r>
+            <a:r>
+              <a:rPr lang="en-US" altLang="zh-CN" dirty="0"/>
+              <a:t>1us</a:t>
+            </a:r>
+            <a:r>
+              <a:rPr lang="zh-CN" altLang="en-US" dirty="0"/>
+              <a:t>，并以调整</a:t>
+            </a:r>
+            <a:r>
+              <a:rPr lang="en-US" altLang="zh-CN" dirty="0" err="1"/>
+              <a:t>RTTtarget</a:t>
+            </a:r>
+            <a:r>
+              <a:rPr lang="zh-CN" altLang="en-US" dirty="0"/>
+              <a:t>初始值为辅助，效果：</a:t>
+            </a:r>
+            <a:endParaRPr lang="en-US" altLang="zh-CN" dirty="0"/>
+          </a:p>
+          <a:p>
+            <a:r>
+              <a:rPr lang="en-US" altLang="zh-CN" dirty="0"/>
+              <a:t>|</a:t>
+            </a:r>
+            <a:r>
+              <a:rPr lang="zh-CN" altLang="en-US" dirty="0"/>
+              <a:t>计数器</a:t>
+            </a:r>
+            <a:r>
+              <a:rPr lang="en-US" altLang="zh-CN" dirty="0"/>
+              <a:t>|&gt;X</a:t>
+            </a:r>
+            <a:r>
+              <a:rPr lang="zh-CN" altLang="en-US" dirty="0"/>
+              <a:t>调整，初始值</a:t>
+            </a:r>
+            <a:r>
+              <a:rPr lang="en-US" altLang="zh-CN" dirty="0"/>
+              <a:t>5us/10us</a:t>
+            </a:r>
+          </a:p>
+          <a:p>
+            <a:endParaRPr lang="zh-CN" altLang="en-US" dirty="0"/>
+          </a:p>
+        </p:txBody>
+      </p:sp>
+      <p:pic>
+        <p:nvPicPr>
+          <p:cNvPr id="4" name="图片 3">
+            <a:extLst>
+              <a:ext uri="{FF2B5EF4-FFF2-40B4-BE49-F238E27FC236}">
+                <a16:creationId xmlns:a16="http://schemas.microsoft.com/office/drawing/2014/main" id="{43B8C750-FC03-4550-AEBA-9AC29D24A068}"/>
+              </a:ext>
+            </a:extLst>
+          </p:cNvPr>
+          <p:cNvPicPr>
+            <a:picLocks noChangeAspect="1"/>
+          </p:cNvPicPr>
+          <p:nvPr/>
+        </p:nvPicPr>
+        <p:blipFill>
+          <a:blip r:embed="rId2"/>
+          <a:stretch>
+            <a:fillRect/>
+          </a:stretch>
+        </p:blipFill>
+        <p:spPr>
+          <a:xfrm>
+            <a:off x="2202025" y="2115013"/>
+            <a:ext cx="4431866" cy="3536228"/>
+          </a:xfrm>
+          <a:prstGeom prst="rect">
+            <a:avLst/>
+          </a:prstGeom>
+        </p:spPr>
+      </p:pic>
+    </p:spTree>
+    <p:extLst>
+      <p:ext uri="{BB962C8B-B14F-4D97-AF65-F5344CB8AC3E}">
+        <p14:creationId xmlns:p14="http://schemas.microsoft.com/office/powerpoint/2010/main" val="119045040"/>
+      </p:ext>
+    </p:extLst>
+  </p:cSld>
+  <p:clrMapOvr>
+    <a:masterClrMapping/>
+  </p:clrMapOvr>
+</p:sld>
+</file>
+
 <file path=ppt/slides/slide5.xml><?xml version="1.0" encoding="utf-8"?>
 <p:sld xmlns:a="http://schemas.openxmlformats.org/drawingml/2006/main" xmlns:r="http://schemas.openxmlformats.org/officeDocument/2006/relationships" xmlns:p="http://schemas.openxmlformats.org/presentationml/2006/main">
   <p:cSld>
@@ -27528,6 +27708,395 @@
     <p:extLst>
       <p:ext uri="{BB962C8B-B14F-4D97-AF65-F5344CB8AC3E}">
         <p14:creationId xmlns:p14="http://schemas.microsoft.com/office/powerpoint/2010/main" val="2502088464"/>
+      </p:ext>
+    </p:extLst>
+  </p:cSld>
+  <p:clrMapOvr>
+    <a:masterClrMapping/>
+  </p:clrMapOvr>
+</p:sld>
+</file>
+
+<file path=ppt/slides/slide50.xml><?xml version="1.0" encoding="utf-8"?>
+<p:sld xmlns:a="http://schemas.openxmlformats.org/drawingml/2006/main" xmlns:r="http://schemas.openxmlformats.org/officeDocument/2006/relationships" xmlns:p="http://schemas.openxmlformats.org/presentationml/2006/main">
+  <p:cSld>
+    <p:spTree>
+      <p:nvGrpSpPr>
+        <p:cNvPr id="1" name=""/>
+        <p:cNvGrpSpPr/>
+        <p:nvPr/>
+      </p:nvGrpSpPr>
+      <p:grpSpPr>
+        <a:xfrm>
+          <a:off x="0" y="0"/>
+          <a:ext cx="0" cy="0"/>
+          <a:chOff x="0" y="0"/>
+          <a:chExt cx="0" cy="0"/>
+        </a:xfrm>
+      </p:grpSpPr>
+      <p:pic>
+        <p:nvPicPr>
+          <p:cNvPr id="3" name="图片 2">
+            <a:extLst>
+              <a:ext uri="{FF2B5EF4-FFF2-40B4-BE49-F238E27FC236}">
+                <a16:creationId xmlns:a16="http://schemas.microsoft.com/office/drawing/2014/main" id="{2AC23433-1566-46C4-A623-870601618644}"/>
+              </a:ext>
+            </a:extLst>
+          </p:cNvPr>
+          <p:cNvPicPr>
+            <a:picLocks noChangeAspect="1"/>
+          </p:cNvPicPr>
+          <p:nvPr/>
+        </p:nvPicPr>
+        <p:blipFill>
+          <a:blip r:embed="rId2"/>
+          <a:stretch>
+            <a:fillRect/>
+          </a:stretch>
+        </p:blipFill>
+        <p:spPr>
+          <a:xfrm>
+            <a:off x="1877329" y="1460419"/>
+            <a:ext cx="5376902" cy="4248181"/>
+          </a:xfrm>
+          <a:prstGeom prst="rect">
+            <a:avLst/>
+          </a:prstGeom>
+        </p:spPr>
+      </p:pic>
+      <p:sp>
+        <p:nvSpPr>
+          <p:cNvPr id="4" name="文本框 3">
+            <a:extLst>
+              <a:ext uri="{FF2B5EF4-FFF2-40B4-BE49-F238E27FC236}">
+                <a16:creationId xmlns:a16="http://schemas.microsoft.com/office/drawing/2014/main" id="{4812876A-44A2-41A9-ADF8-98622D86357B}"/>
+              </a:ext>
+            </a:extLst>
+          </p:cNvPr>
+          <p:cNvSpPr txBox="1"/>
+          <p:nvPr/>
+        </p:nvSpPr>
+        <p:spPr>
+          <a:xfrm>
+            <a:off x="976604" y="578498"/>
+            <a:ext cx="5772539" cy="369332"/>
+          </a:xfrm>
+          <a:prstGeom prst="rect">
+            <a:avLst/>
+          </a:prstGeom>
+          <a:noFill/>
+        </p:spPr>
+        <p:txBody>
+          <a:bodyPr wrap="square" rtlCol="0">
+            <a:spAutoFit/>
+          </a:bodyPr>
+          <a:lstStyle/>
+          <a:p>
+            <a:r>
+              <a:rPr lang="en-US" altLang="zh-CN" dirty="0" err="1"/>
+              <a:t>RTTtarget</a:t>
+            </a:r>
+            <a:r>
+              <a:rPr lang="zh-CN" altLang="en-US" dirty="0"/>
+              <a:t>初始值</a:t>
+            </a:r>
+            <a:r>
+              <a:rPr lang="en-US" altLang="zh-CN" dirty="0"/>
+              <a:t>5us,</a:t>
+            </a:r>
+            <a:r>
+              <a:rPr lang="zh-CN" altLang="en-US" dirty="0"/>
+              <a:t>计数器分别</a:t>
+            </a:r>
+            <a:r>
+              <a:rPr lang="en-US" altLang="zh-CN" dirty="0"/>
+              <a:t>|</a:t>
+            </a:r>
+            <a:r>
+              <a:rPr lang="zh-CN" altLang="en-US" dirty="0"/>
+              <a:t>计数器</a:t>
+            </a:r>
+            <a:r>
+              <a:rPr lang="en-US" altLang="zh-CN" dirty="0"/>
+              <a:t>|&gt;6/10</a:t>
+            </a:r>
+            <a:r>
+              <a:rPr lang="zh-CN" altLang="en-US" dirty="0"/>
+              <a:t>调整</a:t>
+            </a:r>
+          </a:p>
+        </p:txBody>
+      </p:sp>
+    </p:spTree>
+    <p:extLst>
+      <p:ext uri="{BB962C8B-B14F-4D97-AF65-F5344CB8AC3E}">
+        <p14:creationId xmlns:p14="http://schemas.microsoft.com/office/powerpoint/2010/main" val="3231386835"/>
+      </p:ext>
+    </p:extLst>
+  </p:cSld>
+  <p:clrMapOvr>
+    <a:masterClrMapping/>
+  </p:clrMapOvr>
+</p:sld>
+</file>
+
+<file path=ppt/slides/slide51.xml><?xml version="1.0" encoding="utf-8"?>
+<p:sld xmlns:a="http://schemas.openxmlformats.org/drawingml/2006/main" xmlns:r="http://schemas.openxmlformats.org/officeDocument/2006/relationships" xmlns:p="http://schemas.openxmlformats.org/presentationml/2006/main">
+  <p:cSld>
+    <p:spTree>
+      <p:nvGrpSpPr>
+        <p:cNvPr id="1" name=""/>
+        <p:cNvGrpSpPr/>
+        <p:nvPr/>
+      </p:nvGrpSpPr>
+      <p:grpSpPr>
+        <a:xfrm>
+          <a:off x="0" y="0"/>
+          <a:ext cx="0" cy="0"/>
+          <a:chOff x="0" y="0"/>
+          <a:chExt cx="0" cy="0"/>
+        </a:xfrm>
+      </p:grpSpPr>
+      <p:pic>
+        <p:nvPicPr>
+          <p:cNvPr id="3" name="图片 2">
+            <a:extLst>
+              <a:ext uri="{FF2B5EF4-FFF2-40B4-BE49-F238E27FC236}">
+                <a16:creationId xmlns:a16="http://schemas.microsoft.com/office/drawing/2014/main" id="{5B533537-A3CC-4F6C-9861-BB236E84511B}"/>
+              </a:ext>
+            </a:extLst>
+          </p:cNvPr>
+          <p:cNvPicPr>
+            <a:picLocks noChangeAspect="1"/>
+          </p:cNvPicPr>
+          <p:nvPr/>
+        </p:nvPicPr>
+        <p:blipFill>
+          <a:blip r:embed="rId2"/>
+          <a:stretch>
+            <a:fillRect/>
+          </a:stretch>
+        </p:blipFill>
+        <p:spPr>
+          <a:xfrm>
+            <a:off x="1698977" y="1373091"/>
+            <a:ext cx="5634079" cy="4348194"/>
+          </a:xfrm>
+          <a:prstGeom prst="rect">
+            <a:avLst/>
+          </a:prstGeom>
+        </p:spPr>
+      </p:pic>
+      <p:sp>
+        <p:nvSpPr>
+          <p:cNvPr id="4" name="文本框 3">
+            <a:extLst>
+              <a:ext uri="{FF2B5EF4-FFF2-40B4-BE49-F238E27FC236}">
+                <a16:creationId xmlns:a16="http://schemas.microsoft.com/office/drawing/2014/main" id="{EF83EF68-7F15-41D8-A2DF-F4C8944CCEE6}"/>
+              </a:ext>
+            </a:extLst>
+          </p:cNvPr>
+          <p:cNvSpPr txBox="1"/>
+          <p:nvPr/>
+        </p:nvSpPr>
+        <p:spPr>
+          <a:xfrm>
+            <a:off x="821094" y="317241"/>
+            <a:ext cx="5274906" cy="373224"/>
+          </a:xfrm>
+          <a:prstGeom prst="rect">
+            <a:avLst/>
+          </a:prstGeom>
+          <a:noFill/>
+        </p:spPr>
+        <p:txBody>
+          <a:bodyPr wrap="square" rtlCol="0">
+            <a:spAutoFit/>
+          </a:bodyPr>
+          <a:lstStyle/>
+          <a:p>
+            <a:r>
+              <a:rPr lang="en-US" altLang="zh-CN" dirty="0"/>
+              <a:t>RTT</a:t>
+            </a:r>
+            <a:r>
+              <a:rPr lang="zh-CN" altLang="en-US" dirty="0"/>
+              <a:t>不调整</a:t>
+            </a:r>
+            <a:r>
+              <a:rPr lang="en-US" altLang="zh-CN" dirty="0"/>
+              <a:t>/</a:t>
+            </a:r>
+            <a:r>
+              <a:rPr lang="zh-CN" altLang="en-US" dirty="0"/>
+              <a:t>计数器</a:t>
+            </a:r>
+            <a:r>
+              <a:rPr lang="en-US" altLang="zh-CN" dirty="0"/>
+              <a:t>10</a:t>
+            </a:r>
+            <a:r>
+              <a:rPr lang="zh-CN" altLang="en-US" dirty="0"/>
+              <a:t>调整</a:t>
+            </a:r>
+          </a:p>
+        </p:txBody>
+      </p:sp>
+    </p:spTree>
+    <p:extLst>
+      <p:ext uri="{BB962C8B-B14F-4D97-AF65-F5344CB8AC3E}">
+        <p14:creationId xmlns:p14="http://schemas.microsoft.com/office/powerpoint/2010/main" val="2873691724"/>
+      </p:ext>
+    </p:extLst>
+  </p:cSld>
+  <p:clrMapOvr>
+    <a:masterClrMapping/>
+  </p:clrMapOvr>
+</p:sld>
+</file>
+
+<file path=ppt/slides/slide52.xml><?xml version="1.0" encoding="utf-8"?>
+<p:sld xmlns:a="http://schemas.openxmlformats.org/drawingml/2006/main" xmlns:r="http://schemas.openxmlformats.org/officeDocument/2006/relationships" xmlns:p="http://schemas.openxmlformats.org/presentationml/2006/main">
+  <p:cSld>
+    <p:spTree>
+      <p:nvGrpSpPr>
+        <p:cNvPr id="1" name=""/>
+        <p:cNvGrpSpPr/>
+        <p:nvPr/>
+      </p:nvGrpSpPr>
+      <p:grpSpPr>
+        <a:xfrm>
+          <a:off x="0" y="0"/>
+          <a:ext cx="0" cy="0"/>
+          <a:chOff x="0" y="0"/>
+          <a:chExt cx="0" cy="0"/>
+        </a:xfrm>
+      </p:grpSpPr>
+      <p:sp>
+        <p:nvSpPr>
+          <p:cNvPr id="2" name="文本框 1">
+            <a:extLst>
+              <a:ext uri="{FF2B5EF4-FFF2-40B4-BE49-F238E27FC236}">
+                <a16:creationId xmlns:a16="http://schemas.microsoft.com/office/drawing/2014/main" id="{8B4A50BC-3A3D-43D7-8C36-B615510945AA}"/>
+              </a:ext>
+            </a:extLst>
+          </p:cNvPr>
+          <p:cNvSpPr txBox="1"/>
+          <p:nvPr/>
+        </p:nvSpPr>
+        <p:spPr>
+          <a:xfrm>
+            <a:off x="1194318" y="821094"/>
+            <a:ext cx="5610809" cy="1754326"/>
+          </a:xfrm>
+          <a:prstGeom prst="rect">
+            <a:avLst/>
+          </a:prstGeom>
+          <a:noFill/>
+        </p:spPr>
+        <p:txBody>
+          <a:bodyPr wrap="square" rtlCol="0">
+            <a:spAutoFit/>
+          </a:bodyPr>
+          <a:lstStyle/>
+          <a:p>
+            <a:r>
+              <a:rPr lang="zh-CN" altLang="en-US" dirty="0"/>
+              <a:t>调整方法：</a:t>
+            </a:r>
+            <a:endParaRPr lang="en-US" altLang="zh-CN" dirty="0"/>
+          </a:p>
+          <a:p>
+            <a:r>
+              <a:rPr lang="en-US" altLang="zh-CN" dirty="0"/>
+              <a:t>B.</a:t>
+            </a:r>
+            <a:r>
+              <a:rPr lang="zh-CN" altLang="en-US" dirty="0"/>
+              <a:t>设计一个</a:t>
+            </a:r>
+            <a:r>
+              <a:rPr lang="en-US" altLang="zh-CN" dirty="0"/>
+              <a:t>RTT</a:t>
+            </a:r>
+            <a:r>
+              <a:rPr lang="zh-CN" altLang="en-US" dirty="0"/>
+              <a:t>采集模块，同样使用计数器，当计数器触发</a:t>
+            </a:r>
+            <a:r>
+              <a:rPr lang="en-US" altLang="zh-CN" dirty="0" err="1"/>
+              <a:t>RTTtarget</a:t>
+            </a:r>
+            <a:r>
+              <a:rPr lang="zh-CN" altLang="en-US" dirty="0"/>
+              <a:t>调整后，</a:t>
+            </a:r>
+            <a:r>
+              <a:rPr lang="en-US" altLang="zh-CN" dirty="0" err="1"/>
+              <a:t>RTTtarget</a:t>
+            </a:r>
+            <a:r>
+              <a:rPr lang="en-US" altLang="zh-CN" dirty="0"/>
+              <a:t> = </a:t>
+            </a:r>
+            <a:r>
+              <a:rPr lang="zh-CN" altLang="en-US" dirty="0"/>
+              <a:t>采集数据</a:t>
+            </a:r>
+            <a:endParaRPr lang="en-US" altLang="zh-CN" dirty="0"/>
+          </a:p>
+          <a:p>
+            <a:r>
+              <a:rPr lang="zh-CN" altLang="en-US" dirty="0"/>
+              <a:t>采集数据的确定：连续几个</a:t>
+            </a:r>
+            <a:r>
+              <a:rPr lang="en-US" altLang="zh-CN" dirty="0"/>
+              <a:t>RTT</a:t>
+            </a:r>
+            <a:r>
+              <a:rPr lang="zh-CN" altLang="en-US" dirty="0"/>
+              <a:t>均值（</a:t>
+            </a:r>
+            <a:r>
+              <a:rPr lang="en-US" altLang="zh-CN" dirty="0" err="1"/>
+              <a:t>RTTtarget+outi</a:t>
+            </a:r>
+            <a:r>
+              <a:rPr lang="zh-CN" altLang="en-US" dirty="0"/>
+              <a:t>）、中位数</a:t>
+            </a:r>
+            <a:r>
+              <a:rPr lang="en-US" altLang="zh-CN" dirty="0"/>
+              <a:t>(</a:t>
+            </a:r>
+            <a:r>
+              <a:rPr lang="zh-CN" altLang="en-US" dirty="0"/>
+              <a:t>新增变量储存，排序，计算中位数</a:t>
+            </a:r>
+            <a:r>
+              <a:rPr lang="en-US" altLang="zh-CN" dirty="0"/>
+              <a:t>)</a:t>
+            </a:r>
+            <a:r>
+              <a:rPr lang="zh-CN" altLang="en-US" dirty="0"/>
+              <a:t>或最大最小值（比较，储存）</a:t>
+            </a:r>
+            <a:r>
+              <a:rPr lang="en-US" altLang="zh-CN" dirty="0"/>
+              <a:t>*</a:t>
+            </a:r>
+            <a:r>
+              <a:rPr lang="zh-CN" altLang="en-US" dirty="0"/>
+              <a:t>系数</a:t>
+            </a:r>
+          </a:p>
+        </p:txBody>
+      </p:sp>
+    </p:spTree>
+    <p:extLst>
+      <p:ext uri="{BB962C8B-B14F-4D97-AF65-F5344CB8AC3E}">
+        <p14:creationId xmlns:p14="http://schemas.microsoft.com/office/powerpoint/2010/main" val="3612344587"/>
       </p:ext>
     </p:extLst>
   </p:cSld>

--- a/paper/毕设思路 [自动保存的] [自动保存的].pptx
+++ b/paper/毕设思路 [自动保存的] [自动保存的].pptx
@@ -44,19 +44,20 @@
     <p:sldId id="292" r:id="rId38"/>
     <p:sldId id="293" r:id="rId39"/>
     <p:sldId id="294" r:id="rId40"/>
-    <p:sldId id="295" r:id="rId41"/>
-    <p:sldId id="296" r:id="rId42"/>
-    <p:sldId id="297" r:id="rId43"/>
-    <p:sldId id="298" r:id="rId44"/>
-    <p:sldId id="299" r:id="rId45"/>
-    <p:sldId id="301" r:id="rId46"/>
-    <p:sldId id="302" r:id="rId47"/>
-    <p:sldId id="303" r:id="rId48"/>
-    <p:sldId id="304" r:id="rId49"/>
-    <p:sldId id="305" r:id="rId50"/>
-    <p:sldId id="306" r:id="rId51"/>
-    <p:sldId id="307" r:id="rId52"/>
-    <p:sldId id="308" r:id="rId53"/>
+    <p:sldId id="309" r:id="rId41"/>
+    <p:sldId id="295" r:id="rId42"/>
+    <p:sldId id="296" r:id="rId43"/>
+    <p:sldId id="297" r:id="rId44"/>
+    <p:sldId id="298" r:id="rId45"/>
+    <p:sldId id="299" r:id="rId46"/>
+    <p:sldId id="301" r:id="rId47"/>
+    <p:sldId id="302" r:id="rId48"/>
+    <p:sldId id="303" r:id="rId49"/>
+    <p:sldId id="304" r:id="rId50"/>
+    <p:sldId id="305" r:id="rId51"/>
+    <p:sldId id="306" r:id="rId52"/>
+    <p:sldId id="307" r:id="rId53"/>
+    <p:sldId id="308" r:id="rId54"/>
   </p:sldIdLst>
   <p:sldSz cx="12192000" cy="6858000"/>
   <p:notesSz cx="6858000" cy="9144000"/>
@@ -21694,6 +21695,1114 @@
       </p:grpSpPr>
       <p:sp>
         <p:nvSpPr>
+          <p:cNvPr id="2" name="矩形: 圆角 1">
+            <a:extLst>
+              <a:ext uri="{FF2B5EF4-FFF2-40B4-BE49-F238E27FC236}">
+                <a16:creationId xmlns:a16="http://schemas.microsoft.com/office/drawing/2014/main" id="{730F732E-1FB6-44EA-A598-9EEC7B0D6FDF}"/>
+              </a:ext>
+            </a:extLst>
+          </p:cNvPr>
+          <p:cNvSpPr/>
+          <p:nvPr/>
+        </p:nvSpPr>
+        <p:spPr>
+          <a:xfrm>
+            <a:off x="1063022" y="1460423"/>
+            <a:ext cx="6698456" cy="838203"/>
+          </a:xfrm>
+          <a:prstGeom prst="roundRect">
+            <a:avLst/>
+          </a:prstGeom>
+          <a:solidFill>
+            <a:schemeClr val="accent5">
+              <a:lumMod val="60000"/>
+              <a:lumOff val="40000"/>
+            </a:schemeClr>
+          </a:solidFill>
+        </p:spPr>
+        <p:style>
+          <a:lnRef idx="2">
+            <a:schemeClr val="accent5">
+              <a:shade val="50000"/>
+            </a:schemeClr>
+          </a:lnRef>
+          <a:fillRef idx="1">
+            <a:schemeClr val="accent5"/>
+          </a:fillRef>
+          <a:effectRef idx="0">
+            <a:schemeClr val="accent5"/>
+          </a:effectRef>
+          <a:fontRef idx="minor">
+            <a:schemeClr val="lt1"/>
+          </a:fontRef>
+        </p:style>
+        <p:txBody>
+          <a:bodyPr rtlCol="0" anchor="ctr"/>
+          <a:lstStyle/>
+          <a:p>
+            <a:pPr algn="ctr"/>
+            <a:r>
+              <a:rPr lang="zh-CN" altLang="en-US" sz="2800" dirty="0"/>
+              <a:t>基于神经网络的数据中心拥塞控制算法</a:t>
+            </a:r>
+          </a:p>
+        </p:txBody>
+      </p:sp>
+      <p:sp>
+        <p:nvSpPr>
+          <p:cNvPr id="3" name="矩形 2">
+            <a:extLst>
+              <a:ext uri="{FF2B5EF4-FFF2-40B4-BE49-F238E27FC236}">
+                <a16:creationId xmlns:a16="http://schemas.microsoft.com/office/drawing/2014/main" id="{FB09D2B2-85CF-4F6F-95C6-D4F8490F753F}"/>
+              </a:ext>
+            </a:extLst>
+          </p:cNvPr>
+          <p:cNvSpPr/>
+          <p:nvPr/>
+        </p:nvSpPr>
+        <p:spPr>
+          <a:xfrm>
+            <a:off x="41671" y="2464590"/>
+            <a:ext cx="2388823" cy="1928209"/>
+          </a:xfrm>
+          <a:prstGeom prst="rect">
+            <a:avLst/>
+          </a:prstGeom>
+          <a:solidFill>
+            <a:schemeClr val="accent6">
+              <a:lumMod val="40000"/>
+              <a:lumOff val="60000"/>
+            </a:schemeClr>
+          </a:solidFill>
+        </p:spPr>
+        <p:style>
+          <a:lnRef idx="2">
+            <a:schemeClr val="accent6">
+              <a:shade val="50000"/>
+            </a:schemeClr>
+          </a:lnRef>
+          <a:fillRef idx="1">
+            <a:schemeClr val="accent6"/>
+          </a:fillRef>
+          <a:effectRef idx="0">
+            <a:schemeClr val="accent6"/>
+          </a:effectRef>
+          <a:fontRef idx="minor">
+            <a:schemeClr val="lt1"/>
+          </a:fontRef>
+        </p:style>
+        <p:txBody>
+          <a:bodyPr numCol="3" rtlCol="0" anchor="ctr"/>
+          <a:lstStyle/>
+          <a:p>
+            <a:r>
+              <a:rPr lang="zh-CN" altLang="en-US" dirty="0"/>
+              <a:t>网络信息采集模块</a:t>
+            </a:r>
+          </a:p>
+        </p:txBody>
+      </p:sp>
+      <p:sp>
+        <p:nvSpPr>
+          <p:cNvPr id="4" name="椭圆 3">
+            <a:extLst>
+              <a:ext uri="{FF2B5EF4-FFF2-40B4-BE49-F238E27FC236}">
+                <a16:creationId xmlns:a16="http://schemas.microsoft.com/office/drawing/2014/main" id="{9A3441A9-5857-4261-836A-490F9F095C8F}"/>
+              </a:ext>
+            </a:extLst>
+          </p:cNvPr>
+          <p:cNvSpPr/>
+          <p:nvPr/>
+        </p:nvSpPr>
+        <p:spPr>
+          <a:xfrm>
+            <a:off x="1104898" y="2539602"/>
+            <a:ext cx="1083469" cy="838203"/>
+          </a:xfrm>
+          <a:prstGeom prst="ellipse">
+            <a:avLst/>
+          </a:prstGeom>
+        </p:spPr>
+        <p:style>
+          <a:lnRef idx="1">
+            <a:schemeClr val="accent1"/>
+          </a:lnRef>
+          <a:fillRef idx="2">
+            <a:schemeClr val="accent1"/>
+          </a:fillRef>
+          <a:effectRef idx="1">
+            <a:schemeClr val="accent1"/>
+          </a:effectRef>
+          <a:fontRef idx="minor">
+            <a:schemeClr val="dk1"/>
+          </a:fontRef>
+        </p:style>
+        <p:txBody>
+          <a:bodyPr rtlCol="0" anchor="ctr"/>
+          <a:lstStyle/>
+          <a:p>
+            <a:pPr algn="ctr"/>
+            <a:r>
+              <a:rPr lang="en-US" altLang="zh-CN" sz="1400" dirty="0"/>
+              <a:t>RTT</a:t>
+            </a:r>
+            <a:r>
+              <a:rPr lang="zh-CN" altLang="en-US" sz="1400" dirty="0"/>
+              <a:t>采集策略</a:t>
+            </a:r>
+          </a:p>
+        </p:txBody>
+      </p:sp>
+      <p:sp>
+        <p:nvSpPr>
+          <p:cNvPr id="5" name="椭圆 4">
+            <a:extLst>
+              <a:ext uri="{FF2B5EF4-FFF2-40B4-BE49-F238E27FC236}">
+                <a16:creationId xmlns:a16="http://schemas.microsoft.com/office/drawing/2014/main" id="{F85AC43F-41F0-4B70-9829-5569DA9E67FD}"/>
+              </a:ext>
+            </a:extLst>
+          </p:cNvPr>
+          <p:cNvSpPr/>
+          <p:nvPr/>
+        </p:nvSpPr>
+        <p:spPr>
+          <a:xfrm>
+            <a:off x="1104899" y="3318276"/>
+            <a:ext cx="1083468" cy="802479"/>
+          </a:xfrm>
+          <a:prstGeom prst="ellipse">
+            <a:avLst/>
+          </a:prstGeom>
+        </p:spPr>
+        <p:style>
+          <a:lnRef idx="1">
+            <a:schemeClr val="accent1"/>
+          </a:lnRef>
+          <a:fillRef idx="2">
+            <a:schemeClr val="accent1"/>
+          </a:fillRef>
+          <a:effectRef idx="1">
+            <a:schemeClr val="accent1"/>
+          </a:effectRef>
+          <a:fontRef idx="minor">
+            <a:schemeClr val="dk1"/>
+          </a:fontRef>
+        </p:style>
+        <p:txBody>
+          <a:bodyPr rtlCol="0" anchor="ctr"/>
+          <a:lstStyle/>
+          <a:p>
+            <a:pPr algn="ctr"/>
+            <a:r>
+              <a:rPr lang="en-US" altLang="zh-CN" sz="1400" dirty="0"/>
+              <a:t>RTT</a:t>
+            </a:r>
+            <a:r>
+              <a:rPr lang="zh-CN" altLang="en-US" sz="1400" dirty="0"/>
+              <a:t>计算方法</a:t>
+            </a:r>
+          </a:p>
+        </p:txBody>
+      </p:sp>
+      <p:sp>
+        <p:nvSpPr>
+          <p:cNvPr id="6" name="矩形 5">
+            <a:extLst>
+              <a:ext uri="{FF2B5EF4-FFF2-40B4-BE49-F238E27FC236}">
+                <a16:creationId xmlns:a16="http://schemas.microsoft.com/office/drawing/2014/main" id="{9BBE6C08-BE19-40C4-8DA5-4F63B3362A8C}"/>
+              </a:ext>
+            </a:extLst>
+          </p:cNvPr>
+          <p:cNvSpPr/>
+          <p:nvPr/>
+        </p:nvSpPr>
+        <p:spPr>
+          <a:xfrm>
+            <a:off x="41671" y="4510084"/>
+            <a:ext cx="2388823" cy="2247904"/>
+          </a:xfrm>
+          <a:prstGeom prst="rect">
+            <a:avLst/>
+          </a:prstGeom>
+          <a:solidFill>
+            <a:schemeClr val="accent1">
+              <a:lumMod val="40000"/>
+              <a:lumOff val="60000"/>
+            </a:schemeClr>
+          </a:solidFill>
+        </p:spPr>
+        <p:style>
+          <a:lnRef idx="2">
+            <a:schemeClr val="accent6">
+              <a:shade val="50000"/>
+            </a:schemeClr>
+          </a:lnRef>
+          <a:fillRef idx="1">
+            <a:schemeClr val="accent6"/>
+          </a:fillRef>
+          <a:effectRef idx="0">
+            <a:schemeClr val="accent6"/>
+          </a:effectRef>
+          <a:fontRef idx="minor">
+            <a:schemeClr val="lt1"/>
+          </a:fontRef>
+        </p:style>
+        <p:txBody>
+          <a:bodyPr numCol="3" rtlCol="0" anchor="ctr"/>
+          <a:lstStyle/>
+          <a:p>
+            <a:r>
+              <a:rPr lang="zh-CN" altLang="en-US" dirty="0"/>
+              <a:t>数据预处理模块</a:t>
+            </a:r>
+          </a:p>
+        </p:txBody>
+      </p:sp>
+      <p:sp>
+        <p:nvSpPr>
+          <p:cNvPr id="7" name="椭圆 6">
+            <a:extLst>
+              <a:ext uri="{FF2B5EF4-FFF2-40B4-BE49-F238E27FC236}">
+                <a16:creationId xmlns:a16="http://schemas.microsoft.com/office/drawing/2014/main" id="{529A2F75-2634-4AB9-A208-8FF51EFC3112}"/>
+              </a:ext>
+            </a:extLst>
+          </p:cNvPr>
+          <p:cNvSpPr/>
+          <p:nvPr/>
+        </p:nvSpPr>
+        <p:spPr>
+          <a:xfrm>
+            <a:off x="1232296" y="4564856"/>
+            <a:ext cx="1017985" cy="643535"/>
+          </a:xfrm>
+          <a:prstGeom prst="ellipse">
+            <a:avLst/>
+          </a:prstGeom>
+          <a:solidFill>
+            <a:schemeClr val="accent1">
+              <a:lumMod val="40000"/>
+              <a:lumOff val="60000"/>
+            </a:schemeClr>
+          </a:solidFill>
+        </p:spPr>
+        <p:style>
+          <a:lnRef idx="1">
+            <a:schemeClr val="accent1"/>
+          </a:lnRef>
+          <a:fillRef idx="2">
+            <a:schemeClr val="accent1"/>
+          </a:fillRef>
+          <a:effectRef idx="1">
+            <a:schemeClr val="accent1"/>
+          </a:effectRef>
+          <a:fontRef idx="minor">
+            <a:schemeClr val="dk1"/>
+          </a:fontRef>
+        </p:style>
+        <p:txBody>
+          <a:bodyPr rtlCol="0" anchor="ctr"/>
+          <a:lstStyle/>
+          <a:p>
+            <a:pPr algn="ctr"/>
+            <a:r>
+              <a:rPr lang="zh-CN" altLang="en-US" sz="1400" dirty="0"/>
+              <a:t>平滑处理</a:t>
+            </a:r>
+          </a:p>
+        </p:txBody>
+      </p:sp>
+      <p:sp>
+        <p:nvSpPr>
+          <p:cNvPr id="8" name="椭圆 7">
+            <a:extLst>
+              <a:ext uri="{FF2B5EF4-FFF2-40B4-BE49-F238E27FC236}">
+                <a16:creationId xmlns:a16="http://schemas.microsoft.com/office/drawing/2014/main" id="{3AAD1F71-0C25-4AC7-AB14-43E79A5D959D}"/>
+              </a:ext>
+            </a:extLst>
+          </p:cNvPr>
+          <p:cNvSpPr/>
+          <p:nvPr/>
+        </p:nvSpPr>
+        <p:spPr>
+          <a:xfrm>
+            <a:off x="1232296" y="5161351"/>
+            <a:ext cx="1017985" cy="590545"/>
+          </a:xfrm>
+          <a:prstGeom prst="ellipse">
+            <a:avLst/>
+          </a:prstGeom>
+          <a:solidFill>
+            <a:schemeClr val="accent1">
+              <a:lumMod val="40000"/>
+              <a:lumOff val="60000"/>
+            </a:schemeClr>
+          </a:solidFill>
+        </p:spPr>
+        <p:style>
+          <a:lnRef idx="1">
+            <a:schemeClr val="accent1"/>
+          </a:lnRef>
+          <a:fillRef idx="2">
+            <a:schemeClr val="accent1"/>
+          </a:fillRef>
+          <a:effectRef idx="1">
+            <a:schemeClr val="accent1"/>
+          </a:effectRef>
+          <a:fontRef idx="minor">
+            <a:schemeClr val="dk1"/>
+          </a:fontRef>
+        </p:style>
+        <p:txBody>
+          <a:bodyPr rtlCol="0" anchor="ctr"/>
+          <a:lstStyle/>
+          <a:p>
+            <a:pPr algn="ctr"/>
+            <a:r>
+              <a:rPr lang="zh-CN" altLang="en-US" sz="1400" dirty="0"/>
+              <a:t>时序特征计算</a:t>
+            </a:r>
+          </a:p>
+        </p:txBody>
+      </p:sp>
+      <p:sp>
+        <p:nvSpPr>
+          <p:cNvPr id="9" name="椭圆 8">
+            <a:extLst>
+              <a:ext uri="{FF2B5EF4-FFF2-40B4-BE49-F238E27FC236}">
+                <a16:creationId xmlns:a16="http://schemas.microsoft.com/office/drawing/2014/main" id="{62115D98-4FBA-4F72-BCE4-A936248CDCA6}"/>
+              </a:ext>
+            </a:extLst>
+          </p:cNvPr>
+          <p:cNvSpPr/>
+          <p:nvPr/>
+        </p:nvSpPr>
+        <p:spPr>
+          <a:xfrm>
+            <a:off x="1159370" y="5713796"/>
+            <a:ext cx="1163836" cy="806652"/>
+          </a:xfrm>
+          <a:prstGeom prst="ellipse">
+            <a:avLst/>
+          </a:prstGeom>
+          <a:solidFill>
+            <a:schemeClr val="accent1">
+              <a:lumMod val="40000"/>
+              <a:lumOff val="60000"/>
+            </a:schemeClr>
+          </a:solidFill>
+        </p:spPr>
+        <p:style>
+          <a:lnRef idx="1">
+            <a:schemeClr val="accent1"/>
+          </a:lnRef>
+          <a:fillRef idx="2">
+            <a:schemeClr val="accent1"/>
+          </a:fillRef>
+          <a:effectRef idx="1">
+            <a:schemeClr val="accent1"/>
+          </a:effectRef>
+          <a:fontRef idx="minor">
+            <a:schemeClr val="dk1"/>
+          </a:fontRef>
+        </p:style>
+        <p:txBody>
+          <a:bodyPr rtlCol="0" anchor="ctr"/>
+          <a:lstStyle/>
+          <a:p>
+            <a:pPr algn="ctr"/>
+            <a:r>
+              <a:rPr lang="zh-CN" altLang="en-US" sz="1400" dirty="0"/>
+              <a:t>阈值划分及特征采样</a:t>
+            </a:r>
+          </a:p>
+        </p:txBody>
+      </p:sp>
+      <p:sp>
+        <p:nvSpPr>
+          <p:cNvPr id="10" name="矩形 9">
+            <a:extLst>
+              <a:ext uri="{FF2B5EF4-FFF2-40B4-BE49-F238E27FC236}">
+                <a16:creationId xmlns:a16="http://schemas.microsoft.com/office/drawing/2014/main" id="{AEB3D87C-B253-4F61-A6FF-CBDF99E74057}"/>
+              </a:ext>
+            </a:extLst>
+          </p:cNvPr>
+          <p:cNvSpPr/>
+          <p:nvPr/>
+        </p:nvSpPr>
+        <p:spPr>
+          <a:xfrm>
+            <a:off x="2760463" y="2464590"/>
+            <a:ext cx="2806900" cy="4293398"/>
+          </a:xfrm>
+          <a:prstGeom prst="rect">
+            <a:avLst/>
+          </a:prstGeom>
+          <a:solidFill>
+            <a:schemeClr val="accent2">
+              <a:lumMod val="60000"/>
+              <a:lumOff val="40000"/>
+            </a:schemeClr>
+          </a:solidFill>
+        </p:spPr>
+        <p:style>
+          <a:lnRef idx="2">
+            <a:schemeClr val="accent6">
+              <a:shade val="50000"/>
+            </a:schemeClr>
+          </a:lnRef>
+          <a:fillRef idx="1">
+            <a:schemeClr val="accent6"/>
+          </a:fillRef>
+          <a:effectRef idx="0">
+            <a:schemeClr val="accent6"/>
+          </a:effectRef>
+          <a:fontRef idx="minor">
+            <a:schemeClr val="lt1"/>
+          </a:fontRef>
+        </p:style>
+        <p:txBody>
+          <a:bodyPr numCol="3" rtlCol="0" anchor="ctr"/>
+          <a:lstStyle/>
+          <a:p>
+            <a:r>
+              <a:rPr lang="en-US" altLang="zh-CN" dirty="0"/>
+              <a:t>RTT</a:t>
+            </a:r>
+            <a:r>
+              <a:rPr lang="zh-CN" altLang="en-US" dirty="0"/>
+              <a:t>时间序列预测模块</a:t>
+            </a:r>
+          </a:p>
+        </p:txBody>
+      </p:sp>
+      <p:sp>
+        <p:nvSpPr>
+          <p:cNvPr id="11" name="椭圆 10">
+            <a:extLst>
+              <a:ext uri="{FF2B5EF4-FFF2-40B4-BE49-F238E27FC236}">
+                <a16:creationId xmlns:a16="http://schemas.microsoft.com/office/drawing/2014/main" id="{C184FDDA-ED01-47AC-B507-EE4D025CB059}"/>
+              </a:ext>
+            </a:extLst>
+          </p:cNvPr>
+          <p:cNvSpPr/>
+          <p:nvPr/>
+        </p:nvSpPr>
+        <p:spPr>
+          <a:xfrm>
+            <a:off x="4055101" y="2477770"/>
+            <a:ext cx="1182293" cy="883445"/>
+          </a:xfrm>
+          <a:prstGeom prst="ellipse">
+            <a:avLst/>
+          </a:prstGeom>
+          <a:solidFill>
+            <a:schemeClr val="accent1">
+              <a:lumMod val="40000"/>
+              <a:lumOff val="60000"/>
+            </a:schemeClr>
+          </a:solidFill>
+        </p:spPr>
+        <p:style>
+          <a:lnRef idx="1">
+            <a:schemeClr val="accent1"/>
+          </a:lnRef>
+          <a:fillRef idx="2">
+            <a:schemeClr val="accent1"/>
+          </a:fillRef>
+          <a:effectRef idx="1">
+            <a:schemeClr val="accent1"/>
+          </a:effectRef>
+          <a:fontRef idx="minor">
+            <a:schemeClr val="dk1"/>
+          </a:fontRef>
+        </p:style>
+        <p:txBody>
+          <a:bodyPr rtlCol="0" anchor="ctr"/>
+          <a:lstStyle/>
+          <a:p>
+            <a:pPr algn="ctr"/>
+            <a:r>
+              <a:rPr lang="zh-CN" altLang="en-US" sz="1400" dirty="0"/>
+              <a:t>神经网络模型</a:t>
+            </a:r>
+          </a:p>
+        </p:txBody>
+      </p:sp>
+      <p:sp>
+        <p:nvSpPr>
+          <p:cNvPr id="12" name="椭圆 11">
+            <a:extLst>
+              <a:ext uri="{FF2B5EF4-FFF2-40B4-BE49-F238E27FC236}">
+                <a16:creationId xmlns:a16="http://schemas.microsoft.com/office/drawing/2014/main" id="{CB43DB59-6DBF-4A18-8425-0237DCE7CB87}"/>
+              </a:ext>
+            </a:extLst>
+          </p:cNvPr>
+          <p:cNvSpPr/>
+          <p:nvPr/>
+        </p:nvSpPr>
+        <p:spPr>
+          <a:xfrm>
+            <a:off x="4117472" y="3293712"/>
+            <a:ext cx="1081094" cy="764090"/>
+          </a:xfrm>
+          <a:prstGeom prst="ellipse">
+            <a:avLst/>
+          </a:prstGeom>
+          <a:solidFill>
+            <a:schemeClr val="accent1">
+              <a:lumMod val="40000"/>
+              <a:lumOff val="60000"/>
+            </a:schemeClr>
+          </a:solidFill>
+        </p:spPr>
+        <p:style>
+          <a:lnRef idx="1">
+            <a:schemeClr val="accent1"/>
+          </a:lnRef>
+          <a:fillRef idx="2">
+            <a:schemeClr val="accent1"/>
+          </a:fillRef>
+          <a:effectRef idx="1">
+            <a:schemeClr val="accent1"/>
+          </a:effectRef>
+          <a:fontRef idx="minor">
+            <a:schemeClr val="dk1"/>
+          </a:fontRef>
+        </p:style>
+        <p:txBody>
+          <a:bodyPr rtlCol="0" anchor="ctr"/>
+          <a:lstStyle/>
+          <a:p>
+            <a:pPr algn="ctr"/>
+            <a:r>
+              <a:rPr lang="zh-CN" altLang="en-US" sz="1400" dirty="0"/>
+              <a:t>预测方式</a:t>
+            </a:r>
+          </a:p>
+        </p:txBody>
+      </p:sp>
+      <p:sp>
+        <p:nvSpPr>
+          <p:cNvPr id="13" name="椭圆 12">
+            <a:extLst>
+              <a:ext uri="{FF2B5EF4-FFF2-40B4-BE49-F238E27FC236}">
+                <a16:creationId xmlns:a16="http://schemas.microsoft.com/office/drawing/2014/main" id="{A6676EFF-B52A-4788-9EEA-BFF687967FF3}"/>
+              </a:ext>
+            </a:extLst>
+          </p:cNvPr>
+          <p:cNvSpPr/>
+          <p:nvPr/>
+        </p:nvSpPr>
+        <p:spPr>
+          <a:xfrm>
+            <a:off x="4136224" y="4003178"/>
+            <a:ext cx="1182293" cy="883445"/>
+          </a:xfrm>
+          <a:prstGeom prst="ellipse">
+            <a:avLst/>
+          </a:prstGeom>
+          <a:solidFill>
+            <a:schemeClr val="accent1">
+              <a:lumMod val="40000"/>
+              <a:lumOff val="60000"/>
+            </a:schemeClr>
+          </a:solidFill>
+        </p:spPr>
+        <p:style>
+          <a:lnRef idx="1">
+            <a:schemeClr val="accent1"/>
+          </a:lnRef>
+          <a:fillRef idx="2">
+            <a:schemeClr val="accent1"/>
+          </a:fillRef>
+          <a:effectRef idx="1">
+            <a:schemeClr val="accent1"/>
+          </a:effectRef>
+          <a:fontRef idx="minor">
+            <a:schemeClr val="dk1"/>
+          </a:fontRef>
+        </p:style>
+        <p:txBody>
+          <a:bodyPr rtlCol="0" anchor="ctr"/>
+          <a:lstStyle/>
+          <a:p>
+            <a:pPr algn="ctr"/>
+            <a:r>
+              <a:rPr lang="zh-CN" altLang="en-US" sz="1400" dirty="0"/>
+              <a:t>数据集制作</a:t>
+            </a:r>
+          </a:p>
+        </p:txBody>
+      </p:sp>
+      <p:sp>
+        <p:nvSpPr>
+          <p:cNvPr id="14" name="椭圆 13">
+            <a:extLst>
+              <a:ext uri="{FF2B5EF4-FFF2-40B4-BE49-F238E27FC236}">
+                <a16:creationId xmlns:a16="http://schemas.microsoft.com/office/drawing/2014/main" id="{7F21BCEB-FC68-4854-8A3A-4225CDEB5ECA}"/>
+              </a:ext>
+            </a:extLst>
+          </p:cNvPr>
+          <p:cNvSpPr/>
+          <p:nvPr/>
+        </p:nvSpPr>
+        <p:spPr>
+          <a:xfrm>
+            <a:off x="4064486" y="4806241"/>
+            <a:ext cx="1325770" cy="1037047"/>
+          </a:xfrm>
+          <a:prstGeom prst="ellipse">
+            <a:avLst/>
+          </a:prstGeom>
+          <a:solidFill>
+            <a:schemeClr val="accent1">
+              <a:lumMod val="40000"/>
+              <a:lumOff val="60000"/>
+            </a:schemeClr>
+          </a:solidFill>
+        </p:spPr>
+        <p:style>
+          <a:lnRef idx="1">
+            <a:schemeClr val="accent1"/>
+          </a:lnRef>
+          <a:fillRef idx="2">
+            <a:schemeClr val="accent1"/>
+          </a:fillRef>
+          <a:effectRef idx="1">
+            <a:schemeClr val="accent1"/>
+          </a:effectRef>
+          <a:fontRef idx="minor">
+            <a:schemeClr val="dk1"/>
+          </a:fontRef>
+        </p:style>
+        <p:txBody>
+          <a:bodyPr rtlCol="0" anchor="ctr"/>
+          <a:lstStyle/>
+          <a:p>
+            <a:pPr algn="ctr"/>
+            <a:r>
+              <a:rPr lang="zh-CN" altLang="en-US" sz="1400" dirty="0"/>
+              <a:t>损失函数及优化器选择</a:t>
+            </a:r>
+          </a:p>
+        </p:txBody>
+      </p:sp>
+      <p:sp>
+        <p:nvSpPr>
+          <p:cNvPr id="15" name="椭圆 14">
+            <a:extLst>
+              <a:ext uri="{FF2B5EF4-FFF2-40B4-BE49-F238E27FC236}">
+                <a16:creationId xmlns:a16="http://schemas.microsoft.com/office/drawing/2014/main" id="{3F9A52D6-7511-461A-B52F-482EB70EEB9D}"/>
+              </a:ext>
+            </a:extLst>
+          </p:cNvPr>
+          <p:cNvSpPr/>
+          <p:nvPr/>
+        </p:nvSpPr>
+        <p:spPr>
+          <a:xfrm>
+            <a:off x="4082643" y="5713796"/>
+            <a:ext cx="1289457" cy="883445"/>
+          </a:xfrm>
+          <a:prstGeom prst="ellipse">
+            <a:avLst/>
+          </a:prstGeom>
+          <a:solidFill>
+            <a:schemeClr val="accent1">
+              <a:lumMod val="40000"/>
+              <a:lumOff val="60000"/>
+            </a:schemeClr>
+          </a:solidFill>
+        </p:spPr>
+        <p:style>
+          <a:lnRef idx="1">
+            <a:schemeClr val="accent1"/>
+          </a:lnRef>
+          <a:fillRef idx="2">
+            <a:schemeClr val="accent1"/>
+          </a:fillRef>
+          <a:effectRef idx="1">
+            <a:schemeClr val="accent1"/>
+          </a:effectRef>
+          <a:fontRef idx="minor">
+            <a:schemeClr val="dk1"/>
+          </a:fontRef>
+        </p:style>
+        <p:txBody>
+          <a:bodyPr rtlCol="0" anchor="ctr"/>
+          <a:lstStyle/>
+          <a:p>
+            <a:pPr algn="ctr"/>
+            <a:r>
+              <a:rPr lang="zh-CN" altLang="en-US" sz="1400" dirty="0"/>
+              <a:t>评价指标</a:t>
+            </a:r>
+          </a:p>
+        </p:txBody>
+      </p:sp>
+      <p:sp>
+        <p:nvSpPr>
+          <p:cNvPr id="16" name="矩形 15">
+            <a:extLst>
+              <a:ext uri="{FF2B5EF4-FFF2-40B4-BE49-F238E27FC236}">
+                <a16:creationId xmlns:a16="http://schemas.microsoft.com/office/drawing/2014/main" id="{DC758B2D-9911-4977-AAAF-069E22C001D9}"/>
+              </a:ext>
+            </a:extLst>
+          </p:cNvPr>
+          <p:cNvSpPr/>
+          <p:nvPr/>
+        </p:nvSpPr>
+        <p:spPr>
+          <a:xfrm>
+            <a:off x="5794176" y="2464590"/>
+            <a:ext cx="2973588" cy="4293398"/>
+          </a:xfrm>
+          <a:prstGeom prst="rect">
+            <a:avLst/>
+          </a:prstGeom>
+          <a:solidFill>
+            <a:schemeClr val="accent4">
+              <a:lumMod val="60000"/>
+              <a:lumOff val="40000"/>
+            </a:schemeClr>
+          </a:solidFill>
+        </p:spPr>
+        <p:style>
+          <a:lnRef idx="2">
+            <a:schemeClr val="accent6">
+              <a:shade val="50000"/>
+            </a:schemeClr>
+          </a:lnRef>
+          <a:fillRef idx="1">
+            <a:schemeClr val="accent6"/>
+          </a:fillRef>
+          <a:effectRef idx="0">
+            <a:schemeClr val="accent6"/>
+          </a:effectRef>
+          <a:fontRef idx="minor">
+            <a:schemeClr val="lt1"/>
+          </a:fontRef>
+        </p:style>
+        <p:txBody>
+          <a:bodyPr numCol="3" rtlCol="0" anchor="ctr"/>
+          <a:lstStyle/>
+          <a:p>
+            <a:r>
+              <a:rPr lang="en-US" altLang="zh-CN" dirty="0"/>
+              <a:t>PIDNN</a:t>
+            </a:r>
+            <a:r>
+              <a:rPr lang="zh-CN" altLang="en-US" dirty="0"/>
+              <a:t>速率控制模块</a:t>
+            </a:r>
+          </a:p>
+        </p:txBody>
+      </p:sp>
+      <p:sp>
+        <p:nvSpPr>
+          <p:cNvPr id="17" name="椭圆 16">
+            <a:extLst>
+              <a:ext uri="{FF2B5EF4-FFF2-40B4-BE49-F238E27FC236}">
+                <a16:creationId xmlns:a16="http://schemas.microsoft.com/office/drawing/2014/main" id="{0616831A-EF1B-4FAC-BCA2-738742856A42}"/>
+              </a:ext>
+            </a:extLst>
+          </p:cNvPr>
+          <p:cNvSpPr/>
+          <p:nvPr/>
+        </p:nvSpPr>
+        <p:spPr>
+          <a:xfrm>
+            <a:off x="7280970" y="2593780"/>
+            <a:ext cx="1182293" cy="883445"/>
+          </a:xfrm>
+          <a:prstGeom prst="ellipse">
+            <a:avLst/>
+          </a:prstGeom>
+          <a:solidFill>
+            <a:schemeClr val="accent1">
+              <a:lumMod val="40000"/>
+              <a:lumOff val="60000"/>
+            </a:schemeClr>
+          </a:solidFill>
+        </p:spPr>
+        <p:style>
+          <a:lnRef idx="1">
+            <a:schemeClr val="accent1"/>
+          </a:lnRef>
+          <a:fillRef idx="2">
+            <a:schemeClr val="accent1"/>
+          </a:fillRef>
+          <a:effectRef idx="1">
+            <a:schemeClr val="accent1"/>
+          </a:effectRef>
+          <a:fontRef idx="minor">
+            <a:schemeClr val="dk1"/>
+          </a:fontRef>
+        </p:style>
+        <p:txBody>
+          <a:bodyPr rtlCol="0" anchor="ctr"/>
+          <a:lstStyle/>
+          <a:p>
+            <a:pPr algn="ctr"/>
+            <a:r>
+              <a:rPr lang="zh-CN" altLang="en-US" sz="1400" dirty="0"/>
+              <a:t>神经网络模型</a:t>
+            </a:r>
+          </a:p>
+        </p:txBody>
+      </p:sp>
+      <p:sp>
+        <p:nvSpPr>
+          <p:cNvPr id="18" name="椭圆 17">
+            <a:extLst>
+              <a:ext uri="{FF2B5EF4-FFF2-40B4-BE49-F238E27FC236}">
+                <a16:creationId xmlns:a16="http://schemas.microsoft.com/office/drawing/2014/main" id="{FE174616-75F5-45D2-8452-5B3894F02F66}"/>
+              </a:ext>
+            </a:extLst>
+          </p:cNvPr>
+          <p:cNvSpPr/>
+          <p:nvPr/>
+        </p:nvSpPr>
+        <p:spPr>
+          <a:xfrm>
+            <a:off x="7258050" y="3438354"/>
+            <a:ext cx="1342133" cy="1108176"/>
+          </a:xfrm>
+          <a:prstGeom prst="ellipse">
+            <a:avLst/>
+          </a:prstGeom>
+          <a:solidFill>
+            <a:schemeClr val="accent1">
+              <a:lumMod val="40000"/>
+              <a:lumOff val="60000"/>
+            </a:schemeClr>
+          </a:solidFill>
+        </p:spPr>
+        <p:style>
+          <a:lnRef idx="1">
+            <a:schemeClr val="accent1"/>
+          </a:lnRef>
+          <a:fillRef idx="2">
+            <a:schemeClr val="accent1"/>
+          </a:fillRef>
+          <a:effectRef idx="1">
+            <a:schemeClr val="accent1"/>
+          </a:effectRef>
+          <a:fontRef idx="minor">
+            <a:schemeClr val="dk1"/>
+          </a:fontRef>
+        </p:style>
+        <p:txBody>
+          <a:bodyPr rtlCol="0" anchor="ctr"/>
+          <a:lstStyle/>
+          <a:p>
+            <a:pPr algn="ctr"/>
+            <a:r>
+              <a:rPr lang="zh-CN" altLang="en-US" sz="1400" dirty="0"/>
+              <a:t>反馈调节及参数优化</a:t>
+            </a:r>
+          </a:p>
+        </p:txBody>
+      </p:sp>
+      <p:sp>
+        <p:nvSpPr>
+          <p:cNvPr id="19" name="椭圆 18">
+            <a:extLst>
+              <a:ext uri="{FF2B5EF4-FFF2-40B4-BE49-F238E27FC236}">
+                <a16:creationId xmlns:a16="http://schemas.microsoft.com/office/drawing/2014/main" id="{955D67EC-0BD3-46E5-A076-2EC9B3F74B9F}"/>
+              </a:ext>
+            </a:extLst>
+          </p:cNvPr>
+          <p:cNvSpPr/>
+          <p:nvPr/>
+        </p:nvSpPr>
+        <p:spPr>
+          <a:xfrm>
+            <a:off x="7336185" y="4366009"/>
+            <a:ext cx="1233487" cy="795342"/>
+          </a:xfrm>
+          <a:prstGeom prst="ellipse">
+            <a:avLst/>
+          </a:prstGeom>
+          <a:solidFill>
+            <a:schemeClr val="accent1">
+              <a:lumMod val="40000"/>
+              <a:lumOff val="60000"/>
+            </a:schemeClr>
+          </a:solidFill>
+        </p:spPr>
+        <p:style>
+          <a:lnRef idx="1">
+            <a:schemeClr val="accent1"/>
+          </a:lnRef>
+          <a:fillRef idx="2">
+            <a:schemeClr val="accent1"/>
+          </a:fillRef>
+          <a:effectRef idx="1">
+            <a:schemeClr val="accent1"/>
+          </a:effectRef>
+          <a:fontRef idx="minor">
+            <a:schemeClr val="dk1"/>
+          </a:fontRef>
+        </p:style>
+        <p:txBody>
+          <a:bodyPr rtlCol="0" anchor="ctr"/>
+          <a:lstStyle/>
+          <a:p>
+            <a:pPr algn="ctr"/>
+            <a:r>
+              <a:rPr lang="zh-CN" altLang="en-US" sz="1400" dirty="0"/>
+              <a:t>速率控制算法</a:t>
+            </a:r>
+          </a:p>
+        </p:txBody>
+      </p:sp>
+      <p:sp>
+        <p:nvSpPr>
+          <p:cNvPr id="20" name="椭圆 19">
+            <a:extLst>
+              <a:ext uri="{FF2B5EF4-FFF2-40B4-BE49-F238E27FC236}">
+                <a16:creationId xmlns:a16="http://schemas.microsoft.com/office/drawing/2014/main" id="{B902686D-7CE8-4916-957F-AAB6F3236A3D}"/>
+              </a:ext>
+            </a:extLst>
+          </p:cNvPr>
+          <p:cNvSpPr/>
+          <p:nvPr/>
+        </p:nvSpPr>
+        <p:spPr>
+          <a:xfrm>
+            <a:off x="7305675" y="5075461"/>
+            <a:ext cx="1294508" cy="884208"/>
+          </a:xfrm>
+          <a:prstGeom prst="ellipse">
+            <a:avLst/>
+          </a:prstGeom>
+          <a:solidFill>
+            <a:schemeClr val="accent1">
+              <a:lumMod val="40000"/>
+              <a:lumOff val="60000"/>
+            </a:schemeClr>
+          </a:solidFill>
+        </p:spPr>
+        <p:style>
+          <a:lnRef idx="1">
+            <a:schemeClr val="accent1"/>
+          </a:lnRef>
+          <a:fillRef idx="2">
+            <a:schemeClr val="accent1"/>
+          </a:fillRef>
+          <a:effectRef idx="1">
+            <a:schemeClr val="accent1"/>
+          </a:effectRef>
+          <a:fontRef idx="minor">
+            <a:schemeClr val="dk1"/>
+          </a:fontRef>
+        </p:style>
+        <p:txBody>
+          <a:bodyPr rtlCol="0" anchor="ctr"/>
+          <a:lstStyle/>
+          <a:p>
+            <a:pPr algn="ctr"/>
+            <a:r>
+              <a:rPr lang="zh-CN" altLang="en-US" sz="1400" dirty="0"/>
+              <a:t>目标</a:t>
+            </a:r>
+            <a:r>
+              <a:rPr lang="en-US" altLang="zh-CN" sz="1400" dirty="0"/>
+              <a:t>RTT</a:t>
+            </a:r>
+            <a:r>
+              <a:rPr lang="zh-CN" altLang="en-US" sz="1400" dirty="0"/>
+              <a:t>优化</a:t>
+            </a:r>
+          </a:p>
+        </p:txBody>
+      </p:sp>
+      <p:sp>
+        <p:nvSpPr>
+          <p:cNvPr id="25" name="椭圆 24">
+            <a:extLst>
+              <a:ext uri="{FF2B5EF4-FFF2-40B4-BE49-F238E27FC236}">
+                <a16:creationId xmlns:a16="http://schemas.microsoft.com/office/drawing/2014/main" id="{BFCF4DE0-7CCB-4971-A545-D1861CB619FB}"/>
+              </a:ext>
+            </a:extLst>
+          </p:cNvPr>
+          <p:cNvSpPr/>
+          <p:nvPr/>
+        </p:nvSpPr>
+        <p:spPr>
+          <a:xfrm>
+            <a:off x="7368979" y="5872386"/>
+            <a:ext cx="1233487" cy="795342"/>
+          </a:xfrm>
+          <a:prstGeom prst="ellipse">
+            <a:avLst/>
+          </a:prstGeom>
+          <a:solidFill>
+            <a:schemeClr val="accent1">
+              <a:lumMod val="40000"/>
+              <a:lumOff val="60000"/>
+            </a:schemeClr>
+          </a:solidFill>
+        </p:spPr>
+        <p:style>
+          <a:lnRef idx="1">
+            <a:schemeClr val="accent1"/>
+          </a:lnRef>
+          <a:fillRef idx="2">
+            <a:schemeClr val="accent1"/>
+          </a:fillRef>
+          <a:effectRef idx="1">
+            <a:schemeClr val="accent1"/>
+          </a:effectRef>
+          <a:fontRef idx="minor">
+            <a:schemeClr val="dk1"/>
+          </a:fontRef>
+        </p:style>
+        <p:txBody>
+          <a:bodyPr rtlCol="0" anchor="ctr"/>
+          <a:lstStyle/>
+          <a:p>
+            <a:pPr algn="ctr"/>
+            <a:r>
+              <a:rPr lang="zh-CN" altLang="en-US" sz="1400" dirty="0"/>
+              <a:t>拥塞控制效果指标</a:t>
+            </a:r>
+          </a:p>
+        </p:txBody>
+      </p:sp>
+    </p:spTree>
+    <p:extLst>
+      <p:ext uri="{BB962C8B-B14F-4D97-AF65-F5344CB8AC3E}">
+        <p14:creationId xmlns:p14="http://schemas.microsoft.com/office/powerpoint/2010/main" val="1428083922"/>
+      </p:ext>
+    </p:extLst>
+  </p:cSld>
+  <p:clrMapOvr>
+    <a:masterClrMapping/>
+  </p:clrMapOvr>
+</p:sld>
+</file>
+
+<file path=ppt/slides/slide41.xml><?xml version="1.0" encoding="utf-8"?>
+<p:sld xmlns:a="http://schemas.openxmlformats.org/drawingml/2006/main" xmlns:r="http://schemas.openxmlformats.org/officeDocument/2006/relationships" xmlns:p="http://schemas.openxmlformats.org/presentationml/2006/main">
+  <p:cSld>
+    <p:spTree>
+      <p:nvGrpSpPr>
+        <p:cNvPr id="1" name=""/>
+        <p:cNvGrpSpPr/>
+        <p:nvPr/>
+      </p:nvGrpSpPr>
+      <p:grpSpPr>
+        <a:xfrm>
+          <a:off x="0" y="0"/>
+          <a:ext cx="0" cy="0"/>
+          <a:chOff x="0" y="0"/>
+          <a:chExt cx="0" cy="0"/>
+        </a:xfrm>
+      </p:grpSpPr>
+      <p:sp>
+        <p:nvSpPr>
           <p:cNvPr id="108" name="矩形 107">
             <a:extLst>
               <a:ext uri="{FF2B5EF4-FFF2-40B4-BE49-F238E27FC236}">
@@ -24266,7 +25375,7 @@
 </p:sld>
 </file>
 
-<file path=ppt/slides/slide41.xml><?xml version="1.0" encoding="utf-8"?>
+<file path=ppt/slides/slide42.xml><?xml version="1.0" encoding="utf-8"?>
 <p:sld xmlns:a="http://schemas.openxmlformats.org/drawingml/2006/main" xmlns:r="http://schemas.openxmlformats.org/officeDocument/2006/relationships" xmlns:p="http://schemas.openxmlformats.org/presentationml/2006/main">
   <p:cSld>
     <p:spTree>
@@ -25543,7 +26652,7 @@
 </p:sld>
 </file>
 
-<file path=ppt/slides/slide42.xml><?xml version="1.0" encoding="utf-8"?>
+<file path=ppt/slides/slide43.xml><?xml version="1.0" encoding="utf-8"?>
 <p:sld xmlns:a="http://schemas.openxmlformats.org/drawingml/2006/main" xmlns:r="http://schemas.openxmlformats.org/officeDocument/2006/relationships" xmlns:p="http://schemas.openxmlformats.org/presentationml/2006/main">
   <p:cSld>
     <p:spTree>
@@ -25601,7 +26710,7 @@
 </p:sld>
 </file>
 
-<file path=ppt/slides/slide43.xml><?xml version="1.0" encoding="utf-8"?>
+<file path=ppt/slides/slide44.xml><?xml version="1.0" encoding="utf-8"?>
 <p:sld xmlns:a="http://schemas.openxmlformats.org/drawingml/2006/main" xmlns:r="http://schemas.openxmlformats.org/officeDocument/2006/relationships" xmlns:p="http://schemas.openxmlformats.org/presentationml/2006/main">
   <p:cSld>
     <p:spTree>
@@ -25659,7 +26768,7 @@
 </p:sld>
 </file>
 
-<file path=ppt/slides/slide44.xml><?xml version="1.0" encoding="utf-8"?>
+<file path=ppt/slides/slide45.xml><?xml version="1.0" encoding="utf-8"?>
 <p:sld xmlns:a="http://schemas.openxmlformats.org/drawingml/2006/main" xmlns:r="http://schemas.openxmlformats.org/officeDocument/2006/relationships" xmlns:p="http://schemas.openxmlformats.org/presentationml/2006/main">
   <p:cSld>
     <p:spTree>
@@ -25881,7 +26990,7 @@
 </p:sld>
 </file>
 
-<file path=ppt/slides/slide45.xml><?xml version="1.0" encoding="utf-8"?>
+<file path=ppt/slides/slide46.xml><?xml version="1.0" encoding="utf-8"?>
 <p:sld xmlns:a="http://schemas.openxmlformats.org/drawingml/2006/main" xmlns:r="http://schemas.openxmlformats.org/officeDocument/2006/relationships" xmlns:p="http://schemas.openxmlformats.org/presentationml/2006/main">
   <p:cSld>
     <p:spTree>
@@ -26101,7 +27210,7 @@
 </p:sld>
 </file>
 
-<file path=ppt/slides/slide46.xml><?xml version="1.0" encoding="utf-8"?>
+<file path=ppt/slides/slide47.xml><?xml version="1.0" encoding="utf-8"?>
 <p:sld xmlns:a="http://schemas.openxmlformats.org/drawingml/2006/main" xmlns:r="http://schemas.openxmlformats.org/officeDocument/2006/relationships" xmlns:p="http://schemas.openxmlformats.org/presentationml/2006/main">
   <p:cSld>
     <p:spTree>
@@ -26334,287 +27443,6 @@
 </p:sld>
 </file>
 
-<file path=ppt/slides/slide47.xml><?xml version="1.0" encoding="utf-8"?>
-<p:sld xmlns:a="http://schemas.openxmlformats.org/drawingml/2006/main" xmlns:r="http://schemas.openxmlformats.org/officeDocument/2006/relationships" xmlns:p="http://schemas.openxmlformats.org/presentationml/2006/main">
-  <p:cSld>
-    <p:spTree>
-      <p:nvGrpSpPr>
-        <p:cNvPr id="1" name=""/>
-        <p:cNvGrpSpPr/>
-        <p:nvPr/>
-      </p:nvGrpSpPr>
-      <p:grpSpPr>
-        <a:xfrm>
-          <a:off x="0" y="0"/>
-          <a:ext cx="0" cy="0"/>
-          <a:chOff x="0" y="0"/>
-          <a:chExt cx="0" cy="0"/>
-        </a:xfrm>
-      </p:grpSpPr>
-      <p:sp>
-        <p:nvSpPr>
-          <p:cNvPr id="2" name="文本框 1">
-            <a:extLst>
-              <a:ext uri="{FF2B5EF4-FFF2-40B4-BE49-F238E27FC236}">
-                <a16:creationId xmlns:a16="http://schemas.microsoft.com/office/drawing/2014/main" id="{DD144413-9DFB-424D-917C-2B20E6D0DE80}"/>
-              </a:ext>
-            </a:extLst>
-          </p:cNvPr>
-          <p:cNvSpPr txBox="1"/>
-          <p:nvPr/>
-        </p:nvSpPr>
-        <p:spPr>
-          <a:xfrm>
-            <a:off x="640701" y="422988"/>
-            <a:ext cx="6207967" cy="1200329"/>
-          </a:xfrm>
-          <a:prstGeom prst="rect">
-            <a:avLst/>
-          </a:prstGeom>
-          <a:noFill/>
-        </p:spPr>
-        <p:txBody>
-          <a:bodyPr wrap="square" rtlCol="0">
-            <a:spAutoFit/>
-          </a:bodyPr>
-          <a:lstStyle/>
-          <a:p>
-            <a:r>
-              <a:rPr lang="zh-CN" altLang="en-US" dirty="0"/>
-              <a:t>解决思路：</a:t>
-            </a:r>
-            <a:endParaRPr lang="en-US" altLang="zh-CN" dirty="0"/>
-          </a:p>
-          <a:p>
-            <a:r>
-              <a:rPr lang="en-US" altLang="zh-CN" dirty="0"/>
-              <a:t>C = 0.5+sigmod(</a:t>
-            </a:r>
-            <a:r>
-              <a:rPr lang="en-US" altLang="zh-CN" dirty="0" err="1"/>
-              <a:t>PIDout</a:t>
-            </a:r>
-            <a:r>
-              <a:rPr lang="en-US" altLang="zh-CN" dirty="0"/>
-              <a:t>)</a:t>
-            </a:r>
-          </a:p>
-          <a:p>
-            <a:r>
-              <a:rPr lang="zh-CN" altLang="en-US" dirty="0"/>
-              <a:t>阈值修改：</a:t>
-            </a:r>
-            <a:r>
-              <a:rPr lang="en-US" altLang="zh-CN" dirty="0"/>
-              <a:t> 0.4&lt;C&lt;1.5</a:t>
-            </a:r>
-          </a:p>
-          <a:p>
-            <a:r>
-              <a:rPr lang="zh-CN" altLang="en-US" dirty="0"/>
-              <a:t>存在一个特点：启动慢，</a:t>
-            </a:r>
-            <a:r>
-              <a:rPr lang="en-US" altLang="zh-CN" dirty="0"/>
-              <a:t>PID</a:t>
-            </a:r>
-            <a:r>
-              <a:rPr lang="zh-CN" altLang="en-US" dirty="0"/>
-              <a:t>参数优化</a:t>
-            </a:r>
-            <a:endParaRPr lang="en-US" altLang="zh-CN" dirty="0"/>
-          </a:p>
-        </p:txBody>
-      </p:sp>
-      <p:sp>
-        <p:nvSpPr>
-          <p:cNvPr id="3" name="文本框 2">
-            <a:extLst>
-              <a:ext uri="{FF2B5EF4-FFF2-40B4-BE49-F238E27FC236}">
-                <a16:creationId xmlns:a16="http://schemas.microsoft.com/office/drawing/2014/main" id="{32F1253D-F4B2-443E-BC47-D8DE6AA10791}"/>
-              </a:ext>
-            </a:extLst>
-          </p:cNvPr>
-          <p:cNvSpPr txBox="1"/>
-          <p:nvPr/>
-        </p:nvSpPr>
-        <p:spPr>
-          <a:xfrm>
-            <a:off x="640701" y="1903445"/>
-            <a:ext cx="6711820" cy="2308324"/>
-          </a:xfrm>
-          <a:prstGeom prst="rect">
-            <a:avLst/>
-          </a:prstGeom>
-          <a:noFill/>
-        </p:spPr>
-        <p:txBody>
-          <a:bodyPr wrap="square" rtlCol="0">
-            <a:spAutoFit/>
-          </a:bodyPr>
-          <a:lstStyle/>
-          <a:p>
-            <a:r>
-              <a:rPr lang="zh-CN" altLang="en-US" dirty="0"/>
-              <a:t>对于</a:t>
-            </a:r>
-            <a:r>
-              <a:rPr lang="en-US" altLang="zh-CN" dirty="0" err="1"/>
-              <a:t>RTTtarget</a:t>
-            </a:r>
-            <a:r>
-              <a:rPr lang="zh-CN" altLang="en-US" dirty="0"/>
-              <a:t>选择，先加一个调整模块，根据一定时间内统计到的</a:t>
-            </a:r>
-            <a:r>
-              <a:rPr lang="en-US" altLang="zh-CN" dirty="0" err="1"/>
-              <a:t>minRTT</a:t>
-            </a:r>
-            <a:r>
-              <a:rPr lang="zh-CN" altLang="en-US" dirty="0"/>
-              <a:t>更新</a:t>
-            </a:r>
-            <a:r>
-              <a:rPr lang="en-US" altLang="zh-CN" dirty="0" err="1"/>
-              <a:t>RTTtarget</a:t>
-            </a:r>
-            <a:endParaRPr lang="en-US" altLang="zh-CN" dirty="0"/>
-          </a:p>
-          <a:p>
-            <a:endParaRPr lang="en-US" altLang="zh-CN" dirty="0"/>
-          </a:p>
-          <a:p>
-            <a:r>
-              <a:rPr lang="zh-CN" altLang="en-US" dirty="0"/>
-              <a:t>给定调整范围：</a:t>
-            </a:r>
-            <a:endParaRPr lang="en-US" altLang="zh-CN" dirty="0"/>
-          </a:p>
-          <a:p>
-            <a:r>
-              <a:rPr lang="zh-CN" altLang="en-US" dirty="0"/>
-              <a:t>例如</a:t>
-            </a:r>
-            <a:r>
-              <a:rPr lang="en-US" altLang="zh-CN" dirty="0"/>
-              <a:t>4us&lt;</a:t>
-            </a:r>
-            <a:r>
-              <a:rPr lang="en-US" altLang="zh-CN" dirty="0" err="1"/>
-              <a:t>RTTtarget</a:t>
-            </a:r>
-            <a:r>
-              <a:rPr lang="en-US" altLang="zh-CN" dirty="0"/>
-              <a:t>&lt;20us</a:t>
-            </a:r>
-          </a:p>
-          <a:p>
-            <a:r>
-              <a:rPr lang="en-US" altLang="zh-CN" dirty="0" err="1"/>
-              <a:t>RTTtarget</a:t>
-            </a:r>
-            <a:r>
-              <a:rPr lang="zh-CN" altLang="en-US" dirty="0"/>
-              <a:t>初始设置为</a:t>
-            </a:r>
-            <a:r>
-              <a:rPr lang="en-US" altLang="zh-CN" dirty="0"/>
-              <a:t>5us,</a:t>
-            </a:r>
-          </a:p>
-          <a:p>
-            <a:r>
-              <a:rPr lang="zh-CN" altLang="en-US" dirty="0"/>
-              <a:t>当连续观察到</a:t>
-            </a:r>
-            <a:r>
-              <a:rPr lang="en-US" altLang="zh-CN" dirty="0"/>
-              <a:t>N</a:t>
-            </a:r>
-            <a:r>
-              <a:rPr lang="zh-CN" altLang="en-US" dirty="0"/>
-              <a:t>个</a:t>
-            </a:r>
-            <a:r>
-              <a:rPr lang="en-US" altLang="zh-CN" dirty="0"/>
-              <a:t>RTT</a:t>
-            </a:r>
-            <a:r>
-              <a:rPr lang="zh-CN" altLang="en-US" dirty="0"/>
-              <a:t>都</a:t>
-            </a:r>
-            <a:r>
-              <a:rPr lang="en-US" altLang="zh-CN" dirty="0"/>
-              <a:t>&gt; </a:t>
-            </a:r>
-            <a:r>
-              <a:rPr lang="en-US" altLang="zh-CN" dirty="0" err="1"/>
-              <a:t>RTTtarget</a:t>
-            </a:r>
-            <a:r>
-              <a:rPr lang="zh-CN" altLang="en-US" dirty="0"/>
-              <a:t>时，上调</a:t>
-            </a:r>
-            <a:r>
-              <a:rPr lang="en-US" altLang="zh-CN" dirty="0" err="1"/>
-              <a:t>RTTtarget</a:t>
-            </a:r>
-            <a:endParaRPr lang="en-US" altLang="zh-CN" dirty="0"/>
-          </a:p>
-          <a:p>
-            <a:r>
-              <a:rPr lang="zh-CN" altLang="en-US" dirty="0"/>
-              <a:t>当连续观察到</a:t>
-            </a:r>
-            <a:r>
-              <a:rPr lang="en-US" altLang="zh-CN" dirty="0"/>
-              <a:t>N</a:t>
-            </a:r>
-            <a:r>
-              <a:rPr lang="zh-CN" altLang="en-US" dirty="0"/>
-              <a:t>个</a:t>
-            </a:r>
-            <a:r>
-              <a:rPr lang="en-US" altLang="zh-CN" dirty="0"/>
-              <a:t>RTT</a:t>
-            </a:r>
-            <a:r>
-              <a:rPr lang="zh-CN" altLang="en-US" dirty="0"/>
-              <a:t>都</a:t>
-            </a:r>
-            <a:r>
-              <a:rPr lang="en-US" altLang="zh-CN" dirty="0"/>
-              <a:t>&lt; </a:t>
-            </a:r>
-            <a:r>
-              <a:rPr lang="en-US" altLang="zh-CN" dirty="0" err="1"/>
-              <a:t>RTTtarget</a:t>
-            </a:r>
-            <a:r>
-              <a:rPr lang="zh-CN" altLang="en-US" dirty="0"/>
-              <a:t>时，下调</a:t>
-            </a:r>
-            <a:r>
-              <a:rPr lang="en-US" altLang="zh-CN" dirty="0" err="1"/>
-              <a:t>RTTtarget</a:t>
-            </a:r>
-            <a:endParaRPr lang="zh-CN" altLang="en-US" dirty="0"/>
-          </a:p>
-        </p:txBody>
-      </p:sp>
-    </p:spTree>
-    <p:extLst>
-      <p:ext uri="{BB962C8B-B14F-4D97-AF65-F5344CB8AC3E}">
-        <p14:creationId xmlns:p14="http://schemas.microsoft.com/office/powerpoint/2010/main" val="236467526"/>
-      </p:ext>
-    </p:extLst>
-  </p:cSld>
-  <p:clrMapOvr>
-    <a:masterClrMapping/>
-  </p:clrMapOvr>
-</p:sld>
-</file>
-
 <file path=ppt/slides/slide48.xml><?xml version="1.0" encoding="utf-8"?>
 <p:sld xmlns:a="http://schemas.openxmlformats.org/drawingml/2006/main" xmlns:r="http://schemas.openxmlformats.org/officeDocument/2006/relationships" xmlns:p="http://schemas.openxmlformats.org/presentationml/2006/main">
   <p:cSld>
@@ -26637,7 +27465,7 @@
           <p:cNvPr id="2" name="文本框 1">
             <a:extLst>
               <a:ext uri="{FF2B5EF4-FFF2-40B4-BE49-F238E27FC236}">
-                <a16:creationId xmlns:a16="http://schemas.microsoft.com/office/drawing/2014/main" id="{71620A83-9487-4FBC-9D17-563223C3B133}"/>
+                <a16:creationId xmlns:a16="http://schemas.microsoft.com/office/drawing/2014/main" id="{DD144413-9DFB-424D-917C-2B20E6D0DE80}"/>
               </a:ext>
             </a:extLst>
           </p:cNvPr>
@@ -26646,8 +27474,8 @@
         </p:nvSpPr>
         <p:spPr>
           <a:xfrm>
-            <a:off x="777551" y="379445"/>
-            <a:ext cx="7843935" cy="2308324"/>
+            <a:off x="640701" y="422988"/>
+            <a:ext cx="6207967" cy="1200329"/>
           </a:xfrm>
           <a:prstGeom prst="rect">
             <a:avLst/>
@@ -26661,27 +27489,160 @@
           <a:lstStyle/>
           <a:p>
             <a:r>
+              <a:rPr lang="zh-CN" altLang="en-US" dirty="0"/>
+              <a:t>解决思路：</a:t>
+            </a:r>
+            <a:endParaRPr lang="en-US" altLang="zh-CN" dirty="0"/>
+          </a:p>
+          <a:p>
+            <a:r>
+              <a:rPr lang="en-US" altLang="zh-CN" dirty="0"/>
+              <a:t>C = 0.5+sigmod(</a:t>
+            </a:r>
+            <a:r>
+              <a:rPr lang="en-US" altLang="zh-CN" dirty="0" err="1"/>
+              <a:t>PIDout</a:t>
+            </a:r>
+            <a:r>
+              <a:rPr lang="en-US" altLang="zh-CN" dirty="0"/>
+              <a:t>)</a:t>
+            </a:r>
+          </a:p>
+          <a:p>
+            <a:r>
+              <a:rPr lang="zh-CN" altLang="en-US" dirty="0"/>
+              <a:t>阈值修改：</a:t>
+            </a:r>
+            <a:r>
+              <a:rPr lang="en-US" altLang="zh-CN" dirty="0"/>
+              <a:t> 0.4&lt;C&lt;1.5</a:t>
+            </a:r>
+          </a:p>
+          <a:p>
+            <a:r>
+              <a:rPr lang="zh-CN" altLang="en-US" dirty="0"/>
+              <a:t>存在一个特点：启动慢，</a:t>
+            </a:r>
+            <a:r>
               <a:rPr lang="en-US" altLang="zh-CN" dirty="0"/>
               <a:t>PID</a:t>
             </a:r>
             <a:r>
               <a:rPr lang="zh-CN" altLang="en-US" dirty="0"/>
-              <a:t>参数优化方法：</a:t>
+              <a:t>参数优化</a:t>
             </a:r>
             <a:endParaRPr lang="en-US" altLang="zh-CN" dirty="0"/>
           </a:p>
+        </p:txBody>
+      </p:sp>
+      <p:sp>
+        <p:nvSpPr>
+          <p:cNvPr id="3" name="文本框 2">
+            <a:extLst>
+              <a:ext uri="{FF2B5EF4-FFF2-40B4-BE49-F238E27FC236}">
+                <a16:creationId xmlns:a16="http://schemas.microsoft.com/office/drawing/2014/main" id="{32F1253D-F4B2-443E-BC47-D8DE6AA10791}"/>
+              </a:ext>
+            </a:extLst>
+          </p:cNvPr>
+          <p:cNvSpPr txBox="1"/>
+          <p:nvPr/>
+        </p:nvSpPr>
+        <p:spPr>
+          <a:xfrm>
+            <a:off x="640701" y="1903445"/>
+            <a:ext cx="6711820" cy="2308324"/>
+          </a:xfrm>
+          <a:prstGeom prst="rect">
+            <a:avLst/>
+          </a:prstGeom>
+          <a:noFill/>
+        </p:spPr>
+        <p:txBody>
+          <a:bodyPr wrap="square" rtlCol="0">
+            <a:spAutoFit/>
+          </a:bodyPr>
+          <a:lstStyle/>
           <a:p>
             <a:r>
               <a:rPr lang="zh-CN" altLang="en-US" dirty="0"/>
-              <a:t>参数</a:t>
+              <a:t>对于</a:t>
+            </a:r>
+            <a:r>
+              <a:rPr lang="en-US" altLang="zh-CN" dirty="0" err="1"/>
+              <a:t>RTTtarget</a:t>
+            </a:r>
+            <a:r>
+              <a:rPr lang="zh-CN" altLang="en-US" dirty="0"/>
+              <a:t>选择，先加一个调整模块，根据一定时间内统计到的</a:t>
+            </a:r>
+            <a:r>
+              <a:rPr lang="en-US" altLang="zh-CN" dirty="0" err="1"/>
+              <a:t>minRTT</a:t>
+            </a:r>
+            <a:r>
+              <a:rPr lang="zh-CN" altLang="en-US" dirty="0"/>
+              <a:t>更新</a:t>
+            </a:r>
+            <a:r>
+              <a:rPr lang="en-US" altLang="zh-CN" dirty="0" err="1"/>
+              <a:t>RTTtarget</a:t>
+            </a:r>
+            <a:endParaRPr lang="en-US" altLang="zh-CN" dirty="0"/>
+          </a:p>
+          <a:p>
+            <a:endParaRPr lang="en-US" altLang="zh-CN" dirty="0"/>
+          </a:p>
+          <a:p>
+            <a:r>
+              <a:rPr lang="zh-CN" altLang="en-US" dirty="0"/>
+              <a:t>给定调整范围：</a:t>
+            </a:r>
+            <a:endParaRPr lang="en-US" altLang="zh-CN" dirty="0"/>
+          </a:p>
+          <a:p>
+            <a:r>
+              <a:rPr lang="zh-CN" altLang="en-US" dirty="0"/>
+              <a:t>例如</a:t>
             </a:r>
             <a:r>
               <a:rPr lang="en-US" altLang="zh-CN" dirty="0"/>
-              <a:t>P</a:t>
+              <a:t>4us&lt;</a:t>
+            </a:r>
+            <a:r>
+              <a:rPr lang="en-US" altLang="zh-CN" dirty="0" err="1"/>
+              <a:t>RTTtarget</a:t>
+            </a:r>
+            <a:r>
+              <a:rPr lang="en-US" altLang="zh-CN" dirty="0"/>
+              <a:t>&lt;20us</a:t>
+            </a:r>
+          </a:p>
+          <a:p>
+            <a:r>
+              <a:rPr lang="en-US" altLang="zh-CN" dirty="0" err="1"/>
+              <a:t>RTTtarget</a:t>
             </a:r>
             <a:r>
               <a:rPr lang="zh-CN" altLang="en-US" dirty="0"/>
-              <a:t>对于控制</a:t>
+              <a:t>初始设置为</a:t>
+            </a:r>
+            <a:r>
+              <a:rPr lang="en-US" altLang="zh-CN" dirty="0"/>
+              <a:t>5us,</a:t>
+            </a:r>
+          </a:p>
+          <a:p>
+            <a:r>
+              <a:rPr lang="zh-CN" altLang="en-US" dirty="0"/>
+              <a:t>当连续观察到</a:t>
+            </a:r>
+            <a:r>
+              <a:rPr lang="en-US" altLang="zh-CN" dirty="0"/>
+              <a:t>N</a:t>
+            </a:r>
+            <a:r>
+              <a:rPr lang="zh-CN" altLang="en-US" dirty="0"/>
+              <a:t>个</a:t>
             </a:r>
             <a:r>
               <a:rPr lang="en-US" altLang="zh-CN" dirty="0"/>
@@ -26689,7 +27650,11 @@
             </a:r>
             <a:r>
               <a:rPr lang="zh-CN" altLang="en-US" dirty="0"/>
-              <a:t>在</a:t>
+              <a:t>都</a:t>
+            </a:r>
+            <a:r>
+              <a:rPr lang="en-US" altLang="zh-CN" dirty="0"/>
+              <a:t>&gt; </a:t>
             </a:r>
             <a:r>
               <a:rPr lang="en-US" altLang="zh-CN" dirty="0" err="1"/>
@@ -26697,46 +27662,26 @@
             </a:r>
             <a:r>
               <a:rPr lang="zh-CN" altLang="en-US" dirty="0"/>
-              <a:t>上下抖动，</a:t>
+              <a:t>时，上调</a:t>
+            </a:r>
+            <a:r>
+              <a:rPr lang="en-US" altLang="zh-CN" dirty="0" err="1"/>
+              <a:t>RTTtarget</a:t>
+            </a:r>
+            <a:endParaRPr lang="en-US" altLang="zh-CN" dirty="0"/>
+          </a:p>
+          <a:p>
+            <a:r>
+              <a:rPr lang="zh-CN" altLang="en-US" dirty="0"/>
+              <a:t>当连续观察到</a:t>
             </a:r>
             <a:r>
               <a:rPr lang="en-US" altLang="zh-CN" dirty="0"/>
-              <a:t>|P|</a:t>
+              <a:t>N</a:t>
             </a:r>
             <a:r>
               <a:rPr lang="zh-CN" altLang="en-US" dirty="0"/>
-              <a:t>越大，抖动越快（不考虑阈值限制），频率越快越好，最好为</a:t>
-            </a:r>
-            <a:r>
-              <a:rPr lang="en-US" altLang="zh-CN" dirty="0"/>
-              <a:t>2</a:t>
-            </a:r>
-            <a:r>
-              <a:rPr lang="zh-CN" altLang="en-US" dirty="0"/>
-              <a:t>，但实际控制具有滞后性，无法达到该频率，且频率越大幅度越大，目的选择一个合适的频率和幅值及较高的吞吐量，优化</a:t>
-            </a:r>
-            <a:r>
-              <a:rPr lang="en-US" altLang="zh-CN" dirty="0"/>
-              <a:t>P</a:t>
-            </a:r>
-            <a:r>
-              <a:rPr lang="zh-CN" altLang="en-US" dirty="0"/>
-              <a:t>参数</a:t>
-            </a:r>
-            <a:endParaRPr lang="en-US" altLang="zh-CN" dirty="0"/>
-          </a:p>
-          <a:p>
-            <a:r>
-              <a:rPr lang="zh-CN" altLang="en-US" dirty="0"/>
-              <a:t>参数</a:t>
-            </a:r>
-            <a:r>
-              <a:rPr lang="en-US" altLang="zh-CN" dirty="0"/>
-              <a:t>I</a:t>
-            </a:r>
-            <a:r>
-              <a:rPr lang="zh-CN" altLang="en-US" dirty="0"/>
-              <a:t>对于控制平均</a:t>
+              <a:t>个</a:t>
             </a:r>
             <a:r>
               <a:rPr lang="en-US" altLang="zh-CN" dirty="0"/>
@@ -26744,7 +27689,11 @@
             </a:r>
             <a:r>
               <a:rPr lang="zh-CN" altLang="en-US" dirty="0"/>
-              <a:t>最终和</a:t>
+              <a:t>都</a:t>
+            </a:r>
+            <a:r>
+              <a:rPr lang="en-US" altLang="zh-CN" dirty="0"/>
+              <a:t>&lt; </a:t>
             </a:r>
             <a:r>
               <a:rPr lang="en-US" altLang="zh-CN" dirty="0" err="1"/>
@@ -26752,63 +27701,11 @@
             </a:r>
             <a:r>
               <a:rPr lang="zh-CN" altLang="en-US" dirty="0"/>
-              <a:t>无限接近，根据平均</a:t>
-            </a:r>
-            <a:r>
-              <a:rPr lang="en-US" altLang="zh-CN" dirty="0"/>
-              <a:t>RTT</a:t>
-            </a:r>
-            <a:r>
-              <a:rPr lang="zh-CN" altLang="en-US" dirty="0"/>
-              <a:t>调整参数</a:t>
-            </a:r>
-            <a:r>
-              <a:rPr lang="en-US" altLang="zh-CN" dirty="0"/>
-              <a:t>I</a:t>
-            </a:r>
-          </a:p>
-          <a:p>
-            <a:r>
-              <a:rPr lang="zh-CN" altLang="en-US" dirty="0"/>
-              <a:t>参数</a:t>
-            </a:r>
-            <a:r>
-              <a:rPr lang="en-US" altLang="zh-CN" dirty="0"/>
-              <a:t>D</a:t>
-            </a:r>
-            <a:r>
-              <a:rPr lang="zh-CN" altLang="en-US" dirty="0"/>
-              <a:t>影响</a:t>
-            </a:r>
-            <a:r>
-              <a:rPr lang="en-US" altLang="zh-CN" dirty="0"/>
-              <a:t>RTT</a:t>
-            </a:r>
-            <a:r>
-              <a:rPr lang="zh-CN" altLang="en-US" dirty="0"/>
-              <a:t>变化幅度，根据</a:t>
-            </a:r>
-            <a:r>
-              <a:rPr lang="en-US" altLang="zh-CN" dirty="0"/>
-              <a:t>RTT</a:t>
-            </a:r>
-            <a:r>
-              <a:rPr lang="zh-CN" altLang="en-US" dirty="0"/>
-              <a:t>震动幅度调整</a:t>
-            </a:r>
-            <a:r>
-              <a:rPr lang="en-US" altLang="zh-CN" dirty="0"/>
-              <a:t>D</a:t>
-            </a:r>
-          </a:p>
-          <a:p>
-            <a:r>
-              <a:rPr lang="zh-CN" altLang="en-US" dirty="0"/>
-              <a:t>优化顺序：</a:t>
-            </a:r>
-            <a:r>
-              <a:rPr lang="en-US" altLang="zh-CN" dirty="0"/>
-              <a:t>P &gt;I &gt;D</a:t>
+              <a:t>时，下调</a:t>
+            </a:r>
+            <a:r>
+              <a:rPr lang="en-US" altLang="zh-CN" dirty="0" err="1"/>
+              <a:t>RTTtarget</a:t>
             </a:r>
             <a:endParaRPr lang="zh-CN" altLang="en-US" dirty="0"/>
           </a:p>
@@ -26817,7 +27714,7 @@
     </p:spTree>
     <p:extLst>
       <p:ext uri="{BB962C8B-B14F-4D97-AF65-F5344CB8AC3E}">
-        <p14:creationId xmlns:p14="http://schemas.microsoft.com/office/powerpoint/2010/main" val="2896117468"/>
+        <p14:creationId xmlns:p14="http://schemas.microsoft.com/office/powerpoint/2010/main" val="236467526"/>
       </p:ext>
     </p:extLst>
   </p:cSld>
@@ -26849,7 +27746,7 @@
           <p:cNvPr id="2" name="文本框 1">
             <a:extLst>
               <a:ext uri="{FF2B5EF4-FFF2-40B4-BE49-F238E27FC236}">
-                <a16:creationId xmlns:a16="http://schemas.microsoft.com/office/drawing/2014/main" id="{8865C9BF-5A00-45E0-91D9-A58FEAE8B8FA}"/>
+                <a16:creationId xmlns:a16="http://schemas.microsoft.com/office/drawing/2014/main" id="{71620A83-9487-4FBC-9D17-563223C3B133}"/>
               </a:ext>
             </a:extLst>
           </p:cNvPr>
@@ -26858,8 +27755,8 @@
         </p:nvSpPr>
         <p:spPr>
           <a:xfrm>
-            <a:off x="597159" y="478971"/>
-            <a:ext cx="7246776" cy="1754326"/>
+            <a:off x="777551" y="379445"/>
+            <a:ext cx="7843935" cy="2308324"/>
           </a:xfrm>
           <a:prstGeom prst="rect">
             <a:avLst/>
@@ -26873,23 +27770,82 @@
           <a:lstStyle/>
           <a:p>
             <a:r>
+              <a:rPr lang="en-US" altLang="zh-CN" dirty="0"/>
+              <a:t>PID</a:t>
+            </a:r>
+            <a:r>
+              <a:rPr lang="zh-CN" altLang="en-US" dirty="0"/>
+              <a:t>参数优化方法：</a:t>
+            </a:r>
+            <a:endParaRPr lang="en-US" altLang="zh-CN" dirty="0"/>
+          </a:p>
+          <a:p>
+            <a:r>
+              <a:rPr lang="zh-CN" altLang="en-US" dirty="0"/>
+              <a:t>参数</a:t>
+            </a:r>
+            <a:r>
+              <a:rPr lang="en-US" altLang="zh-CN" dirty="0"/>
+              <a:t>P</a:t>
+            </a:r>
+            <a:r>
+              <a:rPr lang="zh-CN" altLang="en-US" dirty="0"/>
+              <a:t>对于控制</a:t>
+            </a:r>
+            <a:r>
+              <a:rPr lang="en-US" altLang="zh-CN" dirty="0"/>
+              <a:t>RTT</a:t>
+            </a:r>
+            <a:r>
+              <a:rPr lang="zh-CN" altLang="en-US" dirty="0"/>
+              <a:t>在</a:t>
+            </a:r>
+            <a:r>
               <a:rPr lang="en-US" altLang="zh-CN" dirty="0" err="1"/>
               <a:t>RTTtarget</a:t>
             </a:r>
             <a:r>
               <a:rPr lang="zh-CN" altLang="en-US" dirty="0"/>
-              <a:t>动态调整方法：</a:t>
+              <a:t>上下抖动，</a:t>
+            </a:r>
+            <a:r>
+              <a:rPr lang="en-US" altLang="zh-CN" dirty="0"/>
+              <a:t>|P|</a:t>
+            </a:r>
+            <a:r>
+              <a:rPr lang="zh-CN" altLang="en-US" dirty="0"/>
+              <a:t>越大，抖动越快（不考虑阈值限制），频率越快越好，最好为</a:t>
+            </a:r>
+            <a:r>
+              <a:rPr lang="en-US" altLang="zh-CN" dirty="0"/>
+              <a:t>2</a:t>
+            </a:r>
+            <a:r>
+              <a:rPr lang="zh-CN" altLang="en-US" dirty="0"/>
+              <a:t>，但实际控制具有滞后性，无法达到该频率，且频率越大幅度越大，目的选择一个合适的频率和幅值及较高的吞吐量，优化</a:t>
+            </a:r>
+            <a:r>
+              <a:rPr lang="en-US" altLang="zh-CN" dirty="0"/>
+              <a:t>P</a:t>
+            </a:r>
+            <a:r>
+              <a:rPr lang="zh-CN" altLang="en-US" dirty="0"/>
+              <a:t>参数</a:t>
             </a:r>
             <a:endParaRPr lang="en-US" altLang="zh-CN" dirty="0"/>
           </a:p>
           <a:p>
             <a:r>
+              <a:rPr lang="zh-CN" altLang="en-US" dirty="0"/>
+              <a:t>参数</a:t>
+            </a:r>
+            <a:r>
               <a:rPr lang="en-US" altLang="zh-CN" dirty="0"/>
-              <a:t>A.</a:t>
+              <a:t>I</a:t>
             </a:r>
             <a:r>
               <a:rPr lang="zh-CN" altLang="en-US" dirty="0"/>
-              <a:t>根据连续</a:t>
+              <a:t>对于控制平均</a:t>
             </a:r>
             <a:r>
               <a:rPr lang="en-US" altLang="zh-CN" dirty="0"/>
@@ -26897,15 +27853,7 @@
             </a:r>
             <a:r>
               <a:rPr lang="zh-CN" altLang="en-US" dirty="0"/>
-              <a:t>观察值，设计 计数器（从</a:t>
-            </a:r>
-            <a:r>
-              <a:rPr lang="en-US" altLang="zh-CN" dirty="0"/>
-              <a:t>0</a:t>
-            </a:r>
-            <a:r>
-              <a:rPr lang="zh-CN" altLang="en-US" dirty="0"/>
-              <a:t>开始），当计数器到一定范围之后，调整</a:t>
+              <a:t>最终和</a:t>
             </a:r>
             <a:r>
               <a:rPr lang="en-US" altLang="zh-CN" dirty="0" err="1"/>
@@ -26913,87 +27861,72 @@
             </a:r>
             <a:r>
               <a:rPr lang="zh-CN" altLang="en-US" dirty="0"/>
-              <a:t>增加或减少单位时间</a:t>
+              <a:t>无限接近，根据平均</a:t>
             </a:r>
             <a:r>
               <a:rPr lang="en-US" altLang="zh-CN" dirty="0"/>
-              <a:t>1us</a:t>
+              <a:t>RTT</a:t>
             </a:r>
             <a:r>
               <a:rPr lang="zh-CN" altLang="en-US" dirty="0"/>
-              <a:t>，并以调整</a:t>
-            </a:r>
-            <a:r>
-              <a:rPr lang="en-US" altLang="zh-CN" dirty="0" err="1"/>
-              <a:t>RTTtarget</a:t>
-            </a:r>
+              <a:t>调整参数</a:t>
+            </a:r>
+            <a:r>
+              <a:rPr lang="en-US" altLang="zh-CN" dirty="0"/>
+              <a:t>I</a:t>
+            </a:r>
+          </a:p>
+          <a:p>
             <a:r>
               <a:rPr lang="zh-CN" altLang="en-US" dirty="0"/>
-              <a:t>初始值为辅助，效果：</a:t>
-            </a:r>
-            <a:endParaRPr lang="en-US" altLang="zh-CN" dirty="0"/>
-          </a:p>
-          <a:p>
+              <a:t>参数</a:t>
+            </a:r>
             <a:r>
               <a:rPr lang="en-US" altLang="zh-CN" dirty="0"/>
-              <a:t>|</a:t>
+              <a:t>D</a:t>
             </a:r>
             <a:r>
               <a:rPr lang="zh-CN" altLang="en-US" dirty="0"/>
-              <a:t>计数器</a:t>
+              <a:t>影响</a:t>
             </a:r>
             <a:r>
               <a:rPr lang="en-US" altLang="zh-CN" dirty="0"/>
-              <a:t>|&gt;X</a:t>
+              <a:t>RTT</a:t>
             </a:r>
             <a:r>
               <a:rPr lang="zh-CN" altLang="en-US" dirty="0"/>
-              <a:t>调整，初始值</a:t>
+              <a:t>变化幅度，根据</a:t>
             </a:r>
             <a:r>
               <a:rPr lang="en-US" altLang="zh-CN" dirty="0"/>
-              <a:t>5us/10us</a:t>
-            </a:r>
-          </a:p>
-          <a:p>
+              <a:t>RTT</a:t>
+            </a:r>
+            <a:r>
+              <a:rPr lang="zh-CN" altLang="en-US" dirty="0"/>
+              <a:t>震动幅度调整</a:t>
+            </a:r>
+            <a:r>
+              <a:rPr lang="en-US" altLang="zh-CN" dirty="0"/>
+              <a:t>D</a:t>
+            </a:r>
+          </a:p>
+          <a:p>
+            <a:r>
+              <a:rPr lang="zh-CN" altLang="en-US" dirty="0"/>
+              <a:t>优化顺序：</a:t>
+            </a:r>
+            <a:r>
+              <a:rPr lang="en-US" altLang="zh-CN" dirty="0"/>
+              <a:t>P &gt;I &gt;D</a:t>
+            </a:r>
             <a:endParaRPr lang="zh-CN" altLang="en-US" dirty="0"/>
           </a:p>
         </p:txBody>
       </p:sp>
-      <p:pic>
-        <p:nvPicPr>
-          <p:cNvPr id="4" name="图片 3">
-            <a:extLst>
-              <a:ext uri="{FF2B5EF4-FFF2-40B4-BE49-F238E27FC236}">
-                <a16:creationId xmlns:a16="http://schemas.microsoft.com/office/drawing/2014/main" id="{43B8C750-FC03-4550-AEBA-9AC29D24A068}"/>
-              </a:ext>
-            </a:extLst>
-          </p:cNvPr>
-          <p:cNvPicPr>
-            <a:picLocks noChangeAspect="1"/>
-          </p:cNvPicPr>
-          <p:nvPr/>
-        </p:nvPicPr>
-        <p:blipFill>
-          <a:blip r:embed="rId2"/>
-          <a:stretch>
-            <a:fillRect/>
-          </a:stretch>
-        </p:blipFill>
-        <p:spPr>
-          <a:xfrm>
-            <a:off x="2202025" y="2115013"/>
-            <a:ext cx="4431866" cy="3536228"/>
-          </a:xfrm>
-          <a:prstGeom prst="rect">
-            <a:avLst/>
-          </a:prstGeom>
-        </p:spPr>
-      </p:pic>
     </p:spTree>
     <p:extLst>
       <p:ext uri="{BB962C8B-B14F-4D97-AF65-F5344CB8AC3E}">
-        <p14:creationId xmlns:p14="http://schemas.microsoft.com/office/powerpoint/2010/main" val="119045040"/>
+        <p14:creationId xmlns:p14="http://schemas.microsoft.com/office/powerpoint/2010/main" val="2896117468"/>
       </p:ext>
     </p:extLst>
   </p:cSld>
@@ -27734,12 +28667,128 @@
           <a:chExt cx="0" cy="0"/>
         </a:xfrm>
       </p:grpSpPr>
+      <p:sp>
+        <p:nvSpPr>
+          <p:cNvPr id="2" name="文本框 1">
+            <a:extLst>
+              <a:ext uri="{FF2B5EF4-FFF2-40B4-BE49-F238E27FC236}">
+                <a16:creationId xmlns:a16="http://schemas.microsoft.com/office/drawing/2014/main" id="{8865C9BF-5A00-45E0-91D9-A58FEAE8B8FA}"/>
+              </a:ext>
+            </a:extLst>
+          </p:cNvPr>
+          <p:cNvSpPr txBox="1"/>
+          <p:nvPr/>
+        </p:nvSpPr>
+        <p:spPr>
+          <a:xfrm>
+            <a:off x="597159" y="478971"/>
+            <a:ext cx="7246776" cy="1754326"/>
+          </a:xfrm>
+          <a:prstGeom prst="rect">
+            <a:avLst/>
+          </a:prstGeom>
+          <a:noFill/>
+        </p:spPr>
+        <p:txBody>
+          <a:bodyPr wrap="square" rtlCol="0">
+            <a:spAutoFit/>
+          </a:bodyPr>
+          <a:lstStyle/>
+          <a:p>
+            <a:r>
+              <a:rPr lang="en-US" altLang="zh-CN" dirty="0" err="1"/>
+              <a:t>RTTtarget</a:t>
+            </a:r>
+            <a:r>
+              <a:rPr lang="zh-CN" altLang="en-US" dirty="0"/>
+              <a:t>动态调整方法：</a:t>
+            </a:r>
+            <a:endParaRPr lang="en-US" altLang="zh-CN" dirty="0"/>
+          </a:p>
+          <a:p>
+            <a:r>
+              <a:rPr lang="en-US" altLang="zh-CN" dirty="0"/>
+              <a:t>A.</a:t>
+            </a:r>
+            <a:r>
+              <a:rPr lang="zh-CN" altLang="en-US" dirty="0"/>
+              <a:t>根据连续</a:t>
+            </a:r>
+            <a:r>
+              <a:rPr lang="en-US" altLang="zh-CN" dirty="0"/>
+              <a:t>RTT</a:t>
+            </a:r>
+            <a:r>
+              <a:rPr lang="zh-CN" altLang="en-US" dirty="0"/>
+              <a:t>观察值，设计 计数器（从</a:t>
+            </a:r>
+            <a:r>
+              <a:rPr lang="en-US" altLang="zh-CN" dirty="0"/>
+              <a:t>0</a:t>
+            </a:r>
+            <a:r>
+              <a:rPr lang="zh-CN" altLang="en-US" dirty="0"/>
+              <a:t>开始），当计数器到一定范围之后，调整</a:t>
+            </a:r>
+            <a:r>
+              <a:rPr lang="en-US" altLang="zh-CN" dirty="0" err="1"/>
+              <a:t>RTTtarget</a:t>
+            </a:r>
+            <a:r>
+              <a:rPr lang="zh-CN" altLang="en-US" dirty="0"/>
+              <a:t>增加或减少单位时间</a:t>
+            </a:r>
+            <a:r>
+              <a:rPr lang="en-US" altLang="zh-CN" dirty="0"/>
+              <a:t>1us</a:t>
+            </a:r>
+            <a:r>
+              <a:rPr lang="zh-CN" altLang="en-US" dirty="0"/>
+              <a:t>，并以调整</a:t>
+            </a:r>
+            <a:r>
+              <a:rPr lang="en-US" altLang="zh-CN" dirty="0" err="1"/>
+              <a:t>RTTtarget</a:t>
+            </a:r>
+            <a:r>
+              <a:rPr lang="zh-CN" altLang="en-US" dirty="0"/>
+              <a:t>初始值为辅助，效果：</a:t>
+            </a:r>
+            <a:endParaRPr lang="en-US" altLang="zh-CN" dirty="0"/>
+          </a:p>
+          <a:p>
+            <a:r>
+              <a:rPr lang="en-US" altLang="zh-CN" dirty="0"/>
+              <a:t>|</a:t>
+            </a:r>
+            <a:r>
+              <a:rPr lang="zh-CN" altLang="en-US" dirty="0"/>
+              <a:t>计数器</a:t>
+            </a:r>
+            <a:r>
+              <a:rPr lang="en-US" altLang="zh-CN" dirty="0"/>
+              <a:t>|&gt;X</a:t>
+            </a:r>
+            <a:r>
+              <a:rPr lang="zh-CN" altLang="en-US" dirty="0"/>
+              <a:t>调整，初始值</a:t>
+            </a:r>
+            <a:r>
+              <a:rPr lang="en-US" altLang="zh-CN" dirty="0"/>
+              <a:t>5us/10us</a:t>
+            </a:r>
+          </a:p>
+          <a:p>
+            <a:endParaRPr lang="zh-CN" altLang="en-US" dirty="0"/>
+          </a:p>
+        </p:txBody>
+      </p:sp>
       <p:pic>
         <p:nvPicPr>
-          <p:cNvPr id="3" name="图片 2">
-            <a:extLst>
-              <a:ext uri="{FF2B5EF4-FFF2-40B4-BE49-F238E27FC236}">
-                <a16:creationId xmlns:a16="http://schemas.microsoft.com/office/drawing/2014/main" id="{2AC23433-1566-46C4-A623-870601618644}"/>
+          <p:cNvPr id="4" name="图片 3">
+            <a:extLst>
+              <a:ext uri="{FF2B5EF4-FFF2-40B4-BE49-F238E27FC236}">
+                <a16:creationId xmlns:a16="http://schemas.microsoft.com/office/drawing/2014/main" id="{43B8C750-FC03-4550-AEBA-9AC29D24A068}"/>
               </a:ext>
             </a:extLst>
           </p:cNvPr>
@@ -27756,81 +28805,18 @@
         </p:blipFill>
         <p:spPr>
           <a:xfrm>
-            <a:off x="1877329" y="1460419"/>
-            <a:ext cx="5376902" cy="4248181"/>
+            <a:off x="2202025" y="2115013"/>
+            <a:ext cx="4431866" cy="3536228"/>
           </a:xfrm>
           <a:prstGeom prst="rect">
             <a:avLst/>
           </a:prstGeom>
         </p:spPr>
       </p:pic>
-      <p:sp>
-        <p:nvSpPr>
-          <p:cNvPr id="4" name="文本框 3">
-            <a:extLst>
-              <a:ext uri="{FF2B5EF4-FFF2-40B4-BE49-F238E27FC236}">
-                <a16:creationId xmlns:a16="http://schemas.microsoft.com/office/drawing/2014/main" id="{4812876A-44A2-41A9-ADF8-98622D86357B}"/>
-              </a:ext>
-            </a:extLst>
-          </p:cNvPr>
-          <p:cNvSpPr txBox="1"/>
-          <p:nvPr/>
-        </p:nvSpPr>
-        <p:spPr>
-          <a:xfrm>
-            <a:off x="976604" y="578498"/>
-            <a:ext cx="5772539" cy="369332"/>
-          </a:xfrm>
-          <a:prstGeom prst="rect">
-            <a:avLst/>
-          </a:prstGeom>
-          <a:noFill/>
-        </p:spPr>
-        <p:txBody>
-          <a:bodyPr wrap="square" rtlCol="0">
-            <a:spAutoFit/>
-          </a:bodyPr>
-          <a:lstStyle/>
-          <a:p>
-            <a:r>
-              <a:rPr lang="en-US" altLang="zh-CN" dirty="0" err="1"/>
-              <a:t>RTTtarget</a:t>
-            </a:r>
-            <a:r>
-              <a:rPr lang="zh-CN" altLang="en-US" dirty="0"/>
-              <a:t>初始值</a:t>
-            </a:r>
-            <a:r>
-              <a:rPr lang="en-US" altLang="zh-CN" dirty="0"/>
-              <a:t>5us,</a:t>
-            </a:r>
-            <a:r>
-              <a:rPr lang="zh-CN" altLang="en-US" dirty="0"/>
-              <a:t>计数器分别</a:t>
-            </a:r>
-            <a:r>
-              <a:rPr lang="en-US" altLang="zh-CN" dirty="0"/>
-              <a:t>|</a:t>
-            </a:r>
-            <a:r>
-              <a:rPr lang="zh-CN" altLang="en-US" dirty="0"/>
-              <a:t>计数器</a:t>
-            </a:r>
-            <a:r>
-              <a:rPr lang="en-US" altLang="zh-CN" dirty="0"/>
-              <a:t>|&gt;6/10</a:t>
-            </a:r>
-            <a:r>
-              <a:rPr lang="zh-CN" altLang="en-US" dirty="0"/>
-              <a:t>调整</a:t>
-            </a:r>
-          </a:p>
-        </p:txBody>
-      </p:sp>
     </p:spTree>
     <p:extLst>
       <p:ext uri="{BB962C8B-B14F-4D97-AF65-F5344CB8AC3E}">
-        <p14:creationId xmlns:p14="http://schemas.microsoft.com/office/powerpoint/2010/main" val="3231386835"/>
+        <p14:creationId xmlns:p14="http://schemas.microsoft.com/office/powerpoint/2010/main" val="119045040"/>
       </p:ext>
     </p:extLst>
   </p:cSld>
@@ -27862,6 +28848,129 @@
           <p:cNvPr id="3" name="图片 2">
             <a:extLst>
               <a:ext uri="{FF2B5EF4-FFF2-40B4-BE49-F238E27FC236}">
+                <a16:creationId xmlns:a16="http://schemas.microsoft.com/office/drawing/2014/main" id="{2AC23433-1566-46C4-A623-870601618644}"/>
+              </a:ext>
+            </a:extLst>
+          </p:cNvPr>
+          <p:cNvPicPr>
+            <a:picLocks noChangeAspect="1"/>
+          </p:cNvPicPr>
+          <p:nvPr/>
+        </p:nvPicPr>
+        <p:blipFill>
+          <a:blip r:embed="rId2"/>
+          <a:stretch>
+            <a:fillRect/>
+          </a:stretch>
+        </p:blipFill>
+        <p:spPr>
+          <a:xfrm>
+            <a:off x="1877329" y="1460419"/>
+            <a:ext cx="5376902" cy="4248181"/>
+          </a:xfrm>
+          <a:prstGeom prst="rect">
+            <a:avLst/>
+          </a:prstGeom>
+        </p:spPr>
+      </p:pic>
+      <p:sp>
+        <p:nvSpPr>
+          <p:cNvPr id="4" name="文本框 3">
+            <a:extLst>
+              <a:ext uri="{FF2B5EF4-FFF2-40B4-BE49-F238E27FC236}">
+                <a16:creationId xmlns:a16="http://schemas.microsoft.com/office/drawing/2014/main" id="{4812876A-44A2-41A9-ADF8-98622D86357B}"/>
+              </a:ext>
+            </a:extLst>
+          </p:cNvPr>
+          <p:cNvSpPr txBox="1"/>
+          <p:nvPr/>
+        </p:nvSpPr>
+        <p:spPr>
+          <a:xfrm>
+            <a:off x="976604" y="578498"/>
+            <a:ext cx="5772539" cy="369332"/>
+          </a:xfrm>
+          <a:prstGeom prst="rect">
+            <a:avLst/>
+          </a:prstGeom>
+          <a:noFill/>
+        </p:spPr>
+        <p:txBody>
+          <a:bodyPr wrap="square" rtlCol="0">
+            <a:spAutoFit/>
+          </a:bodyPr>
+          <a:lstStyle/>
+          <a:p>
+            <a:r>
+              <a:rPr lang="en-US" altLang="zh-CN" dirty="0" err="1"/>
+              <a:t>RTTtarget</a:t>
+            </a:r>
+            <a:r>
+              <a:rPr lang="zh-CN" altLang="en-US" dirty="0"/>
+              <a:t>初始值</a:t>
+            </a:r>
+            <a:r>
+              <a:rPr lang="en-US" altLang="zh-CN" dirty="0"/>
+              <a:t>5us,</a:t>
+            </a:r>
+            <a:r>
+              <a:rPr lang="zh-CN" altLang="en-US" dirty="0"/>
+              <a:t>计数器分别</a:t>
+            </a:r>
+            <a:r>
+              <a:rPr lang="en-US" altLang="zh-CN" dirty="0"/>
+              <a:t>|</a:t>
+            </a:r>
+            <a:r>
+              <a:rPr lang="zh-CN" altLang="en-US" dirty="0"/>
+              <a:t>计数器</a:t>
+            </a:r>
+            <a:r>
+              <a:rPr lang="en-US" altLang="zh-CN" dirty="0"/>
+              <a:t>|&gt;6/10</a:t>
+            </a:r>
+            <a:r>
+              <a:rPr lang="zh-CN" altLang="en-US" dirty="0"/>
+              <a:t>调整</a:t>
+            </a:r>
+          </a:p>
+        </p:txBody>
+      </p:sp>
+    </p:spTree>
+    <p:extLst>
+      <p:ext uri="{BB962C8B-B14F-4D97-AF65-F5344CB8AC3E}">
+        <p14:creationId xmlns:p14="http://schemas.microsoft.com/office/powerpoint/2010/main" val="3231386835"/>
+      </p:ext>
+    </p:extLst>
+  </p:cSld>
+  <p:clrMapOvr>
+    <a:masterClrMapping/>
+  </p:clrMapOvr>
+</p:sld>
+</file>
+
+<file path=ppt/slides/slide52.xml><?xml version="1.0" encoding="utf-8"?>
+<p:sld xmlns:a="http://schemas.openxmlformats.org/drawingml/2006/main" xmlns:r="http://schemas.openxmlformats.org/officeDocument/2006/relationships" xmlns:p="http://schemas.openxmlformats.org/presentationml/2006/main">
+  <p:cSld>
+    <p:spTree>
+      <p:nvGrpSpPr>
+        <p:cNvPr id="1" name=""/>
+        <p:cNvGrpSpPr/>
+        <p:nvPr/>
+      </p:nvGrpSpPr>
+      <p:grpSpPr>
+        <a:xfrm>
+          <a:off x="0" y="0"/>
+          <a:ext cx="0" cy="0"/>
+          <a:chOff x="0" y="0"/>
+          <a:chExt cx="0" cy="0"/>
+        </a:xfrm>
+      </p:grpSpPr>
+      <p:pic>
+        <p:nvPicPr>
+          <p:cNvPr id="3" name="图片 2">
+            <a:extLst>
+              <a:ext uri="{FF2B5EF4-FFF2-40B4-BE49-F238E27FC236}">
                 <a16:creationId xmlns:a16="http://schemas.microsoft.com/office/drawing/2014/main" id="{5B533537-A3CC-4F6C-9861-BB236E84511B}"/>
               </a:ext>
             </a:extLst>
@@ -27955,7 +29064,7 @@
 </p:sld>
 </file>
 
-<file path=ppt/slides/slide52.xml><?xml version="1.0" encoding="utf-8"?>
+<file path=ppt/slides/slide53.xml><?xml version="1.0" encoding="utf-8"?>
 <p:sld xmlns:a="http://schemas.openxmlformats.org/drawingml/2006/main" xmlns:r="http://schemas.openxmlformats.org/officeDocument/2006/relationships" xmlns:p="http://schemas.openxmlformats.org/presentationml/2006/main">
   <p:cSld>
     <p:spTree>

--- a/paper/毕设思路 [自动保存的] [自动保存的].pptx
+++ b/paper/毕设思路 [自动保存的] [自动保存的].pptx
@@ -58,6 +58,7 @@
     <p:sldId id="306" r:id="rId52"/>
     <p:sldId id="307" r:id="rId53"/>
     <p:sldId id="308" r:id="rId54"/>
+    <p:sldId id="310" r:id="rId55"/>
   </p:sldIdLst>
   <p:sldSz cx="12192000" cy="6858000"/>
   <p:notesSz cx="6858000" cy="9144000"/>
@@ -2450,7 +2451,7 @@
           <a:p>
             <a:fld id="{AD8B3968-3313-4141-86A3-A13F50CDB1A3}" type="datetimeFigureOut">
               <a:rPr lang="zh-CN" altLang="en-US" smtClean="0"/>
-              <a:t>2023/4/22</a:t>
+              <a:t>2023/4/23</a:t>
             </a:fld>
             <a:endParaRPr lang="zh-CN" altLang="en-US"/>
           </a:p>
@@ -2648,7 +2649,7 @@
           <a:p>
             <a:fld id="{AD8B3968-3313-4141-86A3-A13F50CDB1A3}" type="datetimeFigureOut">
               <a:rPr lang="zh-CN" altLang="en-US" smtClean="0"/>
-              <a:t>2023/4/22</a:t>
+              <a:t>2023/4/23</a:t>
             </a:fld>
             <a:endParaRPr lang="zh-CN" altLang="en-US"/>
           </a:p>
@@ -2856,7 +2857,7 @@
           <a:p>
             <a:fld id="{AD8B3968-3313-4141-86A3-A13F50CDB1A3}" type="datetimeFigureOut">
               <a:rPr lang="zh-CN" altLang="en-US" smtClean="0"/>
-              <a:t>2023/4/22</a:t>
+              <a:t>2023/4/23</a:t>
             </a:fld>
             <a:endParaRPr lang="zh-CN" altLang="en-US"/>
           </a:p>
@@ -3054,7 +3055,7 @@
           <a:p>
             <a:fld id="{AD8B3968-3313-4141-86A3-A13F50CDB1A3}" type="datetimeFigureOut">
               <a:rPr lang="zh-CN" altLang="en-US" smtClean="0"/>
-              <a:t>2023/4/22</a:t>
+              <a:t>2023/4/23</a:t>
             </a:fld>
             <a:endParaRPr lang="zh-CN" altLang="en-US"/>
           </a:p>
@@ -3329,7 +3330,7 @@
           <a:p>
             <a:fld id="{AD8B3968-3313-4141-86A3-A13F50CDB1A3}" type="datetimeFigureOut">
               <a:rPr lang="zh-CN" altLang="en-US" smtClean="0"/>
-              <a:t>2023/4/22</a:t>
+              <a:t>2023/4/23</a:t>
             </a:fld>
             <a:endParaRPr lang="zh-CN" altLang="en-US"/>
           </a:p>
@@ -3594,7 +3595,7 @@
           <a:p>
             <a:fld id="{AD8B3968-3313-4141-86A3-A13F50CDB1A3}" type="datetimeFigureOut">
               <a:rPr lang="zh-CN" altLang="en-US" smtClean="0"/>
-              <a:t>2023/4/22</a:t>
+              <a:t>2023/4/23</a:t>
             </a:fld>
             <a:endParaRPr lang="zh-CN" altLang="en-US"/>
           </a:p>
@@ -4006,7 +4007,7 @@
           <a:p>
             <a:fld id="{AD8B3968-3313-4141-86A3-A13F50CDB1A3}" type="datetimeFigureOut">
               <a:rPr lang="zh-CN" altLang="en-US" smtClean="0"/>
-              <a:t>2023/4/22</a:t>
+              <a:t>2023/4/23</a:t>
             </a:fld>
             <a:endParaRPr lang="zh-CN" altLang="en-US"/>
           </a:p>
@@ -4147,7 +4148,7 @@
           <a:p>
             <a:fld id="{AD8B3968-3313-4141-86A3-A13F50CDB1A3}" type="datetimeFigureOut">
               <a:rPr lang="zh-CN" altLang="en-US" smtClean="0"/>
-              <a:t>2023/4/22</a:t>
+              <a:t>2023/4/23</a:t>
             </a:fld>
             <a:endParaRPr lang="zh-CN" altLang="en-US"/>
           </a:p>
@@ -4260,7 +4261,7 @@
           <a:p>
             <a:fld id="{AD8B3968-3313-4141-86A3-A13F50CDB1A3}" type="datetimeFigureOut">
               <a:rPr lang="zh-CN" altLang="en-US" smtClean="0"/>
-              <a:t>2023/4/22</a:t>
+              <a:t>2023/4/23</a:t>
             </a:fld>
             <a:endParaRPr lang="zh-CN" altLang="en-US"/>
           </a:p>
@@ -4571,7 +4572,7 @@
           <a:p>
             <a:fld id="{AD8B3968-3313-4141-86A3-A13F50CDB1A3}" type="datetimeFigureOut">
               <a:rPr lang="zh-CN" altLang="en-US" smtClean="0"/>
-              <a:t>2023/4/22</a:t>
+              <a:t>2023/4/23</a:t>
             </a:fld>
             <a:endParaRPr lang="zh-CN" altLang="en-US"/>
           </a:p>
@@ -4859,7 +4860,7 @@
           <a:p>
             <a:fld id="{AD8B3968-3313-4141-86A3-A13F50CDB1A3}" type="datetimeFigureOut">
               <a:rPr lang="zh-CN" altLang="en-US" smtClean="0"/>
-              <a:t>2023/4/22</a:t>
+              <a:t>2023/4/23</a:t>
             </a:fld>
             <a:endParaRPr lang="zh-CN" altLang="en-US"/>
           </a:p>
@@ -5100,7 +5101,7 @@
           <a:p>
             <a:fld id="{AD8B3968-3313-4141-86A3-A13F50CDB1A3}" type="datetimeFigureOut">
               <a:rPr lang="zh-CN" altLang="en-US" smtClean="0"/>
-              <a:t>2023/4/22</a:t>
+              <a:t>2023/4/23</a:t>
             </a:fld>
             <a:endParaRPr lang="zh-CN" altLang="en-US"/>
           </a:p>
@@ -29215,6 +29216,155 @@
 </p:sld>
 </file>
 
+<file path=ppt/slides/slide54.xml><?xml version="1.0" encoding="utf-8"?>
+<p:sld xmlns:a="http://schemas.openxmlformats.org/drawingml/2006/main" xmlns:r="http://schemas.openxmlformats.org/officeDocument/2006/relationships" xmlns:p="http://schemas.openxmlformats.org/presentationml/2006/main">
+  <p:cSld>
+    <p:spTree>
+      <p:nvGrpSpPr>
+        <p:cNvPr id="1" name=""/>
+        <p:cNvGrpSpPr/>
+        <p:nvPr/>
+      </p:nvGrpSpPr>
+      <p:grpSpPr>
+        <a:xfrm>
+          <a:off x="0" y="0"/>
+          <a:ext cx="0" cy="0"/>
+          <a:chOff x="0" y="0"/>
+          <a:chExt cx="0" cy="0"/>
+        </a:xfrm>
+      </p:grpSpPr>
+      <p:sp>
+        <p:nvSpPr>
+          <p:cNvPr id="2" name="文本框 1">
+            <a:extLst>
+              <a:ext uri="{FF2B5EF4-FFF2-40B4-BE49-F238E27FC236}">
+                <a16:creationId xmlns:a16="http://schemas.microsoft.com/office/drawing/2014/main" id="{5BCC039B-CCAB-429C-AB66-34715EDE6E5F}"/>
+              </a:ext>
+            </a:extLst>
+          </p:cNvPr>
+          <p:cNvSpPr txBox="1"/>
+          <p:nvPr/>
+        </p:nvSpPr>
+        <p:spPr>
+          <a:xfrm>
+            <a:off x="422988" y="460310"/>
+            <a:ext cx="8105192" cy="3693319"/>
+          </a:xfrm>
+          <a:prstGeom prst="rect">
+            <a:avLst/>
+          </a:prstGeom>
+          <a:noFill/>
+        </p:spPr>
+        <p:txBody>
+          <a:bodyPr wrap="square" rtlCol="0">
+            <a:spAutoFit/>
+          </a:bodyPr>
+          <a:lstStyle/>
+          <a:p>
+            <a:r>
+              <a:rPr lang="zh-CN" altLang="en-US" dirty="0"/>
+              <a:t>遇到的问题：</a:t>
+            </a:r>
+            <a:endParaRPr lang="en-US" altLang="zh-CN" dirty="0"/>
+          </a:p>
+          <a:p>
+            <a:r>
+              <a:rPr lang="zh-CN" altLang="en-US" dirty="0"/>
+              <a:t>一个是前一天仿真出来的结果，第二天忘了改了那儿部分效果变差，又得尝试该回去复现前一天效果，才能开展新工作。</a:t>
+            </a:r>
+            <a:endParaRPr lang="en-US" altLang="zh-CN" dirty="0"/>
+          </a:p>
+          <a:p>
+            <a:r>
+              <a:rPr lang="zh-CN" altLang="en-US" dirty="0"/>
+              <a:t>二是论文上，每当修改算法时，论文就需要跟着改很多部分，会出现漏改忘改的部分，花费时间效果不好。</a:t>
+            </a:r>
+            <a:endParaRPr lang="en-US" altLang="zh-CN" dirty="0"/>
+          </a:p>
+          <a:p>
+            <a:r>
+              <a:rPr lang="zh-CN" altLang="en-US" dirty="0"/>
+              <a:t>三是随着仿真次数原来越多，一些数据的保存为</a:t>
+            </a:r>
+            <a:r>
+              <a:rPr lang="en-US" altLang="zh-CN" dirty="0"/>
+              <a:t>TXT</a:t>
+            </a:r>
+            <a:r>
+              <a:rPr lang="zh-CN" altLang="en-US" dirty="0"/>
+              <a:t>文件，不规范的命名导致后续数据文件的杂乱，找不到想要的</a:t>
+            </a:r>
+            <a:r>
+              <a:rPr lang="en-US" altLang="zh-CN" dirty="0"/>
+              <a:t>TXT</a:t>
+            </a:r>
+            <a:r>
+              <a:rPr lang="zh-CN" altLang="en-US" dirty="0"/>
+              <a:t>，以致不想再去翻那些文件，而是修改参数重新仿真，回到问题一。</a:t>
+            </a:r>
+            <a:endParaRPr lang="en-US" altLang="zh-CN" dirty="0"/>
+          </a:p>
+          <a:p>
+            <a:r>
+              <a:rPr lang="zh-CN" altLang="en-US" dirty="0"/>
+              <a:t>四是</a:t>
+            </a:r>
+            <a:r>
+              <a:rPr lang="en-US" altLang="zh-CN" dirty="0"/>
+              <a:t>PID</a:t>
+            </a:r>
+            <a:r>
+              <a:rPr lang="zh-CN" altLang="en-US" dirty="0"/>
+              <a:t>参数优化一直找不到好的方法，论文中的参数优化收敛是在一次训练中的收敛，由于时间约束和梯度大小约束，初始值约束等，使得能够收敛到一定的范围，更好的调整方法只进行了思考，见</a:t>
+            </a:r>
+            <a:r>
+              <a:rPr lang="en-US" altLang="zh-CN" dirty="0"/>
+              <a:t>49</a:t>
+            </a:r>
+            <a:r>
+              <a:rPr lang="zh-CN" altLang="en-US" dirty="0"/>
+              <a:t>页</a:t>
+            </a:r>
+            <a:r>
+              <a:rPr lang="en-US" altLang="zh-CN" dirty="0"/>
+              <a:t>PPT</a:t>
+            </a:r>
+            <a:r>
+              <a:rPr lang="zh-CN" altLang="en-US" dirty="0"/>
+              <a:t>。</a:t>
+            </a:r>
+            <a:r>
+              <a:rPr lang="en-US" altLang="zh-CN" dirty="0"/>
+              <a:t>PID</a:t>
+            </a:r>
+            <a:r>
+              <a:rPr lang="zh-CN" altLang="en-US" dirty="0"/>
+              <a:t>参数设置以前一直是根据人工经验，根据每一轮的效果反复修改测试，直到较为满意，也不能证明为该问题下的最优解，或许</a:t>
+            </a:r>
+            <a:r>
+              <a:rPr lang="en-US" altLang="zh-CN" dirty="0"/>
+              <a:t>PID</a:t>
+            </a:r>
+            <a:r>
+              <a:rPr lang="zh-CN" altLang="en-US" dirty="0"/>
+              <a:t>参数没有最优这个说法等。</a:t>
+            </a:r>
+          </a:p>
+        </p:txBody>
+      </p:sp>
+    </p:spTree>
+    <p:extLst>
+      <p:ext uri="{BB962C8B-B14F-4D97-AF65-F5344CB8AC3E}">
+        <p14:creationId xmlns:p14="http://schemas.microsoft.com/office/powerpoint/2010/main" val="3973740209"/>
+      </p:ext>
+    </p:extLst>
+  </p:cSld>
+  <p:clrMapOvr>
+    <a:masterClrMapping/>
+  </p:clrMapOvr>
+</p:sld>
+</file>
+
 <file path=ppt/slides/slide6.xml><?xml version="1.0" encoding="utf-8"?>
 <p:sld xmlns:a="http://schemas.openxmlformats.org/drawingml/2006/main" xmlns:r="http://schemas.openxmlformats.org/officeDocument/2006/relationships" xmlns:p="http://schemas.openxmlformats.org/presentationml/2006/main">
   <p:cSld>

--- a/paper/毕设思路 [自动保存的] [自动保存的].pptx
+++ b/paper/毕设思路 [自动保存的] [自动保存的].pptx
@@ -59,6 +59,9 @@
     <p:sldId id="307" r:id="rId53"/>
     <p:sldId id="308" r:id="rId54"/>
     <p:sldId id="310" r:id="rId55"/>
+    <p:sldId id="311" r:id="rId56"/>
+    <p:sldId id="312" r:id="rId57"/>
+    <p:sldId id="313" r:id="rId58"/>
   </p:sldIdLst>
   <p:sldSz cx="12192000" cy="6858000"/>
   <p:notesSz cx="6858000" cy="9144000"/>
@@ -2451,7 +2454,7 @@
           <a:p>
             <a:fld id="{AD8B3968-3313-4141-86A3-A13F50CDB1A3}" type="datetimeFigureOut">
               <a:rPr lang="zh-CN" altLang="en-US" smtClean="0"/>
-              <a:t>2023/4/23</a:t>
+              <a:t>2023/4/28</a:t>
             </a:fld>
             <a:endParaRPr lang="zh-CN" altLang="en-US"/>
           </a:p>
@@ -2649,7 +2652,7 @@
           <a:p>
             <a:fld id="{AD8B3968-3313-4141-86A3-A13F50CDB1A3}" type="datetimeFigureOut">
               <a:rPr lang="zh-CN" altLang="en-US" smtClean="0"/>
-              <a:t>2023/4/23</a:t>
+              <a:t>2023/4/28</a:t>
             </a:fld>
             <a:endParaRPr lang="zh-CN" altLang="en-US"/>
           </a:p>
@@ -2857,7 +2860,7 @@
           <a:p>
             <a:fld id="{AD8B3968-3313-4141-86A3-A13F50CDB1A3}" type="datetimeFigureOut">
               <a:rPr lang="zh-CN" altLang="en-US" smtClean="0"/>
-              <a:t>2023/4/23</a:t>
+              <a:t>2023/4/28</a:t>
             </a:fld>
             <a:endParaRPr lang="zh-CN" altLang="en-US"/>
           </a:p>
@@ -3055,7 +3058,7 @@
           <a:p>
             <a:fld id="{AD8B3968-3313-4141-86A3-A13F50CDB1A3}" type="datetimeFigureOut">
               <a:rPr lang="zh-CN" altLang="en-US" smtClean="0"/>
-              <a:t>2023/4/23</a:t>
+              <a:t>2023/4/28</a:t>
             </a:fld>
             <a:endParaRPr lang="zh-CN" altLang="en-US"/>
           </a:p>
@@ -3330,7 +3333,7 @@
           <a:p>
             <a:fld id="{AD8B3968-3313-4141-86A3-A13F50CDB1A3}" type="datetimeFigureOut">
               <a:rPr lang="zh-CN" altLang="en-US" smtClean="0"/>
-              <a:t>2023/4/23</a:t>
+              <a:t>2023/4/28</a:t>
             </a:fld>
             <a:endParaRPr lang="zh-CN" altLang="en-US"/>
           </a:p>
@@ -3595,7 +3598,7 @@
           <a:p>
             <a:fld id="{AD8B3968-3313-4141-86A3-A13F50CDB1A3}" type="datetimeFigureOut">
               <a:rPr lang="zh-CN" altLang="en-US" smtClean="0"/>
-              <a:t>2023/4/23</a:t>
+              <a:t>2023/4/28</a:t>
             </a:fld>
             <a:endParaRPr lang="zh-CN" altLang="en-US"/>
           </a:p>
@@ -4007,7 +4010,7 @@
           <a:p>
             <a:fld id="{AD8B3968-3313-4141-86A3-A13F50CDB1A3}" type="datetimeFigureOut">
               <a:rPr lang="zh-CN" altLang="en-US" smtClean="0"/>
-              <a:t>2023/4/23</a:t>
+              <a:t>2023/4/28</a:t>
             </a:fld>
             <a:endParaRPr lang="zh-CN" altLang="en-US"/>
           </a:p>
@@ -4148,7 +4151,7 @@
           <a:p>
             <a:fld id="{AD8B3968-3313-4141-86A3-A13F50CDB1A3}" type="datetimeFigureOut">
               <a:rPr lang="zh-CN" altLang="en-US" smtClean="0"/>
-              <a:t>2023/4/23</a:t>
+              <a:t>2023/4/28</a:t>
             </a:fld>
             <a:endParaRPr lang="zh-CN" altLang="en-US"/>
           </a:p>
@@ -4261,7 +4264,7 @@
           <a:p>
             <a:fld id="{AD8B3968-3313-4141-86A3-A13F50CDB1A3}" type="datetimeFigureOut">
               <a:rPr lang="zh-CN" altLang="en-US" smtClean="0"/>
-              <a:t>2023/4/23</a:t>
+              <a:t>2023/4/28</a:t>
             </a:fld>
             <a:endParaRPr lang="zh-CN" altLang="en-US"/>
           </a:p>
@@ -4572,7 +4575,7 @@
           <a:p>
             <a:fld id="{AD8B3968-3313-4141-86A3-A13F50CDB1A3}" type="datetimeFigureOut">
               <a:rPr lang="zh-CN" altLang="en-US" smtClean="0"/>
-              <a:t>2023/4/23</a:t>
+              <a:t>2023/4/28</a:t>
             </a:fld>
             <a:endParaRPr lang="zh-CN" altLang="en-US"/>
           </a:p>
@@ -4860,7 +4863,7 @@
           <a:p>
             <a:fld id="{AD8B3968-3313-4141-86A3-A13F50CDB1A3}" type="datetimeFigureOut">
               <a:rPr lang="zh-CN" altLang="en-US" smtClean="0"/>
-              <a:t>2023/4/23</a:t>
+              <a:t>2023/4/28</a:t>
             </a:fld>
             <a:endParaRPr lang="zh-CN" altLang="en-US"/>
           </a:p>
@@ -5101,7 +5104,7 @@
           <a:p>
             <a:fld id="{AD8B3968-3313-4141-86A3-A13F50CDB1A3}" type="datetimeFigureOut">
               <a:rPr lang="zh-CN" altLang="en-US" smtClean="0"/>
-              <a:t>2023/4/23</a:t>
+              <a:t>2023/4/28</a:t>
             </a:fld>
             <a:endParaRPr lang="zh-CN" altLang="en-US"/>
           </a:p>
@@ -27924,6 +27927,36 @@
           </a:p>
         </p:txBody>
       </p:sp>
+      <p:pic>
+        <p:nvPicPr>
+          <p:cNvPr id="4" name="图片 3">
+            <a:extLst>
+              <a:ext uri="{FF2B5EF4-FFF2-40B4-BE49-F238E27FC236}">
+                <a16:creationId xmlns:a16="http://schemas.microsoft.com/office/drawing/2014/main" id="{A334E0B5-441E-4C24-B14B-124995AA9B62}"/>
+              </a:ext>
+            </a:extLst>
+          </p:cNvPr>
+          <p:cNvPicPr>
+            <a:picLocks noChangeAspect="1"/>
+          </p:cNvPicPr>
+          <p:nvPr/>
+        </p:nvPicPr>
+        <p:blipFill>
+          <a:blip r:embed="rId2"/>
+          <a:stretch>
+            <a:fillRect/>
+          </a:stretch>
+        </p:blipFill>
+        <p:spPr>
+          <a:xfrm>
+            <a:off x="888180" y="3236111"/>
+            <a:ext cx="7158090" cy="1976452"/>
+          </a:xfrm>
+          <a:prstGeom prst="rect">
+            <a:avLst/>
+          </a:prstGeom>
+        </p:spPr>
+      </p:pic>
     </p:spTree>
     <p:extLst>
       <p:ext uri="{BB962C8B-B14F-4D97-AF65-F5344CB8AC3E}">
@@ -29356,6 +29389,2589 @@
     <p:extLst>
       <p:ext uri="{BB962C8B-B14F-4D97-AF65-F5344CB8AC3E}">
         <p14:creationId xmlns:p14="http://schemas.microsoft.com/office/powerpoint/2010/main" val="3973740209"/>
+      </p:ext>
+    </p:extLst>
+  </p:cSld>
+  <p:clrMapOvr>
+    <a:masterClrMapping/>
+  </p:clrMapOvr>
+</p:sld>
+</file>
+
+<file path=ppt/slides/slide55.xml><?xml version="1.0" encoding="utf-8"?>
+<p:sld xmlns:a="http://schemas.openxmlformats.org/drawingml/2006/main" xmlns:r="http://schemas.openxmlformats.org/officeDocument/2006/relationships" xmlns:p="http://schemas.openxmlformats.org/presentationml/2006/main">
+  <p:cSld>
+    <p:spTree>
+      <p:nvGrpSpPr>
+        <p:cNvPr id="1" name=""/>
+        <p:cNvGrpSpPr/>
+        <p:nvPr/>
+      </p:nvGrpSpPr>
+      <p:grpSpPr>
+        <a:xfrm>
+          <a:off x="0" y="0"/>
+          <a:ext cx="0" cy="0"/>
+          <a:chOff x="0" y="0"/>
+          <a:chExt cx="0" cy="0"/>
+        </a:xfrm>
+      </p:grpSpPr>
+      <p:sp>
+        <p:nvSpPr>
+          <p:cNvPr id="3" name="文本框 2">
+            <a:extLst>
+              <a:ext uri="{FF2B5EF4-FFF2-40B4-BE49-F238E27FC236}">
+                <a16:creationId xmlns:a16="http://schemas.microsoft.com/office/drawing/2014/main" id="{0B6A36E7-C064-4E24-9B84-0143FD5ED30F}"/>
+              </a:ext>
+            </a:extLst>
+          </p:cNvPr>
+          <p:cNvSpPr txBox="1"/>
+          <p:nvPr/>
+        </p:nvSpPr>
+        <p:spPr>
+          <a:xfrm>
+            <a:off x="590938" y="223526"/>
+            <a:ext cx="9380375" cy="6524863"/>
+          </a:xfrm>
+          <a:prstGeom prst="rect">
+            <a:avLst/>
+          </a:prstGeom>
+          <a:noFill/>
+        </p:spPr>
+        <p:txBody>
+          <a:bodyPr wrap="square">
+            <a:spAutoFit/>
+          </a:bodyPr>
+          <a:lstStyle/>
+          <a:p>
+            <a:r>
+              <a:rPr lang="en-US" altLang="zh-CN" sz="1100" b="0" i="1" dirty="0">
+                <a:solidFill>
+                  <a:srgbClr val="83D6C5"/>
+                </a:solidFill>
+                <a:effectLst/>
+                <a:latin typeface="Consolas" panose="020B0609020204030204" pitchFamily="49" charset="0"/>
+              </a:rPr>
+              <a:t>import</a:t>
+            </a:r>
+            <a:r>
+              <a:rPr lang="en-US" altLang="zh-CN" sz="1100" b="0" dirty="0">
+                <a:solidFill>
+                  <a:srgbClr val="D6D6DD"/>
+                </a:solidFill>
+                <a:effectLst/>
+                <a:latin typeface="Consolas" panose="020B0609020204030204" pitchFamily="49" charset="0"/>
+              </a:rPr>
+              <a:t> </a:t>
+            </a:r>
+            <a:r>
+              <a:rPr lang="en-US" altLang="zh-CN" sz="1100" b="0" dirty="0" err="1">
+                <a:solidFill>
+                  <a:srgbClr val="D6D6DD"/>
+                </a:solidFill>
+                <a:effectLst/>
+                <a:latin typeface="Consolas" panose="020B0609020204030204" pitchFamily="49" charset="0"/>
+              </a:rPr>
+              <a:t>numpy</a:t>
+            </a:r>
+            <a:r>
+              <a:rPr lang="en-US" altLang="zh-CN" sz="1100" b="0" dirty="0">
+                <a:solidFill>
+                  <a:srgbClr val="D6D6DD"/>
+                </a:solidFill>
+                <a:effectLst/>
+                <a:latin typeface="Consolas" panose="020B0609020204030204" pitchFamily="49" charset="0"/>
+              </a:rPr>
+              <a:t> </a:t>
+            </a:r>
+            <a:r>
+              <a:rPr lang="en-US" altLang="zh-CN" sz="1100" b="0" i="1" dirty="0">
+                <a:solidFill>
+                  <a:srgbClr val="83D6C5"/>
+                </a:solidFill>
+                <a:effectLst/>
+                <a:latin typeface="Consolas" panose="020B0609020204030204" pitchFamily="49" charset="0"/>
+              </a:rPr>
+              <a:t>as</a:t>
+            </a:r>
+            <a:r>
+              <a:rPr lang="en-US" altLang="zh-CN" sz="1100" b="0" dirty="0">
+                <a:solidFill>
+                  <a:srgbClr val="D6D6DD"/>
+                </a:solidFill>
+                <a:effectLst/>
+                <a:latin typeface="Consolas" panose="020B0609020204030204" pitchFamily="49" charset="0"/>
+              </a:rPr>
+              <a:t> np</a:t>
+            </a:r>
+          </a:p>
+          <a:p>
+            <a:br>
+              <a:rPr lang="en-US" altLang="zh-CN" sz="1100" b="0" dirty="0">
+                <a:solidFill>
+                  <a:srgbClr val="D6D6DD"/>
+                </a:solidFill>
+                <a:effectLst/>
+                <a:latin typeface="Consolas" panose="020B0609020204030204" pitchFamily="49" charset="0"/>
+              </a:rPr>
+            </a:br>
+            <a:r>
+              <a:rPr lang="en-US" altLang="zh-CN" sz="1100" b="0" dirty="0">
+                <a:solidFill>
+                  <a:srgbClr val="82D2CE"/>
+                </a:solidFill>
+                <a:effectLst/>
+                <a:latin typeface="Consolas" panose="020B0609020204030204" pitchFamily="49" charset="0"/>
+              </a:rPr>
+              <a:t>class</a:t>
+            </a:r>
+            <a:r>
+              <a:rPr lang="en-US" altLang="zh-CN" sz="1100" b="0" dirty="0">
+                <a:solidFill>
+                  <a:srgbClr val="D6D6DD"/>
+                </a:solidFill>
+                <a:effectLst/>
+                <a:latin typeface="Consolas" panose="020B0609020204030204" pitchFamily="49" charset="0"/>
+              </a:rPr>
+              <a:t> </a:t>
+            </a:r>
+            <a:r>
+              <a:rPr lang="en-US" altLang="zh-CN" sz="1100" b="0" dirty="0">
+                <a:solidFill>
+                  <a:srgbClr val="87C3FF"/>
+                </a:solidFill>
+                <a:effectLst/>
+                <a:latin typeface="Consolas" panose="020B0609020204030204" pitchFamily="49" charset="0"/>
+              </a:rPr>
+              <a:t>PIDNN</a:t>
+            </a:r>
+            <a:r>
+              <a:rPr lang="en-US" altLang="zh-CN" sz="1100" b="0" dirty="0">
+                <a:solidFill>
+                  <a:srgbClr val="D6D6DD"/>
+                </a:solidFill>
+                <a:effectLst/>
+                <a:latin typeface="Consolas" panose="020B0609020204030204" pitchFamily="49" charset="0"/>
+              </a:rPr>
+              <a:t>:</a:t>
+            </a:r>
+          </a:p>
+          <a:p>
+            <a:r>
+              <a:rPr lang="en-US" altLang="zh-CN" sz="1100" b="0" dirty="0">
+                <a:solidFill>
+                  <a:srgbClr val="D6D6DD"/>
+                </a:solidFill>
+                <a:effectLst/>
+                <a:latin typeface="Consolas" panose="020B0609020204030204" pitchFamily="49" charset="0"/>
+              </a:rPr>
+              <a:t>    </a:t>
+            </a:r>
+            <a:r>
+              <a:rPr lang="en-US" altLang="zh-CN" sz="1100" b="0" dirty="0">
+                <a:solidFill>
+                  <a:srgbClr val="82D2CE"/>
+                </a:solidFill>
+                <a:effectLst/>
+                <a:latin typeface="Consolas" panose="020B0609020204030204" pitchFamily="49" charset="0"/>
+              </a:rPr>
+              <a:t>def</a:t>
+            </a:r>
+            <a:r>
+              <a:rPr lang="en-US" altLang="zh-CN" sz="1100" b="0" dirty="0">
+                <a:solidFill>
+                  <a:srgbClr val="D6D6DD"/>
+                </a:solidFill>
+                <a:effectLst/>
+                <a:latin typeface="Consolas" panose="020B0609020204030204" pitchFamily="49" charset="0"/>
+              </a:rPr>
+              <a:t> </a:t>
+            </a:r>
+            <a:r>
+              <a:rPr lang="en-US" altLang="zh-CN" sz="1100" b="0" dirty="0">
+                <a:solidFill>
+                  <a:srgbClr val="EFB080"/>
+                </a:solidFill>
+                <a:effectLst/>
+                <a:latin typeface="Consolas" panose="020B0609020204030204" pitchFamily="49" charset="0"/>
+              </a:rPr>
+              <a:t>__</a:t>
+            </a:r>
+            <a:r>
+              <a:rPr lang="en-US" altLang="zh-CN" sz="1100" b="0" dirty="0" err="1">
+                <a:solidFill>
+                  <a:srgbClr val="EFB080"/>
+                </a:solidFill>
+                <a:effectLst/>
+                <a:latin typeface="Consolas" panose="020B0609020204030204" pitchFamily="49" charset="0"/>
+              </a:rPr>
+              <a:t>init</a:t>
+            </a:r>
+            <a:r>
+              <a:rPr lang="en-US" altLang="zh-CN" sz="1100" b="0" dirty="0">
+                <a:solidFill>
+                  <a:srgbClr val="EFB080"/>
+                </a:solidFill>
+                <a:effectLst/>
+                <a:latin typeface="Consolas" panose="020B0609020204030204" pitchFamily="49" charset="0"/>
+              </a:rPr>
+              <a:t>__</a:t>
+            </a:r>
+            <a:r>
+              <a:rPr lang="en-US" altLang="zh-CN" sz="1100" b="0" dirty="0">
+                <a:solidFill>
+                  <a:srgbClr val="D6D6DD"/>
+                </a:solidFill>
+                <a:effectLst/>
+                <a:latin typeface="Consolas" panose="020B0609020204030204" pitchFamily="49" charset="0"/>
+              </a:rPr>
+              <a:t>(</a:t>
+            </a:r>
+            <a:r>
+              <a:rPr lang="en-US" altLang="zh-CN" sz="1100" b="0" i="1" dirty="0">
+                <a:solidFill>
+                  <a:srgbClr val="EFB080"/>
+                </a:solidFill>
+                <a:effectLst/>
+                <a:latin typeface="Consolas" panose="020B0609020204030204" pitchFamily="49" charset="0"/>
+              </a:rPr>
+              <a:t>self</a:t>
+            </a:r>
+            <a:r>
+              <a:rPr lang="en-US" altLang="zh-CN" sz="1100" b="0" dirty="0">
+                <a:solidFill>
+                  <a:srgbClr val="D6D6DD"/>
+                </a:solidFill>
+                <a:effectLst/>
+                <a:latin typeface="Consolas" panose="020B0609020204030204" pitchFamily="49" charset="0"/>
+              </a:rPr>
+              <a:t>, </a:t>
+            </a:r>
+            <a:r>
+              <a:rPr lang="en-US" altLang="zh-CN" sz="1100" b="0" i="1" dirty="0" err="1">
+                <a:solidFill>
+                  <a:srgbClr val="F8C762"/>
+                </a:solidFill>
+                <a:effectLst/>
+                <a:latin typeface="Consolas" panose="020B0609020204030204" pitchFamily="49" charset="0"/>
+              </a:rPr>
+              <a:t>kp</a:t>
+            </a:r>
+            <a:r>
+              <a:rPr lang="en-US" altLang="zh-CN" sz="1100" b="0" dirty="0">
+                <a:solidFill>
+                  <a:srgbClr val="D6D6DD"/>
+                </a:solidFill>
+                <a:effectLst/>
+                <a:latin typeface="Consolas" panose="020B0609020204030204" pitchFamily="49" charset="0"/>
+              </a:rPr>
+              <a:t>, </a:t>
+            </a:r>
+            <a:r>
+              <a:rPr lang="en-US" altLang="zh-CN" sz="1100" b="0" i="1" dirty="0">
+                <a:solidFill>
+                  <a:srgbClr val="F8C762"/>
+                </a:solidFill>
+                <a:effectLst/>
+                <a:latin typeface="Consolas" panose="020B0609020204030204" pitchFamily="49" charset="0"/>
+              </a:rPr>
+              <a:t>ki</a:t>
+            </a:r>
+            <a:r>
+              <a:rPr lang="en-US" altLang="zh-CN" sz="1100" b="0" dirty="0">
+                <a:solidFill>
+                  <a:srgbClr val="D6D6DD"/>
+                </a:solidFill>
+                <a:effectLst/>
+                <a:latin typeface="Consolas" panose="020B0609020204030204" pitchFamily="49" charset="0"/>
+              </a:rPr>
+              <a:t>, </a:t>
+            </a:r>
+            <a:r>
+              <a:rPr lang="en-US" altLang="zh-CN" sz="1100" b="0" i="1" dirty="0" err="1">
+                <a:solidFill>
+                  <a:srgbClr val="F8C762"/>
+                </a:solidFill>
+                <a:effectLst/>
+                <a:latin typeface="Consolas" panose="020B0609020204030204" pitchFamily="49" charset="0"/>
+              </a:rPr>
+              <a:t>kd</a:t>
+            </a:r>
+            <a:r>
+              <a:rPr lang="en-US" altLang="zh-CN" sz="1100" b="0" dirty="0">
+                <a:solidFill>
+                  <a:srgbClr val="D6D6DD"/>
+                </a:solidFill>
+                <a:effectLst/>
+                <a:latin typeface="Consolas" panose="020B0609020204030204" pitchFamily="49" charset="0"/>
+              </a:rPr>
+              <a:t>, </a:t>
+            </a:r>
+            <a:r>
+              <a:rPr lang="en-US" altLang="zh-CN" sz="1100" b="0" i="1" dirty="0" err="1">
+                <a:solidFill>
+                  <a:srgbClr val="F8C762"/>
+                </a:solidFill>
+                <a:effectLst/>
+                <a:latin typeface="Consolas" panose="020B0609020204030204" pitchFamily="49" charset="0"/>
+              </a:rPr>
+              <a:t>hidden_size</a:t>
+            </a:r>
+            <a:r>
+              <a:rPr lang="en-US" altLang="zh-CN" sz="1100" b="0" dirty="0">
+                <a:solidFill>
+                  <a:srgbClr val="D6D6DD"/>
+                </a:solidFill>
+                <a:effectLst/>
+                <a:latin typeface="Consolas" panose="020B0609020204030204" pitchFamily="49" charset="0"/>
+              </a:rPr>
+              <a:t>):</a:t>
+            </a:r>
+          </a:p>
+          <a:p>
+            <a:r>
+              <a:rPr lang="en-US" altLang="zh-CN" sz="1100" b="0" dirty="0">
+                <a:solidFill>
+                  <a:srgbClr val="D6D6DD"/>
+                </a:solidFill>
+                <a:effectLst/>
+                <a:latin typeface="Consolas" panose="020B0609020204030204" pitchFamily="49" charset="0"/>
+              </a:rPr>
+              <a:t>        </a:t>
+            </a:r>
+            <a:r>
+              <a:rPr lang="en-US" altLang="zh-CN" sz="1100" b="0" dirty="0">
+                <a:solidFill>
+                  <a:srgbClr val="C1808A"/>
+                </a:solidFill>
+                <a:effectLst/>
+                <a:latin typeface="Consolas" panose="020B0609020204030204" pitchFamily="49" charset="0"/>
+              </a:rPr>
+              <a:t>self</a:t>
+            </a:r>
+            <a:r>
+              <a:rPr lang="en-US" altLang="zh-CN" sz="1100" b="0" dirty="0">
+                <a:solidFill>
+                  <a:srgbClr val="D6D6DD"/>
+                </a:solidFill>
+                <a:effectLst/>
+                <a:latin typeface="Consolas" panose="020B0609020204030204" pitchFamily="49" charset="0"/>
+              </a:rPr>
+              <a:t>.kp = </a:t>
+            </a:r>
+            <a:r>
+              <a:rPr lang="en-US" altLang="zh-CN" sz="1100" b="0" dirty="0" err="1">
+                <a:solidFill>
+                  <a:srgbClr val="D6D6DD"/>
+                </a:solidFill>
+                <a:effectLst/>
+                <a:latin typeface="Consolas" panose="020B0609020204030204" pitchFamily="49" charset="0"/>
+              </a:rPr>
+              <a:t>kp</a:t>
+            </a:r>
+            <a:endParaRPr lang="en-US" altLang="zh-CN" sz="1100" b="0" dirty="0">
+              <a:solidFill>
+                <a:srgbClr val="D6D6DD"/>
+              </a:solidFill>
+              <a:effectLst/>
+              <a:latin typeface="Consolas" panose="020B0609020204030204" pitchFamily="49" charset="0"/>
+            </a:endParaRPr>
+          </a:p>
+          <a:p>
+            <a:r>
+              <a:rPr lang="en-US" altLang="zh-CN" sz="1100" b="0" dirty="0">
+                <a:solidFill>
+                  <a:srgbClr val="D6D6DD"/>
+                </a:solidFill>
+                <a:effectLst/>
+                <a:latin typeface="Consolas" panose="020B0609020204030204" pitchFamily="49" charset="0"/>
+              </a:rPr>
+              <a:t>        </a:t>
+            </a:r>
+            <a:r>
+              <a:rPr lang="en-US" altLang="zh-CN" sz="1100" b="0" dirty="0">
+                <a:solidFill>
+                  <a:srgbClr val="C1808A"/>
+                </a:solidFill>
+                <a:effectLst/>
+                <a:latin typeface="Consolas" panose="020B0609020204030204" pitchFamily="49" charset="0"/>
+              </a:rPr>
+              <a:t>self</a:t>
+            </a:r>
+            <a:r>
+              <a:rPr lang="en-US" altLang="zh-CN" sz="1100" b="0" dirty="0">
+                <a:solidFill>
+                  <a:srgbClr val="D6D6DD"/>
+                </a:solidFill>
+                <a:effectLst/>
+                <a:latin typeface="Consolas" panose="020B0609020204030204" pitchFamily="49" charset="0"/>
+              </a:rPr>
+              <a:t>.ki = ki</a:t>
+            </a:r>
+          </a:p>
+          <a:p>
+            <a:r>
+              <a:rPr lang="en-US" altLang="zh-CN" sz="1100" b="0" dirty="0">
+                <a:solidFill>
+                  <a:srgbClr val="D6D6DD"/>
+                </a:solidFill>
+                <a:effectLst/>
+                <a:latin typeface="Consolas" panose="020B0609020204030204" pitchFamily="49" charset="0"/>
+              </a:rPr>
+              <a:t>        </a:t>
+            </a:r>
+            <a:r>
+              <a:rPr lang="en-US" altLang="zh-CN" sz="1100" b="0" dirty="0" err="1">
+                <a:solidFill>
+                  <a:srgbClr val="C1808A"/>
+                </a:solidFill>
+                <a:effectLst/>
+                <a:latin typeface="Consolas" panose="020B0609020204030204" pitchFamily="49" charset="0"/>
+              </a:rPr>
+              <a:t>self</a:t>
+            </a:r>
+            <a:r>
+              <a:rPr lang="en-US" altLang="zh-CN" sz="1100" b="0" dirty="0" err="1">
+                <a:solidFill>
+                  <a:srgbClr val="D6D6DD"/>
+                </a:solidFill>
+                <a:effectLst/>
+                <a:latin typeface="Consolas" panose="020B0609020204030204" pitchFamily="49" charset="0"/>
+              </a:rPr>
+              <a:t>.kd</a:t>
+            </a:r>
+            <a:r>
+              <a:rPr lang="en-US" altLang="zh-CN" sz="1100" b="0" dirty="0">
+                <a:solidFill>
+                  <a:srgbClr val="D6D6DD"/>
+                </a:solidFill>
+                <a:effectLst/>
+                <a:latin typeface="Consolas" panose="020B0609020204030204" pitchFamily="49" charset="0"/>
+              </a:rPr>
+              <a:t> = </a:t>
+            </a:r>
+            <a:r>
+              <a:rPr lang="en-US" altLang="zh-CN" sz="1100" b="0" dirty="0" err="1">
+                <a:solidFill>
+                  <a:srgbClr val="D6D6DD"/>
+                </a:solidFill>
+                <a:effectLst/>
+                <a:latin typeface="Consolas" panose="020B0609020204030204" pitchFamily="49" charset="0"/>
+              </a:rPr>
+              <a:t>kd</a:t>
+            </a:r>
+            <a:endParaRPr lang="en-US" altLang="zh-CN" sz="1100" b="0" dirty="0">
+              <a:solidFill>
+                <a:srgbClr val="D6D6DD"/>
+              </a:solidFill>
+              <a:effectLst/>
+              <a:latin typeface="Consolas" panose="020B0609020204030204" pitchFamily="49" charset="0"/>
+            </a:endParaRPr>
+          </a:p>
+          <a:p>
+            <a:r>
+              <a:rPr lang="en-US" altLang="zh-CN" sz="1100" b="0" dirty="0">
+                <a:solidFill>
+                  <a:srgbClr val="D6D6DD"/>
+                </a:solidFill>
+                <a:effectLst/>
+                <a:latin typeface="Consolas" panose="020B0609020204030204" pitchFamily="49" charset="0"/>
+              </a:rPr>
+              <a:t>        </a:t>
+            </a:r>
+            <a:r>
+              <a:rPr lang="en-US" altLang="zh-CN" sz="1100" b="0" dirty="0" err="1">
+                <a:solidFill>
+                  <a:srgbClr val="C1808A"/>
+                </a:solidFill>
+                <a:effectLst/>
+                <a:latin typeface="Consolas" panose="020B0609020204030204" pitchFamily="49" charset="0"/>
+              </a:rPr>
+              <a:t>self</a:t>
+            </a:r>
+            <a:r>
+              <a:rPr lang="en-US" altLang="zh-CN" sz="1100" b="0" dirty="0" err="1">
+                <a:solidFill>
+                  <a:srgbClr val="D6D6DD"/>
+                </a:solidFill>
+                <a:effectLst/>
+                <a:latin typeface="Consolas" panose="020B0609020204030204" pitchFamily="49" charset="0"/>
+              </a:rPr>
+              <a:t>.hidden_size</a:t>
+            </a:r>
+            <a:r>
+              <a:rPr lang="en-US" altLang="zh-CN" sz="1100" b="0" dirty="0">
+                <a:solidFill>
+                  <a:srgbClr val="D6D6DD"/>
+                </a:solidFill>
+                <a:effectLst/>
+                <a:latin typeface="Consolas" panose="020B0609020204030204" pitchFamily="49" charset="0"/>
+              </a:rPr>
+              <a:t> = </a:t>
+            </a:r>
+            <a:r>
+              <a:rPr lang="en-US" altLang="zh-CN" sz="1100" b="0" dirty="0" err="1">
+                <a:solidFill>
+                  <a:srgbClr val="D6D6DD"/>
+                </a:solidFill>
+                <a:effectLst/>
+                <a:latin typeface="Consolas" panose="020B0609020204030204" pitchFamily="49" charset="0"/>
+              </a:rPr>
+              <a:t>hidden_size</a:t>
+            </a:r>
+            <a:endParaRPr lang="en-US" altLang="zh-CN" sz="1100" b="0" dirty="0">
+              <a:solidFill>
+                <a:srgbClr val="D6D6DD"/>
+              </a:solidFill>
+              <a:effectLst/>
+              <a:latin typeface="Consolas" panose="020B0609020204030204" pitchFamily="49" charset="0"/>
+            </a:endParaRPr>
+          </a:p>
+          <a:p>
+            <a:r>
+              <a:rPr lang="en-US" altLang="zh-CN" sz="1100" b="0" dirty="0">
+                <a:solidFill>
+                  <a:srgbClr val="D6D6DD"/>
+                </a:solidFill>
+                <a:effectLst/>
+                <a:latin typeface="Consolas" panose="020B0609020204030204" pitchFamily="49" charset="0"/>
+              </a:rPr>
+              <a:t>        </a:t>
+            </a:r>
+            <a:r>
+              <a:rPr lang="en-US" altLang="zh-CN" sz="1100" b="0" dirty="0">
+                <a:solidFill>
+                  <a:srgbClr val="C1808A"/>
+                </a:solidFill>
+                <a:effectLst/>
+                <a:latin typeface="Consolas" panose="020B0609020204030204" pitchFamily="49" charset="0"/>
+              </a:rPr>
+              <a:t>self</a:t>
+            </a:r>
+            <a:r>
+              <a:rPr lang="en-US" altLang="zh-CN" sz="1100" b="0" dirty="0">
+                <a:solidFill>
+                  <a:srgbClr val="D6D6DD"/>
+                </a:solidFill>
+                <a:effectLst/>
+                <a:latin typeface="Consolas" panose="020B0609020204030204" pitchFamily="49" charset="0"/>
+              </a:rPr>
+              <a:t>.W1 = </a:t>
+            </a:r>
+            <a:r>
+              <a:rPr lang="en-US" altLang="zh-CN" sz="1100" b="0" dirty="0" err="1">
+                <a:solidFill>
+                  <a:srgbClr val="D6D6DD"/>
+                </a:solidFill>
+                <a:effectLst/>
+                <a:latin typeface="Consolas" panose="020B0609020204030204" pitchFamily="49" charset="0"/>
+              </a:rPr>
+              <a:t>np.random.</a:t>
+            </a:r>
+            <a:r>
+              <a:rPr lang="en-US" altLang="zh-CN" sz="1100" b="0" dirty="0" err="1">
+                <a:solidFill>
+                  <a:srgbClr val="AAA0FA"/>
+                </a:solidFill>
+                <a:effectLst/>
+                <a:latin typeface="Consolas" panose="020B0609020204030204" pitchFamily="49" charset="0"/>
+              </a:rPr>
+              <a:t>randn</a:t>
+            </a:r>
+            <a:r>
+              <a:rPr lang="en-US" altLang="zh-CN" sz="1100" b="0" dirty="0">
+                <a:solidFill>
+                  <a:srgbClr val="D6D6DD"/>
+                </a:solidFill>
+                <a:effectLst/>
+                <a:latin typeface="Consolas" panose="020B0609020204030204" pitchFamily="49" charset="0"/>
+              </a:rPr>
+              <a:t>(</a:t>
+            </a:r>
+            <a:r>
+              <a:rPr lang="en-US" altLang="zh-CN" sz="1100" b="0" dirty="0" err="1">
+                <a:solidFill>
+                  <a:srgbClr val="D6D6DD"/>
+                </a:solidFill>
+                <a:effectLst/>
+                <a:latin typeface="Consolas" panose="020B0609020204030204" pitchFamily="49" charset="0"/>
+              </a:rPr>
+              <a:t>hidden_size</a:t>
+            </a:r>
+            <a:r>
+              <a:rPr lang="en-US" altLang="zh-CN" sz="1100" b="0" dirty="0">
+                <a:solidFill>
+                  <a:srgbClr val="D6D6DD"/>
+                </a:solidFill>
+                <a:effectLst/>
+                <a:latin typeface="Consolas" panose="020B0609020204030204" pitchFamily="49" charset="0"/>
+              </a:rPr>
+              <a:t>, </a:t>
+            </a:r>
+            <a:r>
+              <a:rPr lang="en-US" altLang="zh-CN" sz="1100" b="0" dirty="0">
+                <a:solidFill>
+                  <a:srgbClr val="EBC88D"/>
+                </a:solidFill>
+                <a:effectLst/>
+                <a:latin typeface="Consolas" panose="020B0609020204030204" pitchFamily="49" charset="0"/>
+              </a:rPr>
+              <a:t>1</a:t>
+            </a:r>
+            <a:r>
+              <a:rPr lang="en-US" altLang="zh-CN" sz="1100" b="0" dirty="0">
+                <a:solidFill>
+                  <a:srgbClr val="D6D6DD"/>
+                </a:solidFill>
+                <a:effectLst/>
+                <a:latin typeface="Consolas" panose="020B0609020204030204" pitchFamily="49" charset="0"/>
+              </a:rPr>
+              <a:t>)</a:t>
+            </a:r>
+          </a:p>
+          <a:p>
+            <a:r>
+              <a:rPr lang="en-US" altLang="zh-CN" sz="1100" b="0" dirty="0">
+                <a:solidFill>
+                  <a:srgbClr val="D6D6DD"/>
+                </a:solidFill>
+                <a:effectLst/>
+                <a:latin typeface="Consolas" panose="020B0609020204030204" pitchFamily="49" charset="0"/>
+              </a:rPr>
+              <a:t>        </a:t>
+            </a:r>
+            <a:r>
+              <a:rPr lang="en-US" altLang="zh-CN" sz="1100" b="0" dirty="0">
+                <a:solidFill>
+                  <a:srgbClr val="C1808A"/>
+                </a:solidFill>
+                <a:effectLst/>
+                <a:latin typeface="Consolas" panose="020B0609020204030204" pitchFamily="49" charset="0"/>
+              </a:rPr>
+              <a:t>self</a:t>
+            </a:r>
+            <a:r>
+              <a:rPr lang="en-US" altLang="zh-CN" sz="1100" b="0" dirty="0">
+                <a:solidFill>
+                  <a:srgbClr val="D6D6DD"/>
+                </a:solidFill>
+                <a:effectLst/>
+                <a:latin typeface="Consolas" panose="020B0609020204030204" pitchFamily="49" charset="0"/>
+              </a:rPr>
+              <a:t>.b1 = </a:t>
+            </a:r>
+            <a:r>
+              <a:rPr lang="en-US" altLang="zh-CN" sz="1100" b="0" dirty="0" err="1">
+                <a:solidFill>
+                  <a:srgbClr val="D6D6DD"/>
+                </a:solidFill>
+                <a:effectLst/>
+                <a:latin typeface="Consolas" panose="020B0609020204030204" pitchFamily="49" charset="0"/>
+              </a:rPr>
+              <a:t>np.random.</a:t>
+            </a:r>
+            <a:r>
+              <a:rPr lang="en-US" altLang="zh-CN" sz="1100" b="0" dirty="0" err="1">
+                <a:solidFill>
+                  <a:srgbClr val="AAA0FA"/>
+                </a:solidFill>
+                <a:effectLst/>
+                <a:latin typeface="Consolas" panose="020B0609020204030204" pitchFamily="49" charset="0"/>
+              </a:rPr>
+              <a:t>randn</a:t>
+            </a:r>
+            <a:r>
+              <a:rPr lang="en-US" altLang="zh-CN" sz="1100" b="0" dirty="0">
+                <a:solidFill>
+                  <a:srgbClr val="D6D6DD"/>
+                </a:solidFill>
+                <a:effectLst/>
+                <a:latin typeface="Consolas" panose="020B0609020204030204" pitchFamily="49" charset="0"/>
+              </a:rPr>
+              <a:t>(</a:t>
+            </a:r>
+            <a:r>
+              <a:rPr lang="en-US" altLang="zh-CN" sz="1100" b="0" dirty="0" err="1">
+                <a:solidFill>
+                  <a:srgbClr val="D6D6DD"/>
+                </a:solidFill>
+                <a:effectLst/>
+                <a:latin typeface="Consolas" panose="020B0609020204030204" pitchFamily="49" charset="0"/>
+              </a:rPr>
+              <a:t>hidden_size</a:t>
+            </a:r>
+            <a:r>
+              <a:rPr lang="en-US" altLang="zh-CN" sz="1100" b="0" dirty="0">
+                <a:solidFill>
+                  <a:srgbClr val="D6D6DD"/>
+                </a:solidFill>
+                <a:effectLst/>
+                <a:latin typeface="Consolas" panose="020B0609020204030204" pitchFamily="49" charset="0"/>
+              </a:rPr>
+              <a:t>, </a:t>
+            </a:r>
+            <a:r>
+              <a:rPr lang="en-US" altLang="zh-CN" sz="1100" b="0" dirty="0">
+                <a:solidFill>
+                  <a:srgbClr val="EBC88D"/>
+                </a:solidFill>
+                <a:effectLst/>
+                <a:latin typeface="Consolas" panose="020B0609020204030204" pitchFamily="49" charset="0"/>
+              </a:rPr>
+              <a:t>1</a:t>
+            </a:r>
+            <a:r>
+              <a:rPr lang="en-US" altLang="zh-CN" sz="1100" b="0" dirty="0">
+                <a:solidFill>
+                  <a:srgbClr val="D6D6DD"/>
+                </a:solidFill>
+                <a:effectLst/>
+                <a:latin typeface="Consolas" panose="020B0609020204030204" pitchFamily="49" charset="0"/>
+              </a:rPr>
+              <a:t>)</a:t>
+            </a:r>
+          </a:p>
+          <a:p>
+            <a:r>
+              <a:rPr lang="en-US" altLang="zh-CN" sz="1100" b="0" dirty="0">
+                <a:solidFill>
+                  <a:srgbClr val="D6D6DD"/>
+                </a:solidFill>
+                <a:effectLst/>
+                <a:latin typeface="Consolas" panose="020B0609020204030204" pitchFamily="49" charset="0"/>
+              </a:rPr>
+              <a:t>        </a:t>
+            </a:r>
+            <a:r>
+              <a:rPr lang="en-US" altLang="zh-CN" sz="1100" b="0" dirty="0">
+                <a:solidFill>
+                  <a:srgbClr val="C1808A"/>
+                </a:solidFill>
+                <a:effectLst/>
+                <a:latin typeface="Consolas" panose="020B0609020204030204" pitchFamily="49" charset="0"/>
+              </a:rPr>
+              <a:t>self</a:t>
+            </a:r>
+            <a:r>
+              <a:rPr lang="en-US" altLang="zh-CN" sz="1100" b="0" dirty="0">
+                <a:solidFill>
+                  <a:srgbClr val="D6D6DD"/>
+                </a:solidFill>
+                <a:effectLst/>
+                <a:latin typeface="Consolas" panose="020B0609020204030204" pitchFamily="49" charset="0"/>
+              </a:rPr>
+              <a:t>.W2 = </a:t>
+            </a:r>
+            <a:r>
+              <a:rPr lang="en-US" altLang="zh-CN" sz="1100" b="0" dirty="0" err="1">
+                <a:solidFill>
+                  <a:srgbClr val="D6D6DD"/>
+                </a:solidFill>
+                <a:effectLst/>
+                <a:latin typeface="Consolas" panose="020B0609020204030204" pitchFamily="49" charset="0"/>
+              </a:rPr>
+              <a:t>np.random.</a:t>
+            </a:r>
+            <a:r>
+              <a:rPr lang="en-US" altLang="zh-CN" sz="1100" b="0" dirty="0" err="1">
+                <a:solidFill>
+                  <a:srgbClr val="AAA0FA"/>
+                </a:solidFill>
+                <a:effectLst/>
+                <a:latin typeface="Consolas" panose="020B0609020204030204" pitchFamily="49" charset="0"/>
+              </a:rPr>
+              <a:t>randn</a:t>
+            </a:r>
+            <a:r>
+              <a:rPr lang="en-US" altLang="zh-CN" sz="1100" b="0" dirty="0">
+                <a:solidFill>
+                  <a:srgbClr val="D6D6DD"/>
+                </a:solidFill>
+                <a:effectLst/>
+                <a:latin typeface="Consolas" panose="020B0609020204030204" pitchFamily="49" charset="0"/>
+              </a:rPr>
+              <a:t>(</a:t>
+            </a:r>
+            <a:r>
+              <a:rPr lang="en-US" altLang="zh-CN" sz="1100" b="0" dirty="0">
+                <a:solidFill>
+                  <a:srgbClr val="EBC88D"/>
+                </a:solidFill>
+                <a:effectLst/>
+                <a:latin typeface="Consolas" panose="020B0609020204030204" pitchFamily="49" charset="0"/>
+              </a:rPr>
+              <a:t>1</a:t>
+            </a:r>
+            <a:r>
+              <a:rPr lang="en-US" altLang="zh-CN" sz="1100" b="0" dirty="0">
+                <a:solidFill>
+                  <a:srgbClr val="D6D6DD"/>
+                </a:solidFill>
+                <a:effectLst/>
+                <a:latin typeface="Consolas" panose="020B0609020204030204" pitchFamily="49" charset="0"/>
+              </a:rPr>
+              <a:t>, </a:t>
+            </a:r>
+            <a:r>
+              <a:rPr lang="en-US" altLang="zh-CN" sz="1100" b="0" dirty="0" err="1">
+                <a:solidFill>
+                  <a:srgbClr val="D6D6DD"/>
+                </a:solidFill>
+                <a:effectLst/>
+                <a:latin typeface="Consolas" panose="020B0609020204030204" pitchFamily="49" charset="0"/>
+              </a:rPr>
+              <a:t>hidden_size</a:t>
+            </a:r>
+            <a:r>
+              <a:rPr lang="en-US" altLang="zh-CN" sz="1100" b="0" dirty="0">
+                <a:solidFill>
+                  <a:srgbClr val="D6D6DD"/>
+                </a:solidFill>
+                <a:effectLst/>
+                <a:latin typeface="Consolas" panose="020B0609020204030204" pitchFamily="49" charset="0"/>
+              </a:rPr>
+              <a:t>)</a:t>
+            </a:r>
+          </a:p>
+          <a:p>
+            <a:r>
+              <a:rPr lang="en-US" altLang="zh-CN" sz="1100" b="0" dirty="0">
+                <a:solidFill>
+                  <a:srgbClr val="D6D6DD"/>
+                </a:solidFill>
+                <a:effectLst/>
+                <a:latin typeface="Consolas" panose="020B0609020204030204" pitchFamily="49" charset="0"/>
+              </a:rPr>
+              <a:t>        </a:t>
+            </a:r>
+            <a:r>
+              <a:rPr lang="en-US" altLang="zh-CN" sz="1100" b="0" dirty="0">
+                <a:solidFill>
+                  <a:srgbClr val="C1808A"/>
+                </a:solidFill>
+                <a:effectLst/>
+                <a:latin typeface="Consolas" panose="020B0609020204030204" pitchFamily="49" charset="0"/>
+              </a:rPr>
+              <a:t>self</a:t>
+            </a:r>
+            <a:r>
+              <a:rPr lang="en-US" altLang="zh-CN" sz="1100" b="0" dirty="0">
+                <a:solidFill>
+                  <a:srgbClr val="D6D6DD"/>
+                </a:solidFill>
+                <a:effectLst/>
+                <a:latin typeface="Consolas" panose="020B0609020204030204" pitchFamily="49" charset="0"/>
+              </a:rPr>
+              <a:t>.b2 = </a:t>
+            </a:r>
+            <a:r>
+              <a:rPr lang="en-US" altLang="zh-CN" sz="1100" b="0" dirty="0" err="1">
+                <a:solidFill>
+                  <a:srgbClr val="D6D6DD"/>
+                </a:solidFill>
+                <a:effectLst/>
+                <a:latin typeface="Consolas" panose="020B0609020204030204" pitchFamily="49" charset="0"/>
+              </a:rPr>
+              <a:t>np.random.</a:t>
+            </a:r>
+            <a:r>
+              <a:rPr lang="en-US" altLang="zh-CN" sz="1100" b="0" dirty="0" err="1">
+                <a:solidFill>
+                  <a:srgbClr val="AAA0FA"/>
+                </a:solidFill>
+                <a:effectLst/>
+                <a:latin typeface="Consolas" panose="020B0609020204030204" pitchFamily="49" charset="0"/>
+              </a:rPr>
+              <a:t>randn</a:t>
+            </a:r>
+            <a:r>
+              <a:rPr lang="en-US" altLang="zh-CN" sz="1100" b="0" dirty="0">
+                <a:solidFill>
+                  <a:srgbClr val="D6D6DD"/>
+                </a:solidFill>
+                <a:effectLst/>
+                <a:latin typeface="Consolas" panose="020B0609020204030204" pitchFamily="49" charset="0"/>
+              </a:rPr>
+              <a:t>(</a:t>
+            </a:r>
+            <a:r>
+              <a:rPr lang="en-US" altLang="zh-CN" sz="1100" b="0" dirty="0">
+                <a:solidFill>
+                  <a:srgbClr val="EBC88D"/>
+                </a:solidFill>
+                <a:effectLst/>
+                <a:latin typeface="Consolas" panose="020B0609020204030204" pitchFamily="49" charset="0"/>
+              </a:rPr>
+              <a:t>1</a:t>
+            </a:r>
+            <a:r>
+              <a:rPr lang="en-US" altLang="zh-CN" sz="1100" b="0" dirty="0">
+                <a:solidFill>
+                  <a:srgbClr val="D6D6DD"/>
+                </a:solidFill>
+                <a:effectLst/>
+                <a:latin typeface="Consolas" panose="020B0609020204030204" pitchFamily="49" charset="0"/>
+              </a:rPr>
+              <a:t>, </a:t>
+            </a:r>
+            <a:r>
+              <a:rPr lang="en-US" altLang="zh-CN" sz="1100" b="0" dirty="0">
+                <a:solidFill>
+                  <a:srgbClr val="EBC88D"/>
+                </a:solidFill>
+                <a:effectLst/>
+                <a:latin typeface="Consolas" panose="020B0609020204030204" pitchFamily="49" charset="0"/>
+              </a:rPr>
+              <a:t>1</a:t>
+            </a:r>
+            <a:r>
+              <a:rPr lang="en-US" altLang="zh-CN" sz="1100" b="0" dirty="0">
+                <a:solidFill>
+                  <a:srgbClr val="D6D6DD"/>
+                </a:solidFill>
+                <a:effectLst/>
+                <a:latin typeface="Consolas" panose="020B0609020204030204" pitchFamily="49" charset="0"/>
+              </a:rPr>
+              <a:t>)</a:t>
+            </a:r>
+          </a:p>
+          <a:p>
+            <a:r>
+              <a:rPr lang="en-US" altLang="zh-CN" sz="1100" b="0" dirty="0">
+                <a:solidFill>
+                  <a:srgbClr val="D6D6DD"/>
+                </a:solidFill>
+                <a:effectLst/>
+                <a:latin typeface="Consolas" panose="020B0609020204030204" pitchFamily="49" charset="0"/>
+              </a:rPr>
+              <a:t>        </a:t>
+            </a:r>
+            <a:r>
+              <a:rPr lang="en-US" altLang="zh-CN" sz="1100" b="0" dirty="0" err="1">
+                <a:solidFill>
+                  <a:srgbClr val="C1808A"/>
+                </a:solidFill>
+                <a:effectLst/>
+                <a:latin typeface="Consolas" panose="020B0609020204030204" pitchFamily="49" charset="0"/>
+              </a:rPr>
+              <a:t>self</a:t>
+            </a:r>
+            <a:r>
+              <a:rPr lang="en-US" altLang="zh-CN" sz="1100" b="0" dirty="0" err="1">
+                <a:solidFill>
+                  <a:srgbClr val="D6D6DD"/>
+                </a:solidFill>
+                <a:effectLst/>
+                <a:latin typeface="Consolas" panose="020B0609020204030204" pitchFamily="49" charset="0"/>
+              </a:rPr>
+              <a:t>.</a:t>
+            </a:r>
+            <a:r>
+              <a:rPr lang="en-US" altLang="zh-CN" sz="1100" b="0" dirty="0" err="1">
+                <a:solidFill>
+                  <a:srgbClr val="AAA0FA"/>
+                </a:solidFill>
+                <a:effectLst/>
+                <a:latin typeface="Consolas" panose="020B0609020204030204" pitchFamily="49" charset="0"/>
+              </a:rPr>
+              <a:t>reset</a:t>
+            </a:r>
+            <a:r>
+              <a:rPr lang="en-US" altLang="zh-CN" sz="1100" b="0" dirty="0">
+                <a:solidFill>
+                  <a:srgbClr val="D6D6DD"/>
+                </a:solidFill>
+                <a:effectLst/>
+                <a:latin typeface="Consolas" panose="020B0609020204030204" pitchFamily="49" charset="0"/>
+              </a:rPr>
+              <a:t>()</a:t>
+            </a:r>
+          </a:p>
+          <a:p>
+            <a:br>
+              <a:rPr lang="en-US" altLang="zh-CN" sz="1100" b="0" dirty="0">
+                <a:solidFill>
+                  <a:srgbClr val="D6D6DD"/>
+                </a:solidFill>
+                <a:effectLst/>
+                <a:latin typeface="Consolas" panose="020B0609020204030204" pitchFamily="49" charset="0"/>
+              </a:rPr>
+            </a:br>
+            <a:r>
+              <a:rPr lang="en-US" altLang="zh-CN" sz="1100" b="0" dirty="0">
+                <a:solidFill>
+                  <a:srgbClr val="D6D6DD"/>
+                </a:solidFill>
+                <a:effectLst/>
+                <a:latin typeface="Consolas" panose="020B0609020204030204" pitchFamily="49" charset="0"/>
+              </a:rPr>
+              <a:t>    </a:t>
+            </a:r>
+            <a:r>
+              <a:rPr lang="en-US" altLang="zh-CN" sz="1100" b="0" dirty="0">
+                <a:solidFill>
+                  <a:srgbClr val="82D2CE"/>
+                </a:solidFill>
+                <a:effectLst/>
+                <a:latin typeface="Consolas" panose="020B0609020204030204" pitchFamily="49" charset="0"/>
+              </a:rPr>
+              <a:t>def</a:t>
+            </a:r>
+            <a:r>
+              <a:rPr lang="en-US" altLang="zh-CN" sz="1100" b="0" dirty="0">
+                <a:solidFill>
+                  <a:srgbClr val="D6D6DD"/>
+                </a:solidFill>
+                <a:effectLst/>
+                <a:latin typeface="Consolas" panose="020B0609020204030204" pitchFamily="49" charset="0"/>
+              </a:rPr>
+              <a:t> reset(</a:t>
+            </a:r>
+            <a:r>
+              <a:rPr lang="en-US" altLang="zh-CN" sz="1100" b="0" i="1" dirty="0">
+                <a:solidFill>
+                  <a:srgbClr val="EFB080"/>
+                </a:solidFill>
+                <a:effectLst/>
+                <a:latin typeface="Consolas" panose="020B0609020204030204" pitchFamily="49" charset="0"/>
+              </a:rPr>
+              <a:t>self</a:t>
+            </a:r>
+            <a:r>
+              <a:rPr lang="en-US" altLang="zh-CN" sz="1100" b="0" dirty="0">
+                <a:solidFill>
+                  <a:srgbClr val="D6D6DD"/>
+                </a:solidFill>
+                <a:effectLst/>
+                <a:latin typeface="Consolas" panose="020B0609020204030204" pitchFamily="49" charset="0"/>
+              </a:rPr>
+              <a:t>):</a:t>
+            </a:r>
+          </a:p>
+          <a:p>
+            <a:r>
+              <a:rPr lang="en-US" altLang="zh-CN" sz="1100" b="0" dirty="0">
+                <a:solidFill>
+                  <a:srgbClr val="D6D6DD"/>
+                </a:solidFill>
+                <a:effectLst/>
+                <a:latin typeface="Consolas" panose="020B0609020204030204" pitchFamily="49" charset="0"/>
+              </a:rPr>
+              <a:t>        </a:t>
+            </a:r>
+            <a:r>
+              <a:rPr lang="en-US" altLang="zh-CN" sz="1100" b="0" dirty="0" err="1">
+                <a:solidFill>
+                  <a:srgbClr val="C1808A"/>
+                </a:solidFill>
+                <a:effectLst/>
+                <a:latin typeface="Consolas" panose="020B0609020204030204" pitchFamily="49" charset="0"/>
+              </a:rPr>
+              <a:t>self</a:t>
+            </a:r>
+            <a:r>
+              <a:rPr lang="en-US" altLang="zh-CN" sz="1100" b="0" dirty="0" err="1">
+                <a:solidFill>
+                  <a:srgbClr val="D6D6DD"/>
+                </a:solidFill>
+                <a:effectLst/>
+                <a:latin typeface="Consolas" panose="020B0609020204030204" pitchFamily="49" charset="0"/>
+              </a:rPr>
+              <a:t>.last_error</a:t>
+            </a:r>
+            <a:r>
+              <a:rPr lang="en-US" altLang="zh-CN" sz="1100" b="0" dirty="0">
+                <a:solidFill>
+                  <a:srgbClr val="D6D6DD"/>
+                </a:solidFill>
+                <a:effectLst/>
+                <a:latin typeface="Consolas" panose="020B0609020204030204" pitchFamily="49" charset="0"/>
+              </a:rPr>
+              <a:t> = </a:t>
+            </a:r>
+            <a:r>
+              <a:rPr lang="en-US" altLang="zh-CN" sz="1100" b="0" dirty="0">
+                <a:solidFill>
+                  <a:srgbClr val="EBC88D"/>
+                </a:solidFill>
+                <a:effectLst/>
+                <a:latin typeface="Consolas" panose="020B0609020204030204" pitchFamily="49" charset="0"/>
+              </a:rPr>
+              <a:t>0</a:t>
+            </a:r>
+            <a:endParaRPr lang="en-US" altLang="zh-CN" sz="1100" b="0" dirty="0">
+              <a:solidFill>
+                <a:srgbClr val="D6D6DD"/>
+              </a:solidFill>
+              <a:effectLst/>
+              <a:latin typeface="Consolas" panose="020B0609020204030204" pitchFamily="49" charset="0"/>
+            </a:endParaRPr>
+          </a:p>
+          <a:p>
+            <a:r>
+              <a:rPr lang="en-US" altLang="zh-CN" sz="1100" b="0" dirty="0">
+                <a:solidFill>
+                  <a:srgbClr val="D6D6DD"/>
+                </a:solidFill>
+                <a:effectLst/>
+                <a:latin typeface="Consolas" panose="020B0609020204030204" pitchFamily="49" charset="0"/>
+              </a:rPr>
+              <a:t>        </a:t>
+            </a:r>
+            <a:r>
+              <a:rPr lang="en-US" altLang="zh-CN" sz="1100" b="0" dirty="0" err="1">
+                <a:solidFill>
+                  <a:srgbClr val="C1808A"/>
+                </a:solidFill>
+                <a:effectLst/>
+                <a:latin typeface="Consolas" panose="020B0609020204030204" pitchFamily="49" charset="0"/>
+              </a:rPr>
+              <a:t>self</a:t>
+            </a:r>
+            <a:r>
+              <a:rPr lang="en-US" altLang="zh-CN" sz="1100" b="0" dirty="0" err="1">
+                <a:solidFill>
+                  <a:srgbClr val="D6D6DD"/>
+                </a:solidFill>
+                <a:effectLst/>
+                <a:latin typeface="Consolas" panose="020B0609020204030204" pitchFamily="49" charset="0"/>
+              </a:rPr>
+              <a:t>.integral</a:t>
+            </a:r>
+            <a:r>
+              <a:rPr lang="en-US" altLang="zh-CN" sz="1100" b="0" dirty="0">
+                <a:solidFill>
+                  <a:srgbClr val="D6D6DD"/>
+                </a:solidFill>
+                <a:effectLst/>
+                <a:latin typeface="Consolas" panose="020B0609020204030204" pitchFamily="49" charset="0"/>
+              </a:rPr>
+              <a:t> = </a:t>
+            </a:r>
+            <a:r>
+              <a:rPr lang="en-US" altLang="zh-CN" sz="1100" b="0" dirty="0">
+                <a:solidFill>
+                  <a:srgbClr val="EBC88D"/>
+                </a:solidFill>
+                <a:effectLst/>
+                <a:latin typeface="Consolas" panose="020B0609020204030204" pitchFamily="49" charset="0"/>
+              </a:rPr>
+              <a:t>0</a:t>
+            </a:r>
+            <a:endParaRPr lang="en-US" altLang="zh-CN" sz="1100" b="0" dirty="0">
+              <a:solidFill>
+                <a:srgbClr val="D6D6DD"/>
+              </a:solidFill>
+              <a:effectLst/>
+              <a:latin typeface="Consolas" panose="020B0609020204030204" pitchFamily="49" charset="0"/>
+            </a:endParaRPr>
+          </a:p>
+          <a:p>
+            <a:br>
+              <a:rPr lang="en-US" altLang="zh-CN" sz="1100" b="0" dirty="0">
+                <a:solidFill>
+                  <a:srgbClr val="D6D6DD"/>
+                </a:solidFill>
+                <a:effectLst/>
+                <a:latin typeface="Consolas" panose="020B0609020204030204" pitchFamily="49" charset="0"/>
+              </a:rPr>
+            </a:br>
+            <a:r>
+              <a:rPr lang="en-US" altLang="zh-CN" sz="1100" b="0" dirty="0">
+                <a:solidFill>
+                  <a:srgbClr val="D6D6DD"/>
+                </a:solidFill>
+                <a:effectLst/>
+                <a:latin typeface="Consolas" panose="020B0609020204030204" pitchFamily="49" charset="0"/>
+              </a:rPr>
+              <a:t>    </a:t>
+            </a:r>
+            <a:r>
+              <a:rPr lang="en-US" altLang="zh-CN" sz="1100" b="0" dirty="0">
+                <a:solidFill>
+                  <a:srgbClr val="82D2CE"/>
+                </a:solidFill>
+                <a:effectLst/>
+                <a:latin typeface="Consolas" panose="020B0609020204030204" pitchFamily="49" charset="0"/>
+              </a:rPr>
+              <a:t>def</a:t>
+            </a:r>
+            <a:r>
+              <a:rPr lang="en-US" altLang="zh-CN" sz="1100" b="0" dirty="0">
+                <a:solidFill>
+                  <a:srgbClr val="D6D6DD"/>
+                </a:solidFill>
+                <a:effectLst/>
+                <a:latin typeface="Consolas" panose="020B0609020204030204" pitchFamily="49" charset="0"/>
+              </a:rPr>
+              <a:t> forward(</a:t>
+            </a:r>
+            <a:r>
+              <a:rPr lang="en-US" altLang="zh-CN" sz="1100" b="0" i="1" dirty="0">
+                <a:solidFill>
+                  <a:srgbClr val="EFB080"/>
+                </a:solidFill>
+                <a:effectLst/>
+                <a:latin typeface="Consolas" panose="020B0609020204030204" pitchFamily="49" charset="0"/>
+              </a:rPr>
+              <a:t>self</a:t>
+            </a:r>
+            <a:r>
+              <a:rPr lang="en-US" altLang="zh-CN" sz="1100" b="0" dirty="0">
+                <a:solidFill>
+                  <a:srgbClr val="D6D6DD"/>
+                </a:solidFill>
+                <a:effectLst/>
+                <a:latin typeface="Consolas" panose="020B0609020204030204" pitchFamily="49" charset="0"/>
+              </a:rPr>
+              <a:t>, </a:t>
+            </a:r>
+            <a:r>
+              <a:rPr lang="en-US" altLang="zh-CN" sz="1100" b="0" i="1" dirty="0">
+                <a:solidFill>
+                  <a:srgbClr val="F8C762"/>
+                </a:solidFill>
+                <a:effectLst/>
+                <a:latin typeface="Consolas" panose="020B0609020204030204" pitchFamily="49" charset="0"/>
+              </a:rPr>
+              <a:t>x</a:t>
+            </a:r>
+            <a:r>
+              <a:rPr lang="en-US" altLang="zh-CN" sz="1100" b="0" dirty="0">
+                <a:solidFill>
+                  <a:srgbClr val="D6D6DD"/>
+                </a:solidFill>
+                <a:effectLst/>
+                <a:latin typeface="Consolas" panose="020B0609020204030204" pitchFamily="49" charset="0"/>
+              </a:rPr>
+              <a:t>):</a:t>
+            </a:r>
+          </a:p>
+          <a:p>
+            <a:r>
+              <a:rPr lang="en-US" altLang="zh-CN" sz="1100" b="0" dirty="0">
+                <a:solidFill>
+                  <a:srgbClr val="D6D6DD"/>
+                </a:solidFill>
+                <a:effectLst/>
+                <a:latin typeface="Consolas" panose="020B0609020204030204" pitchFamily="49" charset="0"/>
+              </a:rPr>
+              <a:t>        x = </a:t>
+            </a:r>
+            <a:r>
+              <a:rPr lang="en-US" altLang="zh-CN" sz="1100" b="0" dirty="0" err="1">
+                <a:solidFill>
+                  <a:srgbClr val="D6D6DD"/>
+                </a:solidFill>
+                <a:effectLst/>
+                <a:latin typeface="Consolas" panose="020B0609020204030204" pitchFamily="49" charset="0"/>
+              </a:rPr>
+              <a:t>np.</a:t>
+            </a:r>
+            <a:r>
+              <a:rPr lang="en-US" altLang="zh-CN" sz="1100" b="0" dirty="0" err="1">
+                <a:solidFill>
+                  <a:srgbClr val="AAA0FA"/>
+                </a:solidFill>
+                <a:effectLst/>
+                <a:latin typeface="Consolas" panose="020B0609020204030204" pitchFamily="49" charset="0"/>
+              </a:rPr>
+              <a:t>array</a:t>
+            </a:r>
+            <a:r>
+              <a:rPr lang="en-US" altLang="zh-CN" sz="1100" b="0" dirty="0">
+                <a:solidFill>
+                  <a:srgbClr val="D6D6DD"/>
+                </a:solidFill>
+                <a:effectLst/>
+                <a:latin typeface="Consolas" panose="020B0609020204030204" pitchFamily="49" charset="0"/>
+              </a:rPr>
+              <a:t>(x).</a:t>
+            </a:r>
+            <a:r>
+              <a:rPr lang="en-US" altLang="zh-CN" sz="1100" b="0" dirty="0">
+                <a:solidFill>
+                  <a:srgbClr val="AAA0FA"/>
+                </a:solidFill>
+                <a:effectLst/>
+                <a:latin typeface="Consolas" panose="020B0609020204030204" pitchFamily="49" charset="0"/>
+              </a:rPr>
+              <a:t>reshape</a:t>
+            </a:r>
+            <a:r>
+              <a:rPr lang="en-US" altLang="zh-CN" sz="1100" b="0" dirty="0">
+                <a:solidFill>
+                  <a:srgbClr val="D6D6DD"/>
+                </a:solidFill>
+                <a:effectLst/>
+                <a:latin typeface="Consolas" panose="020B0609020204030204" pitchFamily="49" charset="0"/>
+              </a:rPr>
+              <a:t>(-</a:t>
+            </a:r>
+            <a:r>
+              <a:rPr lang="en-US" altLang="zh-CN" sz="1100" b="0" dirty="0">
+                <a:solidFill>
+                  <a:srgbClr val="EBC88D"/>
+                </a:solidFill>
+                <a:effectLst/>
+                <a:latin typeface="Consolas" panose="020B0609020204030204" pitchFamily="49" charset="0"/>
+              </a:rPr>
+              <a:t>1</a:t>
+            </a:r>
+            <a:r>
+              <a:rPr lang="en-US" altLang="zh-CN" sz="1100" b="0" dirty="0">
+                <a:solidFill>
+                  <a:srgbClr val="D6D6DD"/>
+                </a:solidFill>
+                <a:effectLst/>
+                <a:latin typeface="Consolas" panose="020B0609020204030204" pitchFamily="49" charset="0"/>
+              </a:rPr>
+              <a:t>, </a:t>
+            </a:r>
+            <a:r>
+              <a:rPr lang="en-US" altLang="zh-CN" sz="1100" b="0" dirty="0">
+                <a:solidFill>
+                  <a:srgbClr val="EBC88D"/>
+                </a:solidFill>
+                <a:effectLst/>
+                <a:latin typeface="Consolas" panose="020B0609020204030204" pitchFamily="49" charset="0"/>
+              </a:rPr>
+              <a:t>1</a:t>
+            </a:r>
+            <a:r>
+              <a:rPr lang="en-US" altLang="zh-CN" sz="1100" b="0" dirty="0">
+                <a:solidFill>
+                  <a:srgbClr val="D6D6DD"/>
+                </a:solidFill>
+                <a:effectLst/>
+                <a:latin typeface="Consolas" panose="020B0609020204030204" pitchFamily="49" charset="0"/>
+              </a:rPr>
+              <a:t>)</a:t>
+            </a:r>
+          </a:p>
+          <a:p>
+            <a:r>
+              <a:rPr lang="en-US" altLang="zh-CN" sz="1100" b="0" dirty="0">
+                <a:solidFill>
+                  <a:srgbClr val="D6D6DD"/>
+                </a:solidFill>
+                <a:effectLst/>
+                <a:latin typeface="Consolas" panose="020B0609020204030204" pitchFamily="49" charset="0"/>
+              </a:rPr>
+              <a:t>        z1 = np.</a:t>
+            </a:r>
+            <a:r>
+              <a:rPr lang="en-US" altLang="zh-CN" sz="1100" b="0" dirty="0">
+                <a:solidFill>
+                  <a:srgbClr val="AAA0FA"/>
+                </a:solidFill>
+                <a:effectLst/>
+                <a:latin typeface="Consolas" panose="020B0609020204030204" pitchFamily="49" charset="0"/>
+              </a:rPr>
+              <a:t>dot</a:t>
+            </a:r>
+            <a:r>
+              <a:rPr lang="en-US" altLang="zh-CN" sz="1100" b="0" dirty="0">
+                <a:solidFill>
+                  <a:srgbClr val="D6D6DD"/>
+                </a:solidFill>
+                <a:effectLst/>
+                <a:latin typeface="Consolas" panose="020B0609020204030204" pitchFamily="49" charset="0"/>
+              </a:rPr>
+              <a:t>(</a:t>
+            </a:r>
+            <a:r>
+              <a:rPr lang="en-US" altLang="zh-CN" sz="1100" b="0" dirty="0">
+                <a:solidFill>
+                  <a:srgbClr val="C1808A"/>
+                </a:solidFill>
+                <a:effectLst/>
+                <a:latin typeface="Consolas" panose="020B0609020204030204" pitchFamily="49" charset="0"/>
+              </a:rPr>
+              <a:t>self</a:t>
+            </a:r>
+            <a:r>
+              <a:rPr lang="en-US" altLang="zh-CN" sz="1100" b="0" dirty="0">
+                <a:solidFill>
+                  <a:srgbClr val="D6D6DD"/>
+                </a:solidFill>
+                <a:effectLst/>
+                <a:latin typeface="Consolas" panose="020B0609020204030204" pitchFamily="49" charset="0"/>
+              </a:rPr>
+              <a:t>.W1, x) + </a:t>
+            </a:r>
+            <a:r>
+              <a:rPr lang="en-US" altLang="zh-CN" sz="1100" b="0" dirty="0">
+                <a:solidFill>
+                  <a:srgbClr val="C1808A"/>
+                </a:solidFill>
+                <a:effectLst/>
+                <a:latin typeface="Consolas" panose="020B0609020204030204" pitchFamily="49" charset="0"/>
+              </a:rPr>
+              <a:t>self</a:t>
+            </a:r>
+            <a:r>
+              <a:rPr lang="en-US" altLang="zh-CN" sz="1100" b="0" dirty="0">
+                <a:solidFill>
+                  <a:srgbClr val="D6D6DD"/>
+                </a:solidFill>
+                <a:effectLst/>
+                <a:latin typeface="Consolas" panose="020B0609020204030204" pitchFamily="49" charset="0"/>
+              </a:rPr>
+              <a:t>.b1</a:t>
+            </a:r>
+          </a:p>
+          <a:p>
+            <a:r>
+              <a:rPr lang="en-US" altLang="zh-CN" sz="1100" b="0" dirty="0">
+                <a:solidFill>
+                  <a:srgbClr val="D6D6DD"/>
+                </a:solidFill>
+                <a:effectLst/>
+                <a:latin typeface="Consolas" panose="020B0609020204030204" pitchFamily="49" charset="0"/>
+              </a:rPr>
+              <a:t>        a1 = </a:t>
+            </a:r>
+            <a:r>
+              <a:rPr lang="en-US" altLang="zh-CN" sz="1100" b="0" dirty="0" err="1">
+                <a:solidFill>
+                  <a:srgbClr val="D6D6DD"/>
+                </a:solidFill>
+                <a:effectLst/>
+                <a:latin typeface="Consolas" panose="020B0609020204030204" pitchFamily="49" charset="0"/>
+              </a:rPr>
+              <a:t>np.</a:t>
+            </a:r>
+            <a:r>
+              <a:rPr lang="en-US" altLang="zh-CN" sz="1100" b="0" dirty="0" err="1">
+                <a:solidFill>
+                  <a:srgbClr val="AAA0FA"/>
+                </a:solidFill>
+                <a:effectLst/>
+                <a:latin typeface="Consolas" panose="020B0609020204030204" pitchFamily="49" charset="0"/>
+              </a:rPr>
+              <a:t>tanh</a:t>
+            </a:r>
+            <a:r>
+              <a:rPr lang="en-US" altLang="zh-CN" sz="1100" b="0" dirty="0">
+                <a:solidFill>
+                  <a:srgbClr val="D6D6DD"/>
+                </a:solidFill>
+                <a:effectLst/>
+                <a:latin typeface="Consolas" panose="020B0609020204030204" pitchFamily="49" charset="0"/>
+              </a:rPr>
+              <a:t>(z1)</a:t>
+            </a:r>
+          </a:p>
+          <a:p>
+            <a:r>
+              <a:rPr lang="en-US" altLang="zh-CN" sz="1100" b="0" dirty="0">
+                <a:solidFill>
+                  <a:srgbClr val="D6D6DD"/>
+                </a:solidFill>
+                <a:effectLst/>
+                <a:latin typeface="Consolas" panose="020B0609020204030204" pitchFamily="49" charset="0"/>
+              </a:rPr>
+              <a:t>        z2 = np.</a:t>
+            </a:r>
+            <a:r>
+              <a:rPr lang="en-US" altLang="zh-CN" sz="1100" b="0" dirty="0">
+                <a:solidFill>
+                  <a:srgbClr val="AAA0FA"/>
+                </a:solidFill>
+                <a:effectLst/>
+                <a:latin typeface="Consolas" panose="020B0609020204030204" pitchFamily="49" charset="0"/>
+              </a:rPr>
+              <a:t>dot</a:t>
+            </a:r>
+            <a:r>
+              <a:rPr lang="en-US" altLang="zh-CN" sz="1100" b="0" dirty="0">
+                <a:solidFill>
+                  <a:srgbClr val="D6D6DD"/>
+                </a:solidFill>
+                <a:effectLst/>
+                <a:latin typeface="Consolas" panose="020B0609020204030204" pitchFamily="49" charset="0"/>
+              </a:rPr>
+              <a:t>(</a:t>
+            </a:r>
+            <a:r>
+              <a:rPr lang="en-US" altLang="zh-CN" sz="1100" b="0" dirty="0">
+                <a:solidFill>
+                  <a:srgbClr val="C1808A"/>
+                </a:solidFill>
+                <a:effectLst/>
+                <a:latin typeface="Consolas" panose="020B0609020204030204" pitchFamily="49" charset="0"/>
+              </a:rPr>
+              <a:t>self</a:t>
+            </a:r>
+            <a:r>
+              <a:rPr lang="en-US" altLang="zh-CN" sz="1100" b="0" dirty="0">
+                <a:solidFill>
+                  <a:srgbClr val="D6D6DD"/>
+                </a:solidFill>
+                <a:effectLst/>
+                <a:latin typeface="Consolas" panose="020B0609020204030204" pitchFamily="49" charset="0"/>
+              </a:rPr>
+              <a:t>.W2, a1) + </a:t>
+            </a:r>
+            <a:r>
+              <a:rPr lang="en-US" altLang="zh-CN" sz="1100" b="0" dirty="0">
+                <a:solidFill>
+                  <a:srgbClr val="C1808A"/>
+                </a:solidFill>
+                <a:effectLst/>
+                <a:latin typeface="Consolas" panose="020B0609020204030204" pitchFamily="49" charset="0"/>
+              </a:rPr>
+              <a:t>self</a:t>
+            </a:r>
+            <a:r>
+              <a:rPr lang="en-US" altLang="zh-CN" sz="1100" b="0" dirty="0">
+                <a:solidFill>
+                  <a:srgbClr val="D6D6DD"/>
+                </a:solidFill>
+                <a:effectLst/>
+                <a:latin typeface="Consolas" panose="020B0609020204030204" pitchFamily="49" charset="0"/>
+              </a:rPr>
+              <a:t>.b2</a:t>
+            </a:r>
+          </a:p>
+          <a:p>
+            <a:r>
+              <a:rPr lang="en-US" altLang="zh-CN" sz="1100" b="0" dirty="0">
+                <a:solidFill>
+                  <a:srgbClr val="D6D6DD"/>
+                </a:solidFill>
+                <a:effectLst/>
+                <a:latin typeface="Consolas" panose="020B0609020204030204" pitchFamily="49" charset="0"/>
+              </a:rPr>
+              <a:t>        </a:t>
+            </a:r>
+            <a:r>
+              <a:rPr lang="en-US" altLang="zh-CN" sz="1100" b="0" i="1" dirty="0">
+                <a:solidFill>
+                  <a:srgbClr val="83D6C5"/>
+                </a:solidFill>
+                <a:effectLst/>
+                <a:latin typeface="Consolas" panose="020B0609020204030204" pitchFamily="49" charset="0"/>
+              </a:rPr>
+              <a:t>return</a:t>
+            </a:r>
+            <a:r>
+              <a:rPr lang="en-US" altLang="zh-CN" sz="1100" b="0" dirty="0">
+                <a:solidFill>
+                  <a:srgbClr val="D6D6DD"/>
+                </a:solidFill>
+                <a:effectLst/>
+                <a:latin typeface="Consolas" panose="020B0609020204030204" pitchFamily="49" charset="0"/>
+              </a:rPr>
+              <a:t> z2[</a:t>
+            </a:r>
+            <a:r>
+              <a:rPr lang="en-US" altLang="zh-CN" sz="1100" b="0" dirty="0">
+                <a:solidFill>
+                  <a:srgbClr val="EBC88D"/>
+                </a:solidFill>
+                <a:effectLst/>
+                <a:latin typeface="Consolas" panose="020B0609020204030204" pitchFamily="49" charset="0"/>
+              </a:rPr>
+              <a:t>0</a:t>
+            </a:r>
+            <a:r>
+              <a:rPr lang="en-US" altLang="zh-CN" sz="1100" b="0" dirty="0">
+                <a:solidFill>
+                  <a:srgbClr val="D6D6DD"/>
+                </a:solidFill>
+                <a:effectLst/>
+                <a:latin typeface="Consolas" panose="020B0609020204030204" pitchFamily="49" charset="0"/>
+              </a:rPr>
+              <a:t>, </a:t>
+            </a:r>
+            <a:r>
+              <a:rPr lang="en-US" altLang="zh-CN" sz="1100" b="0" dirty="0">
+                <a:solidFill>
+                  <a:srgbClr val="EBC88D"/>
+                </a:solidFill>
+                <a:effectLst/>
+                <a:latin typeface="Consolas" panose="020B0609020204030204" pitchFamily="49" charset="0"/>
+              </a:rPr>
+              <a:t>0</a:t>
+            </a:r>
+            <a:r>
+              <a:rPr lang="en-US" altLang="zh-CN" sz="1100" b="0" dirty="0">
+                <a:solidFill>
+                  <a:srgbClr val="D6D6DD"/>
+                </a:solidFill>
+                <a:effectLst/>
+                <a:latin typeface="Consolas" panose="020B0609020204030204" pitchFamily="49" charset="0"/>
+              </a:rPr>
+              <a:t>]</a:t>
+            </a:r>
+          </a:p>
+          <a:p>
+            <a:br>
+              <a:rPr lang="en-US" altLang="zh-CN" sz="1100" b="0" dirty="0">
+                <a:solidFill>
+                  <a:srgbClr val="D6D6DD"/>
+                </a:solidFill>
+                <a:effectLst/>
+                <a:latin typeface="Consolas" panose="020B0609020204030204" pitchFamily="49" charset="0"/>
+              </a:rPr>
+            </a:br>
+            <a:r>
+              <a:rPr lang="en-US" altLang="zh-CN" sz="1100" b="0" dirty="0">
+                <a:solidFill>
+                  <a:srgbClr val="D6D6DD"/>
+                </a:solidFill>
+                <a:effectLst/>
+                <a:latin typeface="Consolas" panose="020B0609020204030204" pitchFamily="49" charset="0"/>
+              </a:rPr>
+              <a:t>    </a:t>
+            </a:r>
+            <a:r>
+              <a:rPr lang="en-US" altLang="zh-CN" sz="1100" b="0" dirty="0">
+                <a:solidFill>
+                  <a:srgbClr val="82D2CE"/>
+                </a:solidFill>
+                <a:effectLst/>
+                <a:latin typeface="Consolas" panose="020B0609020204030204" pitchFamily="49" charset="0"/>
+              </a:rPr>
+              <a:t>def</a:t>
+            </a:r>
+            <a:r>
+              <a:rPr lang="en-US" altLang="zh-CN" sz="1100" b="0" dirty="0">
+                <a:solidFill>
+                  <a:srgbClr val="D6D6DD"/>
+                </a:solidFill>
+                <a:effectLst/>
+                <a:latin typeface="Consolas" panose="020B0609020204030204" pitchFamily="49" charset="0"/>
+              </a:rPr>
+              <a:t> update(</a:t>
+            </a:r>
+            <a:r>
+              <a:rPr lang="en-US" altLang="zh-CN" sz="1100" b="0" i="1" dirty="0">
+                <a:solidFill>
+                  <a:srgbClr val="EFB080"/>
+                </a:solidFill>
+                <a:effectLst/>
+                <a:latin typeface="Consolas" panose="020B0609020204030204" pitchFamily="49" charset="0"/>
+              </a:rPr>
+              <a:t>self</a:t>
+            </a:r>
+            <a:r>
+              <a:rPr lang="en-US" altLang="zh-CN" sz="1100" b="0" dirty="0">
+                <a:solidFill>
+                  <a:srgbClr val="D6D6DD"/>
+                </a:solidFill>
+                <a:effectLst/>
+                <a:latin typeface="Consolas" panose="020B0609020204030204" pitchFamily="49" charset="0"/>
+              </a:rPr>
+              <a:t>, </a:t>
+            </a:r>
+            <a:r>
+              <a:rPr lang="en-US" altLang="zh-CN" sz="1100" b="0" i="1" dirty="0">
+                <a:solidFill>
+                  <a:srgbClr val="F8C762"/>
+                </a:solidFill>
+                <a:effectLst/>
+                <a:latin typeface="Consolas" panose="020B0609020204030204" pitchFamily="49" charset="0"/>
+              </a:rPr>
+              <a:t>error</a:t>
+            </a:r>
+            <a:r>
+              <a:rPr lang="en-US" altLang="zh-CN" sz="1100" b="0" dirty="0">
+                <a:solidFill>
+                  <a:srgbClr val="D6D6DD"/>
+                </a:solidFill>
+                <a:effectLst/>
+                <a:latin typeface="Consolas" panose="020B0609020204030204" pitchFamily="49" charset="0"/>
+              </a:rPr>
+              <a:t>, </a:t>
+            </a:r>
+            <a:r>
+              <a:rPr lang="en-US" altLang="zh-CN" sz="1100" b="0" i="1" dirty="0">
+                <a:solidFill>
+                  <a:srgbClr val="F8C762"/>
+                </a:solidFill>
+                <a:effectLst/>
+                <a:latin typeface="Consolas" panose="020B0609020204030204" pitchFamily="49" charset="0"/>
+              </a:rPr>
+              <a:t>dt</a:t>
+            </a:r>
+            <a:r>
+              <a:rPr lang="en-US" altLang="zh-CN" sz="1100" b="0" dirty="0">
+                <a:solidFill>
+                  <a:srgbClr val="D6D6DD"/>
+                </a:solidFill>
+                <a:effectLst/>
+                <a:latin typeface="Consolas" panose="020B0609020204030204" pitchFamily="49" charset="0"/>
+              </a:rPr>
+              <a:t>):</a:t>
+            </a:r>
+          </a:p>
+          <a:p>
+            <a:r>
+              <a:rPr lang="en-US" altLang="zh-CN" sz="1100" b="0" dirty="0">
+                <a:solidFill>
+                  <a:srgbClr val="D6D6DD"/>
+                </a:solidFill>
+                <a:effectLst/>
+                <a:latin typeface="Consolas" panose="020B0609020204030204" pitchFamily="49" charset="0"/>
+              </a:rPr>
+              <a:t>        </a:t>
+            </a:r>
+            <a:r>
+              <a:rPr lang="en-US" altLang="zh-CN" sz="1100" b="0" dirty="0" err="1">
+                <a:solidFill>
+                  <a:srgbClr val="C1808A"/>
+                </a:solidFill>
+                <a:effectLst/>
+                <a:latin typeface="Consolas" panose="020B0609020204030204" pitchFamily="49" charset="0"/>
+              </a:rPr>
+              <a:t>self</a:t>
+            </a:r>
+            <a:r>
+              <a:rPr lang="en-US" altLang="zh-CN" sz="1100" b="0" dirty="0" err="1">
+                <a:solidFill>
+                  <a:srgbClr val="D6D6DD"/>
+                </a:solidFill>
+                <a:effectLst/>
+                <a:latin typeface="Consolas" panose="020B0609020204030204" pitchFamily="49" charset="0"/>
+              </a:rPr>
+              <a:t>.integral</a:t>
+            </a:r>
+            <a:r>
+              <a:rPr lang="en-US" altLang="zh-CN" sz="1100" b="0" dirty="0">
+                <a:solidFill>
+                  <a:srgbClr val="D6D6DD"/>
+                </a:solidFill>
+                <a:effectLst/>
+                <a:latin typeface="Consolas" panose="020B0609020204030204" pitchFamily="49" charset="0"/>
+              </a:rPr>
+              <a:t> += error * dt</a:t>
+            </a:r>
+          </a:p>
+          <a:p>
+            <a:r>
+              <a:rPr lang="en-US" altLang="zh-CN" sz="1100" b="0" dirty="0">
+                <a:solidFill>
+                  <a:srgbClr val="D6D6DD"/>
+                </a:solidFill>
+                <a:effectLst/>
+                <a:latin typeface="Consolas" panose="020B0609020204030204" pitchFamily="49" charset="0"/>
+              </a:rPr>
+              <a:t>        derivative = (error - </a:t>
+            </a:r>
+            <a:r>
+              <a:rPr lang="en-US" altLang="zh-CN" sz="1100" b="0" dirty="0" err="1">
+                <a:solidFill>
+                  <a:srgbClr val="C1808A"/>
+                </a:solidFill>
+                <a:effectLst/>
+                <a:latin typeface="Consolas" panose="020B0609020204030204" pitchFamily="49" charset="0"/>
+              </a:rPr>
+              <a:t>self</a:t>
+            </a:r>
+            <a:r>
+              <a:rPr lang="en-US" altLang="zh-CN" sz="1100" b="0" dirty="0" err="1">
+                <a:solidFill>
+                  <a:srgbClr val="D6D6DD"/>
+                </a:solidFill>
+                <a:effectLst/>
+                <a:latin typeface="Consolas" panose="020B0609020204030204" pitchFamily="49" charset="0"/>
+              </a:rPr>
+              <a:t>.last_error</a:t>
+            </a:r>
+            <a:r>
+              <a:rPr lang="en-US" altLang="zh-CN" sz="1100" b="0" dirty="0">
+                <a:solidFill>
+                  <a:srgbClr val="D6D6DD"/>
+                </a:solidFill>
+                <a:effectLst/>
+                <a:latin typeface="Consolas" panose="020B0609020204030204" pitchFamily="49" charset="0"/>
+              </a:rPr>
+              <a:t>) / dt</a:t>
+            </a:r>
+          </a:p>
+          <a:p>
+            <a:r>
+              <a:rPr lang="en-US" altLang="zh-CN" sz="1100" b="0" dirty="0">
+                <a:solidFill>
+                  <a:srgbClr val="D6D6DD"/>
+                </a:solidFill>
+                <a:effectLst/>
+                <a:latin typeface="Consolas" panose="020B0609020204030204" pitchFamily="49" charset="0"/>
+              </a:rPr>
+              <a:t>        output = </a:t>
+            </a:r>
+            <a:r>
+              <a:rPr lang="en-US" altLang="zh-CN" sz="1100" b="0" dirty="0">
+                <a:solidFill>
+                  <a:srgbClr val="C1808A"/>
+                </a:solidFill>
+                <a:effectLst/>
+                <a:latin typeface="Consolas" panose="020B0609020204030204" pitchFamily="49" charset="0"/>
+              </a:rPr>
+              <a:t>self</a:t>
+            </a:r>
+            <a:r>
+              <a:rPr lang="en-US" altLang="zh-CN" sz="1100" b="0" dirty="0">
+                <a:solidFill>
+                  <a:srgbClr val="D6D6DD"/>
+                </a:solidFill>
+                <a:effectLst/>
+                <a:latin typeface="Consolas" panose="020B0609020204030204" pitchFamily="49" charset="0"/>
+              </a:rPr>
+              <a:t>.kp * error + </a:t>
+            </a:r>
+            <a:r>
+              <a:rPr lang="en-US" altLang="zh-CN" sz="1100" b="0" dirty="0">
+                <a:solidFill>
+                  <a:srgbClr val="C1808A"/>
+                </a:solidFill>
+                <a:effectLst/>
+                <a:latin typeface="Consolas" panose="020B0609020204030204" pitchFamily="49" charset="0"/>
+              </a:rPr>
+              <a:t>self</a:t>
+            </a:r>
+            <a:r>
+              <a:rPr lang="en-US" altLang="zh-CN" sz="1100" b="0" dirty="0">
+                <a:solidFill>
+                  <a:srgbClr val="D6D6DD"/>
+                </a:solidFill>
+                <a:effectLst/>
+                <a:latin typeface="Consolas" panose="020B0609020204030204" pitchFamily="49" charset="0"/>
+              </a:rPr>
+              <a:t>.ki * </a:t>
+            </a:r>
+            <a:r>
+              <a:rPr lang="en-US" altLang="zh-CN" sz="1100" b="0" dirty="0" err="1">
+                <a:solidFill>
+                  <a:srgbClr val="C1808A"/>
+                </a:solidFill>
+                <a:effectLst/>
+                <a:latin typeface="Consolas" panose="020B0609020204030204" pitchFamily="49" charset="0"/>
+              </a:rPr>
+              <a:t>self</a:t>
+            </a:r>
+            <a:r>
+              <a:rPr lang="en-US" altLang="zh-CN" sz="1100" b="0" dirty="0" err="1">
+                <a:solidFill>
+                  <a:srgbClr val="D6D6DD"/>
+                </a:solidFill>
+                <a:effectLst/>
+                <a:latin typeface="Consolas" panose="020B0609020204030204" pitchFamily="49" charset="0"/>
+              </a:rPr>
+              <a:t>.integral</a:t>
+            </a:r>
+            <a:r>
+              <a:rPr lang="en-US" altLang="zh-CN" sz="1100" b="0" dirty="0">
+                <a:solidFill>
+                  <a:srgbClr val="D6D6DD"/>
+                </a:solidFill>
+                <a:effectLst/>
+                <a:latin typeface="Consolas" panose="020B0609020204030204" pitchFamily="49" charset="0"/>
+              </a:rPr>
+              <a:t> + </a:t>
+            </a:r>
+            <a:r>
+              <a:rPr lang="en-US" altLang="zh-CN" sz="1100" b="0" dirty="0" err="1">
+                <a:solidFill>
+                  <a:srgbClr val="C1808A"/>
+                </a:solidFill>
+                <a:effectLst/>
+                <a:latin typeface="Consolas" panose="020B0609020204030204" pitchFamily="49" charset="0"/>
+              </a:rPr>
+              <a:t>self</a:t>
+            </a:r>
+            <a:r>
+              <a:rPr lang="en-US" altLang="zh-CN" sz="1100" b="0" dirty="0" err="1">
+                <a:solidFill>
+                  <a:srgbClr val="D6D6DD"/>
+                </a:solidFill>
+                <a:effectLst/>
+                <a:latin typeface="Consolas" panose="020B0609020204030204" pitchFamily="49" charset="0"/>
+              </a:rPr>
+              <a:t>.kd</a:t>
+            </a:r>
+            <a:r>
+              <a:rPr lang="en-US" altLang="zh-CN" sz="1100" b="0" dirty="0">
+                <a:solidFill>
+                  <a:srgbClr val="D6D6DD"/>
+                </a:solidFill>
+                <a:effectLst/>
+                <a:latin typeface="Consolas" panose="020B0609020204030204" pitchFamily="49" charset="0"/>
+              </a:rPr>
+              <a:t> * derivative</a:t>
+            </a:r>
+          </a:p>
+          <a:p>
+            <a:r>
+              <a:rPr lang="en-US" altLang="zh-CN" sz="1100" b="0" dirty="0">
+                <a:solidFill>
+                  <a:srgbClr val="D6D6DD"/>
+                </a:solidFill>
+                <a:effectLst/>
+                <a:latin typeface="Consolas" panose="020B0609020204030204" pitchFamily="49" charset="0"/>
+              </a:rPr>
+              <a:t>        </a:t>
+            </a:r>
+            <a:r>
+              <a:rPr lang="en-US" altLang="zh-CN" sz="1100" b="0" dirty="0" err="1">
+                <a:solidFill>
+                  <a:srgbClr val="C1808A"/>
+                </a:solidFill>
+                <a:effectLst/>
+                <a:latin typeface="Consolas" panose="020B0609020204030204" pitchFamily="49" charset="0"/>
+              </a:rPr>
+              <a:t>self</a:t>
+            </a:r>
+            <a:r>
+              <a:rPr lang="en-US" altLang="zh-CN" sz="1100" b="0" dirty="0" err="1">
+                <a:solidFill>
+                  <a:srgbClr val="D6D6DD"/>
+                </a:solidFill>
+                <a:effectLst/>
+                <a:latin typeface="Consolas" panose="020B0609020204030204" pitchFamily="49" charset="0"/>
+              </a:rPr>
+              <a:t>.last_error</a:t>
+            </a:r>
+            <a:r>
+              <a:rPr lang="en-US" altLang="zh-CN" sz="1100" b="0" dirty="0">
+                <a:solidFill>
+                  <a:srgbClr val="D6D6DD"/>
+                </a:solidFill>
+                <a:effectLst/>
+                <a:latin typeface="Consolas" panose="020B0609020204030204" pitchFamily="49" charset="0"/>
+              </a:rPr>
+              <a:t> = error</a:t>
+            </a:r>
+          </a:p>
+          <a:p>
+            <a:r>
+              <a:rPr lang="en-US" altLang="zh-CN" sz="1100" b="0" dirty="0">
+                <a:solidFill>
+                  <a:srgbClr val="D6D6DD"/>
+                </a:solidFill>
+                <a:effectLst/>
+                <a:latin typeface="Consolas" panose="020B0609020204030204" pitchFamily="49" charset="0"/>
+              </a:rPr>
+              <a:t>        </a:t>
+            </a:r>
+            <a:r>
+              <a:rPr lang="en-US" altLang="zh-CN" sz="1100" b="0" i="1" dirty="0">
+                <a:solidFill>
+                  <a:srgbClr val="83D6C5"/>
+                </a:solidFill>
+                <a:effectLst/>
+                <a:latin typeface="Consolas" panose="020B0609020204030204" pitchFamily="49" charset="0"/>
+              </a:rPr>
+              <a:t>return</a:t>
+            </a:r>
+            <a:r>
+              <a:rPr lang="en-US" altLang="zh-CN" sz="1100" b="0" dirty="0">
+                <a:solidFill>
+                  <a:srgbClr val="D6D6DD"/>
+                </a:solidFill>
+                <a:effectLst/>
+                <a:latin typeface="Consolas" panose="020B0609020204030204" pitchFamily="49" charset="0"/>
+              </a:rPr>
+              <a:t> output</a:t>
+            </a:r>
+          </a:p>
+          <a:p>
+            <a:br>
+              <a:rPr lang="en-US" altLang="zh-CN" sz="1100" b="0" dirty="0">
+                <a:solidFill>
+                  <a:srgbClr val="D6D6DD"/>
+                </a:solidFill>
+                <a:effectLst/>
+                <a:latin typeface="Consolas" panose="020B0609020204030204" pitchFamily="49" charset="0"/>
+              </a:rPr>
+            </a:br>
+            <a:r>
+              <a:rPr lang="en-US" altLang="zh-CN" sz="1100" b="0" dirty="0">
+                <a:solidFill>
+                  <a:srgbClr val="D6D6DD"/>
+                </a:solidFill>
+                <a:effectLst/>
+                <a:latin typeface="Consolas" panose="020B0609020204030204" pitchFamily="49" charset="0"/>
+              </a:rPr>
+              <a:t>    </a:t>
+            </a:r>
+            <a:r>
+              <a:rPr lang="en-US" altLang="zh-CN" sz="1100" b="0" dirty="0">
+                <a:solidFill>
+                  <a:srgbClr val="82D2CE"/>
+                </a:solidFill>
+                <a:effectLst/>
+                <a:latin typeface="Consolas" panose="020B0609020204030204" pitchFamily="49" charset="0"/>
+              </a:rPr>
+              <a:t>def</a:t>
+            </a:r>
+            <a:r>
+              <a:rPr lang="en-US" altLang="zh-CN" sz="1100" b="0" dirty="0">
+                <a:solidFill>
+                  <a:srgbClr val="D6D6DD"/>
+                </a:solidFill>
+                <a:effectLst/>
+                <a:latin typeface="Consolas" panose="020B0609020204030204" pitchFamily="49" charset="0"/>
+              </a:rPr>
+              <a:t> control(</a:t>
+            </a:r>
+            <a:r>
+              <a:rPr lang="en-US" altLang="zh-CN" sz="1100" b="0" i="1" dirty="0">
+                <a:solidFill>
+                  <a:srgbClr val="EFB080"/>
+                </a:solidFill>
+                <a:effectLst/>
+                <a:latin typeface="Consolas" panose="020B0609020204030204" pitchFamily="49" charset="0"/>
+              </a:rPr>
+              <a:t>self</a:t>
+            </a:r>
+            <a:r>
+              <a:rPr lang="en-US" altLang="zh-CN" sz="1100" b="0" dirty="0">
+                <a:solidFill>
+                  <a:srgbClr val="D6D6DD"/>
+                </a:solidFill>
+                <a:effectLst/>
+                <a:latin typeface="Consolas" panose="020B0609020204030204" pitchFamily="49" charset="0"/>
+              </a:rPr>
+              <a:t>, </a:t>
+            </a:r>
+            <a:r>
+              <a:rPr lang="en-US" altLang="zh-CN" sz="1100" b="0" i="1" dirty="0">
+                <a:solidFill>
+                  <a:srgbClr val="F8C762"/>
+                </a:solidFill>
+                <a:effectLst/>
+                <a:latin typeface="Consolas" panose="020B0609020204030204" pitchFamily="49" charset="0"/>
+              </a:rPr>
+              <a:t>x</a:t>
+            </a:r>
+            <a:r>
+              <a:rPr lang="en-US" altLang="zh-CN" sz="1100" b="0" dirty="0">
+                <a:solidFill>
+                  <a:srgbClr val="D6D6DD"/>
+                </a:solidFill>
+                <a:effectLst/>
+                <a:latin typeface="Consolas" panose="020B0609020204030204" pitchFamily="49" charset="0"/>
+              </a:rPr>
+              <a:t>, </a:t>
+            </a:r>
+            <a:r>
+              <a:rPr lang="en-US" altLang="zh-CN" sz="1100" b="0" i="1" dirty="0">
+                <a:solidFill>
+                  <a:srgbClr val="F8C762"/>
+                </a:solidFill>
+                <a:effectLst/>
+                <a:latin typeface="Consolas" panose="020B0609020204030204" pitchFamily="49" charset="0"/>
+              </a:rPr>
+              <a:t>target</a:t>
+            </a:r>
+            <a:r>
+              <a:rPr lang="en-US" altLang="zh-CN" sz="1100" b="0" dirty="0">
+                <a:solidFill>
+                  <a:srgbClr val="D6D6DD"/>
+                </a:solidFill>
+                <a:effectLst/>
+                <a:latin typeface="Consolas" panose="020B0609020204030204" pitchFamily="49" charset="0"/>
+              </a:rPr>
+              <a:t>, </a:t>
+            </a:r>
+            <a:r>
+              <a:rPr lang="en-US" altLang="zh-CN" sz="1100" b="0" i="1" dirty="0">
+                <a:solidFill>
+                  <a:srgbClr val="F8C762"/>
+                </a:solidFill>
+                <a:effectLst/>
+                <a:latin typeface="Consolas" panose="020B0609020204030204" pitchFamily="49" charset="0"/>
+              </a:rPr>
+              <a:t>dt</a:t>
+            </a:r>
+            <a:r>
+              <a:rPr lang="en-US" altLang="zh-CN" sz="1100" b="0" dirty="0">
+                <a:solidFill>
+                  <a:srgbClr val="D6D6DD"/>
+                </a:solidFill>
+                <a:effectLst/>
+                <a:latin typeface="Consolas" panose="020B0609020204030204" pitchFamily="49" charset="0"/>
+              </a:rPr>
+              <a:t>):</a:t>
+            </a:r>
+          </a:p>
+          <a:p>
+            <a:r>
+              <a:rPr lang="en-US" altLang="zh-CN" sz="1100" b="0" dirty="0">
+                <a:solidFill>
+                  <a:srgbClr val="D6D6DD"/>
+                </a:solidFill>
+                <a:effectLst/>
+                <a:latin typeface="Consolas" panose="020B0609020204030204" pitchFamily="49" charset="0"/>
+              </a:rPr>
+              <a:t>        y = </a:t>
+            </a:r>
+            <a:r>
+              <a:rPr lang="en-US" altLang="zh-CN" sz="1100" b="0" dirty="0" err="1">
+                <a:solidFill>
+                  <a:srgbClr val="C1808A"/>
+                </a:solidFill>
+                <a:effectLst/>
+                <a:latin typeface="Consolas" panose="020B0609020204030204" pitchFamily="49" charset="0"/>
+              </a:rPr>
+              <a:t>self</a:t>
+            </a:r>
+            <a:r>
+              <a:rPr lang="en-US" altLang="zh-CN" sz="1100" b="0" dirty="0" err="1">
+                <a:solidFill>
+                  <a:srgbClr val="D6D6DD"/>
+                </a:solidFill>
+                <a:effectLst/>
+                <a:latin typeface="Consolas" panose="020B0609020204030204" pitchFamily="49" charset="0"/>
+              </a:rPr>
+              <a:t>.</a:t>
+            </a:r>
+            <a:r>
+              <a:rPr lang="en-US" altLang="zh-CN" sz="1100" b="0" dirty="0" err="1">
+                <a:solidFill>
+                  <a:srgbClr val="AAA0FA"/>
+                </a:solidFill>
+                <a:effectLst/>
+                <a:latin typeface="Consolas" panose="020B0609020204030204" pitchFamily="49" charset="0"/>
+              </a:rPr>
+              <a:t>forward</a:t>
+            </a:r>
+            <a:r>
+              <a:rPr lang="en-US" altLang="zh-CN" sz="1100" b="0" dirty="0">
+                <a:solidFill>
+                  <a:srgbClr val="D6D6DD"/>
+                </a:solidFill>
+                <a:effectLst/>
+                <a:latin typeface="Consolas" panose="020B0609020204030204" pitchFamily="49" charset="0"/>
+              </a:rPr>
+              <a:t>(x)</a:t>
+            </a:r>
+          </a:p>
+          <a:p>
+            <a:r>
+              <a:rPr lang="en-US" altLang="zh-CN" sz="1100" b="0" dirty="0">
+                <a:solidFill>
+                  <a:srgbClr val="D6D6DD"/>
+                </a:solidFill>
+                <a:effectLst/>
+                <a:latin typeface="Consolas" panose="020B0609020204030204" pitchFamily="49" charset="0"/>
+              </a:rPr>
+              <a:t>        error = target - y</a:t>
+            </a:r>
+          </a:p>
+          <a:p>
+            <a:r>
+              <a:rPr lang="en-US" altLang="zh-CN" sz="1100" b="0" dirty="0">
+                <a:solidFill>
+                  <a:srgbClr val="D6D6DD"/>
+                </a:solidFill>
+                <a:effectLst/>
+                <a:latin typeface="Consolas" panose="020B0609020204030204" pitchFamily="49" charset="0"/>
+              </a:rPr>
+              <a:t>        output = </a:t>
+            </a:r>
+            <a:r>
+              <a:rPr lang="en-US" altLang="zh-CN" sz="1100" b="0" dirty="0" err="1">
+                <a:solidFill>
+                  <a:srgbClr val="C1808A"/>
+                </a:solidFill>
+                <a:effectLst/>
+                <a:latin typeface="Consolas" panose="020B0609020204030204" pitchFamily="49" charset="0"/>
+              </a:rPr>
+              <a:t>self</a:t>
+            </a:r>
+            <a:r>
+              <a:rPr lang="en-US" altLang="zh-CN" sz="1100" b="0" dirty="0" err="1">
+                <a:solidFill>
+                  <a:srgbClr val="D6D6DD"/>
+                </a:solidFill>
+                <a:effectLst/>
+                <a:latin typeface="Consolas" panose="020B0609020204030204" pitchFamily="49" charset="0"/>
+              </a:rPr>
+              <a:t>.</a:t>
+            </a:r>
+            <a:r>
+              <a:rPr lang="en-US" altLang="zh-CN" sz="1100" b="0" dirty="0" err="1">
+                <a:solidFill>
+                  <a:srgbClr val="AAA0FA"/>
+                </a:solidFill>
+                <a:effectLst/>
+                <a:latin typeface="Consolas" panose="020B0609020204030204" pitchFamily="49" charset="0"/>
+              </a:rPr>
+              <a:t>update</a:t>
+            </a:r>
+            <a:r>
+              <a:rPr lang="en-US" altLang="zh-CN" sz="1100" b="0" dirty="0">
+                <a:solidFill>
+                  <a:srgbClr val="D6D6DD"/>
+                </a:solidFill>
+                <a:effectLst/>
+                <a:latin typeface="Consolas" panose="020B0609020204030204" pitchFamily="49" charset="0"/>
+              </a:rPr>
+              <a:t>(error, dt)</a:t>
+            </a:r>
+          </a:p>
+          <a:p>
+            <a:r>
+              <a:rPr lang="en-US" altLang="zh-CN" sz="1100" b="0" dirty="0">
+                <a:solidFill>
+                  <a:srgbClr val="D6D6DD"/>
+                </a:solidFill>
+                <a:effectLst/>
+                <a:latin typeface="Consolas" panose="020B0609020204030204" pitchFamily="49" charset="0"/>
+              </a:rPr>
+              <a:t>        </a:t>
+            </a:r>
+            <a:r>
+              <a:rPr lang="en-US" altLang="zh-CN" sz="1100" b="0" i="1" dirty="0">
+                <a:solidFill>
+                  <a:srgbClr val="83D6C5"/>
+                </a:solidFill>
+                <a:effectLst/>
+                <a:latin typeface="Consolas" panose="020B0609020204030204" pitchFamily="49" charset="0"/>
+              </a:rPr>
+              <a:t>return</a:t>
+            </a:r>
+            <a:r>
+              <a:rPr lang="en-US" altLang="zh-CN" sz="1100" b="0" dirty="0">
+                <a:solidFill>
+                  <a:srgbClr val="D6D6DD"/>
+                </a:solidFill>
+                <a:effectLst/>
+                <a:latin typeface="Consolas" panose="020B0609020204030204" pitchFamily="49" charset="0"/>
+              </a:rPr>
+              <a:t> output</a:t>
+            </a:r>
+          </a:p>
+        </p:txBody>
+      </p:sp>
+    </p:spTree>
+    <p:extLst>
+      <p:ext uri="{BB962C8B-B14F-4D97-AF65-F5344CB8AC3E}">
+        <p14:creationId xmlns:p14="http://schemas.microsoft.com/office/powerpoint/2010/main" val="648069280"/>
+      </p:ext>
+    </p:extLst>
+  </p:cSld>
+  <p:clrMapOvr>
+    <a:masterClrMapping/>
+  </p:clrMapOvr>
+</p:sld>
+</file>
+
+<file path=ppt/slides/slide56.xml><?xml version="1.0" encoding="utf-8"?>
+<p:sld xmlns:a="http://schemas.openxmlformats.org/drawingml/2006/main" xmlns:r="http://schemas.openxmlformats.org/officeDocument/2006/relationships" xmlns:p="http://schemas.openxmlformats.org/presentationml/2006/main">
+  <p:cSld>
+    <p:spTree>
+      <p:nvGrpSpPr>
+        <p:cNvPr id="1" name=""/>
+        <p:cNvGrpSpPr/>
+        <p:nvPr/>
+      </p:nvGrpSpPr>
+      <p:grpSpPr>
+        <a:xfrm>
+          <a:off x="0" y="0"/>
+          <a:ext cx="0" cy="0"/>
+          <a:chOff x="0" y="0"/>
+          <a:chExt cx="0" cy="0"/>
+        </a:xfrm>
+      </p:grpSpPr>
+      <p:sp>
+        <p:nvSpPr>
+          <p:cNvPr id="2" name="文本框 1">
+            <a:extLst>
+              <a:ext uri="{FF2B5EF4-FFF2-40B4-BE49-F238E27FC236}">
+                <a16:creationId xmlns:a16="http://schemas.microsoft.com/office/drawing/2014/main" id="{9EC3CF20-9248-4C27-A5C8-32A4A2C16A7E}"/>
+              </a:ext>
+            </a:extLst>
+          </p:cNvPr>
+          <p:cNvSpPr txBox="1"/>
+          <p:nvPr/>
+        </p:nvSpPr>
+        <p:spPr>
+          <a:xfrm>
+            <a:off x="516294" y="528735"/>
+            <a:ext cx="8372669" cy="2308324"/>
+          </a:xfrm>
+          <a:prstGeom prst="rect">
+            <a:avLst/>
+          </a:prstGeom>
+          <a:noFill/>
+        </p:spPr>
+        <p:txBody>
+          <a:bodyPr wrap="square" rtlCol="0">
+            <a:spAutoFit/>
+          </a:bodyPr>
+          <a:lstStyle/>
+          <a:p>
+            <a:r>
+              <a:rPr lang="zh-CN" altLang="en-US" dirty="0"/>
+              <a:t>关于</a:t>
+            </a:r>
+            <a:r>
+              <a:rPr lang="en-US" altLang="zh-CN" dirty="0"/>
+              <a:t>FCT slowdown</a:t>
+            </a:r>
+            <a:r>
+              <a:rPr lang="zh-CN" altLang="en-US" dirty="0"/>
+              <a:t>指标：</a:t>
+            </a:r>
+            <a:endParaRPr lang="en-US" altLang="zh-CN" dirty="0"/>
+          </a:p>
+          <a:p>
+            <a:r>
+              <a:rPr lang="zh-CN" altLang="en-US" dirty="0"/>
+              <a:t>当设置所有节点发送</a:t>
+            </a:r>
+            <a:r>
+              <a:rPr lang="en-US" altLang="zh-CN" dirty="0"/>
+              <a:t>RTT</a:t>
+            </a:r>
+            <a:r>
+              <a:rPr lang="zh-CN" altLang="en-US" dirty="0"/>
+              <a:t>目标都为</a:t>
+            </a:r>
+            <a:r>
+              <a:rPr lang="en-US" altLang="zh-CN" dirty="0"/>
+              <a:t>5us</a:t>
+            </a:r>
+            <a:r>
+              <a:rPr lang="zh-CN" altLang="en-US" dirty="0"/>
+              <a:t>时，链路传播时延若大于</a:t>
+            </a:r>
+            <a:r>
+              <a:rPr lang="en-US" altLang="zh-CN" dirty="0"/>
+              <a:t>5us</a:t>
+            </a:r>
+            <a:r>
+              <a:rPr lang="zh-CN" altLang="en-US" dirty="0"/>
+              <a:t>，该节点则会一直以最低速度发送；实际过程中很多流传播时延大于</a:t>
+            </a:r>
+            <a:r>
+              <a:rPr lang="en-US" altLang="zh-CN" dirty="0"/>
+              <a:t>5us</a:t>
+            </a:r>
+            <a:r>
+              <a:rPr lang="zh-CN" altLang="en-US" dirty="0"/>
+              <a:t>，这使得整个链路带宽利用不足，不考虑窗口限制</a:t>
+            </a:r>
+            <a:endParaRPr lang="en-US" altLang="zh-CN" dirty="0"/>
+          </a:p>
+          <a:p>
+            <a:r>
+              <a:rPr lang="zh-CN" altLang="en-US" dirty="0"/>
+              <a:t>流完成时间主要包括两个：发送时间</a:t>
+            </a:r>
+            <a:r>
+              <a:rPr lang="en-US" altLang="zh-CN" dirty="0"/>
+              <a:t>+</a:t>
+            </a:r>
+            <a:r>
+              <a:rPr lang="zh-CN" altLang="en-US" dirty="0"/>
+              <a:t>最后一个</a:t>
+            </a:r>
+            <a:r>
+              <a:rPr lang="en-US" altLang="zh-CN" dirty="0"/>
+              <a:t>RTT</a:t>
+            </a:r>
+            <a:r>
+              <a:rPr lang="zh-CN" altLang="en-US" dirty="0"/>
+              <a:t>往返时延</a:t>
+            </a:r>
+            <a:endParaRPr lang="en-US" altLang="zh-CN" dirty="0"/>
+          </a:p>
+          <a:p>
+            <a:r>
+              <a:rPr lang="zh-CN" altLang="en-US" dirty="0"/>
+              <a:t>流很小时，流完成时间主要为</a:t>
+            </a:r>
+            <a:r>
+              <a:rPr lang="en-US" altLang="zh-CN" dirty="0"/>
+              <a:t>RTT</a:t>
+            </a:r>
+            <a:r>
+              <a:rPr lang="zh-CN" altLang="en-US" dirty="0"/>
+              <a:t>往返时延，网络越拥塞，</a:t>
+            </a:r>
+            <a:r>
+              <a:rPr lang="en-US" altLang="zh-CN" dirty="0"/>
+              <a:t>FCT slowdown</a:t>
+            </a:r>
+            <a:r>
+              <a:rPr lang="zh-CN" altLang="en-US" dirty="0"/>
+              <a:t>越大。</a:t>
+            </a:r>
+            <a:endParaRPr lang="en-US" altLang="zh-CN" dirty="0"/>
+          </a:p>
+          <a:p>
+            <a:r>
+              <a:rPr lang="zh-CN" altLang="en-US" dirty="0"/>
+              <a:t>流很大时，流完成时间主要为发送时间，发送速率越小，</a:t>
+            </a:r>
+            <a:r>
+              <a:rPr lang="en-US" altLang="zh-CN" dirty="0"/>
+              <a:t>FCT slowdown</a:t>
+            </a:r>
+            <a:r>
+              <a:rPr lang="zh-CN" altLang="en-US" dirty="0"/>
+              <a:t>越大。</a:t>
+            </a:r>
+            <a:endParaRPr lang="en-US" altLang="zh-CN" dirty="0"/>
+          </a:p>
+          <a:p>
+            <a:endParaRPr lang="zh-CN" altLang="en-US" dirty="0"/>
+          </a:p>
+        </p:txBody>
+      </p:sp>
+    </p:spTree>
+    <p:extLst>
+      <p:ext uri="{BB962C8B-B14F-4D97-AF65-F5344CB8AC3E}">
+        <p14:creationId xmlns:p14="http://schemas.microsoft.com/office/powerpoint/2010/main" val="2755695741"/>
+      </p:ext>
+    </p:extLst>
+  </p:cSld>
+  <p:clrMapOvr>
+    <a:masterClrMapping/>
+  </p:clrMapOvr>
+</p:sld>
+</file>
+
+<file path=ppt/slides/slide57.xml><?xml version="1.0" encoding="utf-8"?>
+<p:sld xmlns:a="http://schemas.openxmlformats.org/drawingml/2006/main" xmlns:r="http://schemas.openxmlformats.org/officeDocument/2006/relationships" xmlns:p="http://schemas.openxmlformats.org/presentationml/2006/main">
+  <p:cSld>
+    <p:spTree>
+      <p:nvGrpSpPr>
+        <p:cNvPr id="1" name=""/>
+        <p:cNvGrpSpPr/>
+        <p:nvPr/>
+      </p:nvGrpSpPr>
+      <p:grpSpPr>
+        <a:xfrm>
+          <a:off x="0" y="0"/>
+          <a:ext cx="0" cy="0"/>
+          <a:chOff x="0" y="0"/>
+          <a:chExt cx="0" cy="0"/>
+        </a:xfrm>
+      </p:grpSpPr>
+      <p:sp>
+        <p:nvSpPr>
+          <p:cNvPr id="3" name="文本框 2">
+            <a:extLst>
+              <a:ext uri="{FF2B5EF4-FFF2-40B4-BE49-F238E27FC236}">
+                <a16:creationId xmlns:a16="http://schemas.microsoft.com/office/drawing/2014/main" id="{9E7D42E0-8282-4BE9-A170-28E231300816}"/>
+              </a:ext>
+            </a:extLst>
+          </p:cNvPr>
+          <p:cNvSpPr txBox="1"/>
+          <p:nvPr/>
+        </p:nvSpPr>
+        <p:spPr>
+          <a:xfrm>
+            <a:off x="1169437" y="801269"/>
+            <a:ext cx="6096000" cy="646331"/>
+          </a:xfrm>
+          <a:prstGeom prst="rect">
+            <a:avLst/>
+          </a:prstGeom>
+          <a:noFill/>
+        </p:spPr>
+        <p:txBody>
+          <a:bodyPr wrap="square">
+            <a:spAutoFit/>
+          </a:bodyPr>
+          <a:lstStyle/>
+          <a:p>
+            <a:r>
+              <a:rPr lang="zh-CN" altLang="en-US" dirty="0">
+                <a:hlinkClick r:id="rId2"/>
+              </a:rPr>
+              <a:t>模糊自适应</a:t>
+            </a:r>
+            <a:r>
+              <a:rPr lang="en-US" altLang="zh-CN" dirty="0">
+                <a:hlinkClick r:id="rId2"/>
+              </a:rPr>
+              <a:t>PID</a:t>
+            </a:r>
+            <a:r>
+              <a:rPr lang="zh-CN" altLang="en-US" dirty="0">
+                <a:hlinkClick r:id="rId2"/>
+              </a:rPr>
+              <a:t>算法及其运用</a:t>
+            </a:r>
+            <a:r>
+              <a:rPr lang="en-US" altLang="zh-CN" dirty="0">
+                <a:hlinkClick r:id="rId2"/>
+              </a:rPr>
+              <a:t>_</a:t>
+            </a:r>
+            <a:r>
+              <a:rPr lang="zh-CN" altLang="en-US" dirty="0">
+                <a:hlinkClick r:id="rId2"/>
+              </a:rPr>
+              <a:t>镜璍氺月的博客</a:t>
+            </a:r>
+            <a:r>
+              <a:rPr lang="en-US" altLang="zh-CN" dirty="0">
+                <a:hlinkClick r:id="rId2"/>
+              </a:rPr>
+              <a:t>-CSDN</a:t>
+            </a:r>
+            <a:r>
+              <a:rPr lang="zh-CN" altLang="en-US" dirty="0">
+                <a:hlinkClick r:id="rId2"/>
+              </a:rPr>
+              <a:t>博客</a:t>
+            </a:r>
+            <a:endParaRPr lang="en-US" altLang="zh-CN" dirty="0"/>
+          </a:p>
+          <a:p>
+            <a:r>
+              <a:rPr lang="zh-CN" altLang="en-US" dirty="0">
+                <a:hlinkClick r:id="rId3"/>
+              </a:rPr>
+              <a:t>自适应</a:t>
+            </a:r>
+            <a:r>
+              <a:rPr lang="en-US" altLang="zh-CN" dirty="0">
+                <a:hlinkClick r:id="rId3"/>
+              </a:rPr>
+              <a:t>PID</a:t>
+            </a:r>
+            <a:r>
+              <a:rPr lang="zh-CN" altLang="en-US" dirty="0">
+                <a:hlinkClick r:id="rId3"/>
+              </a:rPr>
+              <a:t>控制</a:t>
+            </a:r>
+            <a:r>
+              <a:rPr lang="en-US" altLang="zh-CN" dirty="0">
+                <a:hlinkClick r:id="rId3"/>
+              </a:rPr>
+              <a:t>_</a:t>
+            </a:r>
+            <a:r>
+              <a:rPr lang="zh-CN" altLang="en-US" dirty="0">
+                <a:hlinkClick r:id="rId3"/>
+              </a:rPr>
+              <a:t>百度百科 </a:t>
+            </a:r>
+            <a:r>
+              <a:rPr lang="en-US" altLang="zh-CN">
+                <a:hlinkClick r:id="rId3"/>
+              </a:rPr>
+              <a:t>(baidu.com)</a:t>
+            </a:r>
+            <a:endParaRPr lang="zh-CN" altLang="en-US" dirty="0"/>
+          </a:p>
+        </p:txBody>
+      </p:sp>
+    </p:spTree>
+    <p:extLst>
+      <p:ext uri="{BB962C8B-B14F-4D97-AF65-F5344CB8AC3E}">
+        <p14:creationId xmlns:p14="http://schemas.microsoft.com/office/powerpoint/2010/main" val="346859260"/>
       </p:ext>
     </p:extLst>
   </p:cSld>
